--- a/Azurefunction 2.0.pptx
+++ b/Azurefunction 2.0.pptx
@@ -18,7 +18,8 @@
     <p:sldId id="265" r:id="rId12"/>
     <p:sldId id="267" r:id="rId13"/>
     <p:sldId id="268" r:id="rId14"/>
-    <p:sldId id="260" r:id="rId15"/>
+    <p:sldId id="269" r:id="rId15"/>
+    <p:sldId id="260" r:id="rId16"/>
   </p:sldIdLst>
   <p:sldSz cx="9144000" cy="5143500" type="screen16x9"/>
   <p:notesSz cx="6858000" cy="9144000"/>
@@ -28214,13 +28215,16 @@
             </a:r>
           </a:p>
           <a:p>
-            <a:endParaRPr lang="en-US" dirty="0">
-              <a:solidFill>
-                <a:schemeClr val="accent3">
-                  <a:lumMod val="75000"/>
-                </a:schemeClr>
-              </a:solidFill>
-            </a:endParaRPr>
+            <a:r>
+              <a:rPr lang="en-US" dirty="0">
+                <a:solidFill>
+                  <a:schemeClr val="accent3">
+                    <a:lumMod val="75000"/>
+                  </a:schemeClr>
+                </a:solidFill>
+              </a:rPr>
+              <a:t>What if the function is not short lived, simple and stateless</a:t>
+            </a:r>
           </a:p>
           <a:p>
             <a:r>
@@ -28231,25 +28235,56 @@
                   </a:schemeClr>
                 </a:solidFill>
               </a:rPr>
-              <a:t>What if the function is not short lived, simple </a:t>
+              <a:t>What when you need a Stateful Orchestrator that is</a:t>
             </a:r>
+          </a:p>
+          <a:p>
+            <a:pPr marL="342900" indent="-342900">
+              <a:buFont typeface="Arial" panose="020B0604020202020204" pitchFamily="34" charset="0"/>
+              <a:buChar char="•"/>
+            </a:pPr>
             <a:r>
-              <a:rPr lang="en-US">
+              <a:rPr lang="en-US" dirty="0">
                 <a:solidFill>
                   <a:schemeClr val="accent3">
                     <a:lumMod val="75000"/>
                   </a:schemeClr>
                 </a:solidFill>
               </a:rPr>
-              <a:t>and stateless</a:t>
+              <a:t>Code Driven</a:t>
             </a:r>
-            <a:endParaRPr lang="en-US" dirty="0">
-              <a:solidFill>
-                <a:schemeClr val="accent3">
-                  <a:lumMod val="75000"/>
-                </a:schemeClr>
-              </a:solidFill>
-            </a:endParaRPr>
+          </a:p>
+          <a:p>
+            <a:pPr marL="342900" indent="-342900">
+              <a:buFont typeface="Arial" panose="020B0604020202020204" pitchFamily="34" charset="0"/>
+              <a:buChar char="•"/>
+            </a:pPr>
+            <a:r>
+              <a:rPr lang="en-US" dirty="0">
+                <a:solidFill>
+                  <a:schemeClr val="accent3">
+                    <a:lumMod val="75000"/>
+                  </a:schemeClr>
+                </a:solidFill>
+              </a:rPr>
+              <a:t>Call other function state fully or stateless</a:t>
+            </a:r>
+          </a:p>
+          <a:p>
+            <a:pPr marL="342900" indent="-342900">
+              <a:buFont typeface="Arial" panose="020B0604020202020204" pitchFamily="34" charset="0"/>
+              <a:buChar char="•"/>
+            </a:pPr>
+            <a:r>
+              <a:rPr lang="en-US" dirty="0">
+                <a:solidFill>
+                  <a:schemeClr val="accent3">
+                    <a:lumMod val="75000"/>
+                  </a:schemeClr>
+                </a:solidFill>
+              </a:rPr>
+              <a:t>Replay from a check point</a:t>
+            </a:r>
           </a:p>
         </p:txBody>
       </p:sp>
@@ -28267,6 +28302,1008 @@
 </file>
 
 <file path=ppt/slides/slide12.xml><?xml version="1.0" encoding="utf-8"?>
+<p:sld xmlns:a="http://schemas.openxmlformats.org/drawingml/2006/main" xmlns:r="http://schemas.openxmlformats.org/officeDocument/2006/relationships" xmlns:p="http://schemas.openxmlformats.org/presentationml/2006/main">
+  <p:cSld>
+    <p:spTree>
+      <p:nvGrpSpPr>
+        <p:cNvPr id="1" name=""/>
+        <p:cNvGrpSpPr/>
+        <p:nvPr/>
+      </p:nvGrpSpPr>
+      <p:grpSpPr>
+        <a:xfrm>
+          <a:off x="0" y="0"/>
+          <a:ext cx="0" cy="0"/>
+          <a:chOff x="0" y="0"/>
+          <a:chExt cx="0" cy="0"/>
+        </a:xfrm>
+      </p:grpSpPr>
+      <p:sp>
+        <p:nvSpPr>
+          <p:cNvPr id="2" name="Title 1">
+            <a:extLst>
+              <a:ext uri="{FF2B5EF4-FFF2-40B4-BE49-F238E27FC236}">
+                <a16:creationId xmlns:a16="http://schemas.microsoft.com/office/drawing/2014/main" id="{881FA871-1079-43D7-9E62-108EA5CA7886}"/>
+              </a:ext>
+            </a:extLst>
+          </p:cNvPr>
+          <p:cNvSpPr>
+            <a:spLocks noGrp="1"/>
+          </p:cNvSpPr>
+          <p:nvPr>
+            <p:ph type="title"/>
+          </p:nvPr>
+        </p:nvSpPr>
+        <p:spPr/>
+        <p:txBody>
+          <a:bodyPr/>
+          <a:lstStyle/>
+          <a:p>
+            <a:r>
+              <a:rPr lang="en-US" dirty="0"/>
+              <a:t>Durable function - Use case types</a:t>
+            </a:r>
+          </a:p>
+        </p:txBody>
+      </p:sp>
+      <p:sp>
+        <p:nvSpPr>
+          <p:cNvPr id="4" name="Cloud 3">
+            <a:extLst>
+              <a:ext uri="{FF2B5EF4-FFF2-40B4-BE49-F238E27FC236}">
+                <a16:creationId xmlns:a16="http://schemas.microsoft.com/office/drawing/2014/main" id="{A0CD3907-6D8F-45A1-B8CE-07EA930919FB}"/>
+              </a:ext>
+            </a:extLst>
+          </p:cNvPr>
+          <p:cNvSpPr/>
+          <p:nvPr/>
+        </p:nvSpPr>
+        <p:spPr>
+          <a:xfrm>
+            <a:off x="1454976" y="2115014"/>
+            <a:ext cx="1668027" cy="592853"/>
+          </a:xfrm>
+          <a:prstGeom prst="cloud">
+            <a:avLst/>
+          </a:prstGeom>
+          <a:solidFill>
+            <a:schemeClr val="accent3">
+              <a:lumMod val="75000"/>
+            </a:schemeClr>
+          </a:solidFill>
+          <a:ln>
+            <a:noFill/>
+          </a:ln>
+          <a:effectLst/>
+        </p:spPr>
+        <p:style>
+          <a:lnRef idx="1">
+            <a:schemeClr val="accent1"/>
+          </a:lnRef>
+          <a:fillRef idx="3">
+            <a:schemeClr val="accent1"/>
+          </a:fillRef>
+          <a:effectRef idx="2">
+            <a:schemeClr val="accent1"/>
+          </a:effectRef>
+          <a:fontRef idx="minor">
+            <a:schemeClr val="lt1"/>
+          </a:fontRef>
+        </p:style>
+        <p:txBody>
+          <a:bodyPr rtlCol="0" anchor="ctr"/>
+          <a:lstStyle/>
+          <a:p>
+            <a:pPr algn="ctr"/>
+            <a:r>
+              <a:rPr lang="en-US" dirty="0"/>
+              <a:t>Durable Function</a:t>
+            </a:r>
+          </a:p>
+        </p:txBody>
+      </p:sp>
+      <p:pic>
+        <p:nvPicPr>
+          <p:cNvPr id="7" name="Picture 6">
+            <a:extLst>
+              <a:ext uri="{FF2B5EF4-FFF2-40B4-BE49-F238E27FC236}">
+                <a16:creationId xmlns:a16="http://schemas.microsoft.com/office/drawing/2014/main" id="{BA8BE7D5-5BD8-4CA9-B546-54B70FC75034}"/>
+              </a:ext>
+              <a:ext uri="{C183D7F6-B498-43B3-948B-1728B52AA6E4}">
+                <adec:decorative xmlns:adec="http://schemas.microsoft.com/office/drawing/2017/decorative" val="1"/>
+              </a:ext>
+            </a:extLst>
+          </p:cNvPr>
+          <p:cNvPicPr>
+            <a:picLocks noChangeAspect="1"/>
+          </p:cNvPicPr>
+          <p:nvPr/>
+        </p:nvPicPr>
+        <p:blipFill>
+          <a:blip r:embed="rId2" cstate="print">
+            <a:extLst>
+              <a:ext uri="{28A0092B-C50C-407E-A947-70E740481C1C}">
+                <a14:useLocalDpi xmlns:a14="http://schemas.microsoft.com/office/drawing/2010/main" val="0"/>
+              </a:ext>
+            </a:extLst>
+          </a:blip>
+          <a:stretch>
+            <a:fillRect/>
+          </a:stretch>
+        </p:blipFill>
+        <p:spPr>
+          <a:xfrm>
+            <a:off x="141254" y="912353"/>
+            <a:ext cx="1010729" cy="378191"/>
+          </a:xfrm>
+          <a:prstGeom prst="rect">
+            <a:avLst/>
+          </a:prstGeom>
+        </p:spPr>
+      </p:pic>
+      <p:sp>
+        <p:nvSpPr>
+          <p:cNvPr id="8" name="Oval 7">
+            <a:extLst>
+              <a:ext uri="{FF2B5EF4-FFF2-40B4-BE49-F238E27FC236}">
+                <a16:creationId xmlns:a16="http://schemas.microsoft.com/office/drawing/2014/main" id="{0A96148F-78DF-41C0-96FE-0D1E7CA00386}"/>
+              </a:ext>
+            </a:extLst>
+          </p:cNvPr>
+          <p:cNvSpPr/>
+          <p:nvPr/>
+        </p:nvSpPr>
+        <p:spPr>
+          <a:xfrm>
+            <a:off x="313997" y="1344591"/>
+            <a:ext cx="486747" cy="378191"/>
+          </a:xfrm>
+          <a:prstGeom prst="ellipse">
+            <a:avLst/>
+          </a:prstGeom>
+          <a:solidFill>
+            <a:schemeClr val="bg1">
+              <a:lumMod val="85000"/>
+            </a:schemeClr>
+          </a:solidFill>
+          <a:ln>
+            <a:noFill/>
+          </a:ln>
+          <a:effectLst/>
+        </p:spPr>
+        <p:style>
+          <a:lnRef idx="1">
+            <a:schemeClr val="accent1"/>
+          </a:lnRef>
+          <a:fillRef idx="3">
+            <a:schemeClr val="accent1"/>
+          </a:fillRef>
+          <a:effectRef idx="2">
+            <a:schemeClr val="accent1"/>
+          </a:effectRef>
+          <a:fontRef idx="minor">
+            <a:schemeClr val="lt1"/>
+          </a:fontRef>
+        </p:style>
+        <p:txBody>
+          <a:bodyPr rtlCol="0" anchor="ctr"/>
+          <a:lstStyle/>
+          <a:p>
+            <a:pPr algn="ctr"/>
+            <a:r>
+              <a:rPr lang="en-US" dirty="0">
+                <a:solidFill>
+                  <a:srgbClr val="FF0000"/>
+                </a:solidFill>
+              </a:rPr>
+              <a:t>1</a:t>
+            </a:r>
+          </a:p>
+        </p:txBody>
+      </p:sp>
+      <p:pic>
+        <p:nvPicPr>
+          <p:cNvPr id="10" name="Picture 9" descr="A close up of a sign&#10;&#10;Description automatically generated">
+            <a:extLst>
+              <a:ext uri="{FF2B5EF4-FFF2-40B4-BE49-F238E27FC236}">
+                <a16:creationId xmlns:a16="http://schemas.microsoft.com/office/drawing/2014/main" id="{1DEEA0BC-46FF-4879-AB3B-6B2C85F706F2}"/>
+              </a:ext>
+            </a:extLst>
+          </p:cNvPr>
+          <p:cNvPicPr>
+            <a:picLocks noChangeAspect="1"/>
+          </p:cNvPicPr>
+          <p:nvPr/>
+        </p:nvPicPr>
+        <p:blipFill>
+          <a:blip r:embed="rId3" cstate="print">
+            <a:extLst>
+              <a:ext uri="{28A0092B-C50C-407E-A947-70E740481C1C}">
+                <a14:useLocalDpi xmlns:a14="http://schemas.microsoft.com/office/drawing/2010/main" val="0"/>
+              </a:ext>
+            </a:extLst>
+          </a:blip>
+          <a:stretch>
+            <a:fillRect/>
+          </a:stretch>
+        </p:blipFill>
+        <p:spPr>
+          <a:xfrm>
+            <a:off x="77047" y="2255798"/>
+            <a:ext cx="723697" cy="378191"/>
+          </a:xfrm>
+          <a:prstGeom prst="rect">
+            <a:avLst/>
+          </a:prstGeom>
+        </p:spPr>
+      </p:pic>
+      <p:sp>
+        <p:nvSpPr>
+          <p:cNvPr id="11" name="Oval 10">
+            <a:extLst>
+              <a:ext uri="{FF2B5EF4-FFF2-40B4-BE49-F238E27FC236}">
+                <a16:creationId xmlns:a16="http://schemas.microsoft.com/office/drawing/2014/main" id="{5A5B9C73-811D-4FCC-B19C-991813120E3D}"/>
+              </a:ext>
+            </a:extLst>
+          </p:cNvPr>
+          <p:cNvSpPr/>
+          <p:nvPr/>
+        </p:nvSpPr>
+        <p:spPr>
+          <a:xfrm>
+            <a:off x="152814" y="2725258"/>
+            <a:ext cx="548393" cy="441790"/>
+          </a:xfrm>
+          <a:prstGeom prst="ellipse">
+            <a:avLst/>
+          </a:prstGeom>
+          <a:solidFill>
+            <a:schemeClr val="bg1">
+              <a:lumMod val="85000"/>
+            </a:schemeClr>
+          </a:solidFill>
+          <a:ln>
+            <a:noFill/>
+          </a:ln>
+          <a:effectLst/>
+        </p:spPr>
+        <p:style>
+          <a:lnRef idx="1">
+            <a:schemeClr val="accent1"/>
+          </a:lnRef>
+          <a:fillRef idx="3">
+            <a:schemeClr val="accent1"/>
+          </a:fillRef>
+          <a:effectRef idx="2">
+            <a:schemeClr val="accent1"/>
+          </a:effectRef>
+          <a:fontRef idx="minor">
+            <a:schemeClr val="lt1"/>
+          </a:fontRef>
+        </p:style>
+        <p:txBody>
+          <a:bodyPr rtlCol="0" anchor="ctr"/>
+          <a:lstStyle/>
+          <a:p>
+            <a:pPr algn="ctr"/>
+            <a:r>
+              <a:rPr lang="en-US" dirty="0">
+                <a:solidFill>
+                  <a:srgbClr val="FF0000"/>
+                </a:solidFill>
+              </a:rPr>
+              <a:t>2</a:t>
+            </a:r>
+          </a:p>
+        </p:txBody>
+      </p:sp>
+      <p:pic>
+        <p:nvPicPr>
+          <p:cNvPr id="13" name="Picture 12" descr="A close up of a sign&#10;&#10;Description automatically generated">
+            <a:extLst>
+              <a:ext uri="{FF2B5EF4-FFF2-40B4-BE49-F238E27FC236}">
+                <a16:creationId xmlns:a16="http://schemas.microsoft.com/office/drawing/2014/main" id="{66177B9A-4554-4F90-9ADC-B03EA08C75EE}"/>
+              </a:ext>
+            </a:extLst>
+          </p:cNvPr>
+          <p:cNvPicPr>
+            <a:picLocks noChangeAspect="1"/>
+          </p:cNvPicPr>
+          <p:nvPr/>
+        </p:nvPicPr>
+        <p:blipFill>
+          <a:blip r:embed="rId4" cstate="print">
+            <a:extLst>
+              <a:ext uri="{28A0092B-C50C-407E-A947-70E740481C1C}">
+                <a14:useLocalDpi xmlns:a14="http://schemas.microsoft.com/office/drawing/2010/main" val="0"/>
+              </a:ext>
+            </a:extLst>
+          </a:blip>
+          <a:stretch>
+            <a:fillRect/>
+          </a:stretch>
+        </p:blipFill>
+        <p:spPr>
+          <a:xfrm>
+            <a:off x="319123" y="3556530"/>
+            <a:ext cx="963242" cy="592854"/>
+          </a:xfrm>
+          <a:prstGeom prst="rect">
+            <a:avLst/>
+          </a:prstGeom>
+        </p:spPr>
+      </p:pic>
+      <p:sp>
+        <p:nvSpPr>
+          <p:cNvPr id="14" name="Oval 13">
+            <a:extLst>
+              <a:ext uri="{FF2B5EF4-FFF2-40B4-BE49-F238E27FC236}">
+                <a16:creationId xmlns:a16="http://schemas.microsoft.com/office/drawing/2014/main" id="{4049554B-660A-4CAD-80C6-AD07006E0CF4}"/>
+              </a:ext>
+            </a:extLst>
+          </p:cNvPr>
+          <p:cNvSpPr/>
+          <p:nvPr/>
+        </p:nvSpPr>
+        <p:spPr>
+          <a:xfrm>
+            <a:off x="519476" y="4184298"/>
+            <a:ext cx="548393" cy="441790"/>
+          </a:xfrm>
+          <a:prstGeom prst="ellipse">
+            <a:avLst/>
+          </a:prstGeom>
+          <a:solidFill>
+            <a:schemeClr val="bg1">
+              <a:lumMod val="85000"/>
+            </a:schemeClr>
+          </a:solidFill>
+          <a:ln>
+            <a:noFill/>
+          </a:ln>
+          <a:effectLst/>
+        </p:spPr>
+        <p:style>
+          <a:lnRef idx="1">
+            <a:schemeClr val="accent1"/>
+          </a:lnRef>
+          <a:fillRef idx="3">
+            <a:schemeClr val="accent1"/>
+          </a:fillRef>
+          <a:effectRef idx="2">
+            <a:schemeClr val="accent1"/>
+          </a:effectRef>
+          <a:fontRef idx="minor">
+            <a:schemeClr val="lt1"/>
+          </a:fontRef>
+        </p:style>
+        <p:txBody>
+          <a:bodyPr rtlCol="0" anchor="ctr"/>
+          <a:lstStyle/>
+          <a:p>
+            <a:pPr algn="ctr"/>
+            <a:r>
+              <a:rPr lang="en-US" dirty="0">
+                <a:solidFill>
+                  <a:srgbClr val="FF0000"/>
+                </a:solidFill>
+              </a:rPr>
+              <a:t>3</a:t>
+            </a:r>
+          </a:p>
+        </p:txBody>
+      </p:sp>
+      <p:pic>
+        <p:nvPicPr>
+          <p:cNvPr id="16" name="Picture 15" descr="A close up of a sign&#10;&#10;Description automatically generated">
+            <a:extLst>
+              <a:ext uri="{FF2B5EF4-FFF2-40B4-BE49-F238E27FC236}">
+                <a16:creationId xmlns:a16="http://schemas.microsoft.com/office/drawing/2014/main" id="{A2F63E28-345D-4F40-A681-3D806DAC9E7D}"/>
+              </a:ext>
+            </a:extLst>
+          </p:cNvPr>
+          <p:cNvPicPr>
+            <a:picLocks noChangeAspect="1"/>
+          </p:cNvPicPr>
+          <p:nvPr/>
+        </p:nvPicPr>
+        <p:blipFill>
+          <a:blip r:embed="rId5" cstate="print">
+            <a:extLst>
+              <a:ext uri="{28A0092B-C50C-407E-A947-70E740481C1C}">
+                <a14:useLocalDpi xmlns:a14="http://schemas.microsoft.com/office/drawing/2010/main" val="0"/>
+              </a:ext>
+            </a:extLst>
+          </a:blip>
+          <a:stretch>
+            <a:fillRect/>
+          </a:stretch>
+        </p:blipFill>
+        <p:spPr>
+          <a:xfrm>
+            <a:off x="2812954" y="3379467"/>
+            <a:ext cx="1277647" cy="750894"/>
+          </a:xfrm>
+          <a:prstGeom prst="rect">
+            <a:avLst/>
+          </a:prstGeom>
+        </p:spPr>
+      </p:pic>
+      <p:sp>
+        <p:nvSpPr>
+          <p:cNvPr id="17" name="Oval 16">
+            <a:extLst>
+              <a:ext uri="{FF2B5EF4-FFF2-40B4-BE49-F238E27FC236}">
+                <a16:creationId xmlns:a16="http://schemas.microsoft.com/office/drawing/2014/main" id="{F4C2A578-B1F6-424A-814A-E5E6D55303FD}"/>
+              </a:ext>
+            </a:extLst>
+          </p:cNvPr>
+          <p:cNvSpPr/>
+          <p:nvPr/>
+        </p:nvSpPr>
+        <p:spPr>
+          <a:xfrm>
+            <a:off x="3162999" y="4212591"/>
+            <a:ext cx="548393" cy="441790"/>
+          </a:xfrm>
+          <a:prstGeom prst="ellipse">
+            <a:avLst/>
+          </a:prstGeom>
+          <a:solidFill>
+            <a:schemeClr val="bg1">
+              <a:lumMod val="85000"/>
+            </a:schemeClr>
+          </a:solidFill>
+          <a:ln>
+            <a:noFill/>
+          </a:ln>
+          <a:effectLst/>
+        </p:spPr>
+        <p:style>
+          <a:lnRef idx="1">
+            <a:schemeClr val="accent1"/>
+          </a:lnRef>
+          <a:fillRef idx="3">
+            <a:schemeClr val="accent1"/>
+          </a:fillRef>
+          <a:effectRef idx="2">
+            <a:schemeClr val="accent1"/>
+          </a:effectRef>
+          <a:fontRef idx="minor">
+            <a:schemeClr val="lt1"/>
+          </a:fontRef>
+        </p:style>
+        <p:txBody>
+          <a:bodyPr rtlCol="0" anchor="ctr"/>
+          <a:lstStyle/>
+          <a:p>
+            <a:pPr algn="ctr"/>
+            <a:r>
+              <a:rPr lang="en-US" dirty="0">
+                <a:solidFill>
+                  <a:srgbClr val="FF0000"/>
+                </a:solidFill>
+              </a:rPr>
+              <a:t>4</a:t>
+            </a:r>
+          </a:p>
+        </p:txBody>
+      </p:sp>
+      <p:pic>
+        <p:nvPicPr>
+          <p:cNvPr id="19" name="Picture 18">
+            <a:extLst>
+              <a:ext uri="{FF2B5EF4-FFF2-40B4-BE49-F238E27FC236}">
+                <a16:creationId xmlns:a16="http://schemas.microsoft.com/office/drawing/2014/main" id="{982E8979-3417-48C7-8F49-C4A96D200628}"/>
+              </a:ext>
+            </a:extLst>
+          </p:cNvPr>
+          <p:cNvPicPr>
+            <a:picLocks noChangeAspect="1"/>
+          </p:cNvPicPr>
+          <p:nvPr/>
+        </p:nvPicPr>
+        <p:blipFill>
+          <a:blip r:embed="rId6" cstate="print">
+            <a:extLst>
+              <a:ext uri="{28A0092B-C50C-407E-A947-70E740481C1C}">
+                <a14:useLocalDpi xmlns:a14="http://schemas.microsoft.com/office/drawing/2010/main" val="0"/>
+              </a:ext>
+            </a:extLst>
+          </a:blip>
+          <a:stretch>
+            <a:fillRect/>
+          </a:stretch>
+        </p:blipFill>
+        <p:spPr>
+          <a:xfrm>
+            <a:off x="3047021" y="851461"/>
+            <a:ext cx="1241727" cy="679579"/>
+          </a:xfrm>
+          <a:prstGeom prst="rect">
+            <a:avLst/>
+          </a:prstGeom>
+        </p:spPr>
+      </p:pic>
+      <p:sp>
+        <p:nvSpPr>
+          <p:cNvPr id="20" name="Oval 19">
+            <a:extLst>
+              <a:ext uri="{FF2B5EF4-FFF2-40B4-BE49-F238E27FC236}">
+                <a16:creationId xmlns:a16="http://schemas.microsoft.com/office/drawing/2014/main" id="{0410957E-6626-44BC-9D25-D2489E1154EC}"/>
+              </a:ext>
+            </a:extLst>
+          </p:cNvPr>
+          <p:cNvSpPr/>
+          <p:nvPr/>
+        </p:nvSpPr>
+        <p:spPr>
+          <a:xfrm>
+            <a:off x="3393687" y="1540719"/>
+            <a:ext cx="548393" cy="441790"/>
+          </a:xfrm>
+          <a:prstGeom prst="ellipse">
+            <a:avLst/>
+          </a:prstGeom>
+          <a:solidFill>
+            <a:schemeClr val="bg1">
+              <a:lumMod val="85000"/>
+            </a:schemeClr>
+          </a:solidFill>
+          <a:ln>
+            <a:noFill/>
+          </a:ln>
+          <a:effectLst/>
+        </p:spPr>
+        <p:style>
+          <a:lnRef idx="1">
+            <a:schemeClr val="accent1"/>
+          </a:lnRef>
+          <a:fillRef idx="3">
+            <a:schemeClr val="accent1"/>
+          </a:fillRef>
+          <a:effectRef idx="2">
+            <a:schemeClr val="accent1"/>
+          </a:effectRef>
+          <a:fontRef idx="minor">
+            <a:schemeClr val="lt1"/>
+          </a:fontRef>
+        </p:style>
+        <p:txBody>
+          <a:bodyPr rtlCol="0" anchor="ctr"/>
+          <a:lstStyle/>
+          <a:p>
+            <a:pPr algn="ctr"/>
+            <a:r>
+              <a:rPr lang="en-US" dirty="0">
+                <a:solidFill>
+                  <a:srgbClr val="FF0000"/>
+                </a:solidFill>
+              </a:rPr>
+              <a:t>5</a:t>
+            </a:r>
+          </a:p>
+        </p:txBody>
+      </p:sp>
+      <p:sp>
+        <p:nvSpPr>
+          <p:cNvPr id="23" name="Arrow: Left-Right 22">
+            <a:extLst>
+              <a:ext uri="{FF2B5EF4-FFF2-40B4-BE49-F238E27FC236}">
+                <a16:creationId xmlns:a16="http://schemas.microsoft.com/office/drawing/2014/main" id="{5FE6B838-C2CD-404E-8DE3-06BA033F9321}"/>
+              </a:ext>
+            </a:extLst>
+          </p:cNvPr>
+          <p:cNvSpPr/>
+          <p:nvPr/>
+        </p:nvSpPr>
+        <p:spPr>
+          <a:xfrm rot="13640586">
+            <a:off x="920973" y="1524506"/>
+            <a:ext cx="1211335" cy="307493"/>
+          </a:xfrm>
+          <a:prstGeom prst="leftRightArrow">
+            <a:avLst/>
+          </a:prstGeom>
+          <a:solidFill>
+            <a:schemeClr val="bg1">
+              <a:lumMod val="85000"/>
+            </a:schemeClr>
+          </a:solidFill>
+          <a:ln>
+            <a:noFill/>
+          </a:ln>
+          <a:effectLst/>
+        </p:spPr>
+        <p:style>
+          <a:lnRef idx="1">
+            <a:schemeClr val="accent1"/>
+          </a:lnRef>
+          <a:fillRef idx="3">
+            <a:schemeClr val="accent1"/>
+          </a:fillRef>
+          <a:effectRef idx="2">
+            <a:schemeClr val="accent1"/>
+          </a:effectRef>
+          <a:fontRef idx="minor">
+            <a:schemeClr val="lt1"/>
+          </a:fontRef>
+        </p:style>
+        <p:txBody>
+          <a:bodyPr rtlCol="0" anchor="ctr"/>
+          <a:lstStyle/>
+          <a:p>
+            <a:pPr algn="ctr"/>
+            <a:endParaRPr lang="en-US"/>
+          </a:p>
+        </p:txBody>
+      </p:sp>
+      <p:sp>
+        <p:nvSpPr>
+          <p:cNvPr id="24" name="Arrow: Left-Right 23">
+            <a:extLst>
+              <a:ext uri="{FF2B5EF4-FFF2-40B4-BE49-F238E27FC236}">
+                <a16:creationId xmlns:a16="http://schemas.microsoft.com/office/drawing/2014/main" id="{09509557-986A-46D1-8E6C-0E4A81254B96}"/>
+              </a:ext>
+            </a:extLst>
+          </p:cNvPr>
+          <p:cNvSpPr/>
+          <p:nvPr/>
+        </p:nvSpPr>
+        <p:spPr>
+          <a:xfrm rot="19150959">
+            <a:off x="733227" y="2961488"/>
+            <a:ext cx="1390658" cy="307493"/>
+          </a:xfrm>
+          <a:prstGeom prst="leftRightArrow">
+            <a:avLst>
+              <a:gd name="adj1" fmla="val 47250"/>
+              <a:gd name="adj2" fmla="val 50000"/>
+            </a:avLst>
+          </a:prstGeom>
+          <a:solidFill>
+            <a:schemeClr val="bg1">
+              <a:lumMod val="85000"/>
+            </a:schemeClr>
+          </a:solidFill>
+          <a:ln>
+            <a:noFill/>
+          </a:ln>
+          <a:effectLst/>
+        </p:spPr>
+        <p:style>
+          <a:lnRef idx="1">
+            <a:schemeClr val="accent1"/>
+          </a:lnRef>
+          <a:fillRef idx="3">
+            <a:schemeClr val="accent1"/>
+          </a:fillRef>
+          <a:effectRef idx="2">
+            <a:schemeClr val="accent1"/>
+          </a:effectRef>
+          <a:fontRef idx="minor">
+            <a:schemeClr val="lt1"/>
+          </a:fontRef>
+        </p:style>
+        <p:txBody>
+          <a:bodyPr rtlCol="0" anchor="ctr"/>
+          <a:lstStyle/>
+          <a:p>
+            <a:pPr algn="ctr"/>
+            <a:endParaRPr lang="en-US"/>
+          </a:p>
+        </p:txBody>
+      </p:sp>
+      <p:sp>
+        <p:nvSpPr>
+          <p:cNvPr id="25" name="Arrow: Left-Right 24">
+            <a:extLst>
+              <a:ext uri="{FF2B5EF4-FFF2-40B4-BE49-F238E27FC236}">
+                <a16:creationId xmlns:a16="http://schemas.microsoft.com/office/drawing/2014/main" id="{3181011C-80BF-483B-BAE9-D8D4E5ED3970}"/>
+              </a:ext>
+            </a:extLst>
+          </p:cNvPr>
+          <p:cNvSpPr/>
+          <p:nvPr/>
+        </p:nvSpPr>
+        <p:spPr>
+          <a:xfrm rot="19150959">
+            <a:off x="2666557" y="1683013"/>
+            <a:ext cx="883729" cy="307493"/>
+          </a:xfrm>
+          <a:prstGeom prst="leftRightArrow">
+            <a:avLst>
+              <a:gd name="adj1" fmla="val 47250"/>
+              <a:gd name="adj2" fmla="val 50000"/>
+            </a:avLst>
+          </a:prstGeom>
+          <a:solidFill>
+            <a:schemeClr val="bg1">
+              <a:lumMod val="85000"/>
+            </a:schemeClr>
+          </a:solidFill>
+          <a:ln>
+            <a:noFill/>
+          </a:ln>
+          <a:effectLst/>
+        </p:spPr>
+        <p:style>
+          <a:lnRef idx="1">
+            <a:schemeClr val="accent1"/>
+          </a:lnRef>
+          <a:fillRef idx="3">
+            <a:schemeClr val="accent1"/>
+          </a:fillRef>
+          <a:effectRef idx="2">
+            <a:schemeClr val="accent1"/>
+          </a:effectRef>
+          <a:fontRef idx="minor">
+            <a:schemeClr val="lt1"/>
+          </a:fontRef>
+        </p:style>
+        <p:txBody>
+          <a:bodyPr rtlCol="0" anchor="ctr"/>
+          <a:lstStyle/>
+          <a:p>
+            <a:pPr algn="ctr"/>
+            <a:endParaRPr lang="en-US"/>
+          </a:p>
+        </p:txBody>
+      </p:sp>
+      <p:sp>
+        <p:nvSpPr>
+          <p:cNvPr id="26" name="Arrow: Left-Right 25">
+            <a:extLst>
+              <a:ext uri="{FF2B5EF4-FFF2-40B4-BE49-F238E27FC236}">
+                <a16:creationId xmlns:a16="http://schemas.microsoft.com/office/drawing/2014/main" id="{04B60DC3-1AFF-4684-913D-874730F44B9C}"/>
+              </a:ext>
+            </a:extLst>
+          </p:cNvPr>
+          <p:cNvSpPr/>
+          <p:nvPr/>
+        </p:nvSpPr>
+        <p:spPr>
+          <a:xfrm rot="13640586">
+            <a:off x="2737756" y="2792025"/>
+            <a:ext cx="1128270" cy="307493"/>
+          </a:xfrm>
+          <a:prstGeom prst="leftRightArrow">
+            <a:avLst/>
+          </a:prstGeom>
+          <a:solidFill>
+            <a:schemeClr val="bg1">
+              <a:lumMod val="85000"/>
+            </a:schemeClr>
+          </a:solidFill>
+          <a:ln>
+            <a:noFill/>
+          </a:ln>
+          <a:effectLst/>
+        </p:spPr>
+        <p:style>
+          <a:lnRef idx="1">
+            <a:schemeClr val="accent1"/>
+          </a:lnRef>
+          <a:fillRef idx="3">
+            <a:schemeClr val="accent1"/>
+          </a:fillRef>
+          <a:effectRef idx="2">
+            <a:schemeClr val="accent1"/>
+          </a:effectRef>
+          <a:fontRef idx="minor">
+            <a:schemeClr val="lt1"/>
+          </a:fontRef>
+        </p:style>
+        <p:txBody>
+          <a:bodyPr rtlCol="0" anchor="ctr"/>
+          <a:lstStyle/>
+          <a:p>
+            <a:pPr marL="342900" indent="-342900" algn="ctr">
+              <a:buFont typeface="+mj-lt"/>
+              <a:buAutoNum type="arabicPeriod"/>
+            </a:pPr>
+            <a:endParaRPr lang="en-US"/>
+          </a:p>
+        </p:txBody>
+      </p:sp>
+      <p:sp>
+        <p:nvSpPr>
+          <p:cNvPr id="27" name="Arrow: Left-Right 26">
+            <a:extLst>
+              <a:ext uri="{FF2B5EF4-FFF2-40B4-BE49-F238E27FC236}">
+                <a16:creationId xmlns:a16="http://schemas.microsoft.com/office/drawing/2014/main" id="{19EF1B5C-7A2F-4928-B0BE-8D60C6D2D9D6}"/>
+              </a:ext>
+            </a:extLst>
+          </p:cNvPr>
+          <p:cNvSpPr/>
+          <p:nvPr/>
+        </p:nvSpPr>
+        <p:spPr>
+          <a:xfrm flipV="1">
+            <a:off x="800744" y="2346647"/>
+            <a:ext cx="723697" cy="213629"/>
+          </a:xfrm>
+          <a:prstGeom prst="leftRightArrow">
+            <a:avLst/>
+          </a:prstGeom>
+          <a:solidFill>
+            <a:schemeClr val="bg1">
+              <a:lumMod val="85000"/>
+            </a:schemeClr>
+          </a:solidFill>
+          <a:ln>
+            <a:noFill/>
+          </a:ln>
+          <a:effectLst/>
+        </p:spPr>
+        <p:style>
+          <a:lnRef idx="1">
+            <a:schemeClr val="accent1"/>
+          </a:lnRef>
+          <a:fillRef idx="3">
+            <a:schemeClr val="accent1"/>
+          </a:fillRef>
+          <a:effectRef idx="2">
+            <a:schemeClr val="accent1"/>
+          </a:effectRef>
+          <a:fontRef idx="minor">
+            <a:schemeClr val="lt1"/>
+          </a:fontRef>
+        </p:style>
+        <p:txBody>
+          <a:bodyPr rtlCol="0" anchor="ctr"/>
+          <a:lstStyle/>
+          <a:p>
+            <a:pPr algn="ctr"/>
+            <a:endParaRPr lang="en-US"/>
+          </a:p>
+        </p:txBody>
+      </p:sp>
+      <p:sp>
+        <p:nvSpPr>
+          <p:cNvPr id="28" name="TextBox 27">
+            <a:extLst>
+              <a:ext uri="{FF2B5EF4-FFF2-40B4-BE49-F238E27FC236}">
+                <a16:creationId xmlns:a16="http://schemas.microsoft.com/office/drawing/2014/main" id="{ABFF4EC0-ADA3-4BFE-A62E-F27D9DC38EE7}"/>
+              </a:ext>
+            </a:extLst>
+          </p:cNvPr>
+          <p:cNvSpPr txBox="1"/>
+          <p:nvPr/>
+        </p:nvSpPr>
+        <p:spPr>
+          <a:xfrm>
+            <a:off x="4341550" y="702277"/>
+            <a:ext cx="4725404" cy="3970318"/>
+          </a:xfrm>
+          <a:prstGeom prst="rect">
+            <a:avLst/>
+          </a:prstGeom>
+          <a:noFill/>
+          <a:ln>
+            <a:solidFill>
+              <a:schemeClr val="tx1"/>
+            </a:solidFill>
+          </a:ln>
+        </p:spPr>
+        <p:txBody>
+          <a:bodyPr wrap="square" rtlCol="0">
+            <a:spAutoFit/>
+          </a:bodyPr>
+          <a:lstStyle/>
+          <a:p>
+            <a:pPr marL="342900" indent="-342900">
+              <a:buFont typeface="+mj-lt"/>
+              <a:buAutoNum type="arabicPeriod"/>
+            </a:pPr>
+            <a:r>
+              <a:rPr lang="en-US" sz="1600" dirty="0">
+                <a:solidFill>
+                  <a:srgbClr val="4CB4D1"/>
+                </a:solidFill>
+                <a:latin typeface="+mj-lt"/>
+                <a:ea typeface="+mj-ea"/>
+                <a:cs typeface="+mj-cs"/>
+              </a:rPr>
+              <a:t>Function Chaining – Executing sequence of function in a predefined order</a:t>
+            </a:r>
+          </a:p>
+          <a:p>
+            <a:pPr marL="342900" indent="-342900">
+              <a:buFont typeface="+mj-lt"/>
+              <a:buAutoNum type="arabicPeriod"/>
+            </a:pPr>
+            <a:r>
+              <a:rPr lang="en-US" sz="1600" dirty="0">
+                <a:solidFill>
+                  <a:srgbClr val="4CB4D1"/>
+                </a:solidFill>
+                <a:latin typeface="+mj-lt"/>
+                <a:ea typeface="+mj-ea"/>
+                <a:cs typeface="+mj-cs"/>
+              </a:rPr>
+              <a:t>Fan-in/Fan-out – Executing multiple function in Parallel and then waiting for all to finish</a:t>
+            </a:r>
+          </a:p>
+          <a:p>
+            <a:pPr marL="342900" indent="-342900">
+              <a:buFont typeface="+mj-lt"/>
+              <a:buAutoNum type="arabicPeriod"/>
+            </a:pPr>
+            <a:r>
+              <a:rPr lang="en-US" sz="1600" dirty="0">
+                <a:solidFill>
+                  <a:srgbClr val="4CB4D1"/>
+                </a:solidFill>
+                <a:latin typeface="+mj-lt"/>
+                <a:ea typeface="+mj-ea"/>
+                <a:cs typeface="+mj-cs"/>
+              </a:rPr>
+              <a:t>Async HTTP API – It is all about the problem  of coordinating long running operation with external clients</a:t>
+            </a:r>
+          </a:p>
+          <a:p>
+            <a:pPr marL="342900" indent="-342900">
+              <a:buFont typeface="+mj-lt"/>
+              <a:buAutoNum type="arabicPeriod"/>
+            </a:pPr>
+            <a:r>
+              <a:rPr lang="en-US" sz="1600" dirty="0">
+                <a:solidFill>
+                  <a:srgbClr val="4CB4D1"/>
+                </a:solidFill>
+                <a:latin typeface="+mj-lt"/>
+                <a:ea typeface="+mj-ea"/>
+                <a:cs typeface="+mj-cs"/>
+              </a:rPr>
+              <a:t>Monitoring – Flexible recurring process (ex.) until a condition is met</a:t>
+            </a:r>
+          </a:p>
+          <a:p>
+            <a:pPr marL="342900" indent="-342900">
+              <a:buFont typeface="+mj-lt"/>
+              <a:buAutoNum type="arabicPeriod"/>
+            </a:pPr>
+            <a:r>
+              <a:rPr lang="en-US" sz="1600" dirty="0">
+                <a:solidFill>
+                  <a:srgbClr val="4CB4D1"/>
+                </a:solidFill>
+                <a:latin typeface="+mj-lt"/>
+                <a:ea typeface="+mj-ea"/>
+                <a:cs typeface="+mj-cs"/>
+              </a:rPr>
+              <a:t>Human Interaction - </a:t>
+            </a:r>
+            <a:r>
+              <a:rPr lang="en-IN" dirty="0"/>
+              <a:t>involving humans in an automated process is that people are not always as highly available and responsive as cloud services and hence time outs needed for handling compensating transaction</a:t>
+            </a:r>
+            <a:endParaRPr lang="en-US" sz="1600" dirty="0">
+              <a:solidFill>
+                <a:srgbClr val="4CB4D1"/>
+              </a:solidFill>
+              <a:latin typeface="+mj-lt"/>
+              <a:ea typeface="+mj-ea"/>
+              <a:cs typeface="+mj-cs"/>
+            </a:endParaRPr>
+          </a:p>
+        </p:txBody>
+      </p:sp>
+    </p:spTree>
+    <p:extLst>
+      <p:ext uri="{BB962C8B-B14F-4D97-AF65-F5344CB8AC3E}">
+        <p14:creationId xmlns:p14="http://schemas.microsoft.com/office/powerpoint/2010/main" val="2376828726"/>
+      </p:ext>
+    </p:extLst>
+  </p:cSld>
+  <p:clrMapOvr>
+    <a:masterClrMapping/>
+  </p:clrMapOvr>
+</p:sld>
+</file>
+
+<file path=ppt/slides/slide13.xml><?xml version="1.0" encoding="utf-8"?>
 <p:sld xmlns:a="http://schemas.openxmlformats.org/drawingml/2006/main" xmlns:r="http://schemas.openxmlformats.org/officeDocument/2006/relationships" xmlns:p="http://schemas.openxmlformats.org/presentationml/2006/main">
   <p:cSld name="DARKSLIDE_Theme">
     <p:spTree>
@@ -28432,8 +29469,8 @@
         </p:nvSpPr>
         <p:spPr bwMode="auto">
           <a:xfrm>
-            <a:off x="3965883" y="590551"/>
-            <a:ext cx="5169332" cy="3962400"/>
+            <a:off x="3965883" y="440396"/>
+            <a:ext cx="5169332" cy="4112555"/>
           </a:xfrm>
           <a:prstGeom prst="rect">
             <a:avLst/>
@@ -28618,6 +29655,28 @@
                 </a:solidFill>
               </a:rPr>
               <a:t>Durable Function – Problem statement, Use case types, How it works</a:t>
+            </a:r>
+          </a:p>
+          <a:p>
+            <a:pPr marL="395268" indent="-395268" defTabSz="685783" eaLnBrk="0" hangingPunct="0">
+              <a:spcAft>
+                <a:spcPts val="1200"/>
+              </a:spcAft>
+              <a:buClr>
+                <a:srgbClr val="00B0F0"/>
+              </a:buClr>
+              <a:buFont typeface="Wingdings 2" panose="05020102010507070707" pitchFamily="18" charset="2"/>
+              <a:buChar char=""/>
+            </a:pPr>
+            <a:r>
+              <a:rPr lang="en-US" sz="1600" dirty="0">
+                <a:solidFill>
+                  <a:schemeClr val="accent3">
+                    <a:lumMod val="75000"/>
+                  </a:schemeClr>
+                </a:solidFill>
+              </a:rPr>
+              <a:t>Logic App Vs Durable Function</a:t>
             </a:r>
           </a:p>
         </p:txBody>
@@ -31152,7 +32211,7 @@
         </p:blipFill>
         <p:spPr>
           <a:xfrm>
-            <a:off x="3782901" y="3983430"/>
+            <a:off x="4600891" y="3985142"/>
             <a:ext cx="1740428" cy="755925"/>
           </a:xfrm>
           <a:prstGeom prst="rect">
@@ -31210,8 +32269,8 @@
         </p:nvSpPr>
         <p:spPr>
           <a:xfrm>
-            <a:off x="1292778" y="4123552"/>
-            <a:ext cx="1941655" cy="579376"/>
+            <a:off x="1292779" y="4123552"/>
+            <a:ext cx="1390132" cy="579376"/>
           </a:xfrm>
           <a:prstGeom prst="flowChartAlternateProcess">
             <a:avLst/>
@@ -31256,6 +32315,78 @@
           </a:p>
         </p:txBody>
       </p:sp>
+      <p:pic>
+        <p:nvPicPr>
+          <p:cNvPr id="5" name="Picture 4">
+            <a:extLst>
+              <a:ext uri="{FF2B5EF4-FFF2-40B4-BE49-F238E27FC236}">
+                <a16:creationId xmlns:a16="http://schemas.microsoft.com/office/drawing/2014/main" id="{287A9EDA-2F5E-4792-851A-7BF4F358E74A}"/>
+              </a:ext>
+            </a:extLst>
+          </p:cNvPr>
+          <p:cNvPicPr>
+            <a:picLocks noChangeAspect="1"/>
+          </p:cNvPicPr>
+          <p:nvPr/>
+        </p:nvPicPr>
+        <p:blipFill>
+          <a:blip r:embed="rId4" cstate="print">
+            <a:extLst>
+              <a:ext uri="{28A0092B-C50C-407E-A947-70E740481C1C}">
+                <a14:useLocalDpi xmlns:a14="http://schemas.microsoft.com/office/drawing/2010/main" val="0"/>
+              </a:ext>
+            </a:extLst>
+          </a:blip>
+          <a:stretch>
+            <a:fillRect/>
+          </a:stretch>
+        </p:blipFill>
+        <p:spPr>
+          <a:xfrm>
+            <a:off x="2897363" y="4130413"/>
+            <a:ext cx="859113" cy="557105"/>
+          </a:xfrm>
+          <a:prstGeom prst="rect">
+            <a:avLst/>
+          </a:prstGeom>
+        </p:spPr>
+      </p:pic>
+      <p:pic>
+        <p:nvPicPr>
+          <p:cNvPr id="14" name="Picture 13">
+            <a:extLst>
+              <a:ext uri="{FF2B5EF4-FFF2-40B4-BE49-F238E27FC236}">
+                <a16:creationId xmlns:a16="http://schemas.microsoft.com/office/drawing/2014/main" id="{808FB694-649E-4F34-9EFB-A51727ECA016}"/>
+              </a:ext>
+            </a:extLst>
+          </p:cNvPr>
+          <p:cNvPicPr>
+            <a:picLocks noChangeAspect="1"/>
+          </p:cNvPicPr>
+          <p:nvPr/>
+        </p:nvPicPr>
+        <p:blipFill>
+          <a:blip r:embed="rId5">
+            <a:extLst>
+              <a:ext uri="{28A0092B-C50C-407E-A947-70E740481C1C}">
+                <a14:useLocalDpi xmlns:a14="http://schemas.microsoft.com/office/drawing/2010/main" val="0"/>
+              </a:ext>
+            </a:extLst>
+          </a:blip>
+          <a:stretch>
+            <a:fillRect/>
+          </a:stretch>
+        </p:blipFill>
+        <p:spPr>
+          <a:xfrm>
+            <a:off x="3847345" y="4123553"/>
+            <a:ext cx="859114" cy="557106"/>
+          </a:xfrm>
+          <a:prstGeom prst="rect">
+            <a:avLst/>
+          </a:prstGeom>
+        </p:spPr>
+      </p:pic>
     </p:spTree>
     <p:extLst>
       <p:ext uri="{BB962C8B-B14F-4D97-AF65-F5344CB8AC3E}">

--- a/Azurefunction 2.0.pptx
+++ b/Azurefunction 2.0.pptx
@@ -19,7 +19,8 @@
     <p:sldId id="267" r:id="rId13"/>
     <p:sldId id="268" r:id="rId14"/>
     <p:sldId id="269" r:id="rId15"/>
-    <p:sldId id="260" r:id="rId16"/>
+    <p:sldId id="270" r:id="rId16"/>
+    <p:sldId id="260" r:id="rId17"/>
   </p:sldIdLst>
   <p:sldSz cx="9144000" cy="5143500" type="screen16x9"/>
   <p:notesSz cx="6858000" cy="9144000"/>
@@ -29305,6 +29306,2658 @@
 
 <file path=ppt/slides/slide13.xml><?xml version="1.0" encoding="utf-8"?>
 <p:sld xmlns:a="http://schemas.openxmlformats.org/drawingml/2006/main" xmlns:r="http://schemas.openxmlformats.org/officeDocument/2006/relationships" xmlns:p="http://schemas.openxmlformats.org/presentationml/2006/main">
+  <p:cSld>
+    <p:spTree>
+      <p:nvGrpSpPr>
+        <p:cNvPr id="1" name=""/>
+        <p:cNvGrpSpPr/>
+        <p:nvPr/>
+      </p:nvGrpSpPr>
+      <p:grpSpPr>
+        <a:xfrm>
+          <a:off x="0" y="0"/>
+          <a:ext cx="0" cy="0"/>
+          <a:chOff x="0" y="0"/>
+          <a:chExt cx="0" cy="0"/>
+        </a:xfrm>
+      </p:grpSpPr>
+      <p:sp>
+        <p:nvSpPr>
+          <p:cNvPr id="2" name="Title 1">
+            <a:extLst>
+              <a:ext uri="{FF2B5EF4-FFF2-40B4-BE49-F238E27FC236}">
+                <a16:creationId xmlns:a16="http://schemas.microsoft.com/office/drawing/2014/main" id="{247C490A-4963-4CD3-897F-0B9A05B09B6D}"/>
+              </a:ext>
+            </a:extLst>
+          </p:cNvPr>
+          <p:cNvSpPr>
+            <a:spLocks noGrp="1"/>
+          </p:cNvSpPr>
+          <p:nvPr>
+            <p:ph type="title"/>
+          </p:nvPr>
+        </p:nvSpPr>
+        <p:spPr/>
+        <p:txBody>
+          <a:bodyPr/>
+          <a:lstStyle/>
+          <a:p>
+            <a:r>
+              <a:rPr lang="en-US" dirty="0"/>
+              <a:t>How Durable function works</a:t>
+            </a:r>
+          </a:p>
+        </p:txBody>
+      </p:sp>
+      <p:sp>
+        <p:nvSpPr>
+          <p:cNvPr id="4" name="Rectangle 3">
+            <a:extLst>
+              <a:ext uri="{FF2B5EF4-FFF2-40B4-BE49-F238E27FC236}">
+                <a16:creationId xmlns:a16="http://schemas.microsoft.com/office/drawing/2014/main" id="{148BA458-AF5D-40BD-9881-49D4C6071764}"/>
+              </a:ext>
+            </a:extLst>
+          </p:cNvPr>
+          <p:cNvSpPr/>
+          <p:nvPr/>
+        </p:nvSpPr>
+        <p:spPr>
+          <a:xfrm>
+            <a:off x="1256044" y="1045029"/>
+            <a:ext cx="1728316" cy="793819"/>
+          </a:xfrm>
+          <a:prstGeom prst="rect">
+            <a:avLst/>
+          </a:prstGeom>
+          <a:solidFill>
+            <a:schemeClr val="accent2">
+              <a:lumMod val="50000"/>
+            </a:schemeClr>
+          </a:solidFill>
+          <a:ln>
+            <a:noFill/>
+          </a:ln>
+          <a:effectLst/>
+        </p:spPr>
+        <p:style>
+          <a:lnRef idx="1">
+            <a:schemeClr val="accent1"/>
+          </a:lnRef>
+          <a:fillRef idx="3">
+            <a:schemeClr val="accent1"/>
+          </a:fillRef>
+          <a:effectRef idx="2">
+            <a:schemeClr val="accent1"/>
+          </a:effectRef>
+          <a:fontRef idx="minor">
+            <a:schemeClr val="lt1"/>
+          </a:fontRef>
+        </p:style>
+        <p:txBody>
+          <a:bodyPr rtlCol="0" anchor="ctr"/>
+          <a:lstStyle/>
+          <a:p>
+            <a:pPr algn="ctr"/>
+            <a:r>
+              <a:rPr lang="en-US" dirty="0"/>
+              <a:t>Orchestrator Function</a:t>
+            </a:r>
+          </a:p>
+        </p:txBody>
+      </p:sp>
+      <p:sp>
+        <p:nvSpPr>
+          <p:cNvPr id="5" name="Rectangle 4">
+            <a:extLst>
+              <a:ext uri="{FF2B5EF4-FFF2-40B4-BE49-F238E27FC236}">
+                <a16:creationId xmlns:a16="http://schemas.microsoft.com/office/drawing/2014/main" id="{E7F3CD45-0467-4DF9-95BF-3B28DB426A42}"/>
+              </a:ext>
+            </a:extLst>
+          </p:cNvPr>
+          <p:cNvSpPr/>
+          <p:nvPr/>
+        </p:nvSpPr>
+        <p:spPr>
+          <a:xfrm>
+            <a:off x="3980822" y="1045029"/>
+            <a:ext cx="1728316" cy="793819"/>
+          </a:xfrm>
+          <a:prstGeom prst="rect">
+            <a:avLst/>
+          </a:prstGeom>
+          <a:solidFill>
+            <a:schemeClr val="accent2">
+              <a:lumMod val="50000"/>
+            </a:schemeClr>
+          </a:solidFill>
+          <a:ln>
+            <a:noFill/>
+          </a:ln>
+          <a:effectLst/>
+        </p:spPr>
+        <p:style>
+          <a:lnRef idx="1">
+            <a:schemeClr val="accent1"/>
+          </a:lnRef>
+          <a:fillRef idx="3">
+            <a:schemeClr val="accent1"/>
+          </a:fillRef>
+          <a:effectRef idx="2">
+            <a:schemeClr val="accent1"/>
+          </a:effectRef>
+          <a:fontRef idx="minor">
+            <a:schemeClr val="lt1"/>
+          </a:fontRef>
+        </p:style>
+        <p:txBody>
+          <a:bodyPr rtlCol="0" anchor="ctr"/>
+          <a:lstStyle/>
+          <a:p>
+            <a:pPr algn="ctr"/>
+            <a:r>
+              <a:rPr lang="en-US" dirty="0"/>
+              <a:t>Activity Function</a:t>
+            </a:r>
+          </a:p>
+        </p:txBody>
+      </p:sp>
+      <p:sp>
+        <p:nvSpPr>
+          <p:cNvPr id="6" name="Rectangle 5">
+            <a:extLst>
+              <a:ext uri="{FF2B5EF4-FFF2-40B4-BE49-F238E27FC236}">
+                <a16:creationId xmlns:a16="http://schemas.microsoft.com/office/drawing/2014/main" id="{BC2AF6FA-A044-4100-897C-27171EA2AFCE}"/>
+              </a:ext>
+            </a:extLst>
+          </p:cNvPr>
+          <p:cNvSpPr/>
+          <p:nvPr/>
+        </p:nvSpPr>
+        <p:spPr>
+          <a:xfrm>
+            <a:off x="2853732" y="3024554"/>
+            <a:ext cx="1969477" cy="793819"/>
+          </a:xfrm>
+          <a:prstGeom prst="rect">
+            <a:avLst/>
+          </a:prstGeom>
+          <a:solidFill>
+            <a:schemeClr val="tx1">
+              <a:lumMod val="50000"/>
+            </a:schemeClr>
+          </a:solidFill>
+          <a:ln>
+            <a:noFill/>
+          </a:ln>
+          <a:effectLst/>
+        </p:spPr>
+        <p:style>
+          <a:lnRef idx="1">
+            <a:schemeClr val="accent1"/>
+          </a:lnRef>
+          <a:fillRef idx="3">
+            <a:schemeClr val="accent1"/>
+          </a:fillRef>
+          <a:effectRef idx="2">
+            <a:schemeClr val="accent1"/>
+          </a:effectRef>
+          <a:fontRef idx="minor">
+            <a:schemeClr val="lt1"/>
+          </a:fontRef>
+        </p:style>
+        <p:txBody>
+          <a:bodyPr rtlCol="0" anchor="ctr"/>
+          <a:lstStyle/>
+          <a:p>
+            <a:pPr algn="ctr"/>
+            <a:r>
+              <a:rPr lang="en-US" dirty="0"/>
+              <a:t>Execution History</a:t>
+            </a:r>
+          </a:p>
+        </p:txBody>
+      </p:sp>
+      <p:sp>
+        <p:nvSpPr>
+          <p:cNvPr id="7" name="Arrow: Right 6">
+            <a:extLst>
+              <a:ext uri="{FF2B5EF4-FFF2-40B4-BE49-F238E27FC236}">
+                <a16:creationId xmlns:a16="http://schemas.microsoft.com/office/drawing/2014/main" id="{7368B37E-387A-41D1-9502-64B5857ED464}"/>
+              </a:ext>
+            </a:extLst>
+          </p:cNvPr>
+          <p:cNvSpPr/>
+          <p:nvPr/>
+        </p:nvSpPr>
+        <p:spPr>
+          <a:xfrm>
+            <a:off x="304363" y="1416818"/>
+            <a:ext cx="951681" cy="221063"/>
+          </a:xfrm>
+          <a:prstGeom prst="rightArrow">
+            <a:avLst/>
+          </a:prstGeom>
+          <a:solidFill>
+            <a:schemeClr val="bg1">
+              <a:lumMod val="85000"/>
+            </a:schemeClr>
+          </a:solidFill>
+          <a:ln>
+            <a:noFill/>
+          </a:ln>
+          <a:effectLst/>
+        </p:spPr>
+        <p:style>
+          <a:lnRef idx="1">
+            <a:schemeClr val="accent1"/>
+          </a:lnRef>
+          <a:fillRef idx="3">
+            <a:schemeClr val="accent1"/>
+          </a:fillRef>
+          <a:effectRef idx="2">
+            <a:schemeClr val="accent1"/>
+          </a:effectRef>
+          <a:fontRef idx="minor">
+            <a:schemeClr val="lt1"/>
+          </a:fontRef>
+        </p:style>
+        <p:txBody>
+          <a:bodyPr rtlCol="0" anchor="ctr"/>
+          <a:lstStyle/>
+          <a:p>
+            <a:pPr algn="ctr"/>
+            <a:endParaRPr lang="en-US"/>
+          </a:p>
+        </p:txBody>
+      </p:sp>
+      <p:sp>
+        <p:nvSpPr>
+          <p:cNvPr id="9" name="Arrow: Right 8">
+            <a:extLst>
+              <a:ext uri="{FF2B5EF4-FFF2-40B4-BE49-F238E27FC236}">
+                <a16:creationId xmlns:a16="http://schemas.microsoft.com/office/drawing/2014/main" id="{023AEE95-D018-4EEC-BB22-C24803ADF501}"/>
+              </a:ext>
+            </a:extLst>
+          </p:cNvPr>
+          <p:cNvSpPr/>
+          <p:nvPr/>
+        </p:nvSpPr>
+        <p:spPr>
+          <a:xfrm rot="2889707">
+            <a:off x="838409" y="2711365"/>
+            <a:ext cx="2336301" cy="182055"/>
+          </a:xfrm>
+          <a:prstGeom prst="rightArrow">
+            <a:avLst>
+              <a:gd name="adj1" fmla="val 50000"/>
+              <a:gd name="adj2" fmla="val 50000"/>
+            </a:avLst>
+          </a:prstGeom>
+          <a:solidFill>
+            <a:schemeClr val="bg1">
+              <a:lumMod val="85000"/>
+            </a:schemeClr>
+          </a:solidFill>
+          <a:ln>
+            <a:noFill/>
+          </a:ln>
+          <a:effectLst/>
+        </p:spPr>
+        <p:style>
+          <a:lnRef idx="1">
+            <a:schemeClr val="accent1"/>
+          </a:lnRef>
+          <a:fillRef idx="3">
+            <a:schemeClr val="accent1"/>
+          </a:fillRef>
+          <a:effectRef idx="2">
+            <a:schemeClr val="accent1"/>
+          </a:effectRef>
+          <a:fontRef idx="minor">
+            <a:schemeClr val="lt1"/>
+          </a:fontRef>
+        </p:style>
+        <p:txBody>
+          <a:bodyPr rtlCol="0" anchor="ctr"/>
+          <a:lstStyle/>
+          <a:p>
+            <a:pPr algn="ctr"/>
+            <a:r>
+              <a:rPr lang="en-US"/>
+              <a:t>?</a:t>
+            </a:r>
+          </a:p>
+        </p:txBody>
+      </p:sp>
+      <p:sp>
+        <p:nvSpPr>
+          <p:cNvPr id="11" name="Arrow: Right 10">
+            <a:extLst>
+              <a:ext uri="{FF2B5EF4-FFF2-40B4-BE49-F238E27FC236}">
+                <a16:creationId xmlns:a16="http://schemas.microsoft.com/office/drawing/2014/main" id="{777A9E80-CF49-45F3-B3E1-BD2B9DC6B555}"/>
+              </a:ext>
+            </a:extLst>
+          </p:cNvPr>
+          <p:cNvSpPr/>
+          <p:nvPr/>
+        </p:nvSpPr>
+        <p:spPr>
+          <a:xfrm rot="13817124">
+            <a:off x="1326693" y="2490790"/>
+            <a:ext cx="1794813" cy="278545"/>
+          </a:xfrm>
+          <a:prstGeom prst="rightArrow">
+            <a:avLst/>
+          </a:prstGeom>
+          <a:solidFill>
+            <a:schemeClr val="bg1">
+              <a:lumMod val="85000"/>
+            </a:schemeClr>
+          </a:solidFill>
+          <a:ln>
+            <a:noFill/>
+          </a:ln>
+          <a:effectLst/>
+        </p:spPr>
+        <p:style>
+          <a:lnRef idx="1">
+            <a:schemeClr val="accent1"/>
+          </a:lnRef>
+          <a:fillRef idx="3">
+            <a:schemeClr val="accent1"/>
+          </a:fillRef>
+          <a:effectRef idx="2">
+            <a:schemeClr val="accent1"/>
+          </a:effectRef>
+          <a:fontRef idx="minor">
+            <a:schemeClr val="lt1"/>
+          </a:fontRef>
+        </p:style>
+        <p:txBody>
+          <a:bodyPr rtlCol="0" anchor="ctr"/>
+          <a:lstStyle/>
+          <a:p>
+            <a:pPr algn="ctr"/>
+            <a:endParaRPr lang="en-US"/>
+          </a:p>
+        </p:txBody>
+      </p:sp>
+      <p:sp>
+        <p:nvSpPr>
+          <p:cNvPr id="13" name="Oval 12">
+            <a:extLst>
+              <a:ext uri="{FF2B5EF4-FFF2-40B4-BE49-F238E27FC236}">
+                <a16:creationId xmlns:a16="http://schemas.microsoft.com/office/drawing/2014/main" id="{A27A22F8-D422-47E7-A2B3-35B81E2BF608}"/>
+              </a:ext>
+            </a:extLst>
+          </p:cNvPr>
+          <p:cNvSpPr/>
+          <p:nvPr/>
+        </p:nvSpPr>
+        <p:spPr>
+          <a:xfrm>
+            <a:off x="2022460" y="2523623"/>
+            <a:ext cx="682047" cy="212877"/>
+          </a:xfrm>
+          <a:prstGeom prst="ellipse">
+            <a:avLst/>
+          </a:prstGeom>
+          <a:solidFill>
+            <a:schemeClr val="accent1">
+              <a:lumMod val="50000"/>
+            </a:schemeClr>
+          </a:solidFill>
+          <a:ln>
+            <a:noFill/>
+          </a:ln>
+          <a:effectLst/>
+        </p:spPr>
+        <p:style>
+          <a:lnRef idx="1">
+            <a:schemeClr val="accent1"/>
+          </a:lnRef>
+          <a:fillRef idx="3">
+            <a:schemeClr val="accent1"/>
+          </a:fillRef>
+          <a:effectRef idx="2">
+            <a:schemeClr val="accent1"/>
+          </a:effectRef>
+          <a:fontRef idx="minor">
+            <a:schemeClr val="lt1"/>
+          </a:fontRef>
+        </p:style>
+        <p:txBody>
+          <a:bodyPr rtlCol="0" anchor="ctr"/>
+          <a:lstStyle/>
+          <a:p>
+            <a:pPr algn="ctr"/>
+            <a:r>
+              <a:rPr lang="en-US" sz="1000" dirty="0"/>
+              <a:t>NO</a:t>
+            </a:r>
+          </a:p>
+        </p:txBody>
+      </p:sp>
+      <p:sp>
+        <p:nvSpPr>
+          <p:cNvPr id="14" name="Arrow: Right 13">
+            <a:extLst>
+              <a:ext uri="{FF2B5EF4-FFF2-40B4-BE49-F238E27FC236}">
+                <a16:creationId xmlns:a16="http://schemas.microsoft.com/office/drawing/2014/main" id="{B4D7D075-FC0B-45FD-AEE0-F3071B549BA2}"/>
+              </a:ext>
+            </a:extLst>
+          </p:cNvPr>
+          <p:cNvSpPr/>
+          <p:nvPr/>
+        </p:nvSpPr>
+        <p:spPr>
+          <a:xfrm>
+            <a:off x="2984360" y="1306286"/>
+            <a:ext cx="996462" cy="212876"/>
+          </a:xfrm>
+          <a:prstGeom prst="rightArrow">
+            <a:avLst/>
+          </a:prstGeom>
+          <a:solidFill>
+            <a:schemeClr val="bg1">
+              <a:lumMod val="85000"/>
+            </a:schemeClr>
+          </a:solidFill>
+          <a:ln>
+            <a:noFill/>
+          </a:ln>
+          <a:effectLst/>
+        </p:spPr>
+        <p:style>
+          <a:lnRef idx="1">
+            <a:schemeClr val="accent1"/>
+          </a:lnRef>
+          <a:fillRef idx="3">
+            <a:schemeClr val="accent1"/>
+          </a:fillRef>
+          <a:effectRef idx="2">
+            <a:schemeClr val="accent1"/>
+          </a:effectRef>
+          <a:fontRef idx="minor">
+            <a:schemeClr val="lt1"/>
+          </a:fontRef>
+        </p:style>
+        <p:txBody>
+          <a:bodyPr rtlCol="0" anchor="ctr"/>
+          <a:lstStyle/>
+          <a:p>
+            <a:pPr algn="ctr"/>
+            <a:endParaRPr lang="en-US"/>
+          </a:p>
+        </p:txBody>
+      </p:sp>
+      <p:sp>
+        <p:nvSpPr>
+          <p:cNvPr id="15" name="Oval 14">
+            <a:extLst>
+              <a:ext uri="{FF2B5EF4-FFF2-40B4-BE49-F238E27FC236}">
+                <a16:creationId xmlns:a16="http://schemas.microsoft.com/office/drawing/2014/main" id="{E8465818-A7BC-42F7-AD9B-6523DAE616A1}"/>
+              </a:ext>
+            </a:extLst>
+          </p:cNvPr>
+          <p:cNvSpPr/>
+          <p:nvPr/>
+        </p:nvSpPr>
+        <p:spPr>
+          <a:xfrm>
+            <a:off x="2984361" y="934496"/>
+            <a:ext cx="951680" cy="371789"/>
+          </a:xfrm>
+          <a:prstGeom prst="ellipse">
+            <a:avLst/>
+          </a:prstGeom>
+          <a:solidFill>
+            <a:schemeClr val="bg1">
+              <a:lumMod val="85000"/>
+            </a:schemeClr>
+          </a:solidFill>
+          <a:ln>
+            <a:noFill/>
+          </a:ln>
+          <a:effectLst/>
+        </p:spPr>
+        <p:style>
+          <a:lnRef idx="1">
+            <a:schemeClr val="accent1"/>
+          </a:lnRef>
+          <a:fillRef idx="3">
+            <a:schemeClr val="accent1"/>
+          </a:fillRef>
+          <a:effectRef idx="2">
+            <a:schemeClr val="accent1"/>
+          </a:effectRef>
+          <a:fontRef idx="minor">
+            <a:schemeClr val="lt1"/>
+          </a:fontRef>
+        </p:style>
+        <p:txBody>
+          <a:bodyPr rtlCol="0" anchor="ctr"/>
+          <a:lstStyle/>
+          <a:p>
+            <a:pPr algn="ctr"/>
+            <a:r>
+              <a:rPr lang="en-US" sz="1100" dirty="0"/>
+              <a:t>Queue</a:t>
+            </a:r>
+          </a:p>
+        </p:txBody>
+      </p:sp>
+      <p:sp>
+        <p:nvSpPr>
+          <p:cNvPr id="16" name="Arrow: Down 15">
+            <a:extLst>
+              <a:ext uri="{FF2B5EF4-FFF2-40B4-BE49-F238E27FC236}">
+                <a16:creationId xmlns:a16="http://schemas.microsoft.com/office/drawing/2014/main" id="{A1CD358E-20A2-4C91-A50F-5D62E494BDE7}"/>
+              </a:ext>
+            </a:extLst>
+          </p:cNvPr>
+          <p:cNvSpPr/>
+          <p:nvPr/>
+        </p:nvSpPr>
+        <p:spPr>
+          <a:xfrm>
+            <a:off x="4138207" y="1836698"/>
+            <a:ext cx="363455" cy="1187856"/>
+          </a:xfrm>
+          <a:prstGeom prst="downArrow">
+            <a:avLst/>
+          </a:prstGeom>
+          <a:solidFill>
+            <a:schemeClr val="bg1">
+              <a:lumMod val="85000"/>
+            </a:schemeClr>
+          </a:solidFill>
+          <a:ln>
+            <a:noFill/>
+          </a:ln>
+          <a:effectLst/>
+        </p:spPr>
+        <p:style>
+          <a:lnRef idx="1">
+            <a:schemeClr val="accent1"/>
+          </a:lnRef>
+          <a:fillRef idx="3">
+            <a:schemeClr val="accent1"/>
+          </a:fillRef>
+          <a:effectRef idx="2">
+            <a:schemeClr val="accent1"/>
+          </a:effectRef>
+          <a:fontRef idx="minor">
+            <a:schemeClr val="lt1"/>
+          </a:fontRef>
+        </p:style>
+        <p:txBody>
+          <a:bodyPr rtlCol="0" anchor="ctr"/>
+          <a:lstStyle/>
+          <a:p>
+            <a:pPr algn="ctr"/>
+            <a:endParaRPr lang="en-US"/>
+          </a:p>
+        </p:txBody>
+      </p:sp>
+      <p:sp>
+        <p:nvSpPr>
+          <p:cNvPr id="17" name="Rectangle 16">
+            <a:extLst>
+              <a:ext uri="{FF2B5EF4-FFF2-40B4-BE49-F238E27FC236}">
+                <a16:creationId xmlns:a16="http://schemas.microsoft.com/office/drawing/2014/main" id="{A965566E-F3E5-4C81-89B2-6D016AE9A6A7}"/>
+              </a:ext>
+            </a:extLst>
+          </p:cNvPr>
+          <p:cNvSpPr/>
+          <p:nvPr/>
+        </p:nvSpPr>
+        <p:spPr>
+          <a:xfrm>
+            <a:off x="4572000" y="1882908"/>
+            <a:ext cx="854110" cy="939039"/>
+          </a:xfrm>
+          <a:prstGeom prst="rect">
+            <a:avLst/>
+          </a:prstGeom>
+          <a:solidFill>
+            <a:schemeClr val="bg1">
+              <a:lumMod val="85000"/>
+            </a:schemeClr>
+          </a:solidFill>
+          <a:ln>
+            <a:noFill/>
+          </a:ln>
+          <a:effectLst/>
+        </p:spPr>
+        <p:style>
+          <a:lnRef idx="1">
+            <a:schemeClr val="accent1"/>
+          </a:lnRef>
+          <a:fillRef idx="3">
+            <a:schemeClr val="accent1"/>
+          </a:fillRef>
+          <a:effectRef idx="2">
+            <a:schemeClr val="accent1"/>
+          </a:effectRef>
+          <a:fontRef idx="minor">
+            <a:schemeClr val="lt1"/>
+          </a:fontRef>
+        </p:style>
+        <p:txBody>
+          <a:bodyPr rtlCol="0" anchor="ctr"/>
+          <a:lstStyle/>
+          <a:p>
+            <a:pPr algn="ctr"/>
+            <a:r>
+              <a:rPr lang="en-US" sz="1000" dirty="0"/>
+              <a:t>Task Completed. Updated execution history table</a:t>
+            </a:r>
+          </a:p>
+        </p:txBody>
+      </p:sp>
+      <p:sp>
+        <p:nvSpPr>
+          <p:cNvPr id="18" name="Arrow: Right 17">
+            <a:extLst>
+              <a:ext uri="{FF2B5EF4-FFF2-40B4-BE49-F238E27FC236}">
+                <a16:creationId xmlns:a16="http://schemas.microsoft.com/office/drawing/2014/main" id="{D0D8B637-D8D1-4D0F-8CA3-9762E1596FB9}"/>
+              </a:ext>
+            </a:extLst>
+          </p:cNvPr>
+          <p:cNvSpPr/>
+          <p:nvPr/>
+        </p:nvSpPr>
+        <p:spPr>
+          <a:xfrm rot="2889707">
+            <a:off x="1893085" y="2295455"/>
+            <a:ext cx="1419157" cy="192092"/>
+          </a:xfrm>
+          <a:prstGeom prst="rightArrow">
+            <a:avLst>
+              <a:gd name="adj1" fmla="val 50000"/>
+              <a:gd name="adj2" fmla="val 50000"/>
+            </a:avLst>
+          </a:prstGeom>
+          <a:solidFill>
+            <a:schemeClr val="bg1">
+              <a:lumMod val="85000"/>
+            </a:schemeClr>
+          </a:solidFill>
+          <a:ln>
+            <a:noFill/>
+          </a:ln>
+          <a:effectLst/>
+        </p:spPr>
+        <p:style>
+          <a:lnRef idx="1">
+            <a:schemeClr val="accent1"/>
+          </a:lnRef>
+          <a:fillRef idx="3">
+            <a:schemeClr val="accent1"/>
+          </a:fillRef>
+          <a:effectRef idx="2">
+            <a:schemeClr val="accent1"/>
+          </a:effectRef>
+          <a:fontRef idx="minor">
+            <a:schemeClr val="lt1"/>
+          </a:fontRef>
+        </p:style>
+        <p:txBody>
+          <a:bodyPr rtlCol="0" anchor="ctr"/>
+          <a:lstStyle/>
+          <a:p>
+            <a:pPr algn="ctr"/>
+            <a:r>
+              <a:rPr lang="en-US" dirty="0"/>
+              <a:t>?</a:t>
+            </a:r>
+          </a:p>
+        </p:txBody>
+      </p:sp>
+      <p:sp>
+        <p:nvSpPr>
+          <p:cNvPr id="19" name="Arrow: Right 18">
+            <a:extLst>
+              <a:ext uri="{FF2B5EF4-FFF2-40B4-BE49-F238E27FC236}">
+                <a16:creationId xmlns:a16="http://schemas.microsoft.com/office/drawing/2014/main" id="{98A5FD7C-1C1F-4253-B38B-C24BC378A72E}"/>
+              </a:ext>
+            </a:extLst>
+          </p:cNvPr>
+          <p:cNvSpPr/>
+          <p:nvPr/>
+        </p:nvSpPr>
+        <p:spPr>
+          <a:xfrm rot="13817124">
+            <a:off x="2581846" y="2257646"/>
+            <a:ext cx="1419416" cy="278545"/>
+          </a:xfrm>
+          <a:prstGeom prst="rightArrow">
+            <a:avLst/>
+          </a:prstGeom>
+          <a:solidFill>
+            <a:schemeClr val="bg1">
+              <a:lumMod val="85000"/>
+            </a:schemeClr>
+          </a:solidFill>
+          <a:ln>
+            <a:noFill/>
+          </a:ln>
+          <a:effectLst/>
+        </p:spPr>
+        <p:style>
+          <a:lnRef idx="1">
+            <a:schemeClr val="accent1"/>
+          </a:lnRef>
+          <a:fillRef idx="3">
+            <a:schemeClr val="accent1"/>
+          </a:fillRef>
+          <a:effectRef idx="2">
+            <a:schemeClr val="accent1"/>
+          </a:effectRef>
+          <a:fontRef idx="minor">
+            <a:schemeClr val="lt1"/>
+          </a:fontRef>
+        </p:style>
+        <p:txBody>
+          <a:bodyPr rtlCol="0" anchor="ctr"/>
+          <a:lstStyle/>
+          <a:p>
+            <a:pPr algn="ctr"/>
+            <a:endParaRPr lang="en-US"/>
+          </a:p>
+        </p:txBody>
+      </p:sp>
+      <p:sp>
+        <p:nvSpPr>
+          <p:cNvPr id="20" name="Oval 19">
+            <a:extLst>
+              <a:ext uri="{FF2B5EF4-FFF2-40B4-BE49-F238E27FC236}">
+                <a16:creationId xmlns:a16="http://schemas.microsoft.com/office/drawing/2014/main" id="{0B642D7E-5F8E-490B-B930-5C87627E5259}"/>
+              </a:ext>
+            </a:extLst>
+          </p:cNvPr>
+          <p:cNvSpPr/>
+          <p:nvPr/>
+        </p:nvSpPr>
+        <p:spPr>
+          <a:xfrm>
+            <a:off x="3209846" y="2434865"/>
+            <a:ext cx="682047" cy="168352"/>
+          </a:xfrm>
+          <a:prstGeom prst="ellipse">
+            <a:avLst/>
+          </a:prstGeom>
+          <a:solidFill>
+            <a:schemeClr val="accent1">
+              <a:lumMod val="50000"/>
+            </a:schemeClr>
+          </a:solidFill>
+          <a:ln>
+            <a:noFill/>
+          </a:ln>
+          <a:effectLst/>
+        </p:spPr>
+        <p:style>
+          <a:lnRef idx="1">
+            <a:schemeClr val="accent1"/>
+          </a:lnRef>
+          <a:fillRef idx="3">
+            <a:schemeClr val="accent1"/>
+          </a:fillRef>
+          <a:effectRef idx="2">
+            <a:schemeClr val="accent1"/>
+          </a:effectRef>
+          <a:fontRef idx="minor">
+            <a:schemeClr val="lt1"/>
+          </a:fontRef>
+        </p:style>
+        <p:txBody>
+          <a:bodyPr rtlCol="0" anchor="ctr"/>
+          <a:lstStyle/>
+          <a:p>
+            <a:pPr algn="ctr"/>
+            <a:r>
+              <a:rPr lang="en-US" sz="1000" dirty="0"/>
+              <a:t>Yes</a:t>
+            </a:r>
+          </a:p>
+        </p:txBody>
+      </p:sp>
+      <p:sp>
+        <p:nvSpPr>
+          <p:cNvPr id="21" name="Rectangle 20">
+            <a:extLst>
+              <a:ext uri="{FF2B5EF4-FFF2-40B4-BE49-F238E27FC236}">
+                <a16:creationId xmlns:a16="http://schemas.microsoft.com/office/drawing/2014/main" id="{EC6BABD1-FA5D-4552-B114-DD18DDFB66D6}"/>
+              </a:ext>
+            </a:extLst>
+          </p:cNvPr>
+          <p:cNvSpPr/>
+          <p:nvPr/>
+        </p:nvSpPr>
+        <p:spPr>
+          <a:xfrm>
+            <a:off x="5779476" y="1045028"/>
+            <a:ext cx="3147259" cy="3136829"/>
+          </a:xfrm>
+          <a:prstGeom prst="rect">
+            <a:avLst/>
+          </a:prstGeom>
+          <a:solidFill>
+            <a:schemeClr val="bg1">
+              <a:lumMod val="85000"/>
+            </a:schemeClr>
+          </a:solidFill>
+          <a:ln>
+            <a:noFill/>
+          </a:ln>
+          <a:effectLst/>
+        </p:spPr>
+        <p:style>
+          <a:lnRef idx="1">
+            <a:schemeClr val="accent1"/>
+          </a:lnRef>
+          <a:fillRef idx="3">
+            <a:schemeClr val="accent1"/>
+          </a:fillRef>
+          <a:effectRef idx="2">
+            <a:schemeClr val="accent1"/>
+          </a:effectRef>
+          <a:fontRef idx="minor">
+            <a:schemeClr val="lt1"/>
+          </a:fontRef>
+        </p:style>
+        <p:txBody>
+          <a:bodyPr rtlCol="0" anchor="ctr"/>
+          <a:lstStyle/>
+          <a:p>
+            <a:pPr algn="ctr"/>
+            <a:endParaRPr lang="en-US"/>
+          </a:p>
+        </p:txBody>
+      </p:sp>
+      <p:sp>
+        <p:nvSpPr>
+          <p:cNvPr id="22" name="Rectangle 21">
+            <a:extLst>
+              <a:ext uri="{FF2B5EF4-FFF2-40B4-BE49-F238E27FC236}">
+                <a16:creationId xmlns:a16="http://schemas.microsoft.com/office/drawing/2014/main" id="{DE73A62F-22ED-41DC-A673-9A92B0DCDACD}"/>
+              </a:ext>
+            </a:extLst>
+          </p:cNvPr>
+          <p:cNvSpPr/>
+          <p:nvPr/>
+        </p:nvSpPr>
+        <p:spPr>
+          <a:xfrm>
+            <a:off x="5807948" y="542611"/>
+            <a:ext cx="3114989" cy="455444"/>
+          </a:xfrm>
+          <a:prstGeom prst="rect">
+            <a:avLst/>
+          </a:prstGeom>
+          <a:solidFill>
+            <a:schemeClr val="bg1">
+              <a:lumMod val="85000"/>
+            </a:schemeClr>
+          </a:solidFill>
+          <a:ln>
+            <a:noFill/>
+          </a:ln>
+          <a:effectLst/>
+        </p:spPr>
+        <p:style>
+          <a:lnRef idx="1">
+            <a:schemeClr val="accent1"/>
+          </a:lnRef>
+          <a:fillRef idx="3">
+            <a:schemeClr val="accent1"/>
+          </a:fillRef>
+          <a:effectRef idx="2">
+            <a:schemeClr val="accent1"/>
+          </a:effectRef>
+          <a:fontRef idx="minor">
+            <a:schemeClr val="lt1"/>
+          </a:fontRef>
+        </p:style>
+        <p:txBody>
+          <a:bodyPr rtlCol="0" anchor="ctr"/>
+          <a:lstStyle/>
+          <a:p>
+            <a:pPr algn="ctr"/>
+            <a:r>
+              <a:rPr lang="en-US" dirty="0"/>
+              <a:t>Sequence of Call</a:t>
+            </a:r>
+          </a:p>
+        </p:txBody>
+      </p:sp>
+      <p:sp>
+        <p:nvSpPr>
+          <p:cNvPr id="23" name="Rectangle 22">
+            <a:extLst>
+              <a:ext uri="{FF2B5EF4-FFF2-40B4-BE49-F238E27FC236}">
+                <a16:creationId xmlns:a16="http://schemas.microsoft.com/office/drawing/2014/main" id="{AF7AFF96-3EDA-4FBB-B602-E33D38033C56}"/>
+              </a:ext>
+            </a:extLst>
+          </p:cNvPr>
+          <p:cNvSpPr/>
+          <p:nvPr/>
+        </p:nvSpPr>
+        <p:spPr>
+          <a:xfrm>
+            <a:off x="5779476" y="1045028"/>
+            <a:ext cx="3147259" cy="371789"/>
+          </a:xfrm>
+          <a:prstGeom prst="rect">
+            <a:avLst/>
+          </a:prstGeom>
+          <a:solidFill>
+            <a:schemeClr val="accent4">
+              <a:lumMod val="50000"/>
+            </a:schemeClr>
+          </a:solidFill>
+          <a:ln>
+            <a:noFill/>
+          </a:ln>
+          <a:effectLst/>
+        </p:spPr>
+        <p:style>
+          <a:lnRef idx="1">
+            <a:schemeClr val="accent1"/>
+          </a:lnRef>
+          <a:fillRef idx="3">
+            <a:schemeClr val="accent1"/>
+          </a:fillRef>
+          <a:effectRef idx="2">
+            <a:schemeClr val="accent1"/>
+          </a:effectRef>
+          <a:fontRef idx="minor">
+            <a:schemeClr val="lt1"/>
+          </a:fontRef>
+        </p:style>
+        <p:txBody>
+          <a:bodyPr rtlCol="0" anchor="ctr"/>
+          <a:lstStyle/>
+          <a:p>
+            <a:pPr algn="ctr"/>
+            <a:r>
+              <a:rPr lang="en-US" dirty="0"/>
+              <a:t>Orchestration Started</a:t>
+            </a:r>
+          </a:p>
+        </p:txBody>
+      </p:sp>
+      <p:sp>
+        <p:nvSpPr>
+          <p:cNvPr id="24" name="Rectangle 23">
+            <a:extLst>
+              <a:ext uri="{FF2B5EF4-FFF2-40B4-BE49-F238E27FC236}">
+                <a16:creationId xmlns:a16="http://schemas.microsoft.com/office/drawing/2014/main" id="{76C4AA53-DDB1-4DDF-94DD-3089F2941094}"/>
+              </a:ext>
+            </a:extLst>
+          </p:cNvPr>
+          <p:cNvSpPr/>
+          <p:nvPr/>
+        </p:nvSpPr>
+        <p:spPr>
+          <a:xfrm>
+            <a:off x="5779476" y="1425374"/>
+            <a:ext cx="3131123" cy="371789"/>
+          </a:xfrm>
+          <a:prstGeom prst="rect">
+            <a:avLst/>
+          </a:prstGeom>
+          <a:solidFill>
+            <a:schemeClr val="accent4">
+              <a:lumMod val="50000"/>
+            </a:schemeClr>
+          </a:solidFill>
+          <a:ln>
+            <a:noFill/>
+          </a:ln>
+          <a:effectLst/>
+        </p:spPr>
+        <p:style>
+          <a:lnRef idx="1">
+            <a:schemeClr val="accent1"/>
+          </a:lnRef>
+          <a:fillRef idx="3">
+            <a:schemeClr val="accent1"/>
+          </a:fillRef>
+          <a:effectRef idx="2">
+            <a:schemeClr val="accent1"/>
+          </a:effectRef>
+          <a:fontRef idx="minor">
+            <a:schemeClr val="lt1"/>
+          </a:fontRef>
+        </p:style>
+        <p:txBody>
+          <a:bodyPr rtlCol="0" anchor="ctr"/>
+          <a:lstStyle/>
+          <a:p>
+            <a:pPr algn="ctr"/>
+            <a:r>
+              <a:rPr lang="en-US" dirty="0"/>
+              <a:t>Execution Started</a:t>
+            </a:r>
+          </a:p>
+        </p:txBody>
+      </p:sp>
+      <p:sp>
+        <p:nvSpPr>
+          <p:cNvPr id="25" name="Rectangle 24">
+            <a:extLst>
+              <a:ext uri="{FF2B5EF4-FFF2-40B4-BE49-F238E27FC236}">
+                <a16:creationId xmlns:a16="http://schemas.microsoft.com/office/drawing/2014/main" id="{77410E1C-143F-4397-9CCA-EFE7AC3D336B}"/>
+              </a:ext>
+            </a:extLst>
+          </p:cNvPr>
+          <p:cNvSpPr/>
+          <p:nvPr/>
+        </p:nvSpPr>
+        <p:spPr>
+          <a:xfrm>
+            <a:off x="5779476" y="1810562"/>
+            <a:ext cx="3131123" cy="460365"/>
+          </a:xfrm>
+          <a:prstGeom prst="rect">
+            <a:avLst/>
+          </a:prstGeom>
+          <a:solidFill>
+            <a:schemeClr val="accent4">
+              <a:lumMod val="50000"/>
+            </a:schemeClr>
+          </a:solidFill>
+          <a:ln>
+            <a:noFill/>
+          </a:ln>
+          <a:effectLst/>
+        </p:spPr>
+        <p:style>
+          <a:lnRef idx="1">
+            <a:schemeClr val="accent1"/>
+          </a:lnRef>
+          <a:fillRef idx="3">
+            <a:schemeClr val="accent1"/>
+          </a:fillRef>
+          <a:effectRef idx="2">
+            <a:schemeClr val="accent1"/>
+          </a:effectRef>
+          <a:fontRef idx="minor">
+            <a:schemeClr val="lt1"/>
+          </a:fontRef>
+        </p:style>
+        <p:txBody>
+          <a:bodyPr rtlCol="0" anchor="ctr"/>
+          <a:lstStyle/>
+          <a:p>
+            <a:pPr algn="ctr"/>
+            <a:r>
+              <a:rPr lang="en-US" dirty="0"/>
+              <a:t>Task scheduled on Activity function</a:t>
+            </a:r>
+          </a:p>
+        </p:txBody>
+      </p:sp>
+      <p:sp>
+        <p:nvSpPr>
+          <p:cNvPr id="26" name="Rectangle 25">
+            <a:extLst>
+              <a:ext uri="{FF2B5EF4-FFF2-40B4-BE49-F238E27FC236}">
+                <a16:creationId xmlns:a16="http://schemas.microsoft.com/office/drawing/2014/main" id="{1BACED7E-6DE9-4837-9661-7AF06FECC84C}"/>
+              </a:ext>
+            </a:extLst>
+          </p:cNvPr>
+          <p:cNvSpPr/>
+          <p:nvPr/>
+        </p:nvSpPr>
+        <p:spPr>
+          <a:xfrm>
+            <a:off x="5779476" y="2279382"/>
+            <a:ext cx="3147259" cy="371789"/>
+          </a:xfrm>
+          <a:prstGeom prst="rect">
+            <a:avLst/>
+          </a:prstGeom>
+          <a:solidFill>
+            <a:schemeClr val="accent4">
+              <a:lumMod val="50000"/>
+            </a:schemeClr>
+          </a:solidFill>
+          <a:ln>
+            <a:noFill/>
+          </a:ln>
+          <a:effectLst/>
+        </p:spPr>
+        <p:style>
+          <a:lnRef idx="1">
+            <a:schemeClr val="accent1"/>
+          </a:lnRef>
+          <a:fillRef idx="3">
+            <a:schemeClr val="accent1"/>
+          </a:fillRef>
+          <a:effectRef idx="2">
+            <a:schemeClr val="accent1"/>
+          </a:effectRef>
+          <a:fontRef idx="minor">
+            <a:schemeClr val="lt1"/>
+          </a:fontRef>
+        </p:style>
+        <p:txBody>
+          <a:bodyPr rtlCol="0" anchor="ctr"/>
+          <a:lstStyle/>
+          <a:p>
+            <a:pPr algn="ctr"/>
+            <a:r>
+              <a:rPr lang="en-US" dirty="0"/>
+              <a:t>Orchestration Completed</a:t>
+            </a:r>
+          </a:p>
+        </p:txBody>
+      </p:sp>
+      <p:sp>
+        <p:nvSpPr>
+          <p:cNvPr id="27" name="Rectangle 26">
+            <a:extLst>
+              <a:ext uri="{FF2B5EF4-FFF2-40B4-BE49-F238E27FC236}">
+                <a16:creationId xmlns:a16="http://schemas.microsoft.com/office/drawing/2014/main" id="{16797C71-D838-49F9-9C28-3D6BB218FF6A}"/>
+              </a:ext>
+            </a:extLst>
+          </p:cNvPr>
+          <p:cNvSpPr/>
+          <p:nvPr/>
+        </p:nvSpPr>
+        <p:spPr>
+          <a:xfrm>
+            <a:off x="5779476" y="2662812"/>
+            <a:ext cx="3147259" cy="371789"/>
+          </a:xfrm>
+          <a:prstGeom prst="rect">
+            <a:avLst/>
+          </a:prstGeom>
+          <a:solidFill>
+            <a:schemeClr val="accent4">
+              <a:lumMod val="50000"/>
+            </a:schemeClr>
+          </a:solidFill>
+          <a:ln>
+            <a:noFill/>
+          </a:ln>
+          <a:effectLst/>
+        </p:spPr>
+        <p:style>
+          <a:lnRef idx="1">
+            <a:schemeClr val="accent1"/>
+          </a:lnRef>
+          <a:fillRef idx="3">
+            <a:schemeClr val="accent1"/>
+          </a:fillRef>
+          <a:effectRef idx="2">
+            <a:schemeClr val="accent1"/>
+          </a:effectRef>
+          <a:fontRef idx="minor">
+            <a:schemeClr val="lt1"/>
+          </a:fontRef>
+        </p:style>
+        <p:txBody>
+          <a:bodyPr rtlCol="0" anchor="ctr"/>
+          <a:lstStyle/>
+          <a:p>
+            <a:pPr algn="ctr"/>
+            <a:r>
+              <a:rPr lang="en-US" dirty="0"/>
+              <a:t>Activity function Completed</a:t>
+            </a:r>
+          </a:p>
+        </p:txBody>
+      </p:sp>
+      <p:sp>
+        <p:nvSpPr>
+          <p:cNvPr id="28" name="Rectangle 27">
+            <a:extLst>
+              <a:ext uri="{FF2B5EF4-FFF2-40B4-BE49-F238E27FC236}">
+                <a16:creationId xmlns:a16="http://schemas.microsoft.com/office/drawing/2014/main" id="{6196D48C-0414-47B7-8FCF-B163643ABE71}"/>
+              </a:ext>
+            </a:extLst>
+          </p:cNvPr>
+          <p:cNvSpPr/>
+          <p:nvPr/>
+        </p:nvSpPr>
+        <p:spPr>
+          <a:xfrm>
+            <a:off x="5781156" y="3046315"/>
+            <a:ext cx="3147259" cy="371789"/>
+          </a:xfrm>
+          <a:prstGeom prst="rect">
+            <a:avLst/>
+          </a:prstGeom>
+          <a:solidFill>
+            <a:schemeClr val="accent4">
+              <a:lumMod val="50000"/>
+            </a:schemeClr>
+          </a:solidFill>
+          <a:ln>
+            <a:noFill/>
+          </a:ln>
+          <a:effectLst/>
+        </p:spPr>
+        <p:style>
+          <a:lnRef idx="1">
+            <a:schemeClr val="accent1"/>
+          </a:lnRef>
+          <a:fillRef idx="3">
+            <a:schemeClr val="accent1"/>
+          </a:fillRef>
+          <a:effectRef idx="2">
+            <a:schemeClr val="accent1"/>
+          </a:effectRef>
+          <a:fontRef idx="minor">
+            <a:schemeClr val="lt1"/>
+          </a:fontRef>
+        </p:style>
+        <p:txBody>
+          <a:bodyPr rtlCol="0" anchor="ctr"/>
+          <a:lstStyle/>
+          <a:p>
+            <a:pPr algn="ctr"/>
+            <a:r>
+              <a:rPr lang="en-US" dirty="0"/>
+              <a:t>Orchestration Started</a:t>
+            </a:r>
+          </a:p>
+        </p:txBody>
+      </p:sp>
+      <p:sp>
+        <p:nvSpPr>
+          <p:cNvPr id="30" name="Rectangle 29">
+            <a:extLst>
+              <a:ext uri="{FF2B5EF4-FFF2-40B4-BE49-F238E27FC236}">
+                <a16:creationId xmlns:a16="http://schemas.microsoft.com/office/drawing/2014/main" id="{0AFE4311-17BC-404E-B814-7D8B5C1B1A8C}"/>
+              </a:ext>
+            </a:extLst>
+          </p:cNvPr>
+          <p:cNvSpPr/>
+          <p:nvPr/>
+        </p:nvSpPr>
+        <p:spPr>
+          <a:xfrm>
+            <a:off x="5762740" y="3429824"/>
+            <a:ext cx="3147259" cy="371789"/>
+          </a:xfrm>
+          <a:prstGeom prst="rect">
+            <a:avLst/>
+          </a:prstGeom>
+          <a:solidFill>
+            <a:schemeClr val="accent4">
+              <a:lumMod val="50000"/>
+            </a:schemeClr>
+          </a:solidFill>
+          <a:ln>
+            <a:noFill/>
+          </a:ln>
+          <a:effectLst/>
+        </p:spPr>
+        <p:style>
+          <a:lnRef idx="1">
+            <a:schemeClr val="accent1"/>
+          </a:lnRef>
+          <a:fillRef idx="3">
+            <a:schemeClr val="accent1"/>
+          </a:fillRef>
+          <a:effectRef idx="2">
+            <a:schemeClr val="accent1"/>
+          </a:effectRef>
+          <a:fontRef idx="minor">
+            <a:schemeClr val="lt1"/>
+          </a:fontRef>
+        </p:style>
+        <p:txBody>
+          <a:bodyPr rtlCol="0" anchor="ctr"/>
+          <a:lstStyle/>
+          <a:p>
+            <a:pPr algn="ctr"/>
+            <a:r>
+              <a:rPr lang="en-US" dirty="0"/>
+              <a:t>Execution completed</a:t>
+            </a:r>
+          </a:p>
+        </p:txBody>
+      </p:sp>
+      <p:sp>
+        <p:nvSpPr>
+          <p:cNvPr id="31" name="Rectangle 30">
+            <a:extLst>
+              <a:ext uri="{FF2B5EF4-FFF2-40B4-BE49-F238E27FC236}">
+                <a16:creationId xmlns:a16="http://schemas.microsoft.com/office/drawing/2014/main" id="{D4AE9672-0F22-493C-A8DD-BDB3F144085E}"/>
+              </a:ext>
+            </a:extLst>
+          </p:cNvPr>
+          <p:cNvSpPr/>
+          <p:nvPr/>
+        </p:nvSpPr>
+        <p:spPr>
+          <a:xfrm>
+            <a:off x="5791812" y="3810068"/>
+            <a:ext cx="3147259" cy="371789"/>
+          </a:xfrm>
+          <a:prstGeom prst="rect">
+            <a:avLst/>
+          </a:prstGeom>
+          <a:solidFill>
+            <a:schemeClr val="accent4">
+              <a:lumMod val="50000"/>
+            </a:schemeClr>
+          </a:solidFill>
+          <a:ln>
+            <a:noFill/>
+          </a:ln>
+          <a:effectLst/>
+        </p:spPr>
+        <p:style>
+          <a:lnRef idx="1">
+            <a:schemeClr val="accent1"/>
+          </a:lnRef>
+          <a:fillRef idx="3">
+            <a:schemeClr val="accent1"/>
+          </a:fillRef>
+          <a:effectRef idx="2">
+            <a:schemeClr val="accent1"/>
+          </a:effectRef>
+          <a:fontRef idx="minor">
+            <a:schemeClr val="lt1"/>
+          </a:fontRef>
+        </p:style>
+        <p:txBody>
+          <a:bodyPr rtlCol="0" anchor="ctr"/>
+          <a:lstStyle/>
+          <a:p>
+            <a:pPr algn="ctr"/>
+            <a:r>
+              <a:rPr lang="en-US" dirty="0"/>
+              <a:t>Orchestration Completed</a:t>
+            </a:r>
+          </a:p>
+        </p:txBody>
+      </p:sp>
+    </p:spTree>
+    <p:extLst>
+      <p:ext uri="{BB962C8B-B14F-4D97-AF65-F5344CB8AC3E}">
+        <p14:creationId xmlns:p14="http://schemas.microsoft.com/office/powerpoint/2010/main" val="3320074094"/>
+      </p:ext>
+    </p:extLst>
+  </p:cSld>
+  <p:clrMapOvr>
+    <a:masterClrMapping/>
+  </p:clrMapOvr>
+  <p:timing>
+    <p:tnLst>
+      <p:par>
+        <p:cTn id="1" dur="indefinite" restart="never" nodeType="tmRoot">
+          <p:childTnLst>
+            <p:seq concurrent="1" nextAc="seek">
+              <p:cTn id="2" dur="indefinite" nodeType="mainSeq">
+                <p:childTnLst>
+                  <p:par>
+                    <p:cTn id="3" fill="hold">
+                      <p:stCondLst>
+                        <p:cond delay="indefinite"/>
+                      </p:stCondLst>
+                      <p:childTnLst>
+                        <p:par>
+                          <p:cTn id="4" fill="hold">
+                            <p:stCondLst>
+                              <p:cond delay="0"/>
+                            </p:stCondLst>
+                            <p:childTnLst>
+                              <p:par>
+                                <p:cTn id="5" presetID="2" presetClass="entr" presetSubtype="4" fill="hold" grpId="0" nodeType="clickEffect">
+                                  <p:stCondLst>
+                                    <p:cond delay="0"/>
+                                  </p:stCondLst>
+                                  <p:childTnLst>
+                                    <p:set>
+                                      <p:cBhvr>
+                                        <p:cTn id="6" dur="1" fill="hold">
+                                          <p:stCondLst>
+                                            <p:cond delay="0"/>
+                                          </p:stCondLst>
+                                        </p:cTn>
+                                        <p:tgtEl>
+                                          <p:spTgt spid="7"/>
+                                        </p:tgtEl>
+                                        <p:attrNameLst>
+                                          <p:attrName>style.visibility</p:attrName>
+                                        </p:attrNameLst>
+                                      </p:cBhvr>
+                                      <p:to>
+                                        <p:strVal val="visible"/>
+                                      </p:to>
+                                    </p:set>
+                                    <p:anim calcmode="lin" valueType="num">
+                                      <p:cBhvr additive="base">
+                                        <p:cTn id="7" dur="500" fill="hold"/>
+                                        <p:tgtEl>
+                                          <p:spTgt spid="7"/>
+                                        </p:tgtEl>
+                                        <p:attrNameLst>
+                                          <p:attrName>ppt_x</p:attrName>
+                                        </p:attrNameLst>
+                                      </p:cBhvr>
+                                      <p:tavLst>
+                                        <p:tav tm="0">
+                                          <p:val>
+                                            <p:strVal val="#ppt_x"/>
+                                          </p:val>
+                                        </p:tav>
+                                        <p:tav tm="100000">
+                                          <p:val>
+                                            <p:strVal val="#ppt_x"/>
+                                          </p:val>
+                                        </p:tav>
+                                      </p:tavLst>
+                                    </p:anim>
+                                    <p:anim calcmode="lin" valueType="num">
+                                      <p:cBhvr additive="base">
+                                        <p:cTn id="8" dur="500" fill="hold"/>
+                                        <p:tgtEl>
+                                          <p:spTgt spid="7"/>
+                                        </p:tgtEl>
+                                        <p:attrNameLst>
+                                          <p:attrName>ppt_y</p:attrName>
+                                        </p:attrNameLst>
+                                      </p:cBhvr>
+                                      <p:tavLst>
+                                        <p:tav tm="0">
+                                          <p:val>
+                                            <p:strVal val="1+#ppt_h/2"/>
+                                          </p:val>
+                                        </p:tav>
+                                        <p:tav tm="100000">
+                                          <p:val>
+                                            <p:strVal val="#ppt_y"/>
+                                          </p:val>
+                                        </p:tav>
+                                      </p:tavLst>
+                                    </p:anim>
+                                  </p:childTnLst>
+                                </p:cTn>
+                              </p:par>
+                            </p:childTnLst>
+                          </p:cTn>
+                        </p:par>
+                      </p:childTnLst>
+                    </p:cTn>
+                  </p:par>
+                  <p:par>
+                    <p:cTn id="9" fill="hold">
+                      <p:stCondLst>
+                        <p:cond delay="indefinite"/>
+                      </p:stCondLst>
+                      <p:childTnLst>
+                        <p:par>
+                          <p:cTn id="10" fill="hold">
+                            <p:stCondLst>
+                              <p:cond delay="0"/>
+                            </p:stCondLst>
+                            <p:childTnLst>
+                              <p:par>
+                                <p:cTn id="11" presetID="21" presetClass="emph" presetSubtype="0" fill="hold" grpId="0" nodeType="clickEffect">
+                                  <p:stCondLst>
+                                    <p:cond delay="0"/>
+                                  </p:stCondLst>
+                                  <p:childTnLst>
+                                    <p:animClr clrSpc="hsl" dir="cw">
+                                      <p:cBhvr override="childStyle">
+                                        <p:cTn id="12" dur="500" fill="hold"/>
+                                        <p:tgtEl>
+                                          <p:spTgt spid="4"/>
+                                        </p:tgtEl>
+                                        <p:attrNameLst>
+                                          <p:attrName>style.color</p:attrName>
+                                        </p:attrNameLst>
+                                      </p:cBhvr>
+                                      <p:by>
+                                        <p:hsl h="7200000" s="0" l="0"/>
+                                      </p:by>
+                                    </p:animClr>
+                                    <p:animClr clrSpc="hsl" dir="cw">
+                                      <p:cBhvr>
+                                        <p:cTn id="13" dur="500" fill="hold"/>
+                                        <p:tgtEl>
+                                          <p:spTgt spid="4"/>
+                                        </p:tgtEl>
+                                        <p:attrNameLst>
+                                          <p:attrName>fillcolor</p:attrName>
+                                        </p:attrNameLst>
+                                      </p:cBhvr>
+                                      <p:by>
+                                        <p:hsl h="7200000" s="0" l="0"/>
+                                      </p:by>
+                                    </p:animClr>
+                                    <p:animClr clrSpc="hsl" dir="cw">
+                                      <p:cBhvr>
+                                        <p:cTn id="14" dur="500" fill="hold"/>
+                                        <p:tgtEl>
+                                          <p:spTgt spid="4"/>
+                                        </p:tgtEl>
+                                        <p:attrNameLst>
+                                          <p:attrName>stroke.color</p:attrName>
+                                        </p:attrNameLst>
+                                      </p:cBhvr>
+                                      <p:by>
+                                        <p:hsl h="7200000" s="0" l="0"/>
+                                      </p:by>
+                                    </p:animClr>
+                                    <p:set>
+                                      <p:cBhvr>
+                                        <p:cTn id="15" dur="500" fill="hold"/>
+                                        <p:tgtEl>
+                                          <p:spTgt spid="4"/>
+                                        </p:tgtEl>
+                                        <p:attrNameLst>
+                                          <p:attrName>fill.type</p:attrName>
+                                        </p:attrNameLst>
+                                      </p:cBhvr>
+                                      <p:to>
+                                        <p:strVal val="solid"/>
+                                      </p:to>
+                                    </p:set>
+                                  </p:childTnLst>
+                                </p:cTn>
+                              </p:par>
+                            </p:childTnLst>
+                          </p:cTn>
+                        </p:par>
+                      </p:childTnLst>
+                    </p:cTn>
+                  </p:par>
+                  <p:par>
+                    <p:cTn id="16" fill="hold">
+                      <p:stCondLst>
+                        <p:cond delay="indefinite"/>
+                      </p:stCondLst>
+                      <p:childTnLst>
+                        <p:par>
+                          <p:cTn id="17" fill="hold">
+                            <p:stCondLst>
+                              <p:cond delay="0"/>
+                            </p:stCondLst>
+                            <p:childTnLst>
+                              <p:par>
+                                <p:cTn id="18" presetID="1" presetClass="entr" presetSubtype="0" fill="hold" grpId="0" nodeType="clickEffect">
+                                  <p:stCondLst>
+                                    <p:cond delay="0"/>
+                                  </p:stCondLst>
+                                  <p:childTnLst>
+                                    <p:set>
+                                      <p:cBhvr>
+                                        <p:cTn id="19" dur="1" fill="hold">
+                                          <p:stCondLst>
+                                            <p:cond delay="0"/>
+                                          </p:stCondLst>
+                                        </p:cTn>
+                                        <p:tgtEl>
+                                          <p:spTgt spid="11"/>
+                                        </p:tgtEl>
+                                        <p:attrNameLst>
+                                          <p:attrName>style.visibility</p:attrName>
+                                        </p:attrNameLst>
+                                      </p:cBhvr>
+                                      <p:to>
+                                        <p:strVal val="visible"/>
+                                      </p:to>
+                                    </p:set>
+                                  </p:childTnLst>
+                                </p:cTn>
+                              </p:par>
+                              <p:par>
+                                <p:cTn id="20" presetID="1" presetClass="entr" presetSubtype="0" fill="hold" grpId="0" nodeType="withEffect">
+                                  <p:stCondLst>
+                                    <p:cond delay="0"/>
+                                  </p:stCondLst>
+                                  <p:childTnLst>
+                                    <p:set>
+                                      <p:cBhvr>
+                                        <p:cTn id="21" dur="1" fill="hold">
+                                          <p:stCondLst>
+                                            <p:cond delay="0"/>
+                                          </p:stCondLst>
+                                        </p:cTn>
+                                        <p:tgtEl>
+                                          <p:spTgt spid="9"/>
+                                        </p:tgtEl>
+                                        <p:attrNameLst>
+                                          <p:attrName>style.visibility</p:attrName>
+                                        </p:attrNameLst>
+                                      </p:cBhvr>
+                                      <p:to>
+                                        <p:strVal val="visible"/>
+                                      </p:to>
+                                    </p:set>
+                                  </p:childTnLst>
+                                </p:cTn>
+                              </p:par>
+                              <p:par>
+                                <p:cTn id="22" presetID="1" presetClass="entr" presetSubtype="0" fill="hold" grpId="0" nodeType="withEffect">
+                                  <p:stCondLst>
+                                    <p:cond delay="0"/>
+                                  </p:stCondLst>
+                                  <p:childTnLst>
+                                    <p:set>
+                                      <p:cBhvr>
+                                        <p:cTn id="23" dur="1" fill="hold">
+                                          <p:stCondLst>
+                                            <p:cond delay="0"/>
+                                          </p:stCondLst>
+                                        </p:cTn>
+                                        <p:tgtEl>
+                                          <p:spTgt spid="13"/>
+                                        </p:tgtEl>
+                                        <p:attrNameLst>
+                                          <p:attrName>style.visibility</p:attrName>
+                                        </p:attrNameLst>
+                                      </p:cBhvr>
+                                      <p:to>
+                                        <p:strVal val="visible"/>
+                                      </p:to>
+                                    </p:set>
+                                  </p:childTnLst>
+                                </p:cTn>
+                              </p:par>
+                            </p:childTnLst>
+                          </p:cTn>
+                        </p:par>
+                      </p:childTnLst>
+                    </p:cTn>
+                  </p:par>
+                  <p:par>
+                    <p:cTn id="24" fill="hold">
+                      <p:stCondLst>
+                        <p:cond delay="indefinite"/>
+                      </p:stCondLst>
+                      <p:childTnLst>
+                        <p:par>
+                          <p:cTn id="25" fill="hold">
+                            <p:stCondLst>
+                              <p:cond delay="0"/>
+                            </p:stCondLst>
+                            <p:childTnLst>
+                              <p:par>
+                                <p:cTn id="26" presetID="1" presetClass="entr" presetSubtype="0" fill="hold" grpId="0" nodeType="clickEffect">
+                                  <p:stCondLst>
+                                    <p:cond delay="0"/>
+                                  </p:stCondLst>
+                                  <p:childTnLst>
+                                    <p:set>
+                                      <p:cBhvr>
+                                        <p:cTn id="27" dur="1" fill="hold">
+                                          <p:stCondLst>
+                                            <p:cond delay="0"/>
+                                          </p:stCondLst>
+                                        </p:cTn>
+                                        <p:tgtEl>
+                                          <p:spTgt spid="14"/>
+                                        </p:tgtEl>
+                                        <p:attrNameLst>
+                                          <p:attrName>style.visibility</p:attrName>
+                                        </p:attrNameLst>
+                                      </p:cBhvr>
+                                      <p:to>
+                                        <p:strVal val="visible"/>
+                                      </p:to>
+                                    </p:set>
+                                  </p:childTnLst>
+                                </p:cTn>
+                              </p:par>
+                              <p:par>
+                                <p:cTn id="28" presetID="1" presetClass="entr" presetSubtype="0" fill="hold" grpId="0" nodeType="withEffect">
+                                  <p:stCondLst>
+                                    <p:cond delay="0"/>
+                                  </p:stCondLst>
+                                  <p:childTnLst>
+                                    <p:set>
+                                      <p:cBhvr>
+                                        <p:cTn id="29" dur="1" fill="hold">
+                                          <p:stCondLst>
+                                            <p:cond delay="0"/>
+                                          </p:stCondLst>
+                                        </p:cTn>
+                                        <p:tgtEl>
+                                          <p:spTgt spid="15"/>
+                                        </p:tgtEl>
+                                        <p:attrNameLst>
+                                          <p:attrName>style.visibility</p:attrName>
+                                        </p:attrNameLst>
+                                      </p:cBhvr>
+                                      <p:to>
+                                        <p:strVal val="visible"/>
+                                      </p:to>
+                                    </p:set>
+                                  </p:childTnLst>
+                                </p:cTn>
+                              </p:par>
+                            </p:childTnLst>
+                          </p:cTn>
+                        </p:par>
+                      </p:childTnLst>
+                    </p:cTn>
+                  </p:par>
+                  <p:par>
+                    <p:cTn id="30" fill="hold">
+                      <p:stCondLst>
+                        <p:cond delay="indefinite"/>
+                      </p:stCondLst>
+                      <p:childTnLst>
+                        <p:par>
+                          <p:cTn id="31" fill="hold">
+                            <p:stCondLst>
+                              <p:cond delay="0"/>
+                            </p:stCondLst>
+                            <p:childTnLst>
+                              <p:par>
+                                <p:cTn id="32" presetID="1" presetClass="entr" presetSubtype="0" fill="hold" grpId="0" nodeType="clickEffect">
+                                  <p:stCondLst>
+                                    <p:cond delay="0"/>
+                                  </p:stCondLst>
+                                  <p:childTnLst>
+                                    <p:set>
+                                      <p:cBhvr>
+                                        <p:cTn id="33" dur="1" fill="hold">
+                                          <p:stCondLst>
+                                            <p:cond delay="0"/>
+                                          </p:stCondLst>
+                                        </p:cTn>
+                                        <p:tgtEl>
+                                          <p:spTgt spid="16"/>
+                                        </p:tgtEl>
+                                        <p:attrNameLst>
+                                          <p:attrName>style.visibility</p:attrName>
+                                        </p:attrNameLst>
+                                      </p:cBhvr>
+                                      <p:to>
+                                        <p:strVal val="visible"/>
+                                      </p:to>
+                                    </p:set>
+                                  </p:childTnLst>
+                                </p:cTn>
+                              </p:par>
+                              <p:par>
+                                <p:cTn id="34" presetID="1" presetClass="entr" presetSubtype="0" fill="hold" grpId="0" nodeType="withEffect">
+                                  <p:stCondLst>
+                                    <p:cond delay="0"/>
+                                  </p:stCondLst>
+                                  <p:childTnLst>
+                                    <p:set>
+                                      <p:cBhvr>
+                                        <p:cTn id="35" dur="1" fill="hold">
+                                          <p:stCondLst>
+                                            <p:cond delay="0"/>
+                                          </p:stCondLst>
+                                        </p:cTn>
+                                        <p:tgtEl>
+                                          <p:spTgt spid="17"/>
+                                        </p:tgtEl>
+                                        <p:attrNameLst>
+                                          <p:attrName>style.visibility</p:attrName>
+                                        </p:attrNameLst>
+                                      </p:cBhvr>
+                                      <p:to>
+                                        <p:strVal val="visible"/>
+                                      </p:to>
+                                    </p:set>
+                                  </p:childTnLst>
+                                </p:cTn>
+                              </p:par>
+                            </p:childTnLst>
+                          </p:cTn>
+                        </p:par>
+                      </p:childTnLst>
+                    </p:cTn>
+                  </p:par>
+                  <p:par>
+                    <p:cTn id="36" fill="hold">
+                      <p:stCondLst>
+                        <p:cond delay="indefinite"/>
+                      </p:stCondLst>
+                      <p:childTnLst>
+                        <p:par>
+                          <p:cTn id="37" fill="hold">
+                            <p:stCondLst>
+                              <p:cond delay="0"/>
+                            </p:stCondLst>
+                            <p:childTnLst>
+                              <p:par>
+                                <p:cTn id="38" presetID="1" presetClass="entr" presetSubtype="0" fill="hold" grpId="0" nodeType="clickEffect">
+                                  <p:stCondLst>
+                                    <p:cond delay="0"/>
+                                  </p:stCondLst>
+                                  <p:childTnLst>
+                                    <p:set>
+                                      <p:cBhvr>
+                                        <p:cTn id="39" dur="1" fill="hold">
+                                          <p:stCondLst>
+                                            <p:cond delay="0"/>
+                                          </p:stCondLst>
+                                        </p:cTn>
+                                        <p:tgtEl>
+                                          <p:spTgt spid="18"/>
+                                        </p:tgtEl>
+                                        <p:attrNameLst>
+                                          <p:attrName>style.visibility</p:attrName>
+                                        </p:attrNameLst>
+                                      </p:cBhvr>
+                                      <p:to>
+                                        <p:strVal val="visible"/>
+                                      </p:to>
+                                    </p:set>
+                                  </p:childTnLst>
+                                </p:cTn>
+                              </p:par>
+                            </p:childTnLst>
+                          </p:cTn>
+                        </p:par>
+                      </p:childTnLst>
+                    </p:cTn>
+                  </p:par>
+                  <p:par>
+                    <p:cTn id="40" fill="hold">
+                      <p:stCondLst>
+                        <p:cond delay="indefinite"/>
+                      </p:stCondLst>
+                      <p:childTnLst>
+                        <p:par>
+                          <p:cTn id="41" fill="hold">
+                            <p:stCondLst>
+                              <p:cond delay="0"/>
+                            </p:stCondLst>
+                            <p:childTnLst>
+                              <p:par>
+                                <p:cTn id="42" presetID="1" presetClass="entr" presetSubtype="0" fill="hold" grpId="0" nodeType="clickEffect">
+                                  <p:stCondLst>
+                                    <p:cond delay="0"/>
+                                  </p:stCondLst>
+                                  <p:childTnLst>
+                                    <p:set>
+                                      <p:cBhvr>
+                                        <p:cTn id="43" dur="1" fill="hold">
+                                          <p:stCondLst>
+                                            <p:cond delay="0"/>
+                                          </p:stCondLst>
+                                        </p:cTn>
+                                        <p:tgtEl>
+                                          <p:spTgt spid="19"/>
+                                        </p:tgtEl>
+                                        <p:attrNameLst>
+                                          <p:attrName>style.visibility</p:attrName>
+                                        </p:attrNameLst>
+                                      </p:cBhvr>
+                                      <p:to>
+                                        <p:strVal val="visible"/>
+                                      </p:to>
+                                    </p:set>
+                                  </p:childTnLst>
+                                </p:cTn>
+                              </p:par>
+                              <p:par>
+                                <p:cTn id="44" presetID="1" presetClass="entr" presetSubtype="0" fill="hold" grpId="0" nodeType="withEffect">
+                                  <p:stCondLst>
+                                    <p:cond delay="0"/>
+                                  </p:stCondLst>
+                                  <p:childTnLst>
+                                    <p:set>
+                                      <p:cBhvr>
+                                        <p:cTn id="45" dur="1" fill="hold">
+                                          <p:stCondLst>
+                                            <p:cond delay="0"/>
+                                          </p:stCondLst>
+                                        </p:cTn>
+                                        <p:tgtEl>
+                                          <p:spTgt spid="20"/>
+                                        </p:tgtEl>
+                                        <p:attrNameLst>
+                                          <p:attrName>style.visibility</p:attrName>
+                                        </p:attrNameLst>
+                                      </p:cBhvr>
+                                      <p:to>
+                                        <p:strVal val="visible"/>
+                                      </p:to>
+                                    </p:set>
+                                  </p:childTnLst>
+                                </p:cTn>
+                              </p:par>
+                            </p:childTnLst>
+                          </p:cTn>
+                        </p:par>
+                      </p:childTnLst>
+                    </p:cTn>
+                  </p:par>
+                  <p:par>
+                    <p:cTn id="46" fill="hold">
+                      <p:stCondLst>
+                        <p:cond delay="indefinite"/>
+                      </p:stCondLst>
+                      <p:childTnLst>
+                        <p:par>
+                          <p:cTn id="47" fill="hold">
+                            <p:stCondLst>
+                              <p:cond delay="0"/>
+                            </p:stCondLst>
+                            <p:childTnLst>
+                              <p:par>
+                                <p:cTn id="48" presetID="2" presetClass="entr" presetSubtype="4" fill="hold" grpId="0" nodeType="clickEffect">
+                                  <p:stCondLst>
+                                    <p:cond delay="0"/>
+                                  </p:stCondLst>
+                                  <p:childTnLst>
+                                    <p:set>
+                                      <p:cBhvr>
+                                        <p:cTn id="49" dur="1" fill="hold">
+                                          <p:stCondLst>
+                                            <p:cond delay="0"/>
+                                          </p:stCondLst>
+                                        </p:cTn>
+                                        <p:tgtEl>
+                                          <p:spTgt spid="22"/>
+                                        </p:tgtEl>
+                                        <p:attrNameLst>
+                                          <p:attrName>style.visibility</p:attrName>
+                                        </p:attrNameLst>
+                                      </p:cBhvr>
+                                      <p:to>
+                                        <p:strVal val="visible"/>
+                                      </p:to>
+                                    </p:set>
+                                    <p:anim calcmode="lin" valueType="num">
+                                      <p:cBhvr additive="base">
+                                        <p:cTn id="50" dur="500" fill="hold"/>
+                                        <p:tgtEl>
+                                          <p:spTgt spid="22"/>
+                                        </p:tgtEl>
+                                        <p:attrNameLst>
+                                          <p:attrName>ppt_x</p:attrName>
+                                        </p:attrNameLst>
+                                      </p:cBhvr>
+                                      <p:tavLst>
+                                        <p:tav tm="0">
+                                          <p:val>
+                                            <p:strVal val="#ppt_x"/>
+                                          </p:val>
+                                        </p:tav>
+                                        <p:tav tm="100000">
+                                          <p:val>
+                                            <p:strVal val="#ppt_x"/>
+                                          </p:val>
+                                        </p:tav>
+                                      </p:tavLst>
+                                    </p:anim>
+                                    <p:anim calcmode="lin" valueType="num">
+                                      <p:cBhvr additive="base">
+                                        <p:cTn id="51" dur="500" fill="hold"/>
+                                        <p:tgtEl>
+                                          <p:spTgt spid="22"/>
+                                        </p:tgtEl>
+                                        <p:attrNameLst>
+                                          <p:attrName>ppt_y</p:attrName>
+                                        </p:attrNameLst>
+                                      </p:cBhvr>
+                                      <p:tavLst>
+                                        <p:tav tm="0">
+                                          <p:val>
+                                            <p:strVal val="1+#ppt_h/2"/>
+                                          </p:val>
+                                        </p:tav>
+                                        <p:tav tm="100000">
+                                          <p:val>
+                                            <p:strVal val="#ppt_y"/>
+                                          </p:val>
+                                        </p:tav>
+                                      </p:tavLst>
+                                    </p:anim>
+                                  </p:childTnLst>
+                                </p:cTn>
+                              </p:par>
+                              <p:par>
+                                <p:cTn id="52" presetID="2" presetClass="entr" presetSubtype="4" fill="hold" grpId="0" nodeType="withEffect">
+                                  <p:stCondLst>
+                                    <p:cond delay="0"/>
+                                  </p:stCondLst>
+                                  <p:childTnLst>
+                                    <p:set>
+                                      <p:cBhvr>
+                                        <p:cTn id="53" dur="1" fill="hold">
+                                          <p:stCondLst>
+                                            <p:cond delay="0"/>
+                                          </p:stCondLst>
+                                        </p:cTn>
+                                        <p:tgtEl>
+                                          <p:spTgt spid="23"/>
+                                        </p:tgtEl>
+                                        <p:attrNameLst>
+                                          <p:attrName>style.visibility</p:attrName>
+                                        </p:attrNameLst>
+                                      </p:cBhvr>
+                                      <p:to>
+                                        <p:strVal val="visible"/>
+                                      </p:to>
+                                    </p:set>
+                                    <p:anim calcmode="lin" valueType="num">
+                                      <p:cBhvr additive="base">
+                                        <p:cTn id="54" dur="500" fill="hold"/>
+                                        <p:tgtEl>
+                                          <p:spTgt spid="23"/>
+                                        </p:tgtEl>
+                                        <p:attrNameLst>
+                                          <p:attrName>ppt_x</p:attrName>
+                                        </p:attrNameLst>
+                                      </p:cBhvr>
+                                      <p:tavLst>
+                                        <p:tav tm="0">
+                                          <p:val>
+                                            <p:strVal val="#ppt_x"/>
+                                          </p:val>
+                                        </p:tav>
+                                        <p:tav tm="100000">
+                                          <p:val>
+                                            <p:strVal val="#ppt_x"/>
+                                          </p:val>
+                                        </p:tav>
+                                      </p:tavLst>
+                                    </p:anim>
+                                    <p:anim calcmode="lin" valueType="num">
+                                      <p:cBhvr additive="base">
+                                        <p:cTn id="55" dur="500" fill="hold"/>
+                                        <p:tgtEl>
+                                          <p:spTgt spid="23"/>
+                                        </p:tgtEl>
+                                        <p:attrNameLst>
+                                          <p:attrName>ppt_y</p:attrName>
+                                        </p:attrNameLst>
+                                      </p:cBhvr>
+                                      <p:tavLst>
+                                        <p:tav tm="0">
+                                          <p:val>
+                                            <p:strVal val="1+#ppt_h/2"/>
+                                          </p:val>
+                                        </p:tav>
+                                        <p:tav tm="100000">
+                                          <p:val>
+                                            <p:strVal val="#ppt_y"/>
+                                          </p:val>
+                                        </p:tav>
+                                      </p:tavLst>
+                                    </p:anim>
+                                  </p:childTnLst>
+                                </p:cTn>
+                              </p:par>
+                              <p:par>
+                                <p:cTn id="56" presetID="2" presetClass="entr" presetSubtype="4" fill="hold" grpId="0" nodeType="withEffect">
+                                  <p:stCondLst>
+                                    <p:cond delay="0"/>
+                                  </p:stCondLst>
+                                  <p:childTnLst>
+                                    <p:set>
+                                      <p:cBhvr>
+                                        <p:cTn id="57" dur="1" fill="hold">
+                                          <p:stCondLst>
+                                            <p:cond delay="0"/>
+                                          </p:stCondLst>
+                                        </p:cTn>
+                                        <p:tgtEl>
+                                          <p:spTgt spid="24"/>
+                                        </p:tgtEl>
+                                        <p:attrNameLst>
+                                          <p:attrName>style.visibility</p:attrName>
+                                        </p:attrNameLst>
+                                      </p:cBhvr>
+                                      <p:to>
+                                        <p:strVal val="visible"/>
+                                      </p:to>
+                                    </p:set>
+                                    <p:anim calcmode="lin" valueType="num">
+                                      <p:cBhvr additive="base">
+                                        <p:cTn id="58" dur="500" fill="hold"/>
+                                        <p:tgtEl>
+                                          <p:spTgt spid="24"/>
+                                        </p:tgtEl>
+                                        <p:attrNameLst>
+                                          <p:attrName>ppt_x</p:attrName>
+                                        </p:attrNameLst>
+                                      </p:cBhvr>
+                                      <p:tavLst>
+                                        <p:tav tm="0">
+                                          <p:val>
+                                            <p:strVal val="#ppt_x"/>
+                                          </p:val>
+                                        </p:tav>
+                                        <p:tav tm="100000">
+                                          <p:val>
+                                            <p:strVal val="#ppt_x"/>
+                                          </p:val>
+                                        </p:tav>
+                                      </p:tavLst>
+                                    </p:anim>
+                                    <p:anim calcmode="lin" valueType="num">
+                                      <p:cBhvr additive="base">
+                                        <p:cTn id="59" dur="500" fill="hold"/>
+                                        <p:tgtEl>
+                                          <p:spTgt spid="24"/>
+                                        </p:tgtEl>
+                                        <p:attrNameLst>
+                                          <p:attrName>ppt_y</p:attrName>
+                                        </p:attrNameLst>
+                                      </p:cBhvr>
+                                      <p:tavLst>
+                                        <p:tav tm="0">
+                                          <p:val>
+                                            <p:strVal val="1+#ppt_h/2"/>
+                                          </p:val>
+                                        </p:tav>
+                                        <p:tav tm="100000">
+                                          <p:val>
+                                            <p:strVal val="#ppt_y"/>
+                                          </p:val>
+                                        </p:tav>
+                                      </p:tavLst>
+                                    </p:anim>
+                                  </p:childTnLst>
+                                </p:cTn>
+                              </p:par>
+                              <p:par>
+                                <p:cTn id="60" presetID="2" presetClass="entr" presetSubtype="4" fill="hold" grpId="0" nodeType="withEffect">
+                                  <p:stCondLst>
+                                    <p:cond delay="0"/>
+                                  </p:stCondLst>
+                                  <p:childTnLst>
+                                    <p:set>
+                                      <p:cBhvr>
+                                        <p:cTn id="61" dur="1" fill="hold">
+                                          <p:stCondLst>
+                                            <p:cond delay="0"/>
+                                          </p:stCondLst>
+                                        </p:cTn>
+                                        <p:tgtEl>
+                                          <p:spTgt spid="25"/>
+                                        </p:tgtEl>
+                                        <p:attrNameLst>
+                                          <p:attrName>style.visibility</p:attrName>
+                                        </p:attrNameLst>
+                                      </p:cBhvr>
+                                      <p:to>
+                                        <p:strVal val="visible"/>
+                                      </p:to>
+                                    </p:set>
+                                    <p:anim calcmode="lin" valueType="num">
+                                      <p:cBhvr additive="base">
+                                        <p:cTn id="62" dur="500" fill="hold"/>
+                                        <p:tgtEl>
+                                          <p:spTgt spid="25"/>
+                                        </p:tgtEl>
+                                        <p:attrNameLst>
+                                          <p:attrName>ppt_x</p:attrName>
+                                        </p:attrNameLst>
+                                      </p:cBhvr>
+                                      <p:tavLst>
+                                        <p:tav tm="0">
+                                          <p:val>
+                                            <p:strVal val="#ppt_x"/>
+                                          </p:val>
+                                        </p:tav>
+                                        <p:tav tm="100000">
+                                          <p:val>
+                                            <p:strVal val="#ppt_x"/>
+                                          </p:val>
+                                        </p:tav>
+                                      </p:tavLst>
+                                    </p:anim>
+                                    <p:anim calcmode="lin" valueType="num">
+                                      <p:cBhvr additive="base">
+                                        <p:cTn id="63" dur="500" fill="hold"/>
+                                        <p:tgtEl>
+                                          <p:spTgt spid="25"/>
+                                        </p:tgtEl>
+                                        <p:attrNameLst>
+                                          <p:attrName>ppt_y</p:attrName>
+                                        </p:attrNameLst>
+                                      </p:cBhvr>
+                                      <p:tavLst>
+                                        <p:tav tm="0">
+                                          <p:val>
+                                            <p:strVal val="1+#ppt_h/2"/>
+                                          </p:val>
+                                        </p:tav>
+                                        <p:tav tm="100000">
+                                          <p:val>
+                                            <p:strVal val="#ppt_y"/>
+                                          </p:val>
+                                        </p:tav>
+                                      </p:tavLst>
+                                    </p:anim>
+                                  </p:childTnLst>
+                                </p:cTn>
+                              </p:par>
+                              <p:par>
+                                <p:cTn id="64" presetID="2" presetClass="entr" presetSubtype="4" fill="hold" grpId="0" nodeType="withEffect">
+                                  <p:stCondLst>
+                                    <p:cond delay="0"/>
+                                  </p:stCondLst>
+                                  <p:childTnLst>
+                                    <p:set>
+                                      <p:cBhvr>
+                                        <p:cTn id="65" dur="1" fill="hold">
+                                          <p:stCondLst>
+                                            <p:cond delay="0"/>
+                                          </p:stCondLst>
+                                        </p:cTn>
+                                        <p:tgtEl>
+                                          <p:spTgt spid="26"/>
+                                        </p:tgtEl>
+                                        <p:attrNameLst>
+                                          <p:attrName>style.visibility</p:attrName>
+                                        </p:attrNameLst>
+                                      </p:cBhvr>
+                                      <p:to>
+                                        <p:strVal val="visible"/>
+                                      </p:to>
+                                    </p:set>
+                                    <p:anim calcmode="lin" valueType="num">
+                                      <p:cBhvr additive="base">
+                                        <p:cTn id="66" dur="500" fill="hold"/>
+                                        <p:tgtEl>
+                                          <p:spTgt spid="26"/>
+                                        </p:tgtEl>
+                                        <p:attrNameLst>
+                                          <p:attrName>ppt_x</p:attrName>
+                                        </p:attrNameLst>
+                                      </p:cBhvr>
+                                      <p:tavLst>
+                                        <p:tav tm="0">
+                                          <p:val>
+                                            <p:strVal val="#ppt_x"/>
+                                          </p:val>
+                                        </p:tav>
+                                        <p:tav tm="100000">
+                                          <p:val>
+                                            <p:strVal val="#ppt_x"/>
+                                          </p:val>
+                                        </p:tav>
+                                      </p:tavLst>
+                                    </p:anim>
+                                    <p:anim calcmode="lin" valueType="num">
+                                      <p:cBhvr additive="base">
+                                        <p:cTn id="67" dur="500" fill="hold"/>
+                                        <p:tgtEl>
+                                          <p:spTgt spid="26"/>
+                                        </p:tgtEl>
+                                        <p:attrNameLst>
+                                          <p:attrName>ppt_y</p:attrName>
+                                        </p:attrNameLst>
+                                      </p:cBhvr>
+                                      <p:tavLst>
+                                        <p:tav tm="0">
+                                          <p:val>
+                                            <p:strVal val="1+#ppt_h/2"/>
+                                          </p:val>
+                                        </p:tav>
+                                        <p:tav tm="100000">
+                                          <p:val>
+                                            <p:strVal val="#ppt_y"/>
+                                          </p:val>
+                                        </p:tav>
+                                      </p:tavLst>
+                                    </p:anim>
+                                  </p:childTnLst>
+                                </p:cTn>
+                              </p:par>
+                              <p:par>
+                                <p:cTn id="68" presetID="2" presetClass="entr" presetSubtype="4" fill="hold" grpId="0" nodeType="withEffect">
+                                  <p:stCondLst>
+                                    <p:cond delay="0"/>
+                                  </p:stCondLst>
+                                  <p:childTnLst>
+                                    <p:set>
+                                      <p:cBhvr>
+                                        <p:cTn id="69" dur="1" fill="hold">
+                                          <p:stCondLst>
+                                            <p:cond delay="0"/>
+                                          </p:stCondLst>
+                                        </p:cTn>
+                                        <p:tgtEl>
+                                          <p:spTgt spid="27"/>
+                                        </p:tgtEl>
+                                        <p:attrNameLst>
+                                          <p:attrName>style.visibility</p:attrName>
+                                        </p:attrNameLst>
+                                      </p:cBhvr>
+                                      <p:to>
+                                        <p:strVal val="visible"/>
+                                      </p:to>
+                                    </p:set>
+                                    <p:anim calcmode="lin" valueType="num">
+                                      <p:cBhvr additive="base">
+                                        <p:cTn id="70" dur="500" fill="hold"/>
+                                        <p:tgtEl>
+                                          <p:spTgt spid="27"/>
+                                        </p:tgtEl>
+                                        <p:attrNameLst>
+                                          <p:attrName>ppt_x</p:attrName>
+                                        </p:attrNameLst>
+                                      </p:cBhvr>
+                                      <p:tavLst>
+                                        <p:tav tm="0">
+                                          <p:val>
+                                            <p:strVal val="#ppt_x"/>
+                                          </p:val>
+                                        </p:tav>
+                                        <p:tav tm="100000">
+                                          <p:val>
+                                            <p:strVal val="#ppt_x"/>
+                                          </p:val>
+                                        </p:tav>
+                                      </p:tavLst>
+                                    </p:anim>
+                                    <p:anim calcmode="lin" valueType="num">
+                                      <p:cBhvr additive="base">
+                                        <p:cTn id="71" dur="500" fill="hold"/>
+                                        <p:tgtEl>
+                                          <p:spTgt spid="27"/>
+                                        </p:tgtEl>
+                                        <p:attrNameLst>
+                                          <p:attrName>ppt_y</p:attrName>
+                                        </p:attrNameLst>
+                                      </p:cBhvr>
+                                      <p:tavLst>
+                                        <p:tav tm="0">
+                                          <p:val>
+                                            <p:strVal val="1+#ppt_h/2"/>
+                                          </p:val>
+                                        </p:tav>
+                                        <p:tav tm="100000">
+                                          <p:val>
+                                            <p:strVal val="#ppt_y"/>
+                                          </p:val>
+                                        </p:tav>
+                                      </p:tavLst>
+                                    </p:anim>
+                                  </p:childTnLst>
+                                </p:cTn>
+                              </p:par>
+                              <p:par>
+                                <p:cTn id="72" presetID="2" presetClass="entr" presetSubtype="4" fill="hold" grpId="0" nodeType="withEffect">
+                                  <p:stCondLst>
+                                    <p:cond delay="0"/>
+                                  </p:stCondLst>
+                                  <p:childTnLst>
+                                    <p:set>
+                                      <p:cBhvr>
+                                        <p:cTn id="73" dur="1" fill="hold">
+                                          <p:stCondLst>
+                                            <p:cond delay="0"/>
+                                          </p:stCondLst>
+                                        </p:cTn>
+                                        <p:tgtEl>
+                                          <p:spTgt spid="28"/>
+                                        </p:tgtEl>
+                                        <p:attrNameLst>
+                                          <p:attrName>style.visibility</p:attrName>
+                                        </p:attrNameLst>
+                                      </p:cBhvr>
+                                      <p:to>
+                                        <p:strVal val="visible"/>
+                                      </p:to>
+                                    </p:set>
+                                    <p:anim calcmode="lin" valueType="num">
+                                      <p:cBhvr additive="base">
+                                        <p:cTn id="74" dur="500" fill="hold"/>
+                                        <p:tgtEl>
+                                          <p:spTgt spid="28"/>
+                                        </p:tgtEl>
+                                        <p:attrNameLst>
+                                          <p:attrName>ppt_x</p:attrName>
+                                        </p:attrNameLst>
+                                      </p:cBhvr>
+                                      <p:tavLst>
+                                        <p:tav tm="0">
+                                          <p:val>
+                                            <p:strVal val="#ppt_x"/>
+                                          </p:val>
+                                        </p:tav>
+                                        <p:tav tm="100000">
+                                          <p:val>
+                                            <p:strVal val="#ppt_x"/>
+                                          </p:val>
+                                        </p:tav>
+                                      </p:tavLst>
+                                    </p:anim>
+                                    <p:anim calcmode="lin" valueType="num">
+                                      <p:cBhvr additive="base">
+                                        <p:cTn id="75" dur="500" fill="hold"/>
+                                        <p:tgtEl>
+                                          <p:spTgt spid="28"/>
+                                        </p:tgtEl>
+                                        <p:attrNameLst>
+                                          <p:attrName>ppt_y</p:attrName>
+                                        </p:attrNameLst>
+                                      </p:cBhvr>
+                                      <p:tavLst>
+                                        <p:tav tm="0">
+                                          <p:val>
+                                            <p:strVal val="1+#ppt_h/2"/>
+                                          </p:val>
+                                        </p:tav>
+                                        <p:tav tm="100000">
+                                          <p:val>
+                                            <p:strVal val="#ppt_y"/>
+                                          </p:val>
+                                        </p:tav>
+                                      </p:tavLst>
+                                    </p:anim>
+                                  </p:childTnLst>
+                                </p:cTn>
+                              </p:par>
+                              <p:par>
+                                <p:cTn id="76" presetID="2" presetClass="entr" presetSubtype="4" fill="hold" grpId="0" nodeType="withEffect">
+                                  <p:stCondLst>
+                                    <p:cond delay="0"/>
+                                  </p:stCondLst>
+                                  <p:childTnLst>
+                                    <p:set>
+                                      <p:cBhvr>
+                                        <p:cTn id="77" dur="1" fill="hold">
+                                          <p:stCondLst>
+                                            <p:cond delay="0"/>
+                                          </p:stCondLst>
+                                        </p:cTn>
+                                        <p:tgtEl>
+                                          <p:spTgt spid="30"/>
+                                        </p:tgtEl>
+                                        <p:attrNameLst>
+                                          <p:attrName>style.visibility</p:attrName>
+                                        </p:attrNameLst>
+                                      </p:cBhvr>
+                                      <p:to>
+                                        <p:strVal val="visible"/>
+                                      </p:to>
+                                    </p:set>
+                                    <p:anim calcmode="lin" valueType="num">
+                                      <p:cBhvr additive="base">
+                                        <p:cTn id="78" dur="500" fill="hold"/>
+                                        <p:tgtEl>
+                                          <p:spTgt spid="30"/>
+                                        </p:tgtEl>
+                                        <p:attrNameLst>
+                                          <p:attrName>ppt_x</p:attrName>
+                                        </p:attrNameLst>
+                                      </p:cBhvr>
+                                      <p:tavLst>
+                                        <p:tav tm="0">
+                                          <p:val>
+                                            <p:strVal val="#ppt_x"/>
+                                          </p:val>
+                                        </p:tav>
+                                        <p:tav tm="100000">
+                                          <p:val>
+                                            <p:strVal val="#ppt_x"/>
+                                          </p:val>
+                                        </p:tav>
+                                      </p:tavLst>
+                                    </p:anim>
+                                    <p:anim calcmode="lin" valueType="num">
+                                      <p:cBhvr additive="base">
+                                        <p:cTn id="79" dur="500" fill="hold"/>
+                                        <p:tgtEl>
+                                          <p:spTgt spid="30"/>
+                                        </p:tgtEl>
+                                        <p:attrNameLst>
+                                          <p:attrName>ppt_y</p:attrName>
+                                        </p:attrNameLst>
+                                      </p:cBhvr>
+                                      <p:tavLst>
+                                        <p:tav tm="0">
+                                          <p:val>
+                                            <p:strVal val="1+#ppt_h/2"/>
+                                          </p:val>
+                                        </p:tav>
+                                        <p:tav tm="100000">
+                                          <p:val>
+                                            <p:strVal val="#ppt_y"/>
+                                          </p:val>
+                                        </p:tav>
+                                      </p:tavLst>
+                                    </p:anim>
+                                  </p:childTnLst>
+                                </p:cTn>
+                              </p:par>
+                              <p:par>
+                                <p:cTn id="80" presetID="2" presetClass="entr" presetSubtype="4" fill="hold" grpId="0" nodeType="withEffect">
+                                  <p:stCondLst>
+                                    <p:cond delay="0"/>
+                                  </p:stCondLst>
+                                  <p:childTnLst>
+                                    <p:set>
+                                      <p:cBhvr>
+                                        <p:cTn id="81" dur="1" fill="hold">
+                                          <p:stCondLst>
+                                            <p:cond delay="0"/>
+                                          </p:stCondLst>
+                                        </p:cTn>
+                                        <p:tgtEl>
+                                          <p:spTgt spid="31"/>
+                                        </p:tgtEl>
+                                        <p:attrNameLst>
+                                          <p:attrName>style.visibility</p:attrName>
+                                        </p:attrNameLst>
+                                      </p:cBhvr>
+                                      <p:to>
+                                        <p:strVal val="visible"/>
+                                      </p:to>
+                                    </p:set>
+                                    <p:anim calcmode="lin" valueType="num">
+                                      <p:cBhvr additive="base">
+                                        <p:cTn id="82" dur="500" fill="hold"/>
+                                        <p:tgtEl>
+                                          <p:spTgt spid="31"/>
+                                        </p:tgtEl>
+                                        <p:attrNameLst>
+                                          <p:attrName>ppt_x</p:attrName>
+                                        </p:attrNameLst>
+                                      </p:cBhvr>
+                                      <p:tavLst>
+                                        <p:tav tm="0">
+                                          <p:val>
+                                            <p:strVal val="#ppt_x"/>
+                                          </p:val>
+                                        </p:tav>
+                                        <p:tav tm="100000">
+                                          <p:val>
+                                            <p:strVal val="#ppt_x"/>
+                                          </p:val>
+                                        </p:tav>
+                                      </p:tavLst>
+                                    </p:anim>
+                                    <p:anim calcmode="lin" valueType="num">
+                                      <p:cBhvr additive="base">
+                                        <p:cTn id="83" dur="500" fill="hold"/>
+                                        <p:tgtEl>
+                                          <p:spTgt spid="31"/>
+                                        </p:tgtEl>
+                                        <p:attrNameLst>
+                                          <p:attrName>ppt_y</p:attrName>
+                                        </p:attrNameLst>
+                                      </p:cBhvr>
+                                      <p:tavLst>
+                                        <p:tav tm="0">
+                                          <p:val>
+                                            <p:strVal val="1+#ppt_h/2"/>
+                                          </p:val>
+                                        </p:tav>
+                                        <p:tav tm="100000">
+                                          <p:val>
+                                            <p:strVal val="#ppt_y"/>
+                                          </p:val>
+                                        </p:tav>
+                                      </p:tavLst>
+                                    </p:anim>
+                                  </p:childTnLst>
+                                </p:cTn>
+                              </p:par>
+                            </p:childTnLst>
+                          </p:cTn>
+                        </p:par>
+                      </p:childTnLst>
+                    </p:cTn>
+                  </p:par>
+                </p:childTnLst>
+              </p:cTn>
+              <p:prevCondLst>
+                <p:cond evt="onPrev" delay="0">
+                  <p:tgtEl>
+                    <p:sldTgt/>
+                  </p:tgtEl>
+                </p:cond>
+              </p:prevCondLst>
+              <p:nextCondLst>
+                <p:cond evt="onNext" delay="0">
+                  <p:tgtEl>
+                    <p:sldTgt/>
+                  </p:tgtEl>
+                </p:cond>
+              </p:nextCondLst>
+            </p:seq>
+          </p:childTnLst>
+        </p:cTn>
+      </p:par>
+    </p:tnLst>
+    <p:bldLst>
+      <p:bldP spid="4" grpId="0" animBg="1"/>
+      <p:bldP spid="7" grpId="0" animBg="1"/>
+      <p:bldP spid="9" grpId="0" animBg="1"/>
+      <p:bldP spid="11" grpId="0" animBg="1"/>
+      <p:bldP spid="13" grpId="0" animBg="1"/>
+      <p:bldP spid="14" grpId="0" animBg="1"/>
+      <p:bldP spid="15" grpId="0" animBg="1"/>
+      <p:bldP spid="16" grpId="0" animBg="1"/>
+      <p:bldP spid="17" grpId="0" animBg="1"/>
+      <p:bldP spid="18" grpId="0" animBg="1"/>
+      <p:bldP spid="19" grpId="0" animBg="1"/>
+      <p:bldP spid="20" grpId="0" animBg="1"/>
+      <p:bldP spid="22" grpId="0" animBg="1"/>
+      <p:bldP spid="23" grpId="0" animBg="1"/>
+      <p:bldP spid="24" grpId="0" animBg="1"/>
+      <p:bldP spid="25" grpId="0" animBg="1"/>
+      <p:bldP spid="26" grpId="0" animBg="1"/>
+      <p:bldP spid="27" grpId="0" animBg="1"/>
+      <p:bldP spid="28" grpId="0" animBg="1"/>
+      <p:bldP spid="30" grpId="0" animBg="1"/>
+      <p:bldP spid="31" grpId="0" animBg="1"/>
+    </p:bldLst>
+  </p:timing>
+</p:sld>
+</file>
+
+<file path=ppt/slides/slide14.xml><?xml version="1.0" encoding="utf-8"?>
+<p:sld xmlns:a="http://schemas.openxmlformats.org/drawingml/2006/main" xmlns:r="http://schemas.openxmlformats.org/officeDocument/2006/relationships" xmlns:p="http://schemas.openxmlformats.org/presentationml/2006/main">
   <p:cSld name="DARKSLIDE_Theme">
     <p:spTree>
       <p:nvGrpSpPr>

--- a/Azurefunction 2.0.pptx
+++ b/Azurefunction 2.0.pptx
@@ -20,7 +20,15 @@
     <p:sldId id="268" r:id="rId14"/>
     <p:sldId id="269" r:id="rId15"/>
     <p:sldId id="270" r:id="rId16"/>
-    <p:sldId id="260" r:id="rId17"/>
+    <p:sldId id="271" r:id="rId17"/>
+    <p:sldId id="272" r:id="rId18"/>
+    <p:sldId id="273" r:id="rId19"/>
+    <p:sldId id="274" r:id="rId20"/>
+    <p:sldId id="275" r:id="rId21"/>
+    <p:sldId id="276" r:id="rId22"/>
+    <p:sldId id="277" r:id="rId23"/>
+    <p:sldId id="278" r:id="rId24"/>
+    <p:sldId id="260" r:id="rId25"/>
   </p:sldIdLst>
   <p:sldSz cx="9144000" cy="5143500" type="screen16x9"/>
   <p:notesSz cx="6858000" cy="9144000"/>
@@ -3889,6 +3897,927 @@
   <dgm:styleLbl name="revTx">
     <dgm:fillClrLst meth="repeat">
       <a:schemeClr val="lt2">
+        <a:alpha val="0"/>
+      </a:schemeClr>
+    </dgm:fillClrLst>
+    <dgm:linClrLst meth="repeat">
+      <a:schemeClr val="dk1">
+        <a:alpha val="0"/>
+      </a:schemeClr>
+    </dgm:linClrLst>
+    <dgm:effectClrLst/>
+    <dgm:txLinClrLst/>
+    <dgm:txFillClrLst meth="repeat">
+      <a:schemeClr val="tx1"/>
+    </dgm:txFillClrLst>
+    <dgm:txEffectClrLst/>
+  </dgm:styleLbl>
+</dgm:colorsDef>
+</file>
+
+<file path=ppt/diagrams/colors6.xml><?xml version="1.0" encoding="utf-8"?>
+<dgm:colorsDef xmlns:dgm="http://schemas.openxmlformats.org/drawingml/2006/diagram" xmlns:a="http://schemas.openxmlformats.org/drawingml/2006/main" uniqueId="urn:microsoft.com/office/officeart/2018/5/colors/Iconchunking_neutralbg_colorful1">
+  <dgm:title val=""/>
+  <dgm:desc val=""/>
+  <dgm:catLst>
+    <dgm:cat type="colorful" pri="10100"/>
+  </dgm:catLst>
+  <dgm:styleLbl name="node0">
+    <dgm:fillClrLst meth="repeat">
+      <a:schemeClr val="accent1"/>
+    </dgm:fillClrLst>
+    <dgm:linClrLst meth="repeat">
+      <a:schemeClr val="lt1"/>
+    </dgm:linClrLst>
+    <dgm:effectClrLst/>
+    <dgm:txLinClrLst/>
+    <dgm:txFillClrLst/>
+    <dgm:txEffectClrLst/>
+  </dgm:styleLbl>
+  <dgm:styleLbl name="node1">
+    <dgm:fillClrLst meth="repeat">
+      <a:schemeClr val="accent2"/>
+      <a:schemeClr val="accent3"/>
+      <a:schemeClr val="accent4"/>
+      <a:schemeClr val="accent5"/>
+      <a:schemeClr val="accent6"/>
+    </dgm:fillClrLst>
+    <dgm:linClrLst meth="repeat">
+      <a:schemeClr val="lt1">
+        <a:alpha val="0"/>
+      </a:schemeClr>
+    </dgm:linClrLst>
+    <dgm:effectClrLst/>
+    <dgm:txLinClrLst/>
+    <dgm:txFillClrLst/>
+    <dgm:txEffectClrLst/>
+  </dgm:styleLbl>
+  <dgm:styleLbl name="alignNode1">
+    <dgm:fillClrLst meth="repeat">
+      <a:schemeClr val="accent2"/>
+      <a:schemeClr val="accent3"/>
+      <a:schemeClr val="accent4"/>
+      <a:schemeClr val="accent5"/>
+      <a:schemeClr val="accent6"/>
+    </dgm:fillClrLst>
+    <dgm:linClrLst meth="repeat">
+      <a:schemeClr val="accent2"/>
+      <a:schemeClr val="accent3"/>
+      <a:schemeClr val="accent4"/>
+      <a:schemeClr val="accent5"/>
+      <a:schemeClr val="accent6"/>
+    </dgm:linClrLst>
+    <dgm:effectClrLst/>
+    <dgm:txLinClrLst/>
+    <dgm:txFillClrLst/>
+    <dgm:txEffectClrLst/>
+  </dgm:styleLbl>
+  <dgm:styleLbl name="lnNode1">
+    <dgm:fillClrLst meth="repeat">
+      <a:schemeClr val="accent2"/>
+      <a:schemeClr val="accent3"/>
+      <a:schemeClr val="accent4"/>
+      <a:schemeClr val="accent5"/>
+      <a:schemeClr val="accent6"/>
+    </dgm:fillClrLst>
+    <dgm:linClrLst meth="repeat">
+      <a:schemeClr val="lt1"/>
+    </dgm:linClrLst>
+    <dgm:effectClrLst/>
+    <dgm:txLinClrLst/>
+    <dgm:txFillClrLst/>
+    <dgm:txEffectClrLst/>
+  </dgm:styleLbl>
+  <dgm:styleLbl name="vennNode1">
+    <dgm:fillClrLst meth="repeat">
+      <a:schemeClr val="accent2">
+        <a:alpha val="50000"/>
+      </a:schemeClr>
+      <a:schemeClr val="accent3">
+        <a:alpha val="50000"/>
+      </a:schemeClr>
+      <a:schemeClr val="accent4">
+        <a:alpha val="50000"/>
+      </a:schemeClr>
+      <a:schemeClr val="accent5">
+        <a:alpha val="50000"/>
+      </a:schemeClr>
+      <a:schemeClr val="accent6">
+        <a:alpha val="50000"/>
+      </a:schemeClr>
+    </dgm:fillClrLst>
+    <dgm:linClrLst meth="repeat">
+      <a:schemeClr val="lt1"/>
+    </dgm:linClrLst>
+    <dgm:effectClrLst/>
+    <dgm:txLinClrLst/>
+    <dgm:txFillClrLst/>
+    <dgm:txEffectClrLst/>
+  </dgm:styleLbl>
+  <dgm:styleLbl name="node2">
+    <dgm:fillClrLst>
+      <a:schemeClr val="accent2"/>
+    </dgm:fillClrLst>
+    <dgm:linClrLst meth="repeat">
+      <a:schemeClr val="lt1"/>
+    </dgm:linClrLst>
+    <dgm:effectClrLst/>
+    <dgm:txLinClrLst/>
+    <dgm:txFillClrLst/>
+    <dgm:txEffectClrLst/>
+  </dgm:styleLbl>
+  <dgm:styleLbl name="node3">
+    <dgm:fillClrLst>
+      <a:schemeClr val="accent3"/>
+    </dgm:fillClrLst>
+    <dgm:linClrLst meth="repeat">
+      <a:schemeClr val="lt1"/>
+    </dgm:linClrLst>
+    <dgm:effectClrLst/>
+    <dgm:txLinClrLst/>
+    <dgm:txFillClrLst/>
+    <dgm:txEffectClrLst/>
+  </dgm:styleLbl>
+  <dgm:styleLbl name="node4">
+    <dgm:fillClrLst>
+      <a:schemeClr val="accent4"/>
+    </dgm:fillClrLst>
+    <dgm:linClrLst meth="repeat">
+      <a:schemeClr val="lt1"/>
+    </dgm:linClrLst>
+    <dgm:effectClrLst/>
+    <dgm:txLinClrLst/>
+    <dgm:txFillClrLst/>
+    <dgm:txEffectClrLst/>
+  </dgm:styleLbl>
+  <dgm:styleLbl name="fgImgPlace1">
+    <dgm:fillClrLst meth="repeat">
+      <a:schemeClr val="accent2">
+        <a:tint val="50000"/>
+      </a:schemeClr>
+      <a:schemeClr val="accent3">
+        <a:tint val="50000"/>
+      </a:schemeClr>
+      <a:schemeClr val="accent4">
+        <a:tint val="50000"/>
+      </a:schemeClr>
+      <a:schemeClr val="accent5">
+        <a:tint val="50000"/>
+      </a:schemeClr>
+      <a:schemeClr val="accent6">
+        <a:tint val="50000"/>
+      </a:schemeClr>
+    </dgm:fillClrLst>
+    <dgm:linClrLst meth="repeat">
+      <a:schemeClr val="lt1"/>
+    </dgm:linClrLst>
+    <dgm:effectClrLst/>
+    <dgm:txLinClrLst/>
+    <dgm:txFillClrLst meth="repeat">
+      <a:schemeClr val="lt1"/>
+    </dgm:txFillClrLst>
+    <dgm:txEffectClrLst/>
+  </dgm:styleLbl>
+  <dgm:styleLbl name="alignImgPlace1">
+    <dgm:fillClrLst>
+      <a:schemeClr val="accent1">
+        <a:tint val="50000"/>
+      </a:schemeClr>
+      <a:schemeClr val="accent2">
+        <a:tint val="20000"/>
+      </a:schemeClr>
+    </dgm:fillClrLst>
+    <dgm:linClrLst meth="repeat">
+      <a:schemeClr val="lt1"/>
+    </dgm:linClrLst>
+    <dgm:effectClrLst/>
+    <dgm:txLinClrLst/>
+    <dgm:txFillClrLst meth="repeat">
+      <a:schemeClr val="lt1"/>
+    </dgm:txFillClrLst>
+    <dgm:txEffectClrLst/>
+  </dgm:styleLbl>
+  <dgm:styleLbl name="bgImgPlace1">
+    <dgm:fillClrLst>
+      <a:schemeClr val="accent1">
+        <a:tint val="50000"/>
+      </a:schemeClr>
+      <a:schemeClr val="accent2">
+        <a:tint val="20000"/>
+      </a:schemeClr>
+    </dgm:fillClrLst>
+    <dgm:linClrLst meth="repeat">
+      <a:schemeClr val="lt1"/>
+    </dgm:linClrLst>
+    <dgm:effectClrLst/>
+    <dgm:txLinClrLst/>
+    <dgm:txFillClrLst meth="repeat">
+      <a:schemeClr val="lt1"/>
+    </dgm:txFillClrLst>
+    <dgm:txEffectClrLst/>
+  </dgm:styleLbl>
+  <dgm:styleLbl name="sibTrans2D1">
+    <dgm:fillClrLst meth="repeat">
+      <a:schemeClr val="accent2"/>
+      <a:schemeClr val="accent3"/>
+      <a:schemeClr val="accent4"/>
+      <a:schemeClr val="accent5"/>
+      <a:schemeClr val="accent6"/>
+    </dgm:fillClrLst>
+    <dgm:linClrLst meth="cycle">
+      <a:schemeClr val="lt1"/>
+    </dgm:linClrLst>
+    <dgm:effectClrLst/>
+    <dgm:txLinClrLst/>
+    <dgm:txFillClrLst/>
+    <dgm:txEffectClrLst/>
+  </dgm:styleLbl>
+  <dgm:styleLbl name="fgSibTrans2D1">
+    <dgm:fillClrLst meth="repeat">
+      <a:schemeClr val="accent2"/>
+      <a:schemeClr val="accent3"/>
+      <a:schemeClr val="accent4"/>
+      <a:schemeClr val="accent5"/>
+      <a:schemeClr val="accent6"/>
+    </dgm:fillClrLst>
+    <dgm:linClrLst meth="cycle">
+      <a:schemeClr val="lt1"/>
+    </dgm:linClrLst>
+    <dgm:effectClrLst/>
+    <dgm:txLinClrLst/>
+    <dgm:txFillClrLst meth="repeat">
+      <a:schemeClr val="lt1"/>
+    </dgm:txFillClrLst>
+    <dgm:txEffectClrLst/>
+  </dgm:styleLbl>
+  <dgm:styleLbl name="bgSibTrans2D1">
+    <dgm:fillClrLst meth="repeat">
+      <a:schemeClr val="accent2"/>
+      <a:schemeClr val="accent3"/>
+      <a:schemeClr val="accent4"/>
+      <a:schemeClr val="accent5"/>
+      <a:schemeClr val="accent6"/>
+    </dgm:fillClrLst>
+    <dgm:linClrLst meth="cycle">
+      <a:schemeClr val="lt1"/>
+    </dgm:linClrLst>
+    <dgm:effectClrLst/>
+    <dgm:txLinClrLst/>
+    <dgm:txFillClrLst meth="repeat">
+      <a:schemeClr val="lt1"/>
+    </dgm:txFillClrLst>
+    <dgm:txEffectClrLst/>
+  </dgm:styleLbl>
+  <dgm:styleLbl name="sibTrans1D1">
+    <dgm:fillClrLst meth="repeat">
+      <a:schemeClr val="accent2"/>
+      <a:schemeClr val="accent3"/>
+      <a:schemeClr val="accent4"/>
+      <a:schemeClr val="accent5"/>
+      <a:schemeClr val="accent6"/>
+    </dgm:fillClrLst>
+    <dgm:linClrLst meth="repeat">
+      <a:schemeClr val="accent2"/>
+      <a:schemeClr val="accent3"/>
+      <a:schemeClr val="accent4"/>
+      <a:schemeClr val="accent5"/>
+      <a:schemeClr val="accent6"/>
+    </dgm:linClrLst>
+    <dgm:effectClrLst/>
+    <dgm:txLinClrLst/>
+    <dgm:txFillClrLst meth="repeat">
+      <a:schemeClr val="tx1"/>
+    </dgm:txFillClrLst>
+    <dgm:txEffectClrLst/>
+  </dgm:styleLbl>
+  <dgm:styleLbl name="callout">
+    <dgm:fillClrLst meth="repeat">
+      <a:schemeClr val="accent2"/>
+    </dgm:fillClrLst>
+    <dgm:linClrLst meth="repeat">
+      <a:schemeClr val="accent2">
+        <a:tint val="50000"/>
+      </a:schemeClr>
+    </dgm:linClrLst>
+    <dgm:effectClrLst/>
+    <dgm:txLinClrLst/>
+    <dgm:txFillClrLst meth="repeat">
+      <a:schemeClr val="tx1"/>
+    </dgm:txFillClrLst>
+    <dgm:txEffectClrLst/>
+  </dgm:styleLbl>
+  <dgm:styleLbl name="asst0">
+    <dgm:fillClrLst meth="repeat">
+      <a:schemeClr val="accent1"/>
+    </dgm:fillClrLst>
+    <dgm:linClrLst meth="repeat">
+      <a:schemeClr val="lt1"/>
+    </dgm:linClrLst>
+    <dgm:effectClrLst/>
+    <dgm:txLinClrLst/>
+    <dgm:txFillClrLst/>
+    <dgm:txEffectClrLst/>
+  </dgm:styleLbl>
+  <dgm:styleLbl name="asst1">
+    <dgm:fillClrLst meth="repeat">
+      <a:schemeClr val="accent2"/>
+    </dgm:fillClrLst>
+    <dgm:linClrLst meth="repeat">
+      <a:schemeClr val="lt1"/>
+    </dgm:linClrLst>
+    <dgm:effectClrLst/>
+    <dgm:txLinClrLst/>
+    <dgm:txFillClrLst/>
+    <dgm:txEffectClrLst/>
+  </dgm:styleLbl>
+  <dgm:styleLbl name="asst2">
+    <dgm:fillClrLst>
+      <a:schemeClr val="accent3"/>
+    </dgm:fillClrLst>
+    <dgm:linClrLst meth="repeat">
+      <a:schemeClr val="lt1"/>
+    </dgm:linClrLst>
+    <dgm:effectClrLst/>
+    <dgm:txLinClrLst/>
+    <dgm:txFillClrLst/>
+    <dgm:txEffectClrLst/>
+  </dgm:styleLbl>
+  <dgm:styleLbl name="asst3">
+    <dgm:fillClrLst>
+      <a:schemeClr val="accent4"/>
+    </dgm:fillClrLst>
+    <dgm:linClrLst meth="repeat">
+      <a:schemeClr val="lt1"/>
+    </dgm:linClrLst>
+    <dgm:effectClrLst/>
+    <dgm:txLinClrLst/>
+    <dgm:txFillClrLst/>
+    <dgm:txEffectClrLst/>
+  </dgm:styleLbl>
+  <dgm:styleLbl name="asst4">
+    <dgm:fillClrLst>
+      <a:schemeClr val="accent5"/>
+    </dgm:fillClrLst>
+    <dgm:linClrLst meth="repeat">
+      <a:schemeClr val="lt1"/>
+    </dgm:linClrLst>
+    <dgm:effectClrLst/>
+    <dgm:txLinClrLst/>
+    <dgm:txFillClrLst/>
+    <dgm:txEffectClrLst/>
+  </dgm:styleLbl>
+  <dgm:styleLbl name="parChTrans2D1">
+    <dgm:fillClrLst meth="repeat">
+      <a:schemeClr val="accent2"/>
+    </dgm:fillClrLst>
+    <dgm:linClrLst meth="repeat">
+      <a:schemeClr val="lt1"/>
+    </dgm:linClrLst>
+    <dgm:effectClrLst/>
+    <dgm:txLinClrLst/>
+    <dgm:txFillClrLst meth="repeat">
+      <a:schemeClr val="lt1"/>
+    </dgm:txFillClrLst>
+    <dgm:txEffectClrLst/>
+  </dgm:styleLbl>
+  <dgm:styleLbl name="parChTrans2D2">
+    <dgm:fillClrLst meth="repeat">
+      <a:schemeClr val="accent3"/>
+    </dgm:fillClrLst>
+    <dgm:linClrLst meth="repeat">
+      <a:schemeClr val="lt1"/>
+    </dgm:linClrLst>
+    <dgm:effectClrLst/>
+    <dgm:txLinClrLst/>
+    <dgm:txFillClrLst/>
+    <dgm:txEffectClrLst/>
+  </dgm:styleLbl>
+  <dgm:styleLbl name="parChTrans2D3">
+    <dgm:fillClrLst meth="repeat">
+      <a:schemeClr val="accent4"/>
+    </dgm:fillClrLst>
+    <dgm:linClrLst meth="repeat">
+      <a:schemeClr val="lt1"/>
+    </dgm:linClrLst>
+    <dgm:effectClrLst/>
+    <dgm:txLinClrLst/>
+    <dgm:txFillClrLst/>
+    <dgm:txEffectClrLst/>
+  </dgm:styleLbl>
+  <dgm:styleLbl name="parChTrans2D4">
+    <dgm:fillClrLst meth="repeat">
+      <a:schemeClr val="accent5"/>
+    </dgm:fillClrLst>
+    <dgm:linClrLst meth="repeat">
+      <a:schemeClr val="lt1"/>
+    </dgm:linClrLst>
+    <dgm:effectClrLst/>
+    <dgm:txLinClrLst/>
+    <dgm:txFillClrLst meth="repeat">
+      <a:schemeClr val="lt1"/>
+    </dgm:txFillClrLst>
+    <dgm:txEffectClrLst/>
+  </dgm:styleLbl>
+  <dgm:styleLbl name="parChTrans1D1">
+    <dgm:fillClrLst meth="repeat">
+      <a:schemeClr val="accent2"/>
+    </dgm:fillClrLst>
+    <dgm:linClrLst meth="repeat">
+      <a:schemeClr val="accent1"/>
+    </dgm:linClrLst>
+    <dgm:effectClrLst/>
+    <dgm:txLinClrLst/>
+    <dgm:txFillClrLst meth="repeat">
+      <a:schemeClr val="tx1"/>
+    </dgm:txFillClrLst>
+    <dgm:txEffectClrLst/>
+  </dgm:styleLbl>
+  <dgm:styleLbl name="parChTrans1D2">
+    <dgm:fillClrLst meth="repeat">
+      <a:schemeClr val="accent3">
+        <a:tint val="90000"/>
+      </a:schemeClr>
+    </dgm:fillClrLst>
+    <dgm:linClrLst meth="repeat">
+      <a:schemeClr val="accent2"/>
+    </dgm:linClrLst>
+    <dgm:effectClrLst/>
+    <dgm:txLinClrLst/>
+    <dgm:txFillClrLst meth="repeat">
+      <a:schemeClr val="tx1"/>
+    </dgm:txFillClrLst>
+    <dgm:txEffectClrLst/>
+  </dgm:styleLbl>
+  <dgm:styleLbl name="parChTrans1D3">
+    <dgm:fillClrLst meth="repeat">
+      <a:schemeClr val="accent4">
+        <a:tint val="70000"/>
+      </a:schemeClr>
+    </dgm:fillClrLst>
+    <dgm:linClrLst meth="repeat">
+      <a:schemeClr val="accent3"/>
+    </dgm:linClrLst>
+    <dgm:effectClrLst/>
+    <dgm:txLinClrLst/>
+    <dgm:txFillClrLst meth="repeat">
+      <a:schemeClr val="tx1"/>
+    </dgm:txFillClrLst>
+    <dgm:txEffectClrLst/>
+  </dgm:styleLbl>
+  <dgm:styleLbl name="parChTrans1D4">
+    <dgm:fillClrLst meth="repeat">
+      <a:schemeClr val="accent5">
+        <a:tint val="50000"/>
+      </a:schemeClr>
+    </dgm:fillClrLst>
+    <dgm:linClrLst meth="repeat">
+      <a:schemeClr val="accent4"/>
+    </dgm:linClrLst>
+    <dgm:effectClrLst/>
+    <dgm:txLinClrLst/>
+    <dgm:txFillClrLst meth="repeat">
+      <a:schemeClr val="tx1"/>
+    </dgm:txFillClrLst>
+    <dgm:txEffectClrLst/>
+  </dgm:styleLbl>
+  <dgm:styleLbl name="fgAcc1">
+    <dgm:fillClrLst meth="repeat">
+      <a:schemeClr val="lt1">
+        <a:alpha val="90000"/>
+      </a:schemeClr>
+    </dgm:fillClrLst>
+    <dgm:linClrLst meth="repeat">
+      <a:schemeClr val="accent2"/>
+      <a:schemeClr val="accent3"/>
+      <a:schemeClr val="accent4"/>
+      <a:schemeClr val="accent5"/>
+      <a:schemeClr val="accent6"/>
+    </dgm:linClrLst>
+    <dgm:effectClrLst/>
+    <dgm:txLinClrLst/>
+    <dgm:txFillClrLst meth="repeat">
+      <a:schemeClr val="dk1"/>
+    </dgm:txFillClrLst>
+    <dgm:txEffectClrLst/>
+  </dgm:styleLbl>
+  <dgm:styleLbl name="conFgAcc1">
+    <dgm:fillClrLst meth="repeat">
+      <a:schemeClr val="lt1">
+        <a:alpha val="90000"/>
+      </a:schemeClr>
+    </dgm:fillClrLst>
+    <dgm:linClrLst meth="repeat">
+      <a:schemeClr val="accent2"/>
+      <a:schemeClr val="accent3"/>
+      <a:schemeClr val="accent4"/>
+      <a:schemeClr val="accent5"/>
+      <a:schemeClr val="accent6"/>
+    </dgm:linClrLst>
+    <dgm:effectClrLst/>
+    <dgm:txLinClrLst/>
+    <dgm:txFillClrLst meth="repeat">
+      <a:schemeClr val="dk1"/>
+    </dgm:txFillClrLst>
+    <dgm:txEffectClrLst/>
+  </dgm:styleLbl>
+  <dgm:styleLbl name="alignAcc1">
+    <dgm:fillClrLst meth="repeat">
+      <a:schemeClr val="lt1">
+        <a:alpha val="90000"/>
+      </a:schemeClr>
+    </dgm:fillClrLst>
+    <dgm:linClrLst meth="repeat">
+      <a:schemeClr val="accent2"/>
+      <a:schemeClr val="accent3"/>
+      <a:schemeClr val="accent4"/>
+      <a:schemeClr val="accent5"/>
+      <a:schemeClr val="accent6"/>
+    </dgm:linClrLst>
+    <dgm:effectClrLst/>
+    <dgm:txLinClrLst/>
+    <dgm:txFillClrLst meth="repeat">
+      <a:schemeClr val="dk1"/>
+    </dgm:txFillClrLst>
+    <dgm:txEffectClrLst/>
+  </dgm:styleLbl>
+  <dgm:styleLbl name="trAlignAcc1">
+    <dgm:fillClrLst meth="repeat">
+      <a:schemeClr val="lt1">
+        <a:alpha val="40000"/>
+      </a:schemeClr>
+    </dgm:fillClrLst>
+    <dgm:linClrLst meth="repeat">
+      <a:schemeClr val="accent1"/>
+    </dgm:linClrLst>
+    <dgm:effectClrLst/>
+    <dgm:txLinClrLst/>
+    <dgm:txFillClrLst meth="repeat">
+      <a:schemeClr val="dk1"/>
+    </dgm:txFillClrLst>
+    <dgm:txEffectClrLst/>
+  </dgm:styleLbl>
+  <dgm:styleLbl name="bgAcc1">
+    <dgm:fillClrLst meth="repeat">
+      <a:schemeClr val="lt1">
+        <a:alpha val="90000"/>
+      </a:schemeClr>
+    </dgm:fillClrLst>
+    <dgm:linClrLst meth="repeat">
+      <a:schemeClr val="accent2"/>
+      <a:schemeClr val="accent3"/>
+      <a:schemeClr val="accent4"/>
+      <a:schemeClr val="accent5"/>
+      <a:schemeClr val="accent6"/>
+    </dgm:linClrLst>
+    <dgm:effectClrLst/>
+    <dgm:txLinClrLst/>
+    <dgm:txFillClrLst meth="repeat">
+      <a:schemeClr val="dk1"/>
+    </dgm:txFillClrLst>
+    <dgm:txEffectClrLst/>
+  </dgm:styleLbl>
+  <dgm:styleLbl name="solidFgAcc1">
+    <dgm:fillClrLst meth="repeat">
+      <a:schemeClr val="lt1"/>
+    </dgm:fillClrLst>
+    <dgm:linClrLst meth="repeat">
+      <a:schemeClr val="accent2"/>
+      <a:schemeClr val="accent3"/>
+      <a:schemeClr val="accent4"/>
+      <a:schemeClr val="accent5"/>
+      <a:schemeClr val="accent6"/>
+    </dgm:linClrLst>
+    <dgm:effectClrLst/>
+    <dgm:txLinClrLst/>
+    <dgm:txFillClrLst meth="repeat">
+      <a:schemeClr val="dk1"/>
+    </dgm:txFillClrLst>
+    <dgm:txEffectClrLst/>
+  </dgm:styleLbl>
+  <dgm:styleLbl name="solidAlignAcc1">
+    <dgm:fillClrLst meth="repeat">
+      <a:schemeClr val="lt1"/>
+    </dgm:fillClrLst>
+    <dgm:linClrLst meth="repeat">
+      <a:schemeClr val="accent2"/>
+      <a:schemeClr val="accent3"/>
+      <a:schemeClr val="accent4"/>
+      <a:schemeClr val="accent5"/>
+      <a:schemeClr val="accent6"/>
+    </dgm:linClrLst>
+    <dgm:effectClrLst/>
+    <dgm:txLinClrLst/>
+    <dgm:txFillClrLst meth="repeat">
+      <a:schemeClr val="dk1"/>
+    </dgm:txFillClrLst>
+    <dgm:txEffectClrLst/>
+  </dgm:styleLbl>
+  <dgm:styleLbl name="solidBgAcc1">
+    <dgm:fillClrLst meth="repeat">
+      <a:schemeClr val="lt1"/>
+    </dgm:fillClrLst>
+    <dgm:linClrLst meth="repeat">
+      <a:schemeClr val="accent2"/>
+      <a:schemeClr val="accent3"/>
+      <a:schemeClr val="accent4"/>
+      <a:schemeClr val="accent5"/>
+      <a:schemeClr val="accent6"/>
+    </dgm:linClrLst>
+    <dgm:effectClrLst/>
+    <dgm:txLinClrLst/>
+    <dgm:txFillClrLst meth="repeat">
+      <a:schemeClr val="dk1"/>
+    </dgm:txFillClrLst>
+    <dgm:txEffectClrLst/>
+  </dgm:styleLbl>
+  <dgm:styleLbl name="fgAccFollowNode1">
+    <dgm:fillClrLst meth="repeat">
+      <a:schemeClr val="accent2">
+        <a:tint val="40000"/>
+        <a:alpha val="90000"/>
+      </a:schemeClr>
+      <a:schemeClr val="accent3">
+        <a:tint val="40000"/>
+        <a:alpha val="90000"/>
+      </a:schemeClr>
+      <a:schemeClr val="accent4">
+        <a:tint val="40000"/>
+        <a:alpha val="90000"/>
+      </a:schemeClr>
+      <a:schemeClr val="accent5">
+        <a:tint val="40000"/>
+        <a:alpha val="90000"/>
+      </a:schemeClr>
+      <a:schemeClr val="accent6">
+        <a:tint val="40000"/>
+        <a:alpha val="90000"/>
+      </a:schemeClr>
+    </dgm:fillClrLst>
+    <dgm:linClrLst meth="repeat">
+      <a:schemeClr val="accent2">
+        <a:tint val="40000"/>
+        <a:alpha val="90000"/>
+      </a:schemeClr>
+      <a:schemeClr val="accent3">
+        <a:tint val="40000"/>
+        <a:alpha val="90000"/>
+      </a:schemeClr>
+      <a:schemeClr val="accent4">
+        <a:tint val="40000"/>
+        <a:alpha val="90000"/>
+      </a:schemeClr>
+      <a:schemeClr val="accent5">
+        <a:tint val="40000"/>
+        <a:alpha val="90000"/>
+      </a:schemeClr>
+      <a:schemeClr val="accent6">
+        <a:tint val="40000"/>
+        <a:alpha val="90000"/>
+      </a:schemeClr>
+    </dgm:linClrLst>
+    <dgm:effectClrLst/>
+    <dgm:txLinClrLst/>
+    <dgm:txFillClrLst meth="repeat">
+      <a:schemeClr val="dk1"/>
+    </dgm:txFillClrLst>
+    <dgm:txEffectClrLst/>
+  </dgm:styleLbl>
+  <dgm:styleLbl name="alignAccFollowNode1">
+    <dgm:fillClrLst meth="repeat">
+      <a:schemeClr val="accent2">
+        <a:tint val="40000"/>
+        <a:alpha val="90000"/>
+      </a:schemeClr>
+      <a:schemeClr val="accent3">
+        <a:tint val="40000"/>
+        <a:alpha val="90000"/>
+      </a:schemeClr>
+      <a:schemeClr val="accent4">
+        <a:tint val="40000"/>
+        <a:alpha val="90000"/>
+      </a:schemeClr>
+      <a:schemeClr val="accent5">
+        <a:tint val="40000"/>
+        <a:alpha val="90000"/>
+      </a:schemeClr>
+      <a:schemeClr val="accent6">
+        <a:tint val="40000"/>
+        <a:alpha val="90000"/>
+      </a:schemeClr>
+    </dgm:fillClrLst>
+    <dgm:linClrLst meth="repeat">
+      <a:schemeClr val="accent2">
+        <a:tint val="40000"/>
+        <a:alpha val="90000"/>
+      </a:schemeClr>
+      <a:schemeClr val="accent3">
+        <a:tint val="40000"/>
+        <a:alpha val="90000"/>
+      </a:schemeClr>
+      <a:schemeClr val="accent4">
+        <a:tint val="40000"/>
+        <a:alpha val="90000"/>
+      </a:schemeClr>
+      <a:schemeClr val="accent5">
+        <a:tint val="40000"/>
+        <a:alpha val="90000"/>
+      </a:schemeClr>
+      <a:schemeClr val="accent6">
+        <a:tint val="40000"/>
+        <a:alpha val="90000"/>
+      </a:schemeClr>
+    </dgm:linClrLst>
+    <dgm:effectClrLst/>
+    <dgm:txLinClrLst/>
+    <dgm:txFillClrLst meth="repeat">
+      <a:schemeClr val="dk1"/>
+    </dgm:txFillClrLst>
+    <dgm:txEffectClrLst/>
+  </dgm:styleLbl>
+  <dgm:styleLbl name="bgAccFollowNode1">
+    <dgm:fillClrLst meth="repeat">
+      <a:schemeClr val="accent2">
+        <a:tint val="40000"/>
+        <a:alpha val="90000"/>
+      </a:schemeClr>
+      <a:schemeClr val="accent3">
+        <a:tint val="40000"/>
+        <a:alpha val="90000"/>
+      </a:schemeClr>
+      <a:schemeClr val="accent4">
+        <a:tint val="40000"/>
+        <a:alpha val="90000"/>
+      </a:schemeClr>
+      <a:schemeClr val="accent5">
+        <a:tint val="40000"/>
+        <a:alpha val="90000"/>
+      </a:schemeClr>
+      <a:schemeClr val="accent6">
+        <a:tint val="40000"/>
+        <a:alpha val="90000"/>
+      </a:schemeClr>
+    </dgm:fillClrLst>
+    <dgm:linClrLst meth="repeat">
+      <a:schemeClr val="accent2">
+        <a:tint val="40000"/>
+        <a:alpha val="90000"/>
+      </a:schemeClr>
+      <a:schemeClr val="accent3">
+        <a:tint val="40000"/>
+        <a:alpha val="90000"/>
+      </a:schemeClr>
+      <a:schemeClr val="accent4">
+        <a:tint val="40000"/>
+        <a:alpha val="90000"/>
+      </a:schemeClr>
+      <a:schemeClr val="accent5">
+        <a:tint val="40000"/>
+        <a:alpha val="90000"/>
+      </a:schemeClr>
+      <a:schemeClr val="accent6">
+        <a:tint val="40000"/>
+        <a:alpha val="90000"/>
+      </a:schemeClr>
+    </dgm:linClrLst>
+    <dgm:effectClrLst/>
+    <dgm:txLinClrLst/>
+    <dgm:txFillClrLst meth="repeat">
+      <a:schemeClr val="dk1"/>
+    </dgm:txFillClrLst>
+    <dgm:txEffectClrLst/>
+  </dgm:styleLbl>
+  <dgm:styleLbl name="fgAcc0">
+    <dgm:fillClrLst meth="repeat">
+      <a:schemeClr val="lt1">
+        <a:alpha val="90000"/>
+      </a:schemeClr>
+    </dgm:fillClrLst>
+    <dgm:linClrLst>
+      <a:schemeClr val="accent1"/>
+    </dgm:linClrLst>
+    <dgm:effectClrLst/>
+    <dgm:txLinClrLst/>
+    <dgm:txFillClrLst meth="repeat">
+      <a:schemeClr val="dk1"/>
+    </dgm:txFillClrLst>
+    <dgm:txEffectClrLst/>
+  </dgm:styleLbl>
+  <dgm:styleLbl name="fgAcc2">
+    <dgm:fillClrLst meth="repeat">
+      <a:schemeClr val="lt1">
+        <a:alpha val="90000"/>
+      </a:schemeClr>
+    </dgm:fillClrLst>
+    <dgm:linClrLst>
+      <a:schemeClr val="accent2"/>
+    </dgm:linClrLst>
+    <dgm:effectClrLst/>
+    <dgm:txLinClrLst/>
+    <dgm:txFillClrLst meth="repeat">
+      <a:schemeClr val="dk1"/>
+    </dgm:txFillClrLst>
+    <dgm:txEffectClrLst/>
+  </dgm:styleLbl>
+  <dgm:styleLbl name="fgAcc3">
+    <dgm:fillClrLst meth="repeat">
+      <a:schemeClr val="lt1">
+        <a:alpha val="90000"/>
+      </a:schemeClr>
+    </dgm:fillClrLst>
+    <dgm:linClrLst>
+      <a:schemeClr val="accent3"/>
+    </dgm:linClrLst>
+    <dgm:effectClrLst/>
+    <dgm:txLinClrLst/>
+    <dgm:txFillClrLst meth="repeat">
+      <a:schemeClr val="dk1"/>
+    </dgm:txFillClrLst>
+    <dgm:txEffectClrLst/>
+  </dgm:styleLbl>
+  <dgm:styleLbl name="fgAcc4">
+    <dgm:fillClrLst meth="repeat">
+      <a:schemeClr val="lt1">
+        <a:alpha val="90000"/>
+      </a:schemeClr>
+    </dgm:fillClrLst>
+    <dgm:linClrLst>
+      <a:schemeClr val="accent4"/>
+    </dgm:linClrLst>
+    <dgm:effectClrLst/>
+    <dgm:txLinClrLst/>
+    <dgm:txFillClrLst meth="repeat">
+      <a:schemeClr val="dk1"/>
+    </dgm:txFillClrLst>
+    <dgm:txEffectClrLst/>
+  </dgm:styleLbl>
+  <dgm:styleLbl name="bgShp">
+    <dgm:fillClrLst meth="repeat">
+      <a:schemeClr val="bg1">
+        <a:lumMod val="95000"/>
+      </a:schemeClr>
+    </dgm:fillClrLst>
+    <dgm:linClrLst meth="repeat">
+      <a:schemeClr val="dk1"/>
+    </dgm:linClrLst>
+    <dgm:effectClrLst/>
+    <dgm:txLinClrLst/>
+    <dgm:txFillClrLst meth="repeat">
+      <a:schemeClr val="dk1"/>
+    </dgm:txFillClrLst>
+    <dgm:txEffectClrLst/>
+  </dgm:styleLbl>
+  <dgm:styleLbl name="dkBgShp">
+    <dgm:fillClrLst meth="repeat">
+      <a:schemeClr val="accent2">
+        <a:shade val="90000"/>
+      </a:schemeClr>
+    </dgm:fillClrLst>
+    <dgm:linClrLst meth="repeat">
+      <a:schemeClr val="dk1"/>
+    </dgm:linClrLst>
+    <dgm:effectClrLst/>
+    <dgm:txLinClrLst/>
+    <dgm:txFillClrLst meth="repeat">
+      <a:schemeClr val="lt1"/>
+    </dgm:txFillClrLst>
+    <dgm:txEffectClrLst/>
+  </dgm:styleLbl>
+  <dgm:styleLbl name="trBgShp">
+    <dgm:fillClrLst meth="repeat">
+      <a:schemeClr val="accent1">
+        <a:tint val="50000"/>
+        <a:alpha val="40000"/>
+      </a:schemeClr>
+    </dgm:fillClrLst>
+    <dgm:linClrLst meth="repeat">
+      <a:schemeClr val="accent2"/>
+    </dgm:linClrLst>
+    <dgm:effectClrLst/>
+    <dgm:txLinClrLst/>
+    <dgm:txFillClrLst meth="repeat">
+      <a:schemeClr val="lt1"/>
+    </dgm:txFillClrLst>
+    <dgm:txEffectClrLst/>
+  </dgm:styleLbl>
+  <dgm:styleLbl name="fgShp">
+    <dgm:fillClrLst meth="repeat">
+      <a:schemeClr val="accent2">
+        <a:tint val="40000"/>
+      </a:schemeClr>
+    </dgm:fillClrLst>
+    <dgm:linClrLst meth="repeat">
+      <a:schemeClr val="lt1"/>
+    </dgm:linClrLst>
+    <dgm:effectClrLst/>
+    <dgm:txLinClrLst/>
+    <dgm:txFillClrLst meth="repeat">
+      <a:schemeClr val="dk1"/>
+    </dgm:txFillClrLst>
+    <dgm:txEffectClrLst/>
+  </dgm:styleLbl>
+  <dgm:styleLbl name="revTx">
+    <dgm:fillClrLst meth="repeat">
+      <a:schemeClr val="lt1">
         <a:alpha val="0"/>
       </a:schemeClr>
     </dgm:fillClrLst>
@@ -7263,6 +8192,647 @@
     <dgm:cxn modelId="{1D745AFB-D4DF-4D5A-A9D0-4B95A08F6055}" type="presParOf" srcId="{A9C02CC6-579A-4700-9854-FE88107E60DA}" destId="{A71FCFC6-56C3-4E6F-AF29-565E1A7C6714}" srcOrd="2" destOrd="0" presId="urn:microsoft.com/office/officeart/2018/2/layout/IconVerticalSolidList"/>
     <dgm:cxn modelId="{3FE9350B-1E59-440E-97A8-6CEFF0359ACF}" type="presParOf" srcId="{A9C02CC6-579A-4700-9854-FE88107E60DA}" destId="{695ADEA5-2AFF-4C90-9400-181DF7829ABF}" srcOrd="3" destOrd="0" presId="urn:microsoft.com/office/officeart/2018/2/layout/IconVerticalSolidList"/>
     <dgm:cxn modelId="{82B6DE7F-9FCD-4683-AA17-9BC5DAECF0EF}" type="presParOf" srcId="{A9C02CC6-579A-4700-9854-FE88107E60DA}" destId="{DCA38D35-B2C0-485C-BB58-852D03F3F4BB}" srcOrd="4" destOrd="0" presId="urn:microsoft.com/office/officeart/2018/2/layout/IconVerticalSolidList"/>
+  </dgm:cxnLst>
+  <dgm:bg/>
+  <dgm:whole/>
+  <dgm:extLst>
+    <a:ext uri="http://schemas.microsoft.com/office/drawing/2008/diagram">
+      <dsp:dataModelExt xmlns:dsp="http://schemas.microsoft.com/office/drawing/2008/diagram" relId="rId6" minVer="http://schemas.openxmlformats.org/drawingml/2006/diagram"/>
+    </a:ext>
+  </dgm:extLst>
+</dgm:dataModel>
+</file>
+
+<file path=ppt/diagrams/data6.xml><?xml version="1.0" encoding="utf-8"?>
+<dgm:dataModel xmlns:dgm="http://schemas.openxmlformats.org/drawingml/2006/diagram" xmlns:a="http://schemas.openxmlformats.org/drawingml/2006/main">
+  <dgm:ptLst>
+    <dgm:pt modelId="{D8608394-DDD3-494E-84F3-AA27F15016B9}" type="doc">
+      <dgm:prSet loTypeId="urn:microsoft.com/office/officeart/2018/5/layout/CenteredIconLabelDescriptionList" loCatId="icon" qsTypeId="urn:microsoft.com/office/officeart/2005/8/quickstyle/simple4" qsCatId="simple" csTypeId="urn:microsoft.com/office/officeart/2018/5/colors/Iconchunking_neutralbg_colorful1" csCatId="colorful" phldr="1"/>
+      <dgm:spPr/>
+      <dgm:t>
+        <a:bodyPr/>
+        <a:lstStyle/>
+        <a:p>
+          <a:endParaRPr lang="en-US"/>
+        </a:p>
+      </dgm:t>
+    </dgm:pt>
+    <dgm:pt modelId="{09962930-0DED-4428-BB59-44994D085036}">
+      <dgm:prSet custT="1"/>
+      <dgm:spPr/>
+      <dgm:t>
+        <a:bodyPr/>
+        <a:lstStyle/>
+        <a:p>
+          <a:pPr>
+            <a:defRPr b="1"/>
+          </a:pPr>
+          <a:r>
+            <a:rPr lang="en-US" sz="1800"/>
+            <a:t>Logic App are better suited</a:t>
+          </a:r>
+        </a:p>
+      </dgm:t>
+    </dgm:pt>
+    <dgm:pt modelId="{3BEF81FF-165D-4307-AF29-974379663DFC}" type="parTrans" cxnId="{180331A2-EA70-4D76-AA38-1D646E3287EA}">
+      <dgm:prSet/>
+      <dgm:spPr/>
+      <dgm:t>
+        <a:bodyPr/>
+        <a:lstStyle/>
+        <a:p>
+          <a:endParaRPr lang="en-US"/>
+        </a:p>
+      </dgm:t>
+    </dgm:pt>
+    <dgm:pt modelId="{EB3368F2-4681-4DF5-9332-4CEF07EB02A6}" type="sibTrans" cxnId="{180331A2-EA70-4D76-AA38-1D646E3287EA}">
+      <dgm:prSet/>
+      <dgm:spPr/>
+      <dgm:t>
+        <a:bodyPr/>
+        <a:lstStyle/>
+        <a:p>
+          <a:endParaRPr lang="en-US"/>
+        </a:p>
+      </dgm:t>
+    </dgm:pt>
+    <dgm:pt modelId="{9293E22E-8C3B-4FD8-9CA7-300B4A878D5B}">
+      <dgm:prSet custT="1"/>
+      <dgm:spPr/>
+      <dgm:t>
+        <a:bodyPr/>
+        <a:lstStyle/>
+        <a:p>
+          <a:pPr>
+            <a:buFont typeface="Arial" panose="020B0604020202020204" pitchFamily="34" charset="0"/>
+            <a:buChar char="•"/>
+          </a:pPr>
+          <a:r>
+            <a:rPr lang="en-US" sz="1400"/>
+            <a:t>Build integration with extensive list of connectors.</a:t>
+          </a:r>
+        </a:p>
+      </dgm:t>
+    </dgm:pt>
+    <dgm:pt modelId="{1AA25122-1B9C-4B9F-88B7-63D4D1C76D84}" type="parTrans" cxnId="{BE67188C-8753-4DC2-899F-D7CFD3E7BB18}">
+      <dgm:prSet/>
+      <dgm:spPr/>
+      <dgm:t>
+        <a:bodyPr/>
+        <a:lstStyle/>
+        <a:p>
+          <a:endParaRPr lang="en-US"/>
+        </a:p>
+      </dgm:t>
+    </dgm:pt>
+    <dgm:pt modelId="{622273A5-2CDD-44AE-83AA-AE26C1EE14C7}" type="sibTrans" cxnId="{BE67188C-8753-4DC2-899F-D7CFD3E7BB18}">
+      <dgm:prSet/>
+      <dgm:spPr/>
+      <dgm:t>
+        <a:bodyPr/>
+        <a:lstStyle/>
+        <a:p>
+          <a:endParaRPr lang="en-US"/>
+        </a:p>
+      </dgm:t>
+    </dgm:pt>
+    <dgm:pt modelId="{B4F85982-6A2E-4757-8F9C-84EF651A7CD4}">
+      <dgm:prSet custT="1"/>
+      <dgm:spPr/>
+      <dgm:t>
+        <a:bodyPr/>
+        <a:lstStyle/>
+        <a:p>
+          <a:pPr>
+            <a:buFont typeface="Arial" panose="020B0604020202020204" pitchFamily="34" charset="0"/>
+            <a:buChar char="•"/>
+          </a:pPr>
+          <a:r>
+            <a:rPr lang="en-US" sz="1400"/>
+            <a:t>Visual studio tools to develop, manage and troubleshoot workflow.</a:t>
+          </a:r>
+        </a:p>
+      </dgm:t>
+    </dgm:pt>
+    <dgm:pt modelId="{DF6E5227-1C01-4917-8120-596791A09A84}" type="parTrans" cxnId="{37D1A6AF-C3D8-4235-BEC3-B432C18ED65A}">
+      <dgm:prSet/>
+      <dgm:spPr/>
+      <dgm:t>
+        <a:bodyPr/>
+        <a:lstStyle/>
+        <a:p>
+          <a:endParaRPr lang="en-US"/>
+        </a:p>
+      </dgm:t>
+    </dgm:pt>
+    <dgm:pt modelId="{8173B308-44B8-4FB9-A310-A33BC3FCEEE5}" type="sibTrans" cxnId="{37D1A6AF-C3D8-4235-BEC3-B432C18ED65A}">
+      <dgm:prSet/>
+      <dgm:spPr/>
+      <dgm:t>
+        <a:bodyPr/>
+        <a:lstStyle/>
+        <a:p>
+          <a:endParaRPr lang="en-US"/>
+        </a:p>
+      </dgm:t>
+    </dgm:pt>
+    <dgm:pt modelId="{8FECB87E-8A58-41B0-997A-DDCA6A39039D}">
+      <dgm:prSet custT="1"/>
+      <dgm:spPr/>
+      <dgm:t>
+        <a:bodyPr/>
+        <a:lstStyle/>
+        <a:p>
+          <a:pPr>
+            <a:buFont typeface="Arial" panose="020B0604020202020204" pitchFamily="34" charset="0"/>
+            <a:buChar char="•"/>
+          </a:pPr>
+          <a:r>
+            <a:rPr lang="en-US" sz="1400"/>
+            <a:t>Run only on Azure.</a:t>
+          </a:r>
+        </a:p>
+      </dgm:t>
+    </dgm:pt>
+    <dgm:pt modelId="{8C14B763-85FD-4125-A465-9D4E735C7678}" type="parTrans" cxnId="{182721C8-424B-487D-AE9F-678DC36AB02C}">
+      <dgm:prSet/>
+      <dgm:spPr/>
+      <dgm:t>
+        <a:bodyPr/>
+        <a:lstStyle/>
+        <a:p>
+          <a:endParaRPr lang="en-US"/>
+        </a:p>
+      </dgm:t>
+    </dgm:pt>
+    <dgm:pt modelId="{DBD424D4-B68A-4626-BE13-0B0F0BB5D211}" type="sibTrans" cxnId="{182721C8-424B-487D-AE9F-678DC36AB02C}">
+      <dgm:prSet/>
+      <dgm:spPr/>
+      <dgm:t>
+        <a:bodyPr/>
+        <a:lstStyle/>
+        <a:p>
+          <a:endParaRPr lang="en-US"/>
+        </a:p>
+      </dgm:t>
+    </dgm:pt>
+    <dgm:pt modelId="{1F12B1E0-AEF5-4270-A606-F188D94F78A4}">
+      <dgm:prSet custT="1"/>
+      <dgm:spPr/>
+      <dgm:t>
+        <a:bodyPr/>
+        <a:lstStyle/>
+        <a:p>
+          <a:pPr>
+            <a:buFont typeface="Arial" panose="020B0604020202020204" pitchFamily="34" charset="0"/>
+            <a:buChar char="•"/>
+          </a:pPr>
+          <a:r>
+            <a:rPr lang="en-US" sz="1400"/>
+            <a:t>Reduce time to Market.</a:t>
+          </a:r>
+        </a:p>
+      </dgm:t>
+    </dgm:pt>
+    <dgm:pt modelId="{A22D7BA5-D405-40F8-A72B-34C3DCA9D013}" type="parTrans" cxnId="{25AEAAE2-C133-4004-8874-B49DED58986C}">
+      <dgm:prSet/>
+      <dgm:spPr/>
+      <dgm:t>
+        <a:bodyPr/>
+        <a:lstStyle/>
+        <a:p>
+          <a:endParaRPr lang="en-US"/>
+        </a:p>
+      </dgm:t>
+    </dgm:pt>
+    <dgm:pt modelId="{9B79EA9E-3C2F-4A78-B70C-C036A29A0C9A}" type="sibTrans" cxnId="{25AEAAE2-C133-4004-8874-B49DED58986C}">
+      <dgm:prSet/>
+      <dgm:spPr/>
+      <dgm:t>
+        <a:bodyPr/>
+        <a:lstStyle/>
+        <a:p>
+          <a:endParaRPr lang="en-US"/>
+        </a:p>
+      </dgm:t>
+    </dgm:pt>
+    <dgm:pt modelId="{EAB084D5-0917-4C97-B093-14D9EEDDEED4}">
+      <dgm:prSet custT="1"/>
+      <dgm:spPr/>
+      <dgm:t>
+        <a:bodyPr/>
+        <a:lstStyle/>
+        <a:p>
+          <a:pPr>
+            <a:buFont typeface="Arial" panose="020B0604020202020204" pitchFamily="34" charset="0"/>
+            <a:buChar char="•"/>
+          </a:pPr>
+          <a:r>
+            <a:rPr lang="en-US" sz="1400"/>
+            <a:t>It is ok to have plugin installed on premise to perform connection activity.</a:t>
+          </a:r>
+        </a:p>
+      </dgm:t>
+    </dgm:pt>
+    <dgm:pt modelId="{968CE02D-F3F5-4CC9-972D-FDB675B6F86A}" type="parTrans" cxnId="{09E5FA75-A4F5-403E-B924-735D4560C6BC}">
+      <dgm:prSet/>
+      <dgm:spPr/>
+      <dgm:t>
+        <a:bodyPr/>
+        <a:lstStyle/>
+        <a:p>
+          <a:endParaRPr lang="en-US"/>
+        </a:p>
+      </dgm:t>
+    </dgm:pt>
+    <dgm:pt modelId="{1F9345DF-83AA-427E-B25D-19905A4D346A}" type="sibTrans" cxnId="{09E5FA75-A4F5-403E-B924-735D4560C6BC}">
+      <dgm:prSet/>
+      <dgm:spPr/>
+      <dgm:t>
+        <a:bodyPr/>
+        <a:lstStyle/>
+        <a:p>
+          <a:endParaRPr lang="en-US"/>
+        </a:p>
+      </dgm:t>
+    </dgm:pt>
+    <dgm:pt modelId="{DB194A95-043C-4C7F-92E4-5157484DC8CE}">
+      <dgm:prSet custT="1"/>
+      <dgm:spPr/>
+      <dgm:t>
+        <a:bodyPr/>
+        <a:lstStyle/>
+        <a:p>
+          <a:pPr>
+            <a:defRPr b="1"/>
+          </a:pPr>
+          <a:r>
+            <a:rPr lang="en-US" sz="1800"/>
+            <a:t>Durable function are better suited</a:t>
+          </a:r>
+        </a:p>
+      </dgm:t>
+    </dgm:pt>
+    <dgm:pt modelId="{581A3161-106A-4403-8893-5CA85F46A8EC}" type="parTrans" cxnId="{1B4E0964-F2F1-4B48-AAA4-A1957C99200B}">
+      <dgm:prSet/>
+      <dgm:spPr/>
+      <dgm:t>
+        <a:bodyPr/>
+        <a:lstStyle/>
+        <a:p>
+          <a:endParaRPr lang="en-US"/>
+        </a:p>
+      </dgm:t>
+    </dgm:pt>
+    <dgm:pt modelId="{2300487B-23AB-4D9E-A061-DFAC6B976BBF}" type="sibTrans" cxnId="{1B4E0964-F2F1-4B48-AAA4-A1957C99200B}">
+      <dgm:prSet/>
+      <dgm:spPr/>
+      <dgm:t>
+        <a:bodyPr/>
+        <a:lstStyle/>
+        <a:p>
+          <a:endParaRPr lang="en-US"/>
+        </a:p>
+      </dgm:t>
+    </dgm:pt>
+    <dgm:pt modelId="{249B6111-2CDA-47FD-B8F2-83B16FAB241F}">
+      <dgm:prSet custT="1"/>
+      <dgm:spPr/>
+      <dgm:t>
+        <a:bodyPr/>
+        <a:lstStyle/>
+        <a:p>
+          <a:r>
+            <a:rPr lang="en-US" sz="1400"/>
+            <a:t>The list of trigger and binding provided OOB is sufficient</a:t>
+          </a:r>
+        </a:p>
+      </dgm:t>
+    </dgm:pt>
+    <dgm:pt modelId="{C5A6D679-37FD-40C7-B1A0-0304D8147D51}" type="parTrans" cxnId="{DA7A1BA9-AF49-4A3C-A150-70411DC2E5FF}">
+      <dgm:prSet/>
+      <dgm:spPr/>
+      <dgm:t>
+        <a:bodyPr/>
+        <a:lstStyle/>
+        <a:p>
+          <a:endParaRPr lang="en-US"/>
+        </a:p>
+      </dgm:t>
+    </dgm:pt>
+    <dgm:pt modelId="{82374B9A-7523-418E-B434-E073B8285991}" type="sibTrans" cxnId="{DA7A1BA9-AF49-4A3C-A150-70411DC2E5FF}">
+      <dgm:prSet/>
+      <dgm:spPr/>
+      <dgm:t>
+        <a:bodyPr/>
+        <a:lstStyle/>
+        <a:p>
+          <a:endParaRPr lang="en-US"/>
+        </a:p>
+      </dgm:t>
+    </dgm:pt>
+    <dgm:pt modelId="{52F033AC-6E27-4D23-A66A-8B9ABFE3D04F}">
+      <dgm:prSet custT="1"/>
+      <dgm:spPr/>
+      <dgm:t>
+        <a:bodyPr/>
+        <a:lstStyle/>
+        <a:p>
+          <a:r>
+            <a:rPr lang="en-US" sz="1400"/>
+            <a:t>There is enough time, resource and proficiency to build custom trigger and binding</a:t>
+          </a:r>
+        </a:p>
+      </dgm:t>
+    </dgm:pt>
+    <dgm:pt modelId="{AE32C545-448E-4AEC-BCAA-5D62943979A2}" type="parTrans" cxnId="{DC208F8F-CDAB-4849-8D53-D26DA0F51026}">
+      <dgm:prSet/>
+      <dgm:spPr/>
+      <dgm:t>
+        <a:bodyPr/>
+        <a:lstStyle/>
+        <a:p>
+          <a:endParaRPr lang="en-US"/>
+        </a:p>
+      </dgm:t>
+    </dgm:pt>
+    <dgm:pt modelId="{BCF809C5-64B8-4DB3-AC91-F617310377A7}" type="sibTrans" cxnId="{DC208F8F-CDAB-4849-8D53-D26DA0F51026}">
+      <dgm:prSet/>
+      <dgm:spPr/>
+      <dgm:t>
+        <a:bodyPr/>
+        <a:lstStyle/>
+        <a:p>
+          <a:endParaRPr lang="en-US"/>
+        </a:p>
+      </dgm:t>
+    </dgm:pt>
+    <dgm:pt modelId="{5BB3E050-7DC8-4910-B4DE-60C8642C9F22}">
+      <dgm:prSet custT="1"/>
+      <dgm:spPr/>
+      <dgm:t>
+        <a:bodyPr/>
+        <a:lstStyle/>
+        <a:p>
+          <a:r>
+            <a:rPr lang="en-US" sz="1400"/>
+            <a:t>There is already a good monitoring tools and capability to integrate the same with Azure function</a:t>
+          </a:r>
+        </a:p>
+      </dgm:t>
+    </dgm:pt>
+    <dgm:pt modelId="{DFB8D882-826A-42D1-93E4-C3D473938DAF}" type="parTrans" cxnId="{1395111C-787D-4A83-9E86-0B5860884D7C}">
+      <dgm:prSet/>
+      <dgm:spPr/>
+      <dgm:t>
+        <a:bodyPr/>
+        <a:lstStyle/>
+        <a:p>
+          <a:endParaRPr lang="en-US"/>
+        </a:p>
+      </dgm:t>
+    </dgm:pt>
+    <dgm:pt modelId="{4CA050E1-FE7A-4247-A369-588DF084A838}" type="sibTrans" cxnId="{1395111C-787D-4A83-9E86-0B5860884D7C}">
+      <dgm:prSet/>
+      <dgm:spPr/>
+      <dgm:t>
+        <a:bodyPr/>
+        <a:lstStyle/>
+        <a:p>
+          <a:endParaRPr lang="en-US"/>
+        </a:p>
+      </dgm:t>
+    </dgm:pt>
+    <dgm:pt modelId="{5E62648A-E4A3-40FC-8CB4-F27C415D2202}">
+      <dgm:prSet custT="1"/>
+      <dgm:spPr/>
+      <dgm:t>
+        <a:bodyPr/>
+        <a:lstStyle/>
+        <a:p>
+          <a:r>
+            <a:rPr lang="en-US" sz="1400"/>
+            <a:t>Need to run outside azure also</a:t>
+          </a:r>
+        </a:p>
+      </dgm:t>
+    </dgm:pt>
+    <dgm:pt modelId="{886AF332-6F2A-478A-A7F3-AF371BA4ABFB}" type="parTrans" cxnId="{229CB681-5A2C-46BE-B278-2AC089174DF1}">
+      <dgm:prSet/>
+      <dgm:spPr/>
+      <dgm:t>
+        <a:bodyPr/>
+        <a:lstStyle/>
+        <a:p>
+          <a:endParaRPr lang="en-US"/>
+        </a:p>
+      </dgm:t>
+    </dgm:pt>
+    <dgm:pt modelId="{7B4F6D00-7340-4542-83E8-3F95F5829380}" type="sibTrans" cxnId="{229CB681-5A2C-46BE-B278-2AC089174DF1}">
+      <dgm:prSet/>
+      <dgm:spPr/>
+      <dgm:t>
+        <a:bodyPr/>
+        <a:lstStyle/>
+        <a:p>
+          <a:endParaRPr lang="en-US"/>
+        </a:p>
+      </dgm:t>
+    </dgm:pt>
+    <dgm:pt modelId="{9E002462-8A87-45EC-8B67-F8429A63E0B6}">
+      <dgm:prSet custT="1"/>
+      <dgm:spPr/>
+      <dgm:t>
+        <a:bodyPr/>
+        <a:lstStyle/>
+        <a:p>
+          <a:r>
+            <a:rPr lang="en-IN" sz="1400"/>
+            <a:t>Preference to have all the power and flexibility of a robust programming language</a:t>
+          </a:r>
+          <a:endParaRPr lang="en-US" sz="1400"/>
+        </a:p>
+      </dgm:t>
+    </dgm:pt>
+    <dgm:pt modelId="{1F6984F2-7D05-405B-807E-C750238EE396}" type="parTrans" cxnId="{43922239-D096-4A6D-A3C4-CAC0B30646DA}">
+      <dgm:prSet/>
+      <dgm:spPr/>
+      <dgm:t>
+        <a:bodyPr/>
+        <a:lstStyle/>
+        <a:p>
+          <a:endParaRPr lang="en-US"/>
+        </a:p>
+      </dgm:t>
+    </dgm:pt>
+    <dgm:pt modelId="{D00843E8-0B58-45B7-B93D-2216010C5043}" type="sibTrans" cxnId="{43922239-D096-4A6D-A3C4-CAC0B30646DA}">
+      <dgm:prSet/>
+      <dgm:spPr/>
+      <dgm:t>
+        <a:bodyPr/>
+        <a:lstStyle/>
+        <a:p>
+          <a:endParaRPr lang="en-US"/>
+        </a:p>
+      </dgm:t>
+    </dgm:pt>
+    <dgm:pt modelId="{6C67E3DC-E2FC-42EB-A760-7256424433D8}" type="pres">
+      <dgm:prSet presAssocID="{D8608394-DDD3-494E-84F3-AA27F15016B9}" presName="root" presStyleCnt="0">
+        <dgm:presLayoutVars>
+          <dgm:dir/>
+          <dgm:resizeHandles val="exact"/>
+        </dgm:presLayoutVars>
+      </dgm:prSet>
+      <dgm:spPr/>
+    </dgm:pt>
+    <dgm:pt modelId="{D63DEDE6-5597-4F50-985F-029733966358}" type="pres">
+      <dgm:prSet presAssocID="{09962930-0DED-4428-BB59-44994D085036}" presName="compNode" presStyleCnt="0"/>
+      <dgm:spPr/>
+    </dgm:pt>
+    <dgm:pt modelId="{BD9B61ED-6CDE-47A6-BDCB-A6FA9C6BD029}" type="pres">
+      <dgm:prSet presAssocID="{09962930-0DED-4428-BB59-44994D085036}" presName="iconRect" presStyleLbl="node1" presStyleIdx="0" presStyleCnt="2" custScaleY="86977" custLinFactNeighborX="666" custLinFactNeighborY="10698"/>
+      <dgm:spPr>
+        <a:blipFill>
+          <a:blip xmlns:r="http://schemas.openxmlformats.org/officeDocument/2006/relationships" r:embed="rId1">
+            <a:extLst>
+              <a:ext uri="{28A0092B-C50C-407E-A947-70E740481C1C}">
+                <a14:useLocalDpi xmlns:a14="http://schemas.microsoft.com/office/drawing/2010/main" val="0"/>
+              </a:ext>
+            </a:extLst>
+          </a:blip>
+          <a:srcRect/>
+          <a:stretch>
+            <a:fillRect l="-12000" r="-12000"/>
+          </a:stretch>
+        </a:blipFill>
+        <a:ln>
+          <a:noFill/>
+        </a:ln>
+      </dgm:spPr>
+      <dgm:extLst/>
+    </dgm:pt>
+    <dgm:pt modelId="{71707CE9-449D-4E21-91EF-F2AEC4AFA186}" type="pres">
+      <dgm:prSet presAssocID="{09962930-0DED-4428-BB59-44994D085036}" presName="iconSpace" presStyleCnt="0"/>
+      <dgm:spPr/>
+    </dgm:pt>
+    <dgm:pt modelId="{4355D05C-B9EF-4181-9807-A8F98C68EF3C}" type="pres">
+      <dgm:prSet presAssocID="{09962930-0DED-4428-BB59-44994D085036}" presName="parTx" presStyleLbl="revTx" presStyleIdx="0" presStyleCnt="4">
+        <dgm:presLayoutVars>
+          <dgm:chMax val="0"/>
+          <dgm:chPref val="0"/>
+        </dgm:presLayoutVars>
+      </dgm:prSet>
+      <dgm:spPr/>
+    </dgm:pt>
+    <dgm:pt modelId="{859C0ABF-D0A9-4340-A73D-F84222FAD318}" type="pres">
+      <dgm:prSet presAssocID="{09962930-0DED-4428-BB59-44994D085036}" presName="txSpace" presStyleCnt="0"/>
+      <dgm:spPr/>
+    </dgm:pt>
+    <dgm:pt modelId="{57023233-3ADE-4E44-BC87-5E5C980F27D6}" type="pres">
+      <dgm:prSet presAssocID="{09962930-0DED-4428-BB59-44994D085036}" presName="desTx" presStyleLbl="revTx" presStyleIdx="1" presStyleCnt="4" custLinFactNeighborX="9866" custLinFactNeighborY="-17101">
+        <dgm:presLayoutVars/>
+      </dgm:prSet>
+      <dgm:spPr/>
+    </dgm:pt>
+    <dgm:pt modelId="{B9AAEFC5-9869-4177-9106-C17CE98377F1}" type="pres">
+      <dgm:prSet presAssocID="{EB3368F2-4681-4DF5-9332-4CEF07EB02A6}" presName="sibTrans" presStyleCnt="0"/>
+      <dgm:spPr/>
+    </dgm:pt>
+    <dgm:pt modelId="{2EBF3831-B8A4-4103-83C6-61BB3CD6F824}" type="pres">
+      <dgm:prSet presAssocID="{DB194A95-043C-4C7F-92E4-5157484DC8CE}" presName="compNode" presStyleCnt="0"/>
+      <dgm:spPr/>
+    </dgm:pt>
+    <dgm:pt modelId="{37BA8612-86FB-409D-B4EA-C5A9F53228C4}" type="pres">
+      <dgm:prSet presAssocID="{DB194A95-043C-4C7F-92E4-5157484DC8CE}" presName="iconRect" presStyleLbl="node1" presStyleIdx="1" presStyleCnt="2"/>
+      <dgm:spPr>
+        <a:blipFill>
+          <a:blip xmlns:r="http://schemas.openxmlformats.org/officeDocument/2006/relationships" r:embed="rId2">
+            <a:extLst>
+              <a:ext uri="{28A0092B-C50C-407E-A947-70E740481C1C}">
+                <a14:useLocalDpi xmlns:a14="http://schemas.microsoft.com/office/drawing/2010/main" val="0"/>
+              </a:ext>
+              <a:ext uri="{96DAC541-7B7A-43D3-8B79-37D633B846F1}">
+                <asvg:svgBlip xmlns:asvg="http://schemas.microsoft.com/office/drawing/2016/SVG/main" r:embed="rId3"/>
+              </a:ext>
+            </a:extLst>
+          </a:blip>
+          <a:stretch>
+            <a:fillRect/>
+          </a:stretch>
+        </a:blipFill>
+        <a:ln>
+          <a:noFill/>
+        </a:ln>
+      </dgm:spPr>
+      <dgm:extLst>
+        <a:ext uri="{E40237B7-FDA0-4F09-8148-C483321AD2D9}">
+          <dgm14:cNvPr xmlns:dgm14="http://schemas.microsoft.com/office/drawing/2010/diagram" id="0" name="" descr="Gears"/>
+        </a:ext>
+      </dgm:extLst>
+    </dgm:pt>
+    <dgm:pt modelId="{B3983EAF-D020-496C-81D4-92DBA49C971C}" type="pres">
+      <dgm:prSet presAssocID="{DB194A95-043C-4C7F-92E4-5157484DC8CE}" presName="iconSpace" presStyleCnt="0"/>
+      <dgm:spPr/>
+    </dgm:pt>
+    <dgm:pt modelId="{0B835DC4-7396-4EE4-88BD-A83EC4BE042F}" type="pres">
+      <dgm:prSet presAssocID="{DB194A95-043C-4C7F-92E4-5157484DC8CE}" presName="parTx" presStyleLbl="revTx" presStyleIdx="2" presStyleCnt="4">
+        <dgm:presLayoutVars>
+          <dgm:chMax val="0"/>
+          <dgm:chPref val="0"/>
+        </dgm:presLayoutVars>
+      </dgm:prSet>
+      <dgm:spPr/>
+    </dgm:pt>
+    <dgm:pt modelId="{2320E48F-2DE1-4CD4-B64D-078806B7D29B}" type="pres">
+      <dgm:prSet presAssocID="{DB194A95-043C-4C7F-92E4-5157484DC8CE}" presName="txSpace" presStyleCnt="0"/>
+      <dgm:spPr/>
+    </dgm:pt>
+    <dgm:pt modelId="{124444FF-E7D8-4FFA-9239-EF16F8289CA1}" type="pres">
+      <dgm:prSet presAssocID="{DB194A95-043C-4C7F-92E4-5157484DC8CE}" presName="desTx" presStyleLbl="revTx" presStyleIdx="3" presStyleCnt="4" custLinFactNeighborX="-2649" custLinFactNeighborY="-19039">
+        <dgm:presLayoutVars/>
+      </dgm:prSet>
+      <dgm:spPr/>
+    </dgm:pt>
+  </dgm:ptLst>
+  <dgm:cxnLst>
+    <dgm:cxn modelId="{F7AC1402-418F-4A98-AE96-E5D2CA92D827}" type="presOf" srcId="{5E62648A-E4A3-40FC-8CB4-F27C415D2202}" destId="{124444FF-E7D8-4FFA-9239-EF16F8289CA1}" srcOrd="0" destOrd="3" presId="urn:microsoft.com/office/officeart/2018/5/layout/CenteredIconLabelDescriptionList"/>
+    <dgm:cxn modelId="{ED1C881A-C370-4E62-9ABA-E3CB97FC3CD8}" type="presOf" srcId="{249B6111-2CDA-47FD-B8F2-83B16FAB241F}" destId="{124444FF-E7D8-4FFA-9239-EF16F8289CA1}" srcOrd="0" destOrd="0" presId="urn:microsoft.com/office/officeart/2018/5/layout/CenteredIconLabelDescriptionList"/>
+    <dgm:cxn modelId="{1395111C-787D-4A83-9E86-0B5860884D7C}" srcId="{DB194A95-043C-4C7F-92E4-5157484DC8CE}" destId="{5BB3E050-7DC8-4910-B4DE-60C8642C9F22}" srcOrd="2" destOrd="0" parTransId="{DFB8D882-826A-42D1-93E4-C3D473938DAF}" sibTransId="{4CA050E1-FE7A-4247-A369-588DF084A838}"/>
+    <dgm:cxn modelId="{313A7C1C-58CE-4A41-9FDD-A94AE9248A44}" type="presOf" srcId="{DB194A95-043C-4C7F-92E4-5157484DC8CE}" destId="{0B835DC4-7396-4EE4-88BD-A83EC4BE042F}" srcOrd="0" destOrd="0" presId="urn:microsoft.com/office/officeart/2018/5/layout/CenteredIconLabelDescriptionList"/>
+    <dgm:cxn modelId="{3E0CB925-F649-47E6-9DB5-481B3C6F4803}" type="presOf" srcId="{9E002462-8A87-45EC-8B67-F8429A63E0B6}" destId="{124444FF-E7D8-4FFA-9239-EF16F8289CA1}" srcOrd="0" destOrd="4" presId="urn:microsoft.com/office/officeart/2018/5/layout/CenteredIconLabelDescriptionList"/>
+    <dgm:cxn modelId="{43922239-D096-4A6D-A3C4-CAC0B30646DA}" srcId="{DB194A95-043C-4C7F-92E4-5157484DC8CE}" destId="{9E002462-8A87-45EC-8B67-F8429A63E0B6}" srcOrd="4" destOrd="0" parTransId="{1F6984F2-7D05-405B-807E-C750238EE396}" sibTransId="{D00843E8-0B58-45B7-B93D-2216010C5043}"/>
+    <dgm:cxn modelId="{1B4E0964-F2F1-4B48-AAA4-A1957C99200B}" srcId="{D8608394-DDD3-494E-84F3-AA27F15016B9}" destId="{DB194A95-043C-4C7F-92E4-5157484DC8CE}" srcOrd="1" destOrd="0" parTransId="{581A3161-106A-4403-8893-5CA85F46A8EC}" sibTransId="{2300487B-23AB-4D9E-A061-DFAC6B976BBF}"/>
+    <dgm:cxn modelId="{5E858964-BFC1-41ED-927E-D79208AFCAA7}" type="presOf" srcId="{5BB3E050-7DC8-4910-B4DE-60C8642C9F22}" destId="{124444FF-E7D8-4FFA-9239-EF16F8289CA1}" srcOrd="0" destOrd="2" presId="urn:microsoft.com/office/officeart/2018/5/layout/CenteredIconLabelDescriptionList"/>
+    <dgm:cxn modelId="{32C9E56B-D719-4FED-981E-09789C9DA2E3}" type="presOf" srcId="{D8608394-DDD3-494E-84F3-AA27F15016B9}" destId="{6C67E3DC-E2FC-42EB-A760-7256424433D8}" srcOrd="0" destOrd="0" presId="urn:microsoft.com/office/officeart/2018/5/layout/CenteredIconLabelDescriptionList"/>
+    <dgm:cxn modelId="{09E5FA75-A4F5-403E-B924-735D4560C6BC}" srcId="{09962930-0DED-4428-BB59-44994D085036}" destId="{EAB084D5-0917-4C97-B093-14D9EEDDEED4}" srcOrd="4" destOrd="0" parTransId="{968CE02D-F3F5-4CC9-972D-FDB675B6F86A}" sibTransId="{1F9345DF-83AA-427E-B25D-19905A4D346A}"/>
+    <dgm:cxn modelId="{229CB681-5A2C-46BE-B278-2AC089174DF1}" srcId="{DB194A95-043C-4C7F-92E4-5157484DC8CE}" destId="{5E62648A-E4A3-40FC-8CB4-F27C415D2202}" srcOrd="3" destOrd="0" parTransId="{886AF332-6F2A-478A-A7F3-AF371BA4ABFB}" sibTransId="{7B4F6D00-7340-4542-83E8-3F95F5829380}"/>
+    <dgm:cxn modelId="{BA43F384-43E0-42DD-B8CD-EA114AF7376F}" type="presOf" srcId="{8FECB87E-8A58-41B0-997A-DDCA6A39039D}" destId="{57023233-3ADE-4E44-BC87-5E5C980F27D6}" srcOrd="0" destOrd="2" presId="urn:microsoft.com/office/officeart/2018/5/layout/CenteredIconLabelDescriptionList"/>
+    <dgm:cxn modelId="{48E8B086-0043-4D84-9BB7-E7AAEAD10A93}" type="presOf" srcId="{B4F85982-6A2E-4757-8F9C-84EF651A7CD4}" destId="{57023233-3ADE-4E44-BC87-5E5C980F27D6}" srcOrd="0" destOrd="1" presId="urn:microsoft.com/office/officeart/2018/5/layout/CenteredIconLabelDescriptionList"/>
+    <dgm:cxn modelId="{707CBB88-FC05-4A1C-AF83-BEA40109AF67}" type="presOf" srcId="{EAB084D5-0917-4C97-B093-14D9EEDDEED4}" destId="{57023233-3ADE-4E44-BC87-5E5C980F27D6}" srcOrd="0" destOrd="4" presId="urn:microsoft.com/office/officeart/2018/5/layout/CenteredIconLabelDescriptionList"/>
+    <dgm:cxn modelId="{BE67188C-8753-4DC2-899F-D7CFD3E7BB18}" srcId="{09962930-0DED-4428-BB59-44994D085036}" destId="{9293E22E-8C3B-4FD8-9CA7-300B4A878D5B}" srcOrd="0" destOrd="0" parTransId="{1AA25122-1B9C-4B9F-88B7-63D4D1C76D84}" sibTransId="{622273A5-2CDD-44AE-83AA-AE26C1EE14C7}"/>
+    <dgm:cxn modelId="{780D688E-B977-45F0-B429-C3D36408E05C}" type="presOf" srcId="{9293E22E-8C3B-4FD8-9CA7-300B4A878D5B}" destId="{57023233-3ADE-4E44-BC87-5E5C980F27D6}" srcOrd="0" destOrd="0" presId="urn:microsoft.com/office/officeart/2018/5/layout/CenteredIconLabelDescriptionList"/>
+    <dgm:cxn modelId="{DC208F8F-CDAB-4849-8D53-D26DA0F51026}" srcId="{DB194A95-043C-4C7F-92E4-5157484DC8CE}" destId="{52F033AC-6E27-4D23-A66A-8B9ABFE3D04F}" srcOrd="1" destOrd="0" parTransId="{AE32C545-448E-4AEC-BCAA-5D62943979A2}" sibTransId="{BCF809C5-64B8-4DB3-AC91-F617310377A7}"/>
+    <dgm:cxn modelId="{180331A2-EA70-4D76-AA38-1D646E3287EA}" srcId="{D8608394-DDD3-494E-84F3-AA27F15016B9}" destId="{09962930-0DED-4428-BB59-44994D085036}" srcOrd="0" destOrd="0" parTransId="{3BEF81FF-165D-4307-AF29-974379663DFC}" sibTransId="{EB3368F2-4681-4DF5-9332-4CEF07EB02A6}"/>
+    <dgm:cxn modelId="{4AB576A7-60E2-4B38-ABA1-0E0512DFA4D7}" type="presOf" srcId="{1F12B1E0-AEF5-4270-A606-F188D94F78A4}" destId="{57023233-3ADE-4E44-BC87-5E5C980F27D6}" srcOrd="0" destOrd="3" presId="urn:microsoft.com/office/officeart/2018/5/layout/CenteredIconLabelDescriptionList"/>
+    <dgm:cxn modelId="{DA7A1BA9-AF49-4A3C-A150-70411DC2E5FF}" srcId="{DB194A95-043C-4C7F-92E4-5157484DC8CE}" destId="{249B6111-2CDA-47FD-B8F2-83B16FAB241F}" srcOrd="0" destOrd="0" parTransId="{C5A6D679-37FD-40C7-B1A0-0304D8147D51}" sibTransId="{82374B9A-7523-418E-B434-E073B8285991}"/>
+    <dgm:cxn modelId="{37D1A6AF-C3D8-4235-BEC3-B432C18ED65A}" srcId="{09962930-0DED-4428-BB59-44994D085036}" destId="{B4F85982-6A2E-4757-8F9C-84EF651A7CD4}" srcOrd="1" destOrd="0" parTransId="{DF6E5227-1C01-4917-8120-596791A09A84}" sibTransId="{8173B308-44B8-4FB9-A310-A33BC3FCEEE5}"/>
+    <dgm:cxn modelId="{BA7B0BBA-1F91-4B63-B3B8-C7E4105DBAEC}" type="presOf" srcId="{09962930-0DED-4428-BB59-44994D085036}" destId="{4355D05C-B9EF-4181-9807-A8F98C68EF3C}" srcOrd="0" destOrd="0" presId="urn:microsoft.com/office/officeart/2018/5/layout/CenteredIconLabelDescriptionList"/>
+    <dgm:cxn modelId="{E2DD52BD-9851-43CF-A8C9-6DD887E8B48B}" type="presOf" srcId="{52F033AC-6E27-4D23-A66A-8B9ABFE3D04F}" destId="{124444FF-E7D8-4FFA-9239-EF16F8289CA1}" srcOrd="0" destOrd="1" presId="urn:microsoft.com/office/officeart/2018/5/layout/CenteredIconLabelDescriptionList"/>
+    <dgm:cxn modelId="{182721C8-424B-487D-AE9F-678DC36AB02C}" srcId="{09962930-0DED-4428-BB59-44994D085036}" destId="{8FECB87E-8A58-41B0-997A-DDCA6A39039D}" srcOrd="2" destOrd="0" parTransId="{8C14B763-85FD-4125-A465-9D4E735C7678}" sibTransId="{DBD424D4-B68A-4626-BE13-0B0F0BB5D211}"/>
+    <dgm:cxn modelId="{25AEAAE2-C133-4004-8874-B49DED58986C}" srcId="{09962930-0DED-4428-BB59-44994D085036}" destId="{1F12B1E0-AEF5-4270-A606-F188D94F78A4}" srcOrd="3" destOrd="0" parTransId="{A22D7BA5-D405-40F8-A72B-34C3DCA9D013}" sibTransId="{9B79EA9E-3C2F-4A78-B70C-C036A29A0C9A}"/>
+    <dgm:cxn modelId="{DCD98A3D-038A-4AC7-A3A6-475DF27AB3BF}" type="presParOf" srcId="{6C67E3DC-E2FC-42EB-A760-7256424433D8}" destId="{D63DEDE6-5597-4F50-985F-029733966358}" srcOrd="0" destOrd="0" presId="urn:microsoft.com/office/officeart/2018/5/layout/CenteredIconLabelDescriptionList"/>
+    <dgm:cxn modelId="{ED95EE70-A1FC-4DA6-AD22-EA1C83E4F89A}" type="presParOf" srcId="{D63DEDE6-5597-4F50-985F-029733966358}" destId="{BD9B61ED-6CDE-47A6-BDCB-A6FA9C6BD029}" srcOrd="0" destOrd="0" presId="urn:microsoft.com/office/officeart/2018/5/layout/CenteredIconLabelDescriptionList"/>
+    <dgm:cxn modelId="{E31337CF-8960-4297-BD54-701848D69C52}" type="presParOf" srcId="{D63DEDE6-5597-4F50-985F-029733966358}" destId="{71707CE9-449D-4E21-91EF-F2AEC4AFA186}" srcOrd="1" destOrd="0" presId="urn:microsoft.com/office/officeart/2018/5/layout/CenteredIconLabelDescriptionList"/>
+    <dgm:cxn modelId="{8C0EFA03-2A94-4283-BFD1-24F075975F7A}" type="presParOf" srcId="{D63DEDE6-5597-4F50-985F-029733966358}" destId="{4355D05C-B9EF-4181-9807-A8F98C68EF3C}" srcOrd="2" destOrd="0" presId="urn:microsoft.com/office/officeart/2018/5/layout/CenteredIconLabelDescriptionList"/>
+    <dgm:cxn modelId="{AF7BA414-62A0-4B56-9CBE-888EA315851D}" type="presParOf" srcId="{D63DEDE6-5597-4F50-985F-029733966358}" destId="{859C0ABF-D0A9-4340-A73D-F84222FAD318}" srcOrd="3" destOrd="0" presId="urn:microsoft.com/office/officeart/2018/5/layout/CenteredIconLabelDescriptionList"/>
+    <dgm:cxn modelId="{2AA02575-549F-4A0E-948E-DB15439F8818}" type="presParOf" srcId="{D63DEDE6-5597-4F50-985F-029733966358}" destId="{57023233-3ADE-4E44-BC87-5E5C980F27D6}" srcOrd="4" destOrd="0" presId="urn:microsoft.com/office/officeart/2018/5/layout/CenteredIconLabelDescriptionList"/>
+    <dgm:cxn modelId="{24AC4F98-08BE-48BE-81F6-5B7377744337}" type="presParOf" srcId="{6C67E3DC-E2FC-42EB-A760-7256424433D8}" destId="{B9AAEFC5-9869-4177-9106-C17CE98377F1}" srcOrd="1" destOrd="0" presId="urn:microsoft.com/office/officeart/2018/5/layout/CenteredIconLabelDescriptionList"/>
+    <dgm:cxn modelId="{98831D9B-19EF-4504-9B4B-2776B59D2E91}" type="presParOf" srcId="{6C67E3DC-E2FC-42EB-A760-7256424433D8}" destId="{2EBF3831-B8A4-4103-83C6-61BB3CD6F824}" srcOrd="2" destOrd="0" presId="urn:microsoft.com/office/officeart/2018/5/layout/CenteredIconLabelDescriptionList"/>
+    <dgm:cxn modelId="{A9B0D0F2-E081-4E21-927C-2E394E1AAAA0}" type="presParOf" srcId="{2EBF3831-B8A4-4103-83C6-61BB3CD6F824}" destId="{37BA8612-86FB-409D-B4EA-C5A9F53228C4}" srcOrd="0" destOrd="0" presId="urn:microsoft.com/office/officeart/2018/5/layout/CenteredIconLabelDescriptionList"/>
+    <dgm:cxn modelId="{18FB8117-573C-4E60-AB93-BB3A6254F49A}" type="presParOf" srcId="{2EBF3831-B8A4-4103-83C6-61BB3CD6F824}" destId="{B3983EAF-D020-496C-81D4-92DBA49C971C}" srcOrd="1" destOrd="0" presId="urn:microsoft.com/office/officeart/2018/5/layout/CenteredIconLabelDescriptionList"/>
+    <dgm:cxn modelId="{EA254FA1-33DC-4143-8D29-8BA48E028B6B}" type="presParOf" srcId="{2EBF3831-B8A4-4103-83C6-61BB3CD6F824}" destId="{0B835DC4-7396-4EE4-88BD-A83EC4BE042F}" srcOrd="2" destOrd="0" presId="urn:microsoft.com/office/officeart/2018/5/layout/CenteredIconLabelDescriptionList"/>
+    <dgm:cxn modelId="{9037A247-F2A3-430C-AD81-02C6D7B6140A}" type="presParOf" srcId="{2EBF3831-B8A4-4103-83C6-61BB3CD6F824}" destId="{2320E48F-2DE1-4CD4-B64D-078806B7D29B}" srcOrd="3" destOrd="0" presId="urn:microsoft.com/office/officeart/2018/5/layout/CenteredIconLabelDescriptionList"/>
+    <dgm:cxn modelId="{F371E23E-7045-4743-B033-6ACA3D61798F}" type="presParOf" srcId="{2EBF3831-B8A4-4103-83C6-61BB3CD6F824}" destId="{124444FF-E7D8-4FFA-9239-EF16F8289CA1}" srcOrd="4" destOrd="0" presId="urn:microsoft.com/office/officeart/2018/5/layout/CenteredIconLabelDescriptionList"/>
   </dgm:cxnLst>
   <dgm:bg/>
   <dgm:whole/>
@@ -11010,6 +12580,516 @@
 </dsp:drawing>
 </file>
 
+<file path=ppt/diagrams/drawing6.xml><?xml version="1.0" encoding="utf-8"?>
+<dsp:drawing xmlns:dgm="http://schemas.openxmlformats.org/drawingml/2006/diagram" xmlns:dsp="http://schemas.microsoft.com/office/drawing/2008/diagram" xmlns:a="http://schemas.openxmlformats.org/drawingml/2006/main">
+  <dsp:spTree>
+    <dsp:nvGrpSpPr>
+      <dsp:cNvPr id="0" name=""/>
+      <dsp:cNvGrpSpPr/>
+    </dsp:nvGrpSpPr>
+    <dsp:grpSpPr/>
+    <dsp:sp modelId="{BD9B61ED-6CDE-47A6-BDCB-A6FA9C6BD029}">
+      <dsp:nvSpPr>
+        <dsp:cNvPr id="0" name=""/>
+        <dsp:cNvSpPr/>
+      </dsp:nvSpPr>
+      <dsp:spPr>
+        <a:xfrm>
+          <a:off x="1977076" y="380401"/>
+          <a:ext cx="1510523" cy="980382"/>
+        </a:xfrm>
+        <a:prstGeom prst="rect">
+          <a:avLst/>
+        </a:prstGeom>
+        <a:blipFill>
+          <a:blip xmlns:r="http://schemas.openxmlformats.org/officeDocument/2006/relationships" r:embed="rId1">
+            <a:extLst>
+              <a:ext uri="{28A0092B-C50C-407E-A947-70E740481C1C}">
+                <a14:useLocalDpi xmlns:a14="http://schemas.microsoft.com/office/drawing/2010/main" val="0"/>
+              </a:ext>
+            </a:extLst>
+          </a:blip>
+          <a:srcRect/>
+          <a:stretch>
+            <a:fillRect l="-12000" r="-12000"/>
+          </a:stretch>
+        </a:blipFill>
+        <a:ln>
+          <a:noFill/>
+        </a:ln>
+        <a:effectLst>
+          <a:outerShdw blurRad="40000" dist="23000" dir="5400000" rotWithShape="0">
+            <a:srgbClr val="000000">
+              <a:alpha val="35000"/>
+            </a:srgbClr>
+          </a:outerShdw>
+        </a:effectLst>
+      </dsp:spPr>
+      <dsp:style>
+        <a:lnRef idx="0">
+          <a:scrgbClr r="0" g="0" b="0"/>
+        </a:lnRef>
+        <a:fillRef idx="3">
+          <a:scrgbClr r="0" g="0" b="0"/>
+        </a:fillRef>
+        <a:effectRef idx="2">
+          <a:scrgbClr r="0" g="0" b="0"/>
+        </a:effectRef>
+        <a:fontRef idx="minor">
+          <a:schemeClr val="lt1"/>
+        </a:fontRef>
+      </dsp:style>
+    </dsp:sp>
+    <dsp:sp modelId="{4355D05C-B9EF-4181-9807-A8F98C68EF3C}">
+      <dsp:nvSpPr>
+        <dsp:cNvPr id="0" name=""/>
+        <dsp:cNvSpPr/>
+      </dsp:nvSpPr>
+      <dsp:spPr>
+        <a:xfrm>
+          <a:off x="564387" y="1481597"/>
+          <a:ext cx="4315781" cy="638565"/>
+        </a:xfrm>
+        <a:prstGeom prst="rect">
+          <a:avLst/>
+        </a:prstGeom>
+        <a:noFill/>
+        <a:ln>
+          <a:noFill/>
+        </a:ln>
+        <a:effectLst/>
+      </dsp:spPr>
+      <dsp:style>
+        <a:lnRef idx="0">
+          <a:scrgbClr r="0" g="0" b="0"/>
+        </a:lnRef>
+        <a:fillRef idx="0">
+          <a:scrgbClr r="0" g="0" b="0"/>
+        </a:fillRef>
+        <a:effectRef idx="0">
+          <a:scrgbClr r="0" g="0" b="0"/>
+        </a:effectRef>
+        <a:fontRef idx="minor"/>
+      </dsp:style>
+      <dsp:txBody>
+        <a:bodyPr spcFirstLastPara="0" vert="horz" wrap="square" lIns="0" tIns="0" rIns="0" bIns="0" numCol="1" spcCol="1270" anchor="t" anchorCtr="0">
+          <a:noAutofit/>
+        </a:bodyPr>
+        <a:lstStyle/>
+        <a:p>
+          <a:pPr marL="0" lvl="0" indent="0" algn="ctr" defTabSz="800100">
+            <a:lnSpc>
+              <a:spcPct val="90000"/>
+            </a:lnSpc>
+            <a:spcBef>
+              <a:spcPct val="0"/>
+            </a:spcBef>
+            <a:spcAft>
+              <a:spcPct val="35000"/>
+            </a:spcAft>
+            <a:buNone/>
+            <a:defRPr b="1"/>
+          </a:pPr>
+          <a:r>
+            <a:rPr lang="en-US" sz="1800" kern="1200"/>
+            <a:t>Logic App are better suited</a:t>
+          </a:r>
+        </a:p>
+      </dsp:txBody>
+      <dsp:txXfrm>
+        <a:off x="564387" y="1481597"/>
+        <a:ext cx="4315781" cy="638565"/>
+      </dsp:txXfrm>
+    </dsp:sp>
+    <dsp:sp modelId="{57023233-3ADE-4E44-BC87-5E5C980F27D6}">
+      <dsp:nvSpPr>
+        <dsp:cNvPr id="0" name=""/>
+        <dsp:cNvSpPr/>
+      </dsp:nvSpPr>
+      <dsp:spPr>
+        <a:xfrm>
+          <a:off x="990182" y="1874545"/>
+          <a:ext cx="4315781" cy="1893217"/>
+        </a:xfrm>
+        <a:prstGeom prst="rect">
+          <a:avLst/>
+        </a:prstGeom>
+        <a:noFill/>
+        <a:ln>
+          <a:noFill/>
+        </a:ln>
+        <a:effectLst/>
+      </dsp:spPr>
+      <dsp:style>
+        <a:lnRef idx="0">
+          <a:scrgbClr r="0" g="0" b="0"/>
+        </a:lnRef>
+        <a:fillRef idx="0">
+          <a:scrgbClr r="0" g="0" b="0"/>
+        </a:fillRef>
+        <a:effectRef idx="0">
+          <a:scrgbClr r="0" g="0" b="0"/>
+        </a:effectRef>
+        <a:fontRef idx="minor"/>
+      </dsp:style>
+      <dsp:txBody>
+        <a:bodyPr spcFirstLastPara="0" vert="horz" wrap="square" lIns="0" tIns="0" rIns="0" bIns="0" numCol="1" spcCol="1270" anchor="t" anchorCtr="0">
+          <a:noAutofit/>
+        </a:bodyPr>
+        <a:lstStyle/>
+        <a:p>
+          <a:pPr marL="0" lvl="0" indent="0" algn="ctr" defTabSz="622300">
+            <a:lnSpc>
+              <a:spcPct val="90000"/>
+            </a:lnSpc>
+            <a:spcBef>
+              <a:spcPct val="0"/>
+            </a:spcBef>
+            <a:spcAft>
+              <a:spcPct val="35000"/>
+            </a:spcAft>
+            <a:buFont typeface="Arial" panose="020B0604020202020204" pitchFamily="34" charset="0"/>
+            <a:buNone/>
+          </a:pPr>
+          <a:r>
+            <a:rPr lang="en-US" sz="1400" kern="1200"/>
+            <a:t>Build integration with extensive list of connectors.</a:t>
+          </a:r>
+        </a:p>
+        <a:p>
+          <a:pPr marL="0" lvl="0" indent="0" algn="ctr" defTabSz="622300">
+            <a:lnSpc>
+              <a:spcPct val="90000"/>
+            </a:lnSpc>
+            <a:spcBef>
+              <a:spcPct val="0"/>
+            </a:spcBef>
+            <a:spcAft>
+              <a:spcPct val="35000"/>
+            </a:spcAft>
+            <a:buFont typeface="Arial" panose="020B0604020202020204" pitchFamily="34" charset="0"/>
+            <a:buNone/>
+          </a:pPr>
+          <a:r>
+            <a:rPr lang="en-US" sz="1400" kern="1200"/>
+            <a:t>Visual studio tools to develop, manage and troubleshoot workflow.</a:t>
+          </a:r>
+        </a:p>
+        <a:p>
+          <a:pPr marL="0" lvl="0" indent="0" algn="ctr" defTabSz="622300">
+            <a:lnSpc>
+              <a:spcPct val="90000"/>
+            </a:lnSpc>
+            <a:spcBef>
+              <a:spcPct val="0"/>
+            </a:spcBef>
+            <a:spcAft>
+              <a:spcPct val="35000"/>
+            </a:spcAft>
+            <a:buFont typeface="Arial" panose="020B0604020202020204" pitchFamily="34" charset="0"/>
+            <a:buNone/>
+          </a:pPr>
+          <a:r>
+            <a:rPr lang="en-US" sz="1400" kern="1200"/>
+            <a:t>Run only on Azure.</a:t>
+          </a:r>
+        </a:p>
+        <a:p>
+          <a:pPr marL="0" lvl="0" indent="0" algn="ctr" defTabSz="622300">
+            <a:lnSpc>
+              <a:spcPct val="90000"/>
+            </a:lnSpc>
+            <a:spcBef>
+              <a:spcPct val="0"/>
+            </a:spcBef>
+            <a:spcAft>
+              <a:spcPct val="35000"/>
+            </a:spcAft>
+            <a:buFont typeface="Arial" panose="020B0604020202020204" pitchFamily="34" charset="0"/>
+            <a:buNone/>
+          </a:pPr>
+          <a:r>
+            <a:rPr lang="en-US" sz="1400" kern="1200"/>
+            <a:t>Reduce time to Market.</a:t>
+          </a:r>
+        </a:p>
+        <a:p>
+          <a:pPr marL="0" lvl="0" indent="0" algn="ctr" defTabSz="622300">
+            <a:lnSpc>
+              <a:spcPct val="90000"/>
+            </a:lnSpc>
+            <a:spcBef>
+              <a:spcPct val="0"/>
+            </a:spcBef>
+            <a:spcAft>
+              <a:spcPct val="35000"/>
+            </a:spcAft>
+            <a:buFont typeface="Arial" panose="020B0604020202020204" pitchFamily="34" charset="0"/>
+            <a:buNone/>
+          </a:pPr>
+          <a:r>
+            <a:rPr lang="en-US" sz="1400" kern="1200"/>
+            <a:t>It is ok to have plugin installed on premise to perform connection activity.</a:t>
+          </a:r>
+        </a:p>
+      </dsp:txBody>
+      <dsp:txXfrm>
+        <a:off x="990182" y="1874545"/>
+        <a:ext cx="4315781" cy="1893217"/>
+      </dsp:txXfrm>
+    </dsp:sp>
+    <dsp:sp modelId="{37BA8612-86FB-409D-B4EA-C5A9F53228C4}">
+      <dsp:nvSpPr>
+        <dsp:cNvPr id="0" name=""/>
+        <dsp:cNvSpPr/>
+      </dsp:nvSpPr>
+      <dsp:spPr>
+        <a:xfrm>
+          <a:off x="7038059" y="223118"/>
+          <a:ext cx="1510523" cy="1127173"/>
+        </a:xfrm>
+        <a:prstGeom prst="rect">
+          <a:avLst/>
+        </a:prstGeom>
+        <a:blipFill>
+          <a:blip xmlns:r="http://schemas.openxmlformats.org/officeDocument/2006/relationships" r:embed="rId2">
+            <a:extLst>
+              <a:ext uri="{28A0092B-C50C-407E-A947-70E740481C1C}">
+                <a14:useLocalDpi xmlns:a14="http://schemas.microsoft.com/office/drawing/2010/main" val="0"/>
+              </a:ext>
+              <a:ext uri="{96DAC541-7B7A-43D3-8B79-37D633B846F1}">
+                <asvg:svgBlip xmlns:asvg="http://schemas.microsoft.com/office/drawing/2016/SVG/main" r:embed="rId3"/>
+              </a:ext>
+            </a:extLst>
+          </a:blip>
+          <a:stretch>
+            <a:fillRect/>
+          </a:stretch>
+        </a:blipFill>
+        <a:ln>
+          <a:noFill/>
+        </a:ln>
+        <a:effectLst>
+          <a:outerShdw blurRad="40000" dist="23000" dir="5400000" rotWithShape="0">
+            <a:srgbClr val="000000">
+              <a:alpha val="35000"/>
+            </a:srgbClr>
+          </a:outerShdw>
+        </a:effectLst>
+      </dsp:spPr>
+      <dsp:style>
+        <a:lnRef idx="0">
+          <a:scrgbClr r="0" g="0" b="0"/>
+        </a:lnRef>
+        <a:fillRef idx="3">
+          <a:scrgbClr r="0" g="0" b="0"/>
+        </a:fillRef>
+        <a:effectRef idx="2">
+          <a:scrgbClr r="0" g="0" b="0"/>
+        </a:effectRef>
+        <a:fontRef idx="minor">
+          <a:schemeClr val="lt1"/>
+        </a:fontRef>
+      </dsp:style>
+    </dsp:sp>
+    <dsp:sp modelId="{0B835DC4-7396-4EE4-88BD-A83EC4BE042F}">
+      <dsp:nvSpPr>
+        <dsp:cNvPr id="0" name=""/>
+        <dsp:cNvSpPr/>
+      </dsp:nvSpPr>
+      <dsp:spPr>
+        <a:xfrm>
+          <a:off x="5635430" y="1518295"/>
+          <a:ext cx="4315781" cy="638565"/>
+        </a:xfrm>
+        <a:prstGeom prst="rect">
+          <a:avLst/>
+        </a:prstGeom>
+        <a:noFill/>
+        <a:ln>
+          <a:noFill/>
+        </a:ln>
+        <a:effectLst/>
+      </dsp:spPr>
+      <dsp:style>
+        <a:lnRef idx="0">
+          <a:scrgbClr r="0" g="0" b="0"/>
+        </a:lnRef>
+        <a:fillRef idx="0">
+          <a:scrgbClr r="0" g="0" b="0"/>
+        </a:fillRef>
+        <a:effectRef idx="0">
+          <a:scrgbClr r="0" g="0" b="0"/>
+        </a:effectRef>
+        <a:fontRef idx="minor"/>
+      </dsp:style>
+      <dsp:txBody>
+        <a:bodyPr spcFirstLastPara="0" vert="horz" wrap="square" lIns="0" tIns="0" rIns="0" bIns="0" numCol="1" spcCol="1270" anchor="t" anchorCtr="0">
+          <a:noAutofit/>
+        </a:bodyPr>
+        <a:lstStyle/>
+        <a:p>
+          <a:pPr marL="0" lvl="0" indent="0" algn="ctr" defTabSz="800100">
+            <a:lnSpc>
+              <a:spcPct val="90000"/>
+            </a:lnSpc>
+            <a:spcBef>
+              <a:spcPct val="0"/>
+            </a:spcBef>
+            <a:spcAft>
+              <a:spcPct val="35000"/>
+            </a:spcAft>
+            <a:buNone/>
+            <a:defRPr b="1"/>
+          </a:pPr>
+          <a:r>
+            <a:rPr lang="en-US" sz="1800" kern="1200"/>
+            <a:t>Durable function are better suited</a:t>
+          </a:r>
+        </a:p>
+      </dsp:txBody>
+      <dsp:txXfrm>
+        <a:off x="5635430" y="1518295"/>
+        <a:ext cx="4315781" cy="638565"/>
+      </dsp:txXfrm>
+    </dsp:sp>
+    <dsp:sp modelId="{124444FF-E7D8-4FFA-9239-EF16F8289CA1}">
+      <dsp:nvSpPr>
+        <dsp:cNvPr id="0" name=""/>
+        <dsp:cNvSpPr/>
+      </dsp:nvSpPr>
+      <dsp:spPr>
+        <a:xfrm>
+          <a:off x="5521105" y="1874552"/>
+          <a:ext cx="4315781" cy="1893217"/>
+        </a:xfrm>
+        <a:prstGeom prst="rect">
+          <a:avLst/>
+        </a:prstGeom>
+        <a:noFill/>
+        <a:ln>
+          <a:noFill/>
+        </a:ln>
+        <a:effectLst/>
+      </dsp:spPr>
+      <dsp:style>
+        <a:lnRef idx="0">
+          <a:scrgbClr r="0" g="0" b="0"/>
+        </a:lnRef>
+        <a:fillRef idx="0">
+          <a:scrgbClr r="0" g="0" b="0"/>
+        </a:fillRef>
+        <a:effectRef idx="0">
+          <a:scrgbClr r="0" g="0" b="0"/>
+        </a:effectRef>
+        <a:fontRef idx="minor"/>
+      </dsp:style>
+      <dsp:txBody>
+        <a:bodyPr spcFirstLastPara="0" vert="horz" wrap="square" lIns="0" tIns="0" rIns="0" bIns="0" numCol="1" spcCol="1270" anchor="t" anchorCtr="0">
+          <a:noAutofit/>
+        </a:bodyPr>
+        <a:lstStyle/>
+        <a:p>
+          <a:pPr marL="0" lvl="0" indent="0" algn="ctr" defTabSz="622300">
+            <a:lnSpc>
+              <a:spcPct val="90000"/>
+            </a:lnSpc>
+            <a:spcBef>
+              <a:spcPct val="0"/>
+            </a:spcBef>
+            <a:spcAft>
+              <a:spcPct val="35000"/>
+            </a:spcAft>
+            <a:buNone/>
+          </a:pPr>
+          <a:r>
+            <a:rPr lang="en-US" sz="1400" kern="1200"/>
+            <a:t>The list of trigger and binding provided OOB is sufficient</a:t>
+          </a:r>
+        </a:p>
+        <a:p>
+          <a:pPr marL="0" lvl="0" indent="0" algn="ctr" defTabSz="622300">
+            <a:lnSpc>
+              <a:spcPct val="90000"/>
+            </a:lnSpc>
+            <a:spcBef>
+              <a:spcPct val="0"/>
+            </a:spcBef>
+            <a:spcAft>
+              <a:spcPct val="35000"/>
+            </a:spcAft>
+            <a:buNone/>
+          </a:pPr>
+          <a:r>
+            <a:rPr lang="en-US" sz="1400" kern="1200"/>
+            <a:t>There is enough time, resource and proficiency to build custom trigger and binding</a:t>
+          </a:r>
+        </a:p>
+        <a:p>
+          <a:pPr marL="0" lvl="0" indent="0" algn="ctr" defTabSz="622300">
+            <a:lnSpc>
+              <a:spcPct val="90000"/>
+            </a:lnSpc>
+            <a:spcBef>
+              <a:spcPct val="0"/>
+            </a:spcBef>
+            <a:spcAft>
+              <a:spcPct val="35000"/>
+            </a:spcAft>
+            <a:buNone/>
+          </a:pPr>
+          <a:r>
+            <a:rPr lang="en-US" sz="1400" kern="1200"/>
+            <a:t>There is already a good monitoring tools and capability to integrate the same with Azure function</a:t>
+          </a:r>
+        </a:p>
+        <a:p>
+          <a:pPr marL="0" lvl="0" indent="0" algn="ctr" defTabSz="622300">
+            <a:lnSpc>
+              <a:spcPct val="90000"/>
+            </a:lnSpc>
+            <a:spcBef>
+              <a:spcPct val="0"/>
+            </a:spcBef>
+            <a:spcAft>
+              <a:spcPct val="35000"/>
+            </a:spcAft>
+            <a:buNone/>
+          </a:pPr>
+          <a:r>
+            <a:rPr lang="en-US" sz="1400" kern="1200"/>
+            <a:t>Need to run outside azure also</a:t>
+          </a:r>
+        </a:p>
+        <a:p>
+          <a:pPr marL="0" lvl="0" indent="0" algn="ctr" defTabSz="622300">
+            <a:lnSpc>
+              <a:spcPct val="90000"/>
+            </a:lnSpc>
+            <a:spcBef>
+              <a:spcPct val="0"/>
+            </a:spcBef>
+            <a:spcAft>
+              <a:spcPct val="35000"/>
+            </a:spcAft>
+            <a:buNone/>
+          </a:pPr>
+          <a:r>
+            <a:rPr lang="en-IN" sz="1400" kern="1200"/>
+            <a:t>Preference to have all the power and flexibility of a robust programming language</a:t>
+          </a:r>
+          <a:endParaRPr lang="en-US" sz="1400" kern="1200"/>
+        </a:p>
+      </dsp:txBody>
+      <dsp:txXfrm>
+        <a:off x="5521105" y="1874552"/>
+        <a:ext cx="4315781" cy="1893217"/>
+      </dsp:txXfrm>
+    </dsp:sp>
+  </dsp:spTree>
+</dsp:drawing>
+</file>
+
 <file path=ppt/diagrams/layout1.xml><?xml version="1.0" encoding="utf-8"?>
 <dgm:layoutDef xmlns:dgm="http://schemas.openxmlformats.org/drawingml/2006/diagram" xmlns:a="http://schemas.openxmlformats.org/drawingml/2006/main" uniqueId="urn:microsoft.com/office/officeart/2018/5/layout/CenteredIconLabelDescriptionList">
   <dgm:title val="Centered Icon Label Description List"/>
@@ -12432,6 +14512,207 @@
 </dgm:layoutDef>
 </file>
 
+<file path=ppt/diagrams/layout6.xml><?xml version="1.0" encoding="utf-8"?>
+<dgm:layoutDef xmlns:dgm="http://schemas.openxmlformats.org/drawingml/2006/diagram" xmlns:a="http://schemas.openxmlformats.org/drawingml/2006/main" uniqueId="urn:microsoft.com/office/officeart/2018/5/layout/CenteredIconLabelDescriptionList">
+  <dgm:title val="Centered Icon Label Description List"/>
+  <dgm:desc val="Use to show non-sequential or grouped chunks of information. The placeholder holds an icon or small picture, and corresponding text boxes show Level 1 and Level 2 text respectively. Works well for minimal Level 1 text accompanied by lengthier Level two text."/>
+  <dgm:catLst>
+    <dgm:cat type="icon" pri="500"/>
+  </dgm:catLst>
+  <dgm:sampData useDef="1">
+    <dgm:dataModel>
+      <dgm:ptLst/>
+      <dgm:bg/>
+      <dgm:whole/>
+    </dgm:dataModel>
+  </dgm:sampData>
+  <dgm:styleData useDef="1">
+    <dgm:dataModel>
+      <dgm:ptLst/>
+      <dgm:bg/>
+      <dgm:whole/>
+    </dgm:dataModel>
+  </dgm:styleData>
+  <dgm:clrData useDef="1">
+    <dgm:dataModel>
+      <dgm:ptLst/>
+      <dgm:bg/>
+      <dgm:whole/>
+    </dgm:dataModel>
+  </dgm:clrData>
+  <dgm:layoutNode name="root">
+    <dgm:varLst>
+      <dgm:dir/>
+      <dgm:resizeHandles val="exact"/>
+    </dgm:varLst>
+    <dgm:choose name="Name0">
+      <dgm:if name="Name1" axis="self" func="var" arg="dir" op="equ" val="norm">
+        <dgm:alg type="lin"/>
+      </dgm:if>
+      <dgm:else name="Name2">
+        <dgm:alg type="lin">
+          <dgm:param type="linDir" val="fromR"/>
+        </dgm:alg>
+      </dgm:else>
+    </dgm:choose>
+    <dgm:shape xmlns:r="http://schemas.openxmlformats.org/officeDocument/2006/relationships" r:blip="">
+      <dgm:adjLst/>
+    </dgm:shape>
+    <dgm:presOf/>
+    <dgm:constrLst>
+      <dgm:constr type="h" for="ch" forName="compNode" refType="h" fact="0.45"/>
+      <dgm:constr type="w" for="ch" forName="compNode" val="120"/>
+      <dgm:constr type="w" for="ch" forName="sibTrans" refType="w" refFor="ch" refForName="compNode" fact="0.175"/>
+      <dgm:constr type="primFontSz" for="des" forName="parTx" val="36"/>
+      <dgm:constr type="primFontSz" for="des" forName="desTx" refType="primFontSz" refFor="des" refForName="parTx" op="lte" fact="0.75"/>
+      <dgm:constr type="h" for="des" forName="compNode" op="equ"/>
+      <dgm:constr type="h" for="des" forName="iconRect" op="equ"/>
+      <dgm:constr type="w" for="des" forName="iconRect" op="equ"/>
+      <dgm:constr type="h" for="des" forName="iconSpace" op="equ"/>
+      <dgm:constr type="h" for="des" forName="parTx" op="equ"/>
+      <dgm:constr type="h" for="des" forName="txSpace" op="equ"/>
+      <dgm:constr type="h" for="des" forName="desTx" op="equ"/>
+    </dgm:constrLst>
+    <dgm:ruleLst>
+      <dgm:rule type="w" for="ch" forName="compNode" val="0" fact="NaN" max="NaN"/>
+    </dgm:ruleLst>
+    <dgm:forEach name="Name3" axis="ch" ptType="node">
+      <dgm:layoutNode name="compNode">
+        <dgm:alg type="composite"/>
+        <dgm:shape xmlns:r="http://schemas.openxmlformats.org/officeDocument/2006/relationships" r:blip="">
+          <dgm:adjLst/>
+        </dgm:shape>
+        <dgm:presOf axis="self"/>
+        <dgm:constrLst>
+          <dgm:constr type="w" for="ch" forName="iconRect" refType="w" fact="0.35"/>
+          <dgm:constr type="h" for="ch" forName="iconRect" refType="w" refFor="ch" refForName="iconRect"/>
+          <dgm:constr type="ctrX" for="ch" forName="iconRect" refType="w" fact="0.5"/>
+          <dgm:constr type="t" for="ch" forName="iconRect"/>
+          <dgm:constr type="w" for="ch" forName="iconSpace" refType="w"/>
+          <dgm:constr type="h" for="ch" forName="iconSpace" refType="h" fact="0.043"/>
+          <dgm:constr type="l" for="ch" forName="iconSpace"/>
+          <dgm:constr type="t" for="ch" forName="iconSpace" refType="b" refFor="ch" refForName="iconRect"/>
+          <dgm:constr type="w" for="ch" forName="parTx" refType="w"/>
+          <dgm:constr type="h" for="ch" forName="parTx" refType="w" fact="0.15"/>
+          <dgm:constr type="l" for="ch" forName="parTx"/>
+          <dgm:constr type="t" for="ch" forName="parTx" refType="b" refFor="ch" refForName="iconSpace"/>
+          <dgm:constr type="h" for="ch" forName="txSpace" refType="h" fact="0.02"/>
+          <dgm:constr type="w" for="ch" forName="txSpace" refType="w"/>
+          <dgm:constr type="l" for="ch" forName="txSpace"/>
+          <dgm:constr type="t" for="ch" forName="txSpace" refType="b" refFor="ch" refForName="parTx"/>
+          <dgm:constr type="w" for="ch" forName="desTx" refType="w"/>
+          <dgm:constr type="l" for="ch" forName="desTx"/>
+          <dgm:constr type="t" for="ch" forName="desTx" refType="b" refFor="ch" refForName="txSpace"/>
+        </dgm:constrLst>
+        <dgm:ruleLst>
+          <dgm:rule type="h" val="INF" fact="NaN" max="NaN"/>
+        </dgm:ruleLst>
+        <dgm:layoutNode name="iconRect" styleLbl="node1">
+          <dgm:alg type="sp"/>
+          <dgm:shape xmlns:r="http://schemas.openxmlformats.org/officeDocument/2006/relationships" type="rect" r:blip="" blipPhldr="1">
+            <dgm:adjLst/>
+          </dgm:shape>
+          <dgm:presOf/>
+          <dgm:constrLst/>
+          <dgm:ruleLst/>
+        </dgm:layoutNode>
+        <dgm:layoutNode name="iconSpace">
+          <dgm:alg type="sp"/>
+          <dgm:shape xmlns:r="http://schemas.openxmlformats.org/officeDocument/2006/relationships" r:blip="">
+            <dgm:adjLst/>
+          </dgm:shape>
+          <dgm:presOf/>
+          <dgm:constrLst/>
+          <dgm:ruleLst/>
+        </dgm:layoutNode>
+        <dgm:layoutNode name="parTx" styleLbl="revTx">
+          <dgm:varLst>
+            <dgm:chMax val="0"/>
+            <dgm:chPref val="0"/>
+          </dgm:varLst>
+          <dgm:alg type="tx">
+            <dgm:param type="txAnchorVert" val="t"/>
+          </dgm:alg>
+          <dgm:shape xmlns:r="http://schemas.openxmlformats.org/officeDocument/2006/relationships" type="rect" r:blip="">
+            <dgm:adjLst/>
+          </dgm:shape>
+          <dgm:presOf axis="self" ptType="node"/>
+          <dgm:constrLst>
+            <dgm:constr type="lMarg"/>
+            <dgm:constr type="rMarg"/>
+            <dgm:constr type="tMarg"/>
+            <dgm:constr type="bMarg"/>
+          </dgm:constrLst>
+          <dgm:ruleLst>
+            <dgm:rule type="primFontSz" val="14" fact="NaN" max="NaN"/>
+            <dgm:rule type="h" val="INF" fact="NaN" max="NaN"/>
+          </dgm:ruleLst>
+        </dgm:layoutNode>
+        <dgm:layoutNode name="txSpace">
+          <dgm:alg type="sp"/>
+          <dgm:shape xmlns:r="http://schemas.openxmlformats.org/officeDocument/2006/relationships" r:blip="">
+            <dgm:adjLst/>
+          </dgm:shape>
+          <dgm:presOf/>
+          <dgm:constrLst/>
+          <dgm:ruleLst/>
+        </dgm:layoutNode>
+        <dgm:layoutNode name="desTx" styleLbl="revTx">
+          <dgm:varLst/>
+          <dgm:alg type="tx">
+            <dgm:param type="stBulletLvl" val="0"/>
+            <dgm:param type="txAnchorVert" val="t"/>
+          </dgm:alg>
+          <dgm:shape xmlns:r="http://schemas.openxmlformats.org/officeDocument/2006/relationships" type="rect" r:blip="">
+            <dgm:adjLst/>
+          </dgm:shape>
+          <dgm:presOf axis="des" ptType="node"/>
+          <dgm:constrLst>
+            <dgm:constr type="secFontSz" refType="primFontSz"/>
+            <dgm:constr type="lMarg"/>
+            <dgm:constr type="rMarg"/>
+            <dgm:constr type="tMarg"/>
+            <dgm:constr type="bMarg"/>
+          </dgm:constrLst>
+          <dgm:ruleLst>
+            <dgm:rule type="primFontSz" val="NaN" fact="NaN" max="17"/>
+            <dgm:rule type="h" val="INF" fact="NaN" max="NaN"/>
+          </dgm:ruleLst>
+        </dgm:layoutNode>
+      </dgm:layoutNode>
+      <dgm:forEach name="Name4" axis="followSib" ptType="sibTrans" cnt="1">
+        <dgm:layoutNode name="sibTrans">
+          <dgm:alg type="sp"/>
+          <dgm:shape xmlns:r="http://schemas.openxmlformats.org/officeDocument/2006/relationships" r:blip="">
+            <dgm:adjLst/>
+          </dgm:shape>
+          <dgm:presOf axis="self"/>
+          <dgm:constrLst/>
+          <dgm:ruleLst/>
+        </dgm:layoutNode>
+      </dgm:forEach>
+    </dgm:forEach>
+  </dgm:layoutNode>
+  <dgm:extLst>
+    <a:ext uri="{68A01E43-0DF5-4B5B-8FA6-DAF915123BFB}">
+      <dgm1612:lstStyle xmlns:dgm1612="http://schemas.microsoft.com/office/drawing/2016/12/diagram">
+        <a:lvl1pPr>
+          <a:lnSpc>
+            <a:spcPct val="100000"/>
+          </a:lnSpc>
+          <a:defRPr b="1"/>
+        </a:lvl1pPr>
+        <a:lvl2pPr>
+          <a:lnSpc>
+            <a:spcPct val="100000"/>
+          </a:lnSpc>
+        </a:lvl2pPr>
+      </dgm1612:lstStyle>
+    </a:ext>
+  </dgm:extLst>
+</dgm:layoutDef>
+</file>
+
 <file path=ppt/diagrams/quickStyle1.xml><?xml version="1.0" encoding="utf-8"?>
 <dgm:styleDef xmlns:dgm="http://schemas.openxmlformats.org/drawingml/2006/diagram" xmlns:a="http://schemas.openxmlformats.org/drawingml/2006/main" uniqueId="urn:microsoft.com/office/officeart/2005/8/quickstyle/simple4">
   <dgm:title val=""/>
@@ -17600,6 +19881,1040 @@
         <a:scrgbClr r="0" g="0" b="0"/>
       </a:fillRef>
       <a:effectRef idx="0">
+        <a:scrgbClr r="0" g="0" b="0"/>
+      </a:effectRef>
+      <a:fontRef idx="minor"/>
+    </dgm:style>
+  </dgm:styleLbl>
+  <dgm:styleLbl name="revTx">
+    <dgm:scene3d>
+      <a:camera prst="orthographicFront"/>
+      <a:lightRig rig="threePt" dir="t"/>
+    </dgm:scene3d>
+    <dgm:sp3d/>
+    <dgm:txPr/>
+    <dgm:style>
+      <a:lnRef idx="0">
+        <a:scrgbClr r="0" g="0" b="0"/>
+      </a:lnRef>
+      <a:fillRef idx="0">
+        <a:scrgbClr r="0" g="0" b="0"/>
+      </a:fillRef>
+      <a:effectRef idx="0">
+        <a:scrgbClr r="0" g="0" b="0"/>
+      </a:effectRef>
+      <a:fontRef idx="minor"/>
+    </dgm:style>
+  </dgm:styleLbl>
+</dgm:styleDef>
+</file>
+
+<file path=ppt/diagrams/quickStyle6.xml><?xml version="1.0" encoding="utf-8"?>
+<dgm:styleDef xmlns:dgm="http://schemas.openxmlformats.org/drawingml/2006/diagram" xmlns:a="http://schemas.openxmlformats.org/drawingml/2006/main" uniqueId="urn:microsoft.com/office/officeart/2005/8/quickstyle/simple4">
+  <dgm:title val=""/>
+  <dgm:desc val=""/>
+  <dgm:catLst>
+    <dgm:cat type="simple" pri="10400"/>
+  </dgm:catLst>
+  <dgm:scene3d>
+    <a:camera prst="orthographicFront"/>
+    <a:lightRig rig="threePt" dir="t"/>
+  </dgm:scene3d>
+  <dgm:styleLbl name="node0">
+    <dgm:scene3d>
+      <a:camera prst="orthographicFront"/>
+      <a:lightRig rig="threePt" dir="t"/>
+    </dgm:scene3d>
+    <dgm:sp3d/>
+    <dgm:txPr/>
+    <dgm:style>
+      <a:lnRef idx="0">
+        <a:scrgbClr r="0" g="0" b="0"/>
+      </a:lnRef>
+      <a:fillRef idx="3">
+        <a:scrgbClr r="0" g="0" b="0"/>
+      </a:fillRef>
+      <a:effectRef idx="2">
+        <a:scrgbClr r="0" g="0" b="0"/>
+      </a:effectRef>
+      <a:fontRef idx="minor">
+        <a:schemeClr val="lt1"/>
+      </a:fontRef>
+    </dgm:style>
+  </dgm:styleLbl>
+  <dgm:styleLbl name="lnNode1">
+    <dgm:scene3d>
+      <a:camera prst="orthographicFront"/>
+      <a:lightRig rig="threePt" dir="t"/>
+    </dgm:scene3d>
+    <dgm:sp3d/>
+    <dgm:txPr/>
+    <dgm:style>
+      <a:lnRef idx="1">
+        <a:scrgbClr r="0" g="0" b="0"/>
+      </a:lnRef>
+      <a:fillRef idx="3">
+        <a:scrgbClr r="0" g="0" b="0"/>
+      </a:fillRef>
+      <a:effectRef idx="2">
+        <a:scrgbClr r="0" g="0" b="0"/>
+      </a:effectRef>
+      <a:fontRef idx="minor">
+        <a:schemeClr val="lt1"/>
+      </a:fontRef>
+    </dgm:style>
+  </dgm:styleLbl>
+  <dgm:styleLbl name="vennNode1">
+    <dgm:scene3d>
+      <a:camera prst="orthographicFront"/>
+      <a:lightRig rig="threePt" dir="t"/>
+    </dgm:scene3d>
+    <dgm:sp3d/>
+    <dgm:txPr/>
+    <dgm:style>
+      <a:lnRef idx="0">
+        <a:scrgbClr r="0" g="0" b="0"/>
+      </a:lnRef>
+      <a:fillRef idx="3">
+        <a:scrgbClr r="0" g="0" b="0"/>
+      </a:fillRef>
+      <a:effectRef idx="0">
+        <a:scrgbClr r="0" g="0" b="0"/>
+      </a:effectRef>
+      <a:fontRef idx="minor">
+        <a:schemeClr val="tx1"/>
+      </a:fontRef>
+    </dgm:style>
+  </dgm:styleLbl>
+  <dgm:styleLbl name="alignNode1">
+    <dgm:scene3d>
+      <a:camera prst="orthographicFront"/>
+      <a:lightRig rig="threePt" dir="t"/>
+    </dgm:scene3d>
+    <dgm:sp3d/>
+    <dgm:txPr/>
+    <dgm:style>
+      <a:lnRef idx="1">
+        <a:scrgbClr r="0" g="0" b="0"/>
+      </a:lnRef>
+      <a:fillRef idx="3">
+        <a:scrgbClr r="0" g="0" b="0"/>
+      </a:fillRef>
+      <a:effectRef idx="2">
+        <a:scrgbClr r="0" g="0" b="0"/>
+      </a:effectRef>
+      <a:fontRef idx="minor">
+        <a:schemeClr val="lt1"/>
+      </a:fontRef>
+    </dgm:style>
+  </dgm:styleLbl>
+  <dgm:styleLbl name="node1">
+    <dgm:scene3d>
+      <a:camera prst="orthographicFront"/>
+      <a:lightRig rig="threePt" dir="t"/>
+    </dgm:scene3d>
+    <dgm:sp3d/>
+    <dgm:txPr/>
+    <dgm:style>
+      <a:lnRef idx="0">
+        <a:scrgbClr r="0" g="0" b="0"/>
+      </a:lnRef>
+      <a:fillRef idx="3">
+        <a:scrgbClr r="0" g="0" b="0"/>
+      </a:fillRef>
+      <a:effectRef idx="2">
+        <a:scrgbClr r="0" g="0" b="0"/>
+      </a:effectRef>
+      <a:fontRef idx="minor">
+        <a:schemeClr val="lt1"/>
+      </a:fontRef>
+    </dgm:style>
+  </dgm:styleLbl>
+  <dgm:styleLbl name="node2">
+    <dgm:scene3d>
+      <a:camera prst="orthographicFront"/>
+      <a:lightRig rig="threePt" dir="t"/>
+    </dgm:scene3d>
+    <dgm:sp3d/>
+    <dgm:txPr/>
+    <dgm:style>
+      <a:lnRef idx="0">
+        <a:scrgbClr r="0" g="0" b="0"/>
+      </a:lnRef>
+      <a:fillRef idx="3">
+        <a:scrgbClr r="0" g="0" b="0"/>
+      </a:fillRef>
+      <a:effectRef idx="2">
+        <a:scrgbClr r="0" g="0" b="0"/>
+      </a:effectRef>
+      <a:fontRef idx="minor">
+        <a:schemeClr val="lt1"/>
+      </a:fontRef>
+    </dgm:style>
+  </dgm:styleLbl>
+  <dgm:styleLbl name="node3">
+    <dgm:scene3d>
+      <a:camera prst="orthographicFront"/>
+      <a:lightRig rig="threePt" dir="t"/>
+    </dgm:scene3d>
+    <dgm:sp3d/>
+    <dgm:txPr/>
+    <dgm:style>
+      <a:lnRef idx="0">
+        <a:scrgbClr r="0" g="0" b="0"/>
+      </a:lnRef>
+      <a:fillRef idx="3">
+        <a:scrgbClr r="0" g="0" b="0"/>
+      </a:fillRef>
+      <a:effectRef idx="2">
+        <a:scrgbClr r="0" g="0" b="0"/>
+      </a:effectRef>
+      <a:fontRef idx="minor">
+        <a:schemeClr val="lt1"/>
+      </a:fontRef>
+    </dgm:style>
+  </dgm:styleLbl>
+  <dgm:styleLbl name="node4">
+    <dgm:scene3d>
+      <a:camera prst="orthographicFront"/>
+      <a:lightRig rig="threePt" dir="t"/>
+    </dgm:scene3d>
+    <dgm:sp3d/>
+    <dgm:txPr/>
+    <dgm:style>
+      <a:lnRef idx="0">
+        <a:scrgbClr r="0" g="0" b="0"/>
+      </a:lnRef>
+      <a:fillRef idx="3">
+        <a:scrgbClr r="0" g="0" b="0"/>
+      </a:fillRef>
+      <a:effectRef idx="2">
+        <a:scrgbClr r="0" g="0" b="0"/>
+      </a:effectRef>
+      <a:fontRef idx="minor">
+        <a:schemeClr val="lt1"/>
+      </a:fontRef>
+    </dgm:style>
+  </dgm:styleLbl>
+  <dgm:styleLbl name="fgImgPlace1">
+    <dgm:scene3d>
+      <a:camera prst="orthographicFront"/>
+      <a:lightRig rig="threePt" dir="t"/>
+    </dgm:scene3d>
+    <dgm:sp3d/>
+    <dgm:txPr/>
+    <dgm:style>
+      <a:lnRef idx="0">
+        <a:scrgbClr r="0" g="0" b="0"/>
+      </a:lnRef>
+      <a:fillRef idx="1">
+        <a:scrgbClr r="0" g="0" b="0"/>
+      </a:fillRef>
+      <a:effectRef idx="2">
+        <a:scrgbClr r="0" g="0" b="0"/>
+      </a:effectRef>
+      <a:fontRef idx="minor"/>
+    </dgm:style>
+  </dgm:styleLbl>
+  <dgm:styleLbl name="alignImgPlace1">
+    <dgm:scene3d>
+      <a:camera prst="orthographicFront"/>
+      <a:lightRig rig="threePt" dir="t"/>
+    </dgm:scene3d>
+    <dgm:sp3d/>
+    <dgm:txPr/>
+    <dgm:style>
+      <a:lnRef idx="0">
+        <a:scrgbClr r="0" g="0" b="0"/>
+      </a:lnRef>
+      <a:fillRef idx="1">
+        <a:scrgbClr r="0" g="0" b="0"/>
+      </a:fillRef>
+      <a:effectRef idx="2">
+        <a:scrgbClr r="0" g="0" b="0"/>
+      </a:effectRef>
+      <a:fontRef idx="minor"/>
+    </dgm:style>
+  </dgm:styleLbl>
+  <dgm:styleLbl name="bgImgPlace1">
+    <dgm:scene3d>
+      <a:camera prst="orthographicFront"/>
+      <a:lightRig rig="threePt" dir="t"/>
+    </dgm:scene3d>
+    <dgm:sp3d/>
+    <dgm:txPr/>
+    <dgm:style>
+      <a:lnRef idx="0">
+        <a:scrgbClr r="0" g="0" b="0"/>
+      </a:lnRef>
+      <a:fillRef idx="1">
+        <a:scrgbClr r="0" g="0" b="0"/>
+      </a:fillRef>
+      <a:effectRef idx="2">
+        <a:scrgbClr r="0" g="0" b="0"/>
+      </a:effectRef>
+      <a:fontRef idx="minor"/>
+    </dgm:style>
+  </dgm:styleLbl>
+  <dgm:styleLbl name="sibTrans2D1">
+    <dgm:scene3d>
+      <a:camera prst="orthographicFront"/>
+      <a:lightRig rig="threePt" dir="t"/>
+    </dgm:scene3d>
+    <dgm:sp3d/>
+    <dgm:txPr/>
+    <dgm:style>
+      <a:lnRef idx="0">
+        <a:scrgbClr r="0" g="0" b="0"/>
+      </a:lnRef>
+      <a:fillRef idx="3">
+        <a:scrgbClr r="0" g="0" b="0"/>
+      </a:fillRef>
+      <a:effectRef idx="2">
+        <a:scrgbClr r="0" g="0" b="0"/>
+      </a:effectRef>
+      <a:fontRef idx="minor">
+        <a:schemeClr val="lt1"/>
+      </a:fontRef>
+    </dgm:style>
+  </dgm:styleLbl>
+  <dgm:styleLbl name="fgSibTrans2D1">
+    <dgm:scene3d>
+      <a:camera prst="orthographicFront"/>
+      <a:lightRig rig="threePt" dir="t"/>
+    </dgm:scene3d>
+    <dgm:sp3d/>
+    <dgm:txPr/>
+    <dgm:style>
+      <a:lnRef idx="0">
+        <a:scrgbClr r="0" g="0" b="0"/>
+      </a:lnRef>
+      <a:fillRef idx="3">
+        <a:scrgbClr r="0" g="0" b="0"/>
+      </a:fillRef>
+      <a:effectRef idx="2">
+        <a:scrgbClr r="0" g="0" b="0"/>
+      </a:effectRef>
+      <a:fontRef idx="minor">
+        <a:schemeClr val="lt1"/>
+      </a:fontRef>
+    </dgm:style>
+  </dgm:styleLbl>
+  <dgm:styleLbl name="bgSibTrans2D1">
+    <dgm:scene3d>
+      <a:camera prst="orthographicFront"/>
+      <a:lightRig rig="threePt" dir="t"/>
+    </dgm:scene3d>
+    <dgm:sp3d/>
+    <dgm:txPr/>
+    <dgm:style>
+      <a:lnRef idx="0">
+        <a:scrgbClr r="0" g="0" b="0"/>
+      </a:lnRef>
+      <a:fillRef idx="3">
+        <a:scrgbClr r="0" g="0" b="0"/>
+      </a:fillRef>
+      <a:effectRef idx="2">
+        <a:scrgbClr r="0" g="0" b="0"/>
+      </a:effectRef>
+      <a:fontRef idx="minor">
+        <a:schemeClr val="lt1"/>
+      </a:fontRef>
+    </dgm:style>
+  </dgm:styleLbl>
+  <dgm:styleLbl name="sibTrans1D1">
+    <dgm:scene3d>
+      <a:camera prst="orthographicFront"/>
+      <a:lightRig rig="threePt" dir="t"/>
+    </dgm:scene3d>
+    <dgm:sp3d/>
+    <dgm:txPr/>
+    <dgm:style>
+      <a:lnRef idx="1">
+        <a:scrgbClr r="0" g="0" b="0"/>
+      </a:lnRef>
+      <a:fillRef idx="0">
+        <a:scrgbClr r="0" g="0" b="0"/>
+      </a:fillRef>
+      <a:effectRef idx="0">
+        <a:scrgbClr r="0" g="0" b="0"/>
+      </a:effectRef>
+      <a:fontRef idx="minor"/>
+    </dgm:style>
+  </dgm:styleLbl>
+  <dgm:styleLbl name="callout">
+    <dgm:scene3d>
+      <a:camera prst="orthographicFront"/>
+      <a:lightRig rig="threePt" dir="t"/>
+    </dgm:scene3d>
+    <dgm:sp3d/>
+    <dgm:txPr/>
+    <dgm:style>
+      <a:lnRef idx="2">
+        <a:scrgbClr r="0" g="0" b="0"/>
+      </a:lnRef>
+      <a:fillRef idx="1">
+        <a:scrgbClr r="0" g="0" b="0"/>
+      </a:fillRef>
+      <a:effectRef idx="1">
+        <a:scrgbClr r="0" g="0" b="0"/>
+      </a:effectRef>
+      <a:fontRef idx="minor"/>
+    </dgm:style>
+  </dgm:styleLbl>
+  <dgm:styleLbl name="asst0">
+    <dgm:scene3d>
+      <a:camera prst="orthographicFront"/>
+      <a:lightRig rig="threePt" dir="t"/>
+    </dgm:scene3d>
+    <dgm:sp3d/>
+    <dgm:txPr/>
+    <dgm:style>
+      <a:lnRef idx="0">
+        <a:scrgbClr r="0" g="0" b="0"/>
+      </a:lnRef>
+      <a:fillRef idx="3">
+        <a:scrgbClr r="0" g="0" b="0"/>
+      </a:fillRef>
+      <a:effectRef idx="2">
+        <a:scrgbClr r="0" g="0" b="0"/>
+      </a:effectRef>
+      <a:fontRef idx="minor">
+        <a:schemeClr val="lt1"/>
+      </a:fontRef>
+    </dgm:style>
+  </dgm:styleLbl>
+  <dgm:styleLbl name="asst1">
+    <dgm:scene3d>
+      <a:camera prst="orthographicFront"/>
+      <a:lightRig rig="threePt" dir="t"/>
+    </dgm:scene3d>
+    <dgm:sp3d/>
+    <dgm:txPr/>
+    <dgm:style>
+      <a:lnRef idx="0">
+        <a:scrgbClr r="0" g="0" b="0"/>
+      </a:lnRef>
+      <a:fillRef idx="3">
+        <a:scrgbClr r="0" g="0" b="0"/>
+      </a:fillRef>
+      <a:effectRef idx="2">
+        <a:scrgbClr r="0" g="0" b="0"/>
+      </a:effectRef>
+      <a:fontRef idx="minor">
+        <a:schemeClr val="lt1"/>
+      </a:fontRef>
+    </dgm:style>
+  </dgm:styleLbl>
+  <dgm:styleLbl name="asst2">
+    <dgm:scene3d>
+      <a:camera prst="orthographicFront"/>
+      <a:lightRig rig="threePt" dir="t"/>
+    </dgm:scene3d>
+    <dgm:sp3d/>
+    <dgm:txPr/>
+    <dgm:style>
+      <a:lnRef idx="0">
+        <a:scrgbClr r="0" g="0" b="0"/>
+      </a:lnRef>
+      <a:fillRef idx="3">
+        <a:scrgbClr r="0" g="0" b="0"/>
+      </a:fillRef>
+      <a:effectRef idx="2">
+        <a:scrgbClr r="0" g="0" b="0"/>
+      </a:effectRef>
+      <a:fontRef idx="minor">
+        <a:schemeClr val="lt1"/>
+      </a:fontRef>
+    </dgm:style>
+  </dgm:styleLbl>
+  <dgm:styleLbl name="asst3">
+    <dgm:scene3d>
+      <a:camera prst="orthographicFront"/>
+      <a:lightRig rig="threePt" dir="t"/>
+    </dgm:scene3d>
+    <dgm:sp3d/>
+    <dgm:txPr/>
+    <dgm:style>
+      <a:lnRef idx="0">
+        <a:scrgbClr r="0" g="0" b="0"/>
+      </a:lnRef>
+      <a:fillRef idx="3">
+        <a:scrgbClr r="0" g="0" b="0"/>
+      </a:fillRef>
+      <a:effectRef idx="2">
+        <a:scrgbClr r="0" g="0" b="0"/>
+      </a:effectRef>
+      <a:fontRef idx="minor">
+        <a:schemeClr val="lt1"/>
+      </a:fontRef>
+    </dgm:style>
+  </dgm:styleLbl>
+  <dgm:styleLbl name="asst4">
+    <dgm:scene3d>
+      <a:camera prst="orthographicFront"/>
+      <a:lightRig rig="threePt" dir="t"/>
+    </dgm:scene3d>
+    <dgm:sp3d/>
+    <dgm:txPr/>
+    <dgm:style>
+      <a:lnRef idx="0">
+        <a:scrgbClr r="0" g="0" b="0"/>
+      </a:lnRef>
+      <a:fillRef idx="3">
+        <a:scrgbClr r="0" g="0" b="0"/>
+      </a:fillRef>
+      <a:effectRef idx="2">
+        <a:scrgbClr r="0" g="0" b="0"/>
+      </a:effectRef>
+      <a:fontRef idx="minor">
+        <a:schemeClr val="lt1"/>
+      </a:fontRef>
+    </dgm:style>
+  </dgm:styleLbl>
+  <dgm:styleLbl name="parChTrans2D1">
+    <dgm:scene3d>
+      <a:camera prst="orthographicFront"/>
+      <a:lightRig rig="threePt" dir="t"/>
+    </dgm:scene3d>
+    <dgm:sp3d/>
+    <dgm:txPr/>
+    <dgm:style>
+      <a:lnRef idx="0">
+        <a:scrgbClr r="0" g="0" b="0"/>
+      </a:lnRef>
+      <a:fillRef idx="3">
+        <a:scrgbClr r="0" g="0" b="0"/>
+      </a:fillRef>
+      <a:effectRef idx="2">
+        <a:scrgbClr r="0" g="0" b="0"/>
+      </a:effectRef>
+      <a:fontRef idx="minor">
+        <a:schemeClr val="lt1"/>
+      </a:fontRef>
+    </dgm:style>
+  </dgm:styleLbl>
+  <dgm:styleLbl name="parChTrans2D2">
+    <dgm:scene3d>
+      <a:camera prst="orthographicFront"/>
+      <a:lightRig rig="threePt" dir="t"/>
+    </dgm:scene3d>
+    <dgm:sp3d/>
+    <dgm:txPr/>
+    <dgm:style>
+      <a:lnRef idx="0">
+        <a:scrgbClr r="0" g="0" b="0"/>
+      </a:lnRef>
+      <a:fillRef idx="3">
+        <a:scrgbClr r="0" g="0" b="0"/>
+      </a:fillRef>
+      <a:effectRef idx="2">
+        <a:scrgbClr r="0" g="0" b="0"/>
+      </a:effectRef>
+      <a:fontRef idx="minor">
+        <a:schemeClr val="lt1"/>
+      </a:fontRef>
+    </dgm:style>
+  </dgm:styleLbl>
+  <dgm:styleLbl name="parChTrans2D3">
+    <dgm:scene3d>
+      <a:camera prst="orthographicFront"/>
+      <a:lightRig rig="threePt" dir="t"/>
+    </dgm:scene3d>
+    <dgm:sp3d/>
+    <dgm:txPr/>
+    <dgm:style>
+      <a:lnRef idx="1">
+        <a:scrgbClr r="0" g="0" b="0"/>
+      </a:lnRef>
+      <a:fillRef idx="3">
+        <a:scrgbClr r="0" g="0" b="0"/>
+      </a:fillRef>
+      <a:effectRef idx="2">
+        <a:scrgbClr r="0" g="0" b="0"/>
+      </a:effectRef>
+      <a:fontRef idx="minor">
+        <a:schemeClr val="lt1"/>
+      </a:fontRef>
+    </dgm:style>
+  </dgm:styleLbl>
+  <dgm:styleLbl name="parChTrans2D4">
+    <dgm:scene3d>
+      <a:camera prst="orthographicFront"/>
+      <a:lightRig rig="threePt" dir="t"/>
+    </dgm:scene3d>
+    <dgm:sp3d/>
+    <dgm:txPr/>
+    <dgm:style>
+      <a:lnRef idx="1">
+        <a:scrgbClr r="0" g="0" b="0"/>
+      </a:lnRef>
+      <a:fillRef idx="3">
+        <a:scrgbClr r="0" g="0" b="0"/>
+      </a:fillRef>
+      <a:effectRef idx="2">
+        <a:scrgbClr r="0" g="0" b="0"/>
+      </a:effectRef>
+      <a:fontRef idx="minor">
+        <a:schemeClr val="lt1"/>
+      </a:fontRef>
+    </dgm:style>
+  </dgm:styleLbl>
+  <dgm:styleLbl name="parChTrans1D1">
+    <dgm:scene3d>
+      <a:camera prst="orthographicFront"/>
+      <a:lightRig rig="threePt" dir="t"/>
+    </dgm:scene3d>
+    <dgm:sp3d/>
+    <dgm:txPr/>
+    <dgm:style>
+      <a:lnRef idx="1">
+        <a:scrgbClr r="0" g="0" b="0"/>
+      </a:lnRef>
+      <a:fillRef idx="0">
+        <a:scrgbClr r="0" g="0" b="0"/>
+      </a:fillRef>
+      <a:effectRef idx="0">
+        <a:scrgbClr r="0" g="0" b="0"/>
+      </a:effectRef>
+      <a:fontRef idx="minor"/>
+    </dgm:style>
+  </dgm:styleLbl>
+  <dgm:styleLbl name="parChTrans1D2">
+    <dgm:scene3d>
+      <a:camera prst="orthographicFront"/>
+      <a:lightRig rig="threePt" dir="t"/>
+    </dgm:scene3d>
+    <dgm:sp3d/>
+    <dgm:txPr/>
+    <dgm:style>
+      <a:lnRef idx="1">
+        <a:scrgbClr r="0" g="0" b="0"/>
+      </a:lnRef>
+      <a:fillRef idx="0">
+        <a:scrgbClr r="0" g="0" b="0"/>
+      </a:fillRef>
+      <a:effectRef idx="0">
+        <a:scrgbClr r="0" g="0" b="0"/>
+      </a:effectRef>
+      <a:fontRef idx="minor"/>
+    </dgm:style>
+  </dgm:styleLbl>
+  <dgm:styleLbl name="parChTrans1D3">
+    <dgm:scene3d>
+      <a:camera prst="orthographicFront"/>
+      <a:lightRig rig="threePt" dir="t"/>
+    </dgm:scene3d>
+    <dgm:sp3d/>
+    <dgm:txPr/>
+    <dgm:style>
+      <a:lnRef idx="1">
+        <a:scrgbClr r="0" g="0" b="0"/>
+      </a:lnRef>
+      <a:fillRef idx="0">
+        <a:scrgbClr r="0" g="0" b="0"/>
+      </a:fillRef>
+      <a:effectRef idx="0">
+        <a:scrgbClr r="0" g="0" b="0"/>
+      </a:effectRef>
+      <a:fontRef idx="minor"/>
+    </dgm:style>
+  </dgm:styleLbl>
+  <dgm:styleLbl name="parChTrans1D4">
+    <dgm:scene3d>
+      <a:camera prst="orthographicFront"/>
+      <a:lightRig rig="threePt" dir="t"/>
+    </dgm:scene3d>
+    <dgm:sp3d/>
+    <dgm:txPr/>
+    <dgm:style>
+      <a:lnRef idx="1">
+        <a:scrgbClr r="0" g="0" b="0"/>
+      </a:lnRef>
+      <a:fillRef idx="0">
+        <a:scrgbClr r="0" g="0" b="0"/>
+      </a:fillRef>
+      <a:effectRef idx="0">
+        <a:scrgbClr r="0" g="0" b="0"/>
+      </a:effectRef>
+      <a:fontRef idx="minor"/>
+    </dgm:style>
+  </dgm:styleLbl>
+  <dgm:styleLbl name="fgAcc1">
+    <dgm:scene3d>
+      <a:camera prst="orthographicFront"/>
+      <a:lightRig rig="threePt" dir="t"/>
+    </dgm:scene3d>
+    <dgm:sp3d/>
+    <dgm:txPr/>
+    <dgm:style>
+      <a:lnRef idx="1">
+        <a:scrgbClr r="0" g="0" b="0"/>
+      </a:lnRef>
+      <a:fillRef idx="1">
+        <a:scrgbClr r="0" g="0" b="0"/>
+      </a:fillRef>
+      <a:effectRef idx="0">
+        <a:scrgbClr r="0" g="0" b="0"/>
+      </a:effectRef>
+      <a:fontRef idx="minor"/>
+    </dgm:style>
+  </dgm:styleLbl>
+  <dgm:styleLbl name="conFgAcc1">
+    <dgm:scene3d>
+      <a:camera prst="orthographicFront"/>
+      <a:lightRig rig="threePt" dir="t"/>
+    </dgm:scene3d>
+    <dgm:sp3d/>
+    <dgm:txPr/>
+    <dgm:style>
+      <a:lnRef idx="1">
+        <a:scrgbClr r="0" g="0" b="0"/>
+      </a:lnRef>
+      <a:fillRef idx="1">
+        <a:scrgbClr r="0" g="0" b="0"/>
+      </a:fillRef>
+      <a:effectRef idx="0">
+        <a:scrgbClr r="0" g="0" b="0"/>
+      </a:effectRef>
+      <a:fontRef idx="minor"/>
+    </dgm:style>
+  </dgm:styleLbl>
+  <dgm:styleLbl name="alignAcc1">
+    <dgm:scene3d>
+      <a:camera prst="orthographicFront"/>
+      <a:lightRig rig="threePt" dir="t"/>
+    </dgm:scene3d>
+    <dgm:sp3d/>
+    <dgm:txPr/>
+    <dgm:style>
+      <a:lnRef idx="1">
+        <a:scrgbClr r="0" g="0" b="0"/>
+      </a:lnRef>
+      <a:fillRef idx="1">
+        <a:scrgbClr r="0" g="0" b="0"/>
+      </a:fillRef>
+      <a:effectRef idx="0">
+        <a:scrgbClr r="0" g="0" b="0"/>
+      </a:effectRef>
+      <a:fontRef idx="minor"/>
+    </dgm:style>
+  </dgm:styleLbl>
+  <dgm:styleLbl name="trAlignAcc1">
+    <dgm:scene3d>
+      <a:camera prst="orthographicFront"/>
+      <a:lightRig rig="threePt" dir="t"/>
+    </dgm:scene3d>
+    <dgm:sp3d/>
+    <dgm:txPr/>
+    <dgm:style>
+      <a:lnRef idx="1">
+        <a:scrgbClr r="0" g="0" b="0"/>
+      </a:lnRef>
+      <a:fillRef idx="1">
+        <a:scrgbClr r="0" g="0" b="0"/>
+      </a:fillRef>
+      <a:effectRef idx="0">
+        <a:scrgbClr r="0" g="0" b="0"/>
+      </a:effectRef>
+      <a:fontRef idx="minor"/>
+    </dgm:style>
+  </dgm:styleLbl>
+  <dgm:styleLbl name="bgAcc1">
+    <dgm:scene3d>
+      <a:camera prst="orthographicFront"/>
+      <a:lightRig rig="threePt" dir="t"/>
+    </dgm:scene3d>
+    <dgm:sp3d/>
+    <dgm:txPr/>
+    <dgm:style>
+      <a:lnRef idx="1">
+        <a:scrgbClr r="0" g="0" b="0"/>
+      </a:lnRef>
+      <a:fillRef idx="1">
+        <a:scrgbClr r="0" g="0" b="0"/>
+      </a:fillRef>
+      <a:effectRef idx="0">
+        <a:scrgbClr r="0" g="0" b="0"/>
+      </a:effectRef>
+      <a:fontRef idx="minor"/>
+    </dgm:style>
+  </dgm:styleLbl>
+  <dgm:styleLbl name="solidFgAcc1">
+    <dgm:scene3d>
+      <a:camera prst="orthographicFront"/>
+      <a:lightRig rig="threePt" dir="t"/>
+    </dgm:scene3d>
+    <dgm:sp3d/>
+    <dgm:txPr/>
+    <dgm:style>
+      <a:lnRef idx="1">
+        <a:scrgbClr r="0" g="0" b="0"/>
+      </a:lnRef>
+      <a:fillRef idx="1">
+        <a:scrgbClr r="0" g="0" b="0"/>
+      </a:fillRef>
+      <a:effectRef idx="0">
+        <a:scrgbClr r="0" g="0" b="0"/>
+      </a:effectRef>
+      <a:fontRef idx="minor"/>
+    </dgm:style>
+  </dgm:styleLbl>
+  <dgm:styleLbl name="solidAlignAcc1">
+    <dgm:scene3d>
+      <a:camera prst="orthographicFront"/>
+      <a:lightRig rig="threePt" dir="t"/>
+    </dgm:scene3d>
+    <dgm:sp3d/>
+    <dgm:txPr/>
+    <dgm:style>
+      <a:lnRef idx="1">
+        <a:scrgbClr r="0" g="0" b="0"/>
+      </a:lnRef>
+      <a:fillRef idx="1">
+        <a:scrgbClr r="0" g="0" b="0"/>
+      </a:fillRef>
+      <a:effectRef idx="0">
+        <a:scrgbClr r="0" g="0" b="0"/>
+      </a:effectRef>
+      <a:fontRef idx="minor"/>
+    </dgm:style>
+  </dgm:styleLbl>
+  <dgm:styleLbl name="solidBgAcc1">
+    <dgm:scene3d>
+      <a:camera prst="orthographicFront"/>
+      <a:lightRig rig="threePt" dir="t"/>
+    </dgm:scene3d>
+    <dgm:sp3d/>
+    <dgm:txPr/>
+    <dgm:style>
+      <a:lnRef idx="1">
+        <a:scrgbClr r="0" g="0" b="0"/>
+      </a:lnRef>
+      <a:fillRef idx="1">
+        <a:scrgbClr r="0" g="0" b="0"/>
+      </a:fillRef>
+      <a:effectRef idx="0">
+        <a:scrgbClr r="0" g="0" b="0"/>
+      </a:effectRef>
+      <a:fontRef idx="minor"/>
+    </dgm:style>
+  </dgm:styleLbl>
+  <dgm:styleLbl name="fgAccFollowNode1">
+    <dgm:scene3d>
+      <a:camera prst="orthographicFront"/>
+      <a:lightRig rig="threePt" dir="t"/>
+    </dgm:scene3d>
+    <dgm:sp3d/>
+    <dgm:txPr/>
+    <dgm:style>
+      <a:lnRef idx="1">
+        <a:scrgbClr r="0" g="0" b="0"/>
+      </a:lnRef>
+      <a:fillRef idx="1">
+        <a:scrgbClr r="0" g="0" b="0"/>
+      </a:fillRef>
+      <a:effectRef idx="0">
+        <a:scrgbClr r="0" g="0" b="0"/>
+      </a:effectRef>
+      <a:fontRef idx="minor"/>
+    </dgm:style>
+  </dgm:styleLbl>
+  <dgm:styleLbl name="alignAccFollowNode1">
+    <dgm:scene3d>
+      <a:camera prst="orthographicFront"/>
+      <a:lightRig rig="threePt" dir="t"/>
+    </dgm:scene3d>
+    <dgm:sp3d/>
+    <dgm:txPr/>
+    <dgm:style>
+      <a:lnRef idx="1">
+        <a:scrgbClr r="0" g="0" b="0"/>
+      </a:lnRef>
+      <a:fillRef idx="1">
+        <a:scrgbClr r="0" g="0" b="0"/>
+      </a:fillRef>
+      <a:effectRef idx="0">
+        <a:scrgbClr r="0" g="0" b="0"/>
+      </a:effectRef>
+      <a:fontRef idx="minor"/>
+    </dgm:style>
+  </dgm:styleLbl>
+  <dgm:styleLbl name="bgAccFollowNode1">
+    <dgm:scene3d>
+      <a:camera prst="orthographicFront"/>
+      <a:lightRig rig="threePt" dir="t"/>
+    </dgm:scene3d>
+    <dgm:sp3d/>
+    <dgm:txPr/>
+    <dgm:style>
+      <a:lnRef idx="1">
+        <a:scrgbClr r="0" g="0" b="0"/>
+      </a:lnRef>
+      <a:fillRef idx="1">
+        <a:scrgbClr r="0" g="0" b="0"/>
+      </a:fillRef>
+      <a:effectRef idx="0">
+        <a:scrgbClr r="0" g="0" b="0"/>
+      </a:effectRef>
+      <a:fontRef idx="minor"/>
+    </dgm:style>
+  </dgm:styleLbl>
+  <dgm:styleLbl name="fgAcc0">
+    <dgm:scene3d>
+      <a:camera prst="orthographicFront"/>
+      <a:lightRig rig="threePt" dir="t"/>
+    </dgm:scene3d>
+    <dgm:sp3d/>
+    <dgm:txPr/>
+    <dgm:style>
+      <a:lnRef idx="1">
+        <a:scrgbClr r="0" g="0" b="0"/>
+      </a:lnRef>
+      <a:fillRef idx="1">
+        <a:scrgbClr r="0" g="0" b="0"/>
+      </a:fillRef>
+      <a:effectRef idx="0">
+        <a:scrgbClr r="0" g="0" b="0"/>
+      </a:effectRef>
+      <a:fontRef idx="minor"/>
+    </dgm:style>
+  </dgm:styleLbl>
+  <dgm:styleLbl name="fgAcc2">
+    <dgm:scene3d>
+      <a:camera prst="orthographicFront"/>
+      <a:lightRig rig="threePt" dir="t"/>
+    </dgm:scene3d>
+    <dgm:sp3d/>
+    <dgm:txPr/>
+    <dgm:style>
+      <a:lnRef idx="1">
+        <a:scrgbClr r="0" g="0" b="0"/>
+      </a:lnRef>
+      <a:fillRef idx="1">
+        <a:scrgbClr r="0" g="0" b="0"/>
+      </a:fillRef>
+      <a:effectRef idx="0">
+        <a:scrgbClr r="0" g="0" b="0"/>
+      </a:effectRef>
+      <a:fontRef idx="minor"/>
+    </dgm:style>
+  </dgm:styleLbl>
+  <dgm:styleLbl name="fgAcc3">
+    <dgm:scene3d>
+      <a:camera prst="orthographicFront"/>
+      <a:lightRig rig="threePt" dir="t"/>
+    </dgm:scene3d>
+    <dgm:sp3d/>
+    <dgm:txPr/>
+    <dgm:style>
+      <a:lnRef idx="1">
+        <a:scrgbClr r="0" g="0" b="0"/>
+      </a:lnRef>
+      <a:fillRef idx="1">
+        <a:scrgbClr r="0" g="0" b="0"/>
+      </a:fillRef>
+      <a:effectRef idx="0">
+        <a:scrgbClr r="0" g="0" b="0"/>
+      </a:effectRef>
+      <a:fontRef idx="minor"/>
+    </dgm:style>
+  </dgm:styleLbl>
+  <dgm:styleLbl name="fgAcc4">
+    <dgm:scene3d>
+      <a:camera prst="orthographicFront"/>
+      <a:lightRig rig="threePt" dir="t"/>
+    </dgm:scene3d>
+    <dgm:sp3d/>
+    <dgm:txPr/>
+    <dgm:style>
+      <a:lnRef idx="1">
+        <a:scrgbClr r="0" g="0" b="0"/>
+      </a:lnRef>
+      <a:fillRef idx="1">
+        <a:scrgbClr r="0" g="0" b="0"/>
+      </a:fillRef>
+      <a:effectRef idx="0">
+        <a:scrgbClr r="0" g="0" b="0"/>
+      </a:effectRef>
+      <a:fontRef idx="minor"/>
+    </dgm:style>
+  </dgm:styleLbl>
+  <dgm:styleLbl name="bgShp">
+    <dgm:scene3d>
+      <a:camera prst="orthographicFront"/>
+      <a:lightRig rig="threePt" dir="t"/>
+    </dgm:scene3d>
+    <dgm:sp3d/>
+    <dgm:txPr/>
+    <dgm:style>
+      <a:lnRef idx="0">
+        <a:scrgbClr r="0" g="0" b="0"/>
+      </a:lnRef>
+      <a:fillRef idx="1">
+        <a:scrgbClr r="0" g="0" b="0"/>
+      </a:fillRef>
+      <a:effectRef idx="2">
+        <a:scrgbClr r="0" g="0" b="0"/>
+      </a:effectRef>
+      <a:fontRef idx="minor"/>
+    </dgm:style>
+  </dgm:styleLbl>
+  <dgm:styleLbl name="dkBgShp">
+    <dgm:scene3d>
+      <a:camera prst="orthographicFront"/>
+      <a:lightRig rig="threePt" dir="t"/>
+    </dgm:scene3d>
+    <dgm:sp3d/>
+    <dgm:txPr/>
+    <dgm:style>
+      <a:lnRef idx="0">
+        <a:scrgbClr r="0" g="0" b="0"/>
+      </a:lnRef>
+      <a:fillRef idx="1">
+        <a:scrgbClr r="0" g="0" b="0"/>
+      </a:fillRef>
+      <a:effectRef idx="2">
+        <a:scrgbClr r="0" g="0" b="0"/>
+      </a:effectRef>
+      <a:fontRef idx="minor"/>
+    </dgm:style>
+  </dgm:styleLbl>
+  <dgm:styleLbl name="trBgShp">
+    <dgm:scene3d>
+      <a:camera prst="orthographicFront"/>
+      <a:lightRig rig="threePt" dir="t"/>
+    </dgm:scene3d>
+    <dgm:sp3d/>
+    <dgm:txPr/>
+    <dgm:style>
+      <a:lnRef idx="0">
+        <a:scrgbClr r="0" g="0" b="0"/>
+      </a:lnRef>
+      <a:fillRef idx="1">
+        <a:scrgbClr r="0" g="0" b="0"/>
+      </a:fillRef>
+      <a:effectRef idx="0">
+        <a:scrgbClr r="0" g="0" b="0"/>
+      </a:effectRef>
+      <a:fontRef idx="minor"/>
+    </dgm:style>
+  </dgm:styleLbl>
+  <dgm:styleLbl name="fgShp">
+    <dgm:scene3d>
+      <a:camera prst="orthographicFront"/>
+      <a:lightRig rig="threePt" dir="t"/>
+    </dgm:scene3d>
+    <dgm:sp3d/>
+    <dgm:txPr/>
+    <dgm:style>
+      <a:lnRef idx="0">
+        <a:scrgbClr r="0" g="0" b="0"/>
+      </a:lnRef>
+      <a:fillRef idx="3">
+        <a:scrgbClr r="0" g="0" b="0"/>
+      </a:fillRef>
+      <a:effectRef idx="2">
         <a:scrgbClr r="0" g="0" b="0"/>
       </a:effectRef>
       <a:fontRef idx="minor"/>
@@ -31958,7 +35273,7 @@
 
 <file path=ppt/slides/slide14.xml><?xml version="1.0" encoding="utf-8"?>
 <p:sld xmlns:a="http://schemas.openxmlformats.org/drawingml/2006/main" xmlns:r="http://schemas.openxmlformats.org/officeDocument/2006/relationships" xmlns:p="http://schemas.openxmlformats.org/presentationml/2006/main">
-  <p:cSld name="DARKSLIDE_Theme">
+  <p:cSld>
     <p:spTree>
       <p:nvGrpSpPr>
         <p:cNvPr id="1" name=""/>
@@ -31975,7 +35290,13 @@
       </p:grpSpPr>
       <p:sp>
         <p:nvSpPr>
-          <p:cNvPr id="2" name="Title 1"/>
+          <p:cNvPr id="2" name="Title 1">
+            <a:extLst>
+              <a:ext uri="{FF2B5EF4-FFF2-40B4-BE49-F238E27FC236}">
+                <a16:creationId xmlns:a16="http://schemas.microsoft.com/office/drawing/2014/main" id="{DED74FE9-048E-4A3B-AEE6-0BBBB50B3058}"/>
+              </a:ext>
+            </a:extLst>
+          </p:cNvPr>
           <p:cNvSpPr>
             <a:spLocks noGrp="1"/>
           </p:cNvSpPr>
@@ -31985,23 +35306,1412 @@
         </p:nvSpPr>
         <p:spPr/>
         <p:txBody>
-          <a:bodyPr>
-            <a:normAutofit fontScale="90000"/>
-          </a:bodyPr>
+          <a:bodyPr/>
           <a:lstStyle/>
           <a:p>
-            <a:endParaRPr lang="en-US"/>
+            <a:r>
+              <a:rPr lang="en-US" dirty="0"/>
+              <a:t>Logic App vs Azure Durable function</a:t>
+            </a:r>
           </a:p>
         </p:txBody>
       </p:sp>
       <p:sp>
         <p:nvSpPr>
-          <p:cNvPr id="3" name="Text Placeholder 2"/>
+          <p:cNvPr id="3" name="Text Placeholder 2">
+            <a:extLst>
+              <a:ext uri="{FF2B5EF4-FFF2-40B4-BE49-F238E27FC236}">
+                <a16:creationId xmlns:a16="http://schemas.microsoft.com/office/drawing/2014/main" id="{881159E8-00F7-45D1-A108-107A50A223AB}"/>
+              </a:ext>
+            </a:extLst>
+          </p:cNvPr>
           <p:cNvSpPr>
             <a:spLocks noGrp="1"/>
           </p:cNvSpPr>
           <p:nvPr>
-            <p:ph type="body" sz="quarter" idx="10"/>
+            <p:ph type="body" sz="quarter" idx="13"/>
+          </p:nvPr>
+        </p:nvSpPr>
+        <p:spPr/>
+        <p:txBody>
+          <a:bodyPr>
+            <a:normAutofit/>
+          </a:bodyPr>
+          <a:lstStyle/>
+          <a:p>
+            <a:pPr algn="ctr"/>
+            <a:r>
+              <a:rPr lang="en-US" dirty="0">
+                <a:solidFill>
+                  <a:schemeClr val="accent3">
+                    <a:lumMod val="50000"/>
+                  </a:schemeClr>
+                </a:solidFill>
+              </a:rPr>
+              <a:t>Let us Dissect </a:t>
+            </a:r>
+          </a:p>
+          <a:p>
+            <a:r>
+              <a:rPr lang="en-US" sz="1600" dirty="0">
+                <a:solidFill>
+                  <a:schemeClr val="accent3">
+                    <a:lumMod val="50000"/>
+                  </a:schemeClr>
+                </a:solidFill>
+              </a:rPr>
+              <a:t>Development capabilities</a:t>
+            </a:r>
+          </a:p>
+          <a:p>
+            <a:endParaRPr lang="en-US" sz="1600" dirty="0">
+              <a:solidFill>
+                <a:schemeClr val="accent3">
+                  <a:lumMod val="50000"/>
+                </a:schemeClr>
+              </a:solidFill>
+            </a:endParaRPr>
+          </a:p>
+          <a:p>
+            <a:endParaRPr lang="en-US" sz="1600" dirty="0">
+              <a:solidFill>
+                <a:schemeClr val="accent3">
+                  <a:lumMod val="50000"/>
+                </a:schemeClr>
+              </a:solidFill>
+            </a:endParaRPr>
+          </a:p>
+        </p:txBody>
+      </p:sp>
+      <p:graphicFrame>
+        <p:nvGraphicFramePr>
+          <p:cNvPr id="5" name="Table 4">
+            <a:extLst>
+              <a:ext uri="{FF2B5EF4-FFF2-40B4-BE49-F238E27FC236}">
+                <a16:creationId xmlns:a16="http://schemas.microsoft.com/office/drawing/2014/main" id="{9EBC485C-BE35-4A9F-9722-35D79CBB0F9F}"/>
+              </a:ext>
+            </a:extLst>
+          </p:cNvPr>
+          <p:cNvGraphicFramePr>
+            <a:graphicFrameLocks noGrp="1"/>
+          </p:cNvGraphicFramePr>
+          <p:nvPr>
+            <p:extLst>
+              <p:ext uri="{D42A27DB-BD31-4B8C-83A1-F6EECF244321}">
+                <p14:modId xmlns:p14="http://schemas.microsoft.com/office/powerpoint/2010/main" val="3887460430"/>
+              </p:ext>
+            </p:extLst>
+          </p:nvPr>
+        </p:nvGraphicFramePr>
+        <p:xfrm>
+          <a:off x="304363" y="1879641"/>
+          <a:ext cx="8778240" cy="2649144"/>
+        </p:xfrm>
+        <a:graphic>
+          <a:graphicData uri="http://schemas.openxmlformats.org/drawingml/2006/table">
+            <a:tbl>
+              <a:tblPr firstRow="1" bandRow="1">
+                <a:noFill/>
+                <a:tableStyleId>{5C22544A-7EE6-4342-B048-85BDC9FD1C3A}</a:tableStyleId>
+              </a:tblPr>
+              <a:tblGrid>
+                <a:gridCol w="2347014">
+                  <a:extLst>
+                    <a:ext uri="{9D8B030D-6E8A-4147-A177-3AD203B41FA5}">
+                      <a16:colId xmlns:a16="http://schemas.microsoft.com/office/drawing/2014/main" val="715455828"/>
+                    </a:ext>
+                  </a:extLst>
+                </a:gridCol>
+                <a:gridCol w="3396887">
+                  <a:extLst>
+                    <a:ext uri="{9D8B030D-6E8A-4147-A177-3AD203B41FA5}">
+                      <a16:colId xmlns:a16="http://schemas.microsoft.com/office/drawing/2014/main" val="448385253"/>
+                    </a:ext>
+                  </a:extLst>
+                </a:gridCol>
+                <a:gridCol w="3034339">
+                  <a:extLst>
+                    <a:ext uri="{9D8B030D-6E8A-4147-A177-3AD203B41FA5}">
+                      <a16:colId xmlns:a16="http://schemas.microsoft.com/office/drawing/2014/main" val="3365019293"/>
+                    </a:ext>
+                  </a:extLst>
+                </a:gridCol>
+              </a:tblGrid>
+              <a:tr h="505673">
+                <a:tc>
+                  <a:txBody>
+                    <a:bodyPr/>
+                    <a:lstStyle/>
+                    <a:p>
+                      <a:endParaRPr lang="en-US" sz="1200" b="1" dirty="0">
+                        <a:solidFill>
+                          <a:schemeClr val="tx1">
+                            <a:lumMod val="75000"/>
+                            <a:lumOff val="25000"/>
+                          </a:schemeClr>
+                        </a:solidFill>
+                      </a:endParaRPr>
+                    </a:p>
+                  </a:txBody>
+                  <a:tcPr marL="387964" marR="290973" marT="193983" marB="193983">
+                    <a:lnL w="12700" cmpd="sng">
+                      <a:noFill/>
+                      <a:prstDash val="solid"/>
+                    </a:lnL>
+                    <a:lnR w="12700" cmpd="sng">
+                      <a:noFill/>
+                      <a:prstDash val="solid"/>
+                    </a:lnR>
+                    <a:lnT w="9525" cap="flat" cmpd="sng" algn="ctr">
+                      <a:noFill/>
+                      <a:prstDash val="solid"/>
+                    </a:lnT>
+                    <a:lnB w="9525" cap="flat" cmpd="sng" algn="ctr">
+                      <a:solidFill>
+                        <a:srgbClr val="C7C6C1"/>
+                      </a:solidFill>
+                      <a:prstDash val="solid"/>
+                    </a:lnB>
+                    <a:noFill/>
+                  </a:tcPr>
+                </a:tc>
+                <a:tc>
+                  <a:txBody>
+                    <a:bodyPr/>
+                    <a:lstStyle/>
+                    <a:p>
+                      <a:r>
+                        <a:rPr lang="en-US" sz="1200" b="1" dirty="0">
+                          <a:solidFill>
+                            <a:schemeClr val="tx1">
+                              <a:lumMod val="75000"/>
+                              <a:lumOff val="25000"/>
+                            </a:schemeClr>
+                          </a:solidFill>
+                        </a:rPr>
+                        <a:t>Durable function</a:t>
+                      </a:r>
+                    </a:p>
+                  </a:txBody>
+                  <a:tcPr marL="387964" marR="290973" marT="193983" marB="193983">
+                    <a:lnL w="12700" cmpd="sng">
+                      <a:noFill/>
+                      <a:prstDash val="solid"/>
+                    </a:lnL>
+                    <a:lnR w="12700" cmpd="sng">
+                      <a:noFill/>
+                      <a:prstDash val="solid"/>
+                    </a:lnR>
+                    <a:lnT w="9525" cap="flat" cmpd="sng" algn="ctr">
+                      <a:noFill/>
+                      <a:prstDash val="solid"/>
+                    </a:lnT>
+                    <a:lnB w="9525" cap="flat" cmpd="sng" algn="ctr">
+                      <a:solidFill>
+                        <a:srgbClr val="C7C6C1"/>
+                      </a:solidFill>
+                      <a:prstDash val="solid"/>
+                    </a:lnB>
+                    <a:noFill/>
+                  </a:tcPr>
+                </a:tc>
+                <a:tc>
+                  <a:txBody>
+                    <a:bodyPr/>
+                    <a:lstStyle/>
+                    <a:p>
+                      <a:r>
+                        <a:rPr lang="en-US" sz="1200" b="1">
+                          <a:solidFill>
+                            <a:schemeClr val="tx1">
+                              <a:lumMod val="75000"/>
+                              <a:lumOff val="25000"/>
+                            </a:schemeClr>
+                          </a:solidFill>
+                        </a:rPr>
+                        <a:t>Logic App</a:t>
+                      </a:r>
+                    </a:p>
+                  </a:txBody>
+                  <a:tcPr marL="387964" marR="290973" marT="193983" marB="193983">
+                    <a:lnL w="12700" cmpd="sng">
+                      <a:noFill/>
+                      <a:prstDash val="solid"/>
+                    </a:lnL>
+                    <a:lnR w="12700" cmpd="sng">
+                      <a:noFill/>
+                      <a:prstDash val="solid"/>
+                    </a:lnR>
+                    <a:lnT w="9525" cap="flat" cmpd="sng" algn="ctr">
+                      <a:noFill/>
+                      <a:prstDash val="solid"/>
+                    </a:lnT>
+                    <a:lnB w="9525" cap="flat" cmpd="sng" algn="ctr">
+                      <a:solidFill>
+                        <a:srgbClr val="C7C6C1"/>
+                      </a:solidFill>
+                      <a:prstDash val="solid"/>
+                    </a:lnB>
+                    <a:noFill/>
+                  </a:tcPr>
+                </a:tc>
+                <a:extLst>
+                  <a:ext uri="{0D108BD9-81ED-4DB2-BD59-A6C34878D82A}">
+                    <a16:rowId xmlns:a16="http://schemas.microsoft.com/office/drawing/2014/main" val="208790539"/>
+                  </a:ext>
+                </a:extLst>
+              </a:tr>
+              <a:tr h="505673">
+                <a:tc>
+                  <a:txBody>
+                    <a:bodyPr/>
+                    <a:lstStyle/>
+                    <a:p>
+                      <a:r>
+                        <a:rPr lang="en-US" sz="1200" dirty="0">
+                          <a:solidFill>
+                            <a:schemeClr val="tx1">
+                              <a:lumMod val="75000"/>
+                              <a:lumOff val="25000"/>
+                            </a:schemeClr>
+                          </a:solidFill>
+                        </a:rPr>
+                        <a:t>Paradigm</a:t>
+                      </a:r>
+                    </a:p>
+                  </a:txBody>
+                  <a:tcPr marL="387964" marR="290973" marT="193983" marB="193983">
+                    <a:lnL w="12700" cmpd="sng">
+                      <a:noFill/>
+                      <a:prstDash val="solid"/>
+                    </a:lnL>
+                    <a:lnR w="12700" cmpd="sng">
+                      <a:noFill/>
+                      <a:prstDash val="solid"/>
+                    </a:lnR>
+                    <a:lnT w="9525" cap="flat" cmpd="sng" algn="ctr">
+                      <a:solidFill>
+                        <a:srgbClr val="C7C6C1"/>
+                      </a:solidFill>
+                      <a:prstDash val="solid"/>
+                    </a:lnT>
+                    <a:lnB w="9525" cap="flat" cmpd="sng" algn="ctr">
+                      <a:solidFill>
+                        <a:srgbClr val="C7C6C1"/>
+                      </a:solidFill>
+                      <a:prstDash val="solid"/>
+                    </a:lnB>
+                    <a:noFill/>
+                  </a:tcPr>
+                </a:tc>
+                <a:tc>
+                  <a:txBody>
+                    <a:bodyPr/>
+                    <a:lstStyle/>
+                    <a:p>
+                      <a:r>
+                        <a:rPr lang="en-US" sz="1200" dirty="0">
+                          <a:solidFill>
+                            <a:schemeClr val="tx1">
+                              <a:lumMod val="75000"/>
+                              <a:lumOff val="25000"/>
+                            </a:schemeClr>
+                          </a:solidFill>
+                        </a:rPr>
+                        <a:t>Imperative</a:t>
+                      </a:r>
+                    </a:p>
+                  </a:txBody>
+                  <a:tcPr marL="387964" marR="290973" marT="193983" marB="193983">
+                    <a:lnL w="12700" cmpd="sng">
+                      <a:noFill/>
+                      <a:prstDash val="solid"/>
+                    </a:lnL>
+                    <a:lnR w="12700" cmpd="sng">
+                      <a:noFill/>
+                      <a:prstDash val="solid"/>
+                    </a:lnR>
+                    <a:lnT w="9525" cap="flat" cmpd="sng" algn="ctr">
+                      <a:solidFill>
+                        <a:srgbClr val="C7C6C1"/>
+                      </a:solidFill>
+                      <a:prstDash val="solid"/>
+                    </a:lnT>
+                    <a:lnB w="9525" cap="flat" cmpd="sng" algn="ctr">
+                      <a:solidFill>
+                        <a:srgbClr val="C7C6C1"/>
+                      </a:solidFill>
+                      <a:prstDash val="solid"/>
+                    </a:lnB>
+                    <a:noFill/>
+                  </a:tcPr>
+                </a:tc>
+                <a:tc>
+                  <a:txBody>
+                    <a:bodyPr/>
+                    <a:lstStyle/>
+                    <a:p>
+                      <a:r>
+                        <a:rPr lang="en-US" sz="1200" dirty="0">
+                          <a:solidFill>
+                            <a:schemeClr val="tx1">
+                              <a:lumMod val="75000"/>
+                              <a:lumOff val="25000"/>
+                            </a:schemeClr>
+                          </a:solidFill>
+                        </a:rPr>
+                        <a:t>Declarative</a:t>
+                      </a:r>
+                    </a:p>
+                  </a:txBody>
+                  <a:tcPr marL="387964" marR="290973" marT="193983" marB="193983">
+                    <a:lnL w="12700" cmpd="sng">
+                      <a:noFill/>
+                      <a:prstDash val="solid"/>
+                    </a:lnL>
+                    <a:lnR w="12700" cmpd="sng">
+                      <a:noFill/>
+                      <a:prstDash val="solid"/>
+                    </a:lnR>
+                    <a:lnT w="9525" cap="flat" cmpd="sng" algn="ctr">
+                      <a:solidFill>
+                        <a:srgbClr val="C7C6C1"/>
+                      </a:solidFill>
+                      <a:prstDash val="solid"/>
+                    </a:lnT>
+                    <a:lnB w="9525" cap="flat" cmpd="sng" algn="ctr">
+                      <a:solidFill>
+                        <a:srgbClr val="C7C6C1"/>
+                      </a:solidFill>
+                      <a:prstDash val="solid"/>
+                    </a:lnB>
+                    <a:noFill/>
+                  </a:tcPr>
+                </a:tc>
+                <a:extLst>
+                  <a:ext uri="{0D108BD9-81ED-4DB2-BD59-A6C34878D82A}">
+                    <a16:rowId xmlns:a16="http://schemas.microsoft.com/office/drawing/2014/main" val="921590018"/>
+                  </a:ext>
+                </a:extLst>
+              </a:tr>
+              <a:tr h="667674">
+                <a:tc>
+                  <a:txBody>
+                    <a:bodyPr/>
+                    <a:lstStyle/>
+                    <a:p>
+                      <a:r>
+                        <a:rPr lang="en-US" sz="1200" dirty="0">
+                          <a:solidFill>
+                            <a:schemeClr val="tx1">
+                              <a:lumMod val="75000"/>
+                              <a:lumOff val="25000"/>
+                            </a:schemeClr>
+                          </a:solidFill>
+                        </a:rPr>
+                        <a:t>Languages</a:t>
+                      </a:r>
+                    </a:p>
+                  </a:txBody>
+                  <a:tcPr marL="387964" marR="290973" marT="193983" marB="193983">
+                    <a:lnL w="12700" cmpd="sng">
+                      <a:noFill/>
+                      <a:prstDash val="solid"/>
+                    </a:lnL>
+                    <a:lnR w="12700" cmpd="sng">
+                      <a:noFill/>
+                      <a:prstDash val="solid"/>
+                    </a:lnR>
+                    <a:lnT w="9525" cap="flat" cmpd="sng" algn="ctr">
+                      <a:solidFill>
+                        <a:srgbClr val="C7C6C1"/>
+                      </a:solidFill>
+                      <a:prstDash val="solid"/>
+                    </a:lnT>
+                    <a:lnB w="9525" cap="flat" cmpd="sng" algn="ctr">
+                      <a:solidFill>
+                        <a:srgbClr val="C7C6C1"/>
+                      </a:solidFill>
+                      <a:prstDash val="solid"/>
+                    </a:lnB>
+                    <a:noFill/>
+                  </a:tcPr>
+                </a:tc>
+                <a:tc>
+                  <a:txBody>
+                    <a:bodyPr/>
+                    <a:lstStyle/>
+                    <a:p>
+                      <a:r>
+                        <a:rPr lang="en-US" sz="1200" dirty="0">
+                          <a:solidFill>
+                            <a:schemeClr val="tx1">
+                              <a:lumMod val="75000"/>
+                              <a:lumOff val="25000"/>
+                            </a:schemeClr>
+                          </a:solidFill>
+                        </a:rPr>
+                        <a:t>Node, C# language, C# script, Node.js, Java, Python, power shell</a:t>
+                      </a:r>
+                    </a:p>
+                  </a:txBody>
+                  <a:tcPr marL="387964" marR="290973" marT="193983" marB="193983">
+                    <a:lnL w="12700" cmpd="sng">
+                      <a:noFill/>
+                      <a:prstDash val="solid"/>
+                    </a:lnL>
+                    <a:lnR w="12700" cmpd="sng">
+                      <a:noFill/>
+                      <a:prstDash val="solid"/>
+                    </a:lnR>
+                    <a:lnT w="9525" cap="flat" cmpd="sng" algn="ctr">
+                      <a:solidFill>
+                        <a:srgbClr val="C7C6C1"/>
+                      </a:solidFill>
+                      <a:prstDash val="solid"/>
+                    </a:lnT>
+                    <a:lnB w="9525" cap="flat" cmpd="sng" algn="ctr">
+                      <a:solidFill>
+                        <a:srgbClr val="C7C6C1"/>
+                      </a:solidFill>
+                      <a:prstDash val="solid"/>
+                    </a:lnB>
+                    <a:noFill/>
+                  </a:tcPr>
+                </a:tc>
+                <a:tc>
+                  <a:txBody>
+                    <a:bodyPr/>
+                    <a:lstStyle/>
+                    <a:p>
+                      <a:r>
+                        <a:rPr lang="en-US" sz="1200" dirty="0">
+                          <a:solidFill>
+                            <a:schemeClr val="tx1">
+                              <a:lumMod val="75000"/>
+                              <a:lumOff val="25000"/>
+                            </a:schemeClr>
+                          </a:solidFill>
+                        </a:rPr>
+                        <a:t>Only through UI on Azure portal or Visual studio</a:t>
+                      </a:r>
+                    </a:p>
+                  </a:txBody>
+                  <a:tcPr marL="387964" marR="290973" marT="193983" marB="193983">
+                    <a:lnL w="12700" cmpd="sng">
+                      <a:noFill/>
+                      <a:prstDash val="solid"/>
+                    </a:lnL>
+                    <a:lnR w="12700" cmpd="sng">
+                      <a:noFill/>
+                      <a:prstDash val="solid"/>
+                    </a:lnR>
+                    <a:lnT w="9525" cap="flat" cmpd="sng" algn="ctr">
+                      <a:solidFill>
+                        <a:srgbClr val="C7C6C1"/>
+                      </a:solidFill>
+                      <a:prstDash val="solid"/>
+                    </a:lnT>
+                    <a:lnB w="9525" cap="flat" cmpd="sng" algn="ctr">
+                      <a:solidFill>
+                        <a:srgbClr val="C7C6C1"/>
+                      </a:solidFill>
+                      <a:prstDash val="solid"/>
+                    </a:lnB>
+                    <a:noFill/>
+                  </a:tcPr>
+                </a:tc>
+                <a:extLst>
+                  <a:ext uri="{0D108BD9-81ED-4DB2-BD59-A6C34878D82A}">
+                    <a16:rowId xmlns:a16="http://schemas.microsoft.com/office/drawing/2014/main" val="3027679072"/>
+                  </a:ext>
+                </a:extLst>
+              </a:tr>
+              <a:tr h="667674">
+                <a:tc>
+                  <a:txBody>
+                    <a:bodyPr/>
+                    <a:lstStyle/>
+                    <a:p>
+                      <a:r>
+                        <a:rPr lang="en-US" sz="1200" dirty="0">
+                          <a:solidFill>
+                            <a:schemeClr val="tx1">
+                              <a:lumMod val="75000"/>
+                              <a:lumOff val="25000"/>
+                            </a:schemeClr>
+                          </a:solidFill>
+                        </a:rPr>
+                        <a:t>Offline development</a:t>
+                      </a:r>
+                    </a:p>
+                  </a:txBody>
+                  <a:tcPr marL="387964" marR="290973" marT="193983" marB="193983">
+                    <a:lnL w="12700" cmpd="sng">
+                      <a:noFill/>
+                      <a:prstDash val="solid"/>
+                    </a:lnL>
+                    <a:lnR w="12700" cmpd="sng">
+                      <a:noFill/>
+                      <a:prstDash val="solid"/>
+                    </a:lnR>
+                    <a:lnT w="9525" cap="flat" cmpd="sng" algn="ctr">
+                      <a:solidFill>
+                        <a:srgbClr val="C7C6C1"/>
+                      </a:solidFill>
+                      <a:prstDash val="solid"/>
+                    </a:lnT>
+                    <a:lnB w="9525" cap="flat" cmpd="sng" algn="ctr">
+                      <a:solidFill>
+                        <a:srgbClr val="C7C6C1"/>
+                      </a:solidFill>
+                      <a:prstDash val="solid"/>
+                    </a:lnB>
+                    <a:noFill/>
+                  </a:tcPr>
+                </a:tc>
+                <a:tc>
+                  <a:txBody>
+                    <a:bodyPr/>
+                    <a:lstStyle/>
+                    <a:p>
+                      <a:r>
+                        <a:rPr lang="en-US" sz="1200" dirty="0">
+                          <a:solidFill>
+                            <a:schemeClr val="tx1">
+                              <a:lumMod val="75000"/>
+                              <a:lumOff val="25000"/>
+                            </a:schemeClr>
+                          </a:solidFill>
+                        </a:rPr>
+                        <a:t>Can be developed offline with storage emulators and Azure run time</a:t>
+                      </a:r>
+                    </a:p>
+                  </a:txBody>
+                  <a:tcPr marL="387964" marR="290973" marT="193983" marB="193983">
+                    <a:lnL w="12700" cmpd="sng">
+                      <a:noFill/>
+                      <a:prstDash val="solid"/>
+                    </a:lnL>
+                    <a:lnR w="12700" cmpd="sng">
+                      <a:noFill/>
+                      <a:prstDash val="solid"/>
+                    </a:lnR>
+                    <a:lnT w="9525" cap="flat" cmpd="sng" algn="ctr">
+                      <a:solidFill>
+                        <a:srgbClr val="C7C6C1"/>
+                      </a:solidFill>
+                      <a:prstDash val="solid"/>
+                    </a:lnT>
+                    <a:lnB w="9525" cap="flat" cmpd="sng" algn="ctr">
+                      <a:solidFill>
+                        <a:srgbClr val="C7C6C1"/>
+                      </a:solidFill>
+                      <a:prstDash val="solid"/>
+                    </a:lnB>
+                    <a:noFill/>
+                  </a:tcPr>
+                </a:tc>
+                <a:tc>
+                  <a:txBody>
+                    <a:bodyPr/>
+                    <a:lstStyle/>
+                    <a:p>
+                      <a:r>
+                        <a:rPr lang="en-US" sz="1200" dirty="0">
+                          <a:solidFill>
+                            <a:schemeClr val="tx1">
+                              <a:lumMod val="75000"/>
+                              <a:lumOff val="25000"/>
+                            </a:schemeClr>
+                          </a:solidFill>
+                        </a:rPr>
+                        <a:t>Only online development possible with Azure Access</a:t>
+                      </a:r>
+                    </a:p>
+                  </a:txBody>
+                  <a:tcPr marL="387964" marR="290973" marT="193983" marB="193983">
+                    <a:lnL w="12700" cmpd="sng">
+                      <a:noFill/>
+                      <a:prstDash val="solid"/>
+                    </a:lnL>
+                    <a:lnR w="12700" cmpd="sng">
+                      <a:noFill/>
+                      <a:prstDash val="solid"/>
+                    </a:lnR>
+                    <a:lnT w="9525" cap="flat" cmpd="sng" algn="ctr">
+                      <a:solidFill>
+                        <a:srgbClr val="C7C6C1"/>
+                      </a:solidFill>
+                      <a:prstDash val="solid"/>
+                    </a:lnT>
+                    <a:lnB w="9525" cap="flat" cmpd="sng" algn="ctr">
+                      <a:solidFill>
+                        <a:srgbClr val="C7C6C1"/>
+                      </a:solidFill>
+                      <a:prstDash val="solid"/>
+                    </a:lnB>
+                    <a:noFill/>
+                  </a:tcPr>
+                </a:tc>
+                <a:extLst>
+                  <a:ext uri="{0D108BD9-81ED-4DB2-BD59-A6C34878D82A}">
+                    <a16:rowId xmlns:a16="http://schemas.microsoft.com/office/drawing/2014/main" val="3417568620"/>
+                  </a:ext>
+                </a:extLst>
+              </a:tr>
+            </a:tbl>
+          </a:graphicData>
+        </a:graphic>
+      </p:graphicFrame>
+    </p:spTree>
+    <p:extLst>
+      <p:ext uri="{BB962C8B-B14F-4D97-AF65-F5344CB8AC3E}">
+        <p14:creationId xmlns:p14="http://schemas.microsoft.com/office/powerpoint/2010/main" val="3296659855"/>
+      </p:ext>
+    </p:extLst>
+  </p:cSld>
+  <p:clrMapOvr>
+    <a:masterClrMapping/>
+  </p:clrMapOvr>
+</p:sld>
+</file>
+
+<file path=ppt/slides/slide15.xml><?xml version="1.0" encoding="utf-8"?>
+<p:sld xmlns:a="http://schemas.openxmlformats.org/drawingml/2006/main" xmlns:r="http://schemas.openxmlformats.org/officeDocument/2006/relationships" xmlns:p="http://schemas.openxmlformats.org/presentationml/2006/main">
+  <p:cSld>
+    <p:spTree>
+      <p:nvGrpSpPr>
+        <p:cNvPr id="1" name=""/>
+        <p:cNvGrpSpPr/>
+        <p:nvPr/>
+      </p:nvGrpSpPr>
+      <p:grpSpPr>
+        <a:xfrm>
+          <a:off x="0" y="0"/>
+          <a:ext cx="0" cy="0"/>
+          <a:chOff x="0" y="0"/>
+          <a:chExt cx="0" cy="0"/>
+        </a:xfrm>
+      </p:grpSpPr>
+      <p:sp>
+        <p:nvSpPr>
+          <p:cNvPr id="2" name="Title 1">
+            <a:extLst>
+              <a:ext uri="{FF2B5EF4-FFF2-40B4-BE49-F238E27FC236}">
+                <a16:creationId xmlns:a16="http://schemas.microsoft.com/office/drawing/2014/main" id="{97262AE7-C151-4E1D-8AF8-7B13C7156105}"/>
+              </a:ext>
+            </a:extLst>
+          </p:cNvPr>
+          <p:cNvSpPr>
+            <a:spLocks noGrp="1"/>
+          </p:cNvSpPr>
+          <p:nvPr>
+            <p:ph type="title"/>
+          </p:nvPr>
+        </p:nvSpPr>
+        <p:spPr>
+          <a:xfrm>
+            <a:off x="304363" y="241758"/>
+            <a:ext cx="8464987" cy="455444"/>
+          </a:xfrm>
+        </p:spPr>
+        <p:txBody>
+          <a:bodyPr/>
+          <a:lstStyle/>
+          <a:p>
+            <a:r>
+              <a:rPr lang="en-US" dirty="0"/>
+              <a:t>Logic App vs Azure Durable function</a:t>
+            </a:r>
+          </a:p>
+        </p:txBody>
+      </p:sp>
+      <p:graphicFrame>
+        <p:nvGraphicFramePr>
+          <p:cNvPr id="4" name="Table 3">
+            <a:extLst>
+              <a:ext uri="{FF2B5EF4-FFF2-40B4-BE49-F238E27FC236}">
+                <a16:creationId xmlns:a16="http://schemas.microsoft.com/office/drawing/2014/main" id="{77C93723-9555-479B-9EF0-CDF19E13FEB1}"/>
+              </a:ext>
+            </a:extLst>
+          </p:cNvPr>
+          <p:cNvGraphicFramePr>
+            <a:graphicFrameLocks noGrp="1"/>
+          </p:cNvGraphicFramePr>
+          <p:nvPr>
+            <p:extLst>
+              <p:ext uri="{D42A27DB-BD31-4B8C-83A1-F6EECF244321}">
+                <p14:modId xmlns:p14="http://schemas.microsoft.com/office/powerpoint/2010/main" val="923059880"/>
+              </p:ext>
+            </p:extLst>
+          </p:nvPr>
+        </p:nvGraphicFramePr>
+        <p:xfrm>
+          <a:off x="415636" y="1001711"/>
+          <a:ext cx="8778240" cy="3746424"/>
+        </p:xfrm>
+        <a:graphic>
+          <a:graphicData uri="http://schemas.openxmlformats.org/drawingml/2006/table">
+            <a:tbl>
+              <a:tblPr firstRow="1" bandRow="1">
+                <a:noFill/>
+                <a:tableStyleId>{5C22544A-7EE6-4342-B048-85BDC9FD1C3A}</a:tableStyleId>
+              </a:tblPr>
+              <a:tblGrid>
+                <a:gridCol w="2347014">
+                  <a:extLst>
+                    <a:ext uri="{9D8B030D-6E8A-4147-A177-3AD203B41FA5}">
+                      <a16:colId xmlns:a16="http://schemas.microsoft.com/office/drawing/2014/main" val="715455828"/>
+                    </a:ext>
+                  </a:extLst>
+                </a:gridCol>
+                <a:gridCol w="3396887">
+                  <a:extLst>
+                    <a:ext uri="{9D8B030D-6E8A-4147-A177-3AD203B41FA5}">
+                      <a16:colId xmlns:a16="http://schemas.microsoft.com/office/drawing/2014/main" val="448385253"/>
+                    </a:ext>
+                  </a:extLst>
+                </a:gridCol>
+                <a:gridCol w="3034339">
+                  <a:extLst>
+                    <a:ext uri="{9D8B030D-6E8A-4147-A177-3AD203B41FA5}">
+                      <a16:colId xmlns:a16="http://schemas.microsoft.com/office/drawing/2014/main" val="3365019293"/>
+                    </a:ext>
+                  </a:extLst>
+                </a:gridCol>
+              </a:tblGrid>
+              <a:tr h="525800">
+                <a:tc>
+                  <a:txBody>
+                    <a:bodyPr/>
+                    <a:lstStyle/>
+                    <a:p>
+                      <a:endParaRPr lang="en-US" sz="1200" b="1" dirty="0">
+                        <a:solidFill>
+                          <a:schemeClr val="tx1">
+                            <a:lumMod val="75000"/>
+                            <a:lumOff val="25000"/>
+                          </a:schemeClr>
+                        </a:solidFill>
+                      </a:endParaRPr>
+                    </a:p>
+                  </a:txBody>
+                  <a:tcPr marL="387964" marR="290973" marT="193983" marB="193983">
+                    <a:lnL w="12700" cmpd="sng">
+                      <a:noFill/>
+                      <a:prstDash val="solid"/>
+                    </a:lnL>
+                    <a:lnR w="12700" cmpd="sng">
+                      <a:noFill/>
+                      <a:prstDash val="solid"/>
+                    </a:lnR>
+                    <a:lnT w="9525" cap="flat" cmpd="sng" algn="ctr">
+                      <a:noFill/>
+                      <a:prstDash val="solid"/>
+                    </a:lnT>
+                    <a:lnB w="9525" cap="flat" cmpd="sng" algn="ctr">
+                      <a:solidFill>
+                        <a:srgbClr val="C7C6C1"/>
+                      </a:solidFill>
+                      <a:prstDash val="solid"/>
+                    </a:lnB>
+                    <a:noFill/>
+                  </a:tcPr>
+                </a:tc>
+                <a:tc>
+                  <a:txBody>
+                    <a:bodyPr/>
+                    <a:lstStyle/>
+                    <a:p>
+                      <a:r>
+                        <a:rPr lang="en-US" sz="1200" b="1" dirty="0">
+                          <a:solidFill>
+                            <a:schemeClr val="tx1">
+                              <a:lumMod val="75000"/>
+                              <a:lumOff val="25000"/>
+                            </a:schemeClr>
+                          </a:solidFill>
+                        </a:rPr>
+                        <a:t>Durable function</a:t>
+                      </a:r>
+                    </a:p>
+                  </a:txBody>
+                  <a:tcPr marL="387964" marR="290973" marT="193983" marB="193983">
+                    <a:lnL w="12700" cmpd="sng">
+                      <a:noFill/>
+                      <a:prstDash val="solid"/>
+                    </a:lnL>
+                    <a:lnR w="12700" cmpd="sng">
+                      <a:noFill/>
+                      <a:prstDash val="solid"/>
+                    </a:lnR>
+                    <a:lnT w="9525" cap="flat" cmpd="sng" algn="ctr">
+                      <a:noFill/>
+                      <a:prstDash val="solid"/>
+                    </a:lnT>
+                    <a:lnB w="9525" cap="flat" cmpd="sng" algn="ctr">
+                      <a:solidFill>
+                        <a:srgbClr val="C7C6C1"/>
+                      </a:solidFill>
+                      <a:prstDash val="solid"/>
+                    </a:lnB>
+                    <a:noFill/>
+                  </a:tcPr>
+                </a:tc>
+                <a:tc>
+                  <a:txBody>
+                    <a:bodyPr/>
+                    <a:lstStyle/>
+                    <a:p>
+                      <a:r>
+                        <a:rPr lang="en-US" sz="1200" b="1">
+                          <a:solidFill>
+                            <a:schemeClr val="tx1">
+                              <a:lumMod val="75000"/>
+                              <a:lumOff val="25000"/>
+                            </a:schemeClr>
+                          </a:solidFill>
+                        </a:rPr>
+                        <a:t>Logic App</a:t>
+                      </a:r>
+                    </a:p>
+                  </a:txBody>
+                  <a:tcPr marL="387964" marR="290973" marT="193983" marB="193983">
+                    <a:lnL w="12700" cmpd="sng">
+                      <a:noFill/>
+                      <a:prstDash val="solid"/>
+                    </a:lnL>
+                    <a:lnR w="12700" cmpd="sng">
+                      <a:noFill/>
+                      <a:prstDash val="solid"/>
+                    </a:lnR>
+                    <a:lnT w="9525" cap="flat" cmpd="sng" algn="ctr">
+                      <a:noFill/>
+                      <a:prstDash val="solid"/>
+                    </a:lnT>
+                    <a:lnB w="9525" cap="flat" cmpd="sng" algn="ctr">
+                      <a:solidFill>
+                        <a:srgbClr val="C7C6C1"/>
+                      </a:solidFill>
+                      <a:prstDash val="solid"/>
+                    </a:lnB>
+                    <a:noFill/>
+                  </a:tcPr>
+                </a:tc>
+                <a:extLst>
+                  <a:ext uri="{0D108BD9-81ED-4DB2-BD59-A6C34878D82A}">
+                    <a16:rowId xmlns:a16="http://schemas.microsoft.com/office/drawing/2014/main" val="208790539"/>
+                  </a:ext>
+                </a:extLst>
+              </a:tr>
+              <a:tr h="1199596">
+                <a:tc>
+                  <a:txBody>
+                    <a:bodyPr/>
+                    <a:lstStyle/>
+                    <a:p>
+                      <a:r>
+                        <a:rPr lang="en-US" sz="1200" dirty="0">
+                          <a:solidFill>
+                            <a:schemeClr val="tx1">
+                              <a:lumMod val="75000"/>
+                              <a:lumOff val="25000"/>
+                            </a:schemeClr>
+                          </a:solidFill>
+                        </a:rPr>
+                        <a:t>Connectors or bindings</a:t>
+                      </a:r>
+                    </a:p>
+                  </a:txBody>
+                  <a:tcPr marL="387964" marR="290973" marT="193983" marB="193983">
+                    <a:lnL w="12700" cmpd="sng">
+                      <a:noFill/>
+                      <a:prstDash val="solid"/>
+                    </a:lnL>
+                    <a:lnR w="12700" cmpd="sng">
+                      <a:noFill/>
+                      <a:prstDash val="solid"/>
+                    </a:lnR>
+                    <a:lnT w="9525" cap="flat" cmpd="sng" algn="ctr">
+                      <a:solidFill>
+                        <a:srgbClr val="C7C6C1"/>
+                      </a:solidFill>
+                      <a:prstDash val="solid"/>
+                    </a:lnT>
+                    <a:lnB w="9525" cap="flat" cmpd="sng" algn="ctr">
+                      <a:solidFill>
+                        <a:srgbClr val="C7C6C1"/>
+                      </a:solidFill>
+                      <a:prstDash val="solid"/>
+                    </a:lnB>
+                    <a:noFill/>
+                  </a:tcPr>
+                </a:tc>
+                <a:tc>
+                  <a:txBody>
+                    <a:bodyPr/>
+                    <a:lstStyle/>
+                    <a:p>
+                      <a:r>
+                        <a:rPr lang="en-US" sz="1200" dirty="0">
+                          <a:solidFill>
+                            <a:schemeClr val="tx1">
+                              <a:lumMod val="75000"/>
+                              <a:lumOff val="25000"/>
+                            </a:schemeClr>
+                          </a:solidFill>
+                        </a:rPr>
+                        <a:t>Large number of connectors provided out of the box. Community supported connectors binding are also available</a:t>
+                      </a:r>
+                    </a:p>
+                  </a:txBody>
+                  <a:tcPr marL="387964" marR="290973" marT="193983" marB="193983">
+                    <a:lnL w="12700" cmpd="sng">
+                      <a:noFill/>
+                      <a:prstDash val="solid"/>
+                    </a:lnL>
+                    <a:lnR w="12700" cmpd="sng">
+                      <a:noFill/>
+                      <a:prstDash val="solid"/>
+                    </a:lnR>
+                    <a:lnT w="9525" cap="flat" cmpd="sng" algn="ctr">
+                      <a:solidFill>
+                        <a:srgbClr val="C7C6C1"/>
+                      </a:solidFill>
+                      <a:prstDash val="solid"/>
+                    </a:lnT>
+                    <a:lnB w="9525" cap="flat" cmpd="sng" algn="ctr">
+                      <a:solidFill>
+                        <a:srgbClr val="C7C6C1"/>
+                      </a:solidFill>
+                      <a:prstDash val="solid"/>
+                    </a:lnB>
+                    <a:noFill/>
+                  </a:tcPr>
+                </a:tc>
+                <a:tc>
+                  <a:txBody>
+                    <a:bodyPr/>
+                    <a:lstStyle/>
+                    <a:p>
+                      <a:r>
+                        <a:rPr lang="en-US" sz="1200" dirty="0">
+                          <a:solidFill>
+                            <a:schemeClr val="tx1">
+                              <a:lumMod val="75000"/>
+                              <a:lumOff val="25000"/>
+                            </a:schemeClr>
+                          </a:solidFill>
+                        </a:rPr>
+                        <a:t>Support for more than 200 connectors OOB. Microsoft actively expanding it day by day. Capability to trigger workflow as well move data is available</a:t>
+                      </a:r>
+                    </a:p>
+                  </a:txBody>
+                  <a:tcPr marL="387964" marR="290973" marT="193983" marB="193983">
+                    <a:lnL w="12700" cmpd="sng">
+                      <a:noFill/>
+                      <a:prstDash val="solid"/>
+                    </a:lnL>
+                    <a:lnR w="12700" cmpd="sng">
+                      <a:noFill/>
+                      <a:prstDash val="solid"/>
+                    </a:lnR>
+                    <a:lnT w="9525" cap="flat" cmpd="sng" algn="ctr">
+                      <a:solidFill>
+                        <a:srgbClr val="C7C6C1"/>
+                      </a:solidFill>
+                      <a:prstDash val="solid"/>
+                    </a:lnT>
+                    <a:lnB w="9525" cap="flat" cmpd="sng" algn="ctr">
+                      <a:solidFill>
+                        <a:srgbClr val="C7C6C1"/>
+                      </a:solidFill>
+                      <a:prstDash val="solid"/>
+                    </a:lnB>
+                    <a:noFill/>
+                  </a:tcPr>
+                </a:tc>
+                <a:extLst>
+                  <a:ext uri="{0D108BD9-81ED-4DB2-BD59-A6C34878D82A}">
+                    <a16:rowId xmlns:a16="http://schemas.microsoft.com/office/drawing/2014/main" val="921590018"/>
+                  </a:ext>
+                </a:extLst>
+              </a:tr>
+              <a:tr h="694249">
+                <a:tc>
+                  <a:txBody>
+                    <a:bodyPr/>
+                    <a:lstStyle/>
+                    <a:p>
+                      <a:r>
+                        <a:rPr lang="en-US" sz="1200" dirty="0">
+                          <a:solidFill>
+                            <a:schemeClr val="tx1">
+                              <a:lumMod val="75000"/>
+                              <a:lumOff val="25000"/>
+                            </a:schemeClr>
+                          </a:solidFill>
+                        </a:rPr>
+                        <a:t>Custom connector development</a:t>
+                      </a:r>
+                    </a:p>
+                  </a:txBody>
+                  <a:tcPr marL="387964" marR="290973" marT="193983" marB="193983">
+                    <a:lnL w="12700" cmpd="sng">
+                      <a:noFill/>
+                      <a:prstDash val="solid"/>
+                    </a:lnL>
+                    <a:lnR w="12700" cmpd="sng">
+                      <a:noFill/>
+                      <a:prstDash val="solid"/>
+                    </a:lnR>
+                    <a:lnT w="9525" cap="flat" cmpd="sng" algn="ctr">
+                      <a:solidFill>
+                        <a:srgbClr val="C7C6C1"/>
+                      </a:solidFill>
+                      <a:prstDash val="solid"/>
+                    </a:lnT>
+                    <a:lnB w="9525" cap="flat" cmpd="sng" algn="ctr">
+                      <a:solidFill>
+                        <a:srgbClr val="C7C6C1"/>
+                      </a:solidFill>
+                      <a:prstDash val="solid"/>
+                    </a:lnB>
+                    <a:noFill/>
+                  </a:tcPr>
+                </a:tc>
+                <a:tc>
+                  <a:txBody>
+                    <a:bodyPr/>
+                    <a:lstStyle/>
+                    <a:p>
+                      <a:r>
+                        <a:rPr lang="en-US" sz="1200" dirty="0">
+                          <a:solidFill>
+                            <a:schemeClr val="tx1">
+                              <a:lumMod val="75000"/>
+                              <a:lumOff val="25000"/>
+                            </a:schemeClr>
+                          </a:solidFill>
+                        </a:rPr>
+                        <a:t> Possible</a:t>
+                      </a:r>
+                    </a:p>
+                  </a:txBody>
+                  <a:tcPr marL="387964" marR="290973" marT="193983" marB="193983">
+                    <a:lnL w="12700" cmpd="sng">
+                      <a:noFill/>
+                      <a:prstDash val="solid"/>
+                    </a:lnL>
+                    <a:lnR w="12700" cmpd="sng">
+                      <a:noFill/>
+                      <a:prstDash val="solid"/>
+                    </a:lnR>
+                    <a:lnT w="9525" cap="flat" cmpd="sng" algn="ctr">
+                      <a:solidFill>
+                        <a:srgbClr val="C7C6C1"/>
+                      </a:solidFill>
+                      <a:prstDash val="solid"/>
+                    </a:lnT>
+                    <a:lnB w="9525" cap="flat" cmpd="sng" algn="ctr">
+                      <a:solidFill>
+                        <a:srgbClr val="C7C6C1"/>
+                      </a:solidFill>
+                      <a:prstDash val="solid"/>
+                    </a:lnB>
+                    <a:noFill/>
+                  </a:tcPr>
+                </a:tc>
+                <a:tc>
+                  <a:txBody>
+                    <a:bodyPr/>
+                    <a:lstStyle/>
+                    <a:p>
+                      <a:r>
+                        <a:rPr lang="en-US" sz="1200" dirty="0">
+                          <a:solidFill>
+                            <a:schemeClr val="tx1">
+                              <a:lumMod val="75000"/>
+                              <a:lumOff val="25000"/>
+                            </a:schemeClr>
+                          </a:solidFill>
+                        </a:rPr>
+                        <a:t>Possible</a:t>
+                      </a:r>
+                    </a:p>
+                  </a:txBody>
+                  <a:tcPr marL="387964" marR="290973" marT="193983" marB="193983">
+                    <a:lnL w="12700" cmpd="sng">
+                      <a:noFill/>
+                      <a:prstDash val="solid"/>
+                    </a:lnL>
+                    <a:lnR w="12700" cmpd="sng">
+                      <a:noFill/>
+                      <a:prstDash val="solid"/>
+                    </a:lnR>
+                    <a:lnT w="9525" cap="flat" cmpd="sng" algn="ctr">
+                      <a:solidFill>
+                        <a:srgbClr val="C7C6C1"/>
+                      </a:solidFill>
+                      <a:prstDash val="solid"/>
+                    </a:lnT>
+                    <a:lnB w="9525" cap="flat" cmpd="sng" algn="ctr">
+                      <a:solidFill>
+                        <a:srgbClr val="C7C6C1"/>
+                      </a:solidFill>
+                      <a:prstDash val="solid"/>
+                    </a:lnB>
+                    <a:noFill/>
+                  </a:tcPr>
+                </a:tc>
+                <a:extLst>
+                  <a:ext uri="{0D108BD9-81ED-4DB2-BD59-A6C34878D82A}">
+                    <a16:rowId xmlns:a16="http://schemas.microsoft.com/office/drawing/2014/main" val="3027679072"/>
+                  </a:ext>
+                </a:extLst>
+              </a:tr>
+              <a:tr h="1031147">
+                <a:tc>
+                  <a:txBody>
+                    <a:bodyPr/>
+                    <a:lstStyle/>
+                    <a:p>
+                      <a:r>
+                        <a:rPr lang="en-US" sz="1200" dirty="0">
+                          <a:solidFill>
+                            <a:schemeClr val="tx1">
+                              <a:lumMod val="75000"/>
+                              <a:lumOff val="25000"/>
+                            </a:schemeClr>
+                          </a:solidFill>
+                        </a:rPr>
+                        <a:t>Hybrid connectivity</a:t>
+                      </a:r>
+                    </a:p>
+                  </a:txBody>
+                  <a:tcPr marL="387964" marR="290973" marT="193983" marB="193983">
+                    <a:lnL w="12700" cmpd="sng">
+                      <a:noFill/>
+                      <a:prstDash val="solid"/>
+                    </a:lnL>
+                    <a:lnR w="12700" cmpd="sng">
+                      <a:noFill/>
+                      <a:prstDash val="solid"/>
+                    </a:lnR>
+                    <a:lnT w="9525" cap="flat" cmpd="sng" algn="ctr">
+                      <a:solidFill>
+                        <a:srgbClr val="C7C6C1"/>
+                      </a:solidFill>
+                      <a:prstDash val="solid"/>
+                    </a:lnT>
+                    <a:lnB w="9525" cap="flat" cmpd="sng" algn="ctr">
+                      <a:solidFill>
+                        <a:srgbClr val="C7C6C1"/>
+                      </a:solidFill>
+                      <a:prstDash val="solid"/>
+                    </a:lnB>
+                    <a:noFill/>
+                  </a:tcPr>
+                </a:tc>
+                <a:tc>
+                  <a:txBody>
+                    <a:bodyPr/>
+                    <a:lstStyle/>
+                    <a:p>
+                      <a:r>
+                        <a:rPr lang="en-US" sz="1200" dirty="0">
+                          <a:solidFill>
+                            <a:schemeClr val="tx1">
+                              <a:lumMod val="75000"/>
+                              <a:lumOff val="25000"/>
+                            </a:schemeClr>
+                          </a:solidFill>
+                        </a:rPr>
+                        <a:t>Possible if hosted on App Service Plan. It can create TCP tunnel as well as can be hosted on Internal VNET</a:t>
+                      </a:r>
+                    </a:p>
+                  </a:txBody>
+                  <a:tcPr marL="387964" marR="290973" marT="193983" marB="193983">
+                    <a:lnL w="12700" cmpd="sng">
+                      <a:noFill/>
+                      <a:prstDash val="solid"/>
+                    </a:lnL>
+                    <a:lnR w="12700" cmpd="sng">
+                      <a:noFill/>
+                      <a:prstDash val="solid"/>
+                    </a:lnR>
+                    <a:lnT w="9525" cap="flat" cmpd="sng" algn="ctr">
+                      <a:solidFill>
+                        <a:srgbClr val="C7C6C1"/>
+                      </a:solidFill>
+                      <a:prstDash val="solid"/>
+                    </a:lnT>
+                    <a:lnB w="9525" cap="flat" cmpd="sng" algn="ctr">
+                      <a:solidFill>
+                        <a:srgbClr val="C7C6C1"/>
+                      </a:solidFill>
+                      <a:prstDash val="solid"/>
+                    </a:lnB>
+                    <a:noFill/>
+                  </a:tcPr>
+                </a:tc>
+                <a:tc>
+                  <a:txBody>
+                    <a:bodyPr/>
+                    <a:lstStyle/>
+                    <a:p>
+                      <a:r>
+                        <a:rPr lang="en-US" sz="1200" dirty="0">
+                          <a:solidFill>
+                            <a:schemeClr val="tx1">
+                              <a:lumMod val="75000"/>
+                              <a:lumOff val="25000"/>
+                            </a:schemeClr>
+                          </a:solidFill>
+                        </a:rPr>
+                        <a:t>Possible only through On premise data gateway that involves installing a component on premise to expose the data</a:t>
+                      </a:r>
+                    </a:p>
+                  </a:txBody>
+                  <a:tcPr marL="387964" marR="290973" marT="193983" marB="193983">
+                    <a:lnL w="12700" cmpd="sng">
+                      <a:noFill/>
+                      <a:prstDash val="solid"/>
+                    </a:lnL>
+                    <a:lnR w="12700" cmpd="sng">
+                      <a:noFill/>
+                      <a:prstDash val="solid"/>
+                    </a:lnR>
+                    <a:lnT w="9525" cap="flat" cmpd="sng" algn="ctr">
+                      <a:solidFill>
+                        <a:srgbClr val="C7C6C1"/>
+                      </a:solidFill>
+                      <a:prstDash val="solid"/>
+                    </a:lnT>
+                    <a:lnB w="9525" cap="flat" cmpd="sng" algn="ctr">
+                      <a:solidFill>
+                        <a:srgbClr val="C7C6C1"/>
+                      </a:solidFill>
+                      <a:prstDash val="solid"/>
+                    </a:lnB>
+                    <a:noFill/>
+                  </a:tcPr>
+                </a:tc>
+                <a:extLst>
+                  <a:ext uri="{0D108BD9-81ED-4DB2-BD59-A6C34878D82A}">
+                    <a16:rowId xmlns:a16="http://schemas.microsoft.com/office/drawing/2014/main" val="3417568620"/>
+                  </a:ext>
+                </a:extLst>
+              </a:tr>
+            </a:tbl>
+          </a:graphicData>
+        </a:graphic>
+      </p:graphicFrame>
+      <p:sp>
+        <p:nvSpPr>
+          <p:cNvPr id="5" name="Rectangle 4">
+            <a:extLst>
+              <a:ext uri="{FF2B5EF4-FFF2-40B4-BE49-F238E27FC236}">
+                <a16:creationId xmlns:a16="http://schemas.microsoft.com/office/drawing/2014/main" id="{96609CD3-B5ED-48EC-84F1-E74F375CCF40}"/>
+              </a:ext>
+            </a:extLst>
+          </p:cNvPr>
+          <p:cNvSpPr/>
+          <p:nvPr/>
+        </p:nvSpPr>
+        <p:spPr>
+          <a:xfrm>
+            <a:off x="0" y="851043"/>
+            <a:ext cx="2587337" cy="301336"/>
+          </a:xfrm>
+          <a:prstGeom prst="rect">
+            <a:avLst/>
+          </a:prstGeom>
+          <a:solidFill>
+            <a:schemeClr val="tx2"/>
+          </a:solidFill>
+          <a:ln>
+            <a:noFill/>
+          </a:ln>
+          <a:effectLst/>
+        </p:spPr>
+        <p:style>
+          <a:lnRef idx="1">
+            <a:schemeClr val="accent1"/>
+          </a:lnRef>
+          <a:fillRef idx="3">
+            <a:schemeClr val="accent1"/>
+          </a:fillRef>
+          <a:effectRef idx="2">
+            <a:schemeClr val="accent1"/>
+          </a:effectRef>
+          <a:fontRef idx="minor">
+            <a:schemeClr val="lt1"/>
+          </a:fontRef>
+        </p:style>
+        <p:txBody>
+          <a:bodyPr rtlCol="0" anchor="ctr"/>
+          <a:lstStyle/>
+          <a:p>
+            <a:pPr algn="ctr"/>
+            <a:r>
+              <a:rPr lang="en-US" sz="1600" dirty="0">
+                <a:solidFill>
+                  <a:schemeClr val="accent3">
+                    <a:lumMod val="50000"/>
+                  </a:schemeClr>
+                </a:solidFill>
+              </a:rPr>
+              <a:t>Connectivity</a:t>
+            </a:r>
+          </a:p>
+        </p:txBody>
+      </p:sp>
+    </p:spTree>
+    <p:extLst>
+      <p:ext uri="{BB962C8B-B14F-4D97-AF65-F5344CB8AC3E}">
+        <p14:creationId xmlns:p14="http://schemas.microsoft.com/office/powerpoint/2010/main" val="3307338298"/>
+      </p:ext>
+    </p:extLst>
+  </p:cSld>
+  <p:clrMapOvr>
+    <a:masterClrMapping/>
+  </p:clrMapOvr>
+</p:sld>
+</file>
+
+<file path=ppt/slides/slide16.xml><?xml version="1.0" encoding="utf-8"?>
+<p:sld xmlns:a="http://schemas.openxmlformats.org/drawingml/2006/main" xmlns:r="http://schemas.openxmlformats.org/officeDocument/2006/relationships" xmlns:p="http://schemas.openxmlformats.org/presentationml/2006/main">
+  <p:cSld>
+    <p:spTree>
+      <p:nvGrpSpPr>
+        <p:cNvPr id="1" name=""/>
+        <p:cNvGrpSpPr/>
+        <p:nvPr/>
+      </p:nvGrpSpPr>
+      <p:grpSpPr>
+        <a:xfrm>
+          <a:off x="0" y="0"/>
+          <a:ext cx="0" cy="0"/>
+          <a:chOff x="0" y="0"/>
+          <a:chExt cx="0" cy="0"/>
+        </a:xfrm>
+      </p:grpSpPr>
+      <p:sp>
+        <p:nvSpPr>
+          <p:cNvPr id="2" name="Title 1">
+            <a:extLst>
+              <a:ext uri="{FF2B5EF4-FFF2-40B4-BE49-F238E27FC236}">
+                <a16:creationId xmlns:a16="http://schemas.microsoft.com/office/drawing/2014/main" id="{CD8C789D-052F-4DC7-B684-C0D3F473FC4F}"/>
+              </a:ext>
+            </a:extLst>
+          </p:cNvPr>
+          <p:cNvSpPr>
+            <a:spLocks noGrp="1"/>
+          </p:cNvSpPr>
+          <p:nvPr>
+            <p:ph type="title"/>
           </p:nvPr>
         </p:nvSpPr>
         <p:spPr/>
@@ -32009,14 +36719,3595 @@
           <a:bodyPr/>
           <a:lstStyle/>
           <a:p>
-            <a:endParaRPr lang="en-US"/>
+            <a:r>
+              <a:rPr lang="en-US" dirty="0"/>
+              <a:t>Logic App vs Azure Durable function</a:t>
+            </a:r>
+          </a:p>
+        </p:txBody>
+      </p:sp>
+      <p:sp>
+        <p:nvSpPr>
+          <p:cNvPr id="4" name="Rectangle 3">
+            <a:extLst>
+              <a:ext uri="{FF2B5EF4-FFF2-40B4-BE49-F238E27FC236}">
+                <a16:creationId xmlns:a16="http://schemas.microsoft.com/office/drawing/2014/main" id="{03C24397-D798-4D24-A17C-229A89B20464}"/>
+              </a:ext>
+            </a:extLst>
+          </p:cNvPr>
+          <p:cNvSpPr/>
+          <p:nvPr/>
+        </p:nvSpPr>
+        <p:spPr>
+          <a:xfrm>
+            <a:off x="0" y="851043"/>
+            <a:ext cx="2587337" cy="301336"/>
+          </a:xfrm>
+          <a:prstGeom prst="rect">
+            <a:avLst/>
+          </a:prstGeom>
+          <a:solidFill>
+            <a:schemeClr val="tx2"/>
+          </a:solidFill>
+          <a:ln>
+            <a:noFill/>
+          </a:ln>
+          <a:effectLst/>
+        </p:spPr>
+        <p:style>
+          <a:lnRef idx="1">
+            <a:schemeClr val="accent1"/>
+          </a:lnRef>
+          <a:fillRef idx="3">
+            <a:schemeClr val="accent1"/>
+          </a:fillRef>
+          <a:effectRef idx="2">
+            <a:schemeClr val="accent1"/>
+          </a:effectRef>
+          <a:fontRef idx="minor">
+            <a:schemeClr val="lt1"/>
+          </a:fontRef>
+        </p:style>
+        <p:txBody>
+          <a:bodyPr rtlCol="0" anchor="ctr"/>
+          <a:lstStyle/>
+          <a:p>
+            <a:pPr algn="ctr"/>
+            <a:r>
+              <a:rPr lang="en-US" sz="1600" dirty="0">
+                <a:solidFill>
+                  <a:schemeClr val="accent3">
+                    <a:lumMod val="50000"/>
+                  </a:schemeClr>
+                </a:solidFill>
+              </a:rPr>
+              <a:t>Workflow capabilities</a:t>
+            </a:r>
+          </a:p>
+        </p:txBody>
+      </p:sp>
+      <p:graphicFrame>
+        <p:nvGraphicFramePr>
+          <p:cNvPr id="5" name="Table 4">
+            <a:extLst>
+              <a:ext uri="{FF2B5EF4-FFF2-40B4-BE49-F238E27FC236}">
+                <a16:creationId xmlns:a16="http://schemas.microsoft.com/office/drawing/2014/main" id="{685214F1-1CA6-424F-91CC-AC32CE62FE33}"/>
+              </a:ext>
+            </a:extLst>
+          </p:cNvPr>
+          <p:cNvGraphicFramePr>
+            <a:graphicFrameLocks noGrp="1"/>
+          </p:cNvGraphicFramePr>
+          <p:nvPr>
+            <p:extLst>
+              <p:ext uri="{D42A27DB-BD31-4B8C-83A1-F6EECF244321}">
+                <p14:modId xmlns:p14="http://schemas.microsoft.com/office/powerpoint/2010/main" val="2801348410"/>
+              </p:ext>
+            </p:extLst>
+          </p:nvPr>
+        </p:nvGraphicFramePr>
+        <p:xfrm>
+          <a:off x="365760" y="851043"/>
+          <a:ext cx="8778240" cy="3768630"/>
+        </p:xfrm>
+        <a:graphic>
+          <a:graphicData uri="http://schemas.openxmlformats.org/drawingml/2006/table">
+            <a:tbl>
+              <a:tblPr firstRow="1" bandRow="1">
+                <a:noFill/>
+                <a:tableStyleId>{5C22544A-7EE6-4342-B048-85BDC9FD1C3A}</a:tableStyleId>
+              </a:tblPr>
+              <a:tblGrid>
+                <a:gridCol w="2347014">
+                  <a:extLst>
+                    <a:ext uri="{9D8B030D-6E8A-4147-A177-3AD203B41FA5}">
+                      <a16:colId xmlns:a16="http://schemas.microsoft.com/office/drawing/2014/main" val="715455828"/>
+                    </a:ext>
+                  </a:extLst>
+                </a:gridCol>
+                <a:gridCol w="3396887">
+                  <a:extLst>
+                    <a:ext uri="{9D8B030D-6E8A-4147-A177-3AD203B41FA5}">
+                      <a16:colId xmlns:a16="http://schemas.microsoft.com/office/drawing/2014/main" val="448385253"/>
+                    </a:ext>
+                  </a:extLst>
+                </a:gridCol>
+                <a:gridCol w="3034339">
+                  <a:extLst>
+                    <a:ext uri="{9D8B030D-6E8A-4147-A177-3AD203B41FA5}">
+                      <a16:colId xmlns:a16="http://schemas.microsoft.com/office/drawing/2014/main" val="3365019293"/>
+                    </a:ext>
+                  </a:extLst>
+                </a:gridCol>
+              </a:tblGrid>
+              <a:tr h="543838">
+                <a:tc>
+                  <a:txBody>
+                    <a:bodyPr/>
+                    <a:lstStyle/>
+                    <a:p>
+                      <a:endParaRPr lang="en-US" sz="1200" b="1" dirty="0">
+                        <a:solidFill>
+                          <a:schemeClr val="tx1">
+                            <a:lumMod val="75000"/>
+                            <a:lumOff val="25000"/>
+                          </a:schemeClr>
+                        </a:solidFill>
+                      </a:endParaRPr>
+                    </a:p>
+                  </a:txBody>
+                  <a:tcPr marL="387964" marR="290973" marT="193983" marB="193983">
+                    <a:lnL w="12700" cmpd="sng">
+                      <a:noFill/>
+                      <a:prstDash val="solid"/>
+                    </a:lnL>
+                    <a:lnR w="12700" cmpd="sng">
+                      <a:noFill/>
+                      <a:prstDash val="solid"/>
+                    </a:lnR>
+                    <a:lnT w="9525" cap="flat" cmpd="sng" algn="ctr">
+                      <a:noFill/>
+                      <a:prstDash val="solid"/>
+                    </a:lnT>
+                    <a:lnB w="9525" cap="flat" cmpd="sng" algn="ctr">
+                      <a:solidFill>
+                        <a:srgbClr val="C7C6C1"/>
+                      </a:solidFill>
+                      <a:prstDash val="solid"/>
+                    </a:lnB>
+                    <a:noFill/>
+                  </a:tcPr>
+                </a:tc>
+                <a:tc>
+                  <a:txBody>
+                    <a:bodyPr/>
+                    <a:lstStyle/>
+                    <a:p>
+                      <a:r>
+                        <a:rPr lang="en-US" sz="1200" b="1" dirty="0">
+                          <a:solidFill>
+                            <a:schemeClr val="tx1">
+                              <a:lumMod val="75000"/>
+                              <a:lumOff val="25000"/>
+                            </a:schemeClr>
+                          </a:solidFill>
+                        </a:rPr>
+                        <a:t>Durable function</a:t>
+                      </a:r>
+                    </a:p>
+                  </a:txBody>
+                  <a:tcPr marL="387964" marR="290973" marT="193983" marB="193983">
+                    <a:lnL w="12700" cmpd="sng">
+                      <a:noFill/>
+                      <a:prstDash val="solid"/>
+                    </a:lnL>
+                    <a:lnR w="12700" cmpd="sng">
+                      <a:noFill/>
+                      <a:prstDash val="solid"/>
+                    </a:lnR>
+                    <a:lnT w="9525" cap="flat" cmpd="sng" algn="ctr">
+                      <a:noFill/>
+                      <a:prstDash val="solid"/>
+                    </a:lnT>
+                    <a:lnB w="9525" cap="flat" cmpd="sng" algn="ctr">
+                      <a:solidFill>
+                        <a:srgbClr val="C7C6C1"/>
+                      </a:solidFill>
+                      <a:prstDash val="solid"/>
+                    </a:lnB>
+                    <a:noFill/>
+                  </a:tcPr>
+                </a:tc>
+                <a:tc>
+                  <a:txBody>
+                    <a:bodyPr/>
+                    <a:lstStyle/>
+                    <a:p>
+                      <a:r>
+                        <a:rPr lang="en-US" sz="1200" b="1">
+                          <a:solidFill>
+                            <a:schemeClr val="tx1">
+                              <a:lumMod val="75000"/>
+                              <a:lumOff val="25000"/>
+                            </a:schemeClr>
+                          </a:solidFill>
+                        </a:rPr>
+                        <a:t>Logic App</a:t>
+                      </a:r>
+                    </a:p>
+                  </a:txBody>
+                  <a:tcPr marL="387964" marR="290973" marT="193983" marB="193983">
+                    <a:lnL w="12700" cmpd="sng">
+                      <a:noFill/>
+                      <a:prstDash val="solid"/>
+                    </a:lnL>
+                    <a:lnR w="12700" cmpd="sng">
+                      <a:noFill/>
+                      <a:prstDash val="solid"/>
+                    </a:lnR>
+                    <a:lnT w="9525" cap="flat" cmpd="sng" algn="ctr">
+                      <a:noFill/>
+                      <a:prstDash val="solid"/>
+                    </a:lnT>
+                    <a:lnB w="9525" cap="flat" cmpd="sng" algn="ctr">
+                      <a:solidFill>
+                        <a:srgbClr val="C7C6C1"/>
+                      </a:solidFill>
+                      <a:prstDash val="solid"/>
+                    </a:lnB>
+                    <a:noFill/>
+                  </a:tcPr>
+                </a:tc>
+                <a:extLst>
+                  <a:ext uri="{0D108BD9-81ED-4DB2-BD59-A6C34878D82A}">
+                    <a16:rowId xmlns:a16="http://schemas.microsoft.com/office/drawing/2014/main" val="208790539"/>
+                  </a:ext>
+                </a:extLst>
+              </a:tr>
+              <a:tr h="718065">
+                <a:tc>
+                  <a:txBody>
+                    <a:bodyPr/>
+                    <a:lstStyle/>
+                    <a:p>
+                      <a:r>
+                        <a:rPr lang="en-US" sz="1200" dirty="0">
+                          <a:solidFill>
+                            <a:schemeClr val="tx1">
+                              <a:lumMod val="75000"/>
+                              <a:lumOff val="25000"/>
+                            </a:schemeClr>
+                          </a:solidFill>
+                        </a:rPr>
+                        <a:t>Trigger</a:t>
+                      </a:r>
+                    </a:p>
+                  </a:txBody>
+                  <a:tcPr marL="387964" marR="290973" marT="193983" marB="193983">
+                    <a:lnL w="12700" cmpd="sng">
+                      <a:noFill/>
+                      <a:prstDash val="solid"/>
+                    </a:lnL>
+                    <a:lnR w="12700" cmpd="sng">
+                      <a:noFill/>
+                      <a:prstDash val="solid"/>
+                    </a:lnR>
+                    <a:lnT w="9525" cap="flat" cmpd="sng" algn="ctr">
+                      <a:solidFill>
+                        <a:srgbClr val="C7C6C1"/>
+                      </a:solidFill>
+                      <a:prstDash val="solid"/>
+                    </a:lnT>
+                    <a:lnB w="9525" cap="flat" cmpd="sng" algn="ctr">
+                      <a:solidFill>
+                        <a:srgbClr val="C7C6C1"/>
+                      </a:solidFill>
+                      <a:prstDash val="solid"/>
+                    </a:lnB>
+                    <a:noFill/>
+                  </a:tcPr>
+                </a:tc>
+                <a:tc>
+                  <a:txBody>
+                    <a:bodyPr/>
+                    <a:lstStyle/>
+                    <a:p>
+                      <a:r>
+                        <a:rPr lang="en-US" sz="1200" dirty="0">
+                          <a:solidFill>
+                            <a:schemeClr val="tx1">
+                              <a:lumMod val="75000"/>
+                              <a:lumOff val="25000"/>
+                            </a:schemeClr>
+                          </a:solidFill>
+                        </a:rPr>
+                        <a:t>Can be initiated with orchestration client</a:t>
+                      </a:r>
+                    </a:p>
+                  </a:txBody>
+                  <a:tcPr marL="387964" marR="290973" marT="193983" marB="193983">
+                    <a:lnL w="12700" cmpd="sng">
+                      <a:noFill/>
+                      <a:prstDash val="solid"/>
+                    </a:lnL>
+                    <a:lnR w="12700" cmpd="sng">
+                      <a:noFill/>
+                      <a:prstDash val="solid"/>
+                    </a:lnR>
+                    <a:lnT w="9525" cap="flat" cmpd="sng" algn="ctr">
+                      <a:solidFill>
+                        <a:srgbClr val="C7C6C1"/>
+                      </a:solidFill>
+                      <a:prstDash val="solid"/>
+                    </a:lnT>
+                    <a:lnB w="9525" cap="flat" cmpd="sng" algn="ctr">
+                      <a:solidFill>
+                        <a:srgbClr val="C7C6C1"/>
+                      </a:solidFill>
+                      <a:prstDash val="solid"/>
+                    </a:lnB>
+                    <a:noFill/>
+                  </a:tcPr>
+                </a:tc>
+                <a:tc>
+                  <a:txBody>
+                    <a:bodyPr/>
+                    <a:lstStyle/>
+                    <a:p>
+                      <a:r>
+                        <a:rPr lang="en-US" sz="1200" dirty="0">
+                          <a:solidFill>
+                            <a:schemeClr val="tx1">
+                              <a:lumMod val="75000"/>
+                              <a:lumOff val="25000"/>
+                            </a:schemeClr>
+                          </a:solidFill>
+                        </a:rPr>
+                        <a:t>Can be triggered by any logic app trigger</a:t>
+                      </a:r>
+                    </a:p>
+                  </a:txBody>
+                  <a:tcPr marL="387964" marR="290973" marT="193983" marB="193983">
+                    <a:lnL w="12700" cmpd="sng">
+                      <a:noFill/>
+                      <a:prstDash val="solid"/>
+                    </a:lnL>
+                    <a:lnR w="12700" cmpd="sng">
+                      <a:noFill/>
+                      <a:prstDash val="solid"/>
+                    </a:lnR>
+                    <a:lnT w="9525" cap="flat" cmpd="sng" algn="ctr">
+                      <a:solidFill>
+                        <a:srgbClr val="C7C6C1"/>
+                      </a:solidFill>
+                      <a:prstDash val="solid"/>
+                    </a:lnT>
+                    <a:lnB w="9525" cap="flat" cmpd="sng" algn="ctr">
+                      <a:solidFill>
+                        <a:srgbClr val="C7C6C1"/>
+                      </a:solidFill>
+                      <a:prstDash val="solid"/>
+                    </a:lnB>
+                    <a:noFill/>
+                  </a:tcPr>
+                </a:tc>
+                <a:extLst>
+                  <a:ext uri="{0D108BD9-81ED-4DB2-BD59-A6C34878D82A}">
+                    <a16:rowId xmlns:a16="http://schemas.microsoft.com/office/drawing/2014/main" val="921590018"/>
+                  </a:ext>
+                </a:extLst>
+              </a:tr>
+              <a:tr h="1066520">
+                <a:tc>
+                  <a:txBody>
+                    <a:bodyPr/>
+                    <a:lstStyle/>
+                    <a:p>
+                      <a:r>
+                        <a:rPr lang="en-US" sz="1200" dirty="0">
+                          <a:solidFill>
+                            <a:schemeClr val="tx1">
+                              <a:lumMod val="75000"/>
+                              <a:lumOff val="25000"/>
+                            </a:schemeClr>
+                          </a:solidFill>
+                        </a:rPr>
+                        <a:t>Activity that responds</a:t>
+                      </a:r>
+                    </a:p>
+                  </a:txBody>
+                  <a:tcPr marL="387964" marR="290973" marT="193983" marB="193983">
+                    <a:lnL w="12700" cmpd="sng">
+                      <a:noFill/>
+                      <a:prstDash val="solid"/>
+                    </a:lnL>
+                    <a:lnR w="12700" cmpd="sng">
+                      <a:noFill/>
+                      <a:prstDash val="solid"/>
+                    </a:lnR>
+                    <a:lnT w="9525" cap="flat" cmpd="sng" algn="ctr">
+                      <a:solidFill>
+                        <a:srgbClr val="C7C6C1"/>
+                      </a:solidFill>
+                      <a:prstDash val="solid"/>
+                    </a:lnT>
+                    <a:lnB w="9525" cap="flat" cmpd="sng" algn="ctr">
+                      <a:solidFill>
+                        <a:srgbClr val="C7C6C1"/>
+                      </a:solidFill>
+                      <a:prstDash val="solid"/>
+                    </a:lnB>
+                    <a:noFill/>
+                  </a:tcPr>
+                </a:tc>
+                <a:tc>
+                  <a:txBody>
+                    <a:bodyPr/>
+                    <a:lstStyle/>
+                    <a:p>
+                      <a:r>
+                        <a:rPr lang="en-US" sz="1200" dirty="0">
+                          <a:solidFill>
+                            <a:schemeClr val="tx1">
+                              <a:lumMod val="75000"/>
+                              <a:lumOff val="25000"/>
+                            </a:schemeClr>
+                          </a:solidFill>
+                        </a:rPr>
+                        <a:t> Possible through Activity trigger attribute. Can create sub orchestration. Can call activity that are in same function App</a:t>
+                      </a:r>
+                    </a:p>
+                  </a:txBody>
+                  <a:tcPr marL="387964" marR="290973" marT="193983" marB="193983">
+                    <a:lnL w="12700" cmpd="sng">
+                      <a:noFill/>
+                      <a:prstDash val="solid"/>
+                    </a:lnL>
+                    <a:lnR w="12700" cmpd="sng">
+                      <a:noFill/>
+                      <a:prstDash val="solid"/>
+                    </a:lnR>
+                    <a:lnT w="9525" cap="flat" cmpd="sng" algn="ctr">
+                      <a:solidFill>
+                        <a:srgbClr val="C7C6C1"/>
+                      </a:solidFill>
+                      <a:prstDash val="solid"/>
+                    </a:lnT>
+                    <a:lnB w="9525" cap="flat" cmpd="sng" algn="ctr">
+                      <a:solidFill>
+                        <a:srgbClr val="C7C6C1"/>
+                      </a:solidFill>
+                      <a:prstDash val="solid"/>
+                    </a:lnB>
+                    <a:noFill/>
+                  </a:tcPr>
+                </a:tc>
+                <a:tc>
+                  <a:txBody>
+                    <a:bodyPr/>
+                    <a:lstStyle/>
+                    <a:p>
+                      <a:r>
+                        <a:rPr lang="en-US" sz="1200" dirty="0">
+                          <a:solidFill>
+                            <a:schemeClr val="tx1">
+                              <a:lumMod val="75000"/>
+                              <a:lumOff val="25000"/>
+                            </a:schemeClr>
+                          </a:solidFill>
+                        </a:rPr>
+                        <a:t>Huge set of orchestration possible</a:t>
+                      </a:r>
+                    </a:p>
+                  </a:txBody>
+                  <a:tcPr marL="387964" marR="290973" marT="193983" marB="193983">
+                    <a:lnL w="12700" cmpd="sng">
+                      <a:noFill/>
+                      <a:prstDash val="solid"/>
+                    </a:lnL>
+                    <a:lnR w="12700" cmpd="sng">
+                      <a:noFill/>
+                      <a:prstDash val="solid"/>
+                    </a:lnR>
+                    <a:lnT w="9525" cap="flat" cmpd="sng" algn="ctr">
+                      <a:solidFill>
+                        <a:srgbClr val="C7C6C1"/>
+                      </a:solidFill>
+                      <a:prstDash val="solid"/>
+                    </a:lnT>
+                    <a:lnB w="9525" cap="flat" cmpd="sng" algn="ctr">
+                      <a:solidFill>
+                        <a:srgbClr val="C7C6C1"/>
+                      </a:solidFill>
+                      <a:prstDash val="solid"/>
+                    </a:lnB>
+                    <a:noFill/>
+                  </a:tcPr>
+                </a:tc>
+                <a:extLst>
+                  <a:ext uri="{0D108BD9-81ED-4DB2-BD59-A6C34878D82A}">
+                    <a16:rowId xmlns:a16="http://schemas.microsoft.com/office/drawing/2014/main" val="3027679072"/>
+                  </a:ext>
+                </a:extLst>
+              </a:tr>
+              <a:tr h="718065">
+                <a:tc>
+                  <a:txBody>
+                    <a:bodyPr/>
+                    <a:lstStyle/>
+                    <a:p>
+                      <a:r>
+                        <a:rPr lang="en-US" sz="1200" dirty="0">
+                          <a:solidFill>
+                            <a:schemeClr val="tx1">
+                              <a:lumMod val="75000"/>
+                              <a:lumOff val="25000"/>
+                            </a:schemeClr>
+                          </a:solidFill>
+                        </a:rPr>
+                        <a:t>Flow control</a:t>
+                      </a:r>
+                    </a:p>
+                  </a:txBody>
+                  <a:tcPr marL="387964" marR="290973" marT="193983" marB="193983">
+                    <a:lnL w="12700" cmpd="sng">
+                      <a:noFill/>
+                      <a:prstDash val="solid"/>
+                    </a:lnL>
+                    <a:lnR w="12700" cmpd="sng">
+                      <a:noFill/>
+                      <a:prstDash val="solid"/>
+                    </a:lnR>
+                    <a:lnT w="9525" cap="flat" cmpd="sng" algn="ctr">
+                      <a:solidFill>
+                        <a:srgbClr val="C7C6C1"/>
+                      </a:solidFill>
+                      <a:prstDash val="solid"/>
+                    </a:lnT>
+                    <a:lnB w="9525" cap="flat" cmpd="sng" algn="ctr">
+                      <a:solidFill>
+                        <a:srgbClr val="C7C6C1"/>
+                      </a:solidFill>
+                      <a:prstDash val="solid"/>
+                      <a:round/>
+                      <a:headEnd type="none" w="med" len="med"/>
+                      <a:tailEnd type="none" w="med" len="med"/>
+                    </a:lnB>
+                    <a:noFill/>
+                  </a:tcPr>
+                </a:tc>
+                <a:tc>
+                  <a:txBody>
+                    <a:bodyPr/>
+                    <a:lstStyle/>
+                    <a:p>
+                      <a:r>
+                        <a:rPr lang="en-US" sz="1200" dirty="0">
+                          <a:solidFill>
+                            <a:schemeClr val="tx1">
+                              <a:lumMod val="75000"/>
+                              <a:lumOff val="25000"/>
+                            </a:schemeClr>
+                          </a:solidFill>
+                        </a:rPr>
+                        <a:t>Using programmatic constructs</a:t>
+                      </a:r>
+                    </a:p>
+                  </a:txBody>
+                  <a:tcPr marL="387964" marR="290973" marT="193983" marB="193983">
+                    <a:lnL w="12700" cmpd="sng">
+                      <a:noFill/>
+                      <a:prstDash val="solid"/>
+                    </a:lnL>
+                    <a:lnR w="12700" cmpd="sng">
+                      <a:noFill/>
+                      <a:prstDash val="solid"/>
+                    </a:lnR>
+                    <a:lnT w="9525" cap="flat" cmpd="sng" algn="ctr">
+                      <a:solidFill>
+                        <a:srgbClr val="C7C6C1"/>
+                      </a:solidFill>
+                      <a:prstDash val="solid"/>
+                    </a:lnT>
+                    <a:lnB w="9525" cap="flat" cmpd="sng" algn="ctr">
+                      <a:solidFill>
+                        <a:srgbClr val="C7C6C1"/>
+                      </a:solidFill>
+                      <a:prstDash val="solid"/>
+                      <a:round/>
+                      <a:headEnd type="none" w="med" len="med"/>
+                      <a:tailEnd type="none" w="med" len="med"/>
+                    </a:lnB>
+                    <a:noFill/>
+                  </a:tcPr>
+                </a:tc>
+                <a:tc>
+                  <a:txBody>
+                    <a:bodyPr/>
+                    <a:lstStyle/>
+                    <a:p>
+                      <a:r>
+                        <a:rPr lang="en-US" sz="1200" dirty="0">
+                          <a:solidFill>
+                            <a:schemeClr val="tx1">
+                              <a:lumMod val="75000"/>
+                              <a:lumOff val="25000"/>
+                            </a:schemeClr>
+                          </a:solidFill>
+                        </a:rPr>
+                        <a:t>Using control flow activity and Run after attribute</a:t>
+                      </a:r>
+                    </a:p>
+                  </a:txBody>
+                  <a:tcPr marL="387964" marR="290973" marT="193983" marB="193983">
+                    <a:lnL w="12700" cmpd="sng">
+                      <a:noFill/>
+                      <a:prstDash val="solid"/>
+                    </a:lnL>
+                    <a:lnR w="12700" cmpd="sng">
+                      <a:noFill/>
+                      <a:prstDash val="solid"/>
+                    </a:lnR>
+                    <a:lnT w="9525" cap="flat" cmpd="sng" algn="ctr">
+                      <a:solidFill>
+                        <a:srgbClr val="C7C6C1"/>
+                      </a:solidFill>
+                      <a:prstDash val="solid"/>
+                    </a:lnT>
+                    <a:lnB w="9525" cap="flat" cmpd="sng" algn="ctr">
+                      <a:solidFill>
+                        <a:srgbClr val="C7C6C1"/>
+                      </a:solidFill>
+                      <a:prstDash val="solid"/>
+                      <a:round/>
+                      <a:headEnd type="none" w="med" len="med"/>
+                      <a:tailEnd type="none" w="med" len="med"/>
+                    </a:lnB>
+                    <a:noFill/>
+                  </a:tcPr>
+                </a:tc>
+                <a:extLst>
+                  <a:ext uri="{0D108BD9-81ED-4DB2-BD59-A6C34878D82A}">
+                    <a16:rowId xmlns:a16="http://schemas.microsoft.com/office/drawing/2014/main" val="3417568620"/>
+                  </a:ext>
+                </a:extLst>
+              </a:tr>
+              <a:tr h="543838">
+                <a:tc>
+                  <a:txBody>
+                    <a:bodyPr/>
+                    <a:lstStyle/>
+                    <a:p>
+                      <a:r>
+                        <a:rPr lang="en-US" sz="1200" dirty="0">
+                          <a:solidFill>
+                            <a:schemeClr val="tx1">
+                              <a:lumMod val="75000"/>
+                              <a:lumOff val="25000"/>
+                            </a:schemeClr>
+                          </a:solidFill>
+                        </a:rPr>
+                        <a:t>Chaining pattern</a:t>
+                      </a:r>
+                    </a:p>
+                  </a:txBody>
+                  <a:tcPr marL="387964" marR="290973" marT="193983" marB="193983">
+                    <a:lnL w="12700" cmpd="sng">
+                      <a:noFill/>
+                      <a:prstDash val="solid"/>
+                    </a:lnL>
+                    <a:lnR w="12700" cmpd="sng">
+                      <a:noFill/>
+                      <a:prstDash val="solid"/>
+                    </a:lnR>
+                    <a:lnT w="9525" cap="flat" cmpd="sng" algn="ctr">
+                      <a:solidFill>
+                        <a:srgbClr val="C7C6C1"/>
+                      </a:solidFill>
+                      <a:prstDash val="solid"/>
+                    </a:lnT>
+                    <a:lnB w="9525" cap="flat" cmpd="sng" algn="ctr">
+                      <a:solidFill>
+                        <a:srgbClr val="C7C6C1"/>
+                      </a:solidFill>
+                      <a:prstDash val="solid"/>
+                    </a:lnB>
+                    <a:noFill/>
+                  </a:tcPr>
+                </a:tc>
+                <a:tc>
+                  <a:txBody>
+                    <a:bodyPr/>
+                    <a:lstStyle/>
+                    <a:p>
+                      <a:r>
+                        <a:rPr lang="en-US" sz="1200" dirty="0">
+                          <a:solidFill>
+                            <a:schemeClr val="tx1">
+                              <a:lumMod val="75000"/>
+                              <a:lumOff val="25000"/>
+                            </a:schemeClr>
+                          </a:solidFill>
+                        </a:rPr>
+                        <a:t>Possible</a:t>
+                      </a:r>
+                    </a:p>
+                  </a:txBody>
+                  <a:tcPr marL="387964" marR="290973" marT="193983" marB="193983">
+                    <a:lnL w="12700" cmpd="sng">
+                      <a:noFill/>
+                      <a:prstDash val="solid"/>
+                    </a:lnL>
+                    <a:lnR w="12700" cmpd="sng">
+                      <a:noFill/>
+                      <a:prstDash val="solid"/>
+                    </a:lnR>
+                    <a:lnT w="9525" cap="flat" cmpd="sng" algn="ctr">
+                      <a:solidFill>
+                        <a:srgbClr val="C7C6C1"/>
+                      </a:solidFill>
+                      <a:prstDash val="solid"/>
+                    </a:lnT>
+                    <a:lnB w="9525" cap="flat" cmpd="sng" algn="ctr">
+                      <a:solidFill>
+                        <a:srgbClr val="C7C6C1"/>
+                      </a:solidFill>
+                      <a:prstDash val="solid"/>
+                    </a:lnB>
+                    <a:noFill/>
+                  </a:tcPr>
+                </a:tc>
+                <a:tc>
+                  <a:txBody>
+                    <a:bodyPr/>
+                    <a:lstStyle/>
+                    <a:p>
+                      <a:r>
+                        <a:rPr lang="en-US" sz="1200" dirty="0">
+                          <a:solidFill>
+                            <a:schemeClr val="tx1">
+                              <a:lumMod val="75000"/>
+                              <a:lumOff val="25000"/>
+                            </a:schemeClr>
+                          </a:solidFill>
+                        </a:rPr>
+                        <a:t>possible</a:t>
+                      </a:r>
+                    </a:p>
+                  </a:txBody>
+                  <a:tcPr marL="387964" marR="290973" marT="193983" marB="193983">
+                    <a:lnL w="12700" cmpd="sng">
+                      <a:noFill/>
+                      <a:prstDash val="solid"/>
+                    </a:lnL>
+                    <a:lnR w="12700" cmpd="sng">
+                      <a:noFill/>
+                      <a:prstDash val="solid"/>
+                    </a:lnR>
+                    <a:lnT w="9525" cap="flat" cmpd="sng" algn="ctr">
+                      <a:solidFill>
+                        <a:srgbClr val="C7C6C1"/>
+                      </a:solidFill>
+                      <a:prstDash val="solid"/>
+                    </a:lnT>
+                    <a:lnB w="9525" cap="flat" cmpd="sng" algn="ctr">
+                      <a:solidFill>
+                        <a:srgbClr val="C7C6C1"/>
+                      </a:solidFill>
+                      <a:prstDash val="solid"/>
+                    </a:lnB>
+                    <a:noFill/>
+                  </a:tcPr>
+                </a:tc>
+                <a:extLst>
+                  <a:ext uri="{0D108BD9-81ED-4DB2-BD59-A6C34878D82A}">
+                    <a16:rowId xmlns:a16="http://schemas.microsoft.com/office/drawing/2014/main" val="248710489"/>
+                  </a:ext>
+                </a:extLst>
+              </a:tr>
+            </a:tbl>
+          </a:graphicData>
+        </a:graphic>
+      </p:graphicFrame>
+    </p:spTree>
+    <p:extLst>
+      <p:ext uri="{BB962C8B-B14F-4D97-AF65-F5344CB8AC3E}">
+        <p14:creationId xmlns:p14="http://schemas.microsoft.com/office/powerpoint/2010/main" val="2436308463"/>
+      </p:ext>
+    </p:extLst>
+  </p:cSld>
+  <p:clrMapOvr>
+    <a:masterClrMapping/>
+  </p:clrMapOvr>
+</p:sld>
+</file>
+
+<file path=ppt/slides/slide17.xml><?xml version="1.0" encoding="utf-8"?>
+<p:sld xmlns:a="http://schemas.openxmlformats.org/drawingml/2006/main" xmlns:r="http://schemas.openxmlformats.org/officeDocument/2006/relationships" xmlns:p="http://schemas.openxmlformats.org/presentationml/2006/main">
+  <p:cSld>
+    <p:spTree>
+      <p:nvGrpSpPr>
+        <p:cNvPr id="1" name=""/>
+        <p:cNvGrpSpPr/>
+        <p:nvPr/>
+      </p:nvGrpSpPr>
+      <p:grpSpPr>
+        <a:xfrm>
+          <a:off x="0" y="0"/>
+          <a:ext cx="0" cy="0"/>
+          <a:chOff x="0" y="0"/>
+          <a:chExt cx="0" cy="0"/>
+        </a:xfrm>
+      </p:grpSpPr>
+      <p:sp>
+        <p:nvSpPr>
+          <p:cNvPr id="2" name="Title 1">
+            <a:extLst>
+              <a:ext uri="{FF2B5EF4-FFF2-40B4-BE49-F238E27FC236}">
+                <a16:creationId xmlns:a16="http://schemas.microsoft.com/office/drawing/2014/main" id="{4B8E2156-84BB-4BE3-A6F9-B65D1C123E9C}"/>
+              </a:ext>
+            </a:extLst>
+          </p:cNvPr>
+          <p:cNvSpPr>
+            <a:spLocks noGrp="1"/>
+          </p:cNvSpPr>
+          <p:nvPr>
+            <p:ph type="title"/>
+          </p:nvPr>
+        </p:nvSpPr>
+        <p:spPr/>
+        <p:txBody>
+          <a:bodyPr/>
+          <a:lstStyle/>
+          <a:p>
+            <a:r>
+              <a:rPr lang="en-US" dirty="0"/>
+              <a:t>Logic App vs Azure Durable function</a:t>
+            </a:r>
+          </a:p>
+        </p:txBody>
+      </p:sp>
+      <p:sp>
+        <p:nvSpPr>
+          <p:cNvPr id="4" name="Rectangle 3">
+            <a:extLst>
+              <a:ext uri="{FF2B5EF4-FFF2-40B4-BE49-F238E27FC236}">
+                <a16:creationId xmlns:a16="http://schemas.microsoft.com/office/drawing/2014/main" id="{0A1448A9-E765-4BC9-AF8A-3F696B01653E}"/>
+              </a:ext>
+            </a:extLst>
+          </p:cNvPr>
+          <p:cNvSpPr/>
+          <p:nvPr/>
+        </p:nvSpPr>
+        <p:spPr>
+          <a:xfrm>
+            <a:off x="0" y="851043"/>
+            <a:ext cx="2587337" cy="301336"/>
+          </a:xfrm>
+          <a:prstGeom prst="rect">
+            <a:avLst/>
+          </a:prstGeom>
+          <a:solidFill>
+            <a:schemeClr val="tx2"/>
+          </a:solidFill>
+          <a:ln>
+            <a:noFill/>
+          </a:ln>
+          <a:effectLst/>
+        </p:spPr>
+        <p:style>
+          <a:lnRef idx="1">
+            <a:schemeClr val="accent1"/>
+          </a:lnRef>
+          <a:fillRef idx="3">
+            <a:schemeClr val="accent1"/>
+          </a:fillRef>
+          <a:effectRef idx="2">
+            <a:schemeClr val="accent1"/>
+          </a:effectRef>
+          <a:fontRef idx="minor">
+            <a:schemeClr val="lt1"/>
+          </a:fontRef>
+        </p:style>
+        <p:txBody>
+          <a:bodyPr rtlCol="0" anchor="ctr"/>
+          <a:lstStyle/>
+          <a:p>
+            <a:pPr algn="ctr"/>
+            <a:r>
+              <a:rPr lang="en-US" sz="1600" dirty="0">
+                <a:solidFill>
+                  <a:schemeClr val="accent3">
+                    <a:lumMod val="50000"/>
+                  </a:schemeClr>
+                </a:solidFill>
+              </a:rPr>
+              <a:t>Workflow capabilities </a:t>
+            </a:r>
+            <a:r>
+              <a:rPr lang="en-US" sz="1100" dirty="0">
+                <a:solidFill>
+                  <a:schemeClr val="accent3">
+                    <a:lumMod val="50000"/>
+                  </a:schemeClr>
+                </a:solidFill>
+              </a:rPr>
+              <a:t>contd..</a:t>
+            </a:r>
+          </a:p>
+        </p:txBody>
+      </p:sp>
+      <p:graphicFrame>
+        <p:nvGraphicFramePr>
+          <p:cNvPr id="5" name="Table 4">
+            <a:extLst>
+              <a:ext uri="{FF2B5EF4-FFF2-40B4-BE49-F238E27FC236}">
+                <a16:creationId xmlns:a16="http://schemas.microsoft.com/office/drawing/2014/main" id="{6BB5B44B-5803-489E-BFB5-BDC010DC6B09}"/>
+              </a:ext>
+            </a:extLst>
+          </p:cNvPr>
+          <p:cNvGraphicFramePr>
+            <a:graphicFrameLocks noGrp="1"/>
+          </p:cNvGraphicFramePr>
+          <p:nvPr>
+            <p:extLst>
+              <p:ext uri="{D42A27DB-BD31-4B8C-83A1-F6EECF244321}">
+                <p14:modId xmlns:p14="http://schemas.microsoft.com/office/powerpoint/2010/main" val="613705097"/>
+              </p:ext>
+            </p:extLst>
+          </p:nvPr>
+        </p:nvGraphicFramePr>
+        <p:xfrm>
+          <a:off x="365760" y="851043"/>
+          <a:ext cx="8778240" cy="3790836"/>
+        </p:xfrm>
+        <a:graphic>
+          <a:graphicData uri="http://schemas.openxmlformats.org/drawingml/2006/table">
+            <a:tbl>
+              <a:tblPr firstRow="1" bandRow="1">
+                <a:noFill/>
+                <a:tableStyleId>{5C22544A-7EE6-4342-B048-85BDC9FD1C3A}</a:tableStyleId>
+              </a:tblPr>
+              <a:tblGrid>
+                <a:gridCol w="2347014">
+                  <a:extLst>
+                    <a:ext uri="{9D8B030D-6E8A-4147-A177-3AD203B41FA5}">
+                      <a16:colId xmlns:a16="http://schemas.microsoft.com/office/drawing/2014/main" val="715455828"/>
+                    </a:ext>
+                  </a:extLst>
+                </a:gridCol>
+                <a:gridCol w="3396887">
+                  <a:extLst>
+                    <a:ext uri="{9D8B030D-6E8A-4147-A177-3AD203B41FA5}">
+                      <a16:colId xmlns:a16="http://schemas.microsoft.com/office/drawing/2014/main" val="448385253"/>
+                    </a:ext>
+                  </a:extLst>
+                </a:gridCol>
+                <a:gridCol w="3034339">
+                  <a:extLst>
+                    <a:ext uri="{9D8B030D-6E8A-4147-A177-3AD203B41FA5}">
+                      <a16:colId xmlns:a16="http://schemas.microsoft.com/office/drawing/2014/main" val="3365019293"/>
+                    </a:ext>
+                  </a:extLst>
+                </a:gridCol>
+              </a:tblGrid>
+              <a:tr h="543838">
+                <a:tc>
+                  <a:txBody>
+                    <a:bodyPr/>
+                    <a:lstStyle/>
+                    <a:p>
+                      <a:endParaRPr lang="en-US" sz="1200" b="1" dirty="0">
+                        <a:solidFill>
+                          <a:schemeClr val="tx1">
+                            <a:lumMod val="75000"/>
+                            <a:lumOff val="25000"/>
+                          </a:schemeClr>
+                        </a:solidFill>
+                      </a:endParaRPr>
+                    </a:p>
+                  </a:txBody>
+                  <a:tcPr marL="387964" marR="290973" marT="193983" marB="193983">
+                    <a:lnL w="12700" cmpd="sng">
+                      <a:noFill/>
+                      <a:prstDash val="solid"/>
+                    </a:lnL>
+                    <a:lnR w="12700" cmpd="sng">
+                      <a:noFill/>
+                      <a:prstDash val="solid"/>
+                    </a:lnR>
+                    <a:lnT w="9525" cap="flat" cmpd="sng" algn="ctr">
+                      <a:noFill/>
+                      <a:prstDash val="solid"/>
+                    </a:lnT>
+                    <a:lnB w="9525" cap="flat" cmpd="sng" algn="ctr">
+                      <a:solidFill>
+                        <a:srgbClr val="C7C6C1"/>
+                      </a:solidFill>
+                      <a:prstDash val="solid"/>
+                    </a:lnB>
+                    <a:noFill/>
+                  </a:tcPr>
+                </a:tc>
+                <a:tc>
+                  <a:txBody>
+                    <a:bodyPr/>
+                    <a:lstStyle/>
+                    <a:p>
+                      <a:r>
+                        <a:rPr lang="en-US" sz="1200" b="1" dirty="0">
+                          <a:solidFill>
+                            <a:schemeClr val="tx1">
+                              <a:lumMod val="75000"/>
+                              <a:lumOff val="25000"/>
+                            </a:schemeClr>
+                          </a:solidFill>
+                        </a:rPr>
+                        <a:t>Durable function</a:t>
+                      </a:r>
+                    </a:p>
+                  </a:txBody>
+                  <a:tcPr marL="387964" marR="290973" marT="193983" marB="193983">
+                    <a:lnL w="12700" cmpd="sng">
+                      <a:noFill/>
+                      <a:prstDash val="solid"/>
+                    </a:lnL>
+                    <a:lnR w="12700" cmpd="sng">
+                      <a:noFill/>
+                      <a:prstDash val="solid"/>
+                    </a:lnR>
+                    <a:lnT w="9525" cap="flat" cmpd="sng" algn="ctr">
+                      <a:noFill/>
+                      <a:prstDash val="solid"/>
+                    </a:lnT>
+                    <a:lnB w="9525" cap="flat" cmpd="sng" algn="ctr">
+                      <a:solidFill>
+                        <a:srgbClr val="C7C6C1"/>
+                      </a:solidFill>
+                      <a:prstDash val="solid"/>
+                    </a:lnB>
+                    <a:noFill/>
+                  </a:tcPr>
+                </a:tc>
+                <a:tc>
+                  <a:txBody>
+                    <a:bodyPr/>
+                    <a:lstStyle/>
+                    <a:p>
+                      <a:r>
+                        <a:rPr lang="en-US" sz="1200" b="1">
+                          <a:solidFill>
+                            <a:schemeClr val="tx1">
+                              <a:lumMod val="75000"/>
+                              <a:lumOff val="25000"/>
+                            </a:schemeClr>
+                          </a:solidFill>
+                        </a:rPr>
+                        <a:t>Logic App</a:t>
+                      </a:r>
+                    </a:p>
+                  </a:txBody>
+                  <a:tcPr marL="387964" marR="290973" marT="193983" marB="193983">
+                    <a:lnL w="12700" cmpd="sng">
+                      <a:noFill/>
+                      <a:prstDash val="solid"/>
+                    </a:lnL>
+                    <a:lnR w="12700" cmpd="sng">
+                      <a:noFill/>
+                      <a:prstDash val="solid"/>
+                    </a:lnR>
+                    <a:lnT w="9525" cap="flat" cmpd="sng" algn="ctr">
+                      <a:noFill/>
+                      <a:prstDash val="solid"/>
+                    </a:lnT>
+                    <a:lnB w="9525" cap="flat" cmpd="sng" algn="ctr">
+                      <a:solidFill>
+                        <a:srgbClr val="C7C6C1"/>
+                      </a:solidFill>
+                      <a:prstDash val="solid"/>
+                    </a:lnB>
+                    <a:noFill/>
+                  </a:tcPr>
+                </a:tc>
+                <a:extLst>
+                  <a:ext uri="{0D108BD9-81ED-4DB2-BD59-A6C34878D82A}">
+                    <a16:rowId xmlns:a16="http://schemas.microsoft.com/office/drawing/2014/main" val="208790539"/>
+                  </a:ext>
+                </a:extLst>
+              </a:tr>
+              <a:tr h="0">
+                <a:tc>
+                  <a:txBody>
+                    <a:bodyPr/>
+                    <a:lstStyle/>
+                    <a:p>
+                      <a:r>
+                        <a:rPr lang="en-US" sz="1200" dirty="0">
+                          <a:solidFill>
+                            <a:schemeClr val="tx1">
+                              <a:lumMod val="75000"/>
+                              <a:lumOff val="25000"/>
+                            </a:schemeClr>
+                          </a:solidFill>
+                        </a:rPr>
+                        <a:t>Fan-out/Fan-in Pattern</a:t>
+                      </a:r>
+                    </a:p>
+                  </a:txBody>
+                  <a:tcPr marL="387964" marR="290973" marT="193983" marB="193983">
+                    <a:lnL w="12700" cmpd="sng">
+                      <a:noFill/>
+                      <a:prstDash val="solid"/>
+                    </a:lnL>
+                    <a:lnR w="12700" cmpd="sng">
+                      <a:noFill/>
+                      <a:prstDash val="solid"/>
+                    </a:lnR>
+                    <a:lnT w="9525" cap="flat" cmpd="sng" algn="ctr">
+                      <a:solidFill>
+                        <a:srgbClr val="C7C6C1"/>
+                      </a:solidFill>
+                      <a:prstDash val="solid"/>
+                    </a:lnT>
+                    <a:lnB w="9525" cap="flat" cmpd="sng" algn="ctr">
+                      <a:solidFill>
+                        <a:srgbClr val="C7C6C1"/>
+                      </a:solidFill>
+                      <a:prstDash val="solid"/>
+                    </a:lnB>
+                    <a:noFill/>
+                  </a:tcPr>
+                </a:tc>
+                <a:tc>
+                  <a:txBody>
+                    <a:bodyPr/>
+                    <a:lstStyle/>
+                    <a:p>
+                      <a:r>
+                        <a:rPr lang="en-US" sz="1200" dirty="0">
+                          <a:solidFill>
+                            <a:schemeClr val="tx1">
+                              <a:lumMod val="75000"/>
+                              <a:lumOff val="25000"/>
+                            </a:schemeClr>
+                          </a:solidFill>
+                        </a:rPr>
+                        <a:t>Possible</a:t>
+                      </a:r>
+                    </a:p>
+                  </a:txBody>
+                  <a:tcPr marL="387964" marR="290973" marT="193983" marB="193983">
+                    <a:lnL w="12700" cmpd="sng">
+                      <a:noFill/>
+                      <a:prstDash val="solid"/>
+                    </a:lnL>
+                    <a:lnR w="12700" cmpd="sng">
+                      <a:noFill/>
+                      <a:prstDash val="solid"/>
+                    </a:lnR>
+                    <a:lnT w="9525" cap="flat" cmpd="sng" algn="ctr">
+                      <a:solidFill>
+                        <a:srgbClr val="C7C6C1"/>
+                      </a:solidFill>
+                      <a:prstDash val="solid"/>
+                    </a:lnT>
+                    <a:lnB w="9525" cap="flat" cmpd="sng" algn="ctr">
+                      <a:solidFill>
+                        <a:srgbClr val="C7C6C1"/>
+                      </a:solidFill>
+                      <a:prstDash val="solid"/>
+                    </a:lnB>
+                    <a:noFill/>
+                  </a:tcPr>
+                </a:tc>
+                <a:tc>
+                  <a:txBody>
+                    <a:bodyPr/>
+                    <a:lstStyle/>
+                    <a:p>
+                      <a:r>
+                        <a:rPr lang="en-US" sz="1200" dirty="0">
+                          <a:solidFill>
+                            <a:schemeClr val="tx1">
+                              <a:lumMod val="75000"/>
+                              <a:lumOff val="25000"/>
+                            </a:schemeClr>
+                          </a:solidFill>
+                        </a:rPr>
+                        <a:t>Possible</a:t>
+                      </a:r>
+                    </a:p>
+                  </a:txBody>
+                  <a:tcPr marL="387964" marR="290973" marT="193983" marB="193983">
+                    <a:lnL w="12700" cmpd="sng">
+                      <a:noFill/>
+                      <a:prstDash val="solid"/>
+                    </a:lnL>
+                    <a:lnR w="12700" cmpd="sng">
+                      <a:noFill/>
+                      <a:prstDash val="solid"/>
+                    </a:lnR>
+                    <a:lnT w="9525" cap="flat" cmpd="sng" algn="ctr">
+                      <a:solidFill>
+                        <a:srgbClr val="C7C6C1"/>
+                      </a:solidFill>
+                      <a:prstDash val="solid"/>
+                    </a:lnT>
+                    <a:lnB w="9525" cap="flat" cmpd="sng" algn="ctr">
+                      <a:solidFill>
+                        <a:srgbClr val="C7C6C1"/>
+                      </a:solidFill>
+                      <a:prstDash val="solid"/>
+                    </a:lnB>
+                    <a:noFill/>
+                  </a:tcPr>
+                </a:tc>
+                <a:extLst>
+                  <a:ext uri="{0D108BD9-81ED-4DB2-BD59-A6C34878D82A}">
+                    <a16:rowId xmlns:a16="http://schemas.microsoft.com/office/drawing/2014/main" val="921590018"/>
+                  </a:ext>
+                </a:extLst>
+              </a:tr>
+              <a:tr h="479160">
+                <a:tc>
+                  <a:txBody>
+                    <a:bodyPr/>
+                    <a:lstStyle/>
+                    <a:p>
+                      <a:r>
+                        <a:rPr lang="en-US" sz="1200" dirty="0">
+                          <a:solidFill>
+                            <a:schemeClr val="tx1">
+                              <a:lumMod val="75000"/>
+                              <a:lumOff val="25000"/>
+                            </a:schemeClr>
+                          </a:solidFill>
+                        </a:rPr>
+                        <a:t>Async HTTP API</a:t>
+                      </a:r>
+                    </a:p>
+                  </a:txBody>
+                  <a:tcPr marL="387964" marR="290973" marT="193983" marB="193983">
+                    <a:lnL w="12700" cmpd="sng">
+                      <a:noFill/>
+                      <a:prstDash val="solid"/>
+                    </a:lnL>
+                    <a:lnR w="12700" cmpd="sng">
+                      <a:noFill/>
+                      <a:prstDash val="solid"/>
+                    </a:lnR>
+                    <a:lnT w="9525" cap="flat" cmpd="sng" algn="ctr">
+                      <a:solidFill>
+                        <a:srgbClr val="C7C6C1"/>
+                      </a:solidFill>
+                      <a:prstDash val="solid"/>
+                    </a:lnT>
+                    <a:lnB w="9525" cap="flat" cmpd="sng" algn="ctr">
+                      <a:solidFill>
+                        <a:srgbClr val="C7C6C1"/>
+                      </a:solidFill>
+                      <a:prstDash val="solid"/>
+                    </a:lnB>
+                    <a:noFill/>
+                  </a:tcPr>
+                </a:tc>
+                <a:tc>
+                  <a:txBody>
+                    <a:bodyPr/>
+                    <a:lstStyle/>
+                    <a:p>
+                      <a:r>
+                        <a:rPr lang="en-US" sz="1200" dirty="0">
+                          <a:solidFill>
+                            <a:schemeClr val="tx1">
+                              <a:lumMod val="75000"/>
+                              <a:lumOff val="25000"/>
+                            </a:schemeClr>
+                          </a:solidFill>
+                        </a:rPr>
+                        <a:t>Possible</a:t>
+                      </a:r>
+                    </a:p>
+                  </a:txBody>
+                  <a:tcPr marL="387964" marR="290973" marT="193983" marB="193983">
+                    <a:lnL w="12700" cmpd="sng">
+                      <a:noFill/>
+                      <a:prstDash val="solid"/>
+                    </a:lnL>
+                    <a:lnR w="12700" cmpd="sng">
+                      <a:noFill/>
+                      <a:prstDash val="solid"/>
+                    </a:lnR>
+                    <a:lnT w="9525" cap="flat" cmpd="sng" algn="ctr">
+                      <a:solidFill>
+                        <a:srgbClr val="C7C6C1"/>
+                      </a:solidFill>
+                      <a:prstDash val="solid"/>
+                    </a:lnT>
+                    <a:lnB w="9525" cap="flat" cmpd="sng" algn="ctr">
+                      <a:solidFill>
+                        <a:srgbClr val="C7C6C1"/>
+                      </a:solidFill>
+                      <a:prstDash val="solid"/>
+                    </a:lnB>
+                    <a:noFill/>
+                  </a:tcPr>
+                </a:tc>
+                <a:tc>
+                  <a:txBody>
+                    <a:bodyPr/>
+                    <a:lstStyle/>
+                    <a:p>
+                      <a:r>
+                        <a:rPr lang="en-US" sz="1200" dirty="0">
+                          <a:solidFill>
+                            <a:schemeClr val="tx1">
+                              <a:lumMod val="75000"/>
+                              <a:lumOff val="25000"/>
+                            </a:schemeClr>
+                          </a:solidFill>
+                        </a:rPr>
+                        <a:t>Possible</a:t>
+                      </a:r>
+                    </a:p>
+                  </a:txBody>
+                  <a:tcPr marL="387964" marR="290973" marT="193983" marB="193983">
+                    <a:lnL w="12700" cmpd="sng">
+                      <a:noFill/>
+                      <a:prstDash val="solid"/>
+                    </a:lnL>
+                    <a:lnR w="12700" cmpd="sng">
+                      <a:noFill/>
+                      <a:prstDash val="solid"/>
+                    </a:lnR>
+                    <a:lnT w="9525" cap="flat" cmpd="sng" algn="ctr">
+                      <a:solidFill>
+                        <a:srgbClr val="C7C6C1"/>
+                      </a:solidFill>
+                      <a:prstDash val="solid"/>
+                    </a:lnT>
+                    <a:lnB w="9525" cap="flat" cmpd="sng" algn="ctr">
+                      <a:solidFill>
+                        <a:srgbClr val="C7C6C1"/>
+                      </a:solidFill>
+                      <a:prstDash val="solid"/>
+                    </a:lnB>
+                    <a:noFill/>
+                  </a:tcPr>
+                </a:tc>
+                <a:extLst>
+                  <a:ext uri="{0D108BD9-81ED-4DB2-BD59-A6C34878D82A}">
+                    <a16:rowId xmlns:a16="http://schemas.microsoft.com/office/drawing/2014/main" val="3027679072"/>
+                  </a:ext>
+                </a:extLst>
+              </a:tr>
+              <a:tr h="565989">
+                <a:tc>
+                  <a:txBody>
+                    <a:bodyPr/>
+                    <a:lstStyle/>
+                    <a:p>
+                      <a:r>
+                        <a:rPr lang="en-US" sz="1200" dirty="0">
+                          <a:solidFill>
+                            <a:schemeClr val="tx1">
+                              <a:lumMod val="75000"/>
+                              <a:lumOff val="25000"/>
+                            </a:schemeClr>
+                          </a:solidFill>
+                        </a:rPr>
+                        <a:t>Human intervention workflow with time outs</a:t>
+                      </a:r>
+                    </a:p>
+                  </a:txBody>
+                  <a:tcPr marL="387964" marR="290973" marT="193983" marB="193983">
+                    <a:lnL w="12700" cmpd="sng">
+                      <a:noFill/>
+                      <a:prstDash val="solid"/>
+                    </a:lnL>
+                    <a:lnR w="12700" cmpd="sng">
+                      <a:noFill/>
+                      <a:prstDash val="solid"/>
+                    </a:lnR>
+                    <a:lnT w="9525" cap="flat" cmpd="sng" algn="ctr">
+                      <a:solidFill>
+                        <a:srgbClr val="C7C6C1"/>
+                      </a:solidFill>
+                      <a:prstDash val="solid"/>
+                    </a:lnT>
+                    <a:lnB w="9525" cap="flat" cmpd="sng" algn="ctr">
+                      <a:solidFill>
+                        <a:srgbClr val="C7C6C1"/>
+                      </a:solidFill>
+                      <a:prstDash val="solid"/>
+                      <a:round/>
+                      <a:headEnd type="none" w="med" len="med"/>
+                      <a:tailEnd type="none" w="med" len="med"/>
+                    </a:lnB>
+                    <a:noFill/>
+                  </a:tcPr>
+                </a:tc>
+                <a:tc>
+                  <a:txBody>
+                    <a:bodyPr/>
+                    <a:lstStyle/>
+                    <a:p>
+                      <a:r>
+                        <a:rPr lang="en-US" sz="1200" dirty="0">
+                          <a:solidFill>
+                            <a:schemeClr val="tx1">
+                              <a:lumMod val="75000"/>
+                              <a:lumOff val="25000"/>
+                            </a:schemeClr>
+                          </a:solidFill>
+                        </a:rPr>
+                        <a:t>Possible</a:t>
+                      </a:r>
+                    </a:p>
+                  </a:txBody>
+                  <a:tcPr marL="387964" marR="290973" marT="193983" marB="193983">
+                    <a:lnL w="12700" cmpd="sng">
+                      <a:noFill/>
+                      <a:prstDash val="solid"/>
+                    </a:lnL>
+                    <a:lnR w="12700" cmpd="sng">
+                      <a:noFill/>
+                      <a:prstDash val="solid"/>
+                    </a:lnR>
+                    <a:lnT w="9525" cap="flat" cmpd="sng" algn="ctr">
+                      <a:solidFill>
+                        <a:srgbClr val="C7C6C1"/>
+                      </a:solidFill>
+                      <a:prstDash val="solid"/>
+                    </a:lnT>
+                    <a:lnB w="9525" cap="flat" cmpd="sng" algn="ctr">
+                      <a:solidFill>
+                        <a:srgbClr val="C7C6C1"/>
+                      </a:solidFill>
+                      <a:prstDash val="solid"/>
+                      <a:round/>
+                      <a:headEnd type="none" w="med" len="med"/>
+                      <a:tailEnd type="none" w="med" len="med"/>
+                    </a:lnB>
+                    <a:noFill/>
+                  </a:tcPr>
+                </a:tc>
+                <a:tc>
+                  <a:txBody>
+                    <a:bodyPr/>
+                    <a:lstStyle/>
+                    <a:p>
+                      <a:r>
+                        <a:rPr lang="en-US" sz="1200" dirty="0">
+                          <a:solidFill>
+                            <a:schemeClr val="tx1">
+                              <a:lumMod val="75000"/>
+                              <a:lumOff val="25000"/>
+                            </a:schemeClr>
+                          </a:solidFill>
+                        </a:rPr>
+                        <a:t>Possible</a:t>
+                      </a:r>
+                    </a:p>
+                  </a:txBody>
+                  <a:tcPr marL="387964" marR="290973" marT="193983" marB="193983">
+                    <a:lnL w="12700" cmpd="sng">
+                      <a:noFill/>
+                      <a:prstDash val="solid"/>
+                    </a:lnL>
+                    <a:lnR w="12700" cmpd="sng">
+                      <a:noFill/>
+                      <a:prstDash val="solid"/>
+                    </a:lnR>
+                    <a:lnT w="9525" cap="flat" cmpd="sng" algn="ctr">
+                      <a:solidFill>
+                        <a:srgbClr val="C7C6C1"/>
+                      </a:solidFill>
+                      <a:prstDash val="solid"/>
+                    </a:lnT>
+                    <a:lnB w="9525" cap="flat" cmpd="sng" algn="ctr">
+                      <a:solidFill>
+                        <a:srgbClr val="C7C6C1"/>
+                      </a:solidFill>
+                      <a:prstDash val="solid"/>
+                      <a:round/>
+                      <a:headEnd type="none" w="med" len="med"/>
+                      <a:tailEnd type="none" w="med" len="med"/>
+                    </a:lnB>
+                    <a:noFill/>
+                  </a:tcPr>
+                </a:tc>
+                <a:extLst>
+                  <a:ext uri="{0D108BD9-81ED-4DB2-BD59-A6C34878D82A}">
+                    <a16:rowId xmlns:a16="http://schemas.microsoft.com/office/drawing/2014/main" val="3417568620"/>
+                  </a:ext>
+                </a:extLst>
+              </a:tr>
+              <a:tr h="543838">
+                <a:tc>
+                  <a:txBody>
+                    <a:bodyPr/>
+                    <a:lstStyle/>
+                    <a:p>
+                      <a:r>
+                        <a:rPr lang="en-US" sz="1200" dirty="0">
+                          <a:solidFill>
+                            <a:schemeClr val="tx1">
+                              <a:lumMod val="75000"/>
+                              <a:lumOff val="25000"/>
+                            </a:schemeClr>
+                          </a:solidFill>
+                        </a:rPr>
+                        <a:t>Co relation pattern</a:t>
+                      </a:r>
+                    </a:p>
+                  </a:txBody>
+                  <a:tcPr marL="387964" marR="290973" marT="193983" marB="193983">
+                    <a:lnL w="12700" cmpd="sng">
+                      <a:noFill/>
+                      <a:prstDash val="solid"/>
+                    </a:lnL>
+                    <a:lnR w="12700" cmpd="sng">
+                      <a:noFill/>
+                      <a:prstDash val="solid"/>
+                    </a:lnR>
+                    <a:lnT w="9525" cap="flat" cmpd="sng" algn="ctr">
+                      <a:solidFill>
+                        <a:srgbClr val="C7C6C1"/>
+                      </a:solidFill>
+                      <a:prstDash val="solid"/>
+                    </a:lnT>
+                    <a:lnB w="9525" cap="flat" cmpd="sng" algn="ctr">
+                      <a:solidFill>
+                        <a:srgbClr val="C7C6C1"/>
+                      </a:solidFill>
+                      <a:prstDash val="solid"/>
+                      <a:round/>
+                      <a:headEnd type="none" w="med" len="med"/>
+                      <a:tailEnd type="none" w="med" len="med"/>
+                    </a:lnB>
+                    <a:noFill/>
+                  </a:tcPr>
+                </a:tc>
+                <a:tc>
+                  <a:txBody>
+                    <a:bodyPr/>
+                    <a:lstStyle/>
+                    <a:p>
+                      <a:r>
+                        <a:rPr lang="en-US" sz="1200" dirty="0">
+                          <a:solidFill>
+                            <a:schemeClr val="tx1">
+                              <a:lumMod val="75000"/>
+                              <a:lumOff val="25000"/>
+                            </a:schemeClr>
+                          </a:solidFill>
+                        </a:rPr>
+                        <a:t>Possible</a:t>
+                      </a:r>
+                    </a:p>
+                  </a:txBody>
+                  <a:tcPr marL="387964" marR="290973" marT="193983" marB="193983">
+                    <a:lnL w="12700" cmpd="sng">
+                      <a:noFill/>
+                      <a:prstDash val="solid"/>
+                    </a:lnL>
+                    <a:lnR w="12700" cmpd="sng">
+                      <a:noFill/>
+                      <a:prstDash val="solid"/>
+                    </a:lnR>
+                    <a:lnT w="9525" cap="flat" cmpd="sng" algn="ctr">
+                      <a:solidFill>
+                        <a:srgbClr val="C7C6C1"/>
+                      </a:solidFill>
+                      <a:prstDash val="solid"/>
+                    </a:lnT>
+                    <a:lnB w="9525" cap="flat" cmpd="sng" algn="ctr">
+                      <a:solidFill>
+                        <a:srgbClr val="C7C6C1"/>
+                      </a:solidFill>
+                      <a:prstDash val="solid"/>
+                      <a:round/>
+                      <a:headEnd type="none" w="med" len="med"/>
+                      <a:tailEnd type="none" w="med" len="med"/>
+                    </a:lnB>
+                    <a:noFill/>
+                  </a:tcPr>
+                </a:tc>
+                <a:tc>
+                  <a:txBody>
+                    <a:bodyPr/>
+                    <a:lstStyle/>
+                    <a:p>
+                      <a:r>
+                        <a:rPr lang="en-US" sz="1200" dirty="0">
+                          <a:solidFill>
+                            <a:schemeClr val="tx1">
+                              <a:lumMod val="75000"/>
+                              <a:lumOff val="25000"/>
+                            </a:schemeClr>
+                          </a:solidFill>
+                        </a:rPr>
+                        <a:t>possible</a:t>
+                      </a:r>
+                    </a:p>
+                  </a:txBody>
+                  <a:tcPr marL="387964" marR="290973" marT="193983" marB="193983">
+                    <a:lnL w="12700" cmpd="sng">
+                      <a:noFill/>
+                      <a:prstDash val="solid"/>
+                    </a:lnL>
+                    <a:lnR w="12700" cmpd="sng">
+                      <a:noFill/>
+                      <a:prstDash val="solid"/>
+                    </a:lnR>
+                    <a:lnT w="9525" cap="flat" cmpd="sng" algn="ctr">
+                      <a:solidFill>
+                        <a:srgbClr val="C7C6C1"/>
+                      </a:solidFill>
+                      <a:prstDash val="solid"/>
+                    </a:lnT>
+                    <a:lnB w="9525" cap="flat" cmpd="sng" algn="ctr">
+                      <a:solidFill>
+                        <a:srgbClr val="C7C6C1"/>
+                      </a:solidFill>
+                      <a:prstDash val="solid"/>
+                      <a:round/>
+                      <a:headEnd type="none" w="med" len="med"/>
+                      <a:tailEnd type="none" w="med" len="med"/>
+                    </a:lnB>
+                    <a:noFill/>
+                  </a:tcPr>
+                </a:tc>
+                <a:extLst>
+                  <a:ext uri="{0D108BD9-81ED-4DB2-BD59-A6C34878D82A}">
+                    <a16:rowId xmlns:a16="http://schemas.microsoft.com/office/drawing/2014/main" val="248710489"/>
+                  </a:ext>
+                </a:extLst>
+              </a:tr>
+              <a:tr h="543838">
+                <a:tc>
+                  <a:txBody>
+                    <a:bodyPr/>
+                    <a:lstStyle/>
+                    <a:p>
+                      <a:r>
+                        <a:rPr lang="en-US" sz="1200" dirty="0">
+                          <a:solidFill>
+                            <a:schemeClr val="tx1">
+                              <a:lumMod val="75000"/>
+                              <a:lumOff val="25000"/>
+                            </a:schemeClr>
+                          </a:solidFill>
+                        </a:rPr>
+                        <a:t>Programmatic instance management</a:t>
+                      </a:r>
+                    </a:p>
+                  </a:txBody>
+                  <a:tcPr marL="387964" marR="290973" marT="193983" marB="193983">
+                    <a:lnL w="12700" cmpd="sng">
+                      <a:noFill/>
+                      <a:prstDash val="solid"/>
+                    </a:lnL>
+                    <a:lnR w="12700" cmpd="sng">
+                      <a:noFill/>
+                      <a:prstDash val="solid"/>
+                    </a:lnR>
+                    <a:lnT w="9525" cap="flat" cmpd="sng" algn="ctr">
+                      <a:solidFill>
+                        <a:srgbClr val="C7C6C1"/>
+                      </a:solidFill>
+                      <a:prstDash val="solid"/>
+                    </a:lnT>
+                    <a:lnB w="9525" cap="flat" cmpd="sng" algn="ctr">
+                      <a:solidFill>
+                        <a:srgbClr val="C7C6C1"/>
+                      </a:solidFill>
+                      <a:prstDash val="solid"/>
+                    </a:lnB>
+                    <a:noFill/>
+                  </a:tcPr>
+                </a:tc>
+                <a:tc>
+                  <a:txBody>
+                    <a:bodyPr/>
+                    <a:lstStyle/>
+                    <a:p>
+                      <a:r>
+                        <a:rPr lang="en-US" sz="1200" dirty="0">
+                          <a:solidFill>
+                            <a:schemeClr val="tx1">
+                              <a:lumMod val="75000"/>
+                              <a:lumOff val="25000"/>
+                            </a:schemeClr>
+                          </a:solidFill>
+                        </a:rPr>
+                        <a:t>Possible using the context API</a:t>
+                      </a:r>
+                    </a:p>
+                  </a:txBody>
+                  <a:tcPr marL="387964" marR="290973" marT="193983" marB="193983">
+                    <a:lnL w="12700" cmpd="sng">
+                      <a:noFill/>
+                      <a:prstDash val="solid"/>
+                    </a:lnL>
+                    <a:lnR w="12700" cmpd="sng">
+                      <a:noFill/>
+                      <a:prstDash val="solid"/>
+                    </a:lnR>
+                    <a:lnT w="9525" cap="flat" cmpd="sng" algn="ctr">
+                      <a:solidFill>
+                        <a:srgbClr val="C7C6C1"/>
+                      </a:solidFill>
+                      <a:prstDash val="solid"/>
+                    </a:lnT>
+                    <a:lnB w="9525" cap="flat" cmpd="sng" algn="ctr">
+                      <a:solidFill>
+                        <a:srgbClr val="C7C6C1"/>
+                      </a:solidFill>
+                      <a:prstDash val="solid"/>
+                    </a:lnB>
+                    <a:noFill/>
+                  </a:tcPr>
+                </a:tc>
+                <a:tc>
+                  <a:txBody>
+                    <a:bodyPr/>
+                    <a:lstStyle/>
+                    <a:p>
+                      <a:r>
+                        <a:rPr lang="en-US" sz="1200" dirty="0">
+                          <a:solidFill>
+                            <a:schemeClr val="tx1">
+                              <a:lumMod val="75000"/>
+                              <a:lumOff val="25000"/>
+                            </a:schemeClr>
+                          </a:solidFill>
+                        </a:rPr>
+                        <a:t>Possible through Logic App Management API</a:t>
+                      </a:r>
+                    </a:p>
+                  </a:txBody>
+                  <a:tcPr marL="387964" marR="290973" marT="193983" marB="193983">
+                    <a:lnL w="12700" cmpd="sng">
+                      <a:noFill/>
+                      <a:prstDash val="solid"/>
+                    </a:lnL>
+                    <a:lnR w="12700" cmpd="sng">
+                      <a:noFill/>
+                      <a:prstDash val="solid"/>
+                    </a:lnR>
+                    <a:lnT w="9525" cap="flat" cmpd="sng" algn="ctr">
+                      <a:solidFill>
+                        <a:srgbClr val="C7C6C1"/>
+                      </a:solidFill>
+                      <a:prstDash val="solid"/>
+                    </a:lnT>
+                    <a:lnB w="9525" cap="flat" cmpd="sng" algn="ctr">
+                      <a:solidFill>
+                        <a:srgbClr val="C7C6C1"/>
+                      </a:solidFill>
+                      <a:prstDash val="solid"/>
+                    </a:lnB>
+                    <a:noFill/>
+                  </a:tcPr>
+                </a:tc>
+                <a:extLst>
+                  <a:ext uri="{0D108BD9-81ED-4DB2-BD59-A6C34878D82A}">
+                    <a16:rowId xmlns:a16="http://schemas.microsoft.com/office/drawing/2014/main" val="956968410"/>
+                  </a:ext>
+                </a:extLst>
+              </a:tr>
+            </a:tbl>
+          </a:graphicData>
+        </a:graphic>
+      </p:graphicFrame>
+    </p:spTree>
+    <p:extLst>
+      <p:ext uri="{BB962C8B-B14F-4D97-AF65-F5344CB8AC3E}">
+        <p14:creationId xmlns:p14="http://schemas.microsoft.com/office/powerpoint/2010/main" val="1839077519"/>
+      </p:ext>
+    </p:extLst>
+  </p:cSld>
+  <p:clrMapOvr>
+    <a:masterClrMapping/>
+  </p:clrMapOvr>
+</p:sld>
+</file>
+
+<file path=ppt/slides/slide18.xml><?xml version="1.0" encoding="utf-8"?>
+<p:sld xmlns:a="http://schemas.openxmlformats.org/drawingml/2006/main" xmlns:r="http://schemas.openxmlformats.org/officeDocument/2006/relationships" xmlns:p="http://schemas.openxmlformats.org/presentationml/2006/main">
+  <p:cSld>
+    <p:spTree>
+      <p:nvGrpSpPr>
+        <p:cNvPr id="1" name=""/>
+        <p:cNvGrpSpPr/>
+        <p:nvPr/>
+      </p:nvGrpSpPr>
+      <p:grpSpPr>
+        <a:xfrm>
+          <a:off x="0" y="0"/>
+          <a:ext cx="0" cy="0"/>
+          <a:chOff x="0" y="0"/>
+          <a:chExt cx="0" cy="0"/>
+        </a:xfrm>
+      </p:grpSpPr>
+      <p:sp>
+        <p:nvSpPr>
+          <p:cNvPr id="2" name="Title 1">
+            <a:extLst>
+              <a:ext uri="{FF2B5EF4-FFF2-40B4-BE49-F238E27FC236}">
+                <a16:creationId xmlns:a16="http://schemas.microsoft.com/office/drawing/2014/main" id="{4B8E2156-84BB-4BE3-A6F9-B65D1C123E9C}"/>
+              </a:ext>
+            </a:extLst>
+          </p:cNvPr>
+          <p:cNvSpPr>
+            <a:spLocks noGrp="1"/>
+          </p:cNvSpPr>
+          <p:nvPr>
+            <p:ph type="title"/>
+          </p:nvPr>
+        </p:nvSpPr>
+        <p:spPr/>
+        <p:txBody>
+          <a:bodyPr/>
+          <a:lstStyle/>
+          <a:p>
+            <a:r>
+              <a:rPr lang="en-US"/>
+              <a:t>Logic App vs Azure Durable function</a:t>
+            </a:r>
+            <a:endParaRPr lang="en-US" dirty="0"/>
+          </a:p>
+        </p:txBody>
+      </p:sp>
+      <p:sp>
+        <p:nvSpPr>
+          <p:cNvPr id="4" name="Rectangle 3">
+            <a:extLst>
+              <a:ext uri="{FF2B5EF4-FFF2-40B4-BE49-F238E27FC236}">
+                <a16:creationId xmlns:a16="http://schemas.microsoft.com/office/drawing/2014/main" id="{0A1448A9-E765-4BC9-AF8A-3F696B01653E}"/>
+              </a:ext>
+            </a:extLst>
+          </p:cNvPr>
+          <p:cNvSpPr/>
+          <p:nvPr/>
+        </p:nvSpPr>
+        <p:spPr>
+          <a:xfrm>
+            <a:off x="0" y="851043"/>
+            <a:ext cx="2587337" cy="301336"/>
+          </a:xfrm>
+          <a:prstGeom prst="rect">
+            <a:avLst/>
+          </a:prstGeom>
+          <a:solidFill>
+            <a:schemeClr val="tx2"/>
+          </a:solidFill>
+          <a:ln>
+            <a:noFill/>
+          </a:ln>
+          <a:effectLst/>
+        </p:spPr>
+        <p:style>
+          <a:lnRef idx="1">
+            <a:schemeClr val="accent1"/>
+          </a:lnRef>
+          <a:fillRef idx="3">
+            <a:schemeClr val="accent1"/>
+          </a:fillRef>
+          <a:effectRef idx="2">
+            <a:schemeClr val="accent1"/>
+          </a:effectRef>
+          <a:fontRef idx="minor">
+            <a:schemeClr val="lt1"/>
+          </a:fontRef>
+        </p:style>
+        <p:txBody>
+          <a:bodyPr rtlCol="0" anchor="ctr"/>
+          <a:lstStyle/>
+          <a:p>
+            <a:pPr algn="ctr"/>
+            <a:r>
+              <a:rPr lang="en-US" sz="1600" dirty="0">
+                <a:solidFill>
+                  <a:schemeClr val="accent3">
+                    <a:lumMod val="50000"/>
+                  </a:schemeClr>
+                </a:solidFill>
+              </a:rPr>
+              <a:t>Workflow capabilities </a:t>
+            </a:r>
+            <a:r>
+              <a:rPr lang="en-US" sz="1100" dirty="0">
+                <a:solidFill>
+                  <a:schemeClr val="accent3">
+                    <a:lumMod val="50000"/>
+                  </a:schemeClr>
+                </a:solidFill>
+              </a:rPr>
+              <a:t>contd..</a:t>
+            </a:r>
+          </a:p>
+        </p:txBody>
+      </p:sp>
+      <p:graphicFrame>
+        <p:nvGraphicFramePr>
+          <p:cNvPr id="5" name="Table 4">
+            <a:extLst>
+              <a:ext uri="{FF2B5EF4-FFF2-40B4-BE49-F238E27FC236}">
+                <a16:creationId xmlns:a16="http://schemas.microsoft.com/office/drawing/2014/main" id="{6BB5B44B-5803-489E-BFB5-BDC010DC6B09}"/>
+              </a:ext>
+            </a:extLst>
+          </p:cNvPr>
+          <p:cNvGraphicFramePr>
+            <a:graphicFrameLocks noGrp="1"/>
+          </p:cNvGraphicFramePr>
+          <p:nvPr>
+            <p:extLst>
+              <p:ext uri="{D42A27DB-BD31-4B8C-83A1-F6EECF244321}">
+                <p14:modId xmlns:p14="http://schemas.microsoft.com/office/powerpoint/2010/main" val="280455130"/>
+              </p:ext>
+            </p:extLst>
+          </p:nvPr>
+        </p:nvGraphicFramePr>
+        <p:xfrm>
+          <a:off x="365760" y="851043"/>
+          <a:ext cx="8778240" cy="3973716"/>
+        </p:xfrm>
+        <a:graphic>
+          <a:graphicData uri="http://schemas.openxmlformats.org/drawingml/2006/table">
+            <a:tbl>
+              <a:tblPr firstRow="1" bandRow="1">
+                <a:noFill/>
+                <a:tableStyleId>{5C22544A-7EE6-4342-B048-85BDC9FD1C3A}</a:tableStyleId>
+              </a:tblPr>
+              <a:tblGrid>
+                <a:gridCol w="2347014">
+                  <a:extLst>
+                    <a:ext uri="{9D8B030D-6E8A-4147-A177-3AD203B41FA5}">
+                      <a16:colId xmlns:a16="http://schemas.microsoft.com/office/drawing/2014/main" val="715455828"/>
+                    </a:ext>
+                  </a:extLst>
+                </a:gridCol>
+                <a:gridCol w="3396887">
+                  <a:extLst>
+                    <a:ext uri="{9D8B030D-6E8A-4147-A177-3AD203B41FA5}">
+                      <a16:colId xmlns:a16="http://schemas.microsoft.com/office/drawing/2014/main" val="448385253"/>
+                    </a:ext>
+                  </a:extLst>
+                </a:gridCol>
+                <a:gridCol w="3034339">
+                  <a:extLst>
+                    <a:ext uri="{9D8B030D-6E8A-4147-A177-3AD203B41FA5}">
+                      <a16:colId xmlns:a16="http://schemas.microsoft.com/office/drawing/2014/main" val="3365019293"/>
+                    </a:ext>
+                  </a:extLst>
+                </a:gridCol>
+              </a:tblGrid>
+              <a:tr h="543838">
+                <a:tc>
+                  <a:txBody>
+                    <a:bodyPr/>
+                    <a:lstStyle/>
+                    <a:p>
+                      <a:endParaRPr lang="en-US" sz="1200" b="1" dirty="0">
+                        <a:solidFill>
+                          <a:schemeClr val="tx1">
+                            <a:lumMod val="75000"/>
+                            <a:lumOff val="25000"/>
+                          </a:schemeClr>
+                        </a:solidFill>
+                      </a:endParaRPr>
+                    </a:p>
+                  </a:txBody>
+                  <a:tcPr marL="387964" marR="290973" marT="193983" marB="193983">
+                    <a:lnL w="12700" cmpd="sng">
+                      <a:noFill/>
+                      <a:prstDash val="solid"/>
+                    </a:lnL>
+                    <a:lnR w="12700" cmpd="sng">
+                      <a:noFill/>
+                      <a:prstDash val="solid"/>
+                    </a:lnR>
+                    <a:lnT w="9525" cap="flat" cmpd="sng" algn="ctr">
+                      <a:noFill/>
+                      <a:prstDash val="solid"/>
+                    </a:lnT>
+                    <a:lnB w="9525" cap="flat" cmpd="sng" algn="ctr">
+                      <a:solidFill>
+                        <a:srgbClr val="C7C6C1"/>
+                      </a:solidFill>
+                      <a:prstDash val="solid"/>
+                    </a:lnB>
+                    <a:noFill/>
+                  </a:tcPr>
+                </a:tc>
+                <a:tc>
+                  <a:txBody>
+                    <a:bodyPr/>
+                    <a:lstStyle/>
+                    <a:p>
+                      <a:r>
+                        <a:rPr lang="en-US" sz="1200" b="1" dirty="0">
+                          <a:solidFill>
+                            <a:schemeClr val="tx1">
+                              <a:lumMod val="75000"/>
+                              <a:lumOff val="25000"/>
+                            </a:schemeClr>
+                          </a:solidFill>
+                        </a:rPr>
+                        <a:t>Durable function</a:t>
+                      </a:r>
+                    </a:p>
+                  </a:txBody>
+                  <a:tcPr marL="387964" marR="290973" marT="193983" marB="193983">
+                    <a:lnL w="12700" cmpd="sng">
+                      <a:noFill/>
+                      <a:prstDash val="solid"/>
+                    </a:lnL>
+                    <a:lnR w="12700" cmpd="sng">
+                      <a:noFill/>
+                      <a:prstDash val="solid"/>
+                    </a:lnR>
+                    <a:lnT w="9525" cap="flat" cmpd="sng" algn="ctr">
+                      <a:noFill/>
+                      <a:prstDash val="solid"/>
+                    </a:lnT>
+                    <a:lnB w="9525" cap="flat" cmpd="sng" algn="ctr">
+                      <a:solidFill>
+                        <a:srgbClr val="C7C6C1"/>
+                      </a:solidFill>
+                      <a:prstDash val="solid"/>
+                    </a:lnB>
+                    <a:noFill/>
+                  </a:tcPr>
+                </a:tc>
+                <a:tc>
+                  <a:txBody>
+                    <a:bodyPr/>
+                    <a:lstStyle/>
+                    <a:p>
+                      <a:r>
+                        <a:rPr lang="en-US" sz="1200" b="1">
+                          <a:solidFill>
+                            <a:schemeClr val="tx1">
+                              <a:lumMod val="75000"/>
+                              <a:lumOff val="25000"/>
+                            </a:schemeClr>
+                          </a:solidFill>
+                        </a:rPr>
+                        <a:t>Logic App</a:t>
+                      </a:r>
+                    </a:p>
+                  </a:txBody>
+                  <a:tcPr marL="387964" marR="290973" marT="193983" marB="193983">
+                    <a:lnL w="12700" cmpd="sng">
+                      <a:noFill/>
+                      <a:prstDash val="solid"/>
+                    </a:lnL>
+                    <a:lnR w="12700" cmpd="sng">
+                      <a:noFill/>
+                      <a:prstDash val="solid"/>
+                    </a:lnR>
+                    <a:lnT w="9525" cap="flat" cmpd="sng" algn="ctr">
+                      <a:noFill/>
+                      <a:prstDash val="solid"/>
+                    </a:lnT>
+                    <a:lnB w="9525" cap="flat" cmpd="sng" algn="ctr">
+                      <a:solidFill>
+                        <a:srgbClr val="C7C6C1"/>
+                      </a:solidFill>
+                      <a:prstDash val="solid"/>
+                    </a:lnB>
+                    <a:noFill/>
+                  </a:tcPr>
+                </a:tc>
+                <a:extLst>
+                  <a:ext uri="{0D108BD9-81ED-4DB2-BD59-A6C34878D82A}">
+                    <a16:rowId xmlns:a16="http://schemas.microsoft.com/office/drawing/2014/main" val="208790539"/>
+                  </a:ext>
+                </a:extLst>
+              </a:tr>
+              <a:tr h="0">
+                <a:tc>
+                  <a:txBody>
+                    <a:bodyPr/>
+                    <a:lstStyle/>
+                    <a:p>
+                      <a:r>
+                        <a:rPr lang="en-US" sz="1200" dirty="0">
+                          <a:solidFill>
+                            <a:schemeClr val="tx1">
+                              <a:lumMod val="75000"/>
+                              <a:lumOff val="25000"/>
+                            </a:schemeClr>
+                          </a:solidFill>
+                        </a:rPr>
+                        <a:t>Eternal orchestration</a:t>
+                      </a:r>
+                    </a:p>
+                  </a:txBody>
+                  <a:tcPr marL="387964" marR="290973" marT="193983" marB="193983">
+                    <a:lnL w="12700" cmpd="sng">
+                      <a:noFill/>
+                      <a:prstDash val="solid"/>
+                    </a:lnL>
+                    <a:lnR w="12700" cmpd="sng">
+                      <a:noFill/>
+                      <a:prstDash val="solid"/>
+                    </a:lnR>
+                    <a:lnT w="9525" cap="flat" cmpd="sng" algn="ctr">
+                      <a:solidFill>
+                        <a:srgbClr val="C7C6C1"/>
+                      </a:solidFill>
+                      <a:prstDash val="solid"/>
+                    </a:lnT>
+                    <a:lnB w="9525" cap="flat" cmpd="sng" algn="ctr">
+                      <a:solidFill>
+                        <a:srgbClr val="C7C6C1"/>
+                      </a:solidFill>
+                      <a:prstDash val="solid"/>
+                    </a:lnB>
+                    <a:noFill/>
+                  </a:tcPr>
+                </a:tc>
+                <a:tc>
+                  <a:txBody>
+                    <a:bodyPr/>
+                    <a:lstStyle/>
+                    <a:p>
+                      <a:r>
+                        <a:rPr lang="en-US" sz="1200" dirty="0">
+                          <a:solidFill>
+                            <a:schemeClr val="tx1">
+                              <a:lumMod val="75000"/>
+                              <a:lumOff val="25000"/>
+                            </a:schemeClr>
+                          </a:solidFill>
+                        </a:rPr>
+                        <a:t>Supported with limitation</a:t>
+                      </a:r>
+                    </a:p>
+                  </a:txBody>
+                  <a:tcPr marL="387964" marR="290973" marT="193983" marB="193983">
+                    <a:lnL w="12700" cmpd="sng">
+                      <a:noFill/>
+                      <a:prstDash val="solid"/>
+                    </a:lnL>
+                    <a:lnR w="12700" cmpd="sng">
+                      <a:noFill/>
+                      <a:prstDash val="solid"/>
+                    </a:lnR>
+                    <a:lnT w="9525" cap="flat" cmpd="sng" algn="ctr">
+                      <a:solidFill>
+                        <a:srgbClr val="C7C6C1"/>
+                      </a:solidFill>
+                      <a:prstDash val="solid"/>
+                    </a:lnT>
+                    <a:lnB w="9525" cap="flat" cmpd="sng" algn="ctr">
+                      <a:solidFill>
+                        <a:srgbClr val="C7C6C1"/>
+                      </a:solidFill>
+                      <a:prstDash val="solid"/>
+                    </a:lnB>
+                    <a:noFill/>
+                  </a:tcPr>
+                </a:tc>
+                <a:tc>
+                  <a:txBody>
+                    <a:bodyPr/>
+                    <a:lstStyle/>
+                    <a:p>
+                      <a:r>
+                        <a:rPr lang="en-US" sz="1200" dirty="0">
+                          <a:solidFill>
+                            <a:schemeClr val="tx1">
+                              <a:lumMod val="75000"/>
+                              <a:lumOff val="25000"/>
+                            </a:schemeClr>
+                          </a:solidFill>
+                        </a:rPr>
+                        <a:t>Not supported at all</a:t>
+                      </a:r>
+                    </a:p>
+                  </a:txBody>
+                  <a:tcPr marL="387964" marR="290973" marT="193983" marB="193983">
+                    <a:lnL w="12700" cmpd="sng">
+                      <a:noFill/>
+                      <a:prstDash val="solid"/>
+                    </a:lnL>
+                    <a:lnR w="12700" cmpd="sng">
+                      <a:noFill/>
+                      <a:prstDash val="solid"/>
+                    </a:lnR>
+                    <a:lnT w="9525" cap="flat" cmpd="sng" algn="ctr">
+                      <a:solidFill>
+                        <a:srgbClr val="C7C6C1"/>
+                      </a:solidFill>
+                      <a:prstDash val="solid"/>
+                    </a:lnT>
+                    <a:lnB w="9525" cap="flat" cmpd="sng" algn="ctr">
+                      <a:solidFill>
+                        <a:srgbClr val="C7C6C1"/>
+                      </a:solidFill>
+                      <a:prstDash val="solid"/>
+                    </a:lnB>
+                    <a:noFill/>
+                  </a:tcPr>
+                </a:tc>
+                <a:extLst>
+                  <a:ext uri="{0D108BD9-81ED-4DB2-BD59-A6C34878D82A}">
+                    <a16:rowId xmlns:a16="http://schemas.microsoft.com/office/drawing/2014/main" val="921590018"/>
+                  </a:ext>
+                </a:extLst>
+              </a:tr>
+              <a:tr h="0">
+                <a:tc>
+                  <a:txBody>
+                    <a:bodyPr/>
+                    <a:lstStyle/>
+                    <a:p>
+                      <a:r>
+                        <a:rPr lang="en-US" sz="1200" dirty="0">
+                          <a:solidFill>
+                            <a:schemeClr val="tx1">
+                              <a:lumMod val="75000"/>
+                              <a:lumOff val="25000"/>
+                            </a:schemeClr>
+                          </a:solidFill>
+                        </a:rPr>
+                        <a:t>Concurrency Throttling</a:t>
+                      </a:r>
+                    </a:p>
+                  </a:txBody>
+                  <a:tcPr marL="387964" marR="290973" marT="193983" marB="193983">
+                    <a:lnL w="12700" cmpd="sng">
+                      <a:noFill/>
+                      <a:prstDash val="solid"/>
+                    </a:lnL>
+                    <a:lnR w="12700" cmpd="sng">
+                      <a:noFill/>
+                      <a:prstDash val="solid"/>
+                    </a:lnR>
+                    <a:lnT w="9525" cap="flat" cmpd="sng" algn="ctr">
+                      <a:solidFill>
+                        <a:srgbClr val="C7C6C1"/>
+                      </a:solidFill>
+                      <a:prstDash val="solid"/>
+                    </a:lnT>
+                    <a:lnB w="9525" cap="flat" cmpd="sng" algn="ctr">
+                      <a:solidFill>
+                        <a:srgbClr val="C7C6C1"/>
+                      </a:solidFill>
+                      <a:prstDash val="solid"/>
+                    </a:lnB>
+                    <a:noFill/>
+                  </a:tcPr>
+                </a:tc>
+                <a:tc>
+                  <a:txBody>
+                    <a:bodyPr/>
+                    <a:lstStyle/>
+                    <a:p>
+                      <a:r>
+                        <a:rPr lang="en-US" sz="1200" dirty="0">
+                          <a:solidFill>
+                            <a:schemeClr val="tx1">
+                              <a:lumMod val="75000"/>
+                              <a:lumOff val="25000"/>
+                            </a:schemeClr>
+                          </a:solidFill>
+                        </a:rPr>
+                        <a:t>Supported</a:t>
+                      </a:r>
+                    </a:p>
+                  </a:txBody>
+                  <a:tcPr marL="387964" marR="290973" marT="193983" marB="193983">
+                    <a:lnL w="12700" cmpd="sng">
+                      <a:noFill/>
+                      <a:prstDash val="solid"/>
+                    </a:lnL>
+                    <a:lnR w="12700" cmpd="sng">
+                      <a:noFill/>
+                      <a:prstDash val="solid"/>
+                    </a:lnR>
+                    <a:lnT w="9525" cap="flat" cmpd="sng" algn="ctr">
+                      <a:solidFill>
+                        <a:srgbClr val="C7C6C1"/>
+                      </a:solidFill>
+                      <a:prstDash val="solid"/>
+                    </a:lnT>
+                    <a:lnB w="9525" cap="flat" cmpd="sng" algn="ctr">
+                      <a:solidFill>
+                        <a:srgbClr val="C7C6C1"/>
+                      </a:solidFill>
+                      <a:prstDash val="solid"/>
+                    </a:lnB>
+                    <a:noFill/>
+                  </a:tcPr>
+                </a:tc>
+                <a:tc>
+                  <a:txBody>
+                    <a:bodyPr/>
+                    <a:lstStyle/>
+                    <a:p>
+                      <a:r>
+                        <a:rPr lang="en-US" sz="1200" dirty="0">
+                          <a:solidFill>
+                            <a:schemeClr val="tx1">
+                              <a:lumMod val="75000"/>
+                              <a:lumOff val="25000"/>
+                            </a:schemeClr>
+                          </a:solidFill>
+                        </a:rPr>
+                        <a:t>Supported with fain grained level</a:t>
+                      </a:r>
+                    </a:p>
+                  </a:txBody>
+                  <a:tcPr marL="387964" marR="290973" marT="193983" marB="193983">
+                    <a:lnL w="12700" cmpd="sng">
+                      <a:noFill/>
+                      <a:prstDash val="solid"/>
+                    </a:lnL>
+                    <a:lnR w="12700" cmpd="sng">
+                      <a:noFill/>
+                      <a:prstDash val="solid"/>
+                    </a:lnR>
+                    <a:lnT w="9525" cap="flat" cmpd="sng" algn="ctr">
+                      <a:solidFill>
+                        <a:srgbClr val="C7C6C1"/>
+                      </a:solidFill>
+                      <a:prstDash val="solid"/>
+                    </a:lnT>
+                    <a:lnB w="9525" cap="flat" cmpd="sng" algn="ctr">
+                      <a:solidFill>
+                        <a:srgbClr val="C7C6C1"/>
+                      </a:solidFill>
+                      <a:prstDash val="solid"/>
+                    </a:lnB>
+                    <a:noFill/>
+                  </a:tcPr>
+                </a:tc>
+                <a:extLst>
+                  <a:ext uri="{0D108BD9-81ED-4DB2-BD59-A6C34878D82A}">
+                    <a16:rowId xmlns:a16="http://schemas.microsoft.com/office/drawing/2014/main" val="3027679072"/>
+                  </a:ext>
+                </a:extLst>
+              </a:tr>
+              <a:tr h="0">
+                <a:tc>
+                  <a:txBody>
+                    <a:bodyPr/>
+                    <a:lstStyle/>
+                    <a:p>
+                      <a:r>
+                        <a:rPr lang="en-US" sz="1200" dirty="0">
+                          <a:solidFill>
+                            <a:schemeClr val="tx1">
+                              <a:lumMod val="75000"/>
+                              <a:lumOff val="25000"/>
+                            </a:schemeClr>
+                          </a:solidFill>
+                        </a:rPr>
+                        <a:t>Life Span</a:t>
+                      </a:r>
+                    </a:p>
+                  </a:txBody>
+                  <a:tcPr marL="387964" marR="290973" marT="193983" marB="193983">
+                    <a:lnL w="12700" cmpd="sng">
+                      <a:noFill/>
+                      <a:prstDash val="solid"/>
+                    </a:lnL>
+                    <a:lnR w="12700" cmpd="sng">
+                      <a:noFill/>
+                      <a:prstDash val="solid"/>
+                    </a:lnR>
+                    <a:lnT w="9525" cap="flat" cmpd="sng" algn="ctr">
+                      <a:solidFill>
+                        <a:srgbClr val="C7C6C1"/>
+                      </a:solidFill>
+                      <a:prstDash val="solid"/>
+                    </a:lnT>
+                    <a:lnB w="9525" cap="flat" cmpd="sng" algn="ctr">
+                      <a:solidFill>
+                        <a:srgbClr val="C7C6C1"/>
+                      </a:solidFill>
+                      <a:prstDash val="solid"/>
+                      <a:round/>
+                      <a:headEnd type="none" w="med" len="med"/>
+                      <a:tailEnd type="none" w="med" len="med"/>
+                    </a:lnB>
+                    <a:noFill/>
+                  </a:tcPr>
+                </a:tc>
+                <a:tc>
+                  <a:txBody>
+                    <a:bodyPr/>
+                    <a:lstStyle/>
+                    <a:p>
+                      <a:r>
+                        <a:rPr lang="en-US" sz="1200" dirty="0">
+                          <a:solidFill>
+                            <a:schemeClr val="tx1">
+                              <a:lumMod val="75000"/>
+                              <a:lumOff val="25000"/>
+                            </a:schemeClr>
+                          </a:solidFill>
+                        </a:rPr>
+                        <a:t>No limit</a:t>
+                      </a:r>
+                    </a:p>
+                  </a:txBody>
+                  <a:tcPr marL="387964" marR="290973" marT="193983" marB="193983">
+                    <a:lnL w="12700" cmpd="sng">
+                      <a:noFill/>
+                      <a:prstDash val="solid"/>
+                    </a:lnL>
+                    <a:lnR w="12700" cmpd="sng">
+                      <a:noFill/>
+                      <a:prstDash val="solid"/>
+                    </a:lnR>
+                    <a:lnT w="9525" cap="flat" cmpd="sng" algn="ctr">
+                      <a:solidFill>
+                        <a:srgbClr val="C7C6C1"/>
+                      </a:solidFill>
+                      <a:prstDash val="solid"/>
+                    </a:lnT>
+                    <a:lnB w="9525" cap="flat" cmpd="sng" algn="ctr">
+                      <a:solidFill>
+                        <a:srgbClr val="C7C6C1"/>
+                      </a:solidFill>
+                      <a:prstDash val="solid"/>
+                      <a:round/>
+                      <a:headEnd type="none" w="med" len="med"/>
+                      <a:tailEnd type="none" w="med" len="med"/>
+                    </a:lnB>
+                    <a:noFill/>
+                  </a:tcPr>
+                </a:tc>
+                <a:tc>
+                  <a:txBody>
+                    <a:bodyPr/>
+                    <a:lstStyle/>
+                    <a:p>
+                      <a:r>
+                        <a:rPr lang="en-US" sz="1200" dirty="0">
+                          <a:solidFill>
+                            <a:schemeClr val="tx1">
+                              <a:lumMod val="75000"/>
+                              <a:lumOff val="25000"/>
+                            </a:schemeClr>
+                          </a:solidFill>
+                        </a:rPr>
+                        <a:t>90 days</a:t>
+                      </a:r>
+                    </a:p>
+                  </a:txBody>
+                  <a:tcPr marL="387964" marR="290973" marT="193983" marB="193983">
+                    <a:lnL w="12700" cmpd="sng">
+                      <a:noFill/>
+                      <a:prstDash val="solid"/>
+                    </a:lnL>
+                    <a:lnR w="12700" cmpd="sng">
+                      <a:noFill/>
+                      <a:prstDash val="solid"/>
+                    </a:lnR>
+                    <a:lnT w="9525" cap="flat" cmpd="sng" algn="ctr">
+                      <a:solidFill>
+                        <a:srgbClr val="C7C6C1"/>
+                      </a:solidFill>
+                      <a:prstDash val="solid"/>
+                    </a:lnT>
+                    <a:lnB w="9525" cap="flat" cmpd="sng" algn="ctr">
+                      <a:solidFill>
+                        <a:srgbClr val="C7C6C1"/>
+                      </a:solidFill>
+                      <a:prstDash val="solid"/>
+                      <a:round/>
+                      <a:headEnd type="none" w="med" len="med"/>
+                      <a:tailEnd type="none" w="med" len="med"/>
+                    </a:lnB>
+                    <a:noFill/>
+                  </a:tcPr>
+                </a:tc>
+                <a:extLst>
+                  <a:ext uri="{0D108BD9-81ED-4DB2-BD59-A6C34878D82A}">
+                    <a16:rowId xmlns:a16="http://schemas.microsoft.com/office/drawing/2014/main" val="3417568620"/>
+                  </a:ext>
+                </a:extLst>
+              </a:tr>
+              <a:tr h="543838">
+                <a:tc>
+                  <a:txBody>
+                    <a:bodyPr/>
+                    <a:lstStyle/>
+                    <a:p>
+                      <a:r>
+                        <a:rPr lang="en-US" sz="1200" dirty="0">
+                          <a:solidFill>
+                            <a:schemeClr val="tx1">
+                              <a:lumMod val="75000"/>
+                              <a:lumOff val="25000"/>
+                            </a:schemeClr>
+                          </a:solidFill>
+                        </a:rPr>
+                        <a:t>Error Handling</a:t>
+                      </a:r>
+                    </a:p>
+                  </a:txBody>
+                  <a:tcPr marL="387964" marR="290973" marT="193983" marB="193983">
+                    <a:lnL w="12700" cmpd="sng">
+                      <a:noFill/>
+                      <a:prstDash val="solid"/>
+                    </a:lnL>
+                    <a:lnR w="12700" cmpd="sng">
+                      <a:noFill/>
+                      <a:prstDash val="solid"/>
+                    </a:lnR>
+                    <a:lnT w="9525" cap="flat" cmpd="sng" algn="ctr">
+                      <a:solidFill>
+                        <a:srgbClr val="C7C6C1"/>
+                      </a:solidFill>
+                      <a:prstDash val="solid"/>
+                    </a:lnT>
+                    <a:lnB w="9525" cap="flat" cmpd="sng" algn="ctr">
+                      <a:solidFill>
+                        <a:srgbClr val="C7C6C1"/>
+                      </a:solidFill>
+                      <a:prstDash val="solid"/>
+                      <a:round/>
+                      <a:headEnd type="none" w="med" len="med"/>
+                      <a:tailEnd type="none" w="med" len="med"/>
+                    </a:lnB>
+                    <a:noFill/>
+                  </a:tcPr>
+                </a:tc>
+                <a:tc>
+                  <a:txBody>
+                    <a:bodyPr/>
+                    <a:lstStyle/>
+                    <a:p>
+                      <a:r>
+                        <a:rPr lang="en-US" sz="1200" dirty="0">
+                          <a:solidFill>
+                            <a:schemeClr val="tx1">
+                              <a:lumMod val="75000"/>
+                              <a:lumOff val="25000"/>
+                            </a:schemeClr>
+                          </a:solidFill>
+                        </a:rPr>
+                        <a:t>Try catch finally code</a:t>
+                      </a:r>
+                    </a:p>
+                  </a:txBody>
+                  <a:tcPr marL="387964" marR="290973" marT="193983" marB="193983">
+                    <a:lnL w="12700" cmpd="sng">
+                      <a:noFill/>
+                      <a:prstDash val="solid"/>
+                    </a:lnL>
+                    <a:lnR w="12700" cmpd="sng">
+                      <a:noFill/>
+                      <a:prstDash val="solid"/>
+                    </a:lnR>
+                    <a:lnT w="9525" cap="flat" cmpd="sng" algn="ctr">
+                      <a:solidFill>
+                        <a:srgbClr val="C7C6C1"/>
+                      </a:solidFill>
+                      <a:prstDash val="solid"/>
+                    </a:lnT>
+                    <a:lnB w="9525" cap="flat" cmpd="sng" algn="ctr">
+                      <a:solidFill>
+                        <a:srgbClr val="C7C6C1"/>
+                      </a:solidFill>
+                      <a:prstDash val="solid"/>
+                      <a:round/>
+                      <a:headEnd type="none" w="med" len="med"/>
+                      <a:tailEnd type="none" w="med" len="med"/>
+                    </a:lnB>
+                    <a:noFill/>
+                  </a:tcPr>
+                </a:tc>
+                <a:tc>
+                  <a:txBody>
+                    <a:bodyPr/>
+                    <a:lstStyle/>
+                    <a:p>
+                      <a:r>
+                        <a:rPr lang="en-US" sz="1200" dirty="0">
+                          <a:solidFill>
+                            <a:schemeClr val="tx1">
+                              <a:lumMod val="75000"/>
+                              <a:lumOff val="25000"/>
+                            </a:schemeClr>
+                          </a:solidFill>
+                        </a:rPr>
+                        <a:t>Using Retry and catch activity</a:t>
+                      </a:r>
+                    </a:p>
+                  </a:txBody>
+                  <a:tcPr marL="387964" marR="290973" marT="193983" marB="193983">
+                    <a:lnL w="12700" cmpd="sng">
+                      <a:noFill/>
+                      <a:prstDash val="solid"/>
+                    </a:lnL>
+                    <a:lnR w="12700" cmpd="sng">
+                      <a:noFill/>
+                      <a:prstDash val="solid"/>
+                    </a:lnR>
+                    <a:lnT w="9525" cap="flat" cmpd="sng" algn="ctr">
+                      <a:solidFill>
+                        <a:srgbClr val="C7C6C1"/>
+                      </a:solidFill>
+                      <a:prstDash val="solid"/>
+                    </a:lnT>
+                    <a:lnB w="9525" cap="flat" cmpd="sng" algn="ctr">
+                      <a:solidFill>
+                        <a:srgbClr val="C7C6C1"/>
+                      </a:solidFill>
+                      <a:prstDash val="solid"/>
+                      <a:round/>
+                      <a:headEnd type="none" w="med" len="med"/>
+                      <a:tailEnd type="none" w="med" len="med"/>
+                    </a:lnB>
+                    <a:noFill/>
+                  </a:tcPr>
+                </a:tc>
+                <a:extLst>
+                  <a:ext uri="{0D108BD9-81ED-4DB2-BD59-A6C34878D82A}">
+                    <a16:rowId xmlns:a16="http://schemas.microsoft.com/office/drawing/2014/main" val="248710489"/>
+                  </a:ext>
+                </a:extLst>
+              </a:tr>
+              <a:tr h="543838">
+                <a:tc>
+                  <a:txBody>
+                    <a:bodyPr/>
+                    <a:lstStyle/>
+                    <a:p>
+                      <a:r>
+                        <a:rPr lang="en-US" sz="1200" dirty="0">
+                          <a:solidFill>
+                            <a:schemeClr val="tx1">
+                              <a:lumMod val="75000"/>
+                              <a:lumOff val="25000"/>
+                            </a:schemeClr>
+                          </a:solidFill>
+                        </a:rPr>
+                        <a:t>Additional consideration</a:t>
+                      </a:r>
+                    </a:p>
+                  </a:txBody>
+                  <a:tcPr marL="387964" marR="290973" marT="193983" marB="193983">
+                    <a:lnL w="12700" cmpd="sng">
+                      <a:noFill/>
+                      <a:prstDash val="solid"/>
+                    </a:lnL>
+                    <a:lnR w="12700" cmpd="sng">
+                      <a:noFill/>
+                      <a:prstDash val="solid"/>
+                    </a:lnR>
+                    <a:lnT w="9525" cap="flat" cmpd="sng" algn="ctr">
+                      <a:solidFill>
+                        <a:srgbClr val="C7C6C1"/>
+                      </a:solidFill>
+                      <a:prstDash val="solid"/>
+                    </a:lnT>
+                    <a:lnB w="9525" cap="flat" cmpd="sng" algn="ctr">
+                      <a:solidFill>
+                        <a:srgbClr val="C7C6C1"/>
+                      </a:solidFill>
+                      <a:prstDash val="solid"/>
+                    </a:lnB>
+                    <a:noFill/>
+                  </a:tcPr>
+                </a:tc>
+                <a:tc>
+                  <a:txBody>
+                    <a:bodyPr/>
+                    <a:lstStyle/>
+                    <a:p>
+                      <a:r>
+                        <a:rPr lang="en-US" sz="1200" dirty="0">
+                          <a:solidFill>
+                            <a:schemeClr val="tx1">
+                              <a:lumMod val="75000"/>
+                              <a:lumOff val="25000"/>
+                            </a:schemeClr>
+                          </a:solidFill>
+                        </a:rPr>
+                        <a:t>Code has to be deterministic, non-blocking. Async call is possible only using </a:t>
+                      </a:r>
+                      <a:r>
+                        <a:rPr lang="en-US" sz="1200" dirty="0" err="1">
+                          <a:solidFill>
+                            <a:schemeClr val="tx1">
+                              <a:lumMod val="75000"/>
+                              <a:lumOff val="25000"/>
+                            </a:schemeClr>
+                          </a:solidFill>
+                        </a:rPr>
+                        <a:t>DurableOrchstrationContext</a:t>
+                      </a:r>
+                      <a:r>
+                        <a:rPr lang="en-US" sz="1200" dirty="0">
+                          <a:solidFill>
+                            <a:schemeClr val="tx1">
+                              <a:lumMod val="75000"/>
+                              <a:lumOff val="25000"/>
+                            </a:schemeClr>
+                          </a:solidFill>
+                        </a:rPr>
+                        <a:t>. Infinite loops to be avoided</a:t>
+                      </a:r>
+                    </a:p>
+                  </a:txBody>
+                  <a:tcPr marL="387964" marR="290973" marT="193983" marB="193983">
+                    <a:lnL w="12700" cmpd="sng">
+                      <a:noFill/>
+                      <a:prstDash val="solid"/>
+                    </a:lnL>
+                    <a:lnR w="12700" cmpd="sng">
+                      <a:noFill/>
+                      <a:prstDash val="solid"/>
+                    </a:lnR>
+                    <a:lnT w="9525" cap="flat" cmpd="sng" algn="ctr">
+                      <a:solidFill>
+                        <a:srgbClr val="C7C6C1"/>
+                      </a:solidFill>
+                      <a:prstDash val="solid"/>
+                    </a:lnT>
+                    <a:lnB w="9525" cap="flat" cmpd="sng" algn="ctr">
+                      <a:solidFill>
+                        <a:srgbClr val="C7C6C1"/>
+                      </a:solidFill>
+                      <a:prstDash val="solid"/>
+                    </a:lnB>
+                    <a:noFill/>
+                  </a:tcPr>
+                </a:tc>
+                <a:tc>
+                  <a:txBody>
+                    <a:bodyPr/>
+                    <a:lstStyle/>
+                    <a:p>
+                      <a:r>
+                        <a:rPr lang="en-US" sz="1200" dirty="0">
+                          <a:solidFill>
+                            <a:schemeClr val="tx1">
+                              <a:lumMod val="75000"/>
+                              <a:lumOff val="25000"/>
+                            </a:schemeClr>
+                          </a:solidFill>
+                        </a:rPr>
+                        <a:t>Since it is configuration based, custom needs to written </a:t>
+                      </a:r>
+                      <a:r>
+                        <a:rPr lang="en-US" sz="1200" dirty="0" err="1">
+                          <a:solidFill>
+                            <a:schemeClr val="tx1">
+                              <a:lumMod val="75000"/>
+                              <a:lumOff val="25000"/>
+                            </a:schemeClr>
+                          </a:solidFill>
+                        </a:rPr>
+                        <a:t>asAzure</a:t>
+                      </a:r>
+                      <a:r>
+                        <a:rPr lang="en-US" sz="1200" dirty="0">
+                          <a:solidFill>
+                            <a:schemeClr val="tx1">
+                              <a:lumMod val="75000"/>
+                              <a:lumOff val="25000"/>
+                            </a:schemeClr>
+                          </a:solidFill>
+                        </a:rPr>
+                        <a:t> function or custom trigger</a:t>
+                      </a:r>
+                    </a:p>
+                  </a:txBody>
+                  <a:tcPr marL="387964" marR="290973" marT="193983" marB="193983">
+                    <a:lnL w="12700" cmpd="sng">
+                      <a:noFill/>
+                      <a:prstDash val="solid"/>
+                    </a:lnL>
+                    <a:lnR w="12700" cmpd="sng">
+                      <a:noFill/>
+                      <a:prstDash val="solid"/>
+                    </a:lnR>
+                    <a:lnT w="9525" cap="flat" cmpd="sng" algn="ctr">
+                      <a:solidFill>
+                        <a:srgbClr val="C7C6C1"/>
+                      </a:solidFill>
+                      <a:prstDash val="solid"/>
+                    </a:lnT>
+                    <a:lnB w="9525" cap="flat" cmpd="sng" algn="ctr">
+                      <a:solidFill>
+                        <a:srgbClr val="C7C6C1"/>
+                      </a:solidFill>
+                      <a:prstDash val="solid"/>
+                    </a:lnB>
+                    <a:noFill/>
+                  </a:tcPr>
+                </a:tc>
+                <a:extLst>
+                  <a:ext uri="{0D108BD9-81ED-4DB2-BD59-A6C34878D82A}">
+                    <a16:rowId xmlns:a16="http://schemas.microsoft.com/office/drawing/2014/main" val="956968410"/>
+                  </a:ext>
+                </a:extLst>
+              </a:tr>
+            </a:tbl>
+          </a:graphicData>
+        </a:graphic>
+      </p:graphicFrame>
+    </p:spTree>
+    <p:extLst>
+      <p:ext uri="{BB962C8B-B14F-4D97-AF65-F5344CB8AC3E}">
+        <p14:creationId xmlns:p14="http://schemas.microsoft.com/office/powerpoint/2010/main" val="3097536463"/>
+      </p:ext>
+    </p:extLst>
+  </p:cSld>
+  <p:clrMapOvr>
+    <a:masterClrMapping/>
+  </p:clrMapOvr>
+</p:sld>
+</file>
+
+<file path=ppt/slides/slide19.xml><?xml version="1.0" encoding="utf-8"?>
+<p:sld xmlns:a="http://schemas.openxmlformats.org/drawingml/2006/main" xmlns:r="http://schemas.openxmlformats.org/officeDocument/2006/relationships" xmlns:p="http://schemas.openxmlformats.org/presentationml/2006/main">
+  <p:cSld>
+    <p:spTree>
+      <p:nvGrpSpPr>
+        <p:cNvPr id="1" name=""/>
+        <p:cNvGrpSpPr/>
+        <p:nvPr/>
+      </p:nvGrpSpPr>
+      <p:grpSpPr>
+        <a:xfrm>
+          <a:off x="0" y="0"/>
+          <a:ext cx="0" cy="0"/>
+          <a:chOff x="0" y="0"/>
+          <a:chExt cx="0" cy="0"/>
+        </a:xfrm>
+      </p:grpSpPr>
+      <p:sp>
+        <p:nvSpPr>
+          <p:cNvPr id="2" name="Title 1">
+            <a:extLst>
+              <a:ext uri="{FF2B5EF4-FFF2-40B4-BE49-F238E27FC236}">
+                <a16:creationId xmlns:a16="http://schemas.microsoft.com/office/drawing/2014/main" id="{97262AE7-C151-4E1D-8AF8-7B13C7156105}"/>
+              </a:ext>
+            </a:extLst>
+          </p:cNvPr>
+          <p:cNvSpPr>
+            <a:spLocks noGrp="1"/>
+          </p:cNvSpPr>
+          <p:nvPr>
+            <p:ph type="title"/>
+          </p:nvPr>
+        </p:nvSpPr>
+        <p:spPr>
+          <a:xfrm>
+            <a:off x="304363" y="241758"/>
+            <a:ext cx="8464987" cy="455444"/>
+          </a:xfrm>
+        </p:spPr>
+        <p:txBody>
+          <a:bodyPr/>
+          <a:lstStyle/>
+          <a:p>
+            <a:r>
+              <a:rPr lang="en-US" dirty="0"/>
+              <a:t>Logic App vs Azure Durable function</a:t>
+            </a:r>
+          </a:p>
+        </p:txBody>
+      </p:sp>
+      <p:graphicFrame>
+        <p:nvGraphicFramePr>
+          <p:cNvPr id="4" name="Table 3">
+            <a:extLst>
+              <a:ext uri="{FF2B5EF4-FFF2-40B4-BE49-F238E27FC236}">
+                <a16:creationId xmlns:a16="http://schemas.microsoft.com/office/drawing/2014/main" id="{77C93723-9555-479B-9EF0-CDF19E13FEB1}"/>
+              </a:ext>
+            </a:extLst>
+          </p:cNvPr>
+          <p:cNvGraphicFramePr>
+            <a:graphicFrameLocks noGrp="1"/>
+          </p:cNvGraphicFramePr>
+          <p:nvPr>
+            <p:extLst>
+              <p:ext uri="{D42A27DB-BD31-4B8C-83A1-F6EECF244321}">
+                <p14:modId xmlns:p14="http://schemas.microsoft.com/office/powerpoint/2010/main" val="1673054548"/>
+              </p:ext>
+            </p:extLst>
+          </p:nvPr>
+        </p:nvGraphicFramePr>
+        <p:xfrm>
+          <a:off x="365760" y="1152379"/>
+          <a:ext cx="8778240" cy="3380664"/>
+        </p:xfrm>
+        <a:graphic>
+          <a:graphicData uri="http://schemas.openxmlformats.org/drawingml/2006/table">
+            <a:tbl>
+              <a:tblPr firstRow="1" bandRow="1">
+                <a:noFill/>
+                <a:tableStyleId>{5C22544A-7EE6-4342-B048-85BDC9FD1C3A}</a:tableStyleId>
+              </a:tblPr>
+              <a:tblGrid>
+                <a:gridCol w="2347014">
+                  <a:extLst>
+                    <a:ext uri="{9D8B030D-6E8A-4147-A177-3AD203B41FA5}">
+                      <a16:colId xmlns:a16="http://schemas.microsoft.com/office/drawing/2014/main" val="715455828"/>
+                    </a:ext>
+                  </a:extLst>
+                </a:gridCol>
+                <a:gridCol w="3396887">
+                  <a:extLst>
+                    <a:ext uri="{9D8B030D-6E8A-4147-A177-3AD203B41FA5}">
+                      <a16:colId xmlns:a16="http://schemas.microsoft.com/office/drawing/2014/main" val="448385253"/>
+                    </a:ext>
+                  </a:extLst>
+                </a:gridCol>
+                <a:gridCol w="3034339">
+                  <a:extLst>
+                    <a:ext uri="{9D8B030D-6E8A-4147-A177-3AD203B41FA5}">
+                      <a16:colId xmlns:a16="http://schemas.microsoft.com/office/drawing/2014/main" val="3365019293"/>
+                    </a:ext>
+                  </a:extLst>
+                </a:gridCol>
+              </a:tblGrid>
+              <a:tr h="550276">
+                <a:tc>
+                  <a:txBody>
+                    <a:bodyPr/>
+                    <a:lstStyle/>
+                    <a:p>
+                      <a:endParaRPr lang="en-US" sz="1200" b="1" dirty="0">
+                        <a:solidFill>
+                          <a:schemeClr val="tx1">
+                            <a:lumMod val="75000"/>
+                            <a:lumOff val="25000"/>
+                          </a:schemeClr>
+                        </a:solidFill>
+                      </a:endParaRPr>
+                    </a:p>
+                  </a:txBody>
+                  <a:tcPr marL="387964" marR="290973" marT="193983" marB="193983">
+                    <a:lnL w="12700" cmpd="sng">
+                      <a:noFill/>
+                      <a:prstDash val="solid"/>
+                    </a:lnL>
+                    <a:lnR w="12700" cmpd="sng">
+                      <a:noFill/>
+                      <a:prstDash val="solid"/>
+                    </a:lnR>
+                    <a:lnT w="9525" cap="flat" cmpd="sng" algn="ctr">
+                      <a:noFill/>
+                      <a:prstDash val="solid"/>
+                    </a:lnT>
+                    <a:lnB w="9525" cap="flat" cmpd="sng" algn="ctr">
+                      <a:solidFill>
+                        <a:srgbClr val="C7C6C1"/>
+                      </a:solidFill>
+                      <a:prstDash val="solid"/>
+                    </a:lnB>
+                    <a:noFill/>
+                  </a:tcPr>
+                </a:tc>
+                <a:tc>
+                  <a:txBody>
+                    <a:bodyPr/>
+                    <a:lstStyle/>
+                    <a:p>
+                      <a:r>
+                        <a:rPr lang="en-US" sz="1200" b="1" dirty="0">
+                          <a:solidFill>
+                            <a:schemeClr val="tx1">
+                              <a:lumMod val="75000"/>
+                              <a:lumOff val="25000"/>
+                            </a:schemeClr>
+                          </a:solidFill>
+                        </a:rPr>
+                        <a:t>Durable function</a:t>
+                      </a:r>
+                    </a:p>
+                  </a:txBody>
+                  <a:tcPr marL="387964" marR="290973" marT="193983" marB="193983">
+                    <a:lnL w="12700" cmpd="sng">
+                      <a:noFill/>
+                      <a:prstDash val="solid"/>
+                    </a:lnL>
+                    <a:lnR w="12700" cmpd="sng">
+                      <a:noFill/>
+                      <a:prstDash val="solid"/>
+                    </a:lnR>
+                    <a:lnT w="9525" cap="flat" cmpd="sng" algn="ctr">
+                      <a:noFill/>
+                      <a:prstDash val="solid"/>
+                    </a:lnT>
+                    <a:lnB w="9525" cap="flat" cmpd="sng" algn="ctr">
+                      <a:solidFill>
+                        <a:srgbClr val="C7C6C1"/>
+                      </a:solidFill>
+                      <a:prstDash val="solid"/>
+                    </a:lnB>
+                    <a:noFill/>
+                  </a:tcPr>
+                </a:tc>
+                <a:tc>
+                  <a:txBody>
+                    <a:bodyPr/>
+                    <a:lstStyle/>
+                    <a:p>
+                      <a:r>
+                        <a:rPr lang="en-US" sz="1200" b="1">
+                          <a:solidFill>
+                            <a:schemeClr val="tx1">
+                              <a:lumMod val="75000"/>
+                              <a:lumOff val="25000"/>
+                            </a:schemeClr>
+                          </a:solidFill>
+                        </a:rPr>
+                        <a:t>Logic App</a:t>
+                      </a:r>
+                    </a:p>
+                  </a:txBody>
+                  <a:tcPr marL="387964" marR="290973" marT="193983" marB="193983">
+                    <a:lnL w="12700" cmpd="sng">
+                      <a:noFill/>
+                      <a:prstDash val="solid"/>
+                    </a:lnL>
+                    <a:lnR w="12700" cmpd="sng">
+                      <a:noFill/>
+                      <a:prstDash val="solid"/>
+                    </a:lnR>
+                    <a:lnT w="9525" cap="flat" cmpd="sng" algn="ctr">
+                      <a:noFill/>
+                      <a:prstDash val="solid"/>
+                    </a:lnT>
+                    <a:lnB w="9525" cap="flat" cmpd="sng" algn="ctr">
+                      <a:solidFill>
+                        <a:srgbClr val="C7C6C1"/>
+                      </a:solidFill>
+                      <a:prstDash val="solid"/>
+                    </a:lnB>
+                    <a:noFill/>
+                  </a:tcPr>
+                </a:tc>
+                <a:extLst>
+                  <a:ext uri="{0D108BD9-81ED-4DB2-BD59-A6C34878D82A}">
+                    <a16:rowId xmlns:a16="http://schemas.microsoft.com/office/drawing/2014/main" val="208790539"/>
+                  </a:ext>
+                </a:extLst>
+              </a:tr>
+              <a:tr h="726567">
+                <a:tc>
+                  <a:txBody>
+                    <a:bodyPr/>
+                    <a:lstStyle/>
+                    <a:p>
+                      <a:r>
+                        <a:rPr lang="en-US" sz="1200" dirty="0">
+                          <a:solidFill>
+                            <a:schemeClr val="tx1">
+                              <a:lumMod val="75000"/>
+                              <a:lumOff val="25000"/>
+                            </a:schemeClr>
+                          </a:solidFill>
+                        </a:rPr>
+                        <a:t>CI/CD</a:t>
+                      </a:r>
+                    </a:p>
+                  </a:txBody>
+                  <a:tcPr marL="387964" marR="290973" marT="193983" marB="193983">
+                    <a:lnL w="12700" cmpd="sng">
+                      <a:noFill/>
+                      <a:prstDash val="solid"/>
+                    </a:lnL>
+                    <a:lnR w="12700" cmpd="sng">
+                      <a:noFill/>
+                      <a:prstDash val="solid"/>
+                    </a:lnR>
+                    <a:lnT w="9525" cap="flat" cmpd="sng" algn="ctr">
+                      <a:solidFill>
+                        <a:srgbClr val="C7C6C1"/>
+                      </a:solidFill>
+                      <a:prstDash val="solid"/>
+                    </a:lnT>
+                    <a:lnB w="9525" cap="flat" cmpd="sng" algn="ctr">
+                      <a:solidFill>
+                        <a:srgbClr val="C7C6C1"/>
+                      </a:solidFill>
+                      <a:prstDash val="solid"/>
+                    </a:lnB>
+                    <a:noFill/>
+                  </a:tcPr>
+                </a:tc>
+                <a:tc>
+                  <a:txBody>
+                    <a:bodyPr/>
+                    <a:lstStyle/>
+                    <a:p>
+                      <a:r>
+                        <a:rPr lang="en-US" sz="1200" dirty="0">
+                          <a:solidFill>
+                            <a:schemeClr val="tx1">
+                              <a:lumMod val="75000"/>
+                              <a:lumOff val="25000"/>
+                            </a:schemeClr>
+                          </a:solidFill>
+                        </a:rPr>
+                        <a:t>Any standard pipeline can be used</a:t>
+                      </a:r>
+                    </a:p>
+                  </a:txBody>
+                  <a:tcPr marL="387964" marR="290973" marT="193983" marB="193983">
+                    <a:lnL w="12700" cmpd="sng">
+                      <a:noFill/>
+                      <a:prstDash val="solid"/>
+                    </a:lnL>
+                    <a:lnR w="12700" cmpd="sng">
+                      <a:noFill/>
+                      <a:prstDash val="solid"/>
+                    </a:lnR>
+                    <a:lnT w="9525" cap="flat" cmpd="sng" algn="ctr">
+                      <a:solidFill>
+                        <a:srgbClr val="C7C6C1"/>
+                      </a:solidFill>
+                      <a:prstDash val="solid"/>
+                    </a:lnT>
+                    <a:lnB w="9525" cap="flat" cmpd="sng" algn="ctr">
+                      <a:solidFill>
+                        <a:srgbClr val="C7C6C1"/>
+                      </a:solidFill>
+                      <a:prstDash val="solid"/>
+                    </a:lnB>
+                    <a:noFill/>
+                  </a:tcPr>
+                </a:tc>
+                <a:tc>
+                  <a:txBody>
+                    <a:bodyPr/>
+                    <a:lstStyle/>
+                    <a:p>
+                      <a:r>
+                        <a:rPr lang="en-US" sz="1200" dirty="0">
+                          <a:solidFill>
+                            <a:schemeClr val="tx1">
+                              <a:lumMod val="75000"/>
+                              <a:lumOff val="25000"/>
+                            </a:schemeClr>
+                          </a:solidFill>
+                        </a:rPr>
+                        <a:t>Only Azure ARM template can be used</a:t>
+                      </a:r>
+                    </a:p>
+                  </a:txBody>
+                  <a:tcPr marL="387964" marR="290973" marT="193983" marB="193983">
+                    <a:lnL w="12700" cmpd="sng">
+                      <a:noFill/>
+                      <a:prstDash val="solid"/>
+                    </a:lnL>
+                    <a:lnR w="12700" cmpd="sng">
+                      <a:noFill/>
+                      <a:prstDash val="solid"/>
+                    </a:lnR>
+                    <a:lnT w="9525" cap="flat" cmpd="sng" algn="ctr">
+                      <a:solidFill>
+                        <a:srgbClr val="C7C6C1"/>
+                      </a:solidFill>
+                      <a:prstDash val="solid"/>
+                    </a:lnT>
+                    <a:lnB w="9525" cap="flat" cmpd="sng" algn="ctr">
+                      <a:solidFill>
+                        <a:srgbClr val="C7C6C1"/>
+                      </a:solidFill>
+                      <a:prstDash val="solid"/>
+                    </a:lnB>
+                    <a:noFill/>
+                  </a:tcPr>
+                </a:tc>
+                <a:extLst>
+                  <a:ext uri="{0D108BD9-81ED-4DB2-BD59-A6C34878D82A}">
+                    <a16:rowId xmlns:a16="http://schemas.microsoft.com/office/drawing/2014/main" val="921590018"/>
+                  </a:ext>
+                </a:extLst>
+              </a:tr>
+              <a:tr h="1255437">
+                <a:tc>
+                  <a:txBody>
+                    <a:bodyPr/>
+                    <a:lstStyle/>
+                    <a:p>
+                      <a:r>
+                        <a:rPr lang="en-US" sz="1200" dirty="0">
+                          <a:solidFill>
+                            <a:schemeClr val="tx1">
+                              <a:lumMod val="75000"/>
+                              <a:lumOff val="25000"/>
+                            </a:schemeClr>
+                          </a:solidFill>
+                        </a:rPr>
+                        <a:t>Versioning</a:t>
+                      </a:r>
+                    </a:p>
+                  </a:txBody>
+                  <a:tcPr marL="387964" marR="290973" marT="193983" marB="193983">
+                    <a:lnL w="12700" cmpd="sng">
+                      <a:noFill/>
+                      <a:prstDash val="solid"/>
+                    </a:lnL>
+                    <a:lnR w="12700" cmpd="sng">
+                      <a:noFill/>
+                      <a:prstDash val="solid"/>
+                    </a:lnR>
+                    <a:lnT w="9525" cap="flat" cmpd="sng" algn="ctr">
+                      <a:solidFill>
+                        <a:srgbClr val="C7C6C1"/>
+                      </a:solidFill>
+                      <a:prstDash val="solid"/>
+                    </a:lnT>
+                    <a:lnB w="9525" cap="flat" cmpd="sng" algn="ctr">
+                      <a:solidFill>
+                        <a:srgbClr val="C7C6C1"/>
+                      </a:solidFill>
+                      <a:prstDash val="solid"/>
+                    </a:lnB>
+                    <a:noFill/>
+                  </a:tcPr>
+                </a:tc>
+                <a:tc>
+                  <a:txBody>
+                    <a:bodyPr/>
+                    <a:lstStyle/>
+                    <a:p>
+                      <a:r>
+                        <a:rPr lang="en-US" sz="1200" dirty="0">
+                          <a:solidFill>
+                            <a:schemeClr val="tx1">
+                              <a:lumMod val="75000"/>
+                              <a:lumOff val="25000"/>
+                            </a:schemeClr>
+                          </a:solidFill>
+                        </a:rPr>
+                        <a:t>It is very important as if any breaking changes are introduced it will break the existing running function as well</a:t>
+                      </a:r>
+                    </a:p>
+                  </a:txBody>
+                  <a:tcPr marL="387964" marR="290973" marT="193983" marB="193983">
+                    <a:lnL w="12700" cmpd="sng">
+                      <a:noFill/>
+                      <a:prstDash val="solid"/>
+                    </a:lnL>
+                    <a:lnR w="12700" cmpd="sng">
+                      <a:noFill/>
+                      <a:prstDash val="solid"/>
+                    </a:lnR>
+                    <a:lnT w="9525" cap="flat" cmpd="sng" algn="ctr">
+                      <a:solidFill>
+                        <a:srgbClr val="C7C6C1"/>
+                      </a:solidFill>
+                      <a:prstDash val="solid"/>
+                    </a:lnT>
+                    <a:lnB w="9525" cap="flat" cmpd="sng" algn="ctr">
+                      <a:solidFill>
+                        <a:srgbClr val="C7C6C1"/>
+                      </a:solidFill>
+                      <a:prstDash val="solid"/>
+                    </a:lnB>
+                    <a:noFill/>
+                  </a:tcPr>
+                </a:tc>
+                <a:tc>
+                  <a:txBody>
+                    <a:bodyPr/>
+                    <a:lstStyle/>
+                    <a:p>
+                      <a:r>
+                        <a:rPr lang="en-IN" sz="1200" dirty="0">
+                          <a:solidFill>
+                            <a:schemeClr val="tx1">
+                              <a:lumMod val="75000"/>
+                              <a:lumOff val="25000"/>
+                            </a:schemeClr>
+                          </a:solidFill>
+                        </a:rPr>
+                        <a:t>Logic Apps keep version history</a:t>
+                      </a:r>
+                    </a:p>
+                    <a:p>
+                      <a:r>
+                        <a:rPr lang="en-IN" sz="1200" dirty="0">
+                          <a:solidFill>
+                            <a:schemeClr val="tx1">
+                              <a:lumMod val="75000"/>
+                              <a:lumOff val="25000"/>
+                            </a:schemeClr>
+                          </a:solidFill>
+                        </a:rPr>
+                        <a:t>of all workflows saved or</a:t>
+                      </a:r>
+                    </a:p>
+                    <a:p>
+                      <a:r>
+                        <a:rPr lang="en-IN" sz="1200" dirty="0">
+                          <a:solidFill>
+                            <a:schemeClr val="tx1">
+                              <a:lumMod val="75000"/>
+                              <a:lumOff val="25000"/>
+                            </a:schemeClr>
+                          </a:solidFill>
+                        </a:rPr>
+                        <a:t>deployed. Running instances will</a:t>
+                      </a:r>
+                    </a:p>
+                    <a:p>
+                      <a:r>
+                        <a:rPr lang="en-IN" sz="1200" dirty="0">
+                          <a:solidFill>
+                            <a:schemeClr val="tx1">
+                              <a:lumMod val="75000"/>
+                              <a:lumOff val="25000"/>
+                            </a:schemeClr>
+                          </a:solidFill>
+                        </a:rPr>
+                        <a:t>continue running based on the</a:t>
+                      </a:r>
+                    </a:p>
+                    <a:p>
+                      <a:r>
+                        <a:rPr lang="en-IN" sz="1200" dirty="0">
+                          <a:solidFill>
+                            <a:schemeClr val="tx1">
+                              <a:lumMod val="75000"/>
+                              <a:lumOff val="25000"/>
+                            </a:schemeClr>
+                          </a:solidFill>
+                        </a:rPr>
+                        <a:t>active version when they started</a:t>
+                      </a:r>
+                      <a:endParaRPr lang="en-US" sz="1200" dirty="0">
+                        <a:solidFill>
+                          <a:schemeClr val="tx1">
+                            <a:lumMod val="75000"/>
+                            <a:lumOff val="25000"/>
+                          </a:schemeClr>
+                        </a:solidFill>
+                      </a:endParaRPr>
+                    </a:p>
+                  </a:txBody>
+                  <a:tcPr marL="387964" marR="290973" marT="193983" marB="193983">
+                    <a:lnL w="12700" cmpd="sng">
+                      <a:noFill/>
+                      <a:prstDash val="solid"/>
+                    </a:lnL>
+                    <a:lnR w="12700" cmpd="sng">
+                      <a:noFill/>
+                      <a:prstDash val="solid"/>
+                    </a:lnR>
+                    <a:lnT w="9525" cap="flat" cmpd="sng" algn="ctr">
+                      <a:solidFill>
+                        <a:srgbClr val="C7C6C1"/>
+                      </a:solidFill>
+                      <a:prstDash val="solid"/>
+                    </a:lnT>
+                    <a:lnB w="9525" cap="flat" cmpd="sng" algn="ctr">
+                      <a:solidFill>
+                        <a:srgbClr val="C7C6C1"/>
+                      </a:solidFill>
+                      <a:prstDash val="solid"/>
+                    </a:lnB>
+                    <a:noFill/>
+                  </a:tcPr>
+                </a:tc>
+                <a:extLst>
+                  <a:ext uri="{0D108BD9-81ED-4DB2-BD59-A6C34878D82A}">
+                    <a16:rowId xmlns:a16="http://schemas.microsoft.com/office/drawing/2014/main" val="3027679072"/>
+                  </a:ext>
+                </a:extLst>
+              </a:tr>
+              <a:tr h="726567">
+                <a:tc>
+                  <a:txBody>
+                    <a:bodyPr/>
+                    <a:lstStyle/>
+                    <a:p>
+                      <a:r>
+                        <a:rPr lang="en-US" sz="1200" dirty="0">
+                          <a:solidFill>
+                            <a:schemeClr val="tx1">
+                              <a:lumMod val="75000"/>
+                              <a:lumOff val="25000"/>
+                            </a:schemeClr>
+                          </a:solidFill>
+                        </a:rPr>
+                        <a:t>Runtime</a:t>
+                      </a:r>
+                    </a:p>
+                  </a:txBody>
+                  <a:tcPr marL="387964" marR="290973" marT="193983" marB="193983">
+                    <a:lnL w="12700" cmpd="sng">
+                      <a:noFill/>
+                      <a:prstDash val="solid"/>
+                    </a:lnL>
+                    <a:lnR w="12700" cmpd="sng">
+                      <a:noFill/>
+                      <a:prstDash val="solid"/>
+                    </a:lnR>
+                    <a:lnT w="9525" cap="flat" cmpd="sng" algn="ctr">
+                      <a:solidFill>
+                        <a:srgbClr val="C7C6C1"/>
+                      </a:solidFill>
+                      <a:prstDash val="solid"/>
+                    </a:lnT>
+                    <a:lnB w="9525" cap="flat" cmpd="sng" algn="ctr">
+                      <a:solidFill>
+                        <a:srgbClr val="C7C6C1"/>
+                      </a:solidFill>
+                      <a:prstDash val="solid"/>
+                    </a:lnB>
+                    <a:noFill/>
+                  </a:tcPr>
+                </a:tc>
+                <a:tc>
+                  <a:txBody>
+                    <a:bodyPr/>
+                    <a:lstStyle/>
+                    <a:p>
+                      <a:r>
+                        <a:rPr lang="en-US" sz="1200" dirty="0">
+                          <a:solidFill>
+                            <a:schemeClr val="tx1">
+                              <a:lumMod val="75000"/>
+                              <a:lumOff val="25000"/>
+                            </a:schemeClr>
+                          </a:solidFill>
+                        </a:rPr>
+                        <a:t>Runs anywhere, local, container, Azure, Azure Stack</a:t>
+                      </a:r>
+                    </a:p>
+                  </a:txBody>
+                  <a:tcPr marL="387964" marR="290973" marT="193983" marB="193983">
+                    <a:lnL w="12700" cmpd="sng">
+                      <a:noFill/>
+                      <a:prstDash val="solid"/>
+                    </a:lnL>
+                    <a:lnR w="12700" cmpd="sng">
+                      <a:noFill/>
+                      <a:prstDash val="solid"/>
+                    </a:lnR>
+                    <a:lnT w="9525" cap="flat" cmpd="sng" algn="ctr">
+                      <a:solidFill>
+                        <a:srgbClr val="C7C6C1"/>
+                      </a:solidFill>
+                      <a:prstDash val="solid"/>
+                    </a:lnT>
+                    <a:lnB w="9525" cap="flat" cmpd="sng" algn="ctr">
+                      <a:solidFill>
+                        <a:srgbClr val="C7C6C1"/>
+                      </a:solidFill>
+                      <a:prstDash val="solid"/>
+                    </a:lnB>
+                    <a:noFill/>
+                  </a:tcPr>
+                </a:tc>
+                <a:tc>
+                  <a:txBody>
+                    <a:bodyPr/>
+                    <a:lstStyle/>
+                    <a:p>
+                      <a:r>
+                        <a:rPr lang="en-US" sz="1200" dirty="0">
+                          <a:solidFill>
+                            <a:schemeClr val="tx1">
+                              <a:lumMod val="75000"/>
+                              <a:lumOff val="25000"/>
+                            </a:schemeClr>
+                          </a:solidFill>
+                        </a:rPr>
+                        <a:t>Can run only in Azure</a:t>
+                      </a:r>
+                    </a:p>
+                  </a:txBody>
+                  <a:tcPr marL="387964" marR="290973" marT="193983" marB="193983">
+                    <a:lnL w="12700" cmpd="sng">
+                      <a:noFill/>
+                      <a:prstDash val="solid"/>
+                    </a:lnL>
+                    <a:lnR w="12700" cmpd="sng">
+                      <a:noFill/>
+                      <a:prstDash val="solid"/>
+                    </a:lnR>
+                    <a:lnT w="9525" cap="flat" cmpd="sng" algn="ctr">
+                      <a:solidFill>
+                        <a:srgbClr val="C7C6C1"/>
+                      </a:solidFill>
+                      <a:prstDash val="solid"/>
+                    </a:lnT>
+                    <a:lnB w="9525" cap="flat" cmpd="sng" algn="ctr">
+                      <a:solidFill>
+                        <a:srgbClr val="C7C6C1"/>
+                      </a:solidFill>
+                      <a:prstDash val="solid"/>
+                    </a:lnB>
+                    <a:noFill/>
+                  </a:tcPr>
+                </a:tc>
+                <a:extLst>
+                  <a:ext uri="{0D108BD9-81ED-4DB2-BD59-A6C34878D82A}">
+                    <a16:rowId xmlns:a16="http://schemas.microsoft.com/office/drawing/2014/main" val="3417568620"/>
+                  </a:ext>
+                </a:extLst>
+              </a:tr>
+            </a:tbl>
+          </a:graphicData>
+        </a:graphic>
+      </p:graphicFrame>
+      <p:sp>
+        <p:nvSpPr>
+          <p:cNvPr id="5" name="Rectangle 4">
+            <a:extLst>
+              <a:ext uri="{FF2B5EF4-FFF2-40B4-BE49-F238E27FC236}">
+                <a16:creationId xmlns:a16="http://schemas.microsoft.com/office/drawing/2014/main" id="{96609CD3-B5ED-48EC-84F1-E74F375CCF40}"/>
+              </a:ext>
+            </a:extLst>
+          </p:cNvPr>
+          <p:cNvSpPr/>
+          <p:nvPr/>
+        </p:nvSpPr>
+        <p:spPr>
+          <a:xfrm>
+            <a:off x="0" y="851043"/>
+            <a:ext cx="2587337" cy="301336"/>
+          </a:xfrm>
+          <a:prstGeom prst="rect">
+            <a:avLst/>
+          </a:prstGeom>
+          <a:solidFill>
+            <a:schemeClr val="tx2"/>
+          </a:solidFill>
+          <a:ln>
+            <a:noFill/>
+          </a:ln>
+          <a:effectLst/>
+        </p:spPr>
+        <p:style>
+          <a:lnRef idx="1">
+            <a:schemeClr val="accent1"/>
+          </a:lnRef>
+          <a:fillRef idx="3">
+            <a:schemeClr val="accent1"/>
+          </a:fillRef>
+          <a:effectRef idx="2">
+            <a:schemeClr val="accent1"/>
+          </a:effectRef>
+          <a:fontRef idx="minor">
+            <a:schemeClr val="lt1"/>
+          </a:fontRef>
+        </p:style>
+        <p:txBody>
+          <a:bodyPr rtlCol="0" anchor="ctr"/>
+          <a:lstStyle/>
+          <a:p>
+            <a:pPr algn="ctr"/>
+            <a:r>
+              <a:rPr lang="en-US" sz="1600" dirty="0">
+                <a:solidFill>
+                  <a:schemeClr val="accent3">
+                    <a:lumMod val="50000"/>
+                  </a:schemeClr>
+                </a:solidFill>
+              </a:rPr>
+              <a:t>Deployment</a:t>
+            </a:r>
           </a:p>
         </p:txBody>
       </p:sp>
     </p:spTree>
     <p:extLst>
       <p:ext uri="{BB962C8B-B14F-4D97-AF65-F5344CB8AC3E}">
-        <p14:creationId xmlns:p14="http://schemas.microsoft.com/office/powerpoint/2010/main" val="1930826820"/>
+        <p14:creationId xmlns:p14="http://schemas.microsoft.com/office/powerpoint/2010/main" val="1657431264"/>
       </p:ext>
     </p:extLst>
   </p:cSld>
@@ -32368,6 +40659,960 @@
     <p:extLst>
       <p:ext uri="{BB962C8B-B14F-4D97-AF65-F5344CB8AC3E}">
         <p14:creationId xmlns:p14="http://schemas.microsoft.com/office/powerpoint/2010/main" val="1390877008"/>
+      </p:ext>
+    </p:extLst>
+  </p:cSld>
+  <p:clrMapOvr>
+    <a:masterClrMapping/>
+  </p:clrMapOvr>
+</p:sld>
+</file>
+
+<file path=ppt/slides/slide20.xml><?xml version="1.0" encoding="utf-8"?>
+<p:sld xmlns:a="http://schemas.openxmlformats.org/drawingml/2006/main" xmlns:r="http://schemas.openxmlformats.org/officeDocument/2006/relationships" xmlns:p="http://schemas.openxmlformats.org/presentationml/2006/main">
+  <p:cSld>
+    <p:spTree>
+      <p:nvGrpSpPr>
+        <p:cNvPr id="1" name=""/>
+        <p:cNvGrpSpPr/>
+        <p:nvPr/>
+      </p:nvGrpSpPr>
+      <p:grpSpPr>
+        <a:xfrm>
+          <a:off x="0" y="0"/>
+          <a:ext cx="0" cy="0"/>
+          <a:chOff x="0" y="0"/>
+          <a:chExt cx="0" cy="0"/>
+        </a:xfrm>
+      </p:grpSpPr>
+      <p:sp>
+        <p:nvSpPr>
+          <p:cNvPr id="2" name="Title 1">
+            <a:extLst>
+              <a:ext uri="{FF2B5EF4-FFF2-40B4-BE49-F238E27FC236}">
+                <a16:creationId xmlns:a16="http://schemas.microsoft.com/office/drawing/2014/main" id="{97262AE7-C151-4E1D-8AF8-7B13C7156105}"/>
+              </a:ext>
+            </a:extLst>
+          </p:cNvPr>
+          <p:cNvSpPr>
+            <a:spLocks noGrp="1"/>
+          </p:cNvSpPr>
+          <p:nvPr>
+            <p:ph type="title"/>
+          </p:nvPr>
+        </p:nvSpPr>
+        <p:spPr>
+          <a:xfrm>
+            <a:off x="304363" y="241758"/>
+            <a:ext cx="8464987" cy="455444"/>
+          </a:xfrm>
+        </p:spPr>
+        <p:txBody>
+          <a:bodyPr/>
+          <a:lstStyle/>
+          <a:p>
+            <a:r>
+              <a:rPr lang="en-US" dirty="0"/>
+              <a:t>Logic App vs Azure Durable function</a:t>
+            </a:r>
+          </a:p>
+        </p:txBody>
+      </p:sp>
+      <p:graphicFrame>
+        <p:nvGraphicFramePr>
+          <p:cNvPr id="4" name="Table 3">
+            <a:extLst>
+              <a:ext uri="{FF2B5EF4-FFF2-40B4-BE49-F238E27FC236}">
+                <a16:creationId xmlns:a16="http://schemas.microsoft.com/office/drawing/2014/main" id="{77C93723-9555-479B-9EF0-CDF19E13FEB1}"/>
+              </a:ext>
+            </a:extLst>
+          </p:cNvPr>
+          <p:cNvGraphicFramePr>
+            <a:graphicFrameLocks noGrp="1"/>
+          </p:cNvGraphicFramePr>
+          <p:nvPr>
+            <p:extLst>
+              <p:ext uri="{D42A27DB-BD31-4B8C-83A1-F6EECF244321}">
+                <p14:modId xmlns:p14="http://schemas.microsoft.com/office/powerpoint/2010/main" val="1744108528"/>
+              </p:ext>
+            </p:extLst>
+          </p:nvPr>
+        </p:nvGraphicFramePr>
+        <p:xfrm>
+          <a:off x="365760" y="1152379"/>
+          <a:ext cx="8778240" cy="3380664"/>
+        </p:xfrm>
+        <a:graphic>
+          <a:graphicData uri="http://schemas.openxmlformats.org/drawingml/2006/table">
+            <a:tbl>
+              <a:tblPr firstRow="1" bandRow="1">
+                <a:noFill/>
+                <a:tableStyleId>{5C22544A-7EE6-4342-B048-85BDC9FD1C3A}</a:tableStyleId>
+              </a:tblPr>
+              <a:tblGrid>
+                <a:gridCol w="2347014">
+                  <a:extLst>
+                    <a:ext uri="{9D8B030D-6E8A-4147-A177-3AD203B41FA5}">
+                      <a16:colId xmlns:a16="http://schemas.microsoft.com/office/drawing/2014/main" val="715455828"/>
+                    </a:ext>
+                  </a:extLst>
+                </a:gridCol>
+                <a:gridCol w="3396887">
+                  <a:extLst>
+                    <a:ext uri="{9D8B030D-6E8A-4147-A177-3AD203B41FA5}">
+                      <a16:colId xmlns:a16="http://schemas.microsoft.com/office/drawing/2014/main" val="448385253"/>
+                    </a:ext>
+                  </a:extLst>
+                </a:gridCol>
+                <a:gridCol w="3034339">
+                  <a:extLst>
+                    <a:ext uri="{9D8B030D-6E8A-4147-A177-3AD203B41FA5}">
+                      <a16:colId xmlns:a16="http://schemas.microsoft.com/office/drawing/2014/main" val="3365019293"/>
+                    </a:ext>
+                  </a:extLst>
+                </a:gridCol>
+              </a:tblGrid>
+              <a:tr h="550276">
+                <a:tc>
+                  <a:txBody>
+                    <a:bodyPr/>
+                    <a:lstStyle/>
+                    <a:p>
+                      <a:endParaRPr lang="en-US" sz="1200" b="1" dirty="0">
+                        <a:solidFill>
+                          <a:schemeClr val="tx1">
+                            <a:lumMod val="75000"/>
+                            <a:lumOff val="25000"/>
+                          </a:schemeClr>
+                        </a:solidFill>
+                      </a:endParaRPr>
+                    </a:p>
+                  </a:txBody>
+                  <a:tcPr marL="387964" marR="290973" marT="193983" marB="193983">
+                    <a:lnL w="12700" cmpd="sng">
+                      <a:noFill/>
+                      <a:prstDash val="solid"/>
+                    </a:lnL>
+                    <a:lnR w="12700" cmpd="sng">
+                      <a:noFill/>
+                      <a:prstDash val="solid"/>
+                    </a:lnR>
+                    <a:lnT w="9525" cap="flat" cmpd="sng" algn="ctr">
+                      <a:noFill/>
+                      <a:prstDash val="solid"/>
+                    </a:lnT>
+                    <a:lnB w="9525" cap="flat" cmpd="sng" algn="ctr">
+                      <a:solidFill>
+                        <a:srgbClr val="C7C6C1"/>
+                      </a:solidFill>
+                      <a:prstDash val="solid"/>
+                    </a:lnB>
+                    <a:noFill/>
+                  </a:tcPr>
+                </a:tc>
+                <a:tc>
+                  <a:txBody>
+                    <a:bodyPr/>
+                    <a:lstStyle/>
+                    <a:p>
+                      <a:r>
+                        <a:rPr lang="en-US" sz="1200" b="1" dirty="0">
+                          <a:solidFill>
+                            <a:schemeClr val="tx1">
+                              <a:lumMod val="75000"/>
+                              <a:lumOff val="25000"/>
+                            </a:schemeClr>
+                          </a:solidFill>
+                        </a:rPr>
+                        <a:t>Durable function</a:t>
+                      </a:r>
+                    </a:p>
+                  </a:txBody>
+                  <a:tcPr marL="387964" marR="290973" marT="193983" marB="193983">
+                    <a:lnL w="12700" cmpd="sng">
+                      <a:noFill/>
+                      <a:prstDash val="solid"/>
+                    </a:lnL>
+                    <a:lnR w="12700" cmpd="sng">
+                      <a:noFill/>
+                      <a:prstDash val="solid"/>
+                    </a:lnR>
+                    <a:lnT w="9525" cap="flat" cmpd="sng" algn="ctr">
+                      <a:noFill/>
+                      <a:prstDash val="solid"/>
+                    </a:lnT>
+                    <a:lnB w="9525" cap="flat" cmpd="sng" algn="ctr">
+                      <a:solidFill>
+                        <a:srgbClr val="C7C6C1"/>
+                      </a:solidFill>
+                      <a:prstDash val="solid"/>
+                    </a:lnB>
+                    <a:noFill/>
+                  </a:tcPr>
+                </a:tc>
+                <a:tc>
+                  <a:txBody>
+                    <a:bodyPr/>
+                    <a:lstStyle/>
+                    <a:p>
+                      <a:r>
+                        <a:rPr lang="en-US" sz="1200" b="1">
+                          <a:solidFill>
+                            <a:schemeClr val="tx1">
+                              <a:lumMod val="75000"/>
+                              <a:lumOff val="25000"/>
+                            </a:schemeClr>
+                          </a:solidFill>
+                        </a:rPr>
+                        <a:t>Logic App</a:t>
+                      </a:r>
+                    </a:p>
+                  </a:txBody>
+                  <a:tcPr marL="387964" marR="290973" marT="193983" marB="193983">
+                    <a:lnL w="12700" cmpd="sng">
+                      <a:noFill/>
+                      <a:prstDash val="solid"/>
+                    </a:lnL>
+                    <a:lnR w="12700" cmpd="sng">
+                      <a:noFill/>
+                      <a:prstDash val="solid"/>
+                    </a:lnR>
+                    <a:lnT w="9525" cap="flat" cmpd="sng" algn="ctr">
+                      <a:noFill/>
+                      <a:prstDash val="solid"/>
+                    </a:lnT>
+                    <a:lnB w="9525" cap="flat" cmpd="sng" algn="ctr">
+                      <a:solidFill>
+                        <a:srgbClr val="C7C6C1"/>
+                      </a:solidFill>
+                      <a:prstDash val="solid"/>
+                    </a:lnB>
+                    <a:noFill/>
+                  </a:tcPr>
+                </a:tc>
+                <a:extLst>
+                  <a:ext uri="{0D108BD9-81ED-4DB2-BD59-A6C34878D82A}">
+                    <a16:rowId xmlns:a16="http://schemas.microsoft.com/office/drawing/2014/main" val="208790539"/>
+                  </a:ext>
+                </a:extLst>
+              </a:tr>
+              <a:tr h="726567">
+                <a:tc>
+                  <a:txBody>
+                    <a:bodyPr/>
+                    <a:lstStyle/>
+                    <a:p>
+                      <a:r>
+                        <a:rPr lang="en-US" sz="1200" dirty="0">
+                          <a:solidFill>
+                            <a:schemeClr val="tx1">
+                              <a:lumMod val="75000"/>
+                              <a:lumOff val="25000"/>
+                            </a:schemeClr>
+                          </a:solidFill>
+                        </a:rPr>
+                        <a:t>Tracing and logging</a:t>
+                      </a:r>
+                    </a:p>
+                  </a:txBody>
+                  <a:tcPr marL="387964" marR="290973" marT="193983" marB="193983">
+                    <a:lnL w="12700" cmpd="sng">
+                      <a:noFill/>
+                      <a:prstDash val="solid"/>
+                    </a:lnL>
+                    <a:lnR w="12700" cmpd="sng">
+                      <a:noFill/>
+                      <a:prstDash val="solid"/>
+                    </a:lnR>
+                    <a:lnT w="9525" cap="flat" cmpd="sng" algn="ctr">
+                      <a:solidFill>
+                        <a:srgbClr val="C7C6C1"/>
+                      </a:solidFill>
+                      <a:prstDash val="solid"/>
+                    </a:lnT>
+                    <a:lnB w="9525" cap="flat" cmpd="sng" algn="ctr">
+                      <a:solidFill>
+                        <a:srgbClr val="C7C6C1"/>
+                      </a:solidFill>
+                      <a:prstDash val="solid"/>
+                    </a:lnB>
+                    <a:noFill/>
+                  </a:tcPr>
+                </a:tc>
+                <a:tc>
+                  <a:txBody>
+                    <a:bodyPr/>
+                    <a:lstStyle/>
+                    <a:p>
+                      <a:r>
+                        <a:rPr lang="en-US" sz="1200" dirty="0">
+                          <a:solidFill>
+                            <a:schemeClr val="tx1">
+                              <a:lumMod val="75000"/>
+                              <a:lumOff val="25000"/>
+                            </a:schemeClr>
+                          </a:solidFill>
+                        </a:rPr>
+                        <a:t>Application insights can be used for tracking. For custom logging </a:t>
+                      </a:r>
+                      <a:r>
+                        <a:rPr lang="en-US" sz="1200" dirty="0" err="1">
+                          <a:solidFill>
+                            <a:schemeClr val="tx1">
+                              <a:lumMod val="75000"/>
+                              <a:lumOff val="25000"/>
+                            </a:schemeClr>
+                          </a:solidFill>
+                        </a:rPr>
+                        <a:t>Ilogger</a:t>
+                      </a:r>
+                      <a:r>
+                        <a:rPr lang="en-US" sz="1200" dirty="0">
+                          <a:solidFill>
+                            <a:schemeClr val="tx1">
+                              <a:lumMod val="75000"/>
+                              <a:lumOff val="25000"/>
+                            </a:schemeClr>
+                          </a:solidFill>
+                        </a:rPr>
+                        <a:t> is injected to function</a:t>
+                      </a:r>
+                    </a:p>
+                  </a:txBody>
+                  <a:tcPr marL="387964" marR="290973" marT="193983" marB="193983">
+                    <a:lnL w="12700" cmpd="sng">
+                      <a:noFill/>
+                      <a:prstDash val="solid"/>
+                    </a:lnL>
+                    <a:lnR w="12700" cmpd="sng">
+                      <a:noFill/>
+                      <a:prstDash val="solid"/>
+                    </a:lnR>
+                    <a:lnT w="9525" cap="flat" cmpd="sng" algn="ctr">
+                      <a:solidFill>
+                        <a:srgbClr val="C7C6C1"/>
+                      </a:solidFill>
+                      <a:prstDash val="solid"/>
+                    </a:lnT>
+                    <a:lnB w="9525" cap="flat" cmpd="sng" algn="ctr">
+                      <a:solidFill>
+                        <a:srgbClr val="C7C6C1"/>
+                      </a:solidFill>
+                      <a:prstDash val="solid"/>
+                    </a:lnB>
+                    <a:noFill/>
+                  </a:tcPr>
+                </a:tc>
+                <a:tc>
+                  <a:txBody>
+                    <a:bodyPr/>
+                    <a:lstStyle/>
+                    <a:p>
+                      <a:r>
+                        <a:rPr lang="en-US" sz="1200" dirty="0">
+                          <a:solidFill>
+                            <a:schemeClr val="tx1">
+                              <a:lumMod val="75000"/>
+                              <a:lumOff val="25000"/>
+                            </a:schemeClr>
+                          </a:solidFill>
+                        </a:rPr>
+                        <a:t>Only Azure insights possible</a:t>
+                      </a:r>
+                    </a:p>
+                  </a:txBody>
+                  <a:tcPr marL="387964" marR="290973" marT="193983" marB="193983">
+                    <a:lnL w="12700" cmpd="sng">
+                      <a:noFill/>
+                      <a:prstDash val="solid"/>
+                    </a:lnL>
+                    <a:lnR w="12700" cmpd="sng">
+                      <a:noFill/>
+                      <a:prstDash val="solid"/>
+                    </a:lnR>
+                    <a:lnT w="9525" cap="flat" cmpd="sng" algn="ctr">
+                      <a:solidFill>
+                        <a:srgbClr val="C7C6C1"/>
+                      </a:solidFill>
+                      <a:prstDash val="solid"/>
+                    </a:lnT>
+                    <a:lnB w="9525" cap="flat" cmpd="sng" algn="ctr">
+                      <a:solidFill>
+                        <a:srgbClr val="C7C6C1"/>
+                      </a:solidFill>
+                      <a:prstDash val="solid"/>
+                    </a:lnB>
+                    <a:noFill/>
+                  </a:tcPr>
+                </a:tc>
+                <a:extLst>
+                  <a:ext uri="{0D108BD9-81ED-4DB2-BD59-A6C34878D82A}">
+                    <a16:rowId xmlns:a16="http://schemas.microsoft.com/office/drawing/2014/main" val="921590018"/>
+                  </a:ext>
+                </a:extLst>
+              </a:tr>
+              <a:tr h="666173">
+                <a:tc>
+                  <a:txBody>
+                    <a:bodyPr/>
+                    <a:lstStyle/>
+                    <a:p>
+                      <a:r>
+                        <a:rPr lang="en-US" sz="1200" dirty="0">
+                          <a:solidFill>
+                            <a:schemeClr val="tx1">
+                              <a:lumMod val="75000"/>
+                              <a:lumOff val="25000"/>
+                            </a:schemeClr>
+                          </a:solidFill>
+                        </a:rPr>
+                        <a:t>Monitoring</a:t>
+                      </a:r>
+                    </a:p>
+                  </a:txBody>
+                  <a:tcPr marL="387964" marR="290973" marT="193983" marB="193983">
+                    <a:lnL w="12700" cmpd="sng">
+                      <a:noFill/>
+                      <a:prstDash val="solid"/>
+                    </a:lnL>
+                    <a:lnR w="12700" cmpd="sng">
+                      <a:noFill/>
+                      <a:prstDash val="solid"/>
+                    </a:lnR>
+                    <a:lnT w="9525" cap="flat" cmpd="sng" algn="ctr">
+                      <a:solidFill>
+                        <a:srgbClr val="C7C6C1"/>
+                      </a:solidFill>
+                      <a:prstDash val="solid"/>
+                    </a:lnT>
+                    <a:lnB w="9525" cap="flat" cmpd="sng" algn="ctr">
+                      <a:solidFill>
+                        <a:srgbClr val="C7C6C1"/>
+                      </a:solidFill>
+                      <a:prstDash val="solid"/>
+                    </a:lnB>
+                    <a:noFill/>
+                  </a:tcPr>
+                </a:tc>
+                <a:tc>
+                  <a:txBody>
+                    <a:bodyPr/>
+                    <a:lstStyle/>
+                    <a:p>
+                      <a:r>
+                        <a:rPr lang="en-US" sz="1200" dirty="0">
+                          <a:solidFill>
+                            <a:schemeClr val="tx1">
+                              <a:lumMod val="75000"/>
+                              <a:lumOff val="25000"/>
+                            </a:schemeClr>
+                          </a:solidFill>
+                        </a:rPr>
+                        <a:t>Use AppInsights query language to build custom queries and dashboard </a:t>
+                      </a:r>
+                    </a:p>
+                  </a:txBody>
+                  <a:tcPr marL="387964" marR="290973" marT="193983" marB="193983">
+                    <a:lnL w="12700" cmpd="sng">
+                      <a:noFill/>
+                      <a:prstDash val="solid"/>
+                    </a:lnL>
+                    <a:lnR w="12700" cmpd="sng">
+                      <a:noFill/>
+                      <a:prstDash val="solid"/>
+                    </a:lnR>
+                    <a:lnT w="9525" cap="flat" cmpd="sng" algn="ctr">
+                      <a:solidFill>
+                        <a:srgbClr val="C7C6C1"/>
+                      </a:solidFill>
+                      <a:prstDash val="solid"/>
+                    </a:lnT>
+                    <a:lnB w="9525" cap="flat" cmpd="sng" algn="ctr">
+                      <a:solidFill>
+                        <a:srgbClr val="C7C6C1"/>
+                      </a:solidFill>
+                      <a:prstDash val="solid"/>
+                    </a:lnB>
+                    <a:noFill/>
+                  </a:tcPr>
+                </a:tc>
+                <a:tc>
+                  <a:txBody>
+                    <a:bodyPr/>
+                    <a:lstStyle/>
+                    <a:p>
+                      <a:r>
+                        <a:rPr lang="en-IN" sz="1200" dirty="0">
+                          <a:solidFill>
+                            <a:schemeClr val="tx1">
+                              <a:lumMod val="75000"/>
+                              <a:lumOff val="25000"/>
+                            </a:schemeClr>
+                          </a:solidFill>
+                        </a:rPr>
+                        <a:t>Completely integrated with Application Insights</a:t>
+                      </a:r>
+                      <a:endParaRPr lang="en-US" sz="1200" dirty="0">
+                        <a:solidFill>
+                          <a:schemeClr val="tx1">
+                            <a:lumMod val="75000"/>
+                            <a:lumOff val="25000"/>
+                          </a:schemeClr>
+                        </a:solidFill>
+                      </a:endParaRPr>
+                    </a:p>
+                  </a:txBody>
+                  <a:tcPr marL="387964" marR="290973" marT="193983" marB="193983">
+                    <a:lnL w="12700" cmpd="sng">
+                      <a:noFill/>
+                      <a:prstDash val="solid"/>
+                    </a:lnL>
+                    <a:lnR w="12700" cmpd="sng">
+                      <a:noFill/>
+                      <a:prstDash val="solid"/>
+                    </a:lnR>
+                    <a:lnT w="9525" cap="flat" cmpd="sng" algn="ctr">
+                      <a:solidFill>
+                        <a:srgbClr val="C7C6C1"/>
+                      </a:solidFill>
+                      <a:prstDash val="solid"/>
+                    </a:lnT>
+                    <a:lnB w="9525" cap="flat" cmpd="sng" algn="ctr">
+                      <a:solidFill>
+                        <a:srgbClr val="C7C6C1"/>
+                      </a:solidFill>
+                      <a:prstDash val="solid"/>
+                    </a:lnB>
+                    <a:noFill/>
+                  </a:tcPr>
+                </a:tc>
+                <a:extLst>
+                  <a:ext uri="{0D108BD9-81ED-4DB2-BD59-A6C34878D82A}">
+                    <a16:rowId xmlns:a16="http://schemas.microsoft.com/office/drawing/2014/main" val="3027679072"/>
+                  </a:ext>
+                </a:extLst>
+              </a:tr>
+              <a:tr h="726567">
+                <a:tc>
+                  <a:txBody>
+                    <a:bodyPr/>
+                    <a:lstStyle/>
+                    <a:p>
+                      <a:r>
+                        <a:rPr lang="en-US" sz="1200" dirty="0">
+                          <a:solidFill>
+                            <a:schemeClr val="tx1">
+                              <a:lumMod val="75000"/>
+                              <a:lumOff val="25000"/>
+                            </a:schemeClr>
+                          </a:solidFill>
+                        </a:rPr>
+                        <a:t>Resubmitting</a:t>
+                      </a:r>
+                    </a:p>
+                  </a:txBody>
+                  <a:tcPr marL="387964" marR="290973" marT="193983" marB="193983">
+                    <a:lnL w="12700" cmpd="sng">
+                      <a:noFill/>
+                      <a:prstDash val="solid"/>
+                    </a:lnL>
+                    <a:lnR w="12700" cmpd="sng">
+                      <a:noFill/>
+                      <a:prstDash val="solid"/>
+                    </a:lnR>
+                    <a:lnT w="9525" cap="flat" cmpd="sng" algn="ctr">
+                      <a:solidFill>
+                        <a:srgbClr val="C7C6C1"/>
+                      </a:solidFill>
+                      <a:prstDash val="solid"/>
+                    </a:lnT>
+                    <a:lnB w="9525" cap="flat" cmpd="sng" algn="ctr">
+                      <a:solidFill>
+                        <a:srgbClr val="C7C6C1"/>
+                      </a:solidFill>
+                      <a:prstDash val="solid"/>
+                    </a:lnB>
+                    <a:noFill/>
+                  </a:tcPr>
+                </a:tc>
+                <a:tc>
+                  <a:txBody>
+                    <a:bodyPr/>
+                    <a:lstStyle/>
+                    <a:p>
+                      <a:r>
+                        <a:rPr lang="en-IN" sz="1200" dirty="0">
+                          <a:solidFill>
+                            <a:schemeClr val="tx1">
+                              <a:lumMod val="75000"/>
+                              <a:lumOff val="25000"/>
+                            </a:schemeClr>
+                          </a:solidFill>
+                        </a:rPr>
+                        <a:t>There is no out-of-the-box</a:t>
+                      </a:r>
+                    </a:p>
+                    <a:p>
+                      <a:r>
+                        <a:rPr lang="en-IN" sz="1200" dirty="0">
+                          <a:solidFill>
+                            <a:schemeClr val="tx1">
+                              <a:lumMod val="75000"/>
+                              <a:lumOff val="25000"/>
+                            </a:schemeClr>
+                          </a:solidFill>
+                        </a:rPr>
+                        <a:t>functionality to resubmit</a:t>
+                      </a:r>
+                    </a:p>
+                    <a:p>
+                      <a:r>
+                        <a:rPr lang="en-IN" sz="1200" dirty="0">
+                          <a:solidFill>
+                            <a:schemeClr val="tx1">
+                              <a:lumMod val="75000"/>
+                              <a:lumOff val="25000"/>
+                            </a:schemeClr>
+                          </a:solidFill>
+                        </a:rPr>
+                        <a:t>failed messages.</a:t>
+                      </a:r>
+                      <a:endParaRPr lang="en-US" sz="1200" dirty="0">
+                        <a:solidFill>
+                          <a:schemeClr val="tx1">
+                            <a:lumMod val="75000"/>
+                            <a:lumOff val="25000"/>
+                          </a:schemeClr>
+                        </a:solidFill>
+                      </a:endParaRPr>
+                    </a:p>
+                  </a:txBody>
+                  <a:tcPr marL="387964" marR="290973" marT="193983" marB="193983">
+                    <a:lnL w="12700" cmpd="sng">
+                      <a:noFill/>
+                      <a:prstDash val="solid"/>
+                    </a:lnL>
+                    <a:lnR w="12700" cmpd="sng">
+                      <a:noFill/>
+                      <a:prstDash val="solid"/>
+                    </a:lnR>
+                    <a:lnT w="9525" cap="flat" cmpd="sng" algn="ctr">
+                      <a:solidFill>
+                        <a:srgbClr val="C7C6C1"/>
+                      </a:solidFill>
+                      <a:prstDash val="solid"/>
+                    </a:lnT>
+                    <a:lnB w="9525" cap="flat" cmpd="sng" algn="ctr">
+                      <a:solidFill>
+                        <a:srgbClr val="C7C6C1"/>
+                      </a:solidFill>
+                      <a:prstDash val="solid"/>
+                    </a:lnB>
+                    <a:noFill/>
+                  </a:tcPr>
+                </a:tc>
+                <a:tc>
+                  <a:txBody>
+                    <a:bodyPr/>
+                    <a:lstStyle/>
+                    <a:p>
+                      <a:r>
+                        <a:rPr lang="en-IN" sz="1200" dirty="0">
+                          <a:solidFill>
+                            <a:schemeClr val="tx1">
+                              <a:lumMod val="75000"/>
+                              <a:lumOff val="25000"/>
+                            </a:schemeClr>
+                          </a:solidFill>
+                        </a:rPr>
+                        <a:t>Failed instances can easily be</a:t>
+                      </a:r>
+                    </a:p>
+                    <a:p>
+                      <a:r>
+                        <a:rPr lang="en-IN" sz="1200" dirty="0">
+                          <a:solidFill>
+                            <a:schemeClr val="tx1">
+                              <a:lumMod val="75000"/>
+                              <a:lumOff val="25000"/>
+                            </a:schemeClr>
+                          </a:solidFill>
+                        </a:rPr>
+                        <a:t>resubmitted from the Logic Apps blades or the Log Analytics workspace.</a:t>
+                      </a:r>
+                      <a:endParaRPr lang="en-US" sz="1200" dirty="0">
+                        <a:solidFill>
+                          <a:schemeClr val="tx1">
+                            <a:lumMod val="75000"/>
+                            <a:lumOff val="25000"/>
+                          </a:schemeClr>
+                        </a:solidFill>
+                      </a:endParaRPr>
+                    </a:p>
+                  </a:txBody>
+                  <a:tcPr marL="387964" marR="290973" marT="193983" marB="193983">
+                    <a:lnL w="12700" cmpd="sng">
+                      <a:noFill/>
+                      <a:prstDash val="solid"/>
+                    </a:lnL>
+                    <a:lnR w="12700" cmpd="sng">
+                      <a:noFill/>
+                      <a:prstDash val="solid"/>
+                    </a:lnR>
+                    <a:lnT w="9525" cap="flat" cmpd="sng" algn="ctr">
+                      <a:solidFill>
+                        <a:srgbClr val="C7C6C1"/>
+                      </a:solidFill>
+                      <a:prstDash val="solid"/>
+                    </a:lnT>
+                    <a:lnB w="9525" cap="flat" cmpd="sng" algn="ctr">
+                      <a:solidFill>
+                        <a:srgbClr val="C7C6C1"/>
+                      </a:solidFill>
+                      <a:prstDash val="solid"/>
+                    </a:lnB>
+                    <a:noFill/>
+                  </a:tcPr>
+                </a:tc>
+                <a:extLst>
+                  <a:ext uri="{0D108BD9-81ED-4DB2-BD59-A6C34878D82A}">
+                    <a16:rowId xmlns:a16="http://schemas.microsoft.com/office/drawing/2014/main" val="3417568620"/>
+                  </a:ext>
+                </a:extLst>
+              </a:tr>
+            </a:tbl>
+          </a:graphicData>
+        </a:graphic>
+      </p:graphicFrame>
+      <p:sp>
+        <p:nvSpPr>
+          <p:cNvPr id="5" name="Rectangle 4">
+            <a:extLst>
+              <a:ext uri="{FF2B5EF4-FFF2-40B4-BE49-F238E27FC236}">
+                <a16:creationId xmlns:a16="http://schemas.microsoft.com/office/drawing/2014/main" id="{96609CD3-B5ED-48EC-84F1-E74F375CCF40}"/>
+              </a:ext>
+            </a:extLst>
+          </p:cNvPr>
+          <p:cNvSpPr/>
+          <p:nvPr/>
+        </p:nvSpPr>
+        <p:spPr>
+          <a:xfrm>
+            <a:off x="0" y="851043"/>
+            <a:ext cx="3044651" cy="301336"/>
+          </a:xfrm>
+          <a:prstGeom prst="rect">
+            <a:avLst/>
+          </a:prstGeom>
+          <a:solidFill>
+            <a:schemeClr val="tx2"/>
+          </a:solidFill>
+          <a:ln>
+            <a:noFill/>
+          </a:ln>
+          <a:effectLst/>
+        </p:spPr>
+        <p:style>
+          <a:lnRef idx="1">
+            <a:schemeClr val="accent1"/>
+          </a:lnRef>
+          <a:fillRef idx="3">
+            <a:schemeClr val="accent1"/>
+          </a:fillRef>
+          <a:effectRef idx="2">
+            <a:schemeClr val="accent1"/>
+          </a:effectRef>
+          <a:fontRef idx="minor">
+            <a:schemeClr val="lt1"/>
+          </a:fontRef>
+        </p:style>
+        <p:txBody>
+          <a:bodyPr rtlCol="0" anchor="ctr"/>
+          <a:lstStyle/>
+          <a:p>
+            <a:pPr algn="ctr"/>
+            <a:r>
+              <a:rPr lang="en-US" sz="1600" dirty="0">
+                <a:solidFill>
+                  <a:schemeClr val="accent3">
+                    <a:lumMod val="50000"/>
+                  </a:schemeClr>
+                </a:solidFill>
+              </a:rPr>
+              <a:t>Monitoring and Management</a:t>
+            </a:r>
+          </a:p>
+        </p:txBody>
+      </p:sp>
+    </p:spTree>
+    <p:extLst>
+      <p:ext uri="{BB962C8B-B14F-4D97-AF65-F5344CB8AC3E}">
+        <p14:creationId xmlns:p14="http://schemas.microsoft.com/office/powerpoint/2010/main" val="660029568"/>
+      </p:ext>
+    </p:extLst>
+  </p:cSld>
+  <p:clrMapOvr>
+    <a:masterClrMapping/>
+  </p:clrMapOvr>
+</p:sld>
+</file>
+
+<file path=ppt/slides/slide21.xml><?xml version="1.0" encoding="utf-8"?>
+<p:sld xmlns:a="http://schemas.openxmlformats.org/drawingml/2006/main" xmlns:r="http://schemas.openxmlformats.org/officeDocument/2006/relationships" xmlns:p="http://schemas.openxmlformats.org/presentationml/2006/main">
+  <p:cSld>
+    <p:spTree>
+      <p:nvGrpSpPr>
+        <p:cNvPr id="1" name=""/>
+        <p:cNvGrpSpPr/>
+        <p:nvPr/>
+      </p:nvGrpSpPr>
+      <p:grpSpPr>
+        <a:xfrm>
+          <a:off x="0" y="0"/>
+          <a:ext cx="0" cy="0"/>
+          <a:chOff x="0" y="0"/>
+          <a:chExt cx="0" cy="0"/>
+        </a:xfrm>
+      </p:grpSpPr>
+      <p:sp>
+        <p:nvSpPr>
+          <p:cNvPr id="2" name="Title 1">
+            <a:extLst>
+              <a:ext uri="{FF2B5EF4-FFF2-40B4-BE49-F238E27FC236}">
+                <a16:creationId xmlns:a16="http://schemas.microsoft.com/office/drawing/2014/main" id="{5402FE69-ECE8-49D0-BB5F-5C1B1C11BF10}"/>
+              </a:ext>
+            </a:extLst>
+          </p:cNvPr>
+          <p:cNvSpPr>
+            <a:spLocks noGrp="1"/>
+          </p:cNvSpPr>
+          <p:nvPr>
+            <p:ph type="title"/>
+          </p:nvPr>
+        </p:nvSpPr>
+        <p:spPr/>
+        <p:txBody>
+          <a:bodyPr/>
+          <a:lstStyle/>
+          <a:p>
+            <a:r>
+              <a:rPr lang="en-US" sz="2800" dirty="0">
+                <a:solidFill>
+                  <a:schemeClr val="accent3">
+                    <a:lumMod val="75000"/>
+                  </a:schemeClr>
+                </a:solidFill>
+              </a:rPr>
+              <a:t>Logic App Vs Durable Function</a:t>
+            </a:r>
+            <a:endParaRPr lang="en-US" dirty="0"/>
+          </a:p>
+        </p:txBody>
+      </p:sp>
+      <p:graphicFrame>
+        <p:nvGraphicFramePr>
+          <p:cNvPr id="4" name="Content Placeholder 5">
+            <a:extLst>
+              <a:ext uri="{FF2B5EF4-FFF2-40B4-BE49-F238E27FC236}">
+                <a16:creationId xmlns:a16="http://schemas.microsoft.com/office/drawing/2014/main" id="{39CEC850-C0B2-409B-AB64-B786905F1C72}"/>
+              </a:ext>
+            </a:extLst>
+          </p:cNvPr>
+          <p:cNvGraphicFramePr>
+            <a:graphicFrameLocks/>
+          </p:cNvGraphicFramePr>
+          <p:nvPr>
+            <p:extLst>
+              <p:ext uri="{D42A27DB-BD31-4B8C-83A1-F6EECF244321}">
+                <p14:modId xmlns:p14="http://schemas.microsoft.com/office/powerpoint/2010/main" val="1268749394"/>
+              </p:ext>
+            </p:extLst>
+          </p:nvPr>
+        </p:nvGraphicFramePr>
+        <p:xfrm>
+          <a:off x="-685800" y="697202"/>
+          <a:ext cx="10515600" cy="4351338"/>
+        </p:xfrm>
+        <a:graphic>
+          <a:graphicData uri="http://schemas.openxmlformats.org/drawingml/2006/diagram">
+            <dgm:relIds xmlns:dgm="http://schemas.openxmlformats.org/drawingml/2006/diagram" xmlns:r="http://schemas.openxmlformats.org/officeDocument/2006/relationships" r:dm="rId2" r:lo="rId3" r:qs="rId4" r:cs="rId5"/>
+          </a:graphicData>
+        </a:graphic>
+      </p:graphicFrame>
+    </p:spTree>
+    <p:extLst>
+      <p:ext uri="{BB962C8B-B14F-4D97-AF65-F5344CB8AC3E}">
+        <p14:creationId xmlns:p14="http://schemas.microsoft.com/office/powerpoint/2010/main" val="619441149"/>
+      </p:ext>
+    </p:extLst>
+  </p:cSld>
+  <p:clrMapOvr>
+    <a:masterClrMapping/>
+  </p:clrMapOvr>
+</p:sld>
+</file>
+
+<file path=ppt/slides/slide22.xml><?xml version="1.0" encoding="utf-8"?>
+<p:sld xmlns:a="http://schemas.openxmlformats.org/drawingml/2006/main" xmlns:r="http://schemas.openxmlformats.org/officeDocument/2006/relationships" xmlns:p="http://schemas.openxmlformats.org/presentationml/2006/main">
+  <p:cSld name="DARKSLIDE_Theme">
+    <p:spTree>
+      <p:nvGrpSpPr>
+        <p:cNvPr id="1" name=""/>
+        <p:cNvGrpSpPr/>
+        <p:nvPr/>
+      </p:nvGrpSpPr>
+      <p:grpSpPr>
+        <a:xfrm>
+          <a:off x="0" y="0"/>
+          <a:ext cx="0" cy="0"/>
+          <a:chOff x="0" y="0"/>
+          <a:chExt cx="0" cy="0"/>
+        </a:xfrm>
+      </p:grpSpPr>
+      <p:sp>
+        <p:nvSpPr>
+          <p:cNvPr id="2" name="Title 1"/>
+          <p:cNvSpPr>
+            <a:spLocks noGrp="1"/>
+          </p:cNvSpPr>
+          <p:nvPr>
+            <p:ph type="title"/>
+          </p:nvPr>
+        </p:nvSpPr>
+        <p:spPr/>
+        <p:txBody>
+          <a:bodyPr>
+            <a:normAutofit fontScale="90000"/>
+          </a:bodyPr>
+          <a:lstStyle/>
+          <a:p>
+            <a:endParaRPr lang="en-US"/>
+          </a:p>
+        </p:txBody>
+      </p:sp>
+      <p:sp>
+        <p:nvSpPr>
+          <p:cNvPr id="3" name="Text Placeholder 2"/>
+          <p:cNvSpPr>
+            <a:spLocks noGrp="1"/>
+          </p:cNvSpPr>
+          <p:nvPr>
+            <p:ph type="body" sz="quarter" idx="10"/>
+          </p:nvPr>
+        </p:nvSpPr>
+        <p:spPr/>
+        <p:txBody>
+          <a:bodyPr/>
+          <a:lstStyle/>
+          <a:p>
+            <a:endParaRPr lang="en-US"/>
+          </a:p>
+        </p:txBody>
+      </p:sp>
+    </p:spTree>
+    <p:extLst>
+      <p:ext uri="{BB962C8B-B14F-4D97-AF65-F5344CB8AC3E}">
+        <p14:creationId xmlns:p14="http://schemas.microsoft.com/office/powerpoint/2010/main" val="1930826820"/>
       </p:ext>
     </p:extLst>
   </p:cSld>

--- a/Azurefunction 2.0.pptx
+++ b/Azurefunction 2.0.pptx
@@ -12132,13 +12132,8 @@
           </a:pPr>
           <a:r>
             <a:rPr lang="en-US" dirty="0"/>
-            <a:t>PaaS/</a:t>
+            <a:t>PaaS/Serverless</a:t>
           </a:r>
-          <a:r>
-            <a:rPr lang="en-US" dirty="0" err="1"/>
-            <a:t>FaaS</a:t>
-          </a:r>
-          <a:endParaRPr lang="en-US" dirty="0"/>
         </a:p>
       </dgm:t>
     </dgm:pt>
@@ -19186,13 +19181,8 @@
           </a:pPr>
           <a:r>
             <a:rPr lang="en-US" sz="2000" kern="1200" dirty="0"/>
-            <a:t>PaaS/</a:t>
+            <a:t>PaaS/Serverless</a:t>
           </a:r>
-          <a:r>
-            <a:rPr lang="en-US" sz="2000" kern="1200" dirty="0" err="1"/>
-            <a:t>FaaS</a:t>
-          </a:r>
-          <a:endParaRPr lang="en-US" sz="2000" kern="1200" dirty="0"/>
         </a:p>
       </dsp:txBody>
       <dsp:txXfrm>
@@ -42235,7 +42225,7 @@
           <a:p>
             <a:r>
               <a:rPr lang="en-US" dirty="0"/>
-              <a:t>How to compose Azure function service</a:t>
+              <a:t>How to orchestrate Azure function service</a:t>
             </a:r>
           </a:p>
         </p:txBody>
@@ -42596,6 +42586,39 @@
               </a:rPr>
               <a:t>Replay from a check point</a:t>
             </a:r>
+          </a:p>
+          <a:p>
+            <a:pPr marL="342900" indent="-342900">
+              <a:buFont typeface="Arial" panose="020B0604020202020204" pitchFamily="34" charset="0"/>
+              <a:buChar char="•"/>
+            </a:pPr>
+            <a:r>
+              <a:rPr lang="en-US" dirty="0">
+                <a:solidFill>
+                  <a:schemeClr val="accent3">
+                    <a:lumMod val="75000"/>
+                  </a:schemeClr>
+                </a:solidFill>
+              </a:rPr>
+              <a:t>Cloud </a:t>
+            </a:r>
+            <a:r>
+              <a:rPr lang="en-US">
+                <a:solidFill>
+                  <a:schemeClr val="accent3">
+                    <a:lumMod val="75000"/>
+                  </a:schemeClr>
+                </a:solidFill>
+              </a:rPr>
+              <a:t>Agnostic serverless</a:t>
+            </a:r>
+            <a:endParaRPr lang="en-US" dirty="0">
+              <a:solidFill>
+                <a:schemeClr val="accent3">
+                  <a:lumMod val="75000"/>
+                </a:schemeClr>
+              </a:solidFill>
+            </a:endParaRPr>
           </a:p>
         </p:txBody>
       </p:sp>
@@ -46390,7 +46413,7 @@
           <a:p>
             <a:r>
               <a:rPr lang="en-US" dirty="0"/>
-              <a:t>Microsoft Offering</a:t>
+              <a:t>Microsoft Workflow Offering</a:t>
             </a:r>
           </a:p>
         </p:txBody>
@@ -46410,7 +46433,7 @@
           <p:nvPr>
             <p:extLst>
               <p:ext uri="{D42A27DB-BD31-4B8C-83A1-F6EECF244321}">
-                <p14:modId xmlns:p14="http://schemas.microsoft.com/office/powerpoint/2010/main" val="810665195"/>
+                <p14:modId xmlns:p14="http://schemas.microsoft.com/office/powerpoint/2010/main" val="2817352416"/>
               </p:ext>
             </p:extLst>
           </p:nvPr>
@@ -54542,7 +54565,7 @@
         </p:spPr>
         <p:txBody>
           <a:bodyPr>
-            <a:normAutofit fontScale="92500" lnSpcReduction="20000"/>
+            <a:normAutofit fontScale="85000" lnSpcReduction="10000"/>
           </a:bodyPr>
           <a:lstStyle/>
           <a:p>
@@ -54560,7 +54583,7 @@
                 <a:ea typeface="+mj-ea"/>
                 <a:cs typeface="+mj-cs"/>
               </a:rPr>
-              <a:t>Here we will see one option – Azure Function 2.0</a:t>
+              <a:t>Here we Deep Dive one option i.e. Azure Function 2.0</a:t>
             </a:r>
           </a:p>
         </p:txBody>

--- a/Azurefunction 2.0.pptx
+++ b/Azurefunction 2.0.pptx
@@ -14,26 +14,27 @@
     <p:sldId id="281" r:id="rId8"/>
     <p:sldId id="256" r:id="rId9"/>
     <p:sldId id="263" r:id="rId10"/>
-    <p:sldId id="284" r:id="rId11"/>
-    <p:sldId id="266" r:id="rId12"/>
-    <p:sldId id="264" r:id="rId13"/>
-    <p:sldId id="265" r:id="rId14"/>
-    <p:sldId id="267" r:id="rId15"/>
-    <p:sldId id="286" r:id="rId16"/>
-    <p:sldId id="268" r:id="rId17"/>
-    <p:sldId id="269" r:id="rId18"/>
-    <p:sldId id="270" r:id="rId19"/>
-    <p:sldId id="279" r:id="rId20"/>
-    <p:sldId id="285" r:id="rId21"/>
-    <p:sldId id="271" r:id="rId22"/>
-    <p:sldId id="272" r:id="rId23"/>
-    <p:sldId id="273" r:id="rId24"/>
-    <p:sldId id="274" r:id="rId25"/>
-    <p:sldId id="275" r:id="rId26"/>
-    <p:sldId id="276" r:id="rId27"/>
-    <p:sldId id="277" r:id="rId28"/>
-    <p:sldId id="278" r:id="rId29"/>
-    <p:sldId id="282" r:id="rId30"/>
+    <p:sldId id="287" r:id="rId11"/>
+    <p:sldId id="284" r:id="rId12"/>
+    <p:sldId id="266" r:id="rId13"/>
+    <p:sldId id="264" r:id="rId14"/>
+    <p:sldId id="265" r:id="rId15"/>
+    <p:sldId id="267" r:id="rId16"/>
+    <p:sldId id="286" r:id="rId17"/>
+    <p:sldId id="268" r:id="rId18"/>
+    <p:sldId id="269" r:id="rId19"/>
+    <p:sldId id="270" r:id="rId20"/>
+    <p:sldId id="279" r:id="rId21"/>
+    <p:sldId id="285" r:id="rId22"/>
+    <p:sldId id="271" r:id="rId23"/>
+    <p:sldId id="272" r:id="rId24"/>
+    <p:sldId id="273" r:id="rId25"/>
+    <p:sldId id="274" r:id="rId26"/>
+    <p:sldId id="275" r:id="rId27"/>
+    <p:sldId id="276" r:id="rId28"/>
+    <p:sldId id="277" r:id="rId29"/>
+    <p:sldId id="278" r:id="rId30"/>
+    <p:sldId id="282" r:id="rId31"/>
   </p:sldIdLst>
   <p:sldSz cx="9144000" cy="5143500" type="screen16x9"/>
   <p:notesSz cx="6858000" cy="9144000"/>
@@ -42031,6 +42032,1222 @@
           <p:cNvPr id="2" name="Title 1">
             <a:extLst>
               <a:ext uri="{FF2B5EF4-FFF2-40B4-BE49-F238E27FC236}">
+                <a16:creationId xmlns:a16="http://schemas.microsoft.com/office/drawing/2014/main" id="{E7A8E171-8182-4B83-A134-D8CA3A34DDB2}"/>
+              </a:ext>
+            </a:extLst>
+          </p:cNvPr>
+          <p:cNvSpPr>
+            <a:spLocks noGrp="1"/>
+          </p:cNvSpPr>
+          <p:nvPr>
+            <p:ph type="title"/>
+          </p:nvPr>
+        </p:nvSpPr>
+        <p:spPr/>
+        <p:txBody>
+          <a:bodyPr/>
+          <a:lstStyle/>
+          <a:p>
+            <a:r>
+              <a:rPr lang="en-US" dirty="0"/>
+              <a:t>Azure function 2.0 Architecture</a:t>
+            </a:r>
+          </a:p>
+        </p:txBody>
+      </p:sp>
+      <p:sp>
+        <p:nvSpPr>
+          <p:cNvPr id="4" name="Flowchart: Magnetic Disk 3">
+            <a:extLst>
+              <a:ext uri="{FF2B5EF4-FFF2-40B4-BE49-F238E27FC236}">
+                <a16:creationId xmlns:a16="http://schemas.microsoft.com/office/drawing/2014/main" id="{4AABCAF4-5610-4276-BC62-0156F6A7C980}"/>
+              </a:ext>
+            </a:extLst>
+          </p:cNvPr>
+          <p:cNvSpPr/>
+          <p:nvPr/>
+        </p:nvSpPr>
+        <p:spPr>
+          <a:xfrm>
+            <a:off x="1134679" y="697202"/>
+            <a:ext cx="6905734" cy="3452197"/>
+          </a:xfrm>
+          <a:prstGeom prst="flowChartMagneticDisk">
+            <a:avLst/>
+          </a:prstGeom>
+          <a:solidFill>
+            <a:schemeClr val="tx1"/>
+          </a:solidFill>
+          <a:ln>
+            <a:noFill/>
+          </a:ln>
+          <a:effectLst/>
+        </p:spPr>
+        <p:style>
+          <a:lnRef idx="1">
+            <a:schemeClr val="accent1"/>
+          </a:lnRef>
+          <a:fillRef idx="3">
+            <a:schemeClr val="accent1"/>
+          </a:fillRef>
+          <a:effectRef idx="2">
+            <a:schemeClr val="accent1"/>
+          </a:effectRef>
+          <a:fontRef idx="minor">
+            <a:schemeClr val="lt1"/>
+          </a:fontRef>
+        </p:style>
+        <p:txBody>
+          <a:bodyPr rtlCol="0" anchor="ctr"/>
+          <a:lstStyle/>
+          <a:p>
+            <a:pPr algn="ctr"/>
+            <a:endParaRPr lang="en-US"/>
+          </a:p>
+        </p:txBody>
+      </p:sp>
+      <p:sp>
+        <p:nvSpPr>
+          <p:cNvPr id="6" name="Flowchart: Alternate Process 5">
+            <a:extLst>
+              <a:ext uri="{FF2B5EF4-FFF2-40B4-BE49-F238E27FC236}">
+                <a16:creationId xmlns:a16="http://schemas.microsoft.com/office/drawing/2014/main" id="{B9572589-2E6F-4833-8C66-3C5E568184E4}"/>
+              </a:ext>
+            </a:extLst>
+          </p:cNvPr>
+          <p:cNvSpPr/>
+          <p:nvPr/>
+        </p:nvSpPr>
+        <p:spPr>
+          <a:xfrm>
+            <a:off x="1352369" y="3720671"/>
+            <a:ext cx="6488354" cy="336332"/>
+          </a:xfrm>
+          <a:prstGeom prst="flowChartAlternateProcess">
+            <a:avLst/>
+          </a:prstGeom>
+          <a:solidFill>
+            <a:schemeClr val="tx2">
+              <a:lumMod val="90000"/>
+              <a:lumOff val="10000"/>
+            </a:schemeClr>
+          </a:solidFill>
+          <a:ln>
+            <a:solidFill>
+              <a:schemeClr val="bg1"/>
+            </a:solidFill>
+          </a:ln>
+          <a:effectLst/>
+        </p:spPr>
+        <p:style>
+          <a:lnRef idx="1">
+            <a:schemeClr val="accent1"/>
+          </a:lnRef>
+          <a:fillRef idx="3">
+            <a:schemeClr val="accent1"/>
+          </a:fillRef>
+          <a:effectRef idx="2">
+            <a:schemeClr val="accent1"/>
+          </a:effectRef>
+          <a:fontRef idx="minor">
+            <a:schemeClr val="lt1"/>
+          </a:fontRef>
+        </p:style>
+        <p:txBody>
+          <a:bodyPr rtlCol="0" anchor="ctr"/>
+          <a:lstStyle/>
+          <a:p>
+            <a:pPr algn="ctr"/>
+            <a:r>
+              <a:rPr lang="en-US" dirty="0"/>
+              <a:t>Functions v2 runtime</a:t>
+            </a:r>
+          </a:p>
+        </p:txBody>
+      </p:sp>
+      <p:sp>
+        <p:nvSpPr>
+          <p:cNvPr id="7" name="Flowchart: Alternate Process 6">
+            <a:extLst>
+              <a:ext uri="{FF2B5EF4-FFF2-40B4-BE49-F238E27FC236}">
+                <a16:creationId xmlns:a16="http://schemas.microsoft.com/office/drawing/2014/main" id="{71D5F982-18DB-43A5-A771-DD84600F4E65}"/>
+              </a:ext>
+            </a:extLst>
+          </p:cNvPr>
+          <p:cNvSpPr/>
+          <p:nvPr/>
+        </p:nvSpPr>
+        <p:spPr>
+          <a:xfrm>
+            <a:off x="1152419" y="2634606"/>
+            <a:ext cx="6779172" cy="1086065"/>
+          </a:xfrm>
+          <a:prstGeom prst="flowChartAlternateProcess">
+            <a:avLst/>
+          </a:prstGeom>
+          <a:solidFill>
+            <a:schemeClr val="tx2">
+              <a:lumMod val="75000"/>
+              <a:lumOff val="25000"/>
+            </a:schemeClr>
+          </a:solidFill>
+          <a:ln>
+            <a:solidFill>
+              <a:schemeClr val="bg1"/>
+            </a:solidFill>
+          </a:ln>
+          <a:effectLst/>
+        </p:spPr>
+        <p:style>
+          <a:lnRef idx="1">
+            <a:schemeClr val="accent1"/>
+          </a:lnRef>
+          <a:fillRef idx="3">
+            <a:schemeClr val="accent1"/>
+          </a:fillRef>
+          <a:effectRef idx="2">
+            <a:schemeClr val="accent1"/>
+          </a:effectRef>
+          <a:fontRef idx="minor">
+            <a:schemeClr val="lt1"/>
+          </a:fontRef>
+        </p:style>
+        <p:txBody>
+          <a:bodyPr rtlCol="0" anchor="ctr"/>
+          <a:lstStyle/>
+          <a:p>
+            <a:pPr lvl="8" algn="r"/>
+            <a:endParaRPr lang="en-US" dirty="0"/>
+          </a:p>
+          <a:p>
+            <a:pPr lvl="8" algn="r"/>
+            <a:endParaRPr lang="en-US" dirty="0"/>
+          </a:p>
+          <a:p>
+            <a:pPr lvl="8" algn="r"/>
+            <a:endParaRPr lang="en-US" dirty="0"/>
+          </a:p>
+          <a:p>
+            <a:pPr lvl="8" algn="r"/>
+            <a:r>
+              <a:rPr lang="en-US" dirty="0"/>
+              <a:t>Host process</a:t>
+            </a:r>
+          </a:p>
+        </p:txBody>
+      </p:sp>
+      <p:sp>
+        <p:nvSpPr>
+          <p:cNvPr id="8" name="Flowchart: Alternate Process 7">
+            <a:extLst>
+              <a:ext uri="{FF2B5EF4-FFF2-40B4-BE49-F238E27FC236}">
+                <a16:creationId xmlns:a16="http://schemas.microsoft.com/office/drawing/2014/main" id="{BFEF1D9A-AC40-4988-8D30-B91BA710A316}"/>
+              </a:ext>
+            </a:extLst>
+          </p:cNvPr>
+          <p:cNvSpPr/>
+          <p:nvPr/>
+        </p:nvSpPr>
+        <p:spPr>
+          <a:xfrm>
+            <a:off x="1429411" y="2848312"/>
+            <a:ext cx="6411311" cy="609600"/>
+          </a:xfrm>
+          <a:prstGeom prst="flowChartAlternateProcess">
+            <a:avLst/>
+          </a:prstGeom>
+          <a:solidFill>
+            <a:schemeClr val="tx2">
+              <a:lumMod val="50000"/>
+              <a:lumOff val="50000"/>
+            </a:schemeClr>
+          </a:solidFill>
+          <a:ln>
+            <a:noFill/>
+          </a:ln>
+          <a:effectLst/>
+        </p:spPr>
+        <p:style>
+          <a:lnRef idx="1">
+            <a:schemeClr val="accent1"/>
+          </a:lnRef>
+          <a:fillRef idx="3">
+            <a:schemeClr val="accent1"/>
+          </a:fillRef>
+          <a:effectRef idx="2">
+            <a:schemeClr val="accent1"/>
+          </a:effectRef>
+          <a:fontRef idx="minor">
+            <a:schemeClr val="lt1"/>
+          </a:fontRef>
+        </p:style>
+        <p:txBody>
+          <a:bodyPr rtlCol="0" anchor="ctr"/>
+          <a:lstStyle/>
+          <a:p>
+            <a:pPr algn="r"/>
+            <a:r>
+              <a:rPr lang="en-US" dirty="0"/>
+              <a:t> Host Runtime</a:t>
+            </a:r>
+          </a:p>
+        </p:txBody>
+      </p:sp>
+      <p:sp>
+        <p:nvSpPr>
+          <p:cNvPr id="9" name="Flowchart: Alternate Process 8">
+            <a:extLst>
+              <a:ext uri="{FF2B5EF4-FFF2-40B4-BE49-F238E27FC236}">
+                <a16:creationId xmlns:a16="http://schemas.microsoft.com/office/drawing/2014/main" id="{DB641EE8-C356-4C87-8E58-F42A88EAF273}"/>
+              </a:ext>
+            </a:extLst>
+          </p:cNvPr>
+          <p:cNvSpPr/>
+          <p:nvPr/>
+        </p:nvSpPr>
+        <p:spPr>
+          <a:xfrm>
+            <a:off x="1576556" y="2895258"/>
+            <a:ext cx="1313793" cy="562654"/>
+          </a:xfrm>
+          <a:prstGeom prst="flowChartAlternateProcess">
+            <a:avLst/>
+          </a:prstGeom>
+          <a:solidFill>
+            <a:schemeClr val="tx1">
+              <a:lumMod val="50000"/>
+            </a:schemeClr>
+          </a:solidFill>
+          <a:ln>
+            <a:noFill/>
+          </a:ln>
+          <a:effectLst/>
+        </p:spPr>
+        <p:style>
+          <a:lnRef idx="1">
+            <a:schemeClr val="accent1"/>
+          </a:lnRef>
+          <a:fillRef idx="3">
+            <a:schemeClr val="accent1"/>
+          </a:fillRef>
+          <a:effectRef idx="2">
+            <a:schemeClr val="accent1"/>
+          </a:effectRef>
+          <a:fontRef idx="minor">
+            <a:schemeClr val="lt1"/>
+          </a:fontRef>
+        </p:style>
+        <p:txBody>
+          <a:bodyPr rtlCol="0" anchor="ctr"/>
+          <a:lstStyle/>
+          <a:p>
+            <a:pPr algn="ctr"/>
+            <a:r>
+              <a:rPr lang="en-US" dirty="0"/>
+              <a:t>.NET </a:t>
+            </a:r>
+          </a:p>
+          <a:p>
+            <a:pPr algn="ctr"/>
+            <a:r>
+              <a:rPr lang="en-US" dirty="0"/>
+              <a:t>(v1)</a:t>
+            </a:r>
+          </a:p>
+        </p:txBody>
+      </p:sp>
+      <p:sp>
+        <p:nvSpPr>
+          <p:cNvPr id="10" name="Flowchart: Alternate Process 9">
+            <a:extLst>
+              <a:ext uri="{FF2B5EF4-FFF2-40B4-BE49-F238E27FC236}">
+                <a16:creationId xmlns:a16="http://schemas.microsoft.com/office/drawing/2014/main" id="{0A0A4433-2F8D-401B-A001-910FB85B6A57}"/>
+              </a:ext>
+            </a:extLst>
+          </p:cNvPr>
+          <p:cNvSpPr/>
+          <p:nvPr/>
+        </p:nvSpPr>
+        <p:spPr>
+          <a:xfrm>
+            <a:off x="3275945" y="2895258"/>
+            <a:ext cx="1474731" cy="515829"/>
+          </a:xfrm>
+          <a:prstGeom prst="flowChartAlternateProcess">
+            <a:avLst/>
+          </a:prstGeom>
+          <a:solidFill>
+            <a:schemeClr val="tx1">
+              <a:lumMod val="50000"/>
+            </a:schemeClr>
+          </a:solidFill>
+          <a:ln>
+            <a:noFill/>
+          </a:ln>
+          <a:effectLst/>
+        </p:spPr>
+        <p:style>
+          <a:lnRef idx="1">
+            <a:schemeClr val="accent1"/>
+          </a:lnRef>
+          <a:fillRef idx="3">
+            <a:schemeClr val="accent1"/>
+          </a:fillRef>
+          <a:effectRef idx="2">
+            <a:schemeClr val="accent1"/>
+          </a:effectRef>
+          <a:fontRef idx="minor">
+            <a:schemeClr val="lt1"/>
+          </a:fontRef>
+        </p:style>
+        <p:txBody>
+          <a:bodyPr rtlCol="0" anchor="ctr"/>
+          <a:lstStyle/>
+          <a:p>
+            <a:pPr algn="ctr"/>
+            <a:r>
+              <a:rPr lang="en-US" dirty="0"/>
+              <a:t>.NET Core</a:t>
+            </a:r>
+          </a:p>
+          <a:p>
+            <a:pPr algn="ctr"/>
+            <a:r>
+              <a:rPr lang="en-US" dirty="0"/>
+              <a:t>(V2)</a:t>
+            </a:r>
+          </a:p>
+        </p:txBody>
+      </p:sp>
+      <p:sp>
+        <p:nvSpPr>
+          <p:cNvPr id="11" name="Flowchart: Alternate Process 10">
+            <a:extLst>
+              <a:ext uri="{FF2B5EF4-FFF2-40B4-BE49-F238E27FC236}">
+                <a16:creationId xmlns:a16="http://schemas.microsoft.com/office/drawing/2014/main" id="{63C57E02-2DE0-4FA6-8FFF-219E4D050910}"/>
+              </a:ext>
+            </a:extLst>
+          </p:cNvPr>
+          <p:cNvSpPr/>
+          <p:nvPr/>
+        </p:nvSpPr>
+        <p:spPr>
+          <a:xfrm>
+            <a:off x="1152419" y="1250731"/>
+            <a:ext cx="6887994" cy="1258163"/>
+          </a:xfrm>
+          <a:prstGeom prst="flowChartAlternateProcess">
+            <a:avLst/>
+          </a:prstGeom>
+          <a:solidFill>
+            <a:schemeClr val="bg2">
+              <a:lumMod val="50000"/>
+            </a:schemeClr>
+          </a:solidFill>
+          <a:ln>
+            <a:solidFill>
+              <a:schemeClr val="bg1"/>
+            </a:solidFill>
+          </a:ln>
+          <a:effectLst/>
+        </p:spPr>
+        <p:style>
+          <a:lnRef idx="1">
+            <a:schemeClr val="accent1"/>
+          </a:lnRef>
+          <a:fillRef idx="3">
+            <a:schemeClr val="accent1"/>
+          </a:fillRef>
+          <a:effectRef idx="2">
+            <a:schemeClr val="accent1"/>
+          </a:effectRef>
+          <a:fontRef idx="minor">
+            <a:schemeClr val="lt1"/>
+          </a:fontRef>
+        </p:style>
+        <p:txBody>
+          <a:bodyPr rtlCol="0" anchor="ctr"/>
+          <a:lstStyle/>
+          <a:p>
+            <a:pPr algn="r"/>
+            <a:endParaRPr lang="en-US" dirty="0"/>
+          </a:p>
+          <a:p>
+            <a:pPr algn="r"/>
+            <a:endParaRPr lang="en-US" dirty="0"/>
+          </a:p>
+          <a:p>
+            <a:pPr algn="r"/>
+            <a:endParaRPr lang="en-US" dirty="0"/>
+          </a:p>
+          <a:p>
+            <a:pPr lvl="1" algn="r"/>
+            <a:r>
+              <a:rPr lang="en-US" dirty="0"/>
+              <a:t>	  Language Worker</a:t>
+            </a:r>
+          </a:p>
+        </p:txBody>
+      </p:sp>
+      <p:sp>
+        <p:nvSpPr>
+          <p:cNvPr id="12" name="Flowchart: Alternate Process 11">
+            <a:extLst>
+              <a:ext uri="{FF2B5EF4-FFF2-40B4-BE49-F238E27FC236}">
+                <a16:creationId xmlns:a16="http://schemas.microsoft.com/office/drawing/2014/main" id="{CFFE734D-19B3-4BCA-8317-D280770A3965}"/>
+              </a:ext>
+            </a:extLst>
+          </p:cNvPr>
+          <p:cNvSpPr/>
+          <p:nvPr/>
+        </p:nvSpPr>
+        <p:spPr>
+          <a:xfrm>
+            <a:off x="1229708" y="1359768"/>
+            <a:ext cx="6701883" cy="759841"/>
+          </a:xfrm>
+          <a:prstGeom prst="flowChartAlternateProcess">
+            <a:avLst/>
+          </a:prstGeom>
+          <a:solidFill>
+            <a:schemeClr val="bg2">
+              <a:lumMod val="65000"/>
+            </a:schemeClr>
+          </a:solidFill>
+          <a:ln>
+            <a:solidFill>
+              <a:schemeClr val="accent2">
+                <a:lumMod val="50000"/>
+              </a:schemeClr>
+            </a:solidFill>
+          </a:ln>
+          <a:effectLst/>
+        </p:spPr>
+        <p:style>
+          <a:lnRef idx="1">
+            <a:schemeClr val="accent1"/>
+          </a:lnRef>
+          <a:fillRef idx="3">
+            <a:schemeClr val="accent1"/>
+          </a:fillRef>
+          <a:effectRef idx="2">
+            <a:schemeClr val="accent1"/>
+          </a:effectRef>
+          <a:fontRef idx="minor">
+            <a:schemeClr val="lt1"/>
+          </a:fontRef>
+        </p:style>
+        <p:txBody>
+          <a:bodyPr rtlCol="0" anchor="ctr"/>
+          <a:lstStyle/>
+          <a:p>
+            <a:pPr lvl="8" algn="ctr"/>
+            <a:endParaRPr lang="en-US" dirty="0"/>
+          </a:p>
+          <a:p>
+            <a:pPr lvl="8" algn="ctr"/>
+            <a:r>
+              <a:rPr lang="en-US" dirty="0"/>
+              <a:t>	              Function code</a:t>
+            </a:r>
+          </a:p>
+        </p:txBody>
+      </p:sp>
+      <p:sp>
+        <p:nvSpPr>
+          <p:cNvPr id="16" name="Flowchart: Alternate Process 15">
+            <a:extLst>
+              <a:ext uri="{FF2B5EF4-FFF2-40B4-BE49-F238E27FC236}">
+                <a16:creationId xmlns:a16="http://schemas.microsoft.com/office/drawing/2014/main" id="{92380E7F-DE68-4623-AEA9-4C8ACAB8E48E}"/>
+              </a:ext>
+            </a:extLst>
+          </p:cNvPr>
+          <p:cNvSpPr/>
+          <p:nvPr/>
+        </p:nvSpPr>
+        <p:spPr>
+          <a:xfrm>
+            <a:off x="4894219" y="1392847"/>
+            <a:ext cx="1359444" cy="346842"/>
+          </a:xfrm>
+          <a:prstGeom prst="flowChartAlternateProcess">
+            <a:avLst/>
+          </a:prstGeom>
+          <a:solidFill>
+            <a:schemeClr val="accent4">
+              <a:lumMod val="50000"/>
+            </a:schemeClr>
+          </a:solidFill>
+          <a:ln>
+            <a:noFill/>
+          </a:ln>
+          <a:effectLst/>
+        </p:spPr>
+        <p:style>
+          <a:lnRef idx="1">
+            <a:schemeClr val="accent1"/>
+          </a:lnRef>
+          <a:fillRef idx="3">
+            <a:schemeClr val="accent1"/>
+          </a:fillRef>
+          <a:effectRef idx="2">
+            <a:schemeClr val="accent1"/>
+          </a:effectRef>
+          <a:fontRef idx="minor">
+            <a:schemeClr val="lt1"/>
+          </a:fontRef>
+        </p:style>
+        <p:txBody>
+          <a:bodyPr rtlCol="0" anchor="ctr"/>
+          <a:lstStyle/>
+          <a:p>
+            <a:pPr algn="ctr"/>
+            <a:r>
+              <a:rPr lang="en-US" dirty="0"/>
+              <a:t>.NET core</a:t>
+            </a:r>
+          </a:p>
+        </p:txBody>
+      </p:sp>
+      <p:sp>
+        <p:nvSpPr>
+          <p:cNvPr id="18" name="Arrow: Down 17">
+            <a:extLst>
+              <a:ext uri="{FF2B5EF4-FFF2-40B4-BE49-F238E27FC236}">
+                <a16:creationId xmlns:a16="http://schemas.microsoft.com/office/drawing/2014/main" id="{71434F70-AAE0-4E68-9B2F-E84FA98F8497}"/>
+              </a:ext>
+            </a:extLst>
+          </p:cNvPr>
+          <p:cNvSpPr/>
+          <p:nvPr/>
+        </p:nvSpPr>
+        <p:spPr>
+          <a:xfrm>
+            <a:off x="5304118" y="1739689"/>
+            <a:ext cx="497930" cy="1131841"/>
+          </a:xfrm>
+          <a:prstGeom prst="downArrow">
+            <a:avLst/>
+          </a:prstGeom>
+          <a:solidFill>
+            <a:schemeClr val="accent3">
+              <a:lumMod val="50000"/>
+            </a:schemeClr>
+          </a:solidFill>
+          <a:ln>
+            <a:noFill/>
+          </a:ln>
+          <a:effectLst/>
+        </p:spPr>
+        <p:style>
+          <a:lnRef idx="1">
+            <a:schemeClr val="accent1"/>
+          </a:lnRef>
+          <a:fillRef idx="3">
+            <a:schemeClr val="accent1"/>
+          </a:fillRef>
+          <a:effectRef idx="2">
+            <a:schemeClr val="accent1"/>
+          </a:effectRef>
+          <a:fontRef idx="minor">
+            <a:schemeClr val="lt1"/>
+          </a:fontRef>
+        </p:style>
+        <p:txBody>
+          <a:bodyPr rot="0" spcFirstLastPara="0" vertOverflow="overflow" horzOverflow="overflow" vert="horz" wrap="square" lIns="91440" tIns="45720" rIns="91440" bIns="45720" numCol="1" spcCol="0" rtlCol="0" fromWordArt="0" anchor="ctr" anchorCtr="0" forceAA="0" compatLnSpc="1">
+            <a:prstTxWarp prst="textNoShape">
+              <a:avLst/>
+            </a:prstTxWarp>
+            <a:noAutofit/>
+          </a:bodyPr>
+          <a:lstStyle/>
+          <a:p>
+            <a:pPr algn="ctr"/>
+            <a:endParaRPr lang="en-US"/>
+          </a:p>
+        </p:txBody>
+      </p:sp>
+      <p:sp>
+        <p:nvSpPr>
+          <p:cNvPr id="19" name="Arrow: Down 18">
+            <a:extLst>
+              <a:ext uri="{FF2B5EF4-FFF2-40B4-BE49-F238E27FC236}">
+                <a16:creationId xmlns:a16="http://schemas.microsoft.com/office/drawing/2014/main" id="{6AD35324-9637-4695-B0BC-8256C82378D6}"/>
+              </a:ext>
+            </a:extLst>
+          </p:cNvPr>
+          <p:cNvSpPr/>
+          <p:nvPr/>
+        </p:nvSpPr>
+        <p:spPr>
+          <a:xfrm>
+            <a:off x="2897363" y="1751750"/>
+            <a:ext cx="497930" cy="1119780"/>
+          </a:xfrm>
+          <a:prstGeom prst="downArrow">
+            <a:avLst/>
+          </a:prstGeom>
+          <a:solidFill>
+            <a:schemeClr val="accent3">
+              <a:lumMod val="50000"/>
+            </a:schemeClr>
+          </a:solidFill>
+          <a:ln>
+            <a:noFill/>
+          </a:ln>
+          <a:effectLst/>
+        </p:spPr>
+        <p:style>
+          <a:lnRef idx="1">
+            <a:schemeClr val="accent1"/>
+          </a:lnRef>
+          <a:fillRef idx="3">
+            <a:schemeClr val="accent1"/>
+          </a:fillRef>
+          <a:effectRef idx="2">
+            <a:schemeClr val="accent1"/>
+          </a:effectRef>
+          <a:fontRef idx="minor">
+            <a:schemeClr val="lt1"/>
+          </a:fontRef>
+        </p:style>
+        <p:txBody>
+          <a:bodyPr rot="0" spcFirstLastPara="0" vertOverflow="overflow" horzOverflow="overflow" vert="horz" wrap="square" lIns="91440" tIns="45720" rIns="91440" bIns="45720" numCol="1" spcCol="0" rtlCol="0" fromWordArt="0" anchor="ctr" anchorCtr="0" forceAA="0" compatLnSpc="1">
+            <a:prstTxWarp prst="textNoShape">
+              <a:avLst/>
+            </a:prstTxWarp>
+            <a:noAutofit/>
+          </a:bodyPr>
+          <a:lstStyle/>
+          <a:p>
+            <a:pPr algn="ctr"/>
+            <a:endParaRPr lang="en-US"/>
+          </a:p>
+        </p:txBody>
+      </p:sp>
+      <p:sp>
+        <p:nvSpPr>
+          <p:cNvPr id="20" name="Arrow: Down 19">
+            <a:extLst>
+              <a:ext uri="{FF2B5EF4-FFF2-40B4-BE49-F238E27FC236}">
+                <a16:creationId xmlns:a16="http://schemas.microsoft.com/office/drawing/2014/main" id="{11D12455-AD5C-4445-BDEA-F806B4656CCE}"/>
+              </a:ext>
+            </a:extLst>
+          </p:cNvPr>
+          <p:cNvSpPr/>
+          <p:nvPr/>
+        </p:nvSpPr>
+        <p:spPr>
+          <a:xfrm>
+            <a:off x="4089616" y="1739689"/>
+            <a:ext cx="497930" cy="1092857"/>
+          </a:xfrm>
+          <a:prstGeom prst="downArrow">
+            <a:avLst/>
+          </a:prstGeom>
+          <a:solidFill>
+            <a:schemeClr val="accent3">
+              <a:lumMod val="50000"/>
+            </a:schemeClr>
+          </a:solidFill>
+          <a:ln>
+            <a:noFill/>
+          </a:ln>
+          <a:effectLst/>
+        </p:spPr>
+        <p:style>
+          <a:lnRef idx="1">
+            <a:schemeClr val="accent1"/>
+          </a:lnRef>
+          <a:fillRef idx="3">
+            <a:schemeClr val="accent1"/>
+          </a:fillRef>
+          <a:effectRef idx="2">
+            <a:schemeClr val="accent1"/>
+          </a:effectRef>
+          <a:fontRef idx="minor">
+            <a:schemeClr val="lt1"/>
+          </a:fontRef>
+        </p:style>
+        <p:txBody>
+          <a:bodyPr rot="0" spcFirstLastPara="0" vertOverflow="overflow" horzOverflow="overflow" vert="horz" wrap="square" lIns="91440" tIns="45720" rIns="91440" bIns="45720" numCol="1" spcCol="0" rtlCol="0" fromWordArt="0" anchor="ctr" anchorCtr="0" forceAA="0" compatLnSpc="1">
+            <a:prstTxWarp prst="textNoShape">
+              <a:avLst/>
+            </a:prstTxWarp>
+            <a:noAutofit/>
+          </a:bodyPr>
+          <a:lstStyle/>
+          <a:p>
+            <a:pPr algn="ctr"/>
+            <a:endParaRPr lang="en-US"/>
+          </a:p>
+        </p:txBody>
+      </p:sp>
+      <p:sp>
+        <p:nvSpPr>
+          <p:cNvPr id="21" name="Arrow: Down 20">
+            <a:extLst>
+              <a:ext uri="{FF2B5EF4-FFF2-40B4-BE49-F238E27FC236}">
+                <a16:creationId xmlns:a16="http://schemas.microsoft.com/office/drawing/2014/main" id="{D38386CF-E9DF-49A6-A4C3-D60EE62BFD13}"/>
+              </a:ext>
+            </a:extLst>
+          </p:cNvPr>
+          <p:cNvSpPr/>
+          <p:nvPr/>
+        </p:nvSpPr>
+        <p:spPr>
+          <a:xfrm>
+            <a:off x="1688450" y="1754706"/>
+            <a:ext cx="497930" cy="1074003"/>
+          </a:xfrm>
+          <a:prstGeom prst="downArrow">
+            <a:avLst/>
+          </a:prstGeom>
+          <a:solidFill>
+            <a:schemeClr val="accent3">
+              <a:lumMod val="50000"/>
+            </a:schemeClr>
+          </a:solidFill>
+          <a:ln>
+            <a:noFill/>
+          </a:ln>
+          <a:effectLst/>
+        </p:spPr>
+        <p:style>
+          <a:lnRef idx="1">
+            <a:schemeClr val="accent1"/>
+          </a:lnRef>
+          <a:fillRef idx="3">
+            <a:schemeClr val="accent1"/>
+          </a:fillRef>
+          <a:effectRef idx="2">
+            <a:schemeClr val="accent1"/>
+          </a:effectRef>
+          <a:fontRef idx="minor">
+            <a:schemeClr val="lt1"/>
+          </a:fontRef>
+        </p:style>
+        <p:txBody>
+          <a:bodyPr rtlCol="0" anchor="ctr"/>
+          <a:lstStyle/>
+          <a:p>
+            <a:pPr algn="ctr"/>
+            <a:endParaRPr lang="en-US"/>
+          </a:p>
+        </p:txBody>
+      </p:sp>
+      <p:sp>
+        <p:nvSpPr>
+          <p:cNvPr id="22" name="Flowchart: Alternate Process 21">
+            <a:extLst>
+              <a:ext uri="{FF2B5EF4-FFF2-40B4-BE49-F238E27FC236}">
+                <a16:creationId xmlns:a16="http://schemas.microsoft.com/office/drawing/2014/main" id="{BDFA0441-02F7-46B6-8FF5-78AB628A95F8}"/>
+              </a:ext>
+            </a:extLst>
+          </p:cNvPr>
+          <p:cNvSpPr/>
+          <p:nvPr/>
+        </p:nvSpPr>
+        <p:spPr>
+          <a:xfrm>
+            <a:off x="1357819" y="1392847"/>
+            <a:ext cx="1072054" cy="346842"/>
+          </a:xfrm>
+          <a:prstGeom prst="flowChartAlternateProcess">
+            <a:avLst/>
+          </a:prstGeom>
+          <a:solidFill>
+            <a:schemeClr val="accent4">
+              <a:lumMod val="50000"/>
+            </a:schemeClr>
+          </a:solidFill>
+          <a:ln>
+            <a:noFill/>
+          </a:ln>
+          <a:effectLst/>
+        </p:spPr>
+        <p:style>
+          <a:lnRef idx="1">
+            <a:schemeClr val="accent1"/>
+          </a:lnRef>
+          <a:fillRef idx="3">
+            <a:schemeClr val="accent1"/>
+          </a:fillRef>
+          <a:effectRef idx="2">
+            <a:schemeClr val="accent1"/>
+          </a:effectRef>
+          <a:fontRef idx="minor">
+            <a:schemeClr val="lt1"/>
+          </a:fontRef>
+        </p:style>
+        <p:txBody>
+          <a:bodyPr rtlCol="0" anchor="ctr"/>
+          <a:lstStyle/>
+          <a:p>
+            <a:pPr algn="ctr"/>
+            <a:r>
+              <a:rPr lang="en-US" dirty="0"/>
+              <a:t>Node. </a:t>
+            </a:r>
+            <a:r>
+              <a:rPr lang="en-US" dirty="0" err="1"/>
+              <a:t>js</a:t>
+            </a:r>
+            <a:endParaRPr lang="en-US" dirty="0"/>
+          </a:p>
+        </p:txBody>
+      </p:sp>
+      <p:sp>
+        <p:nvSpPr>
+          <p:cNvPr id="23" name="Flowchart: Alternate Process 22">
+            <a:extLst>
+              <a:ext uri="{FF2B5EF4-FFF2-40B4-BE49-F238E27FC236}">
+                <a16:creationId xmlns:a16="http://schemas.microsoft.com/office/drawing/2014/main" id="{74CC53E7-8DF7-4F3E-B896-2AC2F70DB939}"/>
+              </a:ext>
+            </a:extLst>
+          </p:cNvPr>
+          <p:cNvSpPr/>
+          <p:nvPr/>
+        </p:nvSpPr>
+        <p:spPr>
+          <a:xfrm>
+            <a:off x="2553865" y="1404909"/>
+            <a:ext cx="1072054" cy="346842"/>
+          </a:xfrm>
+          <a:prstGeom prst="flowChartAlternateProcess">
+            <a:avLst/>
+          </a:prstGeom>
+          <a:solidFill>
+            <a:schemeClr val="accent4">
+              <a:lumMod val="50000"/>
+            </a:schemeClr>
+          </a:solidFill>
+          <a:ln>
+            <a:noFill/>
+          </a:ln>
+          <a:effectLst/>
+        </p:spPr>
+        <p:style>
+          <a:lnRef idx="1">
+            <a:schemeClr val="accent1"/>
+          </a:lnRef>
+          <a:fillRef idx="3">
+            <a:schemeClr val="accent1"/>
+          </a:fillRef>
+          <a:effectRef idx="2">
+            <a:schemeClr val="accent1"/>
+          </a:effectRef>
+          <a:fontRef idx="minor">
+            <a:schemeClr val="lt1"/>
+          </a:fontRef>
+        </p:style>
+        <p:txBody>
+          <a:bodyPr rtlCol="0" anchor="ctr"/>
+          <a:lstStyle/>
+          <a:p>
+            <a:pPr algn="ctr"/>
+            <a:r>
+              <a:rPr lang="en-US" dirty="0"/>
+              <a:t>Java</a:t>
+            </a:r>
+          </a:p>
+        </p:txBody>
+      </p:sp>
+      <p:sp>
+        <p:nvSpPr>
+          <p:cNvPr id="24" name="Flowchart: Alternate Process 23">
+            <a:extLst>
+              <a:ext uri="{FF2B5EF4-FFF2-40B4-BE49-F238E27FC236}">
+                <a16:creationId xmlns:a16="http://schemas.microsoft.com/office/drawing/2014/main" id="{B22A28AB-4891-4655-9B85-BC0247D9DE71}"/>
+              </a:ext>
+            </a:extLst>
+          </p:cNvPr>
+          <p:cNvSpPr/>
+          <p:nvPr/>
+        </p:nvSpPr>
+        <p:spPr>
+          <a:xfrm>
+            <a:off x="3756476" y="1392847"/>
+            <a:ext cx="1072054" cy="346842"/>
+          </a:xfrm>
+          <a:prstGeom prst="flowChartAlternateProcess">
+            <a:avLst/>
+          </a:prstGeom>
+          <a:solidFill>
+            <a:schemeClr val="accent4">
+              <a:lumMod val="50000"/>
+            </a:schemeClr>
+          </a:solidFill>
+          <a:ln>
+            <a:noFill/>
+          </a:ln>
+          <a:effectLst/>
+        </p:spPr>
+        <p:style>
+          <a:lnRef idx="1">
+            <a:schemeClr val="accent1"/>
+          </a:lnRef>
+          <a:fillRef idx="3">
+            <a:schemeClr val="accent1"/>
+          </a:fillRef>
+          <a:effectRef idx="2">
+            <a:schemeClr val="accent1"/>
+          </a:effectRef>
+          <a:fontRef idx="minor">
+            <a:schemeClr val="lt1"/>
+          </a:fontRef>
+        </p:style>
+        <p:txBody>
+          <a:bodyPr rtlCol="0" anchor="ctr"/>
+          <a:lstStyle/>
+          <a:p>
+            <a:pPr algn="ctr"/>
+            <a:r>
+              <a:rPr lang="en-US" dirty="0"/>
+              <a:t>Python</a:t>
+            </a:r>
+          </a:p>
+        </p:txBody>
+      </p:sp>
+      <p:pic>
+        <p:nvPicPr>
+          <p:cNvPr id="35" name="Picture 34">
+            <a:extLst>
+              <a:ext uri="{FF2B5EF4-FFF2-40B4-BE49-F238E27FC236}">
+                <a16:creationId xmlns:a16="http://schemas.microsoft.com/office/drawing/2014/main" id="{C533E835-8253-427A-A099-0CC60765E004}"/>
+              </a:ext>
+            </a:extLst>
+          </p:cNvPr>
+          <p:cNvPicPr>
+            <a:picLocks noChangeAspect="1"/>
+          </p:cNvPicPr>
+          <p:nvPr/>
+        </p:nvPicPr>
+        <p:blipFill>
+          <a:blip r:embed="rId2">
+            <a:extLst>
+              <a:ext uri="{28A0092B-C50C-407E-A947-70E740481C1C}">
+                <a14:useLocalDpi xmlns:a14="http://schemas.microsoft.com/office/drawing/2010/main" val="0"/>
+              </a:ext>
+            </a:extLst>
+          </a:blip>
+          <a:stretch>
+            <a:fillRect/>
+          </a:stretch>
+        </p:blipFill>
+        <p:spPr>
+          <a:xfrm>
+            <a:off x="4600891" y="3985142"/>
+            <a:ext cx="1740428" cy="755925"/>
+          </a:xfrm>
+          <a:prstGeom prst="rect">
+            <a:avLst/>
+          </a:prstGeom>
+        </p:spPr>
+      </p:pic>
+      <p:pic>
+        <p:nvPicPr>
+          <p:cNvPr id="39" name="Picture 38" descr="A close up of a logo&#10;&#10;Description automatically generated">
+            <a:extLst>
+              <a:ext uri="{FF2B5EF4-FFF2-40B4-BE49-F238E27FC236}">
+                <a16:creationId xmlns:a16="http://schemas.microsoft.com/office/drawing/2014/main" id="{B77D1F60-CD89-4E93-B125-CEEB6ADD57A6}"/>
+              </a:ext>
+            </a:extLst>
+          </p:cNvPr>
+          <p:cNvPicPr>
+            <a:picLocks noChangeAspect="1"/>
+          </p:cNvPicPr>
+          <p:nvPr/>
+        </p:nvPicPr>
+        <p:blipFill>
+          <a:blip r:embed="rId3">
+            <a:extLst>
+              <a:ext uri="{28A0092B-C50C-407E-A947-70E740481C1C}">
+                <a14:useLocalDpi xmlns:a14="http://schemas.microsoft.com/office/drawing/2010/main" val="0"/>
+              </a:ext>
+            </a:extLst>
+          </a:blip>
+          <a:stretch>
+            <a:fillRect/>
+          </a:stretch>
+        </p:blipFill>
+        <p:spPr>
+          <a:xfrm>
+            <a:off x="6432187" y="4030255"/>
+            <a:ext cx="1359444" cy="709100"/>
+          </a:xfrm>
+          <a:prstGeom prst="rect">
+            <a:avLst/>
+          </a:prstGeom>
+        </p:spPr>
+      </p:pic>
+      <p:sp>
+        <p:nvSpPr>
+          <p:cNvPr id="40" name="Flowchart: Alternate Process 39">
+            <a:extLst>
+              <a:ext uri="{FF2B5EF4-FFF2-40B4-BE49-F238E27FC236}">
+                <a16:creationId xmlns:a16="http://schemas.microsoft.com/office/drawing/2014/main" id="{C021FB63-330E-4380-BB7E-8871818BCA87}"/>
+              </a:ext>
+            </a:extLst>
+          </p:cNvPr>
+          <p:cNvSpPr/>
+          <p:nvPr/>
+        </p:nvSpPr>
+        <p:spPr>
+          <a:xfrm>
+            <a:off x="1292779" y="4123552"/>
+            <a:ext cx="1390132" cy="579376"/>
+          </a:xfrm>
+          <a:prstGeom prst="flowChartAlternateProcess">
+            <a:avLst/>
+          </a:prstGeom>
+          <a:solidFill>
+            <a:schemeClr val="bg1">
+              <a:lumMod val="85000"/>
+            </a:schemeClr>
+          </a:solidFill>
+          <a:ln>
+            <a:noFill/>
+          </a:ln>
+          <a:effectLst/>
+        </p:spPr>
+        <p:style>
+          <a:lnRef idx="1">
+            <a:schemeClr val="accent1"/>
+          </a:lnRef>
+          <a:fillRef idx="3">
+            <a:schemeClr val="accent1"/>
+          </a:fillRef>
+          <a:effectRef idx="2">
+            <a:schemeClr val="accent1"/>
+          </a:effectRef>
+          <a:fontRef idx="minor">
+            <a:schemeClr val="lt1"/>
+          </a:fontRef>
+        </p:style>
+        <p:txBody>
+          <a:bodyPr rtlCol="0" anchor="ctr"/>
+          <a:lstStyle/>
+          <a:p>
+            <a:pPr algn="ctr"/>
+            <a:r>
+              <a:rPr lang="en-US" dirty="0">
+                <a:solidFill>
+                  <a:schemeClr val="tx2"/>
+                </a:solidFill>
+              </a:rPr>
+              <a:t>MAC</a:t>
+            </a:r>
+          </a:p>
+        </p:txBody>
+      </p:sp>
+      <p:pic>
+        <p:nvPicPr>
+          <p:cNvPr id="5" name="Picture 4">
+            <a:extLst>
+              <a:ext uri="{FF2B5EF4-FFF2-40B4-BE49-F238E27FC236}">
+                <a16:creationId xmlns:a16="http://schemas.microsoft.com/office/drawing/2014/main" id="{287A9EDA-2F5E-4792-851A-7BF4F358E74A}"/>
+              </a:ext>
+            </a:extLst>
+          </p:cNvPr>
+          <p:cNvPicPr>
+            <a:picLocks noChangeAspect="1"/>
+          </p:cNvPicPr>
+          <p:nvPr/>
+        </p:nvPicPr>
+        <p:blipFill>
+          <a:blip r:embed="rId4" cstate="print">
+            <a:extLst>
+              <a:ext uri="{28A0092B-C50C-407E-A947-70E740481C1C}">
+                <a14:useLocalDpi xmlns:a14="http://schemas.microsoft.com/office/drawing/2010/main" val="0"/>
+              </a:ext>
+            </a:extLst>
+          </a:blip>
+          <a:stretch>
+            <a:fillRect/>
+          </a:stretch>
+        </p:blipFill>
+        <p:spPr>
+          <a:xfrm>
+            <a:off x="2897363" y="4130413"/>
+            <a:ext cx="859113" cy="557105"/>
+          </a:xfrm>
+          <a:prstGeom prst="rect">
+            <a:avLst/>
+          </a:prstGeom>
+        </p:spPr>
+      </p:pic>
+      <p:pic>
+        <p:nvPicPr>
+          <p:cNvPr id="14" name="Picture 13">
+            <a:extLst>
+              <a:ext uri="{FF2B5EF4-FFF2-40B4-BE49-F238E27FC236}">
+                <a16:creationId xmlns:a16="http://schemas.microsoft.com/office/drawing/2014/main" id="{808FB694-649E-4F34-9EFB-A51727ECA016}"/>
+              </a:ext>
+            </a:extLst>
+          </p:cNvPr>
+          <p:cNvPicPr>
+            <a:picLocks noChangeAspect="1"/>
+          </p:cNvPicPr>
+          <p:nvPr/>
+        </p:nvPicPr>
+        <p:blipFill>
+          <a:blip r:embed="rId5">
+            <a:extLst>
+              <a:ext uri="{28A0092B-C50C-407E-A947-70E740481C1C}">
+                <a14:useLocalDpi xmlns:a14="http://schemas.microsoft.com/office/drawing/2010/main" val="0"/>
+              </a:ext>
+            </a:extLst>
+          </a:blip>
+          <a:stretch>
+            <a:fillRect/>
+          </a:stretch>
+        </p:blipFill>
+        <p:spPr>
+          <a:xfrm>
+            <a:off x="3847345" y="4123553"/>
+            <a:ext cx="859114" cy="557106"/>
+          </a:xfrm>
+          <a:prstGeom prst="rect">
+            <a:avLst/>
+          </a:prstGeom>
+        </p:spPr>
+      </p:pic>
+    </p:spTree>
+    <p:extLst>
+      <p:ext uri="{BB962C8B-B14F-4D97-AF65-F5344CB8AC3E}">
+        <p14:creationId xmlns:p14="http://schemas.microsoft.com/office/powerpoint/2010/main" val="1654665863"/>
+      </p:ext>
+    </p:extLst>
+  </p:cSld>
+  <p:clrMapOvr>
+    <a:masterClrMapping/>
+  </p:clrMapOvr>
+</p:sld>
+</file>
+
+<file path=ppt/slides/slide11.xml><?xml version="1.0" encoding="utf-8"?>
+<p:sld xmlns:a="http://schemas.openxmlformats.org/drawingml/2006/main" xmlns:r="http://schemas.openxmlformats.org/officeDocument/2006/relationships" xmlns:p="http://schemas.openxmlformats.org/presentationml/2006/main">
+  <p:cSld>
+    <p:spTree>
+      <p:nvGrpSpPr>
+        <p:cNvPr id="1" name=""/>
+        <p:cNvGrpSpPr/>
+        <p:nvPr/>
+      </p:nvGrpSpPr>
+      <p:grpSpPr>
+        <a:xfrm>
+          <a:off x="0" y="0"/>
+          <a:ext cx="0" cy="0"/>
+          <a:chOff x="0" y="0"/>
+          <a:chExt cx="0" cy="0"/>
+        </a:xfrm>
+      </p:grpSpPr>
+      <p:sp>
+        <p:nvSpPr>
+          <p:cNvPr id="2" name="Title 1">
+            <a:extLst>
+              <a:ext uri="{FF2B5EF4-FFF2-40B4-BE49-F238E27FC236}">
                 <a16:creationId xmlns:a16="http://schemas.microsoft.com/office/drawing/2014/main" id="{8C23964A-CCE5-47DF-BFBF-BCDC3095C5CE}"/>
               </a:ext>
             </a:extLst>
@@ -42097,7 +43314,7 @@
 </p:sld>
 </file>
 
-<file path=ppt/slides/slide11.xml><?xml version="1.0" encoding="utf-8"?>
+<file path=ppt/slides/slide12.xml><?xml version="1.0" encoding="utf-8"?>
 <p:sld xmlns:a="http://schemas.openxmlformats.org/drawingml/2006/main" xmlns:r="http://schemas.openxmlformats.org/officeDocument/2006/relationships" xmlns:p="http://schemas.openxmlformats.org/presentationml/2006/main">
   <p:cSld>
     <p:spTree>
@@ -42185,7 +43402,7 @@
 </p:sld>
 </file>
 
-<file path=ppt/slides/slide12.xml><?xml version="1.0" encoding="utf-8"?>
+<file path=ppt/slides/slide13.xml><?xml version="1.0" encoding="utf-8"?>
 <p:sld xmlns:a="http://schemas.openxmlformats.org/drawingml/2006/main" xmlns:r="http://schemas.openxmlformats.org/officeDocument/2006/relationships" xmlns:p="http://schemas.openxmlformats.org/presentationml/2006/main">
   <p:cSld>
     <p:spTree>
@@ -42273,7 +43490,7 @@
 </p:sld>
 </file>
 
-<file path=ppt/slides/slide13.xml><?xml version="1.0" encoding="utf-8"?>
+<file path=ppt/slides/slide14.xml><?xml version="1.0" encoding="utf-8"?>
 <p:sld xmlns:a="http://schemas.openxmlformats.org/drawingml/2006/main" xmlns:r="http://schemas.openxmlformats.org/officeDocument/2006/relationships" xmlns:p="http://schemas.openxmlformats.org/presentationml/2006/main">
   <p:cSld>
     <p:spTree>
@@ -42438,7 +43655,7 @@
 </p:sld>
 </file>
 
-<file path=ppt/slides/slide14.xml><?xml version="1.0" encoding="utf-8"?>
+<file path=ppt/slides/slide15.xml><?xml version="1.0" encoding="utf-8"?>
 <p:sld xmlns:a="http://schemas.openxmlformats.org/drawingml/2006/main" xmlns:r="http://schemas.openxmlformats.org/officeDocument/2006/relationships" xmlns:p="http://schemas.openxmlformats.org/presentationml/2006/main">
   <p:cSld>
     <p:spTree>
@@ -42635,7 +43852,7 @@
 </p:sld>
 </file>
 
-<file path=ppt/slides/slide15.xml><?xml version="1.0" encoding="utf-8"?>
+<file path=ppt/slides/slide16.xml><?xml version="1.0" encoding="utf-8"?>
 <p:sld xmlns:a="http://schemas.openxmlformats.org/drawingml/2006/main" xmlns:r="http://schemas.openxmlformats.org/officeDocument/2006/relationships" xmlns:p="http://schemas.openxmlformats.org/presentationml/2006/main">
   <p:cSld>
     <p:spTree>
@@ -43637,7 +44854,7 @@
 </p:sld>
 </file>
 
-<file path=ppt/slides/slide16.xml><?xml version="1.0" encoding="utf-8"?>
+<file path=ppt/slides/slide17.xml><?xml version="1.0" encoding="utf-8"?>
 <p:sld xmlns:a="http://schemas.openxmlformats.org/drawingml/2006/main" xmlns:r="http://schemas.openxmlformats.org/officeDocument/2006/relationships" xmlns:p="http://schemas.openxmlformats.org/presentationml/2006/main">
   <p:cSld>
     <p:spTree>
@@ -46289,7 +47506,7 @@
 </p:sld>
 </file>
 
-<file path=ppt/slides/slide17.xml><?xml version="1.0" encoding="utf-8"?>
+<file path=ppt/slides/slide18.xml><?xml version="1.0" encoding="utf-8"?>
 <p:sld xmlns:a="http://schemas.openxmlformats.org/drawingml/2006/main" xmlns:r="http://schemas.openxmlformats.org/officeDocument/2006/relationships" xmlns:p="http://schemas.openxmlformats.org/presentationml/2006/main">
   <p:cSld>
     <p:spTree>
@@ -46373,7 +47590,7 @@
 </p:sld>
 </file>
 
-<file path=ppt/slides/slide18.xml><?xml version="1.0" encoding="utf-8"?>
+<file path=ppt/slides/slide19.xml><?xml version="1.0" encoding="utf-8"?>
 <p:sld xmlns:a="http://schemas.openxmlformats.org/drawingml/2006/main" xmlns:r="http://schemas.openxmlformats.org/officeDocument/2006/relationships" xmlns:p="http://schemas.openxmlformats.org/presentationml/2006/main">
   <p:cSld>
     <p:spTree>
@@ -46461,7 +47678,358 @@
 </p:sld>
 </file>
 
-<file path=ppt/slides/slide19.xml><?xml version="1.0" encoding="utf-8"?>
+<file path=ppt/slides/slide2.xml><?xml version="1.0" encoding="utf-8"?>
+<p:sld xmlns:a="http://schemas.openxmlformats.org/drawingml/2006/main" xmlns:r="http://schemas.openxmlformats.org/officeDocument/2006/relationships" xmlns:p="http://schemas.openxmlformats.org/presentationml/2006/main" show="0">
+  <p:cSld>
+    <p:bg>
+      <p:bgPr>
+        <a:solidFill>
+          <a:schemeClr val="tx2"/>
+        </a:solidFill>
+        <a:effectLst/>
+      </p:bgPr>
+    </p:bg>
+    <p:spTree>
+      <p:nvGrpSpPr>
+        <p:cNvPr id="1" name=""/>
+        <p:cNvGrpSpPr/>
+        <p:nvPr/>
+      </p:nvGrpSpPr>
+      <p:grpSpPr>
+        <a:xfrm>
+          <a:off x="0" y="0"/>
+          <a:ext cx="0" cy="0"/>
+          <a:chOff x="0" y="0"/>
+          <a:chExt cx="0" cy="0"/>
+        </a:xfrm>
+      </p:grpSpPr>
+      <p:sp>
+        <p:nvSpPr>
+          <p:cNvPr id="2" name="Title 1"/>
+          <p:cNvSpPr>
+            <a:spLocks noGrp="1"/>
+          </p:cNvSpPr>
+          <p:nvPr>
+            <p:ph type="title"/>
+          </p:nvPr>
+        </p:nvSpPr>
+        <p:spPr/>
+        <p:txBody>
+          <a:bodyPr/>
+          <a:lstStyle/>
+          <a:p>
+            <a:r>
+              <a:rPr lang="en-US" sz="1880" dirty="0"/>
+              <a:t>Agenda</a:t>
+            </a:r>
+          </a:p>
+        </p:txBody>
+      </p:sp>
+      <p:pic>
+        <p:nvPicPr>
+          <p:cNvPr id="4" name="Picture 2" descr="D:\Surendar Works\icons and images\box_shadow[1].png"/>
+          <p:cNvPicPr>
+            <a:picLocks noChangeAspect="1" noChangeArrowheads="1"/>
+          </p:cNvPicPr>
+          <p:nvPr/>
+        </p:nvPicPr>
+        <p:blipFill>
+          <a:blip r:embed="rId2" cstate="print">
+            <a:extLst>
+              <a:ext uri="{28A0092B-C50C-407E-A947-70E740481C1C}">
+                <a14:useLocalDpi xmlns:a14="http://schemas.microsoft.com/office/drawing/2010/main" val="0"/>
+              </a:ext>
+            </a:extLst>
+          </a:blip>
+          <a:srcRect/>
+          <a:stretch>
+            <a:fillRect/>
+          </a:stretch>
+        </p:blipFill>
+        <p:spPr bwMode="auto">
+          <a:xfrm rot="5400000">
+            <a:off x="1613883" y="2248016"/>
+            <a:ext cx="3916612" cy="301372"/>
+          </a:xfrm>
+          <a:prstGeom prst="rect">
+            <a:avLst/>
+          </a:prstGeom>
+          <a:noFill/>
+          <a:extLst>
+            <a:ext uri="{909E8E84-426E-40DD-AFC4-6F175D3DCCD1}">
+              <a14:hiddenFill xmlns:a14="http://schemas.microsoft.com/office/drawing/2010/main">
+                <a:solidFill>
+                  <a:srgbClr val="FFFFFF"/>
+                </a:solidFill>
+              </a14:hiddenFill>
+            </a:ext>
+          </a:extLst>
+        </p:spPr>
+      </p:pic>
+      <p:sp>
+        <p:nvSpPr>
+          <p:cNvPr id="6" name="TextBox 5"/>
+          <p:cNvSpPr txBox="1"/>
+          <p:nvPr/>
+        </p:nvSpPr>
+        <p:spPr bwMode="auto">
+          <a:xfrm>
+            <a:off x="3965883" y="440396"/>
+            <a:ext cx="5169332" cy="4112555"/>
+          </a:xfrm>
+          <a:prstGeom prst="rect">
+            <a:avLst/>
+          </a:prstGeom>
+          <a:noFill/>
+          <a:ln w="9525">
+            <a:noFill/>
+            <a:miter lim="800000"/>
+            <a:headEnd/>
+            <a:tailEnd/>
+          </a:ln>
+        </p:spPr>
+        <p:txBody>
+          <a:bodyPr wrap="square" rtlCol="0" anchor="ctr" anchorCtr="0">
+            <a:prstTxWarp prst="textNoShape">
+              <a:avLst/>
+            </a:prstTxWarp>
+            <a:noAutofit/>
+          </a:bodyPr>
+          <a:lstStyle/>
+          <a:p>
+            <a:pPr marL="395268" indent="-395268" defTabSz="685783" eaLnBrk="0" hangingPunct="0">
+              <a:spcAft>
+                <a:spcPts val="1200"/>
+              </a:spcAft>
+              <a:buClr>
+                <a:srgbClr val="00B0F0"/>
+              </a:buClr>
+              <a:buFont typeface="Wingdings 2" panose="05020102010507070707" pitchFamily="18" charset="2"/>
+              <a:buChar char=""/>
+            </a:pPr>
+            <a:r>
+              <a:rPr lang="en-US" sz="1600" dirty="0"/>
+              <a:t>What is </a:t>
+            </a:r>
+            <a:r>
+              <a:rPr lang="en-US" sz="1600" dirty="0" err="1"/>
+              <a:t>Serverless</a:t>
+            </a:r>
+            <a:r>
+              <a:rPr lang="en-US" sz="1600" dirty="0"/>
+              <a:t> Architecture</a:t>
+            </a:r>
+          </a:p>
+          <a:p>
+            <a:pPr marL="395268" indent="-395268" defTabSz="685783" eaLnBrk="0" hangingPunct="0">
+              <a:spcAft>
+                <a:spcPts val="1200"/>
+              </a:spcAft>
+              <a:buClr>
+                <a:srgbClr val="00B0F0"/>
+              </a:buClr>
+              <a:buFont typeface="Wingdings 2" panose="05020102010507070707" pitchFamily="18" charset="2"/>
+              <a:buChar char=""/>
+            </a:pPr>
+            <a:r>
+              <a:rPr lang="en-US" sz="1600" dirty="0"/>
+              <a:t>What is charged in </a:t>
+            </a:r>
+            <a:r>
+              <a:rPr lang="en-US" sz="1600" dirty="0" err="1"/>
+              <a:t>Serverless</a:t>
+            </a:r>
+            <a:r>
+              <a:rPr lang="en-US" sz="1600" dirty="0"/>
+              <a:t> vs Normal API</a:t>
+            </a:r>
+          </a:p>
+          <a:p>
+            <a:pPr marL="395268" indent="-395268" defTabSz="685783" eaLnBrk="0" hangingPunct="0">
+              <a:spcAft>
+                <a:spcPts val="1200"/>
+              </a:spcAft>
+              <a:buClr>
+                <a:srgbClr val="00B0F0"/>
+              </a:buClr>
+              <a:buFont typeface="Wingdings 2" panose="05020102010507070707" pitchFamily="18" charset="2"/>
+              <a:buChar char=""/>
+            </a:pPr>
+            <a:r>
+              <a:rPr lang="en-US" sz="1600" dirty="0"/>
+              <a:t>Various Serverless Offering</a:t>
+            </a:r>
+          </a:p>
+          <a:p>
+            <a:pPr marL="395268" indent="-395268" defTabSz="685783" eaLnBrk="0" hangingPunct="0">
+              <a:spcAft>
+                <a:spcPts val="1200"/>
+              </a:spcAft>
+              <a:buClr>
+                <a:srgbClr val="00B0F0"/>
+              </a:buClr>
+              <a:buFont typeface="Wingdings 2" panose="05020102010507070707" pitchFamily="18" charset="2"/>
+              <a:buChar char=""/>
+            </a:pPr>
+            <a:r>
+              <a:rPr lang="en-US" sz="1600" dirty="0"/>
+              <a:t>Open Source Serverless Pros and Cons</a:t>
+            </a:r>
+          </a:p>
+          <a:p>
+            <a:pPr marL="395268" indent="-395268" defTabSz="685783" eaLnBrk="0" hangingPunct="0">
+              <a:spcAft>
+                <a:spcPts val="1200"/>
+              </a:spcAft>
+              <a:buClr>
+                <a:srgbClr val="00B0F0"/>
+              </a:buClr>
+              <a:buFont typeface="Wingdings 2" panose="05020102010507070707" pitchFamily="18" charset="2"/>
+              <a:buChar char=""/>
+            </a:pPr>
+            <a:r>
+              <a:rPr lang="en-US" sz="1600" dirty="0"/>
+              <a:t>Azure function 2.0 Architecture</a:t>
+            </a:r>
+          </a:p>
+          <a:p>
+            <a:pPr marL="395268" indent="-395268" defTabSz="685783" eaLnBrk="0" hangingPunct="0">
+              <a:spcAft>
+                <a:spcPts val="1200"/>
+              </a:spcAft>
+              <a:buClr>
+                <a:srgbClr val="00B0F0"/>
+              </a:buClr>
+              <a:buFont typeface="Wingdings 2" panose="05020102010507070707" pitchFamily="18" charset="2"/>
+              <a:buChar char=""/>
+            </a:pPr>
+            <a:r>
+              <a:rPr lang="en-US" sz="1600" dirty="0"/>
+              <a:t>Azure function Uniqueness</a:t>
+            </a:r>
+          </a:p>
+          <a:p>
+            <a:pPr marL="395268" indent="-395268" defTabSz="685783" eaLnBrk="0" hangingPunct="0">
+              <a:spcAft>
+                <a:spcPts val="1200"/>
+              </a:spcAft>
+              <a:buClr>
+                <a:srgbClr val="00B0F0"/>
+              </a:buClr>
+              <a:buFont typeface="Wingdings 2" panose="05020102010507070707" pitchFamily="18" charset="2"/>
+              <a:buChar char=""/>
+            </a:pPr>
+            <a:r>
+              <a:rPr lang="en-US" sz="1600" dirty="0"/>
+              <a:t>Input output binding</a:t>
+            </a:r>
+          </a:p>
+          <a:p>
+            <a:pPr marL="395268" indent="-395268" defTabSz="685783" eaLnBrk="0" hangingPunct="0">
+              <a:spcAft>
+                <a:spcPts val="1200"/>
+              </a:spcAft>
+              <a:buClr>
+                <a:srgbClr val="00B0F0"/>
+              </a:buClr>
+              <a:buFont typeface="Wingdings 2" panose="05020102010507070707" pitchFamily="18" charset="2"/>
+              <a:buChar char=""/>
+            </a:pPr>
+            <a:r>
+              <a:rPr lang="en-US" sz="1600" dirty="0"/>
+              <a:t>How to compose Function As Service</a:t>
+            </a:r>
+          </a:p>
+          <a:p>
+            <a:pPr marL="395268" indent="-395268" defTabSz="685783" eaLnBrk="0" hangingPunct="0">
+              <a:spcAft>
+                <a:spcPts val="1200"/>
+              </a:spcAft>
+              <a:buClr>
+                <a:srgbClr val="00B0F0"/>
+              </a:buClr>
+              <a:buFont typeface="Wingdings 2" panose="05020102010507070707" pitchFamily="18" charset="2"/>
+              <a:buChar char=""/>
+            </a:pPr>
+            <a:r>
+              <a:rPr lang="en-US" sz="1600" dirty="0">
+                <a:solidFill>
+                  <a:schemeClr val="accent3">
+                    <a:lumMod val="75000"/>
+                  </a:schemeClr>
+                </a:solidFill>
+              </a:rPr>
+              <a:t>Durable Function – Problem statement, Use case types, How it works</a:t>
+            </a:r>
+          </a:p>
+          <a:p>
+            <a:pPr marL="395268" indent="-395268" defTabSz="685783" eaLnBrk="0" hangingPunct="0">
+              <a:spcAft>
+                <a:spcPts val="1200"/>
+              </a:spcAft>
+              <a:buClr>
+                <a:srgbClr val="00B0F0"/>
+              </a:buClr>
+              <a:buFont typeface="Wingdings 2" panose="05020102010507070707" pitchFamily="18" charset="2"/>
+              <a:buChar char=""/>
+            </a:pPr>
+            <a:r>
+              <a:rPr lang="en-US" sz="1600" dirty="0">
+                <a:solidFill>
+                  <a:schemeClr val="accent3">
+                    <a:lumMod val="75000"/>
+                  </a:schemeClr>
+                </a:solidFill>
+              </a:rPr>
+              <a:t>Logic App Vs Durable Function</a:t>
+            </a:r>
+          </a:p>
+        </p:txBody>
+      </p:sp>
+      <p:pic>
+        <p:nvPicPr>
+          <p:cNvPr id="9" name="Picture 8"/>
+          <p:cNvPicPr>
+            <a:picLocks noChangeAspect="1"/>
+          </p:cNvPicPr>
+          <p:nvPr/>
+        </p:nvPicPr>
+        <p:blipFill>
+          <a:blip r:embed="rId3">
+            <a:extLst>
+              <a:ext uri="{28A0092B-C50C-407E-A947-70E740481C1C}">
+                <a14:useLocalDpi xmlns:a14="http://schemas.microsoft.com/office/drawing/2010/main" val="0"/>
+              </a:ext>
+            </a:extLst>
+          </a:blip>
+          <a:stretch>
+            <a:fillRect/>
+          </a:stretch>
+        </p:blipFill>
+        <p:spPr>
+          <a:xfrm>
+            <a:off x="771829" y="1483331"/>
+            <a:ext cx="2283810" cy="2176840"/>
+          </a:xfrm>
+          <a:prstGeom prst="rect">
+            <a:avLst/>
+          </a:prstGeom>
+        </p:spPr>
+      </p:pic>
+    </p:spTree>
+    <p:extLst>
+      <p:ext uri="{BB962C8B-B14F-4D97-AF65-F5344CB8AC3E}">
+        <p14:creationId xmlns:p14="http://schemas.microsoft.com/office/powerpoint/2010/main" val="1390877008"/>
+      </p:ext>
+    </p:extLst>
+  </p:cSld>
+  <p:clrMapOvr>
+    <a:masterClrMapping/>
+  </p:clrMapOvr>
+</p:sld>
+</file>
+
+<file path=ppt/slides/slide20.xml><?xml version="1.0" encoding="utf-8"?>
 <p:sld xmlns:a="http://schemas.openxmlformats.org/drawingml/2006/main" xmlns:r="http://schemas.openxmlformats.org/officeDocument/2006/relationships" xmlns:p="http://schemas.openxmlformats.org/presentationml/2006/main">
   <p:cSld>
     <p:spTree>
@@ -47167,358 +48735,7 @@
 </p:sld>
 </file>
 
-<file path=ppt/slides/slide2.xml><?xml version="1.0" encoding="utf-8"?>
-<p:sld xmlns:a="http://schemas.openxmlformats.org/drawingml/2006/main" xmlns:r="http://schemas.openxmlformats.org/officeDocument/2006/relationships" xmlns:p="http://schemas.openxmlformats.org/presentationml/2006/main" show="0">
-  <p:cSld>
-    <p:bg>
-      <p:bgPr>
-        <a:solidFill>
-          <a:schemeClr val="tx2"/>
-        </a:solidFill>
-        <a:effectLst/>
-      </p:bgPr>
-    </p:bg>
-    <p:spTree>
-      <p:nvGrpSpPr>
-        <p:cNvPr id="1" name=""/>
-        <p:cNvGrpSpPr/>
-        <p:nvPr/>
-      </p:nvGrpSpPr>
-      <p:grpSpPr>
-        <a:xfrm>
-          <a:off x="0" y="0"/>
-          <a:ext cx="0" cy="0"/>
-          <a:chOff x="0" y="0"/>
-          <a:chExt cx="0" cy="0"/>
-        </a:xfrm>
-      </p:grpSpPr>
-      <p:sp>
-        <p:nvSpPr>
-          <p:cNvPr id="2" name="Title 1"/>
-          <p:cNvSpPr>
-            <a:spLocks noGrp="1"/>
-          </p:cNvSpPr>
-          <p:nvPr>
-            <p:ph type="title"/>
-          </p:nvPr>
-        </p:nvSpPr>
-        <p:spPr/>
-        <p:txBody>
-          <a:bodyPr/>
-          <a:lstStyle/>
-          <a:p>
-            <a:r>
-              <a:rPr lang="en-US" sz="1880" dirty="0"/>
-              <a:t>Agenda</a:t>
-            </a:r>
-          </a:p>
-        </p:txBody>
-      </p:sp>
-      <p:pic>
-        <p:nvPicPr>
-          <p:cNvPr id="4" name="Picture 2" descr="D:\Surendar Works\icons and images\box_shadow[1].png"/>
-          <p:cNvPicPr>
-            <a:picLocks noChangeAspect="1" noChangeArrowheads="1"/>
-          </p:cNvPicPr>
-          <p:nvPr/>
-        </p:nvPicPr>
-        <p:blipFill>
-          <a:blip r:embed="rId2" cstate="print">
-            <a:extLst>
-              <a:ext uri="{28A0092B-C50C-407E-A947-70E740481C1C}">
-                <a14:useLocalDpi xmlns:a14="http://schemas.microsoft.com/office/drawing/2010/main" val="0"/>
-              </a:ext>
-            </a:extLst>
-          </a:blip>
-          <a:srcRect/>
-          <a:stretch>
-            <a:fillRect/>
-          </a:stretch>
-        </p:blipFill>
-        <p:spPr bwMode="auto">
-          <a:xfrm rot="5400000">
-            <a:off x="1613883" y="2248016"/>
-            <a:ext cx="3916612" cy="301372"/>
-          </a:xfrm>
-          <a:prstGeom prst="rect">
-            <a:avLst/>
-          </a:prstGeom>
-          <a:noFill/>
-          <a:extLst>
-            <a:ext uri="{909E8E84-426E-40DD-AFC4-6F175D3DCCD1}">
-              <a14:hiddenFill xmlns:a14="http://schemas.microsoft.com/office/drawing/2010/main">
-                <a:solidFill>
-                  <a:srgbClr val="FFFFFF"/>
-                </a:solidFill>
-              </a14:hiddenFill>
-            </a:ext>
-          </a:extLst>
-        </p:spPr>
-      </p:pic>
-      <p:sp>
-        <p:nvSpPr>
-          <p:cNvPr id="6" name="TextBox 5"/>
-          <p:cNvSpPr txBox="1"/>
-          <p:nvPr/>
-        </p:nvSpPr>
-        <p:spPr bwMode="auto">
-          <a:xfrm>
-            <a:off x="3965883" y="440396"/>
-            <a:ext cx="5169332" cy="4112555"/>
-          </a:xfrm>
-          <a:prstGeom prst="rect">
-            <a:avLst/>
-          </a:prstGeom>
-          <a:noFill/>
-          <a:ln w="9525">
-            <a:noFill/>
-            <a:miter lim="800000"/>
-            <a:headEnd/>
-            <a:tailEnd/>
-          </a:ln>
-        </p:spPr>
-        <p:txBody>
-          <a:bodyPr wrap="square" rtlCol="0" anchor="ctr" anchorCtr="0">
-            <a:prstTxWarp prst="textNoShape">
-              <a:avLst/>
-            </a:prstTxWarp>
-            <a:noAutofit/>
-          </a:bodyPr>
-          <a:lstStyle/>
-          <a:p>
-            <a:pPr marL="395268" indent="-395268" defTabSz="685783" eaLnBrk="0" hangingPunct="0">
-              <a:spcAft>
-                <a:spcPts val="1200"/>
-              </a:spcAft>
-              <a:buClr>
-                <a:srgbClr val="00B0F0"/>
-              </a:buClr>
-              <a:buFont typeface="Wingdings 2" panose="05020102010507070707" pitchFamily="18" charset="2"/>
-              <a:buChar char=""/>
-            </a:pPr>
-            <a:r>
-              <a:rPr lang="en-US" sz="1600" dirty="0"/>
-              <a:t>What is </a:t>
-            </a:r>
-            <a:r>
-              <a:rPr lang="en-US" sz="1600" dirty="0" err="1"/>
-              <a:t>Serverless</a:t>
-            </a:r>
-            <a:r>
-              <a:rPr lang="en-US" sz="1600" dirty="0"/>
-              <a:t> Architecture</a:t>
-            </a:r>
-          </a:p>
-          <a:p>
-            <a:pPr marL="395268" indent="-395268" defTabSz="685783" eaLnBrk="0" hangingPunct="0">
-              <a:spcAft>
-                <a:spcPts val="1200"/>
-              </a:spcAft>
-              <a:buClr>
-                <a:srgbClr val="00B0F0"/>
-              </a:buClr>
-              <a:buFont typeface="Wingdings 2" panose="05020102010507070707" pitchFamily="18" charset="2"/>
-              <a:buChar char=""/>
-            </a:pPr>
-            <a:r>
-              <a:rPr lang="en-US" sz="1600" dirty="0"/>
-              <a:t>What is charged in </a:t>
-            </a:r>
-            <a:r>
-              <a:rPr lang="en-US" sz="1600" dirty="0" err="1"/>
-              <a:t>Serverless</a:t>
-            </a:r>
-            <a:r>
-              <a:rPr lang="en-US" sz="1600" dirty="0"/>
-              <a:t> vs Normal API</a:t>
-            </a:r>
-          </a:p>
-          <a:p>
-            <a:pPr marL="395268" indent="-395268" defTabSz="685783" eaLnBrk="0" hangingPunct="0">
-              <a:spcAft>
-                <a:spcPts val="1200"/>
-              </a:spcAft>
-              <a:buClr>
-                <a:srgbClr val="00B0F0"/>
-              </a:buClr>
-              <a:buFont typeface="Wingdings 2" panose="05020102010507070707" pitchFamily="18" charset="2"/>
-              <a:buChar char=""/>
-            </a:pPr>
-            <a:r>
-              <a:rPr lang="en-US" sz="1600" dirty="0"/>
-              <a:t>Various Serverless Offering</a:t>
-            </a:r>
-          </a:p>
-          <a:p>
-            <a:pPr marL="395268" indent="-395268" defTabSz="685783" eaLnBrk="0" hangingPunct="0">
-              <a:spcAft>
-                <a:spcPts val="1200"/>
-              </a:spcAft>
-              <a:buClr>
-                <a:srgbClr val="00B0F0"/>
-              </a:buClr>
-              <a:buFont typeface="Wingdings 2" panose="05020102010507070707" pitchFamily="18" charset="2"/>
-              <a:buChar char=""/>
-            </a:pPr>
-            <a:r>
-              <a:rPr lang="en-US" sz="1600" dirty="0"/>
-              <a:t>Open Source Serverless Pros and Cons</a:t>
-            </a:r>
-          </a:p>
-          <a:p>
-            <a:pPr marL="395268" indent="-395268" defTabSz="685783" eaLnBrk="0" hangingPunct="0">
-              <a:spcAft>
-                <a:spcPts val="1200"/>
-              </a:spcAft>
-              <a:buClr>
-                <a:srgbClr val="00B0F0"/>
-              </a:buClr>
-              <a:buFont typeface="Wingdings 2" panose="05020102010507070707" pitchFamily="18" charset="2"/>
-              <a:buChar char=""/>
-            </a:pPr>
-            <a:r>
-              <a:rPr lang="en-US" sz="1600" dirty="0"/>
-              <a:t>Azure function 2.0 Architecture</a:t>
-            </a:r>
-          </a:p>
-          <a:p>
-            <a:pPr marL="395268" indent="-395268" defTabSz="685783" eaLnBrk="0" hangingPunct="0">
-              <a:spcAft>
-                <a:spcPts val="1200"/>
-              </a:spcAft>
-              <a:buClr>
-                <a:srgbClr val="00B0F0"/>
-              </a:buClr>
-              <a:buFont typeface="Wingdings 2" panose="05020102010507070707" pitchFamily="18" charset="2"/>
-              <a:buChar char=""/>
-            </a:pPr>
-            <a:r>
-              <a:rPr lang="en-US" sz="1600" dirty="0"/>
-              <a:t>Azure function Uniqueness</a:t>
-            </a:r>
-          </a:p>
-          <a:p>
-            <a:pPr marL="395268" indent="-395268" defTabSz="685783" eaLnBrk="0" hangingPunct="0">
-              <a:spcAft>
-                <a:spcPts val="1200"/>
-              </a:spcAft>
-              <a:buClr>
-                <a:srgbClr val="00B0F0"/>
-              </a:buClr>
-              <a:buFont typeface="Wingdings 2" panose="05020102010507070707" pitchFamily="18" charset="2"/>
-              <a:buChar char=""/>
-            </a:pPr>
-            <a:r>
-              <a:rPr lang="en-US" sz="1600" dirty="0"/>
-              <a:t>Input output binding</a:t>
-            </a:r>
-          </a:p>
-          <a:p>
-            <a:pPr marL="395268" indent="-395268" defTabSz="685783" eaLnBrk="0" hangingPunct="0">
-              <a:spcAft>
-                <a:spcPts val="1200"/>
-              </a:spcAft>
-              <a:buClr>
-                <a:srgbClr val="00B0F0"/>
-              </a:buClr>
-              <a:buFont typeface="Wingdings 2" panose="05020102010507070707" pitchFamily="18" charset="2"/>
-              <a:buChar char=""/>
-            </a:pPr>
-            <a:r>
-              <a:rPr lang="en-US" sz="1600" dirty="0"/>
-              <a:t>How to compose Function As Service</a:t>
-            </a:r>
-          </a:p>
-          <a:p>
-            <a:pPr marL="395268" indent="-395268" defTabSz="685783" eaLnBrk="0" hangingPunct="0">
-              <a:spcAft>
-                <a:spcPts val="1200"/>
-              </a:spcAft>
-              <a:buClr>
-                <a:srgbClr val="00B0F0"/>
-              </a:buClr>
-              <a:buFont typeface="Wingdings 2" panose="05020102010507070707" pitchFamily="18" charset="2"/>
-              <a:buChar char=""/>
-            </a:pPr>
-            <a:r>
-              <a:rPr lang="en-US" sz="1600" dirty="0">
-                <a:solidFill>
-                  <a:schemeClr val="accent3">
-                    <a:lumMod val="75000"/>
-                  </a:schemeClr>
-                </a:solidFill>
-              </a:rPr>
-              <a:t>Durable Function – Problem statement, Use case types, How it works</a:t>
-            </a:r>
-          </a:p>
-          <a:p>
-            <a:pPr marL="395268" indent="-395268" defTabSz="685783" eaLnBrk="0" hangingPunct="0">
-              <a:spcAft>
-                <a:spcPts val="1200"/>
-              </a:spcAft>
-              <a:buClr>
-                <a:srgbClr val="00B0F0"/>
-              </a:buClr>
-              <a:buFont typeface="Wingdings 2" panose="05020102010507070707" pitchFamily="18" charset="2"/>
-              <a:buChar char=""/>
-            </a:pPr>
-            <a:r>
-              <a:rPr lang="en-US" sz="1600" dirty="0">
-                <a:solidFill>
-                  <a:schemeClr val="accent3">
-                    <a:lumMod val="75000"/>
-                  </a:schemeClr>
-                </a:solidFill>
-              </a:rPr>
-              <a:t>Logic App Vs Durable Function</a:t>
-            </a:r>
-          </a:p>
-        </p:txBody>
-      </p:sp>
-      <p:pic>
-        <p:nvPicPr>
-          <p:cNvPr id="9" name="Picture 8"/>
-          <p:cNvPicPr>
-            <a:picLocks noChangeAspect="1"/>
-          </p:cNvPicPr>
-          <p:nvPr/>
-        </p:nvPicPr>
-        <p:blipFill>
-          <a:blip r:embed="rId3">
-            <a:extLst>
-              <a:ext uri="{28A0092B-C50C-407E-A947-70E740481C1C}">
-                <a14:useLocalDpi xmlns:a14="http://schemas.microsoft.com/office/drawing/2010/main" val="0"/>
-              </a:ext>
-            </a:extLst>
-          </a:blip>
-          <a:stretch>
-            <a:fillRect/>
-          </a:stretch>
-        </p:blipFill>
-        <p:spPr>
-          <a:xfrm>
-            <a:off x="771829" y="1483331"/>
-            <a:ext cx="2283810" cy="2176840"/>
-          </a:xfrm>
-          <a:prstGeom prst="rect">
-            <a:avLst/>
-          </a:prstGeom>
-        </p:spPr>
-      </p:pic>
-    </p:spTree>
-    <p:extLst>
-      <p:ext uri="{BB962C8B-B14F-4D97-AF65-F5344CB8AC3E}">
-        <p14:creationId xmlns:p14="http://schemas.microsoft.com/office/powerpoint/2010/main" val="1390877008"/>
-      </p:ext>
-    </p:extLst>
-  </p:cSld>
-  <p:clrMapOvr>
-    <a:masterClrMapping/>
-  </p:clrMapOvr>
-</p:sld>
-</file>
-
-<file path=ppt/slides/slide20.xml><?xml version="1.0" encoding="utf-8"?>
+<file path=ppt/slides/slide21.xml><?xml version="1.0" encoding="utf-8"?>
 <p:sld xmlns:a="http://schemas.openxmlformats.org/drawingml/2006/main" xmlns:r="http://schemas.openxmlformats.org/officeDocument/2006/relationships" xmlns:p="http://schemas.openxmlformats.org/presentationml/2006/main">
   <p:cSld>
     <p:spTree>
@@ -48222,7 +49439,7 @@
 </p:sld>
 </file>
 
-<file path=ppt/slides/slide21.xml><?xml version="1.0" encoding="utf-8"?>
+<file path=ppt/slides/slide22.xml><?xml version="1.0" encoding="utf-8"?>
 <p:sld xmlns:a="http://schemas.openxmlformats.org/drawingml/2006/main" xmlns:r="http://schemas.openxmlformats.org/officeDocument/2006/relationships" xmlns:p="http://schemas.openxmlformats.org/presentationml/2006/main">
   <p:cSld>
     <p:spTree>
@@ -49063,7 +50280,7 @@
 </p:sld>
 </file>
 
-<file path=ppt/slides/slide22.xml><?xml version="1.0" encoding="utf-8"?>
+<file path=ppt/slides/slide23.xml><?xml version="1.0" encoding="utf-8"?>
 <p:sld xmlns:a="http://schemas.openxmlformats.org/drawingml/2006/main" xmlns:r="http://schemas.openxmlformats.org/officeDocument/2006/relationships" xmlns:p="http://schemas.openxmlformats.org/presentationml/2006/main">
   <p:cSld>
     <p:spTree>
@@ -50056,7 +51273,7 @@
 </p:sld>
 </file>
 
-<file path=ppt/slides/slide23.xml><?xml version="1.0" encoding="utf-8"?>
+<file path=ppt/slides/slide24.xml><?xml version="1.0" encoding="utf-8"?>
 <p:sld xmlns:a="http://schemas.openxmlformats.org/drawingml/2006/main" xmlns:r="http://schemas.openxmlformats.org/officeDocument/2006/relationships" xmlns:p="http://schemas.openxmlformats.org/presentationml/2006/main">
   <p:cSld>
     <p:spTree>
@@ -51094,7 +52311,7 @@
 </p:sld>
 </file>
 
-<file path=ppt/slides/slide24.xml><?xml version="1.0" encoding="utf-8"?>
+<file path=ppt/slides/slide25.xml><?xml version="1.0" encoding="utf-8"?>
 <p:sld xmlns:a="http://schemas.openxmlformats.org/drawingml/2006/main" xmlns:r="http://schemas.openxmlformats.org/officeDocument/2006/relationships" xmlns:p="http://schemas.openxmlformats.org/presentationml/2006/main">
   <p:cSld>
     <p:spTree>
@@ -51858,7 +53075,7 @@
 </p:sld>
 </file>
 
-<file path=ppt/slides/slide25.xml><?xml version="1.0" encoding="utf-8"?>
+<file path=ppt/slides/slide26.xml><?xml version="1.0" encoding="utf-8"?>
 <p:sld xmlns:a="http://schemas.openxmlformats.org/drawingml/2006/main" xmlns:r="http://schemas.openxmlformats.org/officeDocument/2006/relationships" xmlns:p="http://schemas.openxmlformats.org/presentationml/2006/main">
   <p:cSld>
     <p:spTree>
@@ -52647,7 +53864,7 @@
 </p:sld>
 </file>
 
-<file path=ppt/slides/slide26.xml><?xml version="1.0" encoding="utf-8"?>
+<file path=ppt/slides/slide27.xml><?xml version="1.0" encoding="utf-8"?>
 <p:sld xmlns:a="http://schemas.openxmlformats.org/drawingml/2006/main" xmlns:r="http://schemas.openxmlformats.org/officeDocument/2006/relationships" xmlns:p="http://schemas.openxmlformats.org/presentationml/2006/main">
   <p:cSld>
     <p:spTree>
@@ -52742,7 +53959,7 @@
 </p:sld>
 </file>
 
-<file path=ppt/slides/slide27.xml><?xml version="1.0" encoding="utf-8"?>
+<file path=ppt/slides/slide28.xml><?xml version="1.0" encoding="utf-8"?>
 <p:sld xmlns:a="http://schemas.openxmlformats.org/drawingml/2006/main" xmlns:r="http://schemas.openxmlformats.org/officeDocument/2006/relationships" xmlns:p="http://schemas.openxmlformats.org/presentationml/2006/main">
   <p:cSld>
     <p:spTree>
@@ -54518,6 +55735,354 @@
           <p:cNvPr id="2" name="Title 1">
             <a:extLst>
               <a:ext uri="{FF2B5EF4-FFF2-40B4-BE49-F238E27FC236}">
+                <a16:creationId xmlns:a16="http://schemas.microsoft.com/office/drawing/2014/main" id="{81B6DBCC-4A5C-4797-879E-88A83E6AFEBF}"/>
+              </a:ext>
+            </a:extLst>
+          </p:cNvPr>
+          <p:cNvSpPr>
+            <a:spLocks noGrp="1"/>
+          </p:cNvSpPr>
+          <p:nvPr>
+            <p:ph type="title"/>
+          </p:nvPr>
+        </p:nvSpPr>
+        <p:spPr/>
+        <p:txBody>
+          <a:bodyPr/>
+          <a:lstStyle/>
+          <a:p>
+            <a:r>
+              <a:rPr lang="en-US" dirty="0"/>
+              <a:t>Advantage of Choosing Cloud Extension </a:t>
+            </a:r>
+            <a:r>
+              <a:rPr lang="en-US" dirty="0" err="1"/>
+              <a:t>FaaS</a:t>
+            </a:r>
+            <a:endParaRPr lang="en-US" dirty="0"/>
+          </a:p>
+        </p:txBody>
+      </p:sp>
+      <p:sp>
+        <p:nvSpPr>
+          <p:cNvPr id="3" name="Text Placeholder 2">
+            <a:extLst>
+              <a:ext uri="{FF2B5EF4-FFF2-40B4-BE49-F238E27FC236}">
+                <a16:creationId xmlns:a16="http://schemas.microsoft.com/office/drawing/2014/main" id="{E494898E-5A28-4E6B-888B-8AE97C53736E}"/>
+              </a:ext>
+            </a:extLst>
+          </p:cNvPr>
+          <p:cNvSpPr>
+            <a:spLocks noGrp="1"/>
+          </p:cNvSpPr>
+          <p:nvPr>
+            <p:ph type="body" sz="quarter" idx="13"/>
+          </p:nvPr>
+        </p:nvSpPr>
+        <p:spPr/>
+        <p:txBody>
+          <a:bodyPr>
+            <a:normAutofit lnSpcReduction="10000"/>
+          </a:bodyPr>
+          <a:lstStyle/>
+          <a:p>
+            <a:pPr marL="342900" indent="-342900">
+              <a:buFont typeface="Arial" panose="020B0604020202020204" pitchFamily="34" charset="0"/>
+              <a:buChar char="•"/>
+            </a:pPr>
+            <a:r>
+              <a:rPr lang="en-US" sz="1400" dirty="0">
+                <a:solidFill>
+                  <a:schemeClr val="accent3">
+                    <a:lumMod val="75000"/>
+                  </a:schemeClr>
+                </a:solidFill>
+              </a:rPr>
+              <a:t>If we choose any Kubernetes based </a:t>
+            </a:r>
+            <a:r>
+              <a:rPr lang="en-US" sz="1400" dirty="0" err="1">
+                <a:solidFill>
+                  <a:schemeClr val="accent3">
+                    <a:lumMod val="75000"/>
+                  </a:schemeClr>
+                </a:solidFill>
+              </a:rPr>
+              <a:t>FaaS</a:t>
+            </a:r>
+            <a:r>
+              <a:rPr lang="en-US" sz="1400" dirty="0">
+                <a:solidFill>
+                  <a:schemeClr val="accent3">
+                    <a:lumMod val="75000"/>
+                  </a:schemeClr>
+                </a:solidFill>
+              </a:rPr>
+              <a:t> then we would have to have Kubernetes on public cloud provider</a:t>
+            </a:r>
+          </a:p>
+          <a:p>
+            <a:pPr marL="342900" indent="-342900">
+              <a:buFont typeface="Arial" panose="020B0604020202020204" pitchFamily="34" charset="0"/>
+              <a:buChar char="•"/>
+            </a:pPr>
+            <a:r>
+              <a:rPr lang="en-US" sz="1400" dirty="0">
+                <a:solidFill>
+                  <a:schemeClr val="accent3">
+                    <a:lumMod val="75000"/>
+                  </a:schemeClr>
+                </a:solidFill>
+              </a:rPr>
+              <a:t>We need to ensure that the </a:t>
+            </a:r>
+            <a:r>
+              <a:rPr lang="en-US" sz="1400" dirty="0" err="1">
+                <a:solidFill>
+                  <a:schemeClr val="accent3">
+                    <a:lumMod val="75000"/>
+                  </a:schemeClr>
+                </a:solidFill>
+              </a:rPr>
+              <a:t>FaaS</a:t>
+            </a:r>
+            <a:r>
+              <a:rPr lang="en-US" sz="1400" dirty="0">
+                <a:solidFill>
+                  <a:schemeClr val="accent3">
+                    <a:lumMod val="75000"/>
+                  </a:schemeClr>
+                </a:solidFill>
+              </a:rPr>
+              <a:t> can run seamlessly in managed provider</a:t>
+            </a:r>
+          </a:p>
+          <a:p>
+            <a:pPr marL="342900" indent="-342900">
+              <a:buFont typeface="Arial" panose="020B0604020202020204" pitchFamily="34" charset="0"/>
+              <a:buChar char="•"/>
+            </a:pPr>
+            <a:r>
+              <a:rPr lang="en-US" sz="1400" dirty="0">
+                <a:solidFill>
+                  <a:schemeClr val="accent3">
+                    <a:lumMod val="75000"/>
+                  </a:schemeClr>
+                </a:solidFill>
+              </a:rPr>
+              <a:t>Every cloud provider has their home grown </a:t>
+            </a:r>
+            <a:r>
+              <a:rPr lang="en-US" sz="1400" dirty="0" err="1">
+                <a:solidFill>
+                  <a:schemeClr val="accent3">
+                    <a:lumMod val="75000"/>
+                  </a:schemeClr>
+                </a:solidFill>
+              </a:rPr>
+              <a:t>FaaS</a:t>
+            </a:r>
+            <a:r>
+              <a:rPr lang="en-US" sz="1400" dirty="0">
+                <a:solidFill>
+                  <a:schemeClr val="accent3">
+                    <a:lumMod val="75000"/>
+                  </a:schemeClr>
+                </a:solidFill>
+              </a:rPr>
+              <a:t>, which are much cheaper than the maintaining Kubernetes cluster.</a:t>
+            </a:r>
+          </a:p>
+          <a:p>
+            <a:pPr marL="342900" indent="-342900">
+              <a:buFont typeface="Arial" panose="020B0604020202020204" pitchFamily="34" charset="0"/>
+              <a:buChar char="•"/>
+            </a:pPr>
+            <a:r>
+              <a:rPr lang="en-US" sz="1400" dirty="0">
+                <a:solidFill>
+                  <a:schemeClr val="accent3">
+                    <a:lumMod val="75000"/>
+                  </a:schemeClr>
+                </a:solidFill>
+              </a:rPr>
+              <a:t>Unlike Kubernetes cluster we need not worry about patching or upgrading Kubernetes</a:t>
+            </a:r>
+          </a:p>
+          <a:p>
+            <a:pPr marL="342900" indent="-342900">
+              <a:buFont typeface="Arial" panose="020B0604020202020204" pitchFamily="34" charset="0"/>
+              <a:buChar char="•"/>
+            </a:pPr>
+            <a:r>
+              <a:rPr lang="en-US" sz="1400" dirty="0">
+                <a:solidFill>
+                  <a:schemeClr val="accent3">
+                    <a:lumMod val="75000"/>
+                  </a:schemeClr>
+                </a:solidFill>
+              </a:rPr>
+              <a:t>Security is provided OOB when we migrate to public cloud for all these </a:t>
+            </a:r>
+            <a:r>
+              <a:rPr lang="en-US" sz="1400" dirty="0" err="1">
+                <a:solidFill>
+                  <a:schemeClr val="accent3">
+                    <a:lumMod val="75000"/>
+                  </a:schemeClr>
+                </a:solidFill>
+              </a:rPr>
+              <a:t>FaaS</a:t>
+            </a:r>
+            <a:r>
+              <a:rPr lang="en-US" sz="1400" dirty="0">
+                <a:solidFill>
+                  <a:schemeClr val="accent3">
+                    <a:lumMod val="75000"/>
+                  </a:schemeClr>
+                </a:solidFill>
+              </a:rPr>
+              <a:t> against Kubernetes where we will have to configure it</a:t>
+            </a:r>
+          </a:p>
+          <a:p>
+            <a:pPr marL="342900" indent="-342900">
+              <a:buFont typeface="Arial" panose="020B0604020202020204" pitchFamily="34" charset="0"/>
+              <a:buChar char="•"/>
+            </a:pPr>
+            <a:r>
+              <a:rPr lang="en-US" sz="1400" dirty="0">
+                <a:solidFill>
+                  <a:schemeClr val="accent3">
+                    <a:lumMod val="75000"/>
+                  </a:schemeClr>
+                </a:solidFill>
+              </a:rPr>
+              <a:t>Backing services like Logging and Monitoring will be offered OOB for managed </a:t>
+            </a:r>
+            <a:r>
+              <a:rPr lang="en-US" sz="1400" dirty="0" err="1">
+                <a:solidFill>
+                  <a:schemeClr val="accent3">
+                    <a:lumMod val="75000"/>
+                  </a:schemeClr>
+                </a:solidFill>
+              </a:rPr>
+              <a:t>FaaS</a:t>
+            </a:r>
+            <a:r>
+              <a:rPr lang="en-US" sz="1400" dirty="0">
+                <a:solidFill>
+                  <a:schemeClr val="accent3">
+                    <a:lumMod val="75000"/>
+                  </a:schemeClr>
+                </a:solidFill>
+              </a:rPr>
+              <a:t> in that cloud provider rather than we working that.</a:t>
+            </a:r>
+          </a:p>
+          <a:p>
+            <a:pPr marL="342900" indent="-342900">
+              <a:buFont typeface="Arial" panose="020B0604020202020204" pitchFamily="34" charset="0"/>
+              <a:buChar char="•"/>
+            </a:pPr>
+            <a:r>
+              <a:rPr lang="en-US" sz="1400" dirty="0">
+                <a:solidFill>
+                  <a:schemeClr val="accent3">
+                    <a:lumMod val="75000"/>
+                  </a:schemeClr>
+                </a:solidFill>
+              </a:rPr>
+              <a:t>The serverless aspects like Hot start, cold start, Running on multiple nodes, state maintenance in case of orchestration will all be provided by the Public provider rather than we configuring it</a:t>
+            </a:r>
+          </a:p>
+          <a:p>
+            <a:pPr marL="342900" indent="-342900">
+              <a:buFont typeface="Arial" panose="020B0604020202020204" pitchFamily="34" charset="0"/>
+              <a:buChar char="•"/>
+            </a:pPr>
+            <a:r>
+              <a:rPr lang="en-US" sz="1400" dirty="0">
+                <a:solidFill>
+                  <a:schemeClr val="accent3">
+                    <a:lumMod val="75000"/>
+                  </a:schemeClr>
+                </a:solidFill>
+              </a:rPr>
+              <a:t>When we move to that Target cloud provider and if we have chosen the </a:t>
+            </a:r>
+            <a:r>
+              <a:rPr lang="en-US" sz="1400" dirty="0" err="1">
+                <a:solidFill>
+                  <a:schemeClr val="accent3">
+                    <a:lumMod val="75000"/>
+                  </a:schemeClr>
+                </a:solidFill>
+              </a:rPr>
+              <a:t>FaaS</a:t>
+            </a:r>
+            <a:r>
+              <a:rPr lang="en-US" sz="1400" dirty="0">
+                <a:solidFill>
+                  <a:schemeClr val="accent3">
+                    <a:lumMod val="75000"/>
+                  </a:schemeClr>
+                </a:solidFill>
+              </a:rPr>
+              <a:t> that operated on that cloud provider then it is all changing the endpoint of CD and rest is all seamless</a:t>
+            </a:r>
+          </a:p>
+          <a:p>
+            <a:pPr marL="342900" indent="-342900">
+              <a:buFont typeface="Arial" panose="020B0604020202020204" pitchFamily="34" charset="0"/>
+              <a:buChar char="•"/>
+            </a:pPr>
+            <a:endParaRPr lang="en-US" sz="1200" dirty="0">
+              <a:solidFill>
+                <a:schemeClr val="accent3">
+                  <a:lumMod val="75000"/>
+                </a:schemeClr>
+              </a:solidFill>
+            </a:endParaRPr>
+          </a:p>
+        </p:txBody>
+      </p:sp>
+    </p:spTree>
+    <p:extLst>
+      <p:ext uri="{BB962C8B-B14F-4D97-AF65-F5344CB8AC3E}">
+        <p14:creationId xmlns:p14="http://schemas.microsoft.com/office/powerpoint/2010/main" val="938516000"/>
+      </p:ext>
+    </p:extLst>
+  </p:cSld>
+  <p:clrMapOvr>
+    <a:masterClrMapping/>
+  </p:clrMapOvr>
+</p:sld>
+</file>
+
+<file path=ppt/slides/slide9.xml><?xml version="1.0" encoding="utf-8"?>
+<p:sld xmlns:a="http://schemas.openxmlformats.org/drawingml/2006/main" xmlns:r="http://schemas.openxmlformats.org/officeDocument/2006/relationships" xmlns:p="http://schemas.openxmlformats.org/presentationml/2006/main">
+  <p:cSld>
+    <p:spTree>
+      <p:nvGrpSpPr>
+        <p:cNvPr id="1" name=""/>
+        <p:cNvGrpSpPr/>
+        <p:nvPr/>
+      </p:nvGrpSpPr>
+      <p:grpSpPr>
+        <a:xfrm>
+          <a:off x="0" y="0"/>
+          <a:ext cx="0" cy="0"/>
+          <a:chOff x="0" y="0"/>
+          <a:chExt cx="0" cy="0"/>
+        </a:xfrm>
+      </p:grpSpPr>
+      <p:sp>
+        <p:nvSpPr>
+          <p:cNvPr id="2" name="Title 1">
+            <a:extLst>
+              <a:ext uri="{FF2B5EF4-FFF2-40B4-BE49-F238E27FC236}">
                 <a16:creationId xmlns:a16="http://schemas.microsoft.com/office/drawing/2014/main" id="{80D6B9E9-E589-4099-9F49-1F83C7C68912}"/>
               </a:ext>
             </a:extLst>
@@ -54628,1222 +56193,6 @@
     <p:extLst>
       <p:ext uri="{BB962C8B-B14F-4D97-AF65-F5344CB8AC3E}">
         <p14:creationId xmlns:p14="http://schemas.microsoft.com/office/powerpoint/2010/main" val="4107248312"/>
-      </p:ext>
-    </p:extLst>
-  </p:cSld>
-  <p:clrMapOvr>
-    <a:masterClrMapping/>
-  </p:clrMapOvr>
-</p:sld>
-</file>
-
-<file path=ppt/slides/slide9.xml><?xml version="1.0" encoding="utf-8"?>
-<p:sld xmlns:a="http://schemas.openxmlformats.org/drawingml/2006/main" xmlns:r="http://schemas.openxmlformats.org/officeDocument/2006/relationships" xmlns:p="http://schemas.openxmlformats.org/presentationml/2006/main">
-  <p:cSld>
-    <p:spTree>
-      <p:nvGrpSpPr>
-        <p:cNvPr id="1" name=""/>
-        <p:cNvGrpSpPr/>
-        <p:nvPr/>
-      </p:nvGrpSpPr>
-      <p:grpSpPr>
-        <a:xfrm>
-          <a:off x="0" y="0"/>
-          <a:ext cx="0" cy="0"/>
-          <a:chOff x="0" y="0"/>
-          <a:chExt cx="0" cy="0"/>
-        </a:xfrm>
-      </p:grpSpPr>
-      <p:sp>
-        <p:nvSpPr>
-          <p:cNvPr id="2" name="Title 1">
-            <a:extLst>
-              <a:ext uri="{FF2B5EF4-FFF2-40B4-BE49-F238E27FC236}">
-                <a16:creationId xmlns:a16="http://schemas.microsoft.com/office/drawing/2014/main" id="{E7A8E171-8182-4B83-A134-D8CA3A34DDB2}"/>
-              </a:ext>
-            </a:extLst>
-          </p:cNvPr>
-          <p:cNvSpPr>
-            <a:spLocks noGrp="1"/>
-          </p:cNvSpPr>
-          <p:nvPr>
-            <p:ph type="title"/>
-          </p:nvPr>
-        </p:nvSpPr>
-        <p:spPr/>
-        <p:txBody>
-          <a:bodyPr/>
-          <a:lstStyle/>
-          <a:p>
-            <a:r>
-              <a:rPr lang="en-US" dirty="0"/>
-              <a:t>Azure function 2.0 Architecture</a:t>
-            </a:r>
-          </a:p>
-        </p:txBody>
-      </p:sp>
-      <p:sp>
-        <p:nvSpPr>
-          <p:cNvPr id="4" name="Flowchart: Magnetic Disk 3">
-            <a:extLst>
-              <a:ext uri="{FF2B5EF4-FFF2-40B4-BE49-F238E27FC236}">
-                <a16:creationId xmlns:a16="http://schemas.microsoft.com/office/drawing/2014/main" id="{4AABCAF4-5610-4276-BC62-0156F6A7C980}"/>
-              </a:ext>
-            </a:extLst>
-          </p:cNvPr>
-          <p:cNvSpPr/>
-          <p:nvPr/>
-        </p:nvSpPr>
-        <p:spPr>
-          <a:xfrm>
-            <a:off x="1134679" y="697202"/>
-            <a:ext cx="6905734" cy="3452197"/>
-          </a:xfrm>
-          <a:prstGeom prst="flowChartMagneticDisk">
-            <a:avLst/>
-          </a:prstGeom>
-          <a:solidFill>
-            <a:schemeClr val="tx1"/>
-          </a:solidFill>
-          <a:ln>
-            <a:noFill/>
-          </a:ln>
-          <a:effectLst/>
-        </p:spPr>
-        <p:style>
-          <a:lnRef idx="1">
-            <a:schemeClr val="accent1"/>
-          </a:lnRef>
-          <a:fillRef idx="3">
-            <a:schemeClr val="accent1"/>
-          </a:fillRef>
-          <a:effectRef idx="2">
-            <a:schemeClr val="accent1"/>
-          </a:effectRef>
-          <a:fontRef idx="minor">
-            <a:schemeClr val="lt1"/>
-          </a:fontRef>
-        </p:style>
-        <p:txBody>
-          <a:bodyPr rtlCol="0" anchor="ctr"/>
-          <a:lstStyle/>
-          <a:p>
-            <a:pPr algn="ctr"/>
-            <a:endParaRPr lang="en-US"/>
-          </a:p>
-        </p:txBody>
-      </p:sp>
-      <p:sp>
-        <p:nvSpPr>
-          <p:cNvPr id="6" name="Flowchart: Alternate Process 5">
-            <a:extLst>
-              <a:ext uri="{FF2B5EF4-FFF2-40B4-BE49-F238E27FC236}">
-                <a16:creationId xmlns:a16="http://schemas.microsoft.com/office/drawing/2014/main" id="{B9572589-2E6F-4833-8C66-3C5E568184E4}"/>
-              </a:ext>
-            </a:extLst>
-          </p:cNvPr>
-          <p:cNvSpPr/>
-          <p:nvPr/>
-        </p:nvSpPr>
-        <p:spPr>
-          <a:xfrm>
-            <a:off x="1352369" y="3720671"/>
-            <a:ext cx="6488354" cy="336332"/>
-          </a:xfrm>
-          <a:prstGeom prst="flowChartAlternateProcess">
-            <a:avLst/>
-          </a:prstGeom>
-          <a:solidFill>
-            <a:schemeClr val="tx2">
-              <a:lumMod val="90000"/>
-              <a:lumOff val="10000"/>
-            </a:schemeClr>
-          </a:solidFill>
-          <a:ln>
-            <a:solidFill>
-              <a:schemeClr val="bg1"/>
-            </a:solidFill>
-          </a:ln>
-          <a:effectLst/>
-        </p:spPr>
-        <p:style>
-          <a:lnRef idx="1">
-            <a:schemeClr val="accent1"/>
-          </a:lnRef>
-          <a:fillRef idx="3">
-            <a:schemeClr val="accent1"/>
-          </a:fillRef>
-          <a:effectRef idx="2">
-            <a:schemeClr val="accent1"/>
-          </a:effectRef>
-          <a:fontRef idx="minor">
-            <a:schemeClr val="lt1"/>
-          </a:fontRef>
-        </p:style>
-        <p:txBody>
-          <a:bodyPr rtlCol="0" anchor="ctr"/>
-          <a:lstStyle/>
-          <a:p>
-            <a:pPr algn="ctr"/>
-            <a:r>
-              <a:rPr lang="en-US" dirty="0"/>
-              <a:t>Functions v2 runtime</a:t>
-            </a:r>
-          </a:p>
-        </p:txBody>
-      </p:sp>
-      <p:sp>
-        <p:nvSpPr>
-          <p:cNvPr id="7" name="Flowchart: Alternate Process 6">
-            <a:extLst>
-              <a:ext uri="{FF2B5EF4-FFF2-40B4-BE49-F238E27FC236}">
-                <a16:creationId xmlns:a16="http://schemas.microsoft.com/office/drawing/2014/main" id="{71D5F982-18DB-43A5-A771-DD84600F4E65}"/>
-              </a:ext>
-            </a:extLst>
-          </p:cNvPr>
-          <p:cNvSpPr/>
-          <p:nvPr/>
-        </p:nvSpPr>
-        <p:spPr>
-          <a:xfrm>
-            <a:off x="1152419" y="2634606"/>
-            <a:ext cx="6779172" cy="1086065"/>
-          </a:xfrm>
-          <a:prstGeom prst="flowChartAlternateProcess">
-            <a:avLst/>
-          </a:prstGeom>
-          <a:solidFill>
-            <a:schemeClr val="tx2">
-              <a:lumMod val="75000"/>
-              <a:lumOff val="25000"/>
-            </a:schemeClr>
-          </a:solidFill>
-          <a:ln>
-            <a:solidFill>
-              <a:schemeClr val="bg1"/>
-            </a:solidFill>
-          </a:ln>
-          <a:effectLst/>
-        </p:spPr>
-        <p:style>
-          <a:lnRef idx="1">
-            <a:schemeClr val="accent1"/>
-          </a:lnRef>
-          <a:fillRef idx="3">
-            <a:schemeClr val="accent1"/>
-          </a:fillRef>
-          <a:effectRef idx="2">
-            <a:schemeClr val="accent1"/>
-          </a:effectRef>
-          <a:fontRef idx="minor">
-            <a:schemeClr val="lt1"/>
-          </a:fontRef>
-        </p:style>
-        <p:txBody>
-          <a:bodyPr rtlCol="0" anchor="ctr"/>
-          <a:lstStyle/>
-          <a:p>
-            <a:pPr lvl="8" algn="r"/>
-            <a:endParaRPr lang="en-US" dirty="0"/>
-          </a:p>
-          <a:p>
-            <a:pPr lvl="8" algn="r"/>
-            <a:endParaRPr lang="en-US" dirty="0"/>
-          </a:p>
-          <a:p>
-            <a:pPr lvl="8" algn="r"/>
-            <a:endParaRPr lang="en-US" dirty="0"/>
-          </a:p>
-          <a:p>
-            <a:pPr lvl="8" algn="r"/>
-            <a:r>
-              <a:rPr lang="en-US" dirty="0"/>
-              <a:t>Host process</a:t>
-            </a:r>
-          </a:p>
-        </p:txBody>
-      </p:sp>
-      <p:sp>
-        <p:nvSpPr>
-          <p:cNvPr id="8" name="Flowchart: Alternate Process 7">
-            <a:extLst>
-              <a:ext uri="{FF2B5EF4-FFF2-40B4-BE49-F238E27FC236}">
-                <a16:creationId xmlns:a16="http://schemas.microsoft.com/office/drawing/2014/main" id="{BFEF1D9A-AC40-4988-8D30-B91BA710A316}"/>
-              </a:ext>
-            </a:extLst>
-          </p:cNvPr>
-          <p:cNvSpPr/>
-          <p:nvPr/>
-        </p:nvSpPr>
-        <p:spPr>
-          <a:xfrm>
-            <a:off x="1429411" y="2848312"/>
-            <a:ext cx="6411311" cy="609600"/>
-          </a:xfrm>
-          <a:prstGeom prst="flowChartAlternateProcess">
-            <a:avLst/>
-          </a:prstGeom>
-          <a:solidFill>
-            <a:schemeClr val="tx2">
-              <a:lumMod val="50000"/>
-              <a:lumOff val="50000"/>
-            </a:schemeClr>
-          </a:solidFill>
-          <a:ln>
-            <a:noFill/>
-          </a:ln>
-          <a:effectLst/>
-        </p:spPr>
-        <p:style>
-          <a:lnRef idx="1">
-            <a:schemeClr val="accent1"/>
-          </a:lnRef>
-          <a:fillRef idx="3">
-            <a:schemeClr val="accent1"/>
-          </a:fillRef>
-          <a:effectRef idx="2">
-            <a:schemeClr val="accent1"/>
-          </a:effectRef>
-          <a:fontRef idx="minor">
-            <a:schemeClr val="lt1"/>
-          </a:fontRef>
-        </p:style>
-        <p:txBody>
-          <a:bodyPr rtlCol="0" anchor="ctr"/>
-          <a:lstStyle/>
-          <a:p>
-            <a:pPr algn="r"/>
-            <a:r>
-              <a:rPr lang="en-US" dirty="0"/>
-              <a:t> Host Runtime</a:t>
-            </a:r>
-          </a:p>
-        </p:txBody>
-      </p:sp>
-      <p:sp>
-        <p:nvSpPr>
-          <p:cNvPr id="9" name="Flowchart: Alternate Process 8">
-            <a:extLst>
-              <a:ext uri="{FF2B5EF4-FFF2-40B4-BE49-F238E27FC236}">
-                <a16:creationId xmlns:a16="http://schemas.microsoft.com/office/drawing/2014/main" id="{DB641EE8-C356-4C87-8E58-F42A88EAF273}"/>
-              </a:ext>
-            </a:extLst>
-          </p:cNvPr>
-          <p:cNvSpPr/>
-          <p:nvPr/>
-        </p:nvSpPr>
-        <p:spPr>
-          <a:xfrm>
-            <a:off x="1576556" y="2895258"/>
-            <a:ext cx="1313793" cy="562654"/>
-          </a:xfrm>
-          <a:prstGeom prst="flowChartAlternateProcess">
-            <a:avLst/>
-          </a:prstGeom>
-          <a:solidFill>
-            <a:schemeClr val="tx1">
-              <a:lumMod val="50000"/>
-            </a:schemeClr>
-          </a:solidFill>
-          <a:ln>
-            <a:noFill/>
-          </a:ln>
-          <a:effectLst/>
-        </p:spPr>
-        <p:style>
-          <a:lnRef idx="1">
-            <a:schemeClr val="accent1"/>
-          </a:lnRef>
-          <a:fillRef idx="3">
-            <a:schemeClr val="accent1"/>
-          </a:fillRef>
-          <a:effectRef idx="2">
-            <a:schemeClr val="accent1"/>
-          </a:effectRef>
-          <a:fontRef idx="minor">
-            <a:schemeClr val="lt1"/>
-          </a:fontRef>
-        </p:style>
-        <p:txBody>
-          <a:bodyPr rtlCol="0" anchor="ctr"/>
-          <a:lstStyle/>
-          <a:p>
-            <a:pPr algn="ctr"/>
-            <a:r>
-              <a:rPr lang="en-US" dirty="0"/>
-              <a:t>.NET </a:t>
-            </a:r>
-          </a:p>
-          <a:p>
-            <a:pPr algn="ctr"/>
-            <a:r>
-              <a:rPr lang="en-US" dirty="0"/>
-              <a:t>(v1)</a:t>
-            </a:r>
-          </a:p>
-        </p:txBody>
-      </p:sp>
-      <p:sp>
-        <p:nvSpPr>
-          <p:cNvPr id="10" name="Flowchart: Alternate Process 9">
-            <a:extLst>
-              <a:ext uri="{FF2B5EF4-FFF2-40B4-BE49-F238E27FC236}">
-                <a16:creationId xmlns:a16="http://schemas.microsoft.com/office/drawing/2014/main" id="{0A0A4433-2F8D-401B-A001-910FB85B6A57}"/>
-              </a:ext>
-            </a:extLst>
-          </p:cNvPr>
-          <p:cNvSpPr/>
-          <p:nvPr/>
-        </p:nvSpPr>
-        <p:spPr>
-          <a:xfrm>
-            <a:off x="3275945" y="2895258"/>
-            <a:ext cx="1474731" cy="515829"/>
-          </a:xfrm>
-          <a:prstGeom prst="flowChartAlternateProcess">
-            <a:avLst/>
-          </a:prstGeom>
-          <a:solidFill>
-            <a:schemeClr val="tx1">
-              <a:lumMod val="50000"/>
-            </a:schemeClr>
-          </a:solidFill>
-          <a:ln>
-            <a:noFill/>
-          </a:ln>
-          <a:effectLst/>
-        </p:spPr>
-        <p:style>
-          <a:lnRef idx="1">
-            <a:schemeClr val="accent1"/>
-          </a:lnRef>
-          <a:fillRef idx="3">
-            <a:schemeClr val="accent1"/>
-          </a:fillRef>
-          <a:effectRef idx="2">
-            <a:schemeClr val="accent1"/>
-          </a:effectRef>
-          <a:fontRef idx="minor">
-            <a:schemeClr val="lt1"/>
-          </a:fontRef>
-        </p:style>
-        <p:txBody>
-          <a:bodyPr rtlCol="0" anchor="ctr"/>
-          <a:lstStyle/>
-          <a:p>
-            <a:pPr algn="ctr"/>
-            <a:r>
-              <a:rPr lang="en-US" dirty="0"/>
-              <a:t>.NET Core</a:t>
-            </a:r>
-          </a:p>
-          <a:p>
-            <a:pPr algn="ctr"/>
-            <a:r>
-              <a:rPr lang="en-US" dirty="0"/>
-              <a:t>(V2)</a:t>
-            </a:r>
-          </a:p>
-        </p:txBody>
-      </p:sp>
-      <p:sp>
-        <p:nvSpPr>
-          <p:cNvPr id="11" name="Flowchart: Alternate Process 10">
-            <a:extLst>
-              <a:ext uri="{FF2B5EF4-FFF2-40B4-BE49-F238E27FC236}">
-                <a16:creationId xmlns:a16="http://schemas.microsoft.com/office/drawing/2014/main" id="{63C57E02-2DE0-4FA6-8FFF-219E4D050910}"/>
-              </a:ext>
-            </a:extLst>
-          </p:cNvPr>
-          <p:cNvSpPr/>
-          <p:nvPr/>
-        </p:nvSpPr>
-        <p:spPr>
-          <a:xfrm>
-            <a:off x="1152419" y="1250731"/>
-            <a:ext cx="6887994" cy="1258163"/>
-          </a:xfrm>
-          <a:prstGeom prst="flowChartAlternateProcess">
-            <a:avLst/>
-          </a:prstGeom>
-          <a:solidFill>
-            <a:schemeClr val="bg2">
-              <a:lumMod val="50000"/>
-            </a:schemeClr>
-          </a:solidFill>
-          <a:ln>
-            <a:solidFill>
-              <a:schemeClr val="bg1"/>
-            </a:solidFill>
-          </a:ln>
-          <a:effectLst/>
-        </p:spPr>
-        <p:style>
-          <a:lnRef idx="1">
-            <a:schemeClr val="accent1"/>
-          </a:lnRef>
-          <a:fillRef idx="3">
-            <a:schemeClr val="accent1"/>
-          </a:fillRef>
-          <a:effectRef idx="2">
-            <a:schemeClr val="accent1"/>
-          </a:effectRef>
-          <a:fontRef idx="minor">
-            <a:schemeClr val="lt1"/>
-          </a:fontRef>
-        </p:style>
-        <p:txBody>
-          <a:bodyPr rtlCol="0" anchor="ctr"/>
-          <a:lstStyle/>
-          <a:p>
-            <a:pPr algn="r"/>
-            <a:endParaRPr lang="en-US" dirty="0"/>
-          </a:p>
-          <a:p>
-            <a:pPr algn="r"/>
-            <a:endParaRPr lang="en-US" dirty="0"/>
-          </a:p>
-          <a:p>
-            <a:pPr algn="r"/>
-            <a:endParaRPr lang="en-US" dirty="0"/>
-          </a:p>
-          <a:p>
-            <a:pPr lvl="1" algn="r"/>
-            <a:r>
-              <a:rPr lang="en-US" dirty="0"/>
-              <a:t>	  Language Worker</a:t>
-            </a:r>
-          </a:p>
-        </p:txBody>
-      </p:sp>
-      <p:sp>
-        <p:nvSpPr>
-          <p:cNvPr id="12" name="Flowchart: Alternate Process 11">
-            <a:extLst>
-              <a:ext uri="{FF2B5EF4-FFF2-40B4-BE49-F238E27FC236}">
-                <a16:creationId xmlns:a16="http://schemas.microsoft.com/office/drawing/2014/main" id="{CFFE734D-19B3-4BCA-8317-D280770A3965}"/>
-              </a:ext>
-            </a:extLst>
-          </p:cNvPr>
-          <p:cNvSpPr/>
-          <p:nvPr/>
-        </p:nvSpPr>
-        <p:spPr>
-          <a:xfrm>
-            <a:off x="1229708" y="1359768"/>
-            <a:ext cx="6701883" cy="759841"/>
-          </a:xfrm>
-          <a:prstGeom prst="flowChartAlternateProcess">
-            <a:avLst/>
-          </a:prstGeom>
-          <a:solidFill>
-            <a:schemeClr val="bg2">
-              <a:lumMod val="65000"/>
-            </a:schemeClr>
-          </a:solidFill>
-          <a:ln>
-            <a:solidFill>
-              <a:schemeClr val="accent2">
-                <a:lumMod val="50000"/>
-              </a:schemeClr>
-            </a:solidFill>
-          </a:ln>
-          <a:effectLst/>
-        </p:spPr>
-        <p:style>
-          <a:lnRef idx="1">
-            <a:schemeClr val="accent1"/>
-          </a:lnRef>
-          <a:fillRef idx="3">
-            <a:schemeClr val="accent1"/>
-          </a:fillRef>
-          <a:effectRef idx="2">
-            <a:schemeClr val="accent1"/>
-          </a:effectRef>
-          <a:fontRef idx="minor">
-            <a:schemeClr val="lt1"/>
-          </a:fontRef>
-        </p:style>
-        <p:txBody>
-          <a:bodyPr rtlCol="0" anchor="ctr"/>
-          <a:lstStyle/>
-          <a:p>
-            <a:pPr lvl="8" algn="ctr"/>
-            <a:endParaRPr lang="en-US" dirty="0"/>
-          </a:p>
-          <a:p>
-            <a:pPr lvl="8" algn="ctr"/>
-            <a:r>
-              <a:rPr lang="en-US" dirty="0"/>
-              <a:t>	              Function code</a:t>
-            </a:r>
-          </a:p>
-        </p:txBody>
-      </p:sp>
-      <p:sp>
-        <p:nvSpPr>
-          <p:cNvPr id="16" name="Flowchart: Alternate Process 15">
-            <a:extLst>
-              <a:ext uri="{FF2B5EF4-FFF2-40B4-BE49-F238E27FC236}">
-                <a16:creationId xmlns:a16="http://schemas.microsoft.com/office/drawing/2014/main" id="{92380E7F-DE68-4623-AEA9-4C8ACAB8E48E}"/>
-              </a:ext>
-            </a:extLst>
-          </p:cNvPr>
-          <p:cNvSpPr/>
-          <p:nvPr/>
-        </p:nvSpPr>
-        <p:spPr>
-          <a:xfrm>
-            <a:off x="4894219" y="1392847"/>
-            <a:ext cx="1359444" cy="346842"/>
-          </a:xfrm>
-          <a:prstGeom prst="flowChartAlternateProcess">
-            <a:avLst/>
-          </a:prstGeom>
-          <a:solidFill>
-            <a:schemeClr val="accent4">
-              <a:lumMod val="50000"/>
-            </a:schemeClr>
-          </a:solidFill>
-          <a:ln>
-            <a:noFill/>
-          </a:ln>
-          <a:effectLst/>
-        </p:spPr>
-        <p:style>
-          <a:lnRef idx="1">
-            <a:schemeClr val="accent1"/>
-          </a:lnRef>
-          <a:fillRef idx="3">
-            <a:schemeClr val="accent1"/>
-          </a:fillRef>
-          <a:effectRef idx="2">
-            <a:schemeClr val="accent1"/>
-          </a:effectRef>
-          <a:fontRef idx="minor">
-            <a:schemeClr val="lt1"/>
-          </a:fontRef>
-        </p:style>
-        <p:txBody>
-          <a:bodyPr rtlCol="0" anchor="ctr"/>
-          <a:lstStyle/>
-          <a:p>
-            <a:pPr algn="ctr"/>
-            <a:r>
-              <a:rPr lang="en-US" dirty="0"/>
-              <a:t>.NET core</a:t>
-            </a:r>
-          </a:p>
-        </p:txBody>
-      </p:sp>
-      <p:sp>
-        <p:nvSpPr>
-          <p:cNvPr id="18" name="Arrow: Down 17">
-            <a:extLst>
-              <a:ext uri="{FF2B5EF4-FFF2-40B4-BE49-F238E27FC236}">
-                <a16:creationId xmlns:a16="http://schemas.microsoft.com/office/drawing/2014/main" id="{71434F70-AAE0-4E68-9B2F-E84FA98F8497}"/>
-              </a:ext>
-            </a:extLst>
-          </p:cNvPr>
-          <p:cNvSpPr/>
-          <p:nvPr/>
-        </p:nvSpPr>
-        <p:spPr>
-          <a:xfrm>
-            <a:off x="5304118" y="1739689"/>
-            <a:ext cx="497930" cy="1131841"/>
-          </a:xfrm>
-          <a:prstGeom prst="downArrow">
-            <a:avLst/>
-          </a:prstGeom>
-          <a:solidFill>
-            <a:schemeClr val="accent3">
-              <a:lumMod val="50000"/>
-            </a:schemeClr>
-          </a:solidFill>
-          <a:ln>
-            <a:noFill/>
-          </a:ln>
-          <a:effectLst/>
-        </p:spPr>
-        <p:style>
-          <a:lnRef idx="1">
-            <a:schemeClr val="accent1"/>
-          </a:lnRef>
-          <a:fillRef idx="3">
-            <a:schemeClr val="accent1"/>
-          </a:fillRef>
-          <a:effectRef idx="2">
-            <a:schemeClr val="accent1"/>
-          </a:effectRef>
-          <a:fontRef idx="minor">
-            <a:schemeClr val="lt1"/>
-          </a:fontRef>
-        </p:style>
-        <p:txBody>
-          <a:bodyPr rot="0" spcFirstLastPara="0" vertOverflow="overflow" horzOverflow="overflow" vert="horz" wrap="square" lIns="91440" tIns="45720" rIns="91440" bIns="45720" numCol="1" spcCol="0" rtlCol="0" fromWordArt="0" anchor="ctr" anchorCtr="0" forceAA="0" compatLnSpc="1">
-            <a:prstTxWarp prst="textNoShape">
-              <a:avLst/>
-            </a:prstTxWarp>
-            <a:noAutofit/>
-          </a:bodyPr>
-          <a:lstStyle/>
-          <a:p>
-            <a:pPr algn="ctr"/>
-            <a:endParaRPr lang="en-US"/>
-          </a:p>
-        </p:txBody>
-      </p:sp>
-      <p:sp>
-        <p:nvSpPr>
-          <p:cNvPr id="19" name="Arrow: Down 18">
-            <a:extLst>
-              <a:ext uri="{FF2B5EF4-FFF2-40B4-BE49-F238E27FC236}">
-                <a16:creationId xmlns:a16="http://schemas.microsoft.com/office/drawing/2014/main" id="{6AD35324-9637-4695-B0BC-8256C82378D6}"/>
-              </a:ext>
-            </a:extLst>
-          </p:cNvPr>
-          <p:cNvSpPr/>
-          <p:nvPr/>
-        </p:nvSpPr>
-        <p:spPr>
-          <a:xfrm>
-            <a:off x="2897363" y="1751750"/>
-            <a:ext cx="497930" cy="1119780"/>
-          </a:xfrm>
-          <a:prstGeom prst="downArrow">
-            <a:avLst/>
-          </a:prstGeom>
-          <a:solidFill>
-            <a:schemeClr val="accent3">
-              <a:lumMod val="50000"/>
-            </a:schemeClr>
-          </a:solidFill>
-          <a:ln>
-            <a:noFill/>
-          </a:ln>
-          <a:effectLst/>
-        </p:spPr>
-        <p:style>
-          <a:lnRef idx="1">
-            <a:schemeClr val="accent1"/>
-          </a:lnRef>
-          <a:fillRef idx="3">
-            <a:schemeClr val="accent1"/>
-          </a:fillRef>
-          <a:effectRef idx="2">
-            <a:schemeClr val="accent1"/>
-          </a:effectRef>
-          <a:fontRef idx="minor">
-            <a:schemeClr val="lt1"/>
-          </a:fontRef>
-        </p:style>
-        <p:txBody>
-          <a:bodyPr rot="0" spcFirstLastPara="0" vertOverflow="overflow" horzOverflow="overflow" vert="horz" wrap="square" lIns="91440" tIns="45720" rIns="91440" bIns="45720" numCol="1" spcCol="0" rtlCol="0" fromWordArt="0" anchor="ctr" anchorCtr="0" forceAA="0" compatLnSpc="1">
-            <a:prstTxWarp prst="textNoShape">
-              <a:avLst/>
-            </a:prstTxWarp>
-            <a:noAutofit/>
-          </a:bodyPr>
-          <a:lstStyle/>
-          <a:p>
-            <a:pPr algn="ctr"/>
-            <a:endParaRPr lang="en-US"/>
-          </a:p>
-        </p:txBody>
-      </p:sp>
-      <p:sp>
-        <p:nvSpPr>
-          <p:cNvPr id="20" name="Arrow: Down 19">
-            <a:extLst>
-              <a:ext uri="{FF2B5EF4-FFF2-40B4-BE49-F238E27FC236}">
-                <a16:creationId xmlns:a16="http://schemas.microsoft.com/office/drawing/2014/main" id="{11D12455-AD5C-4445-BDEA-F806B4656CCE}"/>
-              </a:ext>
-            </a:extLst>
-          </p:cNvPr>
-          <p:cNvSpPr/>
-          <p:nvPr/>
-        </p:nvSpPr>
-        <p:spPr>
-          <a:xfrm>
-            <a:off x="4089616" y="1739689"/>
-            <a:ext cx="497930" cy="1092857"/>
-          </a:xfrm>
-          <a:prstGeom prst="downArrow">
-            <a:avLst/>
-          </a:prstGeom>
-          <a:solidFill>
-            <a:schemeClr val="accent3">
-              <a:lumMod val="50000"/>
-            </a:schemeClr>
-          </a:solidFill>
-          <a:ln>
-            <a:noFill/>
-          </a:ln>
-          <a:effectLst/>
-        </p:spPr>
-        <p:style>
-          <a:lnRef idx="1">
-            <a:schemeClr val="accent1"/>
-          </a:lnRef>
-          <a:fillRef idx="3">
-            <a:schemeClr val="accent1"/>
-          </a:fillRef>
-          <a:effectRef idx="2">
-            <a:schemeClr val="accent1"/>
-          </a:effectRef>
-          <a:fontRef idx="minor">
-            <a:schemeClr val="lt1"/>
-          </a:fontRef>
-        </p:style>
-        <p:txBody>
-          <a:bodyPr rot="0" spcFirstLastPara="0" vertOverflow="overflow" horzOverflow="overflow" vert="horz" wrap="square" lIns="91440" tIns="45720" rIns="91440" bIns="45720" numCol="1" spcCol="0" rtlCol="0" fromWordArt="0" anchor="ctr" anchorCtr="0" forceAA="0" compatLnSpc="1">
-            <a:prstTxWarp prst="textNoShape">
-              <a:avLst/>
-            </a:prstTxWarp>
-            <a:noAutofit/>
-          </a:bodyPr>
-          <a:lstStyle/>
-          <a:p>
-            <a:pPr algn="ctr"/>
-            <a:endParaRPr lang="en-US"/>
-          </a:p>
-        </p:txBody>
-      </p:sp>
-      <p:sp>
-        <p:nvSpPr>
-          <p:cNvPr id="21" name="Arrow: Down 20">
-            <a:extLst>
-              <a:ext uri="{FF2B5EF4-FFF2-40B4-BE49-F238E27FC236}">
-                <a16:creationId xmlns:a16="http://schemas.microsoft.com/office/drawing/2014/main" id="{D38386CF-E9DF-49A6-A4C3-D60EE62BFD13}"/>
-              </a:ext>
-            </a:extLst>
-          </p:cNvPr>
-          <p:cNvSpPr/>
-          <p:nvPr/>
-        </p:nvSpPr>
-        <p:spPr>
-          <a:xfrm>
-            <a:off x="1688450" y="1754706"/>
-            <a:ext cx="497930" cy="1074003"/>
-          </a:xfrm>
-          <a:prstGeom prst="downArrow">
-            <a:avLst/>
-          </a:prstGeom>
-          <a:solidFill>
-            <a:schemeClr val="accent3">
-              <a:lumMod val="50000"/>
-            </a:schemeClr>
-          </a:solidFill>
-          <a:ln>
-            <a:noFill/>
-          </a:ln>
-          <a:effectLst/>
-        </p:spPr>
-        <p:style>
-          <a:lnRef idx="1">
-            <a:schemeClr val="accent1"/>
-          </a:lnRef>
-          <a:fillRef idx="3">
-            <a:schemeClr val="accent1"/>
-          </a:fillRef>
-          <a:effectRef idx="2">
-            <a:schemeClr val="accent1"/>
-          </a:effectRef>
-          <a:fontRef idx="minor">
-            <a:schemeClr val="lt1"/>
-          </a:fontRef>
-        </p:style>
-        <p:txBody>
-          <a:bodyPr rtlCol="0" anchor="ctr"/>
-          <a:lstStyle/>
-          <a:p>
-            <a:pPr algn="ctr"/>
-            <a:endParaRPr lang="en-US"/>
-          </a:p>
-        </p:txBody>
-      </p:sp>
-      <p:sp>
-        <p:nvSpPr>
-          <p:cNvPr id="22" name="Flowchart: Alternate Process 21">
-            <a:extLst>
-              <a:ext uri="{FF2B5EF4-FFF2-40B4-BE49-F238E27FC236}">
-                <a16:creationId xmlns:a16="http://schemas.microsoft.com/office/drawing/2014/main" id="{BDFA0441-02F7-46B6-8FF5-78AB628A95F8}"/>
-              </a:ext>
-            </a:extLst>
-          </p:cNvPr>
-          <p:cNvSpPr/>
-          <p:nvPr/>
-        </p:nvSpPr>
-        <p:spPr>
-          <a:xfrm>
-            <a:off x="1357819" y="1392847"/>
-            <a:ext cx="1072054" cy="346842"/>
-          </a:xfrm>
-          <a:prstGeom prst="flowChartAlternateProcess">
-            <a:avLst/>
-          </a:prstGeom>
-          <a:solidFill>
-            <a:schemeClr val="accent4">
-              <a:lumMod val="50000"/>
-            </a:schemeClr>
-          </a:solidFill>
-          <a:ln>
-            <a:noFill/>
-          </a:ln>
-          <a:effectLst/>
-        </p:spPr>
-        <p:style>
-          <a:lnRef idx="1">
-            <a:schemeClr val="accent1"/>
-          </a:lnRef>
-          <a:fillRef idx="3">
-            <a:schemeClr val="accent1"/>
-          </a:fillRef>
-          <a:effectRef idx="2">
-            <a:schemeClr val="accent1"/>
-          </a:effectRef>
-          <a:fontRef idx="minor">
-            <a:schemeClr val="lt1"/>
-          </a:fontRef>
-        </p:style>
-        <p:txBody>
-          <a:bodyPr rtlCol="0" anchor="ctr"/>
-          <a:lstStyle/>
-          <a:p>
-            <a:pPr algn="ctr"/>
-            <a:r>
-              <a:rPr lang="en-US" dirty="0"/>
-              <a:t>Node. </a:t>
-            </a:r>
-            <a:r>
-              <a:rPr lang="en-US" dirty="0" err="1"/>
-              <a:t>js</a:t>
-            </a:r>
-            <a:endParaRPr lang="en-US" dirty="0"/>
-          </a:p>
-        </p:txBody>
-      </p:sp>
-      <p:sp>
-        <p:nvSpPr>
-          <p:cNvPr id="23" name="Flowchart: Alternate Process 22">
-            <a:extLst>
-              <a:ext uri="{FF2B5EF4-FFF2-40B4-BE49-F238E27FC236}">
-                <a16:creationId xmlns:a16="http://schemas.microsoft.com/office/drawing/2014/main" id="{74CC53E7-8DF7-4F3E-B896-2AC2F70DB939}"/>
-              </a:ext>
-            </a:extLst>
-          </p:cNvPr>
-          <p:cNvSpPr/>
-          <p:nvPr/>
-        </p:nvSpPr>
-        <p:spPr>
-          <a:xfrm>
-            <a:off x="2553865" y="1404909"/>
-            <a:ext cx="1072054" cy="346842"/>
-          </a:xfrm>
-          <a:prstGeom prst="flowChartAlternateProcess">
-            <a:avLst/>
-          </a:prstGeom>
-          <a:solidFill>
-            <a:schemeClr val="accent4">
-              <a:lumMod val="50000"/>
-            </a:schemeClr>
-          </a:solidFill>
-          <a:ln>
-            <a:noFill/>
-          </a:ln>
-          <a:effectLst/>
-        </p:spPr>
-        <p:style>
-          <a:lnRef idx="1">
-            <a:schemeClr val="accent1"/>
-          </a:lnRef>
-          <a:fillRef idx="3">
-            <a:schemeClr val="accent1"/>
-          </a:fillRef>
-          <a:effectRef idx="2">
-            <a:schemeClr val="accent1"/>
-          </a:effectRef>
-          <a:fontRef idx="minor">
-            <a:schemeClr val="lt1"/>
-          </a:fontRef>
-        </p:style>
-        <p:txBody>
-          <a:bodyPr rtlCol="0" anchor="ctr"/>
-          <a:lstStyle/>
-          <a:p>
-            <a:pPr algn="ctr"/>
-            <a:r>
-              <a:rPr lang="en-US" dirty="0"/>
-              <a:t>Java</a:t>
-            </a:r>
-          </a:p>
-        </p:txBody>
-      </p:sp>
-      <p:sp>
-        <p:nvSpPr>
-          <p:cNvPr id="24" name="Flowchart: Alternate Process 23">
-            <a:extLst>
-              <a:ext uri="{FF2B5EF4-FFF2-40B4-BE49-F238E27FC236}">
-                <a16:creationId xmlns:a16="http://schemas.microsoft.com/office/drawing/2014/main" id="{B22A28AB-4891-4655-9B85-BC0247D9DE71}"/>
-              </a:ext>
-            </a:extLst>
-          </p:cNvPr>
-          <p:cNvSpPr/>
-          <p:nvPr/>
-        </p:nvSpPr>
-        <p:spPr>
-          <a:xfrm>
-            <a:off x="3756476" y="1392847"/>
-            <a:ext cx="1072054" cy="346842"/>
-          </a:xfrm>
-          <a:prstGeom prst="flowChartAlternateProcess">
-            <a:avLst/>
-          </a:prstGeom>
-          <a:solidFill>
-            <a:schemeClr val="accent4">
-              <a:lumMod val="50000"/>
-            </a:schemeClr>
-          </a:solidFill>
-          <a:ln>
-            <a:noFill/>
-          </a:ln>
-          <a:effectLst/>
-        </p:spPr>
-        <p:style>
-          <a:lnRef idx="1">
-            <a:schemeClr val="accent1"/>
-          </a:lnRef>
-          <a:fillRef idx="3">
-            <a:schemeClr val="accent1"/>
-          </a:fillRef>
-          <a:effectRef idx="2">
-            <a:schemeClr val="accent1"/>
-          </a:effectRef>
-          <a:fontRef idx="minor">
-            <a:schemeClr val="lt1"/>
-          </a:fontRef>
-        </p:style>
-        <p:txBody>
-          <a:bodyPr rtlCol="0" anchor="ctr"/>
-          <a:lstStyle/>
-          <a:p>
-            <a:pPr algn="ctr"/>
-            <a:r>
-              <a:rPr lang="en-US" dirty="0"/>
-              <a:t>Python</a:t>
-            </a:r>
-          </a:p>
-        </p:txBody>
-      </p:sp>
-      <p:pic>
-        <p:nvPicPr>
-          <p:cNvPr id="35" name="Picture 34">
-            <a:extLst>
-              <a:ext uri="{FF2B5EF4-FFF2-40B4-BE49-F238E27FC236}">
-                <a16:creationId xmlns:a16="http://schemas.microsoft.com/office/drawing/2014/main" id="{C533E835-8253-427A-A099-0CC60765E004}"/>
-              </a:ext>
-            </a:extLst>
-          </p:cNvPr>
-          <p:cNvPicPr>
-            <a:picLocks noChangeAspect="1"/>
-          </p:cNvPicPr>
-          <p:nvPr/>
-        </p:nvPicPr>
-        <p:blipFill>
-          <a:blip r:embed="rId2">
-            <a:extLst>
-              <a:ext uri="{28A0092B-C50C-407E-A947-70E740481C1C}">
-                <a14:useLocalDpi xmlns:a14="http://schemas.microsoft.com/office/drawing/2010/main" val="0"/>
-              </a:ext>
-            </a:extLst>
-          </a:blip>
-          <a:stretch>
-            <a:fillRect/>
-          </a:stretch>
-        </p:blipFill>
-        <p:spPr>
-          <a:xfrm>
-            <a:off x="4600891" y="3985142"/>
-            <a:ext cx="1740428" cy="755925"/>
-          </a:xfrm>
-          <a:prstGeom prst="rect">
-            <a:avLst/>
-          </a:prstGeom>
-        </p:spPr>
-      </p:pic>
-      <p:pic>
-        <p:nvPicPr>
-          <p:cNvPr id="39" name="Picture 38" descr="A close up of a logo&#10;&#10;Description automatically generated">
-            <a:extLst>
-              <a:ext uri="{FF2B5EF4-FFF2-40B4-BE49-F238E27FC236}">
-                <a16:creationId xmlns:a16="http://schemas.microsoft.com/office/drawing/2014/main" id="{B77D1F60-CD89-4E93-B125-CEEB6ADD57A6}"/>
-              </a:ext>
-            </a:extLst>
-          </p:cNvPr>
-          <p:cNvPicPr>
-            <a:picLocks noChangeAspect="1"/>
-          </p:cNvPicPr>
-          <p:nvPr/>
-        </p:nvPicPr>
-        <p:blipFill>
-          <a:blip r:embed="rId3">
-            <a:extLst>
-              <a:ext uri="{28A0092B-C50C-407E-A947-70E740481C1C}">
-                <a14:useLocalDpi xmlns:a14="http://schemas.microsoft.com/office/drawing/2010/main" val="0"/>
-              </a:ext>
-            </a:extLst>
-          </a:blip>
-          <a:stretch>
-            <a:fillRect/>
-          </a:stretch>
-        </p:blipFill>
-        <p:spPr>
-          <a:xfrm>
-            <a:off x="6432187" y="4030255"/>
-            <a:ext cx="1359444" cy="709100"/>
-          </a:xfrm>
-          <a:prstGeom prst="rect">
-            <a:avLst/>
-          </a:prstGeom>
-        </p:spPr>
-      </p:pic>
-      <p:sp>
-        <p:nvSpPr>
-          <p:cNvPr id="40" name="Flowchart: Alternate Process 39">
-            <a:extLst>
-              <a:ext uri="{FF2B5EF4-FFF2-40B4-BE49-F238E27FC236}">
-                <a16:creationId xmlns:a16="http://schemas.microsoft.com/office/drawing/2014/main" id="{C021FB63-330E-4380-BB7E-8871818BCA87}"/>
-              </a:ext>
-            </a:extLst>
-          </p:cNvPr>
-          <p:cNvSpPr/>
-          <p:nvPr/>
-        </p:nvSpPr>
-        <p:spPr>
-          <a:xfrm>
-            <a:off x="1292779" y="4123552"/>
-            <a:ext cx="1390132" cy="579376"/>
-          </a:xfrm>
-          <a:prstGeom prst="flowChartAlternateProcess">
-            <a:avLst/>
-          </a:prstGeom>
-          <a:solidFill>
-            <a:schemeClr val="bg1">
-              <a:lumMod val="85000"/>
-            </a:schemeClr>
-          </a:solidFill>
-          <a:ln>
-            <a:noFill/>
-          </a:ln>
-          <a:effectLst/>
-        </p:spPr>
-        <p:style>
-          <a:lnRef idx="1">
-            <a:schemeClr val="accent1"/>
-          </a:lnRef>
-          <a:fillRef idx="3">
-            <a:schemeClr val="accent1"/>
-          </a:fillRef>
-          <a:effectRef idx="2">
-            <a:schemeClr val="accent1"/>
-          </a:effectRef>
-          <a:fontRef idx="minor">
-            <a:schemeClr val="lt1"/>
-          </a:fontRef>
-        </p:style>
-        <p:txBody>
-          <a:bodyPr rtlCol="0" anchor="ctr"/>
-          <a:lstStyle/>
-          <a:p>
-            <a:pPr algn="ctr"/>
-            <a:r>
-              <a:rPr lang="en-US" dirty="0">
-                <a:solidFill>
-                  <a:schemeClr val="tx2"/>
-                </a:solidFill>
-              </a:rPr>
-              <a:t>MAC</a:t>
-            </a:r>
-          </a:p>
-        </p:txBody>
-      </p:sp>
-      <p:pic>
-        <p:nvPicPr>
-          <p:cNvPr id="5" name="Picture 4">
-            <a:extLst>
-              <a:ext uri="{FF2B5EF4-FFF2-40B4-BE49-F238E27FC236}">
-                <a16:creationId xmlns:a16="http://schemas.microsoft.com/office/drawing/2014/main" id="{287A9EDA-2F5E-4792-851A-7BF4F358E74A}"/>
-              </a:ext>
-            </a:extLst>
-          </p:cNvPr>
-          <p:cNvPicPr>
-            <a:picLocks noChangeAspect="1"/>
-          </p:cNvPicPr>
-          <p:nvPr/>
-        </p:nvPicPr>
-        <p:blipFill>
-          <a:blip r:embed="rId4" cstate="print">
-            <a:extLst>
-              <a:ext uri="{28A0092B-C50C-407E-A947-70E740481C1C}">
-                <a14:useLocalDpi xmlns:a14="http://schemas.microsoft.com/office/drawing/2010/main" val="0"/>
-              </a:ext>
-            </a:extLst>
-          </a:blip>
-          <a:stretch>
-            <a:fillRect/>
-          </a:stretch>
-        </p:blipFill>
-        <p:spPr>
-          <a:xfrm>
-            <a:off x="2897363" y="4130413"/>
-            <a:ext cx="859113" cy="557105"/>
-          </a:xfrm>
-          <a:prstGeom prst="rect">
-            <a:avLst/>
-          </a:prstGeom>
-        </p:spPr>
-      </p:pic>
-      <p:pic>
-        <p:nvPicPr>
-          <p:cNvPr id="14" name="Picture 13">
-            <a:extLst>
-              <a:ext uri="{FF2B5EF4-FFF2-40B4-BE49-F238E27FC236}">
-                <a16:creationId xmlns:a16="http://schemas.microsoft.com/office/drawing/2014/main" id="{808FB694-649E-4F34-9EFB-A51727ECA016}"/>
-              </a:ext>
-            </a:extLst>
-          </p:cNvPr>
-          <p:cNvPicPr>
-            <a:picLocks noChangeAspect="1"/>
-          </p:cNvPicPr>
-          <p:nvPr/>
-        </p:nvPicPr>
-        <p:blipFill>
-          <a:blip r:embed="rId5">
-            <a:extLst>
-              <a:ext uri="{28A0092B-C50C-407E-A947-70E740481C1C}">
-                <a14:useLocalDpi xmlns:a14="http://schemas.microsoft.com/office/drawing/2010/main" val="0"/>
-              </a:ext>
-            </a:extLst>
-          </a:blip>
-          <a:stretch>
-            <a:fillRect/>
-          </a:stretch>
-        </p:blipFill>
-        <p:spPr>
-          <a:xfrm>
-            <a:off x="3847345" y="4123553"/>
-            <a:ext cx="859114" cy="557106"/>
-          </a:xfrm>
-          <a:prstGeom prst="rect">
-            <a:avLst/>
-          </a:prstGeom>
-        </p:spPr>
-      </p:pic>
-    </p:spTree>
-    <p:extLst>
-      <p:ext uri="{BB962C8B-B14F-4D97-AF65-F5344CB8AC3E}">
-        <p14:creationId xmlns:p14="http://schemas.microsoft.com/office/powerpoint/2010/main" val="1654665863"/>
       </p:ext>
     </p:extLst>
   </p:cSld>

--- a/Azurefunction 2.0.pptx
+++ b/Azurefunction 2.0.pptx
@@ -11,30 +11,32 @@
     <p:sldId id="262" r:id="rId5"/>
     <p:sldId id="258" r:id="rId6"/>
     <p:sldId id="257" r:id="rId7"/>
-    <p:sldId id="281" r:id="rId8"/>
-    <p:sldId id="256" r:id="rId9"/>
-    <p:sldId id="263" r:id="rId10"/>
-    <p:sldId id="287" r:id="rId11"/>
-    <p:sldId id="284" r:id="rId12"/>
-    <p:sldId id="266" r:id="rId13"/>
-    <p:sldId id="264" r:id="rId14"/>
-    <p:sldId id="265" r:id="rId15"/>
-    <p:sldId id="267" r:id="rId16"/>
-    <p:sldId id="286" r:id="rId17"/>
-    <p:sldId id="268" r:id="rId18"/>
-    <p:sldId id="269" r:id="rId19"/>
-    <p:sldId id="270" r:id="rId20"/>
-    <p:sldId id="279" r:id="rId21"/>
-    <p:sldId id="285" r:id="rId22"/>
-    <p:sldId id="271" r:id="rId23"/>
-    <p:sldId id="272" r:id="rId24"/>
-    <p:sldId id="273" r:id="rId25"/>
-    <p:sldId id="274" r:id="rId26"/>
-    <p:sldId id="275" r:id="rId27"/>
-    <p:sldId id="276" r:id="rId28"/>
-    <p:sldId id="277" r:id="rId29"/>
-    <p:sldId id="278" r:id="rId30"/>
-    <p:sldId id="282" r:id="rId31"/>
+    <p:sldId id="288" r:id="rId8"/>
+    <p:sldId id="289" r:id="rId9"/>
+    <p:sldId id="281" r:id="rId10"/>
+    <p:sldId id="256" r:id="rId11"/>
+    <p:sldId id="263" r:id="rId12"/>
+    <p:sldId id="287" r:id="rId13"/>
+    <p:sldId id="284" r:id="rId14"/>
+    <p:sldId id="266" r:id="rId15"/>
+    <p:sldId id="264" r:id="rId16"/>
+    <p:sldId id="265" r:id="rId17"/>
+    <p:sldId id="267" r:id="rId18"/>
+    <p:sldId id="286" r:id="rId19"/>
+    <p:sldId id="268" r:id="rId20"/>
+    <p:sldId id="269" r:id="rId21"/>
+    <p:sldId id="270" r:id="rId22"/>
+    <p:sldId id="279" r:id="rId23"/>
+    <p:sldId id="285" r:id="rId24"/>
+    <p:sldId id="271" r:id="rId25"/>
+    <p:sldId id="272" r:id="rId26"/>
+    <p:sldId id="273" r:id="rId27"/>
+    <p:sldId id="274" r:id="rId28"/>
+    <p:sldId id="275" r:id="rId29"/>
+    <p:sldId id="276" r:id="rId30"/>
+    <p:sldId id="277" r:id="rId31"/>
+    <p:sldId id="278" r:id="rId32"/>
+    <p:sldId id="282" r:id="rId33"/>
   </p:sldIdLst>
   <p:sldSz cx="9144000" cy="5143500" type="screen16x9"/>
   <p:notesSz cx="6858000" cy="9144000"/>
@@ -12136,6 +12138,15 @@
             <a:t>PaaS/Serverless</a:t>
           </a:r>
         </a:p>
+        <a:p>
+          <a:pPr>
+            <a:defRPr b="1"/>
+          </a:pPr>
+          <a:r>
+            <a:rPr lang="en-US" dirty="0"/>
+            <a:t>Hybrid</a:t>
+          </a:r>
+        </a:p>
       </dgm:t>
     </dgm:pt>
     <dgm:pt modelId="{CC9AE95D-15ED-4623-BB3A-F232ABF5D9C8}" type="parTrans" cxnId="{41643D6C-5056-4668-808B-5C71A892A81F}">
@@ -12168,8 +12179,8 @@
         <a:lstStyle/>
         <a:p>
           <a:r>
-            <a:rPr lang="en-US"/>
-            <a:t>Logic app</a:t>
+            <a:rPr lang="en-US" dirty="0"/>
+            <a:t>Logic app (Azure and Azure stack)</a:t>
           </a:r>
         </a:p>
       </dgm:t>
@@ -12204,8 +12215,8 @@
         <a:lstStyle/>
         <a:p>
           <a:r>
-            <a:rPr lang="en-US"/>
-            <a:t>Durable function</a:t>
+            <a:rPr lang="en-US" dirty="0"/>
+            <a:t>Durable function (run anywhere)</a:t>
           </a:r>
         </a:p>
       </dgm:t>
@@ -12452,7 +12463,7 @@
       <dgm:spPr/>
     </dgm:pt>
     <dgm:pt modelId="{62CF83BA-AC43-42E0-8836-927D0925F9D5}" type="pres">
-      <dgm:prSet presAssocID="{9EBBD448-3802-4282-84B3-A3D60D858BE7}" presName="desTx" presStyleLbl="revTx" presStyleIdx="3" presStyleCnt="6">
+      <dgm:prSet presAssocID="{9EBBD448-3802-4282-84B3-A3D60D858BE7}" presName="desTx" presStyleLbl="revTx" presStyleIdx="3" presStyleCnt="6" custScaleY="258704" custLinFactY="5038" custLinFactNeighborX="0" custLinFactNeighborY="100000">
         <dgm:presLayoutVars/>
       </dgm:prSet>
       <dgm:spPr/>
@@ -18891,8 +18902,8 @@
       </dsp:nvSpPr>
       <dsp:spPr>
         <a:xfrm>
-          <a:off x="861884" y="867589"/>
-          <a:ext cx="927281" cy="927281"/>
+          <a:off x="865377" y="871005"/>
+          <a:ext cx="926375" cy="926375"/>
         </a:xfrm>
         <a:prstGeom prst="rect">
           <a:avLst/>
@@ -18943,8 +18954,8 @@
       </dsp:nvSpPr>
       <dsp:spPr>
         <a:xfrm>
-          <a:off x="837" y="1877386"/>
-          <a:ext cx="2649375" cy="397406"/>
+          <a:off x="5171" y="1877424"/>
+          <a:ext cx="2646787" cy="446645"/>
         </a:xfrm>
         <a:prstGeom prst="rect">
           <a:avLst/>
@@ -18973,7 +18984,7 @@
         </a:bodyPr>
         <a:lstStyle/>
         <a:p>
-          <a:pPr marL="0" lvl="0" indent="0" algn="ctr" defTabSz="889000">
+          <a:pPr marL="0" lvl="0" indent="0" algn="ctr" defTabSz="622300">
             <a:lnSpc>
               <a:spcPct val="90000"/>
             </a:lnSpc>
@@ -18987,14 +18998,14 @@
             <a:defRPr b="1"/>
           </a:pPr>
           <a:r>
-            <a:rPr lang="en-US" sz="2000" kern="1200"/>
+            <a:rPr lang="en-US" sz="1400" kern="1200"/>
             <a:t>On prem</a:t>
           </a:r>
         </a:p>
       </dsp:txBody>
       <dsp:txXfrm>
-        <a:off x="837" y="1877386"/>
-        <a:ext cx="2649375" cy="397406"/>
+        <a:off x="5171" y="1877424"/>
+        <a:ext cx="2646787" cy="446645"/>
       </dsp:txXfrm>
     </dsp:sp>
     <dsp:sp modelId="{2C02CC4C-4FA0-4DFE-93A6-B77F61246208}">
@@ -19004,8 +19015,8 @@
       </dsp:nvSpPr>
       <dsp:spPr>
         <a:xfrm>
-          <a:off x="837" y="2313171"/>
-          <a:ext cx="2649375" cy="473374"/>
+          <a:off x="5171" y="2361299"/>
+          <a:ext cx="2646787" cy="371187"/>
         </a:xfrm>
         <a:prstGeom prst="rect">
           <a:avLst/>
@@ -19034,7 +19045,7 @@
         </a:bodyPr>
         <a:lstStyle/>
         <a:p>
-          <a:pPr marL="0" lvl="0" indent="0" algn="ctr" defTabSz="666750">
+          <a:pPr marL="0" lvl="0" indent="0" algn="ctr" defTabSz="488950">
             <a:lnSpc>
               <a:spcPct val="90000"/>
             </a:lnSpc>
@@ -19047,12 +19058,12 @@
             <a:buNone/>
           </a:pPr>
           <a:r>
-            <a:rPr lang="en-US" sz="1500" kern="1200"/>
+            <a:rPr lang="en-US" sz="1100" kern="1200"/>
             <a:t>Windows Workflow foundation</a:t>
           </a:r>
         </a:p>
         <a:p>
-          <a:pPr marL="0" lvl="0" indent="0" algn="ctr" defTabSz="666750">
+          <a:pPr marL="0" lvl="0" indent="0" algn="ctr" defTabSz="488950">
             <a:lnSpc>
               <a:spcPct val="90000"/>
             </a:lnSpc>
@@ -19065,14 +19076,14 @@
             <a:buNone/>
           </a:pPr>
           <a:r>
-            <a:rPr lang="en-US" sz="1500" kern="1200"/>
+            <a:rPr lang="en-US" sz="1100" kern="1200"/>
             <a:t>Biz talk</a:t>
           </a:r>
         </a:p>
       </dsp:txBody>
       <dsp:txXfrm>
-        <a:off x="837" y="2313171"/>
-        <a:ext cx="2649375" cy="473374"/>
+        <a:off x="5171" y="2361299"/>
+        <a:ext cx="2646787" cy="371187"/>
       </dsp:txXfrm>
     </dsp:sp>
     <dsp:sp modelId="{ABFC8432-99E2-4D3E-8E5C-8A00C05E9D83}">
@@ -19082,8 +19093,8 @@
       </dsp:nvSpPr>
       <dsp:spPr>
         <a:xfrm>
-          <a:off x="3974899" y="867589"/>
-          <a:ext cx="927281" cy="927281"/>
+          <a:off x="3975352" y="723733"/>
+          <a:ext cx="926375" cy="926375"/>
         </a:xfrm>
         <a:prstGeom prst="rect">
           <a:avLst/>
@@ -19137,8 +19148,8 @@
       </dsp:nvSpPr>
       <dsp:spPr>
         <a:xfrm>
-          <a:off x="3113852" y="1877386"/>
-          <a:ext cx="2649375" cy="397406"/>
+          <a:off x="3115146" y="1730152"/>
+          <a:ext cx="2646787" cy="446645"/>
         </a:xfrm>
         <a:prstGeom prst="rect">
           <a:avLst/>
@@ -19167,7 +19178,7 @@
         </a:bodyPr>
         <a:lstStyle/>
         <a:p>
-          <a:pPr marL="0" lvl="0" indent="0" algn="ctr" defTabSz="889000">
+          <a:pPr marL="0" lvl="0" indent="0" algn="ctr" defTabSz="622300">
             <a:lnSpc>
               <a:spcPct val="90000"/>
             </a:lnSpc>
@@ -19181,14 +19192,33 @@
             <a:defRPr b="1"/>
           </a:pPr>
           <a:r>
-            <a:rPr lang="en-US" sz="2000" kern="1200" dirty="0"/>
+            <a:rPr lang="en-US" sz="1400" kern="1200" dirty="0"/>
             <a:t>PaaS/Serverless</a:t>
+          </a:r>
+        </a:p>
+        <a:p>
+          <a:pPr marL="0" lvl="0" indent="0" algn="ctr" defTabSz="622300">
+            <a:lnSpc>
+              <a:spcPct val="90000"/>
+            </a:lnSpc>
+            <a:spcBef>
+              <a:spcPct val="0"/>
+            </a:spcBef>
+            <a:spcAft>
+              <a:spcPct val="35000"/>
+            </a:spcAft>
+            <a:buNone/>
+            <a:defRPr b="1"/>
+          </a:pPr>
+          <a:r>
+            <a:rPr lang="en-US" sz="1400" kern="1200" dirty="0"/>
+            <a:t>Hybrid</a:t>
           </a:r>
         </a:p>
       </dsp:txBody>
       <dsp:txXfrm>
-        <a:off x="3113852" y="1877386"/>
-        <a:ext cx="2649375" cy="397406"/>
+        <a:off x="3115146" y="1730152"/>
+        <a:ext cx="2646787" cy="446645"/>
       </dsp:txXfrm>
     </dsp:sp>
     <dsp:sp modelId="{62CF83BA-AC43-42E0-8836-927D0925F9D5}">
@@ -19198,8 +19228,8 @@
       </dsp:nvSpPr>
       <dsp:spPr>
         <a:xfrm>
-          <a:off x="3113852" y="2313171"/>
-          <a:ext cx="2649375" cy="473374"/>
+          <a:off x="3115146" y="2309370"/>
+          <a:ext cx="2646787" cy="960277"/>
         </a:xfrm>
         <a:prstGeom prst="rect">
           <a:avLst/>
@@ -19228,7 +19258,7 @@
         </a:bodyPr>
         <a:lstStyle/>
         <a:p>
-          <a:pPr marL="0" lvl="0" indent="0" algn="ctr" defTabSz="666750">
+          <a:pPr marL="0" lvl="0" indent="0" algn="ctr" defTabSz="488950">
             <a:lnSpc>
               <a:spcPct val="90000"/>
             </a:lnSpc>
@@ -19241,12 +19271,12 @@
             <a:buNone/>
           </a:pPr>
           <a:r>
-            <a:rPr lang="en-US" sz="1500" kern="1200"/>
-            <a:t>Logic app</a:t>
+            <a:rPr lang="en-US" sz="1100" kern="1200" dirty="0"/>
+            <a:t>Logic app (Azure and Azure stack)</a:t>
           </a:r>
         </a:p>
         <a:p>
-          <a:pPr marL="0" lvl="0" indent="0" algn="ctr" defTabSz="666750">
+          <a:pPr marL="0" lvl="0" indent="0" algn="ctr" defTabSz="488950">
             <a:lnSpc>
               <a:spcPct val="90000"/>
             </a:lnSpc>
@@ -19259,14 +19289,14 @@
             <a:buNone/>
           </a:pPr>
           <a:r>
-            <a:rPr lang="en-US" sz="1500" kern="1200"/>
-            <a:t>Durable function</a:t>
+            <a:rPr lang="en-US" sz="1100" kern="1200" dirty="0"/>
+            <a:t>Durable function (run anywhere)</a:t>
           </a:r>
         </a:p>
       </dsp:txBody>
       <dsp:txXfrm>
-        <a:off x="3113852" y="2313171"/>
-        <a:ext cx="2649375" cy="473374"/>
+        <a:off x="3115146" y="2309370"/>
+        <a:ext cx="2646787" cy="960277"/>
       </dsp:txXfrm>
     </dsp:sp>
     <dsp:sp modelId="{6DBD5DD5-CEB2-4277-80E6-25F5033EA6FF}">
@@ -19276,8 +19306,8 @@
       </dsp:nvSpPr>
       <dsp:spPr>
         <a:xfrm>
-          <a:off x="7087915" y="867589"/>
-          <a:ext cx="927281" cy="927281"/>
+          <a:off x="7085328" y="871005"/>
+          <a:ext cx="926375" cy="926375"/>
         </a:xfrm>
         <a:prstGeom prst="rect">
           <a:avLst/>
@@ -19331,8 +19361,8 @@
       </dsp:nvSpPr>
       <dsp:spPr>
         <a:xfrm>
-          <a:off x="6226868" y="1877386"/>
-          <a:ext cx="2649375" cy="397406"/>
+          <a:off x="6225122" y="1877424"/>
+          <a:ext cx="2646787" cy="446645"/>
         </a:xfrm>
         <a:prstGeom prst="rect">
           <a:avLst/>
@@ -19361,7 +19391,7 @@
         </a:bodyPr>
         <a:lstStyle/>
         <a:p>
-          <a:pPr marL="0" lvl="0" indent="0" algn="ctr" defTabSz="889000">
+          <a:pPr marL="0" lvl="0" indent="0" algn="ctr" defTabSz="622300">
             <a:lnSpc>
               <a:spcPct val="90000"/>
             </a:lnSpc>
@@ -19375,14 +19405,14 @@
             <a:defRPr b="1"/>
           </a:pPr>
           <a:r>
-            <a:rPr lang="en-US" sz="2000" kern="1200"/>
+            <a:rPr lang="en-US" sz="1400" kern="1200"/>
             <a:t>Software As a Service</a:t>
           </a:r>
         </a:p>
       </dsp:txBody>
       <dsp:txXfrm>
-        <a:off x="6226868" y="1877386"/>
-        <a:ext cx="2649375" cy="397406"/>
+        <a:off x="6225122" y="1877424"/>
+        <a:ext cx="2646787" cy="446645"/>
       </dsp:txXfrm>
     </dsp:sp>
     <dsp:sp modelId="{0D5B6385-193A-405F-8D4D-8951A0185040}">
@@ -19392,8 +19422,8 @@
       </dsp:nvSpPr>
       <dsp:spPr>
         <a:xfrm>
-          <a:off x="6226868" y="2313171"/>
-          <a:ext cx="2649375" cy="473374"/>
+          <a:off x="6225122" y="2361299"/>
+          <a:ext cx="2646787" cy="371187"/>
         </a:xfrm>
         <a:prstGeom prst="rect">
           <a:avLst/>
@@ -19422,7 +19452,7 @@
         </a:bodyPr>
         <a:lstStyle/>
         <a:p>
-          <a:pPr marL="0" lvl="0" indent="0" algn="ctr" defTabSz="666750">
+          <a:pPr marL="0" lvl="0" indent="0" algn="ctr" defTabSz="488950">
             <a:lnSpc>
               <a:spcPct val="90000"/>
             </a:lnSpc>
@@ -19435,12 +19465,12 @@
             <a:buNone/>
           </a:pPr>
           <a:r>
-            <a:rPr lang="en-US" sz="1500" kern="1200"/>
+            <a:rPr lang="en-US" sz="1100" kern="1200"/>
             <a:t>Biz talk service</a:t>
           </a:r>
         </a:p>
         <a:p>
-          <a:pPr marL="0" lvl="0" indent="0" algn="ctr" defTabSz="666750">
+          <a:pPr marL="0" lvl="0" indent="0" algn="ctr" defTabSz="488950">
             <a:lnSpc>
               <a:spcPct val="90000"/>
             </a:lnSpc>
@@ -19453,14 +19483,14 @@
             <a:buNone/>
           </a:pPr>
           <a:r>
-            <a:rPr lang="en-US" sz="1500" kern="1200"/>
+            <a:rPr lang="en-US" sz="1100" kern="1200"/>
             <a:t>Sharepoint</a:t>
           </a:r>
         </a:p>
       </dsp:txBody>
       <dsp:txXfrm>
-        <a:off x="6226868" y="2313171"/>
-        <a:ext cx="2649375" cy="473374"/>
+        <a:off x="6225122" y="2361299"/>
+        <a:ext cx="2646787" cy="371187"/>
       </dsp:txXfrm>
     </dsp:sp>
   </dsp:spTree>
@@ -42032,6 +42062,495 @@
           <p:cNvPr id="2" name="Title 1">
             <a:extLst>
               <a:ext uri="{FF2B5EF4-FFF2-40B4-BE49-F238E27FC236}">
+                <a16:creationId xmlns:a16="http://schemas.microsoft.com/office/drawing/2014/main" id="{81B6DBCC-4A5C-4797-879E-88A83E6AFEBF}"/>
+              </a:ext>
+            </a:extLst>
+          </p:cNvPr>
+          <p:cNvSpPr>
+            <a:spLocks noGrp="1"/>
+          </p:cNvSpPr>
+          <p:nvPr>
+            <p:ph type="title"/>
+          </p:nvPr>
+        </p:nvSpPr>
+        <p:spPr/>
+        <p:txBody>
+          <a:bodyPr/>
+          <a:lstStyle/>
+          <a:p>
+            <a:r>
+              <a:rPr lang="en-US" dirty="0"/>
+              <a:t>Advantage of Choosing Cloud Extension </a:t>
+            </a:r>
+            <a:r>
+              <a:rPr lang="en-US" dirty="0" err="1"/>
+              <a:t>FaaS</a:t>
+            </a:r>
+            <a:endParaRPr lang="en-US" dirty="0"/>
+          </a:p>
+        </p:txBody>
+      </p:sp>
+      <p:sp>
+        <p:nvSpPr>
+          <p:cNvPr id="3" name="Text Placeholder 2">
+            <a:extLst>
+              <a:ext uri="{FF2B5EF4-FFF2-40B4-BE49-F238E27FC236}">
+                <a16:creationId xmlns:a16="http://schemas.microsoft.com/office/drawing/2014/main" id="{E494898E-5A28-4E6B-888B-8AE97C53736E}"/>
+              </a:ext>
+            </a:extLst>
+          </p:cNvPr>
+          <p:cNvSpPr>
+            <a:spLocks noGrp="1"/>
+          </p:cNvSpPr>
+          <p:nvPr>
+            <p:ph type="body" sz="quarter" idx="13"/>
+          </p:nvPr>
+        </p:nvSpPr>
+        <p:spPr/>
+        <p:txBody>
+          <a:bodyPr>
+            <a:normAutofit lnSpcReduction="10000"/>
+          </a:bodyPr>
+          <a:lstStyle/>
+          <a:p>
+            <a:pPr marL="342900" indent="-342900">
+              <a:buFont typeface="Arial" panose="020B0604020202020204" pitchFamily="34" charset="0"/>
+              <a:buChar char="•"/>
+            </a:pPr>
+            <a:r>
+              <a:rPr lang="en-US" sz="1400" dirty="0">
+                <a:solidFill>
+                  <a:schemeClr val="accent3">
+                    <a:lumMod val="75000"/>
+                  </a:schemeClr>
+                </a:solidFill>
+              </a:rPr>
+              <a:t>If we choose any Kubernetes based </a:t>
+            </a:r>
+            <a:r>
+              <a:rPr lang="en-US" sz="1400" dirty="0" err="1">
+                <a:solidFill>
+                  <a:schemeClr val="accent3">
+                    <a:lumMod val="75000"/>
+                  </a:schemeClr>
+                </a:solidFill>
+              </a:rPr>
+              <a:t>FaaS</a:t>
+            </a:r>
+            <a:r>
+              <a:rPr lang="en-US" sz="1400" dirty="0">
+                <a:solidFill>
+                  <a:schemeClr val="accent3">
+                    <a:lumMod val="75000"/>
+                  </a:schemeClr>
+                </a:solidFill>
+              </a:rPr>
+              <a:t> then we would have to have Kubernetes on public cloud provider</a:t>
+            </a:r>
+          </a:p>
+          <a:p>
+            <a:pPr marL="342900" indent="-342900">
+              <a:buFont typeface="Arial" panose="020B0604020202020204" pitchFamily="34" charset="0"/>
+              <a:buChar char="•"/>
+            </a:pPr>
+            <a:r>
+              <a:rPr lang="en-US" sz="1400" dirty="0">
+                <a:solidFill>
+                  <a:schemeClr val="accent3">
+                    <a:lumMod val="75000"/>
+                  </a:schemeClr>
+                </a:solidFill>
+              </a:rPr>
+              <a:t>We need to ensure that the </a:t>
+            </a:r>
+            <a:r>
+              <a:rPr lang="en-US" sz="1400" dirty="0" err="1">
+                <a:solidFill>
+                  <a:schemeClr val="accent3">
+                    <a:lumMod val="75000"/>
+                  </a:schemeClr>
+                </a:solidFill>
+              </a:rPr>
+              <a:t>FaaS</a:t>
+            </a:r>
+            <a:r>
+              <a:rPr lang="en-US" sz="1400" dirty="0">
+                <a:solidFill>
+                  <a:schemeClr val="accent3">
+                    <a:lumMod val="75000"/>
+                  </a:schemeClr>
+                </a:solidFill>
+              </a:rPr>
+              <a:t> can run seamlessly in managed provider</a:t>
+            </a:r>
+          </a:p>
+          <a:p>
+            <a:pPr marL="342900" indent="-342900">
+              <a:buFont typeface="Arial" panose="020B0604020202020204" pitchFamily="34" charset="0"/>
+              <a:buChar char="•"/>
+            </a:pPr>
+            <a:r>
+              <a:rPr lang="en-US" sz="1400" dirty="0">
+                <a:solidFill>
+                  <a:schemeClr val="accent3">
+                    <a:lumMod val="75000"/>
+                  </a:schemeClr>
+                </a:solidFill>
+              </a:rPr>
+              <a:t>Every cloud provider has their home grown </a:t>
+            </a:r>
+            <a:r>
+              <a:rPr lang="en-US" sz="1400" dirty="0" err="1">
+                <a:solidFill>
+                  <a:schemeClr val="accent3">
+                    <a:lumMod val="75000"/>
+                  </a:schemeClr>
+                </a:solidFill>
+              </a:rPr>
+              <a:t>FaaS</a:t>
+            </a:r>
+            <a:r>
+              <a:rPr lang="en-US" sz="1400" dirty="0">
+                <a:solidFill>
+                  <a:schemeClr val="accent3">
+                    <a:lumMod val="75000"/>
+                  </a:schemeClr>
+                </a:solidFill>
+              </a:rPr>
+              <a:t>, which are much cheaper than the maintaining Kubernetes cluster.</a:t>
+            </a:r>
+          </a:p>
+          <a:p>
+            <a:pPr marL="342900" indent="-342900">
+              <a:buFont typeface="Arial" panose="020B0604020202020204" pitchFamily="34" charset="0"/>
+              <a:buChar char="•"/>
+            </a:pPr>
+            <a:r>
+              <a:rPr lang="en-US" sz="1400" dirty="0">
+                <a:solidFill>
+                  <a:schemeClr val="accent3">
+                    <a:lumMod val="75000"/>
+                  </a:schemeClr>
+                </a:solidFill>
+              </a:rPr>
+              <a:t>Unlike Kubernetes cluster we need not worry about patching or upgrading Kubernetes</a:t>
+            </a:r>
+          </a:p>
+          <a:p>
+            <a:pPr marL="342900" indent="-342900">
+              <a:buFont typeface="Arial" panose="020B0604020202020204" pitchFamily="34" charset="0"/>
+              <a:buChar char="•"/>
+            </a:pPr>
+            <a:r>
+              <a:rPr lang="en-US" sz="1400" dirty="0">
+                <a:solidFill>
+                  <a:schemeClr val="accent3">
+                    <a:lumMod val="75000"/>
+                  </a:schemeClr>
+                </a:solidFill>
+              </a:rPr>
+              <a:t>Security is provided OOB when we migrate to public cloud for all these </a:t>
+            </a:r>
+            <a:r>
+              <a:rPr lang="en-US" sz="1400" dirty="0" err="1">
+                <a:solidFill>
+                  <a:schemeClr val="accent3">
+                    <a:lumMod val="75000"/>
+                  </a:schemeClr>
+                </a:solidFill>
+              </a:rPr>
+              <a:t>FaaS</a:t>
+            </a:r>
+            <a:r>
+              <a:rPr lang="en-US" sz="1400" dirty="0">
+                <a:solidFill>
+                  <a:schemeClr val="accent3">
+                    <a:lumMod val="75000"/>
+                  </a:schemeClr>
+                </a:solidFill>
+              </a:rPr>
+              <a:t> against Kubernetes where we will have to configure it</a:t>
+            </a:r>
+          </a:p>
+          <a:p>
+            <a:pPr marL="342900" indent="-342900">
+              <a:buFont typeface="Arial" panose="020B0604020202020204" pitchFamily="34" charset="0"/>
+              <a:buChar char="•"/>
+            </a:pPr>
+            <a:r>
+              <a:rPr lang="en-US" sz="1400" dirty="0">
+                <a:solidFill>
+                  <a:schemeClr val="accent3">
+                    <a:lumMod val="75000"/>
+                  </a:schemeClr>
+                </a:solidFill>
+              </a:rPr>
+              <a:t>Backing services like Logging and Monitoring will be offered OOB for managed </a:t>
+            </a:r>
+            <a:r>
+              <a:rPr lang="en-US" sz="1400" dirty="0" err="1">
+                <a:solidFill>
+                  <a:schemeClr val="accent3">
+                    <a:lumMod val="75000"/>
+                  </a:schemeClr>
+                </a:solidFill>
+              </a:rPr>
+              <a:t>FaaS</a:t>
+            </a:r>
+            <a:r>
+              <a:rPr lang="en-US" sz="1400" dirty="0">
+                <a:solidFill>
+                  <a:schemeClr val="accent3">
+                    <a:lumMod val="75000"/>
+                  </a:schemeClr>
+                </a:solidFill>
+              </a:rPr>
+              <a:t> in that cloud provider rather than we working that.</a:t>
+            </a:r>
+          </a:p>
+          <a:p>
+            <a:pPr marL="342900" indent="-342900">
+              <a:buFont typeface="Arial" panose="020B0604020202020204" pitchFamily="34" charset="0"/>
+              <a:buChar char="•"/>
+            </a:pPr>
+            <a:r>
+              <a:rPr lang="en-US" sz="1400" dirty="0">
+                <a:solidFill>
+                  <a:schemeClr val="accent3">
+                    <a:lumMod val="75000"/>
+                  </a:schemeClr>
+                </a:solidFill>
+              </a:rPr>
+              <a:t>The serverless aspects like Hot start, cold start, Running on multiple nodes, state maintenance in case of orchestration will all be provided by the Public provider rather than we configuring it</a:t>
+            </a:r>
+          </a:p>
+          <a:p>
+            <a:pPr marL="342900" indent="-342900">
+              <a:buFont typeface="Arial" panose="020B0604020202020204" pitchFamily="34" charset="0"/>
+              <a:buChar char="•"/>
+            </a:pPr>
+            <a:r>
+              <a:rPr lang="en-US" sz="1400" dirty="0">
+                <a:solidFill>
+                  <a:schemeClr val="accent3">
+                    <a:lumMod val="75000"/>
+                  </a:schemeClr>
+                </a:solidFill>
+              </a:rPr>
+              <a:t>When we move to that Target cloud provider and if we have chosen the </a:t>
+            </a:r>
+            <a:r>
+              <a:rPr lang="en-US" sz="1400" dirty="0" err="1">
+                <a:solidFill>
+                  <a:schemeClr val="accent3">
+                    <a:lumMod val="75000"/>
+                  </a:schemeClr>
+                </a:solidFill>
+              </a:rPr>
+              <a:t>FaaS</a:t>
+            </a:r>
+            <a:r>
+              <a:rPr lang="en-US" sz="1400" dirty="0">
+                <a:solidFill>
+                  <a:schemeClr val="accent3">
+                    <a:lumMod val="75000"/>
+                  </a:schemeClr>
+                </a:solidFill>
+              </a:rPr>
+              <a:t> that operated on that cloud provider then it is all changing the endpoint of CD and rest is all seamless</a:t>
+            </a:r>
+          </a:p>
+          <a:p>
+            <a:pPr marL="342900" indent="-342900">
+              <a:buFont typeface="Arial" panose="020B0604020202020204" pitchFamily="34" charset="0"/>
+              <a:buChar char="•"/>
+            </a:pPr>
+            <a:endParaRPr lang="en-US" sz="1200" dirty="0">
+              <a:solidFill>
+                <a:schemeClr val="accent3">
+                  <a:lumMod val="75000"/>
+                </a:schemeClr>
+              </a:solidFill>
+            </a:endParaRPr>
+          </a:p>
+        </p:txBody>
+      </p:sp>
+    </p:spTree>
+    <p:extLst>
+      <p:ext uri="{BB962C8B-B14F-4D97-AF65-F5344CB8AC3E}">
+        <p14:creationId xmlns:p14="http://schemas.microsoft.com/office/powerpoint/2010/main" val="938516000"/>
+      </p:ext>
+    </p:extLst>
+  </p:cSld>
+  <p:clrMapOvr>
+    <a:masterClrMapping/>
+  </p:clrMapOvr>
+</p:sld>
+</file>
+
+<file path=ppt/slides/slide11.xml><?xml version="1.0" encoding="utf-8"?>
+<p:sld xmlns:a="http://schemas.openxmlformats.org/drawingml/2006/main" xmlns:r="http://schemas.openxmlformats.org/officeDocument/2006/relationships" xmlns:p="http://schemas.openxmlformats.org/presentationml/2006/main">
+  <p:cSld>
+    <p:spTree>
+      <p:nvGrpSpPr>
+        <p:cNvPr id="1" name=""/>
+        <p:cNvGrpSpPr/>
+        <p:nvPr/>
+      </p:nvGrpSpPr>
+      <p:grpSpPr>
+        <a:xfrm>
+          <a:off x="0" y="0"/>
+          <a:ext cx="0" cy="0"/>
+          <a:chOff x="0" y="0"/>
+          <a:chExt cx="0" cy="0"/>
+        </a:xfrm>
+      </p:grpSpPr>
+      <p:sp>
+        <p:nvSpPr>
+          <p:cNvPr id="2" name="Title 1">
+            <a:extLst>
+              <a:ext uri="{FF2B5EF4-FFF2-40B4-BE49-F238E27FC236}">
+                <a16:creationId xmlns:a16="http://schemas.microsoft.com/office/drawing/2014/main" id="{80D6B9E9-E589-4099-9F49-1F83C7C68912}"/>
+              </a:ext>
+            </a:extLst>
+          </p:cNvPr>
+          <p:cNvSpPr>
+            <a:spLocks noGrp="1"/>
+          </p:cNvSpPr>
+          <p:nvPr>
+            <p:ph type="title"/>
+          </p:nvPr>
+        </p:nvSpPr>
+        <p:spPr/>
+        <p:txBody>
+          <a:bodyPr/>
+          <a:lstStyle/>
+          <a:p>
+            <a:r>
+              <a:rPr lang="en-US" dirty="0"/>
+              <a:t>Deep Dive</a:t>
+            </a:r>
+          </a:p>
+        </p:txBody>
+      </p:sp>
+      <p:sp>
+        <p:nvSpPr>
+          <p:cNvPr id="3" name="Text Placeholder 2">
+            <a:extLst>
+              <a:ext uri="{FF2B5EF4-FFF2-40B4-BE49-F238E27FC236}">
+                <a16:creationId xmlns:a16="http://schemas.microsoft.com/office/drawing/2014/main" id="{D55E326D-0884-4153-8C80-2C276A0FCA75}"/>
+              </a:ext>
+            </a:extLst>
+          </p:cNvPr>
+          <p:cNvSpPr>
+            <a:spLocks noGrp="1"/>
+          </p:cNvSpPr>
+          <p:nvPr>
+            <p:ph type="body" sz="quarter" idx="13"/>
+          </p:nvPr>
+        </p:nvSpPr>
+        <p:spPr>
+          <a:xfrm>
+            <a:off x="314858" y="994478"/>
+            <a:ext cx="5318687" cy="3280567"/>
+          </a:xfrm>
+        </p:spPr>
+        <p:txBody>
+          <a:bodyPr>
+            <a:normAutofit fontScale="85000" lnSpcReduction="10000"/>
+          </a:bodyPr>
+          <a:lstStyle/>
+          <a:p>
+            <a:pPr>
+              <a:spcBef>
+                <a:spcPct val="0"/>
+              </a:spcBef>
+            </a:pPr>
+            <a:r>
+              <a:rPr lang="en-US" sz="6600" dirty="0">
+                <a:solidFill>
+                  <a:srgbClr val="4CB4D1"/>
+                </a:solidFill>
+                <a:latin typeface="+mj-lt"/>
+                <a:ea typeface="+mj-ea"/>
+                <a:cs typeface="+mj-cs"/>
+              </a:rPr>
+              <a:t>Here we Deep Dive one option i.e. Azure Function 2.0</a:t>
+            </a:r>
+          </a:p>
+        </p:txBody>
+      </p:sp>
+      <p:pic>
+        <p:nvPicPr>
+          <p:cNvPr id="7" name="Picture 6" descr="A close up of a sign&#10;&#10;Description automatically generated">
+            <a:extLst>
+              <a:ext uri="{FF2B5EF4-FFF2-40B4-BE49-F238E27FC236}">
+                <a16:creationId xmlns:a16="http://schemas.microsoft.com/office/drawing/2014/main" id="{95E0806D-5EE2-43AF-BAEF-914672C9129F}"/>
+              </a:ext>
+            </a:extLst>
+          </p:cNvPr>
+          <p:cNvPicPr>
+            <a:picLocks noChangeAspect="1"/>
+          </p:cNvPicPr>
+          <p:nvPr/>
+        </p:nvPicPr>
+        <p:blipFill>
+          <a:blip r:embed="rId2">
+            <a:extLst>
+              <a:ext uri="{28A0092B-C50C-407E-A947-70E740481C1C}">
+                <a14:useLocalDpi xmlns:a14="http://schemas.microsoft.com/office/drawing/2010/main" val="0"/>
+              </a:ext>
+            </a:extLst>
+          </a:blip>
+          <a:stretch>
+            <a:fillRect/>
+          </a:stretch>
+        </p:blipFill>
+        <p:spPr>
+          <a:xfrm>
+            <a:off x="5818822" y="697202"/>
+            <a:ext cx="3010320" cy="3477110"/>
+          </a:xfrm>
+          <a:prstGeom prst="rect">
+            <a:avLst/>
+          </a:prstGeom>
+        </p:spPr>
+      </p:pic>
+    </p:spTree>
+    <p:extLst>
+      <p:ext uri="{BB962C8B-B14F-4D97-AF65-F5344CB8AC3E}">
+        <p14:creationId xmlns:p14="http://schemas.microsoft.com/office/powerpoint/2010/main" val="4107248312"/>
+      </p:ext>
+    </p:extLst>
+  </p:cSld>
+  <p:clrMapOvr>
+    <a:masterClrMapping/>
+  </p:clrMapOvr>
+</p:sld>
+</file>
+
+<file path=ppt/slides/slide12.xml><?xml version="1.0" encoding="utf-8"?>
+<p:sld xmlns:a="http://schemas.openxmlformats.org/drawingml/2006/main" xmlns:r="http://schemas.openxmlformats.org/officeDocument/2006/relationships" xmlns:p="http://schemas.openxmlformats.org/presentationml/2006/main">
+  <p:cSld>
+    <p:spTree>
+      <p:nvGrpSpPr>
+        <p:cNvPr id="1" name=""/>
+        <p:cNvGrpSpPr/>
+        <p:nvPr/>
+      </p:nvGrpSpPr>
+      <p:grpSpPr>
+        <a:xfrm>
+          <a:off x="0" y="0"/>
+          <a:ext cx="0" cy="0"/>
+          <a:chOff x="0" y="0"/>
+          <a:chExt cx="0" cy="0"/>
+        </a:xfrm>
+      </p:grpSpPr>
+      <p:sp>
+        <p:nvSpPr>
+          <p:cNvPr id="2" name="Title 1">
+            <a:extLst>
+              <a:ext uri="{FF2B5EF4-FFF2-40B4-BE49-F238E27FC236}">
                 <a16:creationId xmlns:a16="http://schemas.microsoft.com/office/drawing/2014/main" id="{E7A8E171-8182-4B83-A134-D8CA3A34DDB2}"/>
               </a:ext>
             </a:extLst>
@@ -43226,7 +43745,7 @@
 </p:sld>
 </file>
 
-<file path=ppt/slides/slide11.xml><?xml version="1.0" encoding="utf-8"?>
+<file path=ppt/slides/slide13.xml><?xml version="1.0" encoding="utf-8"?>
 <p:sld xmlns:a="http://schemas.openxmlformats.org/drawingml/2006/main" xmlns:r="http://schemas.openxmlformats.org/officeDocument/2006/relationships" xmlns:p="http://schemas.openxmlformats.org/presentationml/2006/main">
   <p:cSld>
     <p:spTree>
@@ -43314,7 +43833,7 @@
 </p:sld>
 </file>
 
-<file path=ppt/slides/slide12.xml><?xml version="1.0" encoding="utf-8"?>
+<file path=ppt/slides/slide14.xml><?xml version="1.0" encoding="utf-8"?>
 <p:sld xmlns:a="http://schemas.openxmlformats.org/drawingml/2006/main" xmlns:r="http://schemas.openxmlformats.org/officeDocument/2006/relationships" xmlns:p="http://schemas.openxmlformats.org/presentationml/2006/main">
   <p:cSld>
     <p:spTree>
@@ -43402,7 +43921,7 @@
 </p:sld>
 </file>
 
-<file path=ppt/slides/slide13.xml><?xml version="1.0" encoding="utf-8"?>
+<file path=ppt/slides/slide15.xml><?xml version="1.0" encoding="utf-8"?>
 <p:sld xmlns:a="http://schemas.openxmlformats.org/drawingml/2006/main" xmlns:r="http://schemas.openxmlformats.org/officeDocument/2006/relationships" xmlns:p="http://schemas.openxmlformats.org/presentationml/2006/main">
   <p:cSld>
     <p:spTree>
@@ -43490,7 +44009,7 @@
 </p:sld>
 </file>
 
-<file path=ppt/slides/slide14.xml><?xml version="1.0" encoding="utf-8"?>
+<file path=ppt/slides/slide16.xml><?xml version="1.0" encoding="utf-8"?>
 <p:sld xmlns:a="http://schemas.openxmlformats.org/drawingml/2006/main" xmlns:r="http://schemas.openxmlformats.org/officeDocument/2006/relationships" xmlns:p="http://schemas.openxmlformats.org/presentationml/2006/main">
   <p:cSld>
     <p:spTree>
@@ -43655,7 +44174,7 @@
 </p:sld>
 </file>
 
-<file path=ppt/slides/slide15.xml><?xml version="1.0" encoding="utf-8"?>
+<file path=ppt/slides/slide17.xml><?xml version="1.0" encoding="utf-8"?>
 <p:sld xmlns:a="http://schemas.openxmlformats.org/drawingml/2006/main" xmlns:r="http://schemas.openxmlformats.org/officeDocument/2006/relationships" xmlns:p="http://schemas.openxmlformats.org/presentationml/2006/main">
   <p:cSld>
     <p:spTree>
@@ -43852,7 +44371,7 @@
 </p:sld>
 </file>
 
-<file path=ppt/slides/slide16.xml><?xml version="1.0" encoding="utf-8"?>
+<file path=ppt/slides/slide18.xml><?xml version="1.0" encoding="utf-8"?>
 <p:sld xmlns:a="http://schemas.openxmlformats.org/drawingml/2006/main" xmlns:r="http://schemas.openxmlformats.org/officeDocument/2006/relationships" xmlns:p="http://schemas.openxmlformats.org/presentationml/2006/main">
   <p:cSld>
     <p:spTree>
@@ -44854,7 +45373,7 @@
 </p:sld>
 </file>
 
-<file path=ppt/slides/slide17.xml><?xml version="1.0" encoding="utf-8"?>
+<file path=ppt/slides/slide19.xml><?xml version="1.0" encoding="utf-8"?>
 <p:sld xmlns:a="http://schemas.openxmlformats.org/drawingml/2006/main" xmlns:r="http://schemas.openxmlformats.org/officeDocument/2006/relationships" xmlns:p="http://schemas.openxmlformats.org/presentationml/2006/main">
   <p:cSld>
     <p:spTree>
@@ -47506,178 +48025,6 @@
 </p:sld>
 </file>
 
-<file path=ppt/slides/slide18.xml><?xml version="1.0" encoding="utf-8"?>
-<p:sld xmlns:a="http://schemas.openxmlformats.org/drawingml/2006/main" xmlns:r="http://schemas.openxmlformats.org/officeDocument/2006/relationships" xmlns:p="http://schemas.openxmlformats.org/presentationml/2006/main">
-  <p:cSld>
-    <p:spTree>
-      <p:nvGrpSpPr>
-        <p:cNvPr id="1" name=""/>
-        <p:cNvGrpSpPr/>
-        <p:nvPr/>
-      </p:nvGrpSpPr>
-      <p:grpSpPr>
-        <a:xfrm>
-          <a:off x="0" y="0"/>
-          <a:ext cx="0" cy="0"/>
-          <a:chOff x="0" y="0"/>
-          <a:chExt cx="0" cy="0"/>
-        </a:xfrm>
-      </p:grpSpPr>
-      <p:sp>
-        <p:nvSpPr>
-          <p:cNvPr id="2" name="Title 1">
-            <a:extLst>
-              <a:ext uri="{FF2B5EF4-FFF2-40B4-BE49-F238E27FC236}">
-                <a16:creationId xmlns:a16="http://schemas.microsoft.com/office/drawing/2014/main" id="{DBD7C877-0C94-4EC0-A8BC-8E0E2EDB94B4}"/>
-              </a:ext>
-            </a:extLst>
-          </p:cNvPr>
-          <p:cNvSpPr>
-            <a:spLocks noGrp="1"/>
-          </p:cNvSpPr>
-          <p:nvPr>
-            <p:ph type="title"/>
-          </p:nvPr>
-        </p:nvSpPr>
-        <p:spPr/>
-        <p:txBody>
-          <a:bodyPr/>
-          <a:lstStyle/>
-          <a:p>
-            <a:r>
-              <a:rPr lang="en-US" dirty="0"/>
-              <a:t>Characteristics of Workflow tool</a:t>
-            </a:r>
-          </a:p>
-        </p:txBody>
-      </p:sp>
-      <p:graphicFrame>
-        <p:nvGraphicFramePr>
-          <p:cNvPr id="4" name="Content Placeholder 4">
-            <a:extLst>
-              <a:ext uri="{FF2B5EF4-FFF2-40B4-BE49-F238E27FC236}">
-                <a16:creationId xmlns:a16="http://schemas.microsoft.com/office/drawing/2014/main" id="{C522297E-A062-49E0-8963-E38A950ADF33}"/>
-              </a:ext>
-            </a:extLst>
-          </p:cNvPr>
-          <p:cNvGraphicFramePr>
-            <a:graphicFrameLocks/>
-          </p:cNvGraphicFramePr>
-          <p:nvPr>
-            <p:extLst/>
-          </p:nvPr>
-        </p:nvGraphicFramePr>
-        <p:xfrm>
-          <a:off x="-720944" y="792162"/>
-          <a:ext cx="9864944" cy="3821402"/>
-        </p:xfrm>
-        <a:graphic>
-          <a:graphicData uri="http://schemas.openxmlformats.org/drawingml/2006/diagram">
-            <dgm:relIds xmlns:dgm="http://schemas.openxmlformats.org/drawingml/2006/diagram" xmlns:r="http://schemas.openxmlformats.org/officeDocument/2006/relationships" r:dm="rId2" r:lo="rId3" r:qs="rId4" r:cs="rId5"/>
-          </a:graphicData>
-        </a:graphic>
-      </p:graphicFrame>
-    </p:spTree>
-    <p:extLst>
-      <p:ext uri="{BB962C8B-B14F-4D97-AF65-F5344CB8AC3E}">
-        <p14:creationId xmlns:p14="http://schemas.microsoft.com/office/powerpoint/2010/main" val="66687695"/>
-      </p:ext>
-    </p:extLst>
-  </p:cSld>
-  <p:clrMapOvr>
-    <a:masterClrMapping/>
-  </p:clrMapOvr>
-</p:sld>
-</file>
-
-<file path=ppt/slides/slide19.xml><?xml version="1.0" encoding="utf-8"?>
-<p:sld xmlns:a="http://schemas.openxmlformats.org/drawingml/2006/main" xmlns:r="http://schemas.openxmlformats.org/officeDocument/2006/relationships" xmlns:p="http://schemas.openxmlformats.org/presentationml/2006/main">
-  <p:cSld>
-    <p:spTree>
-      <p:nvGrpSpPr>
-        <p:cNvPr id="1" name=""/>
-        <p:cNvGrpSpPr/>
-        <p:nvPr/>
-      </p:nvGrpSpPr>
-      <p:grpSpPr>
-        <a:xfrm>
-          <a:off x="0" y="0"/>
-          <a:ext cx="0" cy="0"/>
-          <a:chOff x="0" y="0"/>
-          <a:chExt cx="0" cy="0"/>
-        </a:xfrm>
-      </p:grpSpPr>
-      <p:sp>
-        <p:nvSpPr>
-          <p:cNvPr id="2" name="Title 1">
-            <a:extLst>
-              <a:ext uri="{FF2B5EF4-FFF2-40B4-BE49-F238E27FC236}">
-                <a16:creationId xmlns:a16="http://schemas.microsoft.com/office/drawing/2014/main" id="{3046C1C6-B5AC-47CD-818F-608C070AC754}"/>
-              </a:ext>
-            </a:extLst>
-          </p:cNvPr>
-          <p:cNvSpPr>
-            <a:spLocks noGrp="1"/>
-          </p:cNvSpPr>
-          <p:nvPr>
-            <p:ph type="title"/>
-          </p:nvPr>
-        </p:nvSpPr>
-        <p:spPr/>
-        <p:txBody>
-          <a:bodyPr/>
-          <a:lstStyle/>
-          <a:p>
-            <a:r>
-              <a:rPr lang="en-US" dirty="0"/>
-              <a:t>Microsoft Workflow Offering</a:t>
-            </a:r>
-          </a:p>
-        </p:txBody>
-      </p:sp>
-      <p:graphicFrame>
-        <p:nvGraphicFramePr>
-          <p:cNvPr id="4" name="Content Placeholder 4">
-            <a:extLst>
-              <a:ext uri="{FF2B5EF4-FFF2-40B4-BE49-F238E27FC236}">
-                <a16:creationId xmlns:a16="http://schemas.microsoft.com/office/drawing/2014/main" id="{F469BC48-3AF8-4BA2-B4D7-449F75C2ECBD}"/>
-              </a:ext>
-            </a:extLst>
-          </p:cNvPr>
-          <p:cNvGraphicFramePr>
-            <a:graphicFrameLocks/>
-          </p:cNvGraphicFramePr>
-          <p:nvPr>
-            <p:extLst>
-              <p:ext uri="{D42A27DB-BD31-4B8C-83A1-F6EECF244321}">
-                <p14:modId xmlns:p14="http://schemas.microsoft.com/office/powerpoint/2010/main" val="2817352416"/>
-              </p:ext>
-            </p:extLst>
-          </p:nvPr>
-        </p:nvGraphicFramePr>
-        <p:xfrm>
-          <a:off x="98315" y="697202"/>
-          <a:ext cx="8877081" cy="3654136"/>
-        </p:xfrm>
-        <a:graphic>
-          <a:graphicData uri="http://schemas.openxmlformats.org/drawingml/2006/diagram">
-            <dgm:relIds xmlns:dgm="http://schemas.openxmlformats.org/drawingml/2006/diagram" xmlns:r="http://schemas.openxmlformats.org/officeDocument/2006/relationships" r:dm="rId2" r:lo="rId3" r:qs="rId4" r:cs="rId5"/>
-          </a:graphicData>
-        </a:graphic>
-      </p:graphicFrame>
-    </p:spTree>
-    <p:extLst>
-      <p:ext uri="{BB962C8B-B14F-4D97-AF65-F5344CB8AC3E}">
-        <p14:creationId xmlns:p14="http://schemas.microsoft.com/office/powerpoint/2010/main" val="1771910672"/>
-      </p:ext>
-    </p:extLst>
-  </p:cSld>
-  <p:clrMapOvr>
-    <a:masterClrMapping/>
-  </p:clrMapOvr>
-</p:sld>
-</file>
-
 <file path=ppt/slides/slide2.xml><?xml version="1.0" encoding="utf-8"?>
 <p:sld xmlns:a="http://schemas.openxmlformats.org/drawingml/2006/main" xmlns:r="http://schemas.openxmlformats.org/officeDocument/2006/relationships" xmlns:p="http://schemas.openxmlformats.org/presentationml/2006/main" show="0">
   <p:cSld>
@@ -48030,6 +48377,178 @@
 </file>
 
 <file path=ppt/slides/slide20.xml><?xml version="1.0" encoding="utf-8"?>
+<p:sld xmlns:a="http://schemas.openxmlformats.org/drawingml/2006/main" xmlns:r="http://schemas.openxmlformats.org/officeDocument/2006/relationships" xmlns:p="http://schemas.openxmlformats.org/presentationml/2006/main">
+  <p:cSld>
+    <p:spTree>
+      <p:nvGrpSpPr>
+        <p:cNvPr id="1" name=""/>
+        <p:cNvGrpSpPr/>
+        <p:nvPr/>
+      </p:nvGrpSpPr>
+      <p:grpSpPr>
+        <a:xfrm>
+          <a:off x="0" y="0"/>
+          <a:ext cx="0" cy="0"/>
+          <a:chOff x="0" y="0"/>
+          <a:chExt cx="0" cy="0"/>
+        </a:xfrm>
+      </p:grpSpPr>
+      <p:sp>
+        <p:nvSpPr>
+          <p:cNvPr id="2" name="Title 1">
+            <a:extLst>
+              <a:ext uri="{FF2B5EF4-FFF2-40B4-BE49-F238E27FC236}">
+                <a16:creationId xmlns:a16="http://schemas.microsoft.com/office/drawing/2014/main" id="{DBD7C877-0C94-4EC0-A8BC-8E0E2EDB94B4}"/>
+              </a:ext>
+            </a:extLst>
+          </p:cNvPr>
+          <p:cNvSpPr>
+            <a:spLocks noGrp="1"/>
+          </p:cNvSpPr>
+          <p:nvPr>
+            <p:ph type="title"/>
+          </p:nvPr>
+        </p:nvSpPr>
+        <p:spPr/>
+        <p:txBody>
+          <a:bodyPr/>
+          <a:lstStyle/>
+          <a:p>
+            <a:r>
+              <a:rPr lang="en-US" dirty="0"/>
+              <a:t>Characteristics of Workflow tool</a:t>
+            </a:r>
+          </a:p>
+        </p:txBody>
+      </p:sp>
+      <p:graphicFrame>
+        <p:nvGraphicFramePr>
+          <p:cNvPr id="4" name="Content Placeholder 4">
+            <a:extLst>
+              <a:ext uri="{FF2B5EF4-FFF2-40B4-BE49-F238E27FC236}">
+                <a16:creationId xmlns:a16="http://schemas.microsoft.com/office/drawing/2014/main" id="{C522297E-A062-49E0-8963-E38A950ADF33}"/>
+              </a:ext>
+            </a:extLst>
+          </p:cNvPr>
+          <p:cNvGraphicFramePr>
+            <a:graphicFrameLocks/>
+          </p:cNvGraphicFramePr>
+          <p:nvPr>
+            <p:extLst/>
+          </p:nvPr>
+        </p:nvGraphicFramePr>
+        <p:xfrm>
+          <a:off x="-720944" y="792162"/>
+          <a:ext cx="9864944" cy="3821402"/>
+        </p:xfrm>
+        <a:graphic>
+          <a:graphicData uri="http://schemas.openxmlformats.org/drawingml/2006/diagram">
+            <dgm:relIds xmlns:dgm="http://schemas.openxmlformats.org/drawingml/2006/diagram" xmlns:r="http://schemas.openxmlformats.org/officeDocument/2006/relationships" r:dm="rId2" r:lo="rId3" r:qs="rId4" r:cs="rId5"/>
+          </a:graphicData>
+        </a:graphic>
+      </p:graphicFrame>
+    </p:spTree>
+    <p:extLst>
+      <p:ext uri="{BB962C8B-B14F-4D97-AF65-F5344CB8AC3E}">
+        <p14:creationId xmlns:p14="http://schemas.microsoft.com/office/powerpoint/2010/main" val="66687695"/>
+      </p:ext>
+    </p:extLst>
+  </p:cSld>
+  <p:clrMapOvr>
+    <a:masterClrMapping/>
+  </p:clrMapOvr>
+</p:sld>
+</file>
+
+<file path=ppt/slides/slide21.xml><?xml version="1.0" encoding="utf-8"?>
+<p:sld xmlns:a="http://schemas.openxmlformats.org/drawingml/2006/main" xmlns:r="http://schemas.openxmlformats.org/officeDocument/2006/relationships" xmlns:p="http://schemas.openxmlformats.org/presentationml/2006/main">
+  <p:cSld>
+    <p:spTree>
+      <p:nvGrpSpPr>
+        <p:cNvPr id="1" name=""/>
+        <p:cNvGrpSpPr/>
+        <p:nvPr/>
+      </p:nvGrpSpPr>
+      <p:grpSpPr>
+        <a:xfrm>
+          <a:off x="0" y="0"/>
+          <a:ext cx="0" cy="0"/>
+          <a:chOff x="0" y="0"/>
+          <a:chExt cx="0" cy="0"/>
+        </a:xfrm>
+      </p:grpSpPr>
+      <p:sp>
+        <p:nvSpPr>
+          <p:cNvPr id="2" name="Title 1">
+            <a:extLst>
+              <a:ext uri="{FF2B5EF4-FFF2-40B4-BE49-F238E27FC236}">
+                <a16:creationId xmlns:a16="http://schemas.microsoft.com/office/drawing/2014/main" id="{3046C1C6-B5AC-47CD-818F-608C070AC754}"/>
+              </a:ext>
+            </a:extLst>
+          </p:cNvPr>
+          <p:cNvSpPr>
+            <a:spLocks noGrp="1"/>
+          </p:cNvSpPr>
+          <p:nvPr>
+            <p:ph type="title"/>
+          </p:nvPr>
+        </p:nvSpPr>
+        <p:spPr/>
+        <p:txBody>
+          <a:bodyPr/>
+          <a:lstStyle/>
+          <a:p>
+            <a:r>
+              <a:rPr lang="en-US" dirty="0"/>
+              <a:t>Microsoft Workflow Offering</a:t>
+            </a:r>
+          </a:p>
+        </p:txBody>
+      </p:sp>
+      <p:graphicFrame>
+        <p:nvGraphicFramePr>
+          <p:cNvPr id="4" name="Content Placeholder 4">
+            <a:extLst>
+              <a:ext uri="{FF2B5EF4-FFF2-40B4-BE49-F238E27FC236}">
+                <a16:creationId xmlns:a16="http://schemas.microsoft.com/office/drawing/2014/main" id="{F469BC48-3AF8-4BA2-B4D7-449F75C2ECBD}"/>
+              </a:ext>
+            </a:extLst>
+          </p:cNvPr>
+          <p:cNvGraphicFramePr>
+            <a:graphicFrameLocks/>
+          </p:cNvGraphicFramePr>
+          <p:nvPr>
+            <p:extLst>
+              <p:ext uri="{D42A27DB-BD31-4B8C-83A1-F6EECF244321}">
+                <p14:modId xmlns:p14="http://schemas.microsoft.com/office/powerpoint/2010/main" val="2439389762"/>
+              </p:ext>
+            </p:extLst>
+          </p:nvPr>
+        </p:nvGraphicFramePr>
+        <p:xfrm>
+          <a:off x="98315" y="697202"/>
+          <a:ext cx="8877081" cy="3603493"/>
+        </p:xfrm>
+        <a:graphic>
+          <a:graphicData uri="http://schemas.openxmlformats.org/drawingml/2006/diagram">
+            <dgm:relIds xmlns:dgm="http://schemas.openxmlformats.org/drawingml/2006/diagram" xmlns:r="http://schemas.openxmlformats.org/officeDocument/2006/relationships" r:dm="rId2" r:lo="rId3" r:qs="rId4" r:cs="rId5"/>
+          </a:graphicData>
+        </a:graphic>
+      </p:graphicFrame>
+    </p:spTree>
+    <p:extLst>
+      <p:ext uri="{BB962C8B-B14F-4D97-AF65-F5344CB8AC3E}">
+        <p14:creationId xmlns:p14="http://schemas.microsoft.com/office/powerpoint/2010/main" val="1771910672"/>
+      </p:ext>
+    </p:extLst>
+  </p:cSld>
+  <p:clrMapOvr>
+    <a:masterClrMapping/>
+  </p:clrMapOvr>
+</p:sld>
+</file>
+
+<file path=ppt/slides/slide22.xml><?xml version="1.0" encoding="utf-8"?>
 <p:sld xmlns:a="http://schemas.openxmlformats.org/drawingml/2006/main" xmlns:r="http://schemas.openxmlformats.org/officeDocument/2006/relationships" xmlns:p="http://schemas.openxmlformats.org/presentationml/2006/main">
   <p:cSld>
     <p:spTree>
@@ -48735,7 +49254,7 @@
 </p:sld>
 </file>
 
-<file path=ppt/slides/slide21.xml><?xml version="1.0" encoding="utf-8"?>
+<file path=ppt/slides/slide23.xml><?xml version="1.0" encoding="utf-8"?>
 <p:sld xmlns:a="http://schemas.openxmlformats.org/drawingml/2006/main" xmlns:r="http://schemas.openxmlformats.org/officeDocument/2006/relationships" xmlns:p="http://schemas.openxmlformats.org/presentationml/2006/main">
   <p:cSld>
     <p:spTree>
@@ -49439,7 +49958,7 @@
 </p:sld>
 </file>
 
-<file path=ppt/slides/slide22.xml><?xml version="1.0" encoding="utf-8"?>
+<file path=ppt/slides/slide24.xml><?xml version="1.0" encoding="utf-8"?>
 <p:sld xmlns:a="http://schemas.openxmlformats.org/drawingml/2006/main" xmlns:r="http://schemas.openxmlformats.org/officeDocument/2006/relationships" xmlns:p="http://schemas.openxmlformats.org/presentationml/2006/main">
   <p:cSld>
     <p:spTree>
@@ -50280,7 +50799,7 @@
 </p:sld>
 </file>
 
-<file path=ppt/slides/slide23.xml><?xml version="1.0" encoding="utf-8"?>
+<file path=ppt/slides/slide25.xml><?xml version="1.0" encoding="utf-8"?>
 <p:sld xmlns:a="http://schemas.openxmlformats.org/drawingml/2006/main" xmlns:r="http://schemas.openxmlformats.org/officeDocument/2006/relationships" xmlns:p="http://schemas.openxmlformats.org/presentationml/2006/main">
   <p:cSld>
     <p:spTree>
@@ -51273,7 +51792,7 @@
 </p:sld>
 </file>
 
-<file path=ppt/slides/slide24.xml><?xml version="1.0" encoding="utf-8"?>
+<file path=ppt/slides/slide26.xml><?xml version="1.0" encoding="utf-8"?>
 <p:sld xmlns:a="http://schemas.openxmlformats.org/drawingml/2006/main" xmlns:r="http://schemas.openxmlformats.org/officeDocument/2006/relationships" xmlns:p="http://schemas.openxmlformats.org/presentationml/2006/main">
   <p:cSld>
     <p:spTree>
@@ -52311,7 +52830,7 @@
 </p:sld>
 </file>
 
-<file path=ppt/slides/slide25.xml><?xml version="1.0" encoding="utf-8"?>
+<file path=ppt/slides/slide27.xml><?xml version="1.0" encoding="utf-8"?>
 <p:sld xmlns:a="http://schemas.openxmlformats.org/drawingml/2006/main" xmlns:r="http://schemas.openxmlformats.org/officeDocument/2006/relationships" xmlns:p="http://schemas.openxmlformats.org/presentationml/2006/main">
   <p:cSld>
     <p:spTree>
@@ -53075,7 +53594,7 @@
 </p:sld>
 </file>
 
-<file path=ppt/slides/slide26.xml><?xml version="1.0" encoding="utf-8"?>
+<file path=ppt/slides/slide28.xml><?xml version="1.0" encoding="utf-8"?>
 <p:sld xmlns:a="http://schemas.openxmlformats.org/drawingml/2006/main" xmlns:r="http://schemas.openxmlformats.org/officeDocument/2006/relationships" xmlns:p="http://schemas.openxmlformats.org/presentationml/2006/main">
   <p:cSld>
     <p:spTree>
@@ -53864,7 +54383,7 @@
 </p:sld>
 </file>
 
-<file path=ppt/slides/slide27.xml><?xml version="1.0" encoding="utf-8"?>
+<file path=ppt/slides/slide29.xml><?xml version="1.0" encoding="utf-8"?>
 <p:sld xmlns:a="http://schemas.openxmlformats.org/drawingml/2006/main" xmlns:r="http://schemas.openxmlformats.org/officeDocument/2006/relationships" xmlns:p="http://schemas.openxmlformats.org/presentationml/2006/main">
   <p:cSld>
     <p:spTree>
@@ -53950,88 +54469,6 @@
     <p:extLst>
       <p:ext uri="{BB962C8B-B14F-4D97-AF65-F5344CB8AC3E}">
         <p14:creationId xmlns:p14="http://schemas.microsoft.com/office/powerpoint/2010/main" val="619441149"/>
-      </p:ext>
-    </p:extLst>
-  </p:cSld>
-  <p:clrMapOvr>
-    <a:masterClrMapping/>
-  </p:clrMapOvr>
-</p:sld>
-</file>
-
-<file path=ppt/slides/slide28.xml><?xml version="1.0" encoding="utf-8"?>
-<p:sld xmlns:a="http://schemas.openxmlformats.org/drawingml/2006/main" xmlns:r="http://schemas.openxmlformats.org/officeDocument/2006/relationships" xmlns:p="http://schemas.openxmlformats.org/presentationml/2006/main">
-  <p:cSld>
-    <p:spTree>
-      <p:nvGrpSpPr>
-        <p:cNvPr id="1" name=""/>
-        <p:cNvGrpSpPr/>
-        <p:nvPr/>
-      </p:nvGrpSpPr>
-      <p:grpSpPr>
-        <a:xfrm>
-          <a:off x="0" y="0"/>
-          <a:ext cx="0" cy="0"/>
-          <a:chOff x="0" y="0"/>
-          <a:chExt cx="0" cy="0"/>
-        </a:xfrm>
-      </p:grpSpPr>
-      <p:sp>
-        <p:nvSpPr>
-          <p:cNvPr id="2" name="Title 1">
-            <a:extLst>
-              <a:ext uri="{FF2B5EF4-FFF2-40B4-BE49-F238E27FC236}">
-                <a16:creationId xmlns:a16="http://schemas.microsoft.com/office/drawing/2014/main" id="{3ACD2938-7A08-458E-935F-7EB591411F49}"/>
-              </a:ext>
-            </a:extLst>
-          </p:cNvPr>
-          <p:cNvSpPr>
-            <a:spLocks noGrp="1"/>
-          </p:cNvSpPr>
-          <p:nvPr>
-            <p:ph type="title"/>
-          </p:nvPr>
-        </p:nvSpPr>
-        <p:spPr/>
-        <p:txBody>
-          <a:bodyPr>
-            <a:normAutofit fontScale="90000"/>
-          </a:bodyPr>
-          <a:lstStyle/>
-          <a:p>
-            <a:endParaRPr lang="en-US"/>
-          </a:p>
-        </p:txBody>
-      </p:sp>
-      <p:sp>
-        <p:nvSpPr>
-          <p:cNvPr id="3" name="Text Placeholder 2">
-            <a:extLst>
-              <a:ext uri="{FF2B5EF4-FFF2-40B4-BE49-F238E27FC236}">
-                <a16:creationId xmlns:a16="http://schemas.microsoft.com/office/drawing/2014/main" id="{89359490-6802-4655-BF44-AAA93DAD3150}"/>
-              </a:ext>
-            </a:extLst>
-          </p:cNvPr>
-          <p:cNvSpPr>
-            <a:spLocks noGrp="1"/>
-          </p:cNvSpPr>
-          <p:nvPr>
-            <p:ph type="body" sz="quarter" idx="10"/>
-          </p:nvPr>
-        </p:nvSpPr>
-        <p:spPr/>
-        <p:txBody>
-          <a:bodyPr/>
-          <a:lstStyle/>
-          <a:p>
-            <a:endParaRPr lang="en-US"/>
-          </a:p>
-        </p:txBody>
-      </p:sp>
-    </p:spTree>
-    <p:extLst>
-      <p:ext uri="{BB962C8B-B14F-4D97-AF65-F5344CB8AC3E}">
-        <p14:creationId xmlns:p14="http://schemas.microsoft.com/office/powerpoint/2010/main" val="24759531"/>
       </p:ext>
     </p:extLst>
   </p:cSld>
@@ -54134,6 +54571,88 @@
     <p:extLst>
       <p:ext uri="{BB962C8B-B14F-4D97-AF65-F5344CB8AC3E}">
         <p14:creationId xmlns:p14="http://schemas.microsoft.com/office/powerpoint/2010/main" val="902957614"/>
+      </p:ext>
+    </p:extLst>
+  </p:cSld>
+  <p:clrMapOvr>
+    <a:masterClrMapping/>
+  </p:clrMapOvr>
+</p:sld>
+</file>
+
+<file path=ppt/slides/slide30.xml><?xml version="1.0" encoding="utf-8"?>
+<p:sld xmlns:a="http://schemas.openxmlformats.org/drawingml/2006/main" xmlns:r="http://schemas.openxmlformats.org/officeDocument/2006/relationships" xmlns:p="http://schemas.openxmlformats.org/presentationml/2006/main">
+  <p:cSld>
+    <p:spTree>
+      <p:nvGrpSpPr>
+        <p:cNvPr id="1" name=""/>
+        <p:cNvGrpSpPr/>
+        <p:nvPr/>
+      </p:nvGrpSpPr>
+      <p:grpSpPr>
+        <a:xfrm>
+          <a:off x="0" y="0"/>
+          <a:ext cx="0" cy="0"/>
+          <a:chOff x="0" y="0"/>
+          <a:chExt cx="0" cy="0"/>
+        </a:xfrm>
+      </p:grpSpPr>
+      <p:sp>
+        <p:nvSpPr>
+          <p:cNvPr id="2" name="Title 1">
+            <a:extLst>
+              <a:ext uri="{FF2B5EF4-FFF2-40B4-BE49-F238E27FC236}">
+                <a16:creationId xmlns:a16="http://schemas.microsoft.com/office/drawing/2014/main" id="{3ACD2938-7A08-458E-935F-7EB591411F49}"/>
+              </a:ext>
+            </a:extLst>
+          </p:cNvPr>
+          <p:cNvSpPr>
+            <a:spLocks noGrp="1"/>
+          </p:cNvSpPr>
+          <p:nvPr>
+            <p:ph type="title"/>
+          </p:nvPr>
+        </p:nvSpPr>
+        <p:spPr/>
+        <p:txBody>
+          <a:bodyPr>
+            <a:normAutofit fontScale="90000"/>
+          </a:bodyPr>
+          <a:lstStyle/>
+          <a:p>
+            <a:endParaRPr lang="en-US"/>
+          </a:p>
+        </p:txBody>
+      </p:sp>
+      <p:sp>
+        <p:nvSpPr>
+          <p:cNvPr id="3" name="Text Placeholder 2">
+            <a:extLst>
+              <a:ext uri="{FF2B5EF4-FFF2-40B4-BE49-F238E27FC236}">
+                <a16:creationId xmlns:a16="http://schemas.microsoft.com/office/drawing/2014/main" id="{89359490-6802-4655-BF44-AAA93DAD3150}"/>
+              </a:ext>
+            </a:extLst>
+          </p:cNvPr>
+          <p:cNvSpPr>
+            <a:spLocks noGrp="1"/>
+          </p:cNvSpPr>
+          <p:nvPr>
+            <p:ph type="body" sz="quarter" idx="10"/>
+          </p:nvPr>
+        </p:nvSpPr>
+        <p:spPr/>
+        <p:txBody>
+          <a:bodyPr/>
+          <a:lstStyle/>
+          <a:p>
+            <a:endParaRPr lang="en-US"/>
+          </a:p>
+        </p:txBody>
+      </p:sp>
+    </p:spTree>
+    <p:extLst>
+      <p:ext uri="{BB962C8B-B14F-4D97-AF65-F5344CB8AC3E}">
+        <p14:creationId xmlns:p14="http://schemas.microsoft.com/office/powerpoint/2010/main" val="24759531"/>
       </p:ext>
     </p:extLst>
   </p:cSld>
@@ -55354,6 +55873,1554 @@
           <p:cNvPr id="6" name="Title 5">
             <a:extLst>
               <a:ext uri="{FF2B5EF4-FFF2-40B4-BE49-F238E27FC236}">
+                <a16:creationId xmlns:a16="http://schemas.microsoft.com/office/drawing/2014/main" id="{7E847D9A-00BB-49CB-A049-16EC6B56C5EF}"/>
+              </a:ext>
+            </a:extLst>
+          </p:cNvPr>
+          <p:cNvSpPr>
+            <a:spLocks noGrp="1"/>
+          </p:cNvSpPr>
+          <p:nvPr>
+            <p:ph type="title"/>
+          </p:nvPr>
+        </p:nvSpPr>
+        <p:spPr/>
+        <p:txBody>
+          <a:bodyPr/>
+          <a:lstStyle/>
+          <a:p>
+            <a:r>
+              <a:rPr lang="en-US" dirty="0" err="1"/>
+              <a:t>Faas</a:t>
+            </a:r>
+            <a:r>
+              <a:rPr lang="en-US" dirty="0"/>
+              <a:t> &amp; Serverless</a:t>
+            </a:r>
+          </a:p>
+        </p:txBody>
+      </p:sp>
+      <p:sp>
+        <p:nvSpPr>
+          <p:cNvPr id="8" name="Flowchart: Delay 7">
+            <a:extLst>
+              <a:ext uri="{FF2B5EF4-FFF2-40B4-BE49-F238E27FC236}">
+                <a16:creationId xmlns:a16="http://schemas.microsoft.com/office/drawing/2014/main" id="{B80CCD7C-4C21-4070-AC89-6384D911A154}"/>
+              </a:ext>
+            </a:extLst>
+          </p:cNvPr>
+          <p:cNvSpPr/>
+          <p:nvPr/>
+        </p:nvSpPr>
+        <p:spPr>
+          <a:xfrm rot="16200000">
+            <a:off x="3707841" y="517490"/>
+            <a:ext cx="1276141" cy="2461846"/>
+          </a:xfrm>
+          <a:prstGeom prst="flowChartDelay">
+            <a:avLst/>
+          </a:prstGeom>
+          <a:solidFill>
+            <a:schemeClr val="accent5">
+              <a:lumMod val="60000"/>
+              <a:lumOff val="40000"/>
+            </a:schemeClr>
+          </a:solidFill>
+          <a:ln>
+            <a:noFill/>
+          </a:ln>
+          <a:effectLst/>
+        </p:spPr>
+        <p:style>
+          <a:lnRef idx="1">
+            <a:schemeClr val="accent1"/>
+          </a:lnRef>
+          <a:fillRef idx="3">
+            <a:schemeClr val="accent1"/>
+          </a:fillRef>
+          <a:effectRef idx="2">
+            <a:schemeClr val="accent1"/>
+          </a:effectRef>
+          <a:fontRef idx="minor">
+            <a:schemeClr val="lt1"/>
+          </a:fontRef>
+        </p:style>
+        <p:txBody>
+          <a:bodyPr rtlCol="0" anchor="ctr"/>
+          <a:lstStyle/>
+          <a:p>
+            <a:pPr algn="ctr"/>
+            <a:endParaRPr lang="en-US"/>
+          </a:p>
+        </p:txBody>
+      </p:sp>
+      <p:sp>
+        <p:nvSpPr>
+          <p:cNvPr id="9" name="TextBox 8">
+            <a:extLst>
+              <a:ext uri="{FF2B5EF4-FFF2-40B4-BE49-F238E27FC236}">
+                <a16:creationId xmlns:a16="http://schemas.microsoft.com/office/drawing/2014/main" id="{CF1A7933-CFDF-4C9F-AA75-1592060E1C71}"/>
+              </a:ext>
+            </a:extLst>
+          </p:cNvPr>
+          <p:cNvSpPr txBox="1"/>
+          <p:nvPr/>
+        </p:nvSpPr>
+        <p:spPr>
+          <a:xfrm>
+            <a:off x="3547068" y="1487157"/>
+            <a:ext cx="1788607" cy="646331"/>
+          </a:xfrm>
+          <a:prstGeom prst="rect">
+            <a:avLst/>
+          </a:prstGeom>
+          <a:noFill/>
+        </p:spPr>
+        <p:txBody>
+          <a:bodyPr wrap="square" rtlCol="0">
+            <a:spAutoFit/>
+          </a:bodyPr>
+          <a:lstStyle/>
+          <a:p>
+            <a:r>
+              <a:rPr lang="en-US" dirty="0">
+                <a:solidFill>
+                  <a:schemeClr val="tx2"/>
+                </a:solidFill>
+              </a:rPr>
+              <a:t>Function As a service</a:t>
+            </a:r>
+          </a:p>
+        </p:txBody>
+      </p:sp>
+      <p:sp>
+        <p:nvSpPr>
+          <p:cNvPr id="12" name="Thought Bubble: Cloud 11">
+            <a:extLst>
+              <a:ext uri="{FF2B5EF4-FFF2-40B4-BE49-F238E27FC236}">
+                <a16:creationId xmlns:a16="http://schemas.microsoft.com/office/drawing/2014/main" id="{66B39DD1-906E-40E0-A5E5-641FD3BB2ABE}"/>
+              </a:ext>
+            </a:extLst>
+          </p:cNvPr>
+          <p:cNvSpPr/>
+          <p:nvPr/>
+        </p:nvSpPr>
+        <p:spPr>
+          <a:xfrm>
+            <a:off x="5360794" y="831222"/>
+            <a:ext cx="1356527" cy="455444"/>
+          </a:xfrm>
+          <a:prstGeom prst="cloudCallout">
+            <a:avLst>
+              <a:gd name="adj1" fmla="val -36458"/>
+              <a:gd name="adj2" fmla="val 73532"/>
+            </a:avLst>
+          </a:prstGeom>
+          <a:solidFill>
+            <a:schemeClr val="accent5">
+              <a:lumMod val="20000"/>
+              <a:lumOff val="80000"/>
+            </a:schemeClr>
+          </a:solidFill>
+          <a:ln>
+            <a:noFill/>
+          </a:ln>
+          <a:effectLst/>
+        </p:spPr>
+        <p:style>
+          <a:lnRef idx="1">
+            <a:schemeClr val="accent1"/>
+          </a:lnRef>
+          <a:fillRef idx="3">
+            <a:schemeClr val="accent1"/>
+          </a:fillRef>
+          <a:effectRef idx="2">
+            <a:schemeClr val="accent1"/>
+          </a:effectRef>
+          <a:fontRef idx="minor">
+            <a:schemeClr val="lt1"/>
+          </a:fontRef>
+        </p:style>
+        <p:txBody>
+          <a:bodyPr rtlCol="0" anchor="ctr"/>
+          <a:lstStyle/>
+          <a:p>
+            <a:pPr algn="ctr"/>
+            <a:r>
+              <a:rPr lang="en-US" sz="1100" dirty="0"/>
+              <a:t>Language support</a:t>
+            </a:r>
+          </a:p>
+        </p:txBody>
+      </p:sp>
+      <p:sp>
+        <p:nvSpPr>
+          <p:cNvPr id="13" name="Thought Bubble: Cloud 12">
+            <a:extLst>
+              <a:ext uri="{FF2B5EF4-FFF2-40B4-BE49-F238E27FC236}">
+                <a16:creationId xmlns:a16="http://schemas.microsoft.com/office/drawing/2014/main" id="{3FC14940-5A9B-4591-BBD8-99B800240414}"/>
+              </a:ext>
+            </a:extLst>
+          </p:cNvPr>
+          <p:cNvSpPr/>
+          <p:nvPr/>
+        </p:nvSpPr>
+        <p:spPr>
+          <a:xfrm>
+            <a:off x="5612003" y="1565317"/>
+            <a:ext cx="1356527" cy="455444"/>
+          </a:xfrm>
+          <a:prstGeom prst="cloudCallout">
+            <a:avLst>
+              <a:gd name="adj1" fmla="val -47569"/>
+              <a:gd name="adj2" fmla="val 75738"/>
+            </a:avLst>
+          </a:prstGeom>
+          <a:solidFill>
+            <a:schemeClr val="accent5">
+              <a:lumMod val="20000"/>
+              <a:lumOff val="80000"/>
+            </a:schemeClr>
+          </a:solidFill>
+          <a:ln>
+            <a:noFill/>
+          </a:ln>
+          <a:effectLst/>
+        </p:spPr>
+        <p:style>
+          <a:lnRef idx="1">
+            <a:schemeClr val="accent1"/>
+          </a:lnRef>
+          <a:fillRef idx="3">
+            <a:schemeClr val="accent1"/>
+          </a:fillRef>
+          <a:effectRef idx="2">
+            <a:schemeClr val="accent1"/>
+          </a:effectRef>
+          <a:fontRef idx="minor">
+            <a:schemeClr val="lt1"/>
+          </a:fontRef>
+        </p:style>
+        <p:txBody>
+          <a:bodyPr rtlCol="0" anchor="ctr"/>
+          <a:lstStyle/>
+          <a:p>
+            <a:pPr algn="ctr"/>
+            <a:r>
+              <a:rPr lang="en-US" sz="1100" dirty="0"/>
+              <a:t>Programming model</a:t>
+            </a:r>
+          </a:p>
+        </p:txBody>
+      </p:sp>
+      <p:sp>
+        <p:nvSpPr>
+          <p:cNvPr id="14" name="Thought Bubble: Cloud 13">
+            <a:extLst>
+              <a:ext uri="{FF2B5EF4-FFF2-40B4-BE49-F238E27FC236}">
+                <a16:creationId xmlns:a16="http://schemas.microsoft.com/office/drawing/2014/main" id="{25528CCD-8AB6-4320-8986-8C9E39EFA9BB}"/>
+              </a:ext>
+            </a:extLst>
+          </p:cNvPr>
+          <p:cNvSpPr/>
+          <p:nvPr/>
+        </p:nvSpPr>
+        <p:spPr>
+          <a:xfrm>
+            <a:off x="1572566" y="1119340"/>
+            <a:ext cx="1356527" cy="455444"/>
+          </a:xfrm>
+          <a:prstGeom prst="cloudCallout">
+            <a:avLst>
+              <a:gd name="adj1" fmla="val 69468"/>
+              <a:gd name="adj2" fmla="val 20581"/>
+            </a:avLst>
+          </a:prstGeom>
+          <a:solidFill>
+            <a:schemeClr val="accent5">
+              <a:lumMod val="20000"/>
+              <a:lumOff val="80000"/>
+            </a:schemeClr>
+          </a:solidFill>
+          <a:ln>
+            <a:noFill/>
+          </a:ln>
+          <a:effectLst/>
+        </p:spPr>
+        <p:style>
+          <a:lnRef idx="1">
+            <a:schemeClr val="accent1"/>
+          </a:lnRef>
+          <a:fillRef idx="3">
+            <a:schemeClr val="accent1"/>
+          </a:fillRef>
+          <a:effectRef idx="2">
+            <a:schemeClr val="accent1"/>
+          </a:effectRef>
+          <a:fontRef idx="minor">
+            <a:schemeClr val="lt1"/>
+          </a:fontRef>
+        </p:style>
+        <p:txBody>
+          <a:bodyPr rtlCol="0" anchor="ctr"/>
+          <a:lstStyle/>
+          <a:p>
+            <a:pPr algn="ctr"/>
+            <a:r>
+              <a:rPr lang="en-US" sz="1100" dirty="0"/>
+              <a:t>App Security</a:t>
+            </a:r>
+          </a:p>
+        </p:txBody>
+      </p:sp>
+      <p:sp>
+        <p:nvSpPr>
+          <p:cNvPr id="15" name="Thought Bubble: Cloud 14">
+            <a:extLst>
+              <a:ext uri="{FF2B5EF4-FFF2-40B4-BE49-F238E27FC236}">
+                <a16:creationId xmlns:a16="http://schemas.microsoft.com/office/drawing/2014/main" id="{2D279D60-8B87-4AAD-9D76-7E47A01DF0A6}"/>
+              </a:ext>
+            </a:extLst>
+          </p:cNvPr>
+          <p:cNvSpPr/>
+          <p:nvPr/>
+        </p:nvSpPr>
+        <p:spPr>
+          <a:xfrm>
+            <a:off x="1296238" y="1748413"/>
+            <a:ext cx="1356527" cy="455444"/>
+          </a:xfrm>
+          <a:prstGeom prst="cloudCallout">
+            <a:avLst>
+              <a:gd name="adj1" fmla="val 69468"/>
+              <a:gd name="adj2" fmla="val 20581"/>
+            </a:avLst>
+          </a:prstGeom>
+          <a:solidFill>
+            <a:schemeClr val="accent5">
+              <a:lumMod val="20000"/>
+              <a:lumOff val="80000"/>
+            </a:schemeClr>
+          </a:solidFill>
+          <a:ln>
+            <a:noFill/>
+          </a:ln>
+          <a:effectLst/>
+        </p:spPr>
+        <p:style>
+          <a:lnRef idx="1">
+            <a:schemeClr val="accent1"/>
+          </a:lnRef>
+          <a:fillRef idx="3">
+            <a:schemeClr val="accent1"/>
+          </a:fillRef>
+          <a:effectRef idx="2">
+            <a:schemeClr val="accent1"/>
+          </a:effectRef>
+          <a:fontRef idx="minor">
+            <a:schemeClr val="lt1"/>
+          </a:fontRef>
+        </p:style>
+        <p:txBody>
+          <a:bodyPr rtlCol="0" anchor="ctr"/>
+          <a:lstStyle/>
+          <a:p>
+            <a:pPr algn="ctr"/>
+            <a:r>
+              <a:rPr lang="en-US" sz="1100" dirty="0"/>
+              <a:t>Orchestration</a:t>
+            </a:r>
+          </a:p>
+        </p:txBody>
+      </p:sp>
+      <p:sp>
+        <p:nvSpPr>
+          <p:cNvPr id="16" name="Flowchart: Delay 15">
+            <a:extLst>
+              <a:ext uri="{FF2B5EF4-FFF2-40B4-BE49-F238E27FC236}">
+                <a16:creationId xmlns:a16="http://schemas.microsoft.com/office/drawing/2014/main" id="{95F0613F-3F5F-434A-B640-B678B84923A0}"/>
+              </a:ext>
+            </a:extLst>
+          </p:cNvPr>
+          <p:cNvSpPr/>
+          <p:nvPr/>
+        </p:nvSpPr>
+        <p:spPr>
+          <a:xfrm rot="5400000">
+            <a:off x="3640012" y="1861460"/>
+            <a:ext cx="1411795" cy="2461848"/>
+          </a:xfrm>
+          <a:prstGeom prst="flowChartDelay">
+            <a:avLst/>
+          </a:prstGeom>
+          <a:solidFill>
+            <a:srgbClr val="7030A0"/>
+          </a:solidFill>
+          <a:ln>
+            <a:noFill/>
+          </a:ln>
+          <a:effectLst/>
+        </p:spPr>
+        <p:style>
+          <a:lnRef idx="1">
+            <a:schemeClr val="accent1"/>
+          </a:lnRef>
+          <a:fillRef idx="3">
+            <a:schemeClr val="accent1"/>
+          </a:fillRef>
+          <a:effectRef idx="2">
+            <a:schemeClr val="accent1"/>
+          </a:effectRef>
+          <a:fontRef idx="minor">
+            <a:schemeClr val="lt1"/>
+          </a:fontRef>
+        </p:style>
+        <p:txBody>
+          <a:bodyPr rtlCol="0" anchor="ctr"/>
+          <a:lstStyle/>
+          <a:p>
+            <a:pPr algn="ctr"/>
+            <a:endParaRPr lang="en-US" dirty="0"/>
+          </a:p>
+        </p:txBody>
+      </p:sp>
+      <p:sp>
+        <p:nvSpPr>
+          <p:cNvPr id="17" name="TextBox 16">
+            <a:extLst>
+              <a:ext uri="{FF2B5EF4-FFF2-40B4-BE49-F238E27FC236}">
+                <a16:creationId xmlns:a16="http://schemas.microsoft.com/office/drawing/2014/main" id="{58B27243-F049-4F85-9A08-D57E9EC315B2}"/>
+              </a:ext>
+            </a:extLst>
+          </p:cNvPr>
+          <p:cNvSpPr txBox="1"/>
+          <p:nvPr/>
+        </p:nvSpPr>
+        <p:spPr>
+          <a:xfrm>
+            <a:off x="3547068" y="2841930"/>
+            <a:ext cx="1567543" cy="369332"/>
+          </a:xfrm>
+          <a:prstGeom prst="rect">
+            <a:avLst/>
+          </a:prstGeom>
+          <a:noFill/>
+        </p:spPr>
+        <p:txBody>
+          <a:bodyPr wrap="square" rtlCol="0">
+            <a:spAutoFit/>
+          </a:bodyPr>
+          <a:lstStyle/>
+          <a:p>
+            <a:r>
+              <a:rPr lang="en-US" dirty="0">
+                <a:solidFill>
+                  <a:schemeClr val="tx2"/>
+                </a:solidFill>
+              </a:rPr>
+              <a:t>Serverless</a:t>
+            </a:r>
+          </a:p>
+        </p:txBody>
+      </p:sp>
+      <p:sp>
+        <p:nvSpPr>
+          <p:cNvPr id="18" name="Thought Bubble: Cloud 17">
+            <a:extLst>
+              <a:ext uri="{FF2B5EF4-FFF2-40B4-BE49-F238E27FC236}">
+                <a16:creationId xmlns:a16="http://schemas.microsoft.com/office/drawing/2014/main" id="{697D1F00-F21E-4F37-848E-6CC92A587347}"/>
+              </a:ext>
+            </a:extLst>
+          </p:cNvPr>
+          <p:cNvSpPr/>
+          <p:nvPr/>
+        </p:nvSpPr>
+        <p:spPr>
+          <a:xfrm>
+            <a:off x="5953647" y="2864662"/>
+            <a:ext cx="1356527" cy="455444"/>
+          </a:xfrm>
+          <a:prstGeom prst="cloudCallout">
+            <a:avLst>
+              <a:gd name="adj1" fmla="val -66088"/>
+              <a:gd name="adj2" fmla="val -8100"/>
+            </a:avLst>
+          </a:prstGeom>
+          <a:solidFill>
+            <a:srgbClr val="D5B8EA"/>
+          </a:solidFill>
+          <a:ln>
+            <a:noFill/>
+          </a:ln>
+          <a:effectLst/>
+        </p:spPr>
+        <p:style>
+          <a:lnRef idx="1">
+            <a:schemeClr val="accent1"/>
+          </a:lnRef>
+          <a:fillRef idx="3">
+            <a:schemeClr val="accent1"/>
+          </a:fillRef>
+          <a:effectRef idx="2">
+            <a:schemeClr val="accent1"/>
+          </a:effectRef>
+          <a:fontRef idx="minor">
+            <a:schemeClr val="lt1"/>
+          </a:fontRef>
+        </p:style>
+        <p:txBody>
+          <a:bodyPr rtlCol="0" anchor="ctr"/>
+          <a:lstStyle/>
+          <a:p>
+            <a:pPr algn="ctr"/>
+            <a:r>
+              <a:rPr lang="en-US" sz="1100" dirty="0"/>
+              <a:t>Build</a:t>
+            </a:r>
+          </a:p>
+        </p:txBody>
+      </p:sp>
+      <p:sp>
+        <p:nvSpPr>
+          <p:cNvPr id="19" name="Thought Bubble: Cloud 18">
+            <a:extLst>
+              <a:ext uri="{FF2B5EF4-FFF2-40B4-BE49-F238E27FC236}">
+                <a16:creationId xmlns:a16="http://schemas.microsoft.com/office/drawing/2014/main" id="{22B3334D-06AB-4D21-BB88-49AA34581C72}"/>
+              </a:ext>
+            </a:extLst>
+          </p:cNvPr>
+          <p:cNvSpPr/>
+          <p:nvPr/>
+        </p:nvSpPr>
+        <p:spPr>
+          <a:xfrm>
+            <a:off x="1296238" y="2511377"/>
+            <a:ext cx="1356527" cy="455444"/>
+          </a:xfrm>
+          <a:prstGeom prst="cloudCallout">
+            <a:avLst>
+              <a:gd name="adj1" fmla="val 85023"/>
+              <a:gd name="adj2" fmla="val -23545"/>
+            </a:avLst>
+          </a:prstGeom>
+          <a:solidFill>
+            <a:srgbClr val="D5B8EA"/>
+          </a:solidFill>
+          <a:ln>
+            <a:noFill/>
+          </a:ln>
+          <a:effectLst/>
+        </p:spPr>
+        <p:style>
+          <a:lnRef idx="1">
+            <a:schemeClr val="accent1"/>
+          </a:lnRef>
+          <a:fillRef idx="3">
+            <a:schemeClr val="accent1"/>
+          </a:fillRef>
+          <a:effectRef idx="2">
+            <a:schemeClr val="accent1"/>
+          </a:effectRef>
+          <a:fontRef idx="minor">
+            <a:schemeClr val="lt1"/>
+          </a:fontRef>
+        </p:style>
+        <p:txBody>
+          <a:bodyPr rot="0" spcFirstLastPara="0" vertOverflow="overflow" horzOverflow="overflow" vert="horz" wrap="square" lIns="91440" tIns="45720" rIns="91440" bIns="45720" numCol="1" spcCol="0" rtlCol="0" fromWordArt="0" anchor="ctr" anchorCtr="0" forceAA="0" compatLnSpc="1">
+            <a:prstTxWarp prst="textNoShape">
+              <a:avLst/>
+            </a:prstTxWarp>
+            <a:noAutofit/>
+          </a:bodyPr>
+          <a:lstStyle/>
+          <a:p>
+            <a:pPr algn="ctr"/>
+            <a:r>
+              <a:rPr lang="en-US" sz="1100" dirty="0"/>
+              <a:t>Serve</a:t>
+            </a:r>
+          </a:p>
+        </p:txBody>
+      </p:sp>
+      <p:sp>
+        <p:nvSpPr>
+          <p:cNvPr id="20" name="Thought Bubble: Cloud 19">
+            <a:extLst>
+              <a:ext uri="{FF2B5EF4-FFF2-40B4-BE49-F238E27FC236}">
+                <a16:creationId xmlns:a16="http://schemas.microsoft.com/office/drawing/2014/main" id="{4DFD8D62-C5C9-47F4-9475-AF6A48B4ED05}"/>
+              </a:ext>
+            </a:extLst>
+          </p:cNvPr>
+          <p:cNvSpPr/>
+          <p:nvPr/>
+        </p:nvSpPr>
+        <p:spPr>
+          <a:xfrm>
+            <a:off x="3547068" y="4026004"/>
+            <a:ext cx="1356527" cy="455444"/>
+          </a:xfrm>
+          <a:prstGeom prst="cloudCallout">
+            <a:avLst>
+              <a:gd name="adj1" fmla="val 1319"/>
+              <a:gd name="adj2" fmla="val -100765"/>
+            </a:avLst>
+          </a:prstGeom>
+          <a:solidFill>
+            <a:srgbClr val="D5B8EA"/>
+          </a:solidFill>
+          <a:ln>
+            <a:noFill/>
+          </a:ln>
+          <a:effectLst/>
+        </p:spPr>
+        <p:style>
+          <a:lnRef idx="1">
+            <a:schemeClr val="accent1"/>
+          </a:lnRef>
+          <a:fillRef idx="3">
+            <a:schemeClr val="accent1"/>
+          </a:fillRef>
+          <a:effectRef idx="2">
+            <a:schemeClr val="accent1"/>
+          </a:effectRef>
+          <a:fontRef idx="minor">
+            <a:schemeClr val="lt1"/>
+          </a:fontRef>
+        </p:style>
+        <p:txBody>
+          <a:bodyPr rot="0" spcFirstLastPara="0" vertOverflow="overflow" horzOverflow="overflow" vert="horz" wrap="square" lIns="91440" tIns="45720" rIns="91440" bIns="45720" numCol="1" spcCol="0" rtlCol="0" fromWordArt="0" anchor="ctr" anchorCtr="0" forceAA="0" compatLnSpc="1">
+            <a:prstTxWarp prst="textNoShape">
+              <a:avLst/>
+            </a:prstTxWarp>
+            <a:noAutofit/>
+          </a:bodyPr>
+          <a:lstStyle/>
+          <a:p>
+            <a:pPr algn="ctr"/>
+            <a:r>
+              <a:rPr lang="en-US" sz="1100" dirty="0" err="1"/>
+              <a:t>Eventing</a:t>
+            </a:r>
+            <a:endParaRPr lang="en-US" sz="1100" dirty="0"/>
+          </a:p>
+        </p:txBody>
+      </p:sp>
+      <p:sp>
+        <p:nvSpPr>
+          <p:cNvPr id="21" name="Callout: Right Arrow 20">
+            <a:extLst>
+              <a:ext uri="{FF2B5EF4-FFF2-40B4-BE49-F238E27FC236}">
+                <a16:creationId xmlns:a16="http://schemas.microsoft.com/office/drawing/2014/main" id="{063536C2-CE53-4BF7-B6B6-FB2BFCEF1BBB}"/>
+              </a:ext>
+            </a:extLst>
+          </p:cNvPr>
+          <p:cNvSpPr/>
+          <p:nvPr/>
+        </p:nvSpPr>
+        <p:spPr>
+          <a:xfrm>
+            <a:off x="5576835" y="2203857"/>
+            <a:ext cx="1567544" cy="535242"/>
+          </a:xfrm>
+          <a:prstGeom prst="rightArrowCallout">
+            <a:avLst/>
+          </a:prstGeom>
+          <a:solidFill>
+            <a:schemeClr val="tx1">
+              <a:lumMod val="50000"/>
+            </a:schemeClr>
+          </a:solidFill>
+          <a:ln>
+            <a:noFill/>
+          </a:ln>
+          <a:effectLst/>
+        </p:spPr>
+        <p:style>
+          <a:lnRef idx="1">
+            <a:schemeClr val="accent1"/>
+          </a:lnRef>
+          <a:fillRef idx="3">
+            <a:schemeClr val="accent1"/>
+          </a:fillRef>
+          <a:effectRef idx="2">
+            <a:schemeClr val="accent1"/>
+          </a:effectRef>
+          <a:fontRef idx="minor">
+            <a:schemeClr val="lt1"/>
+          </a:fontRef>
+        </p:style>
+        <p:txBody>
+          <a:bodyPr rtlCol="0" anchor="ctr"/>
+          <a:lstStyle/>
+          <a:p>
+            <a:pPr algn="ctr"/>
+            <a:r>
+              <a:rPr lang="en-US" sz="1100" dirty="0"/>
+              <a:t>Logging + Dev. Analytics</a:t>
+            </a:r>
+          </a:p>
+        </p:txBody>
+      </p:sp>
+      <p:sp>
+        <p:nvSpPr>
+          <p:cNvPr id="22" name="Cloud 21">
+            <a:extLst>
+              <a:ext uri="{FF2B5EF4-FFF2-40B4-BE49-F238E27FC236}">
+                <a16:creationId xmlns:a16="http://schemas.microsoft.com/office/drawing/2014/main" id="{E07F49F0-566A-4A15-8022-C9471A67CAAE}"/>
+              </a:ext>
+            </a:extLst>
+          </p:cNvPr>
+          <p:cNvSpPr/>
+          <p:nvPr/>
+        </p:nvSpPr>
+        <p:spPr>
+          <a:xfrm>
+            <a:off x="7144378" y="2078294"/>
+            <a:ext cx="1467059" cy="660805"/>
+          </a:xfrm>
+          <a:prstGeom prst="cloud">
+            <a:avLst/>
+          </a:prstGeom>
+          <a:solidFill>
+            <a:schemeClr val="tx1">
+              <a:lumMod val="50000"/>
+            </a:schemeClr>
+          </a:solidFill>
+          <a:ln>
+            <a:noFill/>
+          </a:ln>
+          <a:effectLst/>
+        </p:spPr>
+        <p:style>
+          <a:lnRef idx="1">
+            <a:schemeClr val="accent1"/>
+          </a:lnRef>
+          <a:fillRef idx="3">
+            <a:schemeClr val="accent1"/>
+          </a:fillRef>
+          <a:effectRef idx="2">
+            <a:schemeClr val="accent1"/>
+          </a:effectRef>
+          <a:fontRef idx="minor">
+            <a:schemeClr val="lt1"/>
+          </a:fontRef>
+        </p:style>
+        <p:txBody>
+          <a:bodyPr rtlCol="0" anchor="ctr"/>
+          <a:lstStyle/>
+          <a:p>
+            <a:pPr algn="ctr"/>
+            <a:r>
+              <a:rPr lang="en-US" sz="1100" dirty="0"/>
+              <a:t>Logging sink</a:t>
+            </a:r>
+          </a:p>
+        </p:txBody>
+      </p:sp>
+      <p:sp>
+        <p:nvSpPr>
+          <p:cNvPr id="23" name="Thought Bubble: Cloud 22">
+            <a:extLst>
+              <a:ext uri="{FF2B5EF4-FFF2-40B4-BE49-F238E27FC236}">
+                <a16:creationId xmlns:a16="http://schemas.microsoft.com/office/drawing/2014/main" id="{8D334A5F-77ED-461F-A129-3F7F09C93E86}"/>
+              </a:ext>
+            </a:extLst>
+          </p:cNvPr>
+          <p:cNvSpPr/>
+          <p:nvPr/>
+        </p:nvSpPr>
+        <p:spPr>
+          <a:xfrm>
+            <a:off x="5275383" y="4084556"/>
+            <a:ext cx="1356527" cy="455444"/>
+          </a:xfrm>
+          <a:prstGeom prst="cloudCallout">
+            <a:avLst>
+              <a:gd name="adj1" fmla="val -56459"/>
+              <a:gd name="adj2" fmla="val -144890"/>
+            </a:avLst>
+          </a:prstGeom>
+          <a:solidFill>
+            <a:srgbClr val="D5B8EA"/>
+          </a:solidFill>
+          <a:ln>
+            <a:noFill/>
+          </a:ln>
+          <a:effectLst/>
+        </p:spPr>
+        <p:style>
+          <a:lnRef idx="1">
+            <a:schemeClr val="accent1"/>
+          </a:lnRef>
+          <a:fillRef idx="3">
+            <a:schemeClr val="accent1"/>
+          </a:fillRef>
+          <a:effectRef idx="2">
+            <a:schemeClr val="accent1"/>
+          </a:effectRef>
+          <a:fontRef idx="minor">
+            <a:schemeClr val="lt1"/>
+          </a:fontRef>
+        </p:style>
+        <p:txBody>
+          <a:bodyPr rot="0" spcFirstLastPara="0" vertOverflow="overflow" horzOverflow="overflow" vert="horz" wrap="square" lIns="91440" tIns="45720" rIns="91440" bIns="45720" numCol="1" spcCol="0" rtlCol="0" fromWordArt="0" anchor="ctr" anchorCtr="0" forceAA="0" compatLnSpc="1">
+            <a:prstTxWarp prst="textNoShape">
+              <a:avLst/>
+            </a:prstTxWarp>
+            <a:noAutofit/>
+          </a:bodyPr>
+          <a:lstStyle/>
+          <a:p>
+            <a:pPr algn="ctr"/>
+            <a:r>
+              <a:rPr lang="en-US" sz="1100" dirty="0"/>
+              <a:t>Infra security</a:t>
+            </a:r>
+          </a:p>
+        </p:txBody>
+      </p:sp>
+    </p:spTree>
+    <p:extLst>
+      <p:ext uri="{BB962C8B-B14F-4D97-AF65-F5344CB8AC3E}">
+        <p14:creationId xmlns:p14="http://schemas.microsoft.com/office/powerpoint/2010/main" val="1836823788"/>
+      </p:ext>
+    </p:extLst>
+  </p:cSld>
+  <p:clrMapOvr>
+    <a:masterClrMapping/>
+  </p:clrMapOvr>
+</p:sld>
+</file>
+
+<file path=ppt/slides/slide6.xml><?xml version="1.0" encoding="utf-8"?>
+<p:sld xmlns:a="http://schemas.openxmlformats.org/drawingml/2006/main" xmlns:r="http://schemas.openxmlformats.org/officeDocument/2006/relationships" xmlns:p="http://schemas.openxmlformats.org/presentationml/2006/main">
+  <p:cSld>
+    <p:spTree>
+      <p:nvGrpSpPr>
+        <p:cNvPr id="1" name=""/>
+        <p:cNvGrpSpPr/>
+        <p:nvPr/>
+      </p:nvGrpSpPr>
+      <p:grpSpPr>
+        <a:xfrm>
+          <a:off x="0" y="0"/>
+          <a:ext cx="0" cy="0"/>
+          <a:chOff x="0" y="0"/>
+          <a:chExt cx="0" cy="0"/>
+        </a:xfrm>
+      </p:grpSpPr>
+      <p:sp>
+        <p:nvSpPr>
+          <p:cNvPr id="2" name="Title 1">
+            <a:extLst>
+              <a:ext uri="{FF2B5EF4-FFF2-40B4-BE49-F238E27FC236}">
+                <a16:creationId xmlns:a16="http://schemas.microsoft.com/office/drawing/2014/main" id="{4A641DC5-C31C-412B-AEE4-BD09A1951F44}"/>
+              </a:ext>
+            </a:extLst>
+          </p:cNvPr>
+          <p:cNvSpPr>
+            <a:spLocks noGrp="1"/>
+          </p:cNvSpPr>
+          <p:nvPr>
+            <p:ph type="title"/>
+          </p:nvPr>
+        </p:nvSpPr>
+        <p:spPr/>
+        <p:txBody>
+          <a:bodyPr/>
+          <a:lstStyle/>
+          <a:p>
+            <a:r>
+              <a:rPr lang="en-US" dirty="0" err="1"/>
+              <a:t>Faas</a:t>
+            </a:r>
+            <a:r>
+              <a:rPr lang="en-US" dirty="0"/>
+              <a:t> &amp; Serverless </a:t>
+            </a:r>
+            <a:r>
+              <a:rPr lang="en-US" sz="1100" dirty="0"/>
+              <a:t>explained..</a:t>
+            </a:r>
+          </a:p>
+        </p:txBody>
+      </p:sp>
+      <p:sp>
+        <p:nvSpPr>
+          <p:cNvPr id="4" name="Rectangle 3">
+            <a:extLst>
+              <a:ext uri="{FF2B5EF4-FFF2-40B4-BE49-F238E27FC236}">
+                <a16:creationId xmlns:a16="http://schemas.microsoft.com/office/drawing/2014/main" id="{3000BE38-9338-4B25-8B52-BB60E7BD6040}"/>
+              </a:ext>
+            </a:extLst>
+          </p:cNvPr>
+          <p:cNvSpPr/>
+          <p:nvPr/>
+        </p:nvSpPr>
+        <p:spPr>
+          <a:xfrm>
+            <a:off x="304362" y="766941"/>
+            <a:ext cx="4290646" cy="455444"/>
+          </a:xfrm>
+          <a:prstGeom prst="rect">
+            <a:avLst/>
+          </a:prstGeom>
+          <a:solidFill>
+            <a:schemeClr val="bg1">
+              <a:lumMod val="85000"/>
+            </a:schemeClr>
+          </a:solidFill>
+          <a:ln>
+            <a:noFill/>
+          </a:ln>
+          <a:effectLst/>
+        </p:spPr>
+        <p:style>
+          <a:lnRef idx="1">
+            <a:schemeClr val="accent1"/>
+          </a:lnRef>
+          <a:fillRef idx="3">
+            <a:schemeClr val="accent1"/>
+          </a:fillRef>
+          <a:effectRef idx="2">
+            <a:schemeClr val="accent1"/>
+          </a:effectRef>
+          <a:fontRef idx="minor">
+            <a:schemeClr val="lt1"/>
+          </a:fontRef>
+        </p:style>
+        <p:txBody>
+          <a:bodyPr rtlCol="0" anchor="ctr"/>
+          <a:lstStyle/>
+          <a:p>
+            <a:pPr algn="ctr"/>
+            <a:r>
+              <a:rPr lang="en-US" dirty="0" err="1"/>
+              <a:t>FaaS</a:t>
+            </a:r>
+            <a:endParaRPr lang="en-US" dirty="0"/>
+          </a:p>
+        </p:txBody>
+      </p:sp>
+      <p:sp>
+        <p:nvSpPr>
+          <p:cNvPr id="5" name="TextBox 4">
+            <a:extLst>
+              <a:ext uri="{FF2B5EF4-FFF2-40B4-BE49-F238E27FC236}">
+                <a16:creationId xmlns:a16="http://schemas.microsoft.com/office/drawing/2014/main" id="{623D7013-24F6-4FE2-A208-99458A4E4BF0}"/>
+              </a:ext>
+            </a:extLst>
+          </p:cNvPr>
+          <p:cNvSpPr txBox="1"/>
+          <p:nvPr/>
+        </p:nvSpPr>
+        <p:spPr>
+          <a:xfrm>
+            <a:off x="304362" y="1238616"/>
+            <a:ext cx="4290646" cy="3754874"/>
+          </a:xfrm>
+          <a:prstGeom prst="rect">
+            <a:avLst/>
+          </a:prstGeom>
+          <a:noFill/>
+          <a:ln>
+            <a:solidFill>
+              <a:srgbClr val="D5B8EA"/>
+            </a:solidFill>
+          </a:ln>
+        </p:spPr>
+        <p:txBody>
+          <a:bodyPr wrap="square" rtlCol="0">
+            <a:spAutoFit/>
+          </a:bodyPr>
+          <a:lstStyle/>
+          <a:p>
+            <a:pPr marL="285750" indent="-285750">
+              <a:buFont typeface="Arial" panose="020B0604020202020204" pitchFamily="34" charset="0"/>
+              <a:buChar char="•"/>
+            </a:pPr>
+            <a:r>
+              <a:rPr lang="en-US" sz="1400" dirty="0">
+                <a:solidFill>
+                  <a:schemeClr val="accent3">
+                    <a:lumMod val="75000"/>
+                  </a:schemeClr>
+                </a:solidFill>
+              </a:rPr>
+              <a:t>Language support</a:t>
+            </a:r>
+          </a:p>
+          <a:p>
+            <a:pPr marL="742950" lvl="1" indent="-285750">
+              <a:buFont typeface="Arial" panose="020B0604020202020204" pitchFamily="34" charset="0"/>
+              <a:buChar char="•"/>
+            </a:pPr>
+            <a:r>
+              <a:rPr lang="en-US" sz="1400" dirty="0">
+                <a:solidFill>
+                  <a:schemeClr val="accent3">
+                    <a:lumMod val="75000"/>
+                  </a:schemeClr>
+                </a:solidFill>
+              </a:rPr>
+              <a:t>Use all features of language</a:t>
+            </a:r>
+          </a:p>
+          <a:p>
+            <a:pPr marL="742950" lvl="1" indent="-285750">
+              <a:buFont typeface="Arial" panose="020B0604020202020204" pitchFamily="34" charset="0"/>
+              <a:buChar char="•"/>
+            </a:pPr>
+            <a:r>
+              <a:rPr lang="en-US" sz="1400" dirty="0">
+                <a:solidFill>
+                  <a:schemeClr val="accent3">
+                    <a:lumMod val="75000"/>
+                  </a:schemeClr>
+                </a:solidFill>
+              </a:rPr>
+              <a:t>Use the App/Web server that come with language</a:t>
+            </a:r>
+          </a:p>
+          <a:p>
+            <a:pPr marL="285750" indent="-285750">
+              <a:buFont typeface="Arial" panose="020B0604020202020204" pitchFamily="34" charset="0"/>
+              <a:buChar char="•"/>
+            </a:pPr>
+            <a:r>
+              <a:rPr lang="en-US" sz="1400" dirty="0">
+                <a:solidFill>
+                  <a:schemeClr val="accent3">
+                    <a:lumMod val="75000"/>
+                  </a:schemeClr>
+                </a:solidFill>
+              </a:rPr>
+              <a:t>Programming model</a:t>
+            </a:r>
+          </a:p>
+          <a:p>
+            <a:pPr marL="742950" lvl="1" indent="-285750">
+              <a:buFont typeface="Arial" panose="020B0604020202020204" pitchFamily="34" charset="0"/>
+              <a:buChar char="•"/>
+            </a:pPr>
+            <a:r>
+              <a:rPr lang="en-US" sz="1400" dirty="0">
+                <a:solidFill>
+                  <a:schemeClr val="accent3">
+                    <a:lumMod val="75000"/>
+                  </a:schemeClr>
+                </a:solidFill>
+              </a:rPr>
+              <a:t>Way to write function</a:t>
+            </a:r>
+          </a:p>
+          <a:p>
+            <a:pPr marL="742950" lvl="1" indent="-285750">
+              <a:buFont typeface="Arial" panose="020B0604020202020204" pitchFamily="34" charset="0"/>
+              <a:buChar char="•"/>
+            </a:pPr>
+            <a:r>
+              <a:rPr lang="en-US" sz="1400" dirty="0">
+                <a:solidFill>
+                  <a:schemeClr val="accent3">
+                    <a:lumMod val="75000"/>
+                  </a:schemeClr>
+                </a:solidFill>
+              </a:rPr>
+              <a:t>Create custom events and event handler</a:t>
+            </a:r>
+          </a:p>
+          <a:p>
+            <a:pPr marL="742950" lvl="1" indent="-285750">
+              <a:buFont typeface="Arial" panose="020B0604020202020204" pitchFamily="34" charset="0"/>
+              <a:buChar char="•"/>
+            </a:pPr>
+            <a:r>
+              <a:rPr lang="en-US" sz="1400" dirty="0">
+                <a:solidFill>
+                  <a:schemeClr val="accent3">
+                    <a:lumMod val="75000"/>
+                  </a:schemeClr>
+                </a:solidFill>
+              </a:rPr>
+              <a:t>Imperative/Declarative configuration</a:t>
+            </a:r>
+          </a:p>
+          <a:p>
+            <a:pPr marL="285750" indent="-285750">
+              <a:buFont typeface="Arial" panose="020B0604020202020204" pitchFamily="34" charset="0"/>
+              <a:buChar char="•"/>
+            </a:pPr>
+            <a:r>
+              <a:rPr lang="en-US" sz="1400" dirty="0">
+                <a:solidFill>
+                  <a:schemeClr val="accent3">
+                    <a:lumMod val="75000"/>
+                  </a:schemeClr>
+                </a:solidFill>
+              </a:rPr>
+              <a:t>App security</a:t>
+            </a:r>
+          </a:p>
+          <a:p>
+            <a:pPr marL="742950" lvl="1" indent="-285750">
+              <a:buFont typeface="Arial" panose="020B0604020202020204" pitchFamily="34" charset="0"/>
+              <a:buChar char="•"/>
+            </a:pPr>
+            <a:r>
+              <a:rPr lang="en-US" sz="1400" dirty="0">
+                <a:solidFill>
+                  <a:schemeClr val="accent3">
+                    <a:lumMod val="75000"/>
+                  </a:schemeClr>
+                </a:solidFill>
+              </a:rPr>
+              <a:t>Explicit security statement for each function</a:t>
+            </a:r>
+          </a:p>
+          <a:p>
+            <a:pPr marL="285750" indent="-285750">
+              <a:buFont typeface="Arial" panose="020B0604020202020204" pitchFamily="34" charset="0"/>
+              <a:buChar char="•"/>
+            </a:pPr>
+            <a:r>
+              <a:rPr lang="en-US" sz="1400" dirty="0">
+                <a:solidFill>
+                  <a:schemeClr val="accent3">
+                    <a:lumMod val="75000"/>
+                  </a:schemeClr>
+                </a:solidFill>
+              </a:rPr>
+              <a:t>Orchestration</a:t>
+            </a:r>
+          </a:p>
+          <a:p>
+            <a:pPr marL="742950" lvl="1" indent="-285750">
+              <a:buFont typeface="Arial" panose="020B0604020202020204" pitchFamily="34" charset="0"/>
+              <a:buChar char="•"/>
+            </a:pPr>
+            <a:r>
+              <a:rPr lang="en-US" sz="1400" dirty="0">
+                <a:solidFill>
+                  <a:schemeClr val="accent3">
+                    <a:lumMod val="75000"/>
+                  </a:schemeClr>
+                </a:solidFill>
+              </a:rPr>
+              <a:t>Good to have way of orchestrating framework that stitches function</a:t>
+            </a:r>
+          </a:p>
+          <a:p>
+            <a:pPr marL="285750" indent="-285750">
+              <a:buFont typeface="Arial" panose="020B0604020202020204" pitchFamily="34" charset="0"/>
+              <a:buChar char="•"/>
+            </a:pPr>
+            <a:endParaRPr lang="en-US" sz="1400" dirty="0">
+              <a:solidFill>
+                <a:schemeClr val="accent3">
+                  <a:lumMod val="75000"/>
+                </a:schemeClr>
+              </a:solidFill>
+            </a:endParaRPr>
+          </a:p>
+          <a:p>
+            <a:pPr marL="285750" indent="-285750">
+              <a:buFont typeface="Arial" panose="020B0604020202020204" pitchFamily="34" charset="0"/>
+              <a:buChar char="•"/>
+            </a:pPr>
+            <a:endParaRPr lang="en-US" sz="1400" dirty="0">
+              <a:solidFill>
+                <a:schemeClr val="accent3">
+                  <a:lumMod val="75000"/>
+                </a:schemeClr>
+              </a:solidFill>
+            </a:endParaRPr>
+          </a:p>
+          <a:p>
+            <a:pPr marL="285750" indent="-285750">
+              <a:buFont typeface="Arial" panose="020B0604020202020204" pitchFamily="34" charset="0"/>
+              <a:buChar char="•"/>
+            </a:pPr>
+            <a:endParaRPr lang="en-US" sz="1400" dirty="0">
+              <a:solidFill>
+                <a:schemeClr val="accent3">
+                  <a:lumMod val="75000"/>
+                </a:schemeClr>
+              </a:solidFill>
+            </a:endParaRPr>
+          </a:p>
+        </p:txBody>
+      </p:sp>
+      <p:sp>
+        <p:nvSpPr>
+          <p:cNvPr id="6" name="TextBox 5">
+            <a:extLst>
+              <a:ext uri="{FF2B5EF4-FFF2-40B4-BE49-F238E27FC236}">
+                <a16:creationId xmlns:a16="http://schemas.microsoft.com/office/drawing/2014/main" id="{BD15DDE6-28AB-48A1-9B1D-A95F1A7050E8}"/>
+              </a:ext>
+            </a:extLst>
+          </p:cNvPr>
+          <p:cNvSpPr txBox="1"/>
+          <p:nvPr/>
+        </p:nvSpPr>
+        <p:spPr>
+          <a:xfrm>
+            <a:off x="4923691" y="1269360"/>
+            <a:ext cx="4220309" cy="3323987"/>
+          </a:xfrm>
+          <a:prstGeom prst="rect">
+            <a:avLst/>
+          </a:prstGeom>
+          <a:noFill/>
+          <a:ln>
+            <a:solidFill>
+              <a:srgbClr val="A161D1"/>
+            </a:solidFill>
+          </a:ln>
+        </p:spPr>
+        <p:txBody>
+          <a:bodyPr wrap="square" rtlCol="0">
+            <a:spAutoFit/>
+          </a:bodyPr>
+          <a:lstStyle/>
+          <a:p>
+            <a:pPr marL="285750" indent="-285750">
+              <a:buFont typeface="Arial" panose="020B0604020202020204" pitchFamily="34" charset="0"/>
+              <a:buChar char="•"/>
+            </a:pPr>
+            <a:r>
+              <a:rPr lang="en-US" sz="1400" dirty="0">
+                <a:solidFill>
+                  <a:schemeClr val="accent3">
+                    <a:lumMod val="75000"/>
+                  </a:schemeClr>
+                </a:solidFill>
+              </a:rPr>
+              <a:t>Build</a:t>
+            </a:r>
+          </a:p>
+          <a:p>
+            <a:pPr marL="742950" lvl="1" indent="-285750">
+              <a:buFont typeface="Arial" panose="020B0604020202020204" pitchFamily="34" charset="0"/>
+              <a:buChar char="•"/>
+            </a:pPr>
+            <a:r>
+              <a:rPr lang="en-US" sz="1400" dirty="0">
+                <a:solidFill>
+                  <a:schemeClr val="accent3">
+                    <a:lumMod val="75000"/>
+                  </a:schemeClr>
+                </a:solidFill>
+              </a:rPr>
+              <a:t>Build the code into efficiently to run</a:t>
+            </a:r>
+          </a:p>
+          <a:p>
+            <a:pPr marL="742950" lvl="1" indent="-285750">
+              <a:buFont typeface="Arial" panose="020B0604020202020204" pitchFamily="34" charset="0"/>
+              <a:buChar char="•"/>
+            </a:pPr>
+            <a:r>
+              <a:rPr lang="en-US" sz="1400" dirty="0">
+                <a:solidFill>
+                  <a:schemeClr val="accent3">
+                    <a:lumMod val="75000"/>
+                  </a:schemeClr>
+                </a:solidFill>
+              </a:rPr>
+              <a:t>Build as container</a:t>
+            </a:r>
+          </a:p>
+          <a:p>
+            <a:pPr marL="285750" indent="-285750">
+              <a:buFont typeface="Arial" panose="020B0604020202020204" pitchFamily="34" charset="0"/>
+              <a:buChar char="•"/>
+            </a:pPr>
+            <a:r>
+              <a:rPr lang="en-US" sz="1400" dirty="0" err="1">
+                <a:solidFill>
+                  <a:schemeClr val="accent3">
+                    <a:lumMod val="75000"/>
+                  </a:schemeClr>
+                </a:solidFill>
+              </a:rPr>
+              <a:t>Eventing</a:t>
+            </a:r>
+            <a:endParaRPr lang="en-US" sz="1400" dirty="0">
+              <a:solidFill>
+                <a:schemeClr val="accent3">
+                  <a:lumMod val="75000"/>
+                </a:schemeClr>
+              </a:solidFill>
+            </a:endParaRPr>
+          </a:p>
+          <a:p>
+            <a:pPr marL="742950" lvl="1" indent="-285750">
+              <a:buFont typeface="Arial" panose="020B0604020202020204" pitchFamily="34" charset="0"/>
+              <a:buChar char="•"/>
+            </a:pPr>
+            <a:r>
+              <a:rPr lang="en-US" sz="1400" dirty="0">
+                <a:solidFill>
+                  <a:schemeClr val="accent3">
+                    <a:lumMod val="75000"/>
+                  </a:schemeClr>
+                </a:solidFill>
+              </a:rPr>
+              <a:t>Providing </a:t>
+            </a:r>
+            <a:r>
+              <a:rPr lang="en-US" sz="1400" dirty="0" err="1">
+                <a:solidFill>
+                  <a:schemeClr val="accent3">
+                    <a:lumMod val="75000"/>
+                  </a:schemeClr>
+                </a:solidFill>
+              </a:rPr>
+              <a:t>eventing</a:t>
+            </a:r>
+            <a:r>
+              <a:rPr lang="en-US" sz="1400" dirty="0">
+                <a:solidFill>
+                  <a:schemeClr val="accent3">
+                    <a:lumMod val="75000"/>
+                  </a:schemeClr>
+                </a:solidFill>
+              </a:rPr>
+              <a:t> channel, subscription and event delivery  </a:t>
+            </a:r>
+          </a:p>
+          <a:p>
+            <a:pPr marL="285750" indent="-285750">
+              <a:buFont typeface="Arial" panose="020B0604020202020204" pitchFamily="34" charset="0"/>
+              <a:buChar char="•"/>
+            </a:pPr>
+            <a:r>
+              <a:rPr lang="en-US" sz="1400" dirty="0">
+                <a:solidFill>
+                  <a:schemeClr val="accent3">
+                    <a:lumMod val="75000"/>
+                  </a:schemeClr>
+                </a:solidFill>
+              </a:rPr>
+              <a:t>Infra security</a:t>
+            </a:r>
+          </a:p>
+          <a:p>
+            <a:pPr marL="742950" lvl="1" indent="-285750">
+              <a:buFont typeface="Arial" panose="020B0604020202020204" pitchFamily="34" charset="0"/>
+              <a:buChar char="•"/>
+            </a:pPr>
+            <a:r>
+              <a:rPr lang="en-US" sz="1400" dirty="0">
+                <a:solidFill>
+                  <a:schemeClr val="accent3">
+                    <a:lumMod val="75000"/>
+                  </a:schemeClr>
+                </a:solidFill>
+              </a:rPr>
+              <a:t>TLS</a:t>
+            </a:r>
+          </a:p>
+          <a:p>
+            <a:pPr marL="742950" lvl="1" indent="-285750">
+              <a:buFont typeface="Arial" panose="020B0604020202020204" pitchFamily="34" charset="0"/>
+              <a:buChar char="•"/>
+            </a:pPr>
+            <a:r>
+              <a:rPr lang="en-US" sz="1400" dirty="0">
+                <a:solidFill>
+                  <a:schemeClr val="accent3">
+                    <a:lumMod val="75000"/>
+                  </a:schemeClr>
+                </a:solidFill>
+              </a:rPr>
+              <a:t>DDOS prevention</a:t>
+            </a:r>
+          </a:p>
+          <a:p>
+            <a:pPr marL="285750" indent="-285750">
+              <a:buFont typeface="Arial" panose="020B0604020202020204" pitchFamily="34" charset="0"/>
+              <a:buChar char="•"/>
+            </a:pPr>
+            <a:r>
+              <a:rPr lang="en-US" sz="1400" dirty="0">
+                <a:solidFill>
+                  <a:schemeClr val="accent3">
+                    <a:lumMod val="75000"/>
+                  </a:schemeClr>
+                </a:solidFill>
+              </a:rPr>
+              <a:t>Serve</a:t>
+            </a:r>
+          </a:p>
+          <a:p>
+            <a:pPr marL="742950" lvl="1" indent="-285750">
+              <a:buFont typeface="Arial" panose="020B0604020202020204" pitchFamily="34" charset="0"/>
+              <a:buChar char="•"/>
+            </a:pPr>
+            <a:r>
+              <a:rPr lang="en-US" sz="1400" dirty="0">
+                <a:solidFill>
+                  <a:schemeClr val="accent3">
+                    <a:lumMod val="75000"/>
+                  </a:schemeClr>
+                </a:solidFill>
+              </a:rPr>
+              <a:t>Allow routes to function</a:t>
+            </a:r>
+          </a:p>
+          <a:p>
+            <a:pPr marL="742950" lvl="1" indent="-285750">
+              <a:buFont typeface="Arial" panose="020B0604020202020204" pitchFamily="34" charset="0"/>
+              <a:buChar char="•"/>
+            </a:pPr>
+            <a:r>
+              <a:rPr lang="en-US" sz="1400" dirty="0">
+                <a:solidFill>
+                  <a:schemeClr val="accent3">
+                    <a:lumMod val="75000"/>
+                  </a:schemeClr>
+                </a:solidFill>
+              </a:rPr>
+              <a:t>Scale/Descale as per need</a:t>
+            </a:r>
+          </a:p>
+          <a:p>
+            <a:pPr marL="742950" lvl="1" indent="-285750">
+              <a:buFont typeface="Arial" panose="020B0604020202020204" pitchFamily="34" charset="0"/>
+              <a:buChar char="•"/>
+            </a:pPr>
+            <a:r>
+              <a:rPr lang="en-US" sz="1400" dirty="0">
+                <a:solidFill>
+                  <a:schemeClr val="accent3">
+                    <a:lumMod val="75000"/>
+                  </a:schemeClr>
+                </a:solidFill>
+              </a:rPr>
+              <a:t>Kill overrunning function</a:t>
+            </a:r>
+          </a:p>
+          <a:p>
+            <a:pPr marL="285750" indent="-285750">
+              <a:buFont typeface="Arial" panose="020B0604020202020204" pitchFamily="34" charset="0"/>
+              <a:buChar char="•"/>
+            </a:pPr>
+            <a:endParaRPr lang="en-US" sz="1400" dirty="0">
+              <a:solidFill>
+                <a:schemeClr val="accent3">
+                  <a:lumMod val="75000"/>
+                </a:schemeClr>
+              </a:solidFill>
+            </a:endParaRPr>
+          </a:p>
+          <a:p>
+            <a:pPr marL="285750" indent="-285750">
+              <a:buFont typeface="Arial" panose="020B0604020202020204" pitchFamily="34" charset="0"/>
+              <a:buChar char="•"/>
+            </a:pPr>
+            <a:endParaRPr lang="en-US" sz="1400" dirty="0">
+              <a:solidFill>
+                <a:schemeClr val="accent3">
+                  <a:lumMod val="75000"/>
+                </a:schemeClr>
+              </a:solidFill>
+            </a:endParaRPr>
+          </a:p>
+        </p:txBody>
+      </p:sp>
+      <p:sp>
+        <p:nvSpPr>
+          <p:cNvPr id="7" name="Rectangle 6">
+            <a:extLst>
+              <a:ext uri="{FF2B5EF4-FFF2-40B4-BE49-F238E27FC236}">
+                <a16:creationId xmlns:a16="http://schemas.microsoft.com/office/drawing/2014/main" id="{15B88549-D8C2-47B4-86E6-43C574E48F99}"/>
+              </a:ext>
+            </a:extLst>
+          </p:cNvPr>
+          <p:cNvSpPr/>
+          <p:nvPr/>
+        </p:nvSpPr>
+        <p:spPr>
+          <a:xfrm>
+            <a:off x="4923691" y="740187"/>
+            <a:ext cx="4260502" cy="455444"/>
+          </a:xfrm>
+          <a:prstGeom prst="rect">
+            <a:avLst/>
+          </a:prstGeom>
+          <a:solidFill>
+            <a:schemeClr val="bg1">
+              <a:lumMod val="85000"/>
+            </a:schemeClr>
+          </a:solidFill>
+          <a:ln>
+            <a:noFill/>
+          </a:ln>
+          <a:effectLst/>
+        </p:spPr>
+        <p:style>
+          <a:lnRef idx="1">
+            <a:schemeClr val="accent1"/>
+          </a:lnRef>
+          <a:fillRef idx="3">
+            <a:schemeClr val="accent1"/>
+          </a:fillRef>
+          <a:effectRef idx="2">
+            <a:schemeClr val="accent1"/>
+          </a:effectRef>
+          <a:fontRef idx="minor">
+            <a:schemeClr val="lt1"/>
+          </a:fontRef>
+        </p:style>
+        <p:txBody>
+          <a:bodyPr rtlCol="0" anchor="ctr"/>
+          <a:lstStyle/>
+          <a:p>
+            <a:pPr algn="ctr"/>
+            <a:r>
+              <a:rPr lang="en-US" dirty="0"/>
+              <a:t>Serverless</a:t>
+            </a:r>
+          </a:p>
+        </p:txBody>
+      </p:sp>
+    </p:spTree>
+    <p:extLst>
+      <p:ext uri="{BB962C8B-B14F-4D97-AF65-F5344CB8AC3E}">
+        <p14:creationId xmlns:p14="http://schemas.microsoft.com/office/powerpoint/2010/main" val="1785981419"/>
+      </p:ext>
+    </p:extLst>
+  </p:cSld>
+  <p:clrMapOvr>
+    <a:masterClrMapping/>
+  </p:clrMapOvr>
+</p:sld>
+</file>
+
+<file path=ppt/slides/slide7.xml><?xml version="1.0" encoding="utf-8"?>
+<p:sld xmlns:a="http://schemas.openxmlformats.org/drawingml/2006/main" xmlns:r="http://schemas.openxmlformats.org/officeDocument/2006/relationships" xmlns:p="http://schemas.openxmlformats.org/presentationml/2006/main">
+  <p:cSld>
+    <p:spTree>
+      <p:nvGrpSpPr>
+        <p:cNvPr id="1" name=""/>
+        <p:cNvGrpSpPr/>
+        <p:nvPr/>
+      </p:nvGrpSpPr>
+      <p:grpSpPr>
+        <a:xfrm>
+          <a:off x="0" y="0"/>
+          <a:ext cx="0" cy="0"/>
+          <a:chOff x="0" y="0"/>
+          <a:chExt cx="0" cy="0"/>
+        </a:xfrm>
+      </p:grpSpPr>
+      <p:sp>
+        <p:nvSpPr>
+          <p:cNvPr id="6" name="Title 5">
+            <a:extLst>
+              <a:ext uri="{FF2B5EF4-FFF2-40B4-BE49-F238E27FC236}">
                 <a16:creationId xmlns:a16="http://schemas.microsoft.com/office/drawing/2014/main" id="{2E94D847-B8FA-49C1-8672-CF8C944982B0}"/>
               </a:ext>
             </a:extLst>
@@ -55538,7 +57605,7 @@
 </p:sld>
 </file>
 
-<file path=ppt/slides/slide6.xml><?xml version="1.0" encoding="utf-8"?>
+<file path=ppt/slides/slide8.xml><?xml version="1.0" encoding="utf-8"?>
 <p:sld xmlns:a="http://schemas.openxmlformats.org/drawingml/2006/main" xmlns:r="http://schemas.openxmlformats.org/officeDocument/2006/relationships" xmlns:p="http://schemas.openxmlformats.org/presentationml/2006/main">
   <p:cSld>
     <p:spTree>
@@ -55620,7 +57687,7 @@
 </p:sld>
 </file>
 
-<file path=ppt/slides/slide7.xml><?xml version="1.0" encoding="utf-8"?>
+<file path=ppt/slides/slide9.xml><?xml version="1.0" encoding="utf-8"?>
 <p:sld xmlns:a="http://schemas.openxmlformats.org/drawingml/2006/main" xmlns:r="http://schemas.openxmlformats.org/officeDocument/2006/relationships" xmlns:p="http://schemas.openxmlformats.org/presentationml/2006/main">
   <p:cSld>
     <p:spTree>
@@ -55704,495 +57771,6 @@
     <p:extLst>
       <p:ext uri="{BB962C8B-B14F-4D97-AF65-F5344CB8AC3E}">
         <p14:creationId xmlns:p14="http://schemas.microsoft.com/office/powerpoint/2010/main" val="3132844442"/>
-      </p:ext>
-    </p:extLst>
-  </p:cSld>
-  <p:clrMapOvr>
-    <a:masterClrMapping/>
-  </p:clrMapOvr>
-</p:sld>
-</file>
-
-<file path=ppt/slides/slide8.xml><?xml version="1.0" encoding="utf-8"?>
-<p:sld xmlns:a="http://schemas.openxmlformats.org/drawingml/2006/main" xmlns:r="http://schemas.openxmlformats.org/officeDocument/2006/relationships" xmlns:p="http://schemas.openxmlformats.org/presentationml/2006/main">
-  <p:cSld>
-    <p:spTree>
-      <p:nvGrpSpPr>
-        <p:cNvPr id="1" name=""/>
-        <p:cNvGrpSpPr/>
-        <p:nvPr/>
-      </p:nvGrpSpPr>
-      <p:grpSpPr>
-        <a:xfrm>
-          <a:off x="0" y="0"/>
-          <a:ext cx="0" cy="0"/>
-          <a:chOff x="0" y="0"/>
-          <a:chExt cx="0" cy="0"/>
-        </a:xfrm>
-      </p:grpSpPr>
-      <p:sp>
-        <p:nvSpPr>
-          <p:cNvPr id="2" name="Title 1">
-            <a:extLst>
-              <a:ext uri="{FF2B5EF4-FFF2-40B4-BE49-F238E27FC236}">
-                <a16:creationId xmlns:a16="http://schemas.microsoft.com/office/drawing/2014/main" id="{81B6DBCC-4A5C-4797-879E-88A83E6AFEBF}"/>
-              </a:ext>
-            </a:extLst>
-          </p:cNvPr>
-          <p:cNvSpPr>
-            <a:spLocks noGrp="1"/>
-          </p:cNvSpPr>
-          <p:nvPr>
-            <p:ph type="title"/>
-          </p:nvPr>
-        </p:nvSpPr>
-        <p:spPr/>
-        <p:txBody>
-          <a:bodyPr/>
-          <a:lstStyle/>
-          <a:p>
-            <a:r>
-              <a:rPr lang="en-US" dirty="0"/>
-              <a:t>Advantage of Choosing Cloud Extension </a:t>
-            </a:r>
-            <a:r>
-              <a:rPr lang="en-US" dirty="0" err="1"/>
-              <a:t>FaaS</a:t>
-            </a:r>
-            <a:endParaRPr lang="en-US" dirty="0"/>
-          </a:p>
-        </p:txBody>
-      </p:sp>
-      <p:sp>
-        <p:nvSpPr>
-          <p:cNvPr id="3" name="Text Placeholder 2">
-            <a:extLst>
-              <a:ext uri="{FF2B5EF4-FFF2-40B4-BE49-F238E27FC236}">
-                <a16:creationId xmlns:a16="http://schemas.microsoft.com/office/drawing/2014/main" id="{E494898E-5A28-4E6B-888B-8AE97C53736E}"/>
-              </a:ext>
-            </a:extLst>
-          </p:cNvPr>
-          <p:cNvSpPr>
-            <a:spLocks noGrp="1"/>
-          </p:cNvSpPr>
-          <p:nvPr>
-            <p:ph type="body" sz="quarter" idx="13"/>
-          </p:nvPr>
-        </p:nvSpPr>
-        <p:spPr/>
-        <p:txBody>
-          <a:bodyPr>
-            <a:normAutofit lnSpcReduction="10000"/>
-          </a:bodyPr>
-          <a:lstStyle/>
-          <a:p>
-            <a:pPr marL="342900" indent="-342900">
-              <a:buFont typeface="Arial" panose="020B0604020202020204" pitchFamily="34" charset="0"/>
-              <a:buChar char="•"/>
-            </a:pPr>
-            <a:r>
-              <a:rPr lang="en-US" sz="1400" dirty="0">
-                <a:solidFill>
-                  <a:schemeClr val="accent3">
-                    <a:lumMod val="75000"/>
-                  </a:schemeClr>
-                </a:solidFill>
-              </a:rPr>
-              <a:t>If we choose any Kubernetes based </a:t>
-            </a:r>
-            <a:r>
-              <a:rPr lang="en-US" sz="1400" dirty="0" err="1">
-                <a:solidFill>
-                  <a:schemeClr val="accent3">
-                    <a:lumMod val="75000"/>
-                  </a:schemeClr>
-                </a:solidFill>
-              </a:rPr>
-              <a:t>FaaS</a:t>
-            </a:r>
-            <a:r>
-              <a:rPr lang="en-US" sz="1400" dirty="0">
-                <a:solidFill>
-                  <a:schemeClr val="accent3">
-                    <a:lumMod val="75000"/>
-                  </a:schemeClr>
-                </a:solidFill>
-              </a:rPr>
-              <a:t> then we would have to have Kubernetes on public cloud provider</a:t>
-            </a:r>
-          </a:p>
-          <a:p>
-            <a:pPr marL="342900" indent="-342900">
-              <a:buFont typeface="Arial" panose="020B0604020202020204" pitchFamily="34" charset="0"/>
-              <a:buChar char="•"/>
-            </a:pPr>
-            <a:r>
-              <a:rPr lang="en-US" sz="1400" dirty="0">
-                <a:solidFill>
-                  <a:schemeClr val="accent3">
-                    <a:lumMod val="75000"/>
-                  </a:schemeClr>
-                </a:solidFill>
-              </a:rPr>
-              <a:t>We need to ensure that the </a:t>
-            </a:r>
-            <a:r>
-              <a:rPr lang="en-US" sz="1400" dirty="0" err="1">
-                <a:solidFill>
-                  <a:schemeClr val="accent3">
-                    <a:lumMod val="75000"/>
-                  </a:schemeClr>
-                </a:solidFill>
-              </a:rPr>
-              <a:t>FaaS</a:t>
-            </a:r>
-            <a:r>
-              <a:rPr lang="en-US" sz="1400" dirty="0">
-                <a:solidFill>
-                  <a:schemeClr val="accent3">
-                    <a:lumMod val="75000"/>
-                  </a:schemeClr>
-                </a:solidFill>
-              </a:rPr>
-              <a:t> can run seamlessly in managed provider</a:t>
-            </a:r>
-          </a:p>
-          <a:p>
-            <a:pPr marL="342900" indent="-342900">
-              <a:buFont typeface="Arial" panose="020B0604020202020204" pitchFamily="34" charset="0"/>
-              <a:buChar char="•"/>
-            </a:pPr>
-            <a:r>
-              <a:rPr lang="en-US" sz="1400" dirty="0">
-                <a:solidFill>
-                  <a:schemeClr val="accent3">
-                    <a:lumMod val="75000"/>
-                  </a:schemeClr>
-                </a:solidFill>
-              </a:rPr>
-              <a:t>Every cloud provider has their home grown </a:t>
-            </a:r>
-            <a:r>
-              <a:rPr lang="en-US" sz="1400" dirty="0" err="1">
-                <a:solidFill>
-                  <a:schemeClr val="accent3">
-                    <a:lumMod val="75000"/>
-                  </a:schemeClr>
-                </a:solidFill>
-              </a:rPr>
-              <a:t>FaaS</a:t>
-            </a:r>
-            <a:r>
-              <a:rPr lang="en-US" sz="1400" dirty="0">
-                <a:solidFill>
-                  <a:schemeClr val="accent3">
-                    <a:lumMod val="75000"/>
-                  </a:schemeClr>
-                </a:solidFill>
-              </a:rPr>
-              <a:t>, which are much cheaper than the maintaining Kubernetes cluster.</a:t>
-            </a:r>
-          </a:p>
-          <a:p>
-            <a:pPr marL="342900" indent="-342900">
-              <a:buFont typeface="Arial" panose="020B0604020202020204" pitchFamily="34" charset="0"/>
-              <a:buChar char="•"/>
-            </a:pPr>
-            <a:r>
-              <a:rPr lang="en-US" sz="1400" dirty="0">
-                <a:solidFill>
-                  <a:schemeClr val="accent3">
-                    <a:lumMod val="75000"/>
-                  </a:schemeClr>
-                </a:solidFill>
-              </a:rPr>
-              <a:t>Unlike Kubernetes cluster we need not worry about patching or upgrading Kubernetes</a:t>
-            </a:r>
-          </a:p>
-          <a:p>
-            <a:pPr marL="342900" indent="-342900">
-              <a:buFont typeface="Arial" panose="020B0604020202020204" pitchFamily="34" charset="0"/>
-              <a:buChar char="•"/>
-            </a:pPr>
-            <a:r>
-              <a:rPr lang="en-US" sz="1400" dirty="0">
-                <a:solidFill>
-                  <a:schemeClr val="accent3">
-                    <a:lumMod val="75000"/>
-                  </a:schemeClr>
-                </a:solidFill>
-              </a:rPr>
-              <a:t>Security is provided OOB when we migrate to public cloud for all these </a:t>
-            </a:r>
-            <a:r>
-              <a:rPr lang="en-US" sz="1400" dirty="0" err="1">
-                <a:solidFill>
-                  <a:schemeClr val="accent3">
-                    <a:lumMod val="75000"/>
-                  </a:schemeClr>
-                </a:solidFill>
-              </a:rPr>
-              <a:t>FaaS</a:t>
-            </a:r>
-            <a:r>
-              <a:rPr lang="en-US" sz="1400" dirty="0">
-                <a:solidFill>
-                  <a:schemeClr val="accent3">
-                    <a:lumMod val="75000"/>
-                  </a:schemeClr>
-                </a:solidFill>
-              </a:rPr>
-              <a:t> against Kubernetes where we will have to configure it</a:t>
-            </a:r>
-          </a:p>
-          <a:p>
-            <a:pPr marL="342900" indent="-342900">
-              <a:buFont typeface="Arial" panose="020B0604020202020204" pitchFamily="34" charset="0"/>
-              <a:buChar char="•"/>
-            </a:pPr>
-            <a:r>
-              <a:rPr lang="en-US" sz="1400" dirty="0">
-                <a:solidFill>
-                  <a:schemeClr val="accent3">
-                    <a:lumMod val="75000"/>
-                  </a:schemeClr>
-                </a:solidFill>
-              </a:rPr>
-              <a:t>Backing services like Logging and Monitoring will be offered OOB for managed </a:t>
-            </a:r>
-            <a:r>
-              <a:rPr lang="en-US" sz="1400" dirty="0" err="1">
-                <a:solidFill>
-                  <a:schemeClr val="accent3">
-                    <a:lumMod val="75000"/>
-                  </a:schemeClr>
-                </a:solidFill>
-              </a:rPr>
-              <a:t>FaaS</a:t>
-            </a:r>
-            <a:r>
-              <a:rPr lang="en-US" sz="1400" dirty="0">
-                <a:solidFill>
-                  <a:schemeClr val="accent3">
-                    <a:lumMod val="75000"/>
-                  </a:schemeClr>
-                </a:solidFill>
-              </a:rPr>
-              <a:t> in that cloud provider rather than we working that.</a:t>
-            </a:r>
-          </a:p>
-          <a:p>
-            <a:pPr marL="342900" indent="-342900">
-              <a:buFont typeface="Arial" panose="020B0604020202020204" pitchFamily="34" charset="0"/>
-              <a:buChar char="•"/>
-            </a:pPr>
-            <a:r>
-              <a:rPr lang="en-US" sz="1400" dirty="0">
-                <a:solidFill>
-                  <a:schemeClr val="accent3">
-                    <a:lumMod val="75000"/>
-                  </a:schemeClr>
-                </a:solidFill>
-              </a:rPr>
-              <a:t>The serverless aspects like Hot start, cold start, Running on multiple nodes, state maintenance in case of orchestration will all be provided by the Public provider rather than we configuring it</a:t>
-            </a:r>
-          </a:p>
-          <a:p>
-            <a:pPr marL="342900" indent="-342900">
-              <a:buFont typeface="Arial" panose="020B0604020202020204" pitchFamily="34" charset="0"/>
-              <a:buChar char="•"/>
-            </a:pPr>
-            <a:r>
-              <a:rPr lang="en-US" sz="1400" dirty="0">
-                <a:solidFill>
-                  <a:schemeClr val="accent3">
-                    <a:lumMod val="75000"/>
-                  </a:schemeClr>
-                </a:solidFill>
-              </a:rPr>
-              <a:t>When we move to that Target cloud provider and if we have chosen the </a:t>
-            </a:r>
-            <a:r>
-              <a:rPr lang="en-US" sz="1400" dirty="0" err="1">
-                <a:solidFill>
-                  <a:schemeClr val="accent3">
-                    <a:lumMod val="75000"/>
-                  </a:schemeClr>
-                </a:solidFill>
-              </a:rPr>
-              <a:t>FaaS</a:t>
-            </a:r>
-            <a:r>
-              <a:rPr lang="en-US" sz="1400" dirty="0">
-                <a:solidFill>
-                  <a:schemeClr val="accent3">
-                    <a:lumMod val="75000"/>
-                  </a:schemeClr>
-                </a:solidFill>
-              </a:rPr>
-              <a:t> that operated on that cloud provider then it is all changing the endpoint of CD and rest is all seamless</a:t>
-            </a:r>
-          </a:p>
-          <a:p>
-            <a:pPr marL="342900" indent="-342900">
-              <a:buFont typeface="Arial" panose="020B0604020202020204" pitchFamily="34" charset="0"/>
-              <a:buChar char="•"/>
-            </a:pPr>
-            <a:endParaRPr lang="en-US" sz="1200" dirty="0">
-              <a:solidFill>
-                <a:schemeClr val="accent3">
-                  <a:lumMod val="75000"/>
-                </a:schemeClr>
-              </a:solidFill>
-            </a:endParaRPr>
-          </a:p>
-        </p:txBody>
-      </p:sp>
-    </p:spTree>
-    <p:extLst>
-      <p:ext uri="{BB962C8B-B14F-4D97-AF65-F5344CB8AC3E}">
-        <p14:creationId xmlns:p14="http://schemas.microsoft.com/office/powerpoint/2010/main" val="938516000"/>
-      </p:ext>
-    </p:extLst>
-  </p:cSld>
-  <p:clrMapOvr>
-    <a:masterClrMapping/>
-  </p:clrMapOvr>
-</p:sld>
-</file>
-
-<file path=ppt/slides/slide9.xml><?xml version="1.0" encoding="utf-8"?>
-<p:sld xmlns:a="http://schemas.openxmlformats.org/drawingml/2006/main" xmlns:r="http://schemas.openxmlformats.org/officeDocument/2006/relationships" xmlns:p="http://schemas.openxmlformats.org/presentationml/2006/main">
-  <p:cSld>
-    <p:spTree>
-      <p:nvGrpSpPr>
-        <p:cNvPr id="1" name=""/>
-        <p:cNvGrpSpPr/>
-        <p:nvPr/>
-      </p:nvGrpSpPr>
-      <p:grpSpPr>
-        <a:xfrm>
-          <a:off x="0" y="0"/>
-          <a:ext cx="0" cy="0"/>
-          <a:chOff x="0" y="0"/>
-          <a:chExt cx="0" cy="0"/>
-        </a:xfrm>
-      </p:grpSpPr>
-      <p:sp>
-        <p:nvSpPr>
-          <p:cNvPr id="2" name="Title 1">
-            <a:extLst>
-              <a:ext uri="{FF2B5EF4-FFF2-40B4-BE49-F238E27FC236}">
-                <a16:creationId xmlns:a16="http://schemas.microsoft.com/office/drawing/2014/main" id="{80D6B9E9-E589-4099-9F49-1F83C7C68912}"/>
-              </a:ext>
-            </a:extLst>
-          </p:cNvPr>
-          <p:cNvSpPr>
-            <a:spLocks noGrp="1"/>
-          </p:cNvSpPr>
-          <p:nvPr>
-            <p:ph type="title"/>
-          </p:nvPr>
-        </p:nvSpPr>
-        <p:spPr/>
-        <p:txBody>
-          <a:bodyPr/>
-          <a:lstStyle/>
-          <a:p>
-            <a:r>
-              <a:rPr lang="en-US" dirty="0"/>
-              <a:t>Deep Dive</a:t>
-            </a:r>
-          </a:p>
-        </p:txBody>
-      </p:sp>
-      <p:sp>
-        <p:nvSpPr>
-          <p:cNvPr id="3" name="Text Placeholder 2">
-            <a:extLst>
-              <a:ext uri="{FF2B5EF4-FFF2-40B4-BE49-F238E27FC236}">
-                <a16:creationId xmlns:a16="http://schemas.microsoft.com/office/drawing/2014/main" id="{D55E326D-0884-4153-8C80-2C276A0FCA75}"/>
-              </a:ext>
-            </a:extLst>
-          </p:cNvPr>
-          <p:cNvSpPr>
-            <a:spLocks noGrp="1"/>
-          </p:cNvSpPr>
-          <p:nvPr>
-            <p:ph type="body" sz="quarter" idx="13"/>
-          </p:nvPr>
-        </p:nvSpPr>
-        <p:spPr>
-          <a:xfrm>
-            <a:off x="314858" y="994478"/>
-            <a:ext cx="5318687" cy="3280567"/>
-          </a:xfrm>
-        </p:spPr>
-        <p:txBody>
-          <a:bodyPr>
-            <a:normAutofit fontScale="85000" lnSpcReduction="10000"/>
-          </a:bodyPr>
-          <a:lstStyle/>
-          <a:p>
-            <a:pPr>
-              <a:spcBef>
-                <a:spcPct val="0"/>
-              </a:spcBef>
-            </a:pPr>
-            <a:r>
-              <a:rPr lang="en-US" sz="6600" dirty="0">
-                <a:solidFill>
-                  <a:srgbClr val="4CB4D1"/>
-                </a:solidFill>
-                <a:latin typeface="+mj-lt"/>
-                <a:ea typeface="+mj-ea"/>
-                <a:cs typeface="+mj-cs"/>
-              </a:rPr>
-              <a:t>Here we Deep Dive one option i.e. Azure Function 2.0</a:t>
-            </a:r>
-          </a:p>
-        </p:txBody>
-      </p:sp>
-      <p:pic>
-        <p:nvPicPr>
-          <p:cNvPr id="7" name="Picture 6" descr="A close up of a sign&#10;&#10;Description automatically generated">
-            <a:extLst>
-              <a:ext uri="{FF2B5EF4-FFF2-40B4-BE49-F238E27FC236}">
-                <a16:creationId xmlns:a16="http://schemas.microsoft.com/office/drawing/2014/main" id="{95E0806D-5EE2-43AF-BAEF-914672C9129F}"/>
-              </a:ext>
-            </a:extLst>
-          </p:cNvPr>
-          <p:cNvPicPr>
-            <a:picLocks noChangeAspect="1"/>
-          </p:cNvPicPr>
-          <p:nvPr/>
-        </p:nvPicPr>
-        <p:blipFill>
-          <a:blip r:embed="rId2">
-            <a:extLst>
-              <a:ext uri="{28A0092B-C50C-407E-A947-70E740481C1C}">
-                <a14:useLocalDpi xmlns:a14="http://schemas.microsoft.com/office/drawing/2010/main" val="0"/>
-              </a:ext>
-            </a:extLst>
-          </a:blip>
-          <a:stretch>
-            <a:fillRect/>
-          </a:stretch>
-        </p:blipFill>
-        <p:spPr>
-          <a:xfrm>
-            <a:off x="5818822" y="697202"/>
-            <a:ext cx="3010320" cy="3477110"/>
-          </a:xfrm>
-          <a:prstGeom prst="rect">
-            <a:avLst/>
-          </a:prstGeom>
-        </p:spPr>
-      </p:pic>
-    </p:spTree>
-    <p:extLst>
-      <p:ext uri="{BB962C8B-B14F-4D97-AF65-F5344CB8AC3E}">
-        <p14:creationId xmlns:p14="http://schemas.microsoft.com/office/powerpoint/2010/main" val="4107248312"/>
       </p:ext>
     </p:extLst>
   </p:cSld>
